--- a/media/edge.pptx
+++ b/media/edge.pptx
@@ -5,17 +5,19 @@
     <p:sldMasterId id="2147483743" r:id="rId1"/>
   </p:sldMasterIdLst>
   <p:notesMasterIdLst>
-    <p:notesMasterId r:id="rId7"/>
+    <p:notesMasterId r:id="rId9"/>
   </p:notesMasterIdLst>
   <p:handoutMasterIdLst>
-    <p:handoutMasterId r:id="rId8"/>
+    <p:handoutMasterId r:id="rId10"/>
   </p:handoutMasterIdLst>
   <p:sldIdLst>
     <p:sldId id="314" r:id="rId2"/>
     <p:sldId id="318" r:id="rId3"/>
     <p:sldId id="315" r:id="rId4"/>
-    <p:sldId id="316" r:id="rId5"/>
-    <p:sldId id="317" r:id="rId6"/>
+    <p:sldId id="319" r:id="rId5"/>
+    <p:sldId id="316" r:id="rId6"/>
+    <p:sldId id="320" r:id="rId7"/>
+    <p:sldId id="317" r:id="rId8"/>
   </p:sldIdLst>
   <p:sldSz cx="12192000" cy="6858000"/>
   <p:notesSz cx="6858000" cy="9144000"/>
@@ -207,7 +209,7 @@
           <a:p>
             <a:fld id="{47277FB0-21EC-48C5-90B0-184600466A6C}" type="datetimeFigureOut">
               <a:rPr lang="zh-CN" altLang="en-US" smtClean="0"/>
-              <a:t>2018/11/30</a:t>
+              <a:t>2018/12/25</a:t>
             </a:fld>
             <a:endParaRPr lang="zh-CN" altLang="en-US"/>
           </a:p>
@@ -372,7 +374,7 @@
           <a:p>
             <a:fld id="{9C967889-4715-5C4F-A252-FFC716185AB6}" type="datetimeFigureOut">
               <a:rPr lang="en-US" smtClean="0"/>
-              <a:t>11/30/18</a:t>
+              <a:t>12/25/18</a:t>
             </a:fld>
             <a:endParaRPr lang="en-US"/>
           </a:p>
@@ -4984,7 +4986,10 @@
             <a:lstStyle/>
             <a:p>
               <a:pPr algn="ctr"/>
-              <a:endParaRPr kumimoji="1" lang="zh-CN" altLang="en-US" sz="1600"/>
+              <a:endParaRPr kumimoji="1" lang="zh-CN" altLang="en-US" sz="1600">
+                <a:latin typeface="Microsoft YaHei" panose="020B0503020204020204" pitchFamily="34" charset="-122"/>
+                <a:ea typeface="Microsoft YaHei" panose="020B0503020204020204" pitchFamily="34" charset="-122"/>
+              </a:endParaRPr>
             </a:p>
           </p:txBody>
         </p:sp>
@@ -5036,7 +5041,10 @@
             <a:lstStyle/>
             <a:p>
               <a:pPr algn="ctr"/>
-              <a:endParaRPr kumimoji="1" lang="zh-CN" altLang="en-US" sz="1600"/>
+              <a:endParaRPr kumimoji="1" lang="zh-CN" altLang="en-US" sz="1600">
+                <a:latin typeface="Microsoft YaHei" panose="020B0503020204020204" pitchFamily="34" charset="-122"/>
+                <a:ea typeface="Microsoft YaHei" panose="020B0503020204020204" pitchFamily="34" charset="-122"/>
+              </a:endParaRPr>
             </a:p>
           </p:txBody>
         </p:sp>
@@ -5089,7 +5097,8 @@
             <a:p>
               <a:pPr algn="ctr"/>
               <a:endParaRPr kumimoji="1" lang="zh-CN" altLang="en-US" sz="1600">
-                <a:latin typeface="Helvetica Light" panose="020B0403020202020204" pitchFamily="34" charset="0"/>
+                <a:latin typeface="Microsoft YaHei" panose="020B0503020204020204" pitchFamily="34" charset="-122"/>
+                <a:ea typeface="Microsoft YaHei" panose="020B0503020204020204" pitchFamily="34" charset="-122"/>
               </a:endParaRPr>
             </a:p>
           </p:txBody>
@@ -5125,9 +5134,10 @@
               <a:r>
                 <a:rPr kumimoji="1" lang="zh-CN" altLang="en-US" sz="1400" dirty="0">
                   <a:solidFill>
-                    <a:srgbClr val="737794"/>
+                    <a:srgbClr val="393C57"/>
                   </a:solidFill>
-                  <a:latin typeface="Helvetica" pitchFamily="2" charset="0"/>
+                  <a:latin typeface="Microsoft YaHei" panose="020B0503020204020204" pitchFamily="34" charset="-122"/>
+                  <a:ea typeface="Microsoft YaHei" panose="020B0503020204020204" pitchFamily="34" charset="-122"/>
                 </a:rPr>
                 <a:t>添加连接</a:t>
               </a:r>
@@ -5165,9 +5175,10 @@
               <a:r>
                 <a:rPr kumimoji="1" lang="zh-CN" altLang="en-US" sz="1400" dirty="0">
                   <a:solidFill>
-                    <a:srgbClr val="737794"/>
+                    <a:srgbClr val="393C57"/>
                   </a:solidFill>
-                  <a:latin typeface="Helvetica" pitchFamily="2" charset="0"/>
+                  <a:latin typeface="Microsoft YaHei" panose="020B0503020204020204" pitchFamily="34" charset="-122"/>
+                  <a:ea typeface="Microsoft YaHei" panose="020B0503020204020204" pitchFamily="34" charset="-122"/>
                 </a:rPr>
                 <a:t>添加设备</a:t>
               </a:r>
@@ -5198,7 +5209,7 @@
             </a:prstGeom>
             <a:ln w="25400">
               <a:solidFill>
-                <a:srgbClr val="D8D9E6"/>
+                <a:srgbClr val="A2A5BC"/>
               </a:solidFill>
               <a:tailEnd type="triangle"/>
             </a:ln>
@@ -5242,7 +5253,7 @@
             </a:prstGeom>
             <a:ln w="25400">
               <a:solidFill>
-                <a:srgbClr val="D8D9E6"/>
+                <a:srgbClr val="A2A5BC"/>
               </a:solidFill>
               <a:tailEnd type="triangle"/>
             </a:ln>
@@ -5310,7 +5321,10 @@
             <a:lstStyle/>
             <a:p>
               <a:pPr algn="ctr"/>
-              <a:endParaRPr kumimoji="1" lang="zh-CN" altLang="en-US" sz="1600"/>
+              <a:endParaRPr kumimoji="1" lang="zh-CN" altLang="en-US" sz="1600">
+                <a:latin typeface="Microsoft YaHei" panose="020B0503020204020204" pitchFamily="34" charset="-122"/>
+                <a:ea typeface="Microsoft YaHei" panose="020B0503020204020204" pitchFamily="34" charset="-122"/>
+              </a:endParaRPr>
             </a:p>
           </p:txBody>
         </p:sp>
@@ -5362,7 +5376,10 @@
             <a:lstStyle/>
             <a:p>
               <a:pPr algn="ctr"/>
-              <a:endParaRPr kumimoji="1" lang="zh-CN" altLang="en-US" sz="1600"/>
+              <a:endParaRPr kumimoji="1" lang="zh-CN" altLang="en-US" sz="1600">
+                <a:latin typeface="Microsoft YaHei" panose="020B0503020204020204" pitchFamily="34" charset="-122"/>
+                <a:ea typeface="Microsoft YaHei" panose="020B0503020204020204" pitchFamily="34" charset="-122"/>
+              </a:endParaRPr>
             </a:p>
           </p:txBody>
         </p:sp>
@@ -5415,7 +5432,8 @@
             <a:p>
               <a:pPr algn="ctr"/>
               <a:endParaRPr kumimoji="1" lang="zh-CN" altLang="en-US" sz="1600">
-                <a:latin typeface="Helvetica Light" panose="020B0403020202020204" pitchFamily="34" charset="0"/>
+                <a:latin typeface="Microsoft YaHei" panose="020B0503020204020204" pitchFamily="34" charset="-122"/>
+                <a:ea typeface="Microsoft YaHei" panose="020B0503020204020204" pitchFamily="34" charset="-122"/>
               </a:endParaRPr>
             </a:p>
           </p:txBody>
@@ -5451,9 +5469,10 @@
               <a:r>
                 <a:rPr kumimoji="1" lang="zh-CN" altLang="en-US" sz="1400" dirty="0">
                   <a:solidFill>
-                    <a:srgbClr val="737794"/>
+                    <a:srgbClr val="393C57"/>
                   </a:solidFill>
-                  <a:latin typeface="Helvetica" pitchFamily="2" charset="0"/>
+                  <a:latin typeface="Microsoft YaHei" panose="020B0503020204020204" pitchFamily="34" charset="-122"/>
+                  <a:ea typeface="Microsoft YaHei" panose="020B0503020204020204" pitchFamily="34" charset="-122"/>
                 </a:rPr>
                 <a:t>发布配置</a:t>
               </a:r>
@@ -5491,9 +5510,10 @@
               <a:r>
                 <a:rPr kumimoji="1" lang="zh-CN" altLang="en-US" sz="1400" dirty="0">
                   <a:solidFill>
-                    <a:srgbClr val="737794"/>
+                    <a:srgbClr val="393C57"/>
                   </a:solidFill>
-                  <a:latin typeface="Helvetica" pitchFamily="2" charset="0"/>
+                  <a:latin typeface="Microsoft YaHei" panose="020B0503020204020204" pitchFamily="34" charset="-122"/>
+                  <a:ea typeface="Microsoft YaHei" panose="020B0503020204020204" pitchFamily="34" charset="-122"/>
                 </a:rPr>
                 <a:t>添加盒子</a:t>
               </a:r>
@@ -5524,7 +5544,7 @@
             </a:prstGeom>
             <a:ln w="25400">
               <a:solidFill>
-                <a:srgbClr val="D8D9E6"/>
+                <a:srgbClr val="A2A5BC"/>
               </a:solidFill>
               <a:tailEnd type="triangle"/>
             </a:ln>
@@ -5580,9 +5600,10 @@
               <a:r>
                 <a:rPr kumimoji="1" lang="zh-CN" altLang="en-US" sz="1400" dirty="0">
                   <a:solidFill>
-                    <a:srgbClr val="737794"/>
+                    <a:srgbClr val="393C57"/>
                   </a:solidFill>
-                  <a:latin typeface="Helvetica" pitchFamily="2" charset="0"/>
+                  <a:latin typeface="Microsoft YaHei" panose="020B0503020204020204" pitchFamily="34" charset="-122"/>
+                  <a:ea typeface="Microsoft YaHei" panose="020B0503020204020204" pitchFamily="34" charset="-122"/>
                 </a:rPr>
                 <a:t>通信测试</a:t>
               </a:r>
@@ -5613,7 +5634,7 @@
             </a:prstGeom>
             <a:ln w="25400">
               <a:solidFill>
-                <a:srgbClr val="D8D9E6"/>
+                <a:srgbClr val="A2A5BC"/>
               </a:solidFill>
               <a:tailEnd type="triangle"/>
             </a:ln>
@@ -5657,7 +5678,7 @@
             </a:prstGeom>
             <a:ln w="25400">
               <a:solidFill>
-                <a:srgbClr val="D8D9E6"/>
+                <a:srgbClr val="A2A5BC"/>
               </a:solidFill>
               <a:tailEnd type="triangle"/>
             </a:ln>
@@ -5708,9 +5729,10 @@
               <a:r>
                 <a:rPr kumimoji="1" lang="zh-CN" altLang="en-US" sz="1400" dirty="0">
                   <a:solidFill>
-                    <a:srgbClr val="737794"/>
+                    <a:srgbClr val="393C57"/>
                   </a:solidFill>
-                  <a:latin typeface="Helvetica" pitchFamily="2" charset="0"/>
+                  <a:latin typeface="Microsoft YaHei" panose="020B0503020204020204" pitchFamily="34" charset="-122"/>
+                  <a:ea typeface="Microsoft YaHei" panose="020B0503020204020204" pitchFamily="34" charset="-122"/>
                 </a:rPr>
                 <a:t>配置逻辑地址或偏移量</a:t>
               </a:r>
@@ -7793,6 +7815,1950 @@
 </file>
 
 <file path=ppt/slides/slide4.xml><?xml version="1.0" encoding="utf-8"?>
+<p:sld xmlns:a="http://schemas.openxmlformats.org/drawingml/2006/main" xmlns:r="http://schemas.openxmlformats.org/officeDocument/2006/relationships" xmlns:p="http://schemas.openxmlformats.org/presentationml/2006/main">
+  <p:cSld>
+    <p:spTree>
+      <p:nvGrpSpPr>
+        <p:cNvPr id="1" name=""/>
+        <p:cNvGrpSpPr/>
+        <p:nvPr/>
+      </p:nvGrpSpPr>
+      <p:grpSpPr>
+        <a:xfrm>
+          <a:off x="0" y="0"/>
+          <a:ext cx="0" cy="0"/>
+          <a:chOff x="0" y="0"/>
+          <a:chExt cx="0" cy="0"/>
+        </a:xfrm>
+      </p:grpSpPr>
+      <p:sp>
+        <p:nvSpPr>
+          <p:cNvPr id="42" name="文本框 41">
+            <a:extLst>
+              <a:ext uri="{FF2B5EF4-FFF2-40B4-BE49-F238E27FC236}">
+                <a16:creationId xmlns:a16="http://schemas.microsoft.com/office/drawing/2014/main" id="{B5A4A6C0-BF03-BE49-BEE6-9F3B959B7C90}"/>
+              </a:ext>
+            </a:extLst>
+          </p:cNvPr>
+          <p:cNvSpPr txBox="1"/>
+          <p:nvPr/>
+        </p:nvSpPr>
+        <p:spPr>
+          <a:xfrm>
+            <a:off x="851338" y="299545"/>
+            <a:ext cx="1612942" cy="369332"/>
+          </a:xfrm>
+          <a:prstGeom prst="rect">
+            <a:avLst/>
+          </a:prstGeom>
+          <a:noFill/>
+        </p:spPr>
+        <p:txBody>
+          <a:bodyPr wrap="none" rtlCol="0">
+            <a:spAutoFit/>
+          </a:bodyPr>
+          <a:lstStyle/>
+          <a:p>
+            <a:r>
+              <a:rPr kumimoji="1" lang="en-US" altLang="zh-CN" dirty="0"/>
+              <a:t>Image001.png</a:t>
+            </a:r>
+            <a:endParaRPr kumimoji="1" lang="zh-CN" altLang="en-US" dirty="0"/>
+          </a:p>
+        </p:txBody>
+      </p:sp>
+      <p:grpSp>
+        <p:nvGrpSpPr>
+          <p:cNvPr id="43" name="组合 42">
+            <a:extLst>
+              <a:ext uri="{FF2B5EF4-FFF2-40B4-BE49-F238E27FC236}">
+                <a16:creationId xmlns:a16="http://schemas.microsoft.com/office/drawing/2014/main" id="{6F3B2F64-BD61-5440-91D7-E9066CA839BD}"/>
+              </a:ext>
+            </a:extLst>
+          </p:cNvPr>
+          <p:cNvGrpSpPr/>
+          <p:nvPr/>
+        </p:nvGrpSpPr>
+        <p:grpSpPr>
+          <a:xfrm>
+            <a:off x="1524699" y="1256206"/>
+            <a:ext cx="9063310" cy="4884651"/>
+            <a:chOff x="1524699" y="1256206"/>
+            <a:chExt cx="9063310" cy="4884651"/>
+          </a:xfrm>
+        </p:grpSpPr>
+        <p:sp>
+          <p:nvSpPr>
+            <p:cNvPr id="44" name="矩形 43">
+              <a:extLst>
+                <a:ext uri="{FF2B5EF4-FFF2-40B4-BE49-F238E27FC236}">
+                  <a16:creationId xmlns:a16="http://schemas.microsoft.com/office/drawing/2014/main" id="{80B52F6A-061A-8747-92DA-22B40F950060}"/>
+                </a:ext>
+              </a:extLst>
+            </p:cNvPr>
+            <p:cNvSpPr>
+              <a:spLocks/>
+            </p:cNvSpPr>
+            <p:nvPr/>
+          </p:nvSpPr>
+          <p:spPr>
+            <a:xfrm>
+              <a:off x="3734084" y="1891426"/>
+              <a:ext cx="1099932" cy="724959"/>
+            </a:xfrm>
+            <a:prstGeom prst="rect">
+              <a:avLst/>
+            </a:prstGeom>
+            <a:solidFill>
+              <a:srgbClr val="F5F5FA"/>
+            </a:solidFill>
+            <a:ln>
+              <a:noFill/>
+            </a:ln>
+          </p:spPr>
+          <p:style>
+            <a:lnRef idx="2">
+              <a:schemeClr val="accent1">
+                <a:shade val="50000"/>
+              </a:schemeClr>
+            </a:lnRef>
+            <a:fillRef idx="1">
+              <a:schemeClr val="accent1"/>
+            </a:fillRef>
+            <a:effectRef idx="0">
+              <a:schemeClr val="accent1"/>
+            </a:effectRef>
+            <a:fontRef idx="minor">
+              <a:schemeClr val="lt1"/>
+            </a:fontRef>
+          </p:style>
+          <p:txBody>
+            <a:bodyPr rtlCol="0" anchor="ctr"/>
+            <a:lstStyle/>
+            <a:p>
+              <a:pPr algn="ctr"/>
+              <a:endParaRPr kumimoji="1" lang="zh-CN" altLang="en-US" dirty="0">
+                <a:latin typeface="Microsoft YaHei" panose="020B0503020204020204" pitchFamily="34" charset="-122"/>
+                <a:ea typeface="Microsoft YaHei" panose="020B0503020204020204" pitchFamily="34" charset="-122"/>
+              </a:endParaRPr>
+            </a:p>
+          </p:txBody>
+        </p:sp>
+        <p:sp>
+          <p:nvSpPr>
+            <p:cNvPr id="45" name="文本框 44">
+              <a:extLst>
+                <a:ext uri="{FF2B5EF4-FFF2-40B4-BE49-F238E27FC236}">
+                  <a16:creationId xmlns:a16="http://schemas.microsoft.com/office/drawing/2014/main" id="{80C1BE04-8467-3543-8A88-023F4DFFBE96}"/>
+                </a:ext>
+              </a:extLst>
+            </p:cNvPr>
+            <p:cNvSpPr txBox="1"/>
+            <p:nvPr/>
+          </p:nvSpPr>
+          <p:spPr>
+            <a:xfrm>
+              <a:off x="2176990" y="2329347"/>
+              <a:ext cx="595035" cy="338554"/>
+            </a:xfrm>
+            <a:prstGeom prst="rect">
+              <a:avLst/>
+            </a:prstGeom>
+            <a:noFill/>
+          </p:spPr>
+          <p:txBody>
+            <a:bodyPr wrap="none" rtlCol="0">
+              <a:spAutoFit/>
+            </a:bodyPr>
+            <a:lstStyle/>
+            <a:p>
+              <a:r>
+                <a:rPr kumimoji="1" lang="zh-CN" altLang="en-US" sz="1600" b="1" dirty="0">
+                  <a:solidFill>
+                    <a:srgbClr val="393C57"/>
+                  </a:solidFill>
+                  <a:latin typeface="Microsoft YaHei" panose="020B0503020204020204" pitchFamily="34" charset="-122"/>
+                  <a:ea typeface="Microsoft YaHei" panose="020B0503020204020204" pitchFamily="34" charset="-122"/>
+                </a:rPr>
+                <a:t>领域</a:t>
+              </a:r>
+            </a:p>
+          </p:txBody>
+        </p:sp>
+        <p:sp>
+          <p:nvSpPr>
+            <p:cNvPr id="46" name="文本框 45">
+              <a:extLst>
+                <a:ext uri="{FF2B5EF4-FFF2-40B4-BE49-F238E27FC236}">
+                  <a16:creationId xmlns:a16="http://schemas.microsoft.com/office/drawing/2014/main" id="{AE111511-117F-AE4C-A15F-F6895BFE5124}"/>
+                </a:ext>
+              </a:extLst>
+            </p:cNvPr>
+            <p:cNvSpPr txBox="1"/>
+            <p:nvPr/>
+          </p:nvSpPr>
+          <p:spPr>
+            <a:xfrm>
+              <a:off x="2176990" y="3117723"/>
+              <a:ext cx="734496" cy="338554"/>
+            </a:xfrm>
+            <a:prstGeom prst="rect">
+              <a:avLst/>
+            </a:prstGeom>
+            <a:noFill/>
+          </p:spPr>
+          <p:txBody>
+            <a:bodyPr wrap="none" rtlCol="0">
+              <a:spAutoFit/>
+            </a:bodyPr>
+            <a:lstStyle/>
+            <a:p>
+              <a:r>
+                <a:rPr kumimoji="1" lang="en-US" altLang="zh-CN" sz="1600" b="1" dirty="0" err="1">
+                  <a:solidFill>
+                    <a:srgbClr val="393C57"/>
+                  </a:solidFill>
+                  <a:latin typeface="Microsoft YaHei" panose="020B0503020204020204" pitchFamily="34" charset="-122"/>
+                  <a:ea typeface="Microsoft YaHei" panose="020B0503020204020204" pitchFamily="34" charset="-122"/>
+                </a:rPr>
+                <a:t>Mdm</a:t>
+              </a:r>
+              <a:endParaRPr kumimoji="1" lang="zh-CN" altLang="en-US" sz="1600" b="1" dirty="0">
+                <a:solidFill>
+                  <a:srgbClr val="393C57"/>
+                </a:solidFill>
+                <a:latin typeface="Microsoft YaHei" panose="020B0503020204020204" pitchFamily="34" charset="-122"/>
+                <a:ea typeface="Microsoft YaHei" panose="020B0503020204020204" pitchFamily="34" charset="-122"/>
+              </a:endParaRPr>
+            </a:p>
+          </p:txBody>
+        </p:sp>
+        <p:sp>
+          <p:nvSpPr>
+            <p:cNvPr id="47" name="文本框 46">
+              <a:extLst>
+                <a:ext uri="{FF2B5EF4-FFF2-40B4-BE49-F238E27FC236}">
+                  <a16:creationId xmlns:a16="http://schemas.microsoft.com/office/drawing/2014/main" id="{6E88D63A-71DC-A748-AB73-B04582FC417C}"/>
+                </a:ext>
+              </a:extLst>
+            </p:cNvPr>
+            <p:cNvSpPr txBox="1"/>
+            <p:nvPr/>
+          </p:nvSpPr>
+          <p:spPr>
+            <a:xfrm>
+              <a:off x="2176990" y="4038700"/>
+              <a:ext cx="595035" cy="338554"/>
+            </a:xfrm>
+            <a:prstGeom prst="rect">
+              <a:avLst/>
+            </a:prstGeom>
+            <a:noFill/>
+          </p:spPr>
+          <p:txBody>
+            <a:bodyPr wrap="none" rtlCol="0">
+              <a:spAutoFit/>
+            </a:bodyPr>
+            <a:lstStyle/>
+            <a:p>
+              <a:r>
+                <a:rPr kumimoji="1" lang="zh-CN" altLang="en-US" sz="1600" b="1" dirty="0">
+                  <a:solidFill>
+                    <a:srgbClr val="393C57"/>
+                  </a:solidFill>
+                  <a:latin typeface="Microsoft YaHei" panose="020B0503020204020204" pitchFamily="34" charset="-122"/>
+                  <a:ea typeface="Microsoft YaHei" panose="020B0503020204020204" pitchFamily="34" charset="-122"/>
+                </a:rPr>
+                <a:t>事件</a:t>
+              </a:r>
+            </a:p>
+          </p:txBody>
+        </p:sp>
+        <p:sp>
+          <p:nvSpPr>
+            <p:cNvPr id="48" name="文本框 47">
+              <a:extLst>
+                <a:ext uri="{FF2B5EF4-FFF2-40B4-BE49-F238E27FC236}">
+                  <a16:creationId xmlns:a16="http://schemas.microsoft.com/office/drawing/2014/main" id="{26C52880-75DC-0B4F-B48A-F7B00CB5026B}"/>
+                </a:ext>
+              </a:extLst>
+            </p:cNvPr>
+            <p:cNvSpPr txBox="1"/>
+            <p:nvPr/>
+          </p:nvSpPr>
+          <p:spPr>
+            <a:xfrm>
+              <a:off x="2176990" y="4946994"/>
+              <a:ext cx="595035" cy="338554"/>
+            </a:xfrm>
+            <a:prstGeom prst="rect">
+              <a:avLst/>
+            </a:prstGeom>
+            <a:noFill/>
+          </p:spPr>
+          <p:txBody>
+            <a:bodyPr wrap="none" rtlCol="0">
+              <a:spAutoFit/>
+            </a:bodyPr>
+            <a:lstStyle/>
+            <a:p>
+              <a:r>
+                <a:rPr kumimoji="1" lang="zh-CN" altLang="en-US" sz="1600" b="1" dirty="0">
+                  <a:solidFill>
+                    <a:srgbClr val="393C57"/>
+                  </a:solidFill>
+                  <a:latin typeface="Microsoft YaHei" panose="020B0503020204020204" pitchFamily="34" charset="-122"/>
+                  <a:ea typeface="Microsoft YaHei" panose="020B0503020204020204" pitchFamily="34" charset="-122"/>
+                </a:rPr>
+                <a:t>协议</a:t>
+              </a:r>
+            </a:p>
+          </p:txBody>
+        </p:sp>
+        <p:sp>
+          <p:nvSpPr>
+            <p:cNvPr id="49" name="文本框 48">
+              <a:extLst>
+                <a:ext uri="{FF2B5EF4-FFF2-40B4-BE49-F238E27FC236}">
+                  <a16:creationId xmlns:a16="http://schemas.microsoft.com/office/drawing/2014/main" id="{D76971AC-171B-C14A-B310-98E208DCFF8E}"/>
+                </a:ext>
+              </a:extLst>
+            </p:cNvPr>
+            <p:cNvSpPr txBox="1"/>
+            <p:nvPr/>
+          </p:nvSpPr>
+          <p:spPr>
+            <a:xfrm>
+              <a:off x="9244388" y="2628798"/>
+              <a:ext cx="707245" cy="338554"/>
+            </a:xfrm>
+            <a:prstGeom prst="rect">
+              <a:avLst/>
+            </a:prstGeom>
+            <a:noFill/>
+          </p:spPr>
+          <p:txBody>
+            <a:bodyPr wrap="none" rtlCol="0">
+              <a:spAutoFit/>
+            </a:bodyPr>
+            <a:lstStyle/>
+            <a:p>
+              <a:pPr algn="ctr"/>
+              <a:r>
+                <a:rPr kumimoji="1" lang="en-US" altLang="zh-CN" sz="1600" dirty="0" err="1">
+                  <a:solidFill>
+                    <a:srgbClr val="393C57"/>
+                  </a:solidFill>
+                  <a:latin typeface="Microsoft YaHei" panose="020B0503020204020204" pitchFamily="34" charset="-122"/>
+                  <a:ea typeface="Microsoft YaHei" panose="020B0503020204020204" pitchFamily="34" charset="-122"/>
+                  <a:cs typeface="Arial" panose="020B0604020202020204" pitchFamily="34" charset="0"/>
+                </a:rPr>
+                <a:t>Redis</a:t>
+              </a:r>
+              <a:endParaRPr kumimoji="1" lang="zh-CN" altLang="en-US" sz="1600" dirty="0">
+                <a:solidFill>
+                  <a:srgbClr val="393C57"/>
+                </a:solidFill>
+                <a:latin typeface="Microsoft YaHei" panose="020B0503020204020204" pitchFamily="34" charset="-122"/>
+                <a:ea typeface="Microsoft YaHei" panose="020B0503020204020204" pitchFamily="34" charset="-122"/>
+                <a:cs typeface="Arial" panose="020B0604020202020204" pitchFamily="34" charset="0"/>
+              </a:endParaRPr>
+            </a:p>
+          </p:txBody>
+        </p:sp>
+        <p:sp>
+          <p:nvSpPr>
+            <p:cNvPr id="50" name="文本框 49">
+              <a:extLst>
+                <a:ext uri="{FF2B5EF4-FFF2-40B4-BE49-F238E27FC236}">
+                  <a16:creationId xmlns:a16="http://schemas.microsoft.com/office/drawing/2014/main" id="{E7452D80-1EBF-0647-8ECC-A1E5F750CACE}"/>
+                </a:ext>
+              </a:extLst>
+            </p:cNvPr>
+            <p:cNvSpPr txBox="1"/>
+            <p:nvPr/>
+          </p:nvSpPr>
+          <p:spPr>
+            <a:xfrm>
+              <a:off x="9095312" y="3928391"/>
+              <a:ext cx="1005403" cy="338554"/>
+            </a:xfrm>
+            <a:prstGeom prst="rect">
+              <a:avLst/>
+            </a:prstGeom>
+            <a:noFill/>
+          </p:spPr>
+          <p:txBody>
+            <a:bodyPr wrap="none" rtlCol="0">
+              <a:spAutoFit/>
+            </a:bodyPr>
+            <a:lstStyle/>
+            <a:p>
+              <a:pPr algn="ctr"/>
+              <a:r>
+                <a:rPr kumimoji="1" lang="zh-CN" altLang="en-US" sz="1600" dirty="0">
+                  <a:solidFill>
+                    <a:srgbClr val="393C57"/>
+                  </a:solidFill>
+                  <a:latin typeface="Microsoft YaHei" panose="020B0503020204020204" pitchFamily="34" charset="-122"/>
+                  <a:ea typeface="Microsoft YaHei" panose="020B0503020204020204" pitchFamily="34" charset="-122"/>
+                  <a:cs typeface="Arial" panose="020B0604020202020204" pitchFamily="34" charset="0"/>
+                </a:rPr>
+                <a:t>消息队列</a:t>
+              </a:r>
+            </a:p>
+          </p:txBody>
+        </p:sp>
+        <p:sp>
+          <p:nvSpPr>
+            <p:cNvPr id="51" name="文本框 50">
+              <a:extLst>
+                <a:ext uri="{FF2B5EF4-FFF2-40B4-BE49-F238E27FC236}">
+                  <a16:creationId xmlns:a16="http://schemas.microsoft.com/office/drawing/2014/main" id="{C659911E-186E-0946-B876-FD336AF72587}"/>
+                </a:ext>
+              </a:extLst>
+            </p:cNvPr>
+            <p:cNvSpPr txBox="1"/>
+            <p:nvPr/>
+          </p:nvSpPr>
+          <p:spPr>
+            <a:xfrm>
+              <a:off x="3646644" y="2132599"/>
+              <a:ext cx="1247040" cy="276999"/>
+            </a:xfrm>
+            <a:prstGeom prst="rect">
+              <a:avLst/>
+            </a:prstGeom>
+            <a:noFill/>
+          </p:spPr>
+          <p:txBody>
+            <a:bodyPr wrap="square" rtlCol="0">
+              <a:spAutoFit/>
+            </a:bodyPr>
+            <a:lstStyle/>
+            <a:p>
+              <a:pPr algn="ctr"/>
+              <a:r>
+                <a:rPr kumimoji="1" lang="zh-CN" altLang="en-US" sz="1200" dirty="0">
+                  <a:solidFill>
+                    <a:srgbClr val="393C57"/>
+                  </a:solidFill>
+                  <a:latin typeface="Microsoft YaHei" panose="020B0503020204020204" pitchFamily="34" charset="-122"/>
+                  <a:ea typeface="Microsoft YaHei" panose="020B0503020204020204" pitchFamily="34" charset="-122"/>
+                </a:rPr>
+                <a:t>认证</a:t>
+              </a:r>
+            </a:p>
+          </p:txBody>
+        </p:sp>
+        <p:sp>
+          <p:nvSpPr>
+            <p:cNvPr id="52" name="矩形 51">
+              <a:extLst>
+                <a:ext uri="{FF2B5EF4-FFF2-40B4-BE49-F238E27FC236}">
+                  <a16:creationId xmlns:a16="http://schemas.microsoft.com/office/drawing/2014/main" id="{4BE8DA66-508C-A04E-A2AC-F7E2DFCFCFC0}"/>
+                </a:ext>
+              </a:extLst>
+            </p:cNvPr>
+            <p:cNvSpPr/>
+            <p:nvPr/>
+          </p:nvSpPr>
+          <p:spPr>
+            <a:xfrm>
+              <a:off x="8608009" y="1256207"/>
+              <a:ext cx="1980000" cy="4884650"/>
+            </a:xfrm>
+            <a:prstGeom prst="rect">
+              <a:avLst/>
+            </a:prstGeom>
+            <a:noFill/>
+            <a:ln w="19050">
+              <a:solidFill>
+                <a:srgbClr val="D8D9E6"/>
+              </a:solidFill>
+            </a:ln>
+          </p:spPr>
+          <p:style>
+            <a:lnRef idx="2">
+              <a:schemeClr val="accent1">
+                <a:shade val="50000"/>
+              </a:schemeClr>
+            </a:lnRef>
+            <a:fillRef idx="1">
+              <a:schemeClr val="accent1"/>
+            </a:fillRef>
+            <a:effectRef idx="0">
+              <a:schemeClr val="accent1"/>
+            </a:effectRef>
+            <a:fontRef idx="minor">
+              <a:schemeClr val="lt1"/>
+            </a:fontRef>
+          </p:style>
+          <p:txBody>
+            <a:bodyPr rtlCol="0" anchor="ctr"/>
+            <a:lstStyle/>
+            <a:p>
+              <a:pPr algn="ctr"/>
+              <a:endParaRPr kumimoji="1" lang="zh-CN" altLang="en-US">
+                <a:latin typeface="Microsoft YaHei" panose="020B0503020204020204" pitchFamily="34" charset="-122"/>
+                <a:ea typeface="Microsoft YaHei" panose="020B0503020204020204" pitchFamily="34" charset="-122"/>
+              </a:endParaRPr>
+            </a:p>
+          </p:txBody>
+        </p:sp>
+        <p:sp>
+          <p:nvSpPr>
+            <p:cNvPr id="53" name="矩形 52">
+              <a:extLst>
+                <a:ext uri="{FF2B5EF4-FFF2-40B4-BE49-F238E27FC236}">
+                  <a16:creationId xmlns:a16="http://schemas.microsoft.com/office/drawing/2014/main" id="{DA6F0989-E2A7-4042-B5FA-0082F0892967}"/>
+                </a:ext>
+              </a:extLst>
+            </p:cNvPr>
+            <p:cNvSpPr/>
+            <p:nvPr/>
+          </p:nvSpPr>
+          <p:spPr>
+            <a:xfrm>
+              <a:off x="3626354" y="1256208"/>
+              <a:ext cx="4860000" cy="1486992"/>
+            </a:xfrm>
+            <a:prstGeom prst="rect">
+              <a:avLst/>
+            </a:prstGeom>
+            <a:noFill/>
+            <a:ln w="19050">
+              <a:solidFill>
+                <a:srgbClr val="D8D9E6"/>
+              </a:solidFill>
+            </a:ln>
+          </p:spPr>
+          <p:style>
+            <a:lnRef idx="2">
+              <a:schemeClr val="accent1">
+                <a:shade val="50000"/>
+              </a:schemeClr>
+            </a:lnRef>
+            <a:fillRef idx="1">
+              <a:schemeClr val="accent1"/>
+            </a:fillRef>
+            <a:effectRef idx="0">
+              <a:schemeClr val="accent1"/>
+            </a:effectRef>
+            <a:fontRef idx="minor">
+              <a:schemeClr val="lt1"/>
+            </a:fontRef>
+          </p:style>
+          <p:txBody>
+            <a:bodyPr rtlCol="0" anchor="ctr"/>
+            <a:lstStyle/>
+            <a:p>
+              <a:pPr algn="ctr"/>
+              <a:endParaRPr kumimoji="1" lang="zh-CN" altLang="en-US">
+                <a:latin typeface="Microsoft YaHei" panose="020B0503020204020204" pitchFamily="34" charset="-122"/>
+                <a:ea typeface="Microsoft YaHei" panose="020B0503020204020204" pitchFamily="34" charset="-122"/>
+              </a:endParaRPr>
+            </a:p>
+          </p:txBody>
+        </p:sp>
+        <p:sp>
+          <p:nvSpPr>
+            <p:cNvPr id="54" name="矩形 53">
+              <a:extLst>
+                <a:ext uri="{FF2B5EF4-FFF2-40B4-BE49-F238E27FC236}">
+                  <a16:creationId xmlns:a16="http://schemas.microsoft.com/office/drawing/2014/main" id="{C3979747-8CBF-7F42-A5AB-980F010210C1}"/>
+                </a:ext>
+              </a:extLst>
+            </p:cNvPr>
+            <p:cNvSpPr/>
+            <p:nvPr/>
+          </p:nvSpPr>
+          <p:spPr>
+            <a:xfrm>
+              <a:off x="1524699" y="1256207"/>
+              <a:ext cx="1980000" cy="4884650"/>
+            </a:xfrm>
+            <a:prstGeom prst="rect">
+              <a:avLst/>
+            </a:prstGeom>
+            <a:noFill/>
+            <a:ln w="19050">
+              <a:solidFill>
+                <a:srgbClr val="D8D9E6"/>
+              </a:solidFill>
+            </a:ln>
+          </p:spPr>
+          <p:style>
+            <a:lnRef idx="2">
+              <a:schemeClr val="accent1">
+                <a:shade val="50000"/>
+              </a:schemeClr>
+            </a:lnRef>
+            <a:fillRef idx="1">
+              <a:schemeClr val="accent1"/>
+            </a:fillRef>
+            <a:effectRef idx="0">
+              <a:schemeClr val="accent1"/>
+            </a:effectRef>
+            <a:fontRef idx="minor">
+              <a:schemeClr val="lt1"/>
+            </a:fontRef>
+          </p:style>
+          <p:txBody>
+            <a:bodyPr rtlCol="0" anchor="ctr"/>
+            <a:lstStyle/>
+            <a:p>
+              <a:pPr algn="ctr"/>
+              <a:endParaRPr kumimoji="1" lang="zh-CN" altLang="en-US">
+                <a:latin typeface="Microsoft YaHei" panose="020B0503020204020204" pitchFamily="34" charset="-122"/>
+                <a:ea typeface="Microsoft YaHei" panose="020B0503020204020204" pitchFamily="34" charset="-122"/>
+              </a:endParaRPr>
+            </a:p>
+          </p:txBody>
+        </p:sp>
+        <p:sp>
+          <p:nvSpPr>
+            <p:cNvPr id="55" name="矩形 54">
+              <a:extLst>
+                <a:ext uri="{FF2B5EF4-FFF2-40B4-BE49-F238E27FC236}">
+                  <a16:creationId xmlns:a16="http://schemas.microsoft.com/office/drawing/2014/main" id="{1F0A8EB1-4043-7543-81B8-C0A612C380B1}"/>
+                </a:ext>
+              </a:extLst>
+            </p:cNvPr>
+            <p:cNvSpPr/>
+            <p:nvPr/>
+          </p:nvSpPr>
+          <p:spPr>
+            <a:xfrm>
+              <a:off x="1524699" y="1256206"/>
+              <a:ext cx="1980000" cy="540000"/>
+            </a:xfrm>
+            <a:prstGeom prst="rect">
+              <a:avLst/>
+            </a:prstGeom>
+            <a:solidFill>
+              <a:srgbClr val="A2A5BD"/>
+            </a:solidFill>
+            <a:ln>
+              <a:noFill/>
+            </a:ln>
+          </p:spPr>
+          <p:style>
+            <a:lnRef idx="2">
+              <a:schemeClr val="accent1">
+                <a:shade val="50000"/>
+              </a:schemeClr>
+            </a:lnRef>
+            <a:fillRef idx="1">
+              <a:schemeClr val="accent1"/>
+            </a:fillRef>
+            <a:effectRef idx="0">
+              <a:schemeClr val="accent1"/>
+            </a:effectRef>
+            <a:fontRef idx="minor">
+              <a:schemeClr val="lt1"/>
+            </a:fontRef>
+          </p:style>
+          <p:txBody>
+            <a:bodyPr rtlCol="0" anchor="ctr"/>
+            <a:lstStyle/>
+            <a:p>
+              <a:pPr algn="ctr"/>
+              <a:r>
+                <a:rPr kumimoji="1" lang="zh-CN" altLang="en-US" sz="1600" dirty="0">
+                  <a:solidFill>
+                    <a:schemeClr val="bg2"/>
+                  </a:solidFill>
+                  <a:latin typeface="Microsoft YaHei" panose="020B0503020204020204" pitchFamily="34" charset="-122"/>
+                  <a:ea typeface="Microsoft YaHei" panose="020B0503020204020204" pitchFamily="34" charset="-122"/>
+                </a:rPr>
+                <a:t>资源管理</a:t>
+              </a:r>
+            </a:p>
+          </p:txBody>
+        </p:sp>
+        <p:sp>
+          <p:nvSpPr>
+            <p:cNvPr id="56" name="矩形 55">
+              <a:extLst>
+                <a:ext uri="{FF2B5EF4-FFF2-40B4-BE49-F238E27FC236}">
+                  <a16:creationId xmlns:a16="http://schemas.microsoft.com/office/drawing/2014/main" id="{C9D67163-49FB-0341-AE5B-F49EED7EB974}"/>
+                </a:ext>
+              </a:extLst>
+            </p:cNvPr>
+            <p:cNvSpPr/>
+            <p:nvPr/>
+          </p:nvSpPr>
+          <p:spPr>
+            <a:xfrm>
+              <a:off x="3626354" y="1256206"/>
+              <a:ext cx="4860000" cy="540000"/>
+            </a:xfrm>
+            <a:prstGeom prst="rect">
+              <a:avLst/>
+            </a:prstGeom>
+            <a:solidFill>
+              <a:srgbClr val="A2A5BD"/>
+            </a:solidFill>
+            <a:ln>
+              <a:noFill/>
+            </a:ln>
+          </p:spPr>
+          <p:style>
+            <a:lnRef idx="2">
+              <a:schemeClr val="accent1">
+                <a:shade val="50000"/>
+              </a:schemeClr>
+            </a:lnRef>
+            <a:fillRef idx="1">
+              <a:schemeClr val="accent1"/>
+            </a:fillRef>
+            <a:effectRef idx="0">
+              <a:schemeClr val="accent1"/>
+            </a:effectRef>
+            <a:fontRef idx="minor">
+              <a:schemeClr val="lt1"/>
+            </a:fontRef>
+          </p:style>
+          <p:txBody>
+            <a:bodyPr rtlCol="0" anchor="ctr"/>
+            <a:lstStyle/>
+            <a:p>
+              <a:pPr algn="ctr"/>
+              <a:r>
+                <a:rPr kumimoji="1" lang="zh-CN" altLang="en-US" sz="1600" dirty="0">
+                  <a:solidFill>
+                    <a:schemeClr val="bg2"/>
+                  </a:solidFill>
+                  <a:latin typeface="Microsoft YaHei" panose="020B0503020204020204" pitchFamily="34" charset="-122"/>
+                  <a:ea typeface="Microsoft YaHei" panose="020B0503020204020204" pitchFamily="34" charset="-122"/>
+                </a:rPr>
+                <a:t>连接</a:t>
+              </a:r>
+            </a:p>
+          </p:txBody>
+        </p:sp>
+        <p:sp>
+          <p:nvSpPr>
+            <p:cNvPr id="57" name="矩形 56">
+              <a:extLst>
+                <a:ext uri="{FF2B5EF4-FFF2-40B4-BE49-F238E27FC236}">
+                  <a16:creationId xmlns:a16="http://schemas.microsoft.com/office/drawing/2014/main" id="{5D42006F-743F-2342-9189-52BC98D294D6}"/>
+                </a:ext>
+              </a:extLst>
+            </p:cNvPr>
+            <p:cNvSpPr/>
+            <p:nvPr/>
+          </p:nvSpPr>
+          <p:spPr>
+            <a:xfrm>
+              <a:off x="8608009" y="1256206"/>
+              <a:ext cx="1980000" cy="540000"/>
+            </a:xfrm>
+            <a:prstGeom prst="rect">
+              <a:avLst/>
+            </a:prstGeom>
+            <a:solidFill>
+              <a:srgbClr val="A2A5BD"/>
+            </a:solidFill>
+            <a:ln>
+              <a:noFill/>
+            </a:ln>
+          </p:spPr>
+          <p:style>
+            <a:lnRef idx="2">
+              <a:schemeClr val="accent1">
+                <a:shade val="50000"/>
+              </a:schemeClr>
+            </a:lnRef>
+            <a:fillRef idx="1">
+              <a:schemeClr val="accent1"/>
+            </a:fillRef>
+            <a:effectRef idx="0">
+              <a:schemeClr val="accent1"/>
+            </a:effectRef>
+            <a:fontRef idx="minor">
+              <a:schemeClr val="lt1"/>
+            </a:fontRef>
+          </p:style>
+          <p:txBody>
+            <a:bodyPr rtlCol="0" anchor="ctr"/>
+            <a:lstStyle/>
+            <a:p>
+              <a:pPr algn="ctr"/>
+              <a:r>
+                <a:rPr kumimoji="1" lang="en-US" altLang="zh-CN" sz="1600" dirty="0">
+                  <a:solidFill>
+                    <a:schemeClr val="bg2"/>
+                  </a:solidFill>
+                  <a:latin typeface="Microsoft YaHei" panose="020B0503020204020204" pitchFamily="34" charset="-122"/>
+                  <a:ea typeface="Microsoft YaHei" panose="020B0503020204020204" pitchFamily="34" charset="-122"/>
+                </a:rPr>
+                <a:t> </a:t>
+              </a:r>
+              <a:r>
+                <a:rPr kumimoji="1" lang="zh-CN" altLang="en-US" sz="1600" dirty="0">
+                  <a:solidFill>
+                    <a:schemeClr val="bg2"/>
+                  </a:solidFill>
+                  <a:latin typeface="Microsoft YaHei" panose="020B0503020204020204" pitchFamily="34" charset="-122"/>
+                  <a:ea typeface="Microsoft YaHei" panose="020B0503020204020204" pitchFamily="34" charset="-122"/>
+                </a:rPr>
+                <a:t>存储</a:t>
+              </a:r>
+            </a:p>
+          </p:txBody>
+        </p:sp>
+        <p:sp>
+          <p:nvSpPr>
+            <p:cNvPr id="58" name="矩形 57">
+              <a:extLst>
+                <a:ext uri="{FF2B5EF4-FFF2-40B4-BE49-F238E27FC236}">
+                  <a16:creationId xmlns:a16="http://schemas.microsoft.com/office/drawing/2014/main" id="{B0C8B3A8-374A-2A49-8D7C-F83CEE3351DF}"/>
+                </a:ext>
+              </a:extLst>
+            </p:cNvPr>
+            <p:cNvSpPr>
+              <a:spLocks/>
+            </p:cNvSpPr>
+            <p:nvPr/>
+          </p:nvSpPr>
+          <p:spPr>
+            <a:xfrm>
+              <a:off x="4955671" y="1896954"/>
+              <a:ext cx="1011350" cy="724959"/>
+            </a:xfrm>
+            <a:prstGeom prst="rect">
+              <a:avLst/>
+            </a:prstGeom>
+            <a:solidFill>
+              <a:srgbClr val="F5F5FA"/>
+            </a:solidFill>
+            <a:ln>
+              <a:noFill/>
+            </a:ln>
+          </p:spPr>
+          <p:style>
+            <a:lnRef idx="2">
+              <a:schemeClr val="accent1">
+                <a:shade val="50000"/>
+              </a:schemeClr>
+            </a:lnRef>
+            <a:fillRef idx="1">
+              <a:schemeClr val="accent1"/>
+            </a:fillRef>
+            <a:effectRef idx="0">
+              <a:schemeClr val="accent1"/>
+            </a:effectRef>
+            <a:fontRef idx="minor">
+              <a:schemeClr val="lt1"/>
+            </a:fontRef>
+          </p:style>
+          <p:txBody>
+            <a:bodyPr rtlCol="0" anchor="ctr"/>
+            <a:lstStyle/>
+            <a:p>
+              <a:pPr algn="ctr"/>
+              <a:endParaRPr kumimoji="1" lang="zh-CN" altLang="en-US" dirty="0">
+                <a:latin typeface="Microsoft YaHei" panose="020B0503020204020204" pitchFamily="34" charset="-122"/>
+                <a:ea typeface="Microsoft YaHei" panose="020B0503020204020204" pitchFamily="34" charset="-122"/>
+              </a:endParaRPr>
+            </a:p>
+          </p:txBody>
+        </p:sp>
+        <p:sp>
+          <p:nvSpPr>
+            <p:cNvPr id="59" name="矩形 58">
+              <a:extLst>
+                <a:ext uri="{FF2B5EF4-FFF2-40B4-BE49-F238E27FC236}">
+                  <a16:creationId xmlns:a16="http://schemas.microsoft.com/office/drawing/2014/main" id="{6BD4D91D-AE2A-A740-BAA8-A22CE1DF0961}"/>
+                </a:ext>
+              </a:extLst>
+            </p:cNvPr>
+            <p:cNvSpPr>
+              <a:spLocks/>
+            </p:cNvSpPr>
+            <p:nvPr/>
+          </p:nvSpPr>
+          <p:spPr>
+            <a:xfrm>
+              <a:off x="7398845" y="1890067"/>
+              <a:ext cx="1011350" cy="724959"/>
+            </a:xfrm>
+            <a:prstGeom prst="rect">
+              <a:avLst/>
+            </a:prstGeom>
+            <a:solidFill>
+              <a:srgbClr val="F5F5FA"/>
+            </a:solidFill>
+            <a:ln>
+              <a:noFill/>
+            </a:ln>
+          </p:spPr>
+          <p:style>
+            <a:lnRef idx="2">
+              <a:schemeClr val="accent1">
+                <a:shade val="50000"/>
+              </a:schemeClr>
+            </a:lnRef>
+            <a:fillRef idx="1">
+              <a:schemeClr val="accent1"/>
+            </a:fillRef>
+            <a:effectRef idx="0">
+              <a:schemeClr val="accent1"/>
+            </a:effectRef>
+            <a:fontRef idx="minor">
+              <a:schemeClr val="lt1"/>
+            </a:fontRef>
+          </p:style>
+          <p:txBody>
+            <a:bodyPr rtlCol="0" anchor="ctr"/>
+            <a:lstStyle/>
+            <a:p>
+              <a:pPr algn="ctr"/>
+              <a:endParaRPr kumimoji="1" lang="zh-CN" altLang="en-US" dirty="0">
+                <a:latin typeface="Microsoft YaHei" panose="020B0503020204020204" pitchFamily="34" charset="-122"/>
+                <a:ea typeface="Microsoft YaHei" panose="020B0503020204020204" pitchFamily="34" charset="-122"/>
+              </a:endParaRPr>
+            </a:p>
+          </p:txBody>
+        </p:sp>
+        <p:sp>
+          <p:nvSpPr>
+            <p:cNvPr id="60" name="矩形 59">
+              <a:extLst>
+                <a:ext uri="{FF2B5EF4-FFF2-40B4-BE49-F238E27FC236}">
+                  <a16:creationId xmlns:a16="http://schemas.microsoft.com/office/drawing/2014/main" id="{E2BF5EEA-1968-FC42-A29D-3021614691F1}"/>
+                </a:ext>
+              </a:extLst>
+            </p:cNvPr>
+            <p:cNvSpPr>
+              <a:spLocks/>
+            </p:cNvSpPr>
+            <p:nvPr/>
+          </p:nvSpPr>
+          <p:spPr>
+            <a:xfrm>
+              <a:off x="6177258" y="1890066"/>
+              <a:ext cx="1011350" cy="724959"/>
+            </a:xfrm>
+            <a:prstGeom prst="rect">
+              <a:avLst/>
+            </a:prstGeom>
+            <a:solidFill>
+              <a:srgbClr val="F5F5FA"/>
+            </a:solidFill>
+            <a:ln>
+              <a:noFill/>
+            </a:ln>
+          </p:spPr>
+          <p:style>
+            <a:lnRef idx="2">
+              <a:schemeClr val="accent1">
+                <a:shade val="50000"/>
+              </a:schemeClr>
+            </a:lnRef>
+            <a:fillRef idx="1">
+              <a:schemeClr val="accent1"/>
+            </a:fillRef>
+            <a:effectRef idx="0">
+              <a:schemeClr val="accent1"/>
+            </a:effectRef>
+            <a:fontRef idx="minor">
+              <a:schemeClr val="lt1"/>
+            </a:fontRef>
+          </p:style>
+          <p:txBody>
+            <a:bodyPr rtlCol="0" anchor="ctr"/>
+            <a:lstStyle/>
+            <a:p>
+              <a:pPr algn="ctr"/>
+              <a:endParaRPr kumimoji="1" lang="zh-CN" altLang="en-US" dirty="0">
+                <a:latin typeface="Microsoft YaHei" panose="020B0503020204020204" pitchFamily="34" charset="-122"/>
+                <a:ea typeface="Microsoft YaHei" panose="020B0503020204020204" pitchFamily="34" charset="-122"/>
+              </a:endParaRPr>
+            </a:p>
+          </p:txBody>
+        </p:sp>
+        <p:sp>
+          <p:nvSpPr>
+            <p:cNvPr id="61" name="矩形 60">
+              <a:extLst>
+                <a:ext uri="{FF2B5EF4-FFF2-40B4-BE49-F238E27FC236}">
+                  <a16:creationId xmlns:a16="http://schemas.microsoft.com/office/drawing/2014/main" id="{7EE91B13-1EC4-CE48-A5A9-946A78DE9F69}"/>
+                </a:ext>
+              </a:extLst>
+            </p:cNvPr>
+            <p:cNvSpPr/>
+            <p:nvPr/>
+          </p:nvSpPr>
+          <p:spPr>
+            <a:xfrm>
+              <a:off x="3626354" y="2868201"/>
+              <a:ext cx="4860000" cy="1577145"/>
+            </a:xfrm>
+            <a:prstGeom prst="rect">
+              <a:avLst/>
+            </a:prstGeom>
+            <a:noFill/>
+            <a:ln w="19050">
+              <a:solidFill>
+                <a:srgbClr val="D8D9E6"/>
+              </a:solidFill>
+            </a:ln>
+          </p:spPr>
+          <p:style>
+            <a:lnRef idx="2">
+              <a:schemeClr val="accent1">
+                <a:shade val="50000"/>
+              </a:schemeClr>
+            </a:lnRef>
+            <a:fillRef idx="1">
+              <a:schemeClr val="accent1"/>
+            </a:fillRef>
+            <a:effectRef idx="0">
+              <a:schemeClr val="accent1"/>
+            </a:effectRef>
+            <a:fontRef idx="minor">
+              <a:schemeClr val="lt1"/>
+            </a:fontRef>
+          </p:style>
+          <p:txBody>
+            <a:bodyPr rtlCol="0" anchor="ctr"/>
+            <a:lstStyle/>
+            <a:p>
+              <a:pPr algn="ctr"/>
+              <a:endParaRPr kumimoji="1" lang="zh-CN" altLang="en-US">
+                <a:latin typeface="Microsoft YaHei" panose="020B0503020204020204" pitchFamily="34" charset="-122"/>
+                <a:ea typeface="Microsoft YaHei" panose="020B0503020204020204" pitchFamily="34" charset="-122"/>
+              </a:endParaRPr>
+            </a:p>
+          </p:txBody>
+        </p:sp>
+        <p:sp>
+          <p:nvSpPr>
+            <p:cNvPr id="62" name="矩形 61">
+              <a:extLst>
+                <a:ext uri="{FF2B5EF4-FFF2-40B4-BE49-F238E27FC236}">
+                  <a16:creationId xmlns:a16="http://schemas.microsoft.com/office/drawing/2014/main" id="{7BB8A8F9-1FB2-A94C-9FD1-45FB124E3EC1}"/>
+                </a:ext>
+              </a:extLst>
+            </p:cNvPr>
+            <p:cNvSpPr/>
+            <p:nvPr/>
+          </p:nvSpPr>
+          <p:spPr>
+            <a:xfrm>
+              <a:off x="3626354" y="2868200"/>
+              <a:ext cx="4860000" cy="540000"/>
+            </a:xfrm>
+            <a:prstGeom prst="rect">
+              <a:avLst/>
+            </a:prstGeom>
+            <a:solidFill>
+              <a:srgbClr val="A2A5BD"/>
+            </a:solidFill>
+            <a:ln>
+              <a:noFill/>
+            </a:ln>
+          </p:spPr>
+          <p:style>
+            <a:lnRef idx="2">
+              <a:schemeClr val="accent1">
+                <a:shade val="50000"/>
+              </a:schemeClr>
+            </a:lnRef>
+            <a:fillRef idx="1">
+              <a:schemeClr val="accent1"/>
+            </a:fillRef>
+            <a:effectRef idx="0">
+              <a:schemeClr val="accent1"/>
+            </a:effectRef>
+            <a:fontRef idx="minor">
+              <a:schemeClr val="lt1"/>
+            </a:fontRef>
+          </p:style>
+          <p:txBody>
+            <a:bodyPr rtlCol="0" anchor="ctr"/>
+            <a:lstStyle/>
+            <a:p>
+              <a:pPr algn="ctr"/>
+              <a:r>
+                <a:rPr kumimoji="1" lang="zh-CN" altLang="en-US" sz="1600" dirty="0">
+                  <a:solidFill>
+                    <a:schemeClr val="bg2"/>
+                  </a:solidFill>
+                  <a:latin typeface="Microsoft YaHei" panose="020B0503020204020204" pitchFamily="34" charset="-122"/>
+                  <a:ea typeface="Microsoft YaHei" panose="020B0503020204020204" pitchFamily="34" charset="-122"/>
+                </a:rPr>
+                <a:t>实时计算</a:t>
+              </a:r>
+            </a:p>
+          </p:txBody>
+        </p:sp>
+        <p:sp>
+          <p:nvSpPr>
+            <p:cNvPr id="63" name="矩形 62">
+              <a:extLst>
+                <a:ext uri="{FF2B5EF4-FFF2-40B4-BE49-F238E27FC236}">
+                  <a16:creationId xmlns:a16="http://schemas.microsoft.com/office/drawing/2014/main" id="{70DAF70C-D2B2-0C42-BACD-E6F76AB0C565}"/>
+                </a:ext>
+              </a:extLst>
+            </p:cNvPr>
+            <p:cNvSpPr/>
+            <p:nvPr/>
+          </p:nvSpPr>
+          <p:spPr>
+            <a:xfrm>
+              <a:off x="3734084" y="3560907"/>
+              <a:ext cx="1486932" cy="724959"/>
+            </a:xfrm>
+            <a:prstGeom prst="rect">
+              <a:avLst/>
+            </a:prstGeom>
+            <a:solidFill>
+              <a:srgbClr val="F5F5FA"/>
+            </a:solidFill>
+            <a:ln>
+              <a:noFill/>
+            </a:ln>
+          </p:spPr>
+          <p:style>
+            <a:lnRef idx="2">
+              <a:schemeClr val="accent1">
+                <a:shade val="50000"/>
+              </a:schemeClr>
+            </a:lnRef>
+            <a:fillRef idx="1">
+              <a:schemeClr val="accent1"/>
+            </a:fillRef>
+            <a:effectRef idx="0">
+              <a:schemeClr val="accent1"/>
+            </a:effectRef>
+            <a:fontRef idx="minor">
+              <a:schemeClr val="lt1"/>
+            </a:fontRef>
+          </p:style>
+          <p:txBody>
+            <a:bodyPr rtlCol="0" anchor="ctr"/>
+            <a:lstStyle/>
+            <a:p>
+              <a:pPr algn="ctr"/>
+              <a:endParaRPr kumimoji="1" lang="zh-CN" altLang="en-US" dirty="0">
+                <a:latin typeface="Microsoft YaHei" panose="020B0503020204020204" pitchFamily="34" charset="-122"/>
+                <a:ea typeface="Microsoft YaHei" panose="020B0503020204020204" pitchFamily="34" charset="-122"/>
+              </a:endParaRPr>
+            </a:p>
+          </p:txBody>
+        </p:sp>
+        <p:sp>
+          <p:nvSpPr>
+            <p:cNvPr id="64" name="矩形 63">
+              <a:extLst>
+                <a:ext uri="{FF2B5EF4-FFF2-40B4-BE49-F238E27FC236}">
+                  <a16:creationId xmlns:a16="http://schemas.microsoft.com/office/drawing/2014/main" id="{987A0718-3559-D642-9E46-B5F514523F21}"/>
+                </a:ext>
+              </a:extLst>
+            </p:cNvPr>
+            <p:cNvSpPr/>
+            <p:nvPr/>
+          </p:nvSpPr>
+          <p:spPr>
+            <a:xfrm>
+              <a:off x="6923263" y="3573337"/>
+              <a:ext cx="1486932" cy="724959"/>
+            </a:xfrm>
+            <a:prstGeom prst="rect">
+              <a:avLst/>
+            </a:prstGeom>
+            <a:solidFill>
+              <a:srgbClr val="F5F5FA"/>
+            </a:solidFill>
+            <a:ln>
+              <a:noFill/>
+            </a:ln>
+          </p:spPr>
+          <p:style>
+            <a:lnRef idx="2">
+              <a:schemeClr val="accent1">
+                <a:shade val="50000"/>
+              </a:schemeClr>
+            </a:lnRef>
+            <a:fillRef idx="1">
+              <a:schemeClr val="accent1"/>
+            </a:fillRef>
+            <a:effectRef idx="0">
+              <a:schemeClr val="accent1"/>
+            </a:effectRef>
+            <a:fontRef idx="minor">
+              <a:schemeClr val="lt1"/>
+            </a:fontRef>
+          </p:style>
+          <p:txBody>
+            <a:bodyPr rtlCol="0" anchor="ctr"/>
+            <a:lstStyle/>
+            <a:p>
+              <a:pPr algn="ctr"/>
+              <a:endParaRPr kumimoji="1" lang="zh-CN" altLang="en-US" dirty="0">
+                <a:latin typeface="Microsoft YaHei" panose="020B0503020204020204" pitchFamily="34" charset="-122"/>
+                <a:ea typeface="Microsoft YaHei" panose="020B0503020204020204" pitchFamily="34" charset="-122"/>
+              </a:endParaRPr>
+            </a:p>
+          </p:txBody>
+        </p:sp>
+        <p:sp>
+          <p:nvSpPr>
+            <p:cNvPr id="65" name="矩形 64">
+              <a:extLst>
+                <a:ext uri="{FF2B5EF4-FFF2-40B4-BE49-F238E27FC236}">
+                  <a16:creationId xmlns:a16="http://schemas.microsoft.com/office/drawing/2014/main" id="{78F53E94-58F3-AD4C-96D5-11592C5DADAB}"/>
+                </a:ext>
+              </a:extLst>
+            </p:cNvPr>
+            <p:cNvSpPr/>
+            <p:nvPr/>
+          </p:nvSpPr>
+          <p:spPr>
+            <a:xfrm>
+              <a:off x="5326918" y="3559917"/>
+              <a:ext cx="1486932" cy="724959"/>
+            </a:xfrm>
+            <a:prstGeom prst="rect">
+              <a:avLst/>
+            </a:prstGeom>
+            <a:solidFill>
+              <a:srgbClr val="F5F5FA"/>
+            </a:solidFill>
+            <a:ln>
+              <a:noFill/>
+            </a:ln>
+          </p:spPr>
+          <p:style>
+            <a:lnRef idx="2">
+              <a:schemeClr val="accent1">
+                <a:shade val="50000"/>
+              </a:schemeClr>
+            </a:lnRef>
+            <a:fillRef idx="1">
+              <a:schemeClr val="accent1"/>
+            </a:fillRef>
+            <a:effectRef idx="0">
+              <a:schemeClr val="accent1"/>
+            </a:effectRef>
+            <a:fontRef idx="minor">
+              <a:schemeClr val="lt1"/>
+            </a:fontRef>
+          </p:style>
+          <p:txBody>
+            <a:bodyPr rtlCol="0" anchor="ctr"/>
+            <a:lstStyle/>
+            <a:p>
+              <a:pPr algn="ctr"/>
+              <a:endParaRPr kumimoji="1" lang="zh-CN" altLang="en-US" dirty="0">
+                <a:latin typeface="Microsoft YaHei" panose="020B0503020204020204" pitchFamily="34" charset="-122"/>
+                <a:ea typeface="Microsoft YaHei" panose="020B0503020204020204" pitchFamily="34" charset="-122"/>
+              </a:endParaRPr>
+            </a:p>
+          </p:txBody>
+        </p:sp>
+        <p:sp>
+          <p:nvSpPr>
+            <p:cNvPr id="66" name="矩形 65">
+              <a:extLst>
+                <a:ext uri="{FF2B5EF4-FFF2-40B4-BE49-F238E27FC236}">
+                  <a16:creationId xmlns:a16="http://schemas.microsoft.com/office/drawing/2014/main" id="{3C3B7C62-DEDD-404C-925D-7D59D6EF14BF}"/>
+                </a:ext>
+              </a:extLst>
+            </p:cNvPr>
+            <p:cNvSpPr/>
+            <p:nvPr/>
+          </p:nvSpPr>
+          <p:spPr>
+            <a:xfrm>
+              <a:off x="3626354" y="4555875"/>
+              <a:ext cx="4860000" cy="1577145"/>
+            </a:xfrm>
+            <a:prstGeom prst="rect">
+              <a:avLst/>
+            </a:prstGeom>
+            <a:noFill/>
+            <a:ln w="19050">
+              <a:solidFill>
+                <a:srgbClr val="D8D9E6"/>
+              </a:solidFill>
+            </a:ln>
+          </p:spPr>
+          <p:style>
+            <a:lnRef idx="2">
+              <a:schemeClr val="accent1">
+                <a:shade val="50000"/>
+              </a:schemeClr>
+            </a:lnRef>
+            <a:fillRef idx="1">
+              <a:schemeClr val="accent1"/>
+            </a:fillRef>
+            <a:effectRef idx="0">
+              <a:schemeClr val="accent1"/>
+            </a:effectRef>
+            <a:fontRef idx="minor">
+              <a:schemeClr val="lt1"/>
+            </a:fontRef>
+          </p:style>
+          <p:txBody>
+            <a:bodyPr rtlCol="0" anchor="ctr"/>
+            <a:lstStyle/>
+            <a:p>
+              <a:pPr algn="ctr"/>
+              <a:endParaRPr kumimoji="1" lang="zh-CN" altLang="en-US">
+                <a:latin typeface="Microsoft YaHei" panose="020B0503020204020204" pitchFamily="34" charset="-122"/>
+                <a:ea typeface="Microsoft YaHei" panose="020B0503020204020204" pitchFamily="34" charset="-122"/>
+              </a:endParaRPr>
+            </a:p>
+          </p:txBody>
+        </p:sp>
+        <p:sp>
+          <p:nvSpPr>
+            <p:cNvPr id="67" name="矩形 66">
+              <a:extLst>
+                <a:ext uri="{FF2B5EF4-FFF2-40B4-BE49-F238E27FC236}">
+                  <a16:creationId xmlns:a16="http://schemas.microsoft.com/office/drawing/2014/main" id="{C1594E23-0273-F749-BBDC-7D596BA809CF}"/>
+                </a:ext>
+              </a:extLst>
+            </p:cNvPr>
+            <p:cNvSpPr/>
+            <p:nvPr/>
+          </p:nvSpPr>
+          <p:spPr>
+            <a:xfrm>
+              <a:off x="3626354" y="4555874"/>
+              <a:ext cx="4860000" cy="540000"/>
+            </a:xfrm>
+            <a:prstGeom prst="rect">
+              <a:avLst/>
+            </a:prstGeom>
+            <a:solidFill>
+              <a:srgbClr val="A2A5BD"/>
+            </a:solidFill>
+            <a:ln>
+              <a:noFill/>
+            </a:ln>
+          </p:spPr>
+          <p:style>
+            <a:lnRef idx="2">
+              <a:schemeClr val="accent1">
+                <a:shade val="50000"/>
+              </a:schemeClr>
+            </a:lnRef>
+            <a:fillRef idx="1">
+              <a:schemeClr val="accent1"/>
+            </a:fillRef>
+            <a:effectRef idx="0">
+              <a:schemeClr val="accent1"/>
+            </a:effectRef>
+            <a:fontRef idx="minor">
+              <a:schemeClr val="lt1"/>
+            </a:fontRef>
+          </p:style>
+          <p:txBody>
+            <a:bodyPr rtlCol="0" anchor="ctr"/>
+            <a:lstStyle/>
+            <a:p>
+              <a:pPr algn="ctr"/>
+              <a:r>
+                <a:rPr kumimoji="1" lang="zh-CN" altLang="en-US" sz="1600" dirty="0">
+                  <a:solidFill>
+                    <a:schemeClr val="bg2"/>
+                  </a:solidFill>
+                  <a:latin typeface="Microsoft YaHei" panose="020B0503020204020204" pitchFamily="34" charset="-122"/>
+                  <a:ea typeface="Microsoft YaHei" panose="020B0503020204020204" pitchFamily="34" charset="-122"/>
+                </a:rPr>
+                <a:t>访问</a:t>
+              </a:r>
+            </a:p>
+          </p:txBody>
+        </p:sp>
+        <p:sp>
+          <p:nvSpPr>
+            <p:cNvPr id="68" name="矩形 67">
+              <a:extLst>
+                <a:ext uri="{FF2B5EF4-FFF2-40B4-BE49-F238E27FC236}">
+                  <a16:creationId xmlns:a16="http://schemas.microsoft.com/office/drawing/2014/main" id="{9780E924-B186-9040-B642-AE3DA06FAA7E}"/>
+                </a:ext>
+              </a:extLst>
+            </p:cNvPr>
+            <p:cNvSpPr/>
+            <p:nvPr/>
+          </p:nvSpPr>
+          <p:spPr>
+            <a:xfrm>
+              <a:off x="3734084" y="5246247"/>
+              <a:ext cx="1486932" cy="724959"/>
+            </a:xfrm>
+            <a:prstGeom prst="rect">
+              <a:avLst/>
+            </a:prstGeom>
+            <a:solidFill>
+              <a:srgbClr val="F5F5FA"/>
+            </a:solidFill>
+            <a:ln>
+              <a:noFill/>
+            </a:ln>
+          </p:spPr>
+          <p:style>
+            <a:lnRef idx="2">
+              <a:schemeClr val="accent1">
+                <a:shade val="50000"/>
+              </a:schemeClr>
+            </a:lnRef>
+            <a:fillRef idx="1">
+              <a:schemeClr val="accent1"/>
+            </a:fillRef>
+            <a:effectRef idx="0">
+              <a:schemeClr val="accent1"/>
+            </a:effectRef>
+            <a:fontRef idx="minor">
+              <a:schemeClr val="lt1"/>
+            </a:fontRef>
+          </p:style>
+          <p:txBody>
+            <a:bodyPr rtlCol="0" anchor="ctr"/>
+            <a:lstStyle/>
+            <a:p>
+              <a:pPr algn="ctr"/>
+              <a:endParaRPr kumimoji="1" lang="zh-CN" altLang="en-US" dirty="0">
+                <a:latin typeface="Microsoft YaHei" panose="020B0503020204020204" pitchFamily="34" charset="-122"/>
+                <a:ea typeface="Microsoft YaHei" panose="020B0503020204020204" pitchFamily="34" charset="-122"/>
+              </a:endParaRPr>
+            </a:p>
+          </p:txBody>
+        </p:sp>
+        <p:sp>
+          <p:nvSpPr>
+            <p:cNvPr id="69" name="矩形 68">
+              <a:extLst>
+                <a:ext uri="{FF2B5EF4-FFF2-40B4-BE49-F238E27FC236}">
+                  <a16:creationId xmlns:a16="http://schemas.microsoft.com/office/drawing/2014/main" id="{660976E8-8FB1-AD4C-AAAC-2C5B5ADF7050}"/>
+                </a:ext>
+              </a:extLst>
+            </p:cNvPr>
+            <p:cNvSpPr/>
+            <p:nvPr/>
+          </p:nvSpPr>
+          <p:spPr>
+            <a:xfrm>
+              <a:off x="6923263" y="5258677"/>
+              <a:ext cx="1486932" cy="724959"/>
+            </a:xfrm>
+            <a:prstGeom prst="rect">
+              <a:avLst/>
+            </a:prstGeom>
+            <a:solidFill>
+              <a:srgbClr val="F5F5FA"/>
+            </a:solidFill>
+            <a:ln>
+              <a:noFill/>
+            </a:ln>
+          </p:spPr>
+          <p:style>
+            <a:lnRef idx="2">
+              <a:schemeClr val="accent1">
+                <a:shade val="50000"/>
+              </a:schemeClr>
+            </a:lnRef>
+            <a:fillRef idx="1">
+              <a:schemeClr val="accent1"/>
+            </a:fillRef>
+            <a:effectRef idx="0">
+              <a:schemeClr val="accent1"/>
+            </a:effectRef>
+            <a:fontRef idx="minor">
+              <a:schemeClr val="lt1"/>
+            </a:fontRef>
+          </p:style>
+          <p:txBody>
+            <a:bodyPr rtlCol="0" anchor="ctr"/>
+            <a:lstStyle/>
+            <a:p>
+              <a:pPr algn="ctr"/>
+              <a:endParaRPr kumimoji="1" lang="zh-CN" altLang="en-US" dirty="0">
+                <a:latin typeface="Microsoft YaHei" panose="020B0503020204020204" pitchFamily="34" charset="-122"/>
+                <a:ea typeface="Microsoft YaHei" panose="020B0503020204020204" pitchFamily="34" charset="-122"/>
+              </a:endParaRPr>
+            </a:p>
+          </p:txBody>
+        </p:sp>
+        <p:sp>
+          <p:nvSpPr>
+            <p:cNvPr id="70" name="矩形 69">
+              <a:extLst>
+                <a:ext uri="{FF2B5EF4-FFF2-40B4-BE49-F238E27FC236}">
+                  <a16:creationId xmlns:a16="http://schemas.microsoft.com/office/drawing/2014/main" id="{B5091B99-ED06-4545-9A51-09E1392402EF}"/>
+                </a:ext>
+              </a:extLst>
+            </p:cNvPr>
+            <p:cNvSpPr/>
+            <p:nvPr/>
+          </p:nvSpPr>
+          <p:spPr>
+            <a:xfrm>
+              <a:off x="5326918" y="5245257"/>
+              <a:ext cx="1486932" cy="724959"/>
+            </a:xfrm>
+            <a:prstGeom prst="rect">
+              <a:avLst/>
+            </a:prstGeom>
+            <a:solidFill>
+              <a:srgbClr val="F5F5FA"/>
+            </a:solidFill>
+            <a:ln>
+              <a:noFill/>
+            </a:ln>
+          </p:spPr>
+          <p:style>
+            <a:lnRef idx="2">
+              <a:schemeClr val="accent1">
+                <a:shade val="50000"/>
+              </a:schemeClr>
+            </a:lnRef>
+            <a:fillRef idx="1">
+              <a:schemeClr val="accent1"/>
+            </a:fillRef>
+            <a:effectRef idx="0">
+              <a:schemeClr val="accent1"/>
+            </a:effectRef>
+            <a:fontRef idx="minor">
+              <a:schemeClr val="lt1"/>
+            </a:fontRef>
+          </p:style>
+          <p:txBody>
+            <a:bodyPr rtlCol="0" anchor="ctr"/>
+            <a:lstStyle/>
+            <a:p>
+              <a:pPr algn="ctr"/>
+              <a:endParaRPr kumimoji="1" lang="zh-CN" altLang="en-US" dirty="0">
+                <a:latin typeface="Microsoft YaHei" panose="020B0503020204020204" pitchFamily="34" charset="-122"/>
+                <a:ea typeface="Microsoft YaHei" panose="020B0503020204020204" pitchFamily="34" charset="-122"/>
+              </a:endParaRPr>
+            </a:p>
+          </p:txBody>
+        </p:sp>
+        <p:sp>
+          <p:nvSpPr>
+            <p:cNvPr id="71" name="文本框 70">
+              <a:extLst>
+                <a:ext uri="{FF2B5EF4-FFF2-40B4-BE49-F238E27FC236}">
+                  <a16:creationId xmlns:a16="http://schemas.microsoft.com/office/drawing/2014/main" id="{BB5A8393-904C-E442-B7A2-0FABCBC8D373}"/>
+                </a:ext>
+              </a:extLst>
+            </p:cNvPr>
+            <p:cNvSpPr txBox="1"/>
+            <p:nvPr/>
+          </p:nvSpPr>
+          <p:spPr>
+            <a:xfrm>
+              <a:off x="4838842" y="2131203"/>
+              <a:ext cx="1247040" cy="276999"/>
+            </a:xfrm>
+            <a:prstGeom prst="rect">
+              <a:avLst/>
+            </a:prstGeom>
+            <a:noFill/>
+          </p:spPr>
+          <p:txBody>
+            <a:bodyPr wrap="square" rtlCol="0">
+              <a:spAutoFit/>
+            </a:bodyPr>
+            <a:lstStyle/>
+            <a:p>
+              <a:pPr algn="ctr"/>
+              <a:r>
+                <a:rPr kumimoji="1" lang="zh-CN" altLang="en-US" sz="1200" dirty="0">
+                  <a:solidFill>
+                    <a:srgbClr val="393C57"/>
+                  </a:solidFill>
+                  <a:latin typeface="Microsoft YaHei" panose="020B0503020204020204" pitchFamily="34" charset="-122"/>
+                  <a:ea typeface="Microsoft YaHei" panose="020B0503020204020204" pitchFamily="34" charset="-122"/>
+                </a:rPr>
+                <a:t>切片</a:t>
+              </a:r>
+            </a:p>
+          </p:txBody>
+        </p:sp>
+        <p:sp>
+          <p:nvSpPr>
+            <p:cNvPr id="72" name="文本框 71">
+              <a:extLst>
+                <a:ext uri="{FF2B5EF4-FFF2-40B4-BE49-F238E27FC236}">
+                  <a16:creationId xmlns:a16="http://schemas.microsoft.com/office/drawing/2014/main" id="{73A759D6-0440-8F4A-974A-0FECDFCB7635}"/>
+                </a:ext>
+              </a:extLst>
+            </p:cNvPr>
+            <p:cNvSpPr txBox="1"/>
+            <p:nvPr/>
+          </p:nvSpPr>
+          <p:spPr>
+            <a:xfrm>
+              <a:off x="6075480" y="2129807"/>
+              <a:ext cx="1247040" cy="276999"/>
+            </a:xfrm>
+            <a:prstGeom prst="rect">
+              <a:avLst/>
+            </a:prstGeom>
+            <a:noFill/>
+          </p:spPr>
+          <p:txBody>
+            <a:bodyPr wrap="square" rtlCol="0">
+              <a:spAutoFit/>
+            </a:bodyPr>
+            <a:lstStyle/>
+            <a:p>
+              <a:pPr algn="ctr"/>
+              <a:r>
+                <a:rPr kumimoji="1" lang="zh-CN" altLang="en-US" sz="1200" dirty="0">
+                  <a:solidFill>
+                    <a:srgbClr val="393C57"/>
+                  </a:solidFill>
+                  <a:latin typeface="Microsoft YaHei" panose="020B0503020204020204" pitchFamily="34" charset="-122"/>
+                  <a:ea typeface="Microsoft YaHei" panose="020B0503020204020204" pitchFamily="34" charset="-122"/>
+                </a:rPr>
+                <a:t>传送</a:t>
+              </a:r>
+            </a:p>
+          </p:txBody>
+        </p:sp>
+        <p:sp>
+          <p:nvSpPr>
+            <p:cNvPr id="73" name="文本框 72">
+              <a:extLst>
+                <a:ext uri="{FF2B5EF4-FFF2-40B4-BE49-F238E27FC236}">
+                  <a16:creationId xmlns:a16="http://schemas.microsoft.com/office/drawing/2014/main" id="{F6B7573C-50EE-5C43-842D-D240E83AE6DD}"/>
+                </a:ext>
+              </a:extLst>
+            </p:cNvPr>
+            <p:cNvSpPr txBox="1"/>
+            <p:nvPr/>
+          </p:nvSpPr>
+          <p:spPr>
+            <a:xfrm>
+              <a:off x="7285803" y="2135098"/>
+              <a:ext cx="1247040" cy="276999"/>
+            </a:xfrm>
+            <a:prstGeom prst="rect">
+              <a:avLst/>
+            </a:prstGeom>
+            <a:noFill/>
+          </p:spPr>
+          <p:txBody>
+            <a:bodyPr wrap="square" rtlCol="0">
+              <a:spAutoFit/>
+            </a:bodyPr>
+            <a:lstStyle/>
+            <a:p>
+              <a:pPr algn="ctr"/>
+              <a:r>
+                <a:rPr kumimoji="1" lang="en-US" altLang="zh-CN" sz="1200" dirty="0">
+                  <a:solidFill>
+                    <a:srgbClr val="393C57"/>
+                  </a:solidFill>
+                  <a:latin typeface="Microsoft YaHei" panose="020B0503020204020204" pitchFamily="34" charset="-122"/>
+                  <a:ea typeface="Microsoft YaHei" panose="020B0503020204020204" pitchFamily="34" charset="-122"/>
+                </a:rPr>
+                <a:t>SDK</a:t>
+              </a:r>
+              <a:endParaRPr kumimoji="1" lang="zh-CN" altLang="en-US" sz="1200" dirty="0">
+                <a:solidFill>
+                  <a:srgbClr val="393C57"/>
+                </a:solidFill>
+                <a:latin typeface="Microsoft YaHei" panose="020B0503020204020204" pitchFamily="34" charset="-122"/>
+                <a:ea typeface="Microsoft YaHei" panose="020B0503020204020204" pitchFamily="34" charset="-122"/>
+              </a:endParaRPr>
+            </a:p>
+          </p:txBody>
+        </p:sp>
+        <p:sp>
+          <p:nvSpPr>
+            <p:cNvPr id="74" name="文本框 73">
+              <a:extLst>
+                <a:ext uri="{FF2B5EF4-FFF2-40B4-BE49-F238E27FC236}">
+                  <a16:creationId xmlns:a16="http://schemas.microsoft.com/office/drawing/2014/main" id="{3D4F7375-0C4C-4849-8C79-07C3359D6E7D}"/>
+                </a:ext>
+              </a:extLst>
+            </p:cNvPr>
+            <p:cNvSpPr txBox="1"/>
+            <p:nvPr/>
+          </p:nvSpPr>
+          <p:spPr>
+            <a:xfrm>
+              <a:off x="3852275" y="3813310"/>
+              <a:ext cx="1247040" cy="276999"/>
+            </a:xfrm>
+            <a:prstGeom prst="rect">
+              <a:avLst/>
+            </a:prstGeom>
+            <a:noFill/>
+          </p:spPr>
+          <p:txBody>
+            <a:bodyPr wrap="square" rtlCol="0">
+              <a:spAutoFit/>
+            </a:bodyPr>
+            <a:lstStyle/>
+            <a:p>
+              <a:pPr algn="ctr"/>
+              <a:r>
+                <a:rPr kumimoji="1" lang="zh-CN" altLang="en-US" sz="1200" dirty="0">
+                  <a:solidFill>
+                    <a:srgbClr val="393C57"/>
+                  </a:solidFill>
+                  <a:latin typeface="Microsoft YaHei" panose="020B0503020204020204" pitchFamily="34" charset="-122"/>
+                  <a:ea typeface="Microsoft YaHei" panose="020B0503020204020204" pitchFamily="34" charset="-122"/>
+                </a:rPr>
+                <a:t>任务调度</a:t>
+              </a:r>
+            </a:p>
+          </p:txBody>
+        </p:sp>
+        <p:sp>
+          <p:nvSpPr>
+            <p:cNvPr id="75" name="文本框 74">
+              <a:extLst>
+                <a:ext uri="{FF2B5EF4-FFF2-40B4-BE49-F238E27FC236}">
+                  <a16:creationId xmlns:a16="http://schemas.microsoft.com/office/drawing/2014/main" id="{9E099455-0402-704D-A7CA-94787D0DD3D1}"/>
+                </a:ext>
+              </a:extLst>
+            </p:cNvPr>
+            <p:cNvSpPr txBox="1"/>
+            <p:nvPr/>
+          </p:nvSpPr>
+          <p:spPr>
+            <a:xfrm>
+              <a:off x="5461346" y="3813310"/>
+              <a:ext cx="1247040" cy="276999"/>
+            </a:xfrm>
+            <a:prstGeom prst="rect">
+              <a:avLst/>
+            </a:prstGeom>
+            <a:noFill/>
+          </p:spPr>
+          <p:txBody>
+            <a:bodyPr wrap="square" rtlCol="0">
+              <a:spAutoFit/>
+            </a:bodyPr>
+            <a:lstStyle/>
+            <a:p>
+              <a:pPr algn="ctr"/>
+              <a:r>
+                <a:rPr kumimoji="1" lang="en-US" altLang="zh-CN" sz="1200" dirty="0">
+                  <a:solidFill>
+                    <a:srgbClr val="393C57"/>
+                  </a:solidFill>
+                  <a:latin typeface="Microsoft YaHei" panose="020B0503020204020204" pitchFamily="34" charset="-122"/>
+                  <a:ea typeface="Microsoft YaHei" panose="020B0503020204020204" pitchFamily="34" charset="-122"/>
+                </a:rPr>
+                <a:t>DAG</a:t>
+              </a:r>
+              <a:r>
+                <a:rPr kumimoji="1" lang="zh-CN" altLang="en-US" sz="1200" dirty="0">
+                  <a:solidFill>
+                    <a:srgbClr val="393C57"/>
+                  </a:solidFill>
+                  <a:latin typeface="Microsoft YaHei" panose="020B0503020204020204" pitchFamily="34" charset="-122"/>
+                  <a:ea typeface="Microsoft YaHei" panose="020B0503020204020204" pitchFamily="34" charset="-122"/>
+                </a:rPr>
+                <a:t>解析器</a:t>
+              </a:r>
+            </a:p>
+          </p:txBody>
+        </p:sp>
+        <p:sp>
+          <p:nvSpPr>
+            <p:cNvPr id="76" name="文本框 75">
+              <a:extLst>
+                <a:ext uri="{FF2B5EF4-FFF2-40B4-BE49-F238E27FC236}">
+                  <a16:creationId xmlns:a16="http://schemas.microsoft.com/office/drawing/2014/main" id="{923C840E-713A-F047-80FB-2F7638016C79}"/>
+                </a:ext>
+              </a:extLst>
+            </p:cNvPr>
+            <p:cNvSpPr txBox="1"/>
+            <p:nvPr/>
+          </p:nvSpPr>
+          <p:spPr>
+            <a:xfrm>
+              <a:off x="7039609" y="3813310"/>
+              <a:ext cx="1247040" cy="276999"/>
+            </a:xfrm>
+            <a:prstGeom prst="rect">
+              <a:avLst/>
+            </a:prstGeom>
+            <a:noFill/>
+          </p:spPr>
+          <p:txBody>
+            <a:bodyPr wrap="square" rtlCol="0">
+              <a:spAutoFit/>
+            </a:bodyPr>
+            <a:lstStyle/>
+            <a:p>
+              <a:pPr algn="ctr"/>
+              <a:r>
+                <a:rPr kumimoji="1" lang="zh-CN" altLang="en-US" sz="1200" dirty="0">
+                  <a:solidFill>
+                    <a:srgbClr val="393C57"/>
+                  </a:solidFill>
+                  <a:latin typeface="Microsoft YaHei" panose="020B0503020204020204" pitchFamily="34" charset="-122"/>
+                  <a:ea typeface="Microsoft YaHei" panose="020B0503020204020204" pitchFamily="34" charset="-122"/>
+                </a:rPr>
+                <a:t>脚本引擎</a:t>
+              </a:r>
+            </a:p>
+          </p:txBody>
+        </p:sp>
+        <p:sp>
+          <p:nvSpPr>
+            <p:cNvPr id="77" name="文本框 76">
+              <a:extLst>
+                <a:ext uri="{FF2B5EF4-FFF2-40B4-BE49-F238E27FC236}">
+                  <a16:creationId xmlns:a16="http://schemas.microsoft.com/office/drawing/2014/main" id="{66C83498-50C6-724D-9A6F-B26F3015A72F}"/>
+                </a:ext>
+              </a:extLst>
+            </p:cNvPr>
+            <p:cNvSpPr txBox="1"/>
+            <p:nvPr/>
+          </p:nvSpPr>
+          <p:spPr>
+            <a:xfrm>
+              <a:off x="3817406" y="5469890"/>
+              <a:ext cx="1247040" cy="276999"/>
+            </a:xfrm>
+            <a:prstGeom prst="rect">
+              <a:avLst/>
+            </a:prstGeom>
+            <a:noFill/>
+          </p:spPr>
+          <p:txBody>
+            <a:bodyPr wrap="square" rtlCol="0">
+              <a:spAutoFit/>
+            </a:bodyPr>
+            <a:lstStyle/>
+            <a:p>
+              <a:pPr algn="ctr"/>
+              <a:r>
+                <a:rPr kumimoji="1" lang="zh-CN" altLang="en-US" sz="1200" dirty="0">
+                  <a:solidFill>
+                    <a:srgbClr val="393C57"/>
+                  </a:solidFill>
+                  <a:latin typeface="Microsoft YaHei" panose="020B0503020204020204" pitchFamily="34" charset="-122"/>
+                  <a:ea typeface="Microsoft YaHei" panose="020B0503020204020204" pitchFamily="34" charset="-122"/>
+                </a:rPr>
+                <a:t>协议管理</a:t>
+              </a:r>
+            </a:p>
+          </p:txBody>
+        </p:sp>
+        <p:sp>
+          <p:nvSpPr>
+            <p:cNvPr id="78" name="文本框 77">
+              <a:extLst>
+                <a:ext uri="{FF2B5EF4-FFF2-40B4-BE49-F238E27FC236}">
+                  <a16:creationId xmlns:a16="http://schemas.microsoft.com/office/drawing/2014/main" id="{E21C6BD9-F3BA-524C-BA68-DDA22BF00795}"/>
+                </a:ext>
+              </a:extLst>
+            </p:cNvPr>
+            <p:cNvSpPr txBox="1"/>
+            <p:nvPr/>
+          </p:nvSpPr>
+          <p:spPr>
+            <a:xfrm>
+              <a:off x="5432834" y="5469891"/>
+              <a:ext cx="1247040" cy="276999"/>
+            </a:xfrm>
+            <a:prstGeom prst="rect">
+              <a:avLst/>
+            </a:prstGeom>
+            <a:noFill/>
+          </p:spPr>
+          <p:txBody>
+            <a:bodyPr wrap="square" rtlCol="0">
+              <a:spAutoFit/>
+            </a:bodyPr>
+            <a:lstStyle/>
+            <a:p>
+              <a:pPr algn="ctr"/>
+              <a:r>
+                <a:rPr kumimoji="1" lang="zh-CN" altLang="en-US" sz="1200" dirty="0">
+                  <a:solidFill>
+                    <a:srgbClr val="393C57"/>
+                  </a:solidFill>
+                  <a:latin typeface="Microsoft YaHei" panose="020B0503020204020204" pitchFamily="34" charset="-122"/>
+                  <a:ea typeface="Microsoft YaHei" panose="020B0503020204020204" pitchFamily="34" charset="-122"/>
+                </a:rPr>
+                <a:t>协议适配器</a:t>
+              </a:r>
+            </a:p>
+          </p:txBody>
+        </p:sp>
+        <p:sp>
+          <p:nvSpPr>
+            <p:cNvPr id="79" name="文本框 78">
+              <a:extLst>
+                <a:ext uri="{FF2B5EF4-FFF2-40B4-BE49-F238E27FC236}">
+                  <a16:creationId xmlns:a16="http://schemas.microsoft.com/office/drawing/2014/main" id="{988C9990-32A0-3542-871C-F7495CB03CED}"/>
+                </a:ext>
+              </a:extLst>
+            </p:cNvPr>
+            <p:cNvSpPr txBox="1"/>
+            <p:nvPr/>
+          </p:nvSpPr>
+          <p:spPr>
+            <a:xfrm>
+              <a:off x="6986575" y="5475947"/>
+              <a:ext cx="1247040" cy="276999"/>
+            </a:xfrm>
+            <a:prstGeom prst="rect">
+              <a:avLst/>
+            </a:prstGeom>
+            <a:noFill/>
+          </p:spPr>
+          <p:txBody>
+            <a:bodyPr wrap="square" rtlCol="0">
+              <a:spAutoFit/>
+            </a:bodyPr>
+            <a:lstStyle/>
+            <a:p>
+              <a:pPr algn="ctr"/>
+              <a:r>
+                <a:rPr kumimoji="1" lang="en-US" altLang="zh-CN" sz="1200" dirty="0">
+                  <a:solidFill>
+                    <a:srgbClr val="393C57"/>
+                  </a:solidFill>
+                  <a:latin typeface="Microsoft YaHei" panose="020B0503020204020204" pitchFamily="34" charset="-122"/>
+                  <a:ea typeface="Microsoft YaHei" panose="020B0503020204020204" pitchFamily="34" charset="-122"/>
+                </a:rPr>
+                <a:t>SDK</a:t>
+              </a:r>
+              <a:endParaRPr kumimoji="1" lang="zh-CN" altLang="en-US" sz="1200" dirty="0">
+                <a:solidFill>
+                  <a:srgbClr val="393C57"/>
+                </a:solidFill>
+                <a:latin typeface="Microsoft YaHei" panose="020B0503020204020204" pitchFamily="34" charset="-122"/>
+                <a:ea typeface="Microsoft YaHei" panose="020B0503020204020204" pitchFamily="34" charset="-122"/>
+              </a:endParaRPr>
+            </a:p>
+          </p:txBody>
+        </p:sp>
+      </p:grpSp>
+    </p:spTree>
+    <p:extLst>
+      <p:ext uri="{BB962C8B-B14F-4D97-AF65-F5344CB8AC3E}">
+        <p14:creationId xmlns:p14="http://schemas.microsoft.com/office/powerpoint/2010/main" val="1863814023"/>
+      </p:ext>
+    </p:extLst>
+  </p:cSld>
+  <p:clrMapOvr>
+    <a:masterClrMapping/>
+  </p:clrMapOvr>
+</p:sld>
+</file>
+
+<file path=ppt/slides/slide5.xml><?xml version="1.0" encoding="utf-8"?>
 <p:sld xmlns:a="http://schemas.openxmlformats.org/drawingml/2006/main" xmlns:r="http://schemas.openxmlformats.org/officeDocument/2006/relationships" xmlns:p="http://schemas.openxmlformats.org/presentationml/2006/main">
   <p:cSld>
     <p:spTree>
@@ -9462,7 +11428,1518 @@
 </p:sld>
 </file>
 
-<file path=ppt/slides/slide5.xml><?xml version="1.0" encoding="utf-8"?>
+<file path=ppt/slides/slide6.xml><?xml version="1.0" encoding="utf-8"?>
+<p:sld xmlns:a="http://schemas.openxmlformats.org/drawingml/2006/main" xmlns:r="http://schemas.openxmlformats.org/officeDocument/2006/relationships" xmlns:p="http://schemas.openxmlformats.org/presentationml/2006/main">
+  <p:cSld>
+    <p:spTree>
+      <p:nvGrpSpPr>
+        <p:cNvPr id="1" name=""/>
+        <p:cNvGrpSpPr/>
+        <p:nvPr/>
+      </p:nvGrpSpPr>
+      <p:grpSpPr>
+        <a:xfrm>
+          <a:off x="0" y="0"/>
+          <a:ext cx="0" cy="0"/>
+          <a:chOff x="0" y="0"/>
+          <a:chExt cx="0" cy="0"/>
+        </a:xfrm>
+      </p:grpSpPr>
+      <p:grpSp>
+        <p:nvGrpSpPr>
+          <p:cNvPr id="34" name="组合 33">
+            <a:extLst>
+              <a:ext uri="{FF2B5EF4-FFF2-40B4-BE49-F238E27FC236}">
+                <a16:creationId xmlns:a16="http://schemas.microsoft.com/office/drawing/2014/main" id="{40225EB1-BBEF-DC4F-BC91-F47C0411E5D2}"/>
+              </a:ext>
+            </a:extLst>
+          </p:cNvPr>
+          <p:cNvGrpSpPr/>
+          <p:nvPr/>
+        </p:nvGrpSpPr>
+        <p:grpSpPr>
+          <a:xfrm>
+            <a:off x="1239800" y="926964"/>
+            <a:ext cx="8193867" cy="5199928"/>
+            <a:chOff x="1239800" y="926964"/>
+            <a:chExt cx="8193867" cy="5199928"/>
+          </a:xfrm>
+        </p:grpSpPr>
+        <p:sp>
+          <p:nvSpPr>
+            <p:cNvPr id="6" name="矩形 5">
+              <a:extLst>
+                <a:ext uri="{FF2B5EF4-FFF2-40B4-BE49-F238E27FC236}">
+                  <a16:creationId xmlns:a16="http://schemas.microsoft.com/office/drawing/2014/main" id="{7F4013C9-6497-3C4A-BE78-C016155DAFD4}"/>
+                </a:ext>
+              </a:extLst>
+            </p:cNvPr>
+            <p:cNvSpPr>
+              <a:spLocks/>
+            </p:cNvSpPr>
+            <p:nvPr/>
+          </p:nvSpPr>
+          <p:spPr>
+            <a:xfrm>
+              <a:off x="2271669" y="1316531"/>
+              <a:ext cx="2268683" cy="724959"/>
+            </a:xfrm>
+            <a:prstGeom prst="rect">
+              <a:avLst/>
+            </a:prstGeom>
+            <a:solidFill>
+              <a:srgbClr val="F5F5FA"/>
+            </a:solidFill>
+            <a:ln>
+              <a:noFill/>
+            </a:ln>
+          </p:spPr>
+          <p:style>
+            <a:lnRef idx="2">
+              <a:schemeClr val="accent1">
+                <a:shade val="50000"/>
+              </a:schemeClr>
+            </a:lnRef>
+            <a:fillRef idx="1">
+              <a:schemeClr val="accent1"/>
+            </a:fillRef>
+            <a:effectRef idx="0">
+              <a:schemeClr val="accent1"/>
+            </a:effectRef>
+            <a:fontRef idx="minor">
+              <a:schemeClr val="lt1"/>
+            </a:fontRef>
+          </p:style>
+          <p:txBody>
+            <a:bodyPr rtlCol="0" anchor="ctr"/>
+            <a:lstStyle/>
+            <a:p>
+              <a:pPr algn="ctr"/>
+              <a:endParaRPr kumimoji="1" lang="zh-CN" altLang="en-US" dirty="0">
+                <a:latin typeface="Microsoft YaHei" panose="020B0503020204020204" pitchFamily="34" charset="-122"/>
+                <a:ea typeface="Microsoft YaHei" panose="020B0503020204020204" pitchFamily="34" charset="-122"/>
+              </a:endParaRPr>
+            </a:p>
+          </p:txBody>
+        </p:sp>
+        <p:sp>
+          <p:nvSpPr>
+            <p:cNvPr id="7" name="文本框 6">
+              <a:extLst>
+                <a:ext uri="{FF2B5EF4-FFF2-40B4-BE49-F238E27FC236}">
+                  <a16:creationId xmlns:a16="http://schemas.microsoft.com/office/drawing/2014/main" id="{9C82FB95-E87D-1144-AD9D-E4FAE347B4C0}"/>
+                </a:ext>
+              </a:extLst>
+            </p:cNvPr>
+            <p:cNvSpPr txBox="1"/>
+            <p:nvPr/>
+          </p:nvSpPr>
+          <p:spPr>
+            <a:xfrm>
+              <a:off x="2782490" y="1540510"/>
+              <a:ext cx="1247040" cy="276999"/>
+            </a:xfrm>
+            <a:prstGeom prst="rect">
+              <a:avLst/>
+            </a:prstGeom>
+            <a:noFill/>
+          </p:spPr>
+          <p:txBody>
+            <a:bodyPr wrap="square" rtlCol="0">
+              <a:spAutoFit/>
+            </a:bodyPr>
+            <a:lstStyle/>
+            <a:p>
+              <a:pPr algn="ctr"/>
+              <a:r>
+                <a:rPr kumimoji="1" lang="zh-CN" altLang="en-US" sz="1200" dirty="0">
+                  <a:solidFill>
+                    <a:srgbClr val="393C57"/>
+                  </a:solidFill>
+                  <a:latin typeface="Microsoft YaHei" panose="020B0503020204020204" pitchFamily="34" charset="-122"/>
+                  <a:ea typeface="Microsoft YaHei" panose="020B0503020204020204" pitchFamily="34" charset="-122"/>
+                </a:rPr>
+                <a:t>连接服务器</a:t>
+              </a:r>
+            </a:p>
+          </p:txBody>
+        </p:sp>
+        <p:sp>
+          <p:nvSpPr>
+            <p:cNvPr id="8" name="矩形 7">
+              <a:extLst>
+                <a:ext uri="{FF2B5EF4-FFF2-40B4-BE49-F238E27FC236}">
+                  <a16:creationId xmlns:a16="http://schemas.microsoft.com/office/drawing/2014/main" id="{CD005E36-6386-E34F-8EAE-A56A65CEBEF9}"/>
+                </a:ext>
+              </a:extLst>
+            </p:cNvPr>
+            <p:cNvSpPr/>
+            <p:nvPr/>
+          </p:nvSpPr>
+          <p:spPr>
+            <a:xfrm>
+              <a:off x="1239800" y="926966"/>
+              <a:ext cx="6127202" cy="1486992"/>
+            </a:xfrm>
+            <a:prstGeom prst="rect">
+              <a:avLst/>
+            </a:prstGeom>
+            <a:noFill/>
+            <a:ln w="19050">
+              <a:solidFill>
+                <a:srgbClr val="D8D9E6"/>
+              </a:solidFill>
+            </a:ln>
+          </p:spPr>
+          <p:style>
+            <a:lnRef idx="2">
+              <a:schemeClr val="accent1">
+                <a:shade val="50000"/>
+              </a:schemeClr>
+            </a:lnRef>
+            <a:fillRef idx="1">
+              <a:schemeClr val="accent1"/>
+            </a:fillRef>
+            <a:effectRef idx="0">
+              <a:schemeClr val="accent1"/>
+            </a:effectRef>
+            <a:fontRef idx="minor">
+              <a:schemeClr val="lt1"/>
+            </a:fontRef>
+          </p:style>
+          <p:txBody>
+            <a:bodyPr rtlCol="0" anchor="ctr"/>
+            <a:lstStyle/>
+            <a:p>
+              <a:pPr algn="ctr"/>
+              <a:endParaRPr kumimoji="1" lang="zh-CN" altLang="en-US">
+                <a:latin typeface="Microsoft YaHei" panose="020B0503020204020204" pitchFamily="34" charset="-122"/>
+                <a:ea typeface="Microsoft YaHei" panose="020B0503020204020204" pitchFamily="34" charset="-122"/>
+              </a:endParaRPr>
+            </a:p>
+          </p:txBody>
+        </p:sp>
+        <p:sp>
+          <p:nvSpPr>
+            <p:cNvPr id="9" name="矩形 8">
+              <a:extLst>
+                <a:ext uri="{FF2B5EF4-FFF2-40B4-BE49-F238E27FC236}">
+                  <a16:creationId xmlns:a16="http://schemas.microsoft.com/office/drawing/2014/main" id="{C11589AA-1937-3A46-84E8-24A7F8BC30D9}"/>
+                </a:ext>
+              </a:extLst>
+            </p:cNvPr>
+            <p:cNvSpPr/>
+            <p:nvPr/>
+          </p:nvSpPr>
+          <p:spPr>
+            <a:xfrm>
+              <a:off x="1239800" y="926964"/>
+              <a:ext cx="945142" cy="1486993"/>
+            </a:xfrm>
+            <a:prstGeom prst="rect">
+              <a:avLst/>
+            </a:prstGeom>
+            <a:solidFill>
+              <a:srgbClr val="A2A5BD"/>
+            </a:solidFill>
+            <a:ln>
+              <a:noFill/>
+            </a:ln>
+          </p:spPr>
+          <p:style>
+            <a:lnRef idx="2">
+              <a:schemeClr val="accent1">
+                <a:shade val="50000"/>
+              </a:schemeClr>
+            </a:lnRef>
+            <a:fillRef idx="1">
+              <a:schemeClr val="accent1"/>
+            </a:fillRef>
+            <a:effectRef idx="0">
+              <a:schemeClr val="accent1"/>
+            </a:effectRef>
+            <a:fontRef idx="minor">
+              <a:schemeClr val="lt1"/>
+            </a:fontRef>
+          </p:style>
+          <p:txBody>
+            <a:bodyPr rtlCol="0" anchor="ctr"/>
+            <a:lstStyle/>
+            <a:p>
+              <a:pPr algn="ctr"/>
+              <a:r>
+                <a:rPr kumimoji="1" lang="zh-CN" altLang="en-US" sz="1600" dirty="0">
+                  <a:solidFill>
+                    <a:schemeClr val="bg2"/>
+                  </a:solidFill>
+                  <a:latin typeface="Microsoft YaHei" panose="020B0503020204020204" pitchFamily="34" charset="-122"/>
+                  <a:ea typeface="Microsoft YaHei" panose="020B0503020204020204" pitchFamily="34" charset="-122"/>
+                </a:rPr>
+                <a:t>云端</a:t>
+              </a:r>
+            </a:p>
+          </p:txBody>
+        </p:sp>
+        <p:sp>
+          <p:nvSpPr>
+            <p:cNvPr id="10" name="矩形 9">
+              <a:extLst>
+                <a:ext uri="{FF2B5EF4-FFF2-40B4-BE49-F238E27FC236}">
+                  <a16:creationId xmlns:a16="http://schemas.microsoft.com/office/drawing/2014/main" id="{2651B7E0-5CE1-914E-846F-BDEB8946A36E}"/>
+                </a:ext>
+              </a:extLst>
+            </p:cNvPr>
+            <p:cNvSpPr>
+              <a:spLocks/>
+            </p:cNvSpPr>
+            <p:nvPr/>
+          </p:nvSpPr>
+          <p:spPr>
+            <a:xfrm>
+              <a:off x="4953178" y="1322059"/>
+              <a:ext cx="2246062" cy="724959"/>
+            </a:xfrm>
+            <a:prstGeom prst="rect">
+              <a:avLst/>
+            </a:prstGeom>
+            <a:solidFill>
+              <a:srgbClr val="F5F5FA"/>
+            </a:solidFill>
+            <a:ln>
+              <a:noFill/>
+            </a:ln>
+          </p:spPr>
+          <p:style>
+            <a:lnRef idx="2">
+              <a:schemeClr val="accent1">
+                <a:shade val="50000"/>
+              </a:schemeClr>
+            </a:lnRef>
+            <a:fillRef idx="1">
+              <a:schemeClr val="accent1"/>
+            </a:fillRef>
+            <a:effectRef idx="0">
+              <a:schemeClr val="accent1"/>
+            </a:effectRef>
+            <a:fontRef idx="minor">
+              <a:schemeClr val="lt1"/>
+            </a:fontRef>
+          </p:style>
+          <p:txBody>
+            <a:bodyPr rtlCol="0" anchor="ctr"/>
+            <a:lstStyle/>
+            <a:p>
+              <a:pPr algn="ctr"/>
+              <a:endParaRPr kumimoji="1" lang="zh-CN" altLang="en-US" dirty="0">
+                <a:latin typeface="Microsoft YaHei" panose="020B0503020204020204" pitchFamily="34" charset="-122"/>
+                <a:ea typeface="Microsoft YaHei" panose="020B0503020204020204" pitchFamily="34" charset="-122"/>
+              </a:endParaRPr>
+            </a:p>
+          </p:txBody>
+        </p:sp>
+        <p:sp>
+          <p:nvSpPr>
+            <p:cNvPr id="11" name="矩形 10">
+              <a:extLst>
+                <a:ext uri="{FF2B5EF4-FFF2-40B4-BE49-F238E27FC236}">
+                  <a16:creationId xmlns:a16="http://schemas.microsoft.com/office/drawing/2014/main" id="{041AED28-712B-194E-950A-EE3999AF54F4}"/>
+                </a:ext>
+              </a:extLst>
+            </p:cNvPr>
+            <p:cNvSpPr/>
+            <p:nvPr/>
+          </p:nvSpPr>
+          <p:spPr>
+            <a:xfrm>
+              <a:off x="1239800" y="2868143"/>
+              <a:ext cx="6127202" cy="2207094"/>
+            </a:xfrm>
+            <a:prstGeom prst="rect">
+              <a:avLst/>
+            </a:prstGeom>
+            <a:noFill/>
+            <a:ln w="19050">
+              <a:solidFill>
+                <a:srgbClr val="D8D9E6"/>
+              </a:solidFill>
+            </a:ln>
+          </p:spPr>
+          <p:style>
+            <a:lnRef idx="2">
+              <a:schemeClr val="accent1">
+                <a:shade val="50000"/>
+              </a:schemeClr>
+            </a:lnRef>
+            <a:fillRef idx="1">
+              <a:schemeClr val="accent1"/>
+            </a:fillRef>
+            <a:effectRef idx="0">
+              <a:schemeClr val="accent1"/>
+            </a:effectRef>
+            <a:fontRef idx="minor">
+              <a:schemeClr val="lt1"/>
+            </a:fontRef>
+          </p:style>
+          <p:txBody>
+            <a:bodyPr rtlCol="0" anchor="ctr"/>
+            <a:lstStyle/>
+            <a:p>
+              <a:pPr algn="ctr"/>
+              <a:endParaRPr kumimoji="1" lang="zh-CN" altLang="en-US">
+                <a:latin typeface="Microsoft YaHei" panose="020B0503020204020204" pitchFamily="34" charset="-122"/>
+                <a:ea typeface="Microsoft YaHei" panose="020B0503020204020204" pitchFamily="34" charset="-122"/>
+              </a:endParaRPr>
+            </a:p>
+          </p:txBody>
+        </p:sp>
+        <p:sp>
+          <p:nvSpPr>
+            <p:cNvPr id="12" name="矩形 11">
+              <a:extLst>
+                <a:ext uri="{FF2B5EF4-FFF2-40B4-BE49-F238E27FC236}">
+                  <a16:creationId xmlns:a16="http://schemas.microsoft.com/office/drawing/2014/main" id="{E3B07B97-6936-694B-B931-D1525E902727}"/>
+                </a:ext>
+              </a:extLst>
+            </p:cNvPr>
+            <p:cNvSpPr/>
+            <p:nvPr/>
+          </p:nvSpPr>
+          <p:spPr>
+            <a:xfrm>
+              <a:off x="1239800" y="2868142"/>
+              <a:ext cx="945142" cy="2200618"/>
+            </a:xfrm>
+            <a:prstGeom prst="rect">
+              <a:avLst/>
+            </a:prstGeom>
+            <a:solidFill>
+              <a:srgbClr val="A2A5BD"/>
+            </a:solidFill>
+            <a:ln>
+              <a:noFill/>
+            </a:ln>
+          </p:spPr>
+          <p:style>
+            <a:lnRef idx="2">
+              <a:schemeClr val="accent1">
+                <a:shade val="50000"/>
+              </a:schemeClr>
+            </a:lnRef>
+            <a:fillRef idx="1">
+              <a:schemeClr val="accent1"/>
+            </a:fillRef>
+            <a:effectRef idx="0">
+              <a:schemeClr val="accent1"/>
+            </a:effectRef>
+            <a:fontRef idx="minor">
+              <a:schemeClr val="lt1"/>
+            </a:fontRef>
+          </p:style>
+          <p:txBody>
+            <a:bodyPr rtlCol="0" anchor="ctr"/>
+            <a:lstStyle/>
+            <a:p>
+              <a:pPr algn="ctr"/>
+              <a:r>
+                <a:rPr kumimoji="1" lang="zh-CN" altLang="en-US" sz="1600" dirty="0">
+                  <a:solidFill>
+                    <a:schemeClr val="bg2"/>
+                  </a:solidFill>
+                  <a:latin typeface="Microsoft YaHei" panose="020B0503020204020204" pitchFamily="34" charset="-122"/>
+                  <a:ea typeface="Microsoft YaHei" panose="020B0503020204020204" pitchFamily="34" charset="-122"/>
+                </a:rPr>
+                <a:t>网关</a:t>
+              </a:r>
+            </a:p>
+          </p:txBody>
+        </p:sp>
+        <p:sp>
+          <p:nvSpPr>
+            <p:cNvPr id="13" name="矩形 12">
+              <a:extLst>
+                <a:ext uri="{FF2B5EF4-FFF2-40B4-BE49-F238E27FC236}">
+                  <a16:creationId xmlns:a16="http://schemas.microsoft.com/office/drawing/2014/main" id="{CB8005E1-F34E-C940-B29A-B64959115493}"/>
+                </a:ext>
+              </a:extLst>
+            </p:cNvPr>
+            <p:cNvSpPr/>
+            <p:nvPr/>
+          </p:nvSpPr>
+          <p:spPr>
+            <a:xfrm>
+              <a:off x="2261225" y="3697029"/>
+              <a:ext cx="1486932" cy="724959"/>
+            </a:xfrm>
+            <a:prstGeom prst="rect">
+              <a:avLst/>
+            </a:prstGeom>
+            <a:solidFill>
+              <a:srgbClr val="F5F5FA"/>
+            </a:solidFill>
+            <a:ln>
+              <a:noFill/>
+            </a:ln>
+          </p:spPr>
+          <p:style>
+            <a:lnRef idx="2">
+              <a:schemeClr val="accent1">
+                <a:shade val="50000"/>
+              </a:schemeClr>
+            </a:lnRef>
+            <a:fillRef idx="1">
+              <a:schemeClr val="accent1"/>
+            </a:fillRef>
+            <a:effectRef idx="0">
+              <a:schemeClr val="accent1"/>
+            </a:effectRef>
+            <a:fontRef idx="minor">
+              <a:schemeClr val="lt1"/>
+            </a:fontRef>
+          </p:style>
+          <p:txBody>
+            <a:bodyPr rtlCol="0" anchor="ctr"/>
+            <a:lstStyle/>
+            <a:p>
+              <a:pPr algn="ctr"/>
+              <a:endParaRPr kumimoji="1" lang="zh-CN" altLang="en-US" dirty="0">
+                <a:latin typeface="Microsoft YaHei" panose="020B0503020204020204" pitchFamily="34" charset="-122"/>
+                <a:ea typeface="Microsoft YaHei" panose="020B0503020204020204" pitchFamily="34" charset="-122"/>
+              </a:endParaRPr>
+            </a:p>
+          </p:txBody>
+        </p:sp>
+        <p:sp>
+          <p:nvSpPr>
+            <p:cNvPr id="14" name="矩形 13">
+              <a:extLst>
+                <a:ext uri="{FF2B5EF4-FFF2-40B4-BE49-F238E27FC236}">
+                  <a16:creationId xmlns:a16="http://schemas.microsoft.com/office/drawing/2014/main" id="{2C1358C3-6433-054F-AFD3-C1E2F67CA952}"/>
+                </a:ext>
+              </a:extLst>
+            </p:cNvPr>
+            <p:cNvSpPr/>
+            <p:nvPr/>
+          </p:nvSpPr>
+          <p:spPr>
+            <a:xfrm>
+              <a:off x="6036828" y="3695671"/>
+              <a:ext cx="1217275" cy="724959"/>
+            </a:xfrm>
+            <a:prstGeom prst="rect">
+              <a:avLst/>
+            </a:prstGeom>
+            <a:solidFill>
+              <a:srgbClr val="F5F5FA"/>
+            </a:solidFill>
+            <a:ln>
+              <a:noFill/>
+            </a:ln>
+          </p:spPr>
+          <p:style>
+            <a:lnRef idx="2">
+              <a:schemeClr val="accent1">
+                <a:shade val="50000"/>
+              </a:schemeClr>
+            </a:lnRef>
+            <a:fillRef idx="1">
+              <a:schemeClr val="accent1"/>
+            </a:fillRef>
+            <a:effectRef idx="0">
+              <a:schemeClr val="accent1"/>
+            </a:effectRef>
+            <a:fontRef idx="minor">
+              <a:schemeClr val="lt1"/>
+            </a:fontRef>
+          </p:style>
+          <p:txBody>
+            <a:bodyPr rtlCol="0" anchor="ctr"/>
+            <a:lstStyle/>
+            <a:p>
+              <a:pPr algn="ctr"/>
+              <a:endParaRPr kumimoji="1" lang="zh-CN" altLang="en-US" dirty="0">
+                <a:latin typeface="Microsoft YaHei" panose="020B0503020204020204" pitchFamily="34" charset="-122"/>
+                <a:ea typeface="Microsoft YaHei" panose="020B0503020204020204" pitchFamily="34" charset="-122"/>
+              </a:endParaRPr>
+            </a:p>
+          </p:txBody>
+        </p:sp>
+        <p:sp>
+          <p:nvSpPr>
+            <p:cNvPr id="15" name="矩形 14">
+              <a:extLst>
+                <a:ext uri="{FF2B5EF4-FFF2-40B4-BE49-F238E27FC236}">
+                  <a16:creationId xmlns:a16="http://schemas.microsoft.com/office/drawing/2014/main" id="{DE3BFD32-A7AD-094B-B276-5F5AE0596F02}"/>
+                </a:ext>
+              </a:extLst>
+            </p:cNvPr>
+            <p:cNvSpPr/>
+            <p:nvPr/>
+          </p:nvSpPr>
+          <p:spPr>
+            <a:xfrm>
+              <a:off x="4164209" y="4102627"/>
+              <a:ext cx="1486932" cy="724959"/>
+            </a:xfrm>
+            <a:prstGeom prst="rect">
+              <a:avLst/>
+            </a:prstGeom>
+            <a:solidFill>
+              <a:srgbClr val="F5F5FA"/>
+            </a:solidFill>
+            <a:ln>
+              <a:noFill/>
+            </a:ln>
+          </p:spPr>
+          <p:style>
+            <a:lnRef idx="2">
+              <a:schemeClr val="accent1">
+                <a:shade val="50000"/>
+              </a:schemeClr>
+            </a:lnRef>
+            <a:fillRef idx="1">
+              <a:schemeClr val="accent1"/>
+            </a:fillRef>
+            <a:effectRef idx="0">
+              <a:schemeClr val="accent1"/>
+            </a:effectRef>
+            <a:fontRef idx="minor">
+              <a:schemeClr val="lt1"/>
+            </a:fontRef>
+          </p:style>
+          <p:txBody>
+            <a:bodyPr rtlCol="0" anchor="ctr"/>
+            <a:lstStyle/>
+            <a:p>
+              <a:pPr algn="ctr"/>
+              <a:endParaRPr kumimoji="1" lang="zh-CN" altLang="en-US" dirty="0">
+                <a:latin typeface="Microsoft YaHei" panose="020B0503020204020204" pitchFamily="34" charset="-122"/>
+                <a:ea typeface="Microsoft YaHei" panose="020B0503020204020204" pitchFamily="34" charset="-122"/>
+              </a:endParaRPr>
+            </a:p>
+          </p:txBody>
+        </p:sp>
+        <p:sp>
+          <p:nvSpPr>
+            <p:cNvPr id="16" name="矩形 15">
+              <a:extLst>
+                <a:ext uri="{FF2B5EF4-FFF2-40B4-BE49-F238E27FC236}">
+                  <a16:creationId xmlns:a16="http://schemas.microsoft.com/office/drawing/2014/main" id="{04D67896-90C1-AD4A-A8E2-7B0105A8974A}"/>
+                </a:ext>
+              </a:extLst>
+            </p:cNvPr>
+            <p:cNvSpPr/>
+            <p:nvPr/>
+          </p:nvSpPr>
+          <p:spPr>
+            <a:xfrm>
+              <a:off x="7885406" y="2866777"/>
+              <a:ext cx="936365" cy="2208460"/>
+            </a:xfrm>
+            <a:prstGeom prst="rect">
+              <a:avLst/>
+            </a:prstGeom>
+            <a:solidFill>
+              <a:srgbClr val="A2A5BD"/>
+            </a:solidFill>
+            <a:ln>
+              <a:noFill/>
+            </a:ln>
+          </p:spPr>
+          <p:style>
+            <a:lnRef idx="2">
+              <a:schemeClr val="accent1">
+                <a:shade val="50000"/>
+              </a:schemeClr>
+            </a:lnRef>
+            <a:fillRef idx="1">
+              <a:schemeClr val="accent1"/>
+            </a:fillRef>
+            <a:effectRef idx="0">
+              <a:schemeClr val="accent1"/>
+            </a:effectRef>
+            <a:fontRef idx="minor">
+              <a:schemeClr val="lt1"/>
+            </a:fontRef>
+          </p:style>
+          <p:txBody>
+            <a:bodyPr rtlCol="0" anchor="ctr"/>
+            <a:lstStyle/>
+            <a:p>
+              <a:pPr algn="ctr"/>
+              <a:r>
+                <a:rPr kumimoji="1" lang="zh-CN" altLang="en-US" sz="1600" dirty="0">
+                  <a:solidFill>
+                    <a:schemeClr val="bg2"/>
+                  </a:solidFill>
+                  <a:latin typeface="Microsoft YaHei" panose="020B0503020204020204" pitchFamily="34" charset="-122"/>
+                  <a:ea typeface="Microsoft YaHei" panose="020B0503020204020204" pitchFamily="34" charset="-122"/>
+                </a:rPr>
+                <a:t>设备</a:t>
+              </a:r>
+            </a:p>
+          </p:txBody>
+        </p:sp>
+        <p:sp>
+          <p:nvSpPr>
+            <p:cNvPr id="17" name="文本框 16">
+              <a:extLst>
+                <a:ext uri="{FF2B5EF4-FFF2-40B4-BE49-F238E27FC236}">
+                  <a16:creationId xmlns:a16="http://schemas.microsoft.com/office/drawing/2014/main" id="{03602226-A20D-4B44-B9C0-4EDB7AA8D2AB}"/>
+                </a:ext>
+              </a:extLst>
+            </p:cNvPr>
+            <p:cNvSpPr txBox="1"/>
+            <p:nvPr/>
+          </p:nvSpPr>
+          <p:spPr>
+            <a:xfrm>
+              <a:off x="5452689" y="1563792"/>
+              <a:ext cx="1247040" cy="276999"/>
+            </a:xfrm>
+            <a:prstGeom prst="rect">
+              <a:avLst/>
+            </a:prstGeom>
+            <a:noFill/>
+          </p:spPr>
+          <p:txBody>
+            <a:bodyPr wrap="square" rtlCol="0">
+              <a:spAutoFit/>
+            </a:bodyPr>
+            <a:lstStyle/>
+            <a:p>
+              <a:pPr algn="ctr"/>
+              <a:r>
+                <a:rPr kumimoji="1" lang="zh-CN" altLang="en-US" sz="1200" dirty="0">
+                  <a:solidFill>
+                    <a:srgbClr val="393C57"/>
+                  </a:solidFill>
+                  <a:latin typeface="Microsoft YaHei" panose="020B0503020204020204" pitchFamily="34" charset="-122"/>
+                  <a:ea typeface="Microsoft YaHei" panose="020B0503020204020204" pitchFamily="34" charset="-122"/>
+                </a:rPr>
+                <a:t>领域模型</a:t>
+              </a:r>
+            </a:p>
+          </p:txBody>
+        </p:sp>
+        <p:sp>
+          <p:nvSpPr>
+            <p:cNvPr id="18" name="文本框 17">
+              <a:extLst>
+                <a:ext uri="{FF2B5EF4-FFF2-40B4-BE49-F238E27FC236}">
+                  <a16:creationId xmlns:a16="http://schemas.microsoft.com/office/drawing/2014/main" id="{22648100-9911-B74A-9616-3444BEA4EE7F}"/>
+                </a:ext>
+              </a:extLst>
+            </p:cNvPr>
+            <p:cNvSpPr txBox="1"/>
+            <p:nvPr/>
+          </p:nvSpPr>
+          <p:spPr>
+            <a:xfrm>
+              <a:off x="2270002" y="3949432"/>
+              <a:ext cx="1416295" cy="276999"/>
+            </a:xfrm>
+            <a:prstGeom prst="rect">
+              <a:avLst/>
+            </a:prstGeom>
+            <a:noFill/>
+          </p:spPr>
+          <p:txBody>
+            <a:bodyPr wrap="square" rtlCol="0">
+              <a:spAutoFit/>
+            </a:bodyPr>
+            <a:lstStyle/>
+            <a:p>
+              <a:pPr algn="ctr"/>
+              <a:r>
+                <a:rPr kumimoji="1" lang="zh-CN" altLang="en-US" sz="1200" dirty="0">
+                  <a:solidFill>
+                    <a:srgbClr val="393C57"/>
+                  </a:solidFill>
+                  <a:latin typeface="Microsoft YaHei" panose="020B0503020204020204" pitchFamily="34" charset="-122"/>
+                  <a:ea typeface="Microsoft YaHei" panose="020B0503020204020204" pitchFamily="34" charset="-122"/>
+                </a:rPr>
+                <a:t>标准化数据</a:t>
+              </a:r>
+            </a:p>
+          </p:txBody>
+        </p:sp>
+        <p:sp>
+          <p:nvSpPr>
+            <p:cNvPr id="19" name="文本框 18">
+              <a:extLst>
+                <a:ext uri="{FF2B5EF4-FFF2-40B4-BE49-F238E27FC236}">
+                  <a16:creationId xmlns:a16="http://schemas.microsoft.com/office/drawing/2014/main" id="{5CBCFB82-1197-F844-AB5B-38AD180F52C5}"/>
+                </a:ext>
+              </a:extLst>
+            </p:cNvPr>
+            <p:cNvSpPr txBox="1"/>
+            <p:nvPr/>
+          </p:nvSpPr>
+          <p:spPr>
+            <a:xfrm>
+              <a:off x="4298637" y="4171353"/>
+              <a:ext cx="1247040" cy="646331"/>
+            </a:xfrm>
+            <a:prstGeom prst="rect">
+              <a:avLst/>
+            </a:prstGeom>
+            <a:noFill/>
+          </p:spPr>
+          <p:txBody>
+            <a:bodyPr wrap="square" rtlCol="0">
+              <a:spAutoFit/>
+            </a:bodyPr>
+            <a:lstStyle/>
+            <a:p>
+              <a:pPr algn="ctr"/>
+              <a:r>
+                <a:rPr kumimoji="1" lang="zh-CN" altLang="en-US" sz="1200" dirty="0">
+                  <a:solidFill>
+                    <a:srgbClr val="393C57"/>
+                  </a:solidFill>
+                  <a:latin typeface="Microsoft YaHei" panose="020B0503020204020204" pitchFamily="34" charset="-122"/>
+                  <a:ea typeface="Microsoft YaHei" panose="020B0503020204020204" pitchFamily="34" charset="-122"/>
+                </a:rPr>
+                <a:t>标准化</a:t>
+              </a:r>
+              <a:endParaRPr kumimoji="1" lang="en-US" altLang="zh-CN" sz="1200" dirty="0">
+                <a:solidFill>
+                  <a:srgbClr val="393C57"/>
+                </a:solidFill>
+                <a:latin typeface="Microsoft YaHei" panose="020B0503020204020204" pitchFamily="34" charset="-122"/>
+                <a:ea typeface="Microsoft YaHei" panose="020B0503020204020204" pitchFamily="34" charset="-122"/>
+              </a:endParaRPr>
+            </a:p>
+            <a:p>
+              <a:pPr algn="ctr"/>
+              <a:r>
+                <a:rPr kumimoji="1" lang="en-US" altLang="zh-CN" sz="1200" dirty="0">
+                  <a:solidFill>
+                    <a:srgbClr val="393C57"/>
+                  </a:solidFill>
+                  <a:latin typeface="Microsoft YaHei" panose="020B0503020204020204" pitchFamily="34" charset="-122"/>
+                  <a:ea typeface="Microsoft YaHei" panose="020B0503020204020204" pitchFamily="34" charset="-122"/>
+                </a:rPr>
+                <a:t>&amp;</a:t>
+              </a:r>
+            </a:p>
+            <a:p>
+              <a:pPr algn="ctr"/>
+              <a:r>
+                <a:rPr kumimoji="1" lang="zh-CN" altLang="en-US" sz="1200" dirty="0">
+                  <a:solidFill>
+                    <a:srgbClr val="393C57"/>
+                  </a:solidFill>
+                  <a:latin typeface="Microsoft YaHei" panose="020B0503020204020204" pitchFamily="34" charset="-122"/>
+                  <a:ea typeface="Microsoft YaHei" panose="020B0503020204020204" pitchFamily="34" charset="-122"/>
+                </a:rPr>
+                <a:t>计算</a:t>
+              </a:r>
+              <a:endParaRPr kumimoji="1" lang="en-US" altLang="zh-CN" sz="1200" dirty="0">
+                <a:solidFill>
+                  <a:srgbClr val="393C57"/>
+                </a:solidFill>
+                <a:latin typeface="Microsoft YaHei" panose="020B0503020204020204" pitchFamily="34" charset="-122"/>
+                <a:ea typeface="Microsoft YaHei" panose="020B0503020204020204" pitchFamily="34" charset="-122"/>
+              </a:endParaRPr>
+            </a:p>
+          </p:txBody>
+        </p:sp>
+        <p:sp>
+          <p:nvSpPr>
+            <p:cNvPr id="20" name="文本框 19">
+              <a:extLst>
+                <a:ext uri="{FF2B5EF4-FFF2-40B4-BE49-F238E27FC236}">
+                  <a16:creationId xmlns:a16="http://schemas.microsoft.com/office/drawing/2014/main" id="{A8D2C8A4-7529-854A-AA68-DC400EE92E1F}"/>
+                </a:ext>
+              </a:extLst>
+            </p:cNvPr>
+            <p:cNvSpPr txBox="1"/>
+            <p:nvPr/>
+          </p:nvSpPr>
+          <p:spPr>
+            <a:xfrm>
+              <a:off x="6109670" y="3935644"/>
+              <a:ext cx="1020888" cy="276999"/>
+            </a:xfrm>
+            <a:prstGeom prst="rect">
+              <a:avLst/>
+            </a:prstGeom>
+            <a:noFill/>
+          </p:spPr>
+          <p:txBody>
+            <a:bodyPr wrap="square" rtlCol="0">
+              <a:spAutoFit/>
+            </a:bodyPr>
+            <a:lstStyle/>
+            <a:p>
+              <a:pPr algn="ctr"/>
+              <a:r>
+                <a:rPr kumimoji="1" lang="zh-CN" altLang="en-US" sz="1200" dirty="0">
+                  <a:solidFill>
+                    <a:srgbClr val="393C57"/>
+                  </a:solidFill>
+                  <a:latin typeface="Microsoft YaHei" panose="020B0503020204020204" pitchFamily="34" charset="-122"/>
+                  <a:ea typeface="Microsoft YaHei" panose="020B0503020204020204" pitchFamily="34" charset="-122"/>
+                </a:rPr>
+                <a:t>原始数据</a:t>
+              </a:r>
+            </a:p>
+          </p:txBody>
+        </p:sp>
+        <p:sp>
+          <p:nvSpPr>
+            <p:cNvPr id="21" name="矩形 20">
+              <a:extLst>
+                <a:ext uri="{FF2B5EF4-FFF2-40B4-BE49-F238E27FC236}">
+                  <a16:creationId xmlns:a16="http://schemas.microsoft.com/office/drawing/2014/main" id="{10E3EE40-89DA-5147-BB38-0D9D5A95E065}"/>
+                </a:ext>
+              </a:extLst>
+            </p:cNvPr>
+            <p:cNvSpPr/>
+            <p:nvPr/>
+          </p:nvSpPr>
+          <p:spPr>
+            <a:xfrm>
+              <a:off x="4164209" y="3300913"/>
+              <a:ext cx="1486932" cy="724959"/>
+            </a:xfrm>
+            <a:prstGeom prst="rect">
+              <a:avLst/>
+            </a:prstGeom>
+            <a:solidFill>
+              <a:srgbClr val="F5F5FA"/>
+            </a:solidFill>
+            <a:ln>
+              <a:noFill/>
+            </a:ln>
+          </p:spPr>
+          <p:style>
+            <a:lnRef idx="2">
+              <a:schemeClr val="accent1">
+                <a:shade val="50000"/>
+              </a:schemeClr>
+            </a:lnRef>
+            <a:fillRef idx="1">
+              <a:schemeClr val="accent1"/>
+            </a:fillRef>
+            <a:effectRef idx="0">
+              <a:schemeClr val="accent1"/>
+            </a:effectRef>
+            <a:fontRef idx="minor">
+              <a:schemeClr val="lt1"/>
+            </a:fontRef>
+          </p:style>
+          <p:txBody>
+            <a:bodyPr rtlCol="0" anchor="ctr"/>
+            <a:lstStyle/>
+            <a:p>
+              <a:pPr algn="ctr"/>
+              <a:endParaRPr kumimoji="1" lang="zh-CN" altLang="en-US" dirty="0">
+                <a:latin typeface="Microsoft YaHei" panose="020B0503020204020204" pitchFamily="34" charset="-122"/>
+                <a:ea typeface="Microsoft YaHei" panose="020B0503020204020204" pitchFamily="34" charset="-122"/>
+              </a:endParaRPr>
+            </a:p>
+          </p:txBody>
+        </p:sp>
+        <p:sp>
+          <p:nvSpPr>
+            <p:cNvPr id="22" name="文本框 21">
+              <a:extLst>
+                <a:ext uri="{FF2B5EF4-FFF2-40B4-BE49-F238E27FC236}">
+                  <a16:creationId xmlns:a16="http://schemas.microsoft.com/office/drawing/2014/main" id="{48D3BBC9-DD6E-1549-9900-F9A679B69335}"/>
+                </a:ext>
+              </a:extLst>
+            </p:cNvPr>
+            <p:cNvSpPr txBox="1"/>
+            <p:nvPr/>
+          </p:nvSpPr>
+          <p:spPr>
+            <a:xfrm>
+              <a:off x="4298637" y="3554306"/>
+              <a:ext cx="1247040" cy="276999"/>
+            </a:xfrm>
+            <a:prstGeom prst="rect">
+              <a:avLst/>
+            </a:prstGeom>
+            <a:noFill/>
+          </p:spPr>
+          <p:txBody>
+            <a:bodyPr wrap="square" rtlCol="0">
+              <a:spAutoFit/>
+            </a:bodyPr>
+            <a:lstStyle/>
+            <a:p>
+              <a:pPr algn="ctr"/>
+              <a:r>
+                <a:rPr kumimoji="1" lang="zh-CN" altLang="en-US" sz="1200" dirty="0">
+                  <a:solidFill>
+                    <a:srgbClr val="393C57"/>
+                  </a:solidFill>
+                  <a:latin typeface="Microsoft YaHei" panose="020B0503020204020204" pitchFamily="34" charset="-122"/>
+                  <a:ea typeface="Microsoft YaHei" panose="020B0503020204020204" pitchFamily="34" charset="-122"/>
+                </a:rPr>
+                <a:t>领域模型</a:t>
+              </a:r>
+            </a:p>
+          </p:txBody>
+        </p:sp>
+        <p:sp>
+          <p:nvSpPr>
+            <p:cNvPr id="23" name="矩形 22">
+              <a:extLst>
+                <a:ext uri="{FF2B5EF4-FFF2-40B4-BE49-F238E27FC236}">
+                  <a16:creationId xmlns:a16="http://schemas.microsoft.com/office/drawing/2014/main" id="{A63D3741-CE50-B44D-89E3-F2128534027F}"/>
+                </a:ext>
+              </a:extLst>
+            </p:cNvPr>
+            <p:cNvSpPr/>
+            <p:nvPr/>
+          </p:nvSpPr>
+          <p:spPr>
+            <a:xfrm>
+              <a:off x="4071984" y="3193123"/>
+              <a:ext cx="1633323" cy="1736027"/>
+            </a:xfrm>
+            <a:prstGeom prst="rect">
+              <a:avLst/>
+            </a:prstGeom>
+            <a:noFill/>
+            <a:ln w="19050">
+              <a:solidFill>
+                <a:srgbClr val="D8D9E6"/>
+              </a:solidFill>
+            </a:ln>
+          </p:spPr>
+          <p:style>
+            <a:lnRef idx="2">
+              <a:schemeClr val="accent1">
+                <a:shade val="50000"/>
+              </a:schemeClr>
+            </a:lnRef>
+            <a:fillRef idx="1">
+              <a:schemeClr val="accent1"/>
+            </a:fillRef>
+            <a:effectRef idx="0">
+              <a:schemeClr val="accent1"/>
+            </a:effectRef>
+            <a:fontRef idx="minor">
+              <a:schemeClr val="lt1"/>
+            </a:fontRef>
+          </p:style>
+          <p:txBody>
+            <a:bodyPr rtlCol="0" anchor="ctr"/>
+            <a:lstStyle/>
+            <a:p>
+              <a:pPr algn="ctr"/>
+              <a:endParaRPr kumimoji="1" lang="zh-CN" altLang="en-US">
+                <a:latin typeface="Microsoft YaHei" panose="020B0503020204020204" pitchFamily="34" charset="-122"/>
+                <a:ea typeface="Microsoft YaHei" panose="020B0503020204020204" pitchFamily="34" charset="-122"/>
+              </a:endParaRPr>
+            </a:p>
+          </p:txBody>
+        </p:sp>
+        <p:sp>
+          <p:nvSpPr>
+            <p:cNvPr id="24" name="文本框 23">
+              <a:extLst>
+                <a:ext uri="{FF2B5EF4-FFF2-40B4-BE49-F238E27FC236}">
+                  <a16:creationId xmlns:a16="http://schemas.microsoft.com/office/drawing/2014/main" id="{EB7B8081-BF86-BD46-82AC-718C324A527B}"/>
+                </a:ext>
+              </a:extLst>
+            </p:cNvPr>
+            <p:cNvSpPr txBox="1"/>
+            <p:nvPr/>
+          </p:nvSpPr>
+          <p:spPr>
+            <a:xfrm>
+              <a:off x="5020106" y="2866777"/>
+              <a:ext cx="1247040" cy="276999"/>
+            </a:xfrm>
+            <a:prstGeom prst="rect">
+              <a:avLst/>
+            </a:prstGeom>
+            <a:noFill/>
+          </p:spPr>
+          <p:txBody>
+            <a:bodyPr wrap="square" rtlCol="0">
+              <a:spAutoFit/>
+            </a:bodyPr>
+            <a:lstStyle/>
+            <a:p>
+              <a:pPr algn="ctr"/>
+              <a:r>
+                <a:rPr kumimoji="1" lang="zh-CN" altLang="en-US" sz="1200" dirty="0">
+                  <a:solidFill>
+                    <a:srgbClr val="393C57"/>
+                  </a:solidFill>
+                  <a:latin typeface="Microsoft YaHei" panose="020B0503020204020204" pitchFamily="34" charset="-122"/>
+                  <a:ea typeface="Microsoft YaHei" panose="020B0503020204020204" pitchFamily="34" charset="-122"/>
+                </a:rPr>
+                <a:t>更新模型</a:t>
+              </a:r>
+            </a:p>
+          </p:txBody>
+        </p:sp>
+        <p:sp>
+          <p:nvSpPr>
+            <p:cNvPr id="25" name="左箭头 24">
+              <a:extLst>
+                <a:ext uri="{FF2B5EF4-FFF2-40B4-BE49-F238E27FC236}">
+                  <a16:creationId xmlns:a16="http://schemas.microsoft.com/office/drawing/2014/main" id="{7390891E-9CEF-AA4B-BBCE-B5CB84F0F751}"/>
+                </a:ext>
+              </a:extLst>
+            </p:cNvPr>
+            <p:cNvSpPr/>
+            <p:nvPr/>
+          </p:nvSpPr>
+          <p:spPr>
+            <a:xfrm>
+              <a:off x="7279570" y="3895915"/>
+              <a:ext cx="405506" cy="271322"/>
+            </a:xfrm>
+            <a:prstGeom prst="leftArrow">
+              <a:avLst/>
+            </a:prstGeom>
+            <a:solidFill>
+              <a:srgbClr val="A2A5BC"/>
+            </a:solidFill>
+            <a:ln>
+              <a:solidFill>
+                <a:srgbClr val="A2A5BC"/>
+              </a:solidFill>
+            </a:ln>
+          </p:spPr>
+          <p:style>
+            <a:lnRef idx="2">
+              <a:schemeClr val="accent1">
+                <a:shade val="50000"/>
+              </a:schemeClr>
+            </a:lnRef>
+            <a:fillRef idx="1">
+              <a:schemeClr val="accent1"/>
+            </a:fillRef>
+            <a:effectRef idx="0">
+              <a:schemeClr val="accent1"/>
+            </a:effectRef>
+            <a:fontRef idx="minor">
+              <a:schemeClr val="lt1"/>
+            </a:fontRef>
+          </p:style>
+          <p:txBody>
+            <a:bodyPr rtlCol="0" anchor="ctr"/>
+            <a:lstStyle/>
+            <a:p>
+              <a:pPr algn="ctr"/>
+              <a:endParaRPr kumimoji="1" lang="zh-CN" altLang="en-US">
+                <a:latin typeface="Microsoft YaHei" panose="020B0503020204020204" pitchFamily="34" charset="-122"/>
+                <a:ea typeface="Microsoft YaHei" panose="020B0503020204020204" pitchFamily="34" charset="-122"/>
+              </a:endParaRPr>
+            </a:p>
+          </p:txBody>
+        </p:sp>
+        <p:cxnSp>
+          <p:nvCxnSpPr>
+            <p:cNvPr id="26" name="直线箭头连接符 25">
+              <a:extLst>
+                <a:ext uri="{FF2B5EF4-FFF2-40B4-BE49-F238E27FC236}">
+                  <a16:creationId xmlns:a16="http://schemas.microsoft.com/office/drawing/2014/main" id="{A729DF05-8E35-564D-80C6-87BF5D91676B}"/>
+                </a:ext>
+              </a:extLst>
+            </p:cNvPr>
+            <p:cNvCxnSpPr>
+              <a:cxnSpLocks/>
+              <a:stCxn id="14" idx="1"/>
+              <a:endCxn id="23" idx="3"/>
+            </p:cNvCxnSpPr>
+            <p:nvPr/>
+          </p:nvCxnSpPr>
+          <p:spPr>
+            <a:xfrm flipH="1">
+              <a:off x="5705307" y="4058151"/>
+              <a:ext cx="331521" cy="2986"/>
+            </a:xfrm>
+            <a:prstGeom prst="straightConnector1">
+              <a:avLst/>
+            </a:prstGeom>
+            <a:ln w="25400">
+              <a:solidFill>
+                <a:srgbClr val="A2A5BC"/>
+              </a:solidFill>
+              <a:tailEnd type="triangle"/>
+            </a:ln>
+          </p:spPr>
+          <p:style>
+            <a:lnRef idx="1">
+              <a:schemeClr val="accent1"/>
+            </a:lnRef>
+            <a:fillRef idx="0">
+              <a:schemeClr val="accent1"/>
+            </a:fillRef>
+            <a:effectRef idx="0">
+              <a:schemeClr val="accent1"/>
+            </a:effectRef>
+            <a:fontRef idx="minor">
+              <a:schemeClr val="tx1"/>
+            </a:fontRef>
+          </p:style>
+        </p:cxnSp>
+        <p:cxnSp>
+          <p:nvCxnSpPr>
+            <p:cNvPr id="27" name="直线箭头连接符 26">
+              <a:extLst>
+                <a:ext uri="{FF2B5EF4-FFF2-40B4-BE49-F238E27FC236}">
+                  <a16:creationId xmlns:a16="http://schemas.microsoft.com/office/drawing/2014/main" id="{F763187B-C895-4942-B786-1079A7B97F7B}"/>
+                </a:ext>
+              </a:extLst>
+            </p:cNvPr>
+            <p:cNvCxnSpPr>
+              <a:cxnSpLocks/>
+            </p:cNvCxnSpPr>
+            <p:nvPr/>
+          </p:nvCxnSpPr>
+          <p:spPr>
+            <a:xfrm flipH="1">
+              <a:off x="3740463" y="4066241"/>
+              <a:ext cx="331521" cy="2986"/>
+            </a:xfrm>
+            <a:prstGeom prst="straightConnector1">
+              <a:avLst/>
+            </a:prstGeom>
+            <a:ln w="25400">
+              <a:solidFill>
+                <a:srgbClr val="A2A5BC"/>
+              </a:solidFill>
+              <a:tailEnd type="triangle"/>
+            </a:ln>
+          </p:spPr>
+          <p:style>
+            <a:lnRef idx="1">
+              <a:schemeClr val="accent1"/>
+            </a:lnRef>
+            <a:fillRef idx="0">
+              <a:schemeClr val="accent1"/>
+            </a:fillRef>
+            <a:effectRef idx="0">
+              <a:schemeClr val="accent1"/>
+            </a:effectRef>
+            <a:fontRef idx="minor">
+              <a:schemeClr val="tx1"/>
+            </a:fontRef>
+          </p:style>
+        </p:cxnSp>
+        <p:cxnSp>
+          <p:nvCxnSpPr>
+            <p:cNvPr id="28" name="肘形连接符 27">
+              <a:extLst>
+                <a:ext uri="{FF2B5EF4-FFF2-40B4-BE49-F238E27FC236}">
+                  <a16:creationId xmlns:a16="http://schemas.microsoft.com/office/drawing/2014/main" id="{5DC62419-709B-7841-9630-F2904D38C962}"/>
+                </a:ext>
+              </a:extLst>
+            </p:cNvPr>
+            <p:cNvCxnSpPr>
+              <a:stCxn id="13" idx="0"/>
+              <a:endCxn id="6" idx="2"/>
+            </p:cNvCxnSpPr>
+            <p:nvPr/>
+          </p:nvCxnSpPr>
+          <p:spPr>
+            <a:xfrm rot="5400000" flipH="1" flipV="1">
+              <a:off x="2377582" y="2668600"/>
+              <a:ext cx="1655539" cy="401320"/>
+            </a:xfrm>
+            <a:prstGeom prst="bentConnector3">
+              <a:avLst/>
+            </a:prstGeom>
+            <a:ln w="25400">
+              <a:solidFill>
+                <a:srgbClr val="A2A5BC"/>
+              </a:solidFill>
+              <a:tailEnd type="triangle"/>
+            </a:ln>
+          </p:spPr>
+          <p:style>
+            <a:lnRef idx="1">
+              <a:schemeClr val="accent1"/>
+            </a:lnRef>
+            <a:fillRef idx="0">
+              <a:schemeClr val="accent1"/>
+            </a:fillRef>
+            <a:effectRef idx="0">
+              <a:schemeClr val="accent1"/>
+            </a:effectRef>
+            <a:fontRef idx="minor">
+              <a:schemeClr val="tx1"/>
+            </a:fontRef>
+          </p:style>
+        </p:cxnSp>
+        <p:cxnSp>
+          <p:nvCxnSpPr>
+            <p:cNvPr id="29" name="肘形连接符 28">
+              <a:extLst>
+                <a:ext uri="{FF2B5EF4-FFF2-40B4-BE49-F238E27FC236}">
+                  <a16:creationId xmlns:a16="http://schemas.microsoft.com/office/drawing/2014/main" id="{C0418525-CD0C-1E41-8F79-05ACAA449157}"/>
+                </a:ext>
+              </a:extLst>
+            </p:cNvPr>
+            <p:cNvCxnSpPr>
+              <a:stCxn id="10" idx="2"/>
+              <a:endCxn id="21" idx="0"/>
+            </p:cNvCxnSpPr>
+            <p:nvPr/>
+          </p:nvCxnSpPr>
+          <p:spPr>
+            <a:xfrm rot="5400000">
+              <a:off x="4864995" y="2089698"/>
+              <a:ext cx="1253895" cy="1168534"/>
+            </a:xfrm>
+            <a:prstGeom prst="bentConnector3">
+              <a:avLst/>
+            </a:prstGeom>
+            <a:ln w="25400">
+              <a:solidFill>
+                <a:srgbClr val="A2A5BC"/>
+              </a:solidFill>
+              <a:prstDash val="dash"/>
+              <a:tailEnd type="triangle"/>
+            </a:ln>
+          </p:spPr>
+          <p:style>
+            <a:lnRef idx="1">
+              <a:schemeClr val="accent1"/>
+            </a:lnRef>
+            <a:fillRef idx="0">
+              <a:schemeClr val="accent1"/>
+            </a:fillRef>
+            <a:effectRef idx="0">
+              <a:schemeClr val="accent1"/>
+            </a:effectRef>
+            <a:fontRef idx="minor">
+              <a:schemeClr val="tx1"/>
+            </a:fontRef>
+          </p:style>
+        </p:cxnSp>
+        <p:cxnSp>
+          <p:nvCxnSpPr>
+            <p:cNvPr id="30" name="直线连接符 29">
+              <a:extLst>
+                <a:ext uri="{FF2B5EF4-FFF2-40B4-BE49-F238E27FC236}">
+                  <a16:creationId xmlns:a16="http://schemas.microsoft.com/office/drawing/2014/main" id="{D7E2F4D4-CC60-F946-A5B8-881A02B579B3}"/>
+                </a:ext>
+              </a:extLst>
+            </p:cNvPr>
+            <p:cNvCxnSpPr>
+              <a:cxnSpLocks/>
+            </p:cNvCxnSpPr>
+            <p:nvPr/>
+          </p:nvCxnSpPr>
+          <p:spPr>
+            <a:xfrm>
+              <a:off x="6529572" y="5510695"/>
+              <a:ext cx="936365" cy="0"/>
+            </a:xfrm>
+            <a:prstGeom prst="line">
+              <a:avLst/>
+            </a:prstGeom>
+            <a:ln w="25400">
+              <a:solidFill>
+                <a:srgbClr val="A2A5BC"/>
+              </a:solidFill>
+            </a:ln>
+          </p:spPr>
+          <p:style>
+            <a:lnRef idx="1">
+              <a:schemeClr val="accent1"/>
+            </a:lnRef>
+            <a:fillRef idx="0">
+              <a:schemeClr val="accent1"/>
+            </a:fillRef>
+            <a:effectRef idx="0">
+              <a:schemeClr val="accent1"/>
+            </a:effectRef>
+            <a:fontRef idx="minor">
+              <a:schemeClr val="tx1"/>
+            </a:fontRef>
+          </p:style>
+        </p:cxnSp>
+        <p:cxnSp>
+          <p:nvCxnSpPr>
+            <p:cNvPr id="31" name="直线连接符 30">
+              <a:extLst>
+                <a:ext uri="{FF2B5EF4-FFF2-40B4-BE49-F238E27FC236}">
+                  <a16:creationId xmlns:a16="http://schemas.microsoft.com/office/drawing/2014/main" id="{77FF2138-6F6A-6F45-B1DC-00C97F37F29E}"/>
+                </a:ext>
+              </a:extLst>
+            </p:cNvPr>
+            <p:cNvCxnSpPr>
+              <a:cxnSpLocks/>
+            </p:cNvCxnSpPr>
+            <p:nvPr/>
+          </p:nvCxnSpPr>
+          <p:spPr>
+            <a:xfrm>
+              <a:off x="6529572" y="5988393"/>
+              <a:ext cx="936365" cy="0"/>
+            </a:xfrm>
+            <a:prstGeom prst="line">
+              <a:avLst/>
+            </a:prstGeom>
+            <a:ln w="25400">
+              <a:solidFill>
+                <a:srgbClr val="A2A5BC"/>
+              </a:solidFill>
+              <a:prstDash val="dash"/>
+            </a:ln>
+          </p:spPr>
+          <p:style>
+            <a:lnRef idx="1">
+              <a:schemeClr val="accent1"/>
+            </a:lnRef>
+            <a:fillRef idx="0">
+              <a:schemeClr val="accent1"/>
+            </a:fillRef>
+            <a:effectRef idx="0">
+              <a:schemeClr val="accent1"/>
+            </a:effectRef>
+            <a:fontRef idx="minor">
+              <a:schemeClr val="tx1"/>
+            </a:fontRef>
+          </p:style>
+        </p:cxnSp>
+        <p:sp>
+          <p:nvSpPr>
+            <p:cNvPr id="32" name="文本框 31">
+              <a:extLst>
+                <a:ext uri="{FF2B5EF4-FFF2-40B4-BE49-F238E27FC236}">
+                  <a16:creationId xmlns:a16="http://schemas.microsoft.com/office/drawing/2014/main" id="{596564E9-CAAF-C440-9981-0361DFAF32F4}"/>
+                </a:ext>
+              </a:extLst>
+            </p:cNvPr>
+            <p:cNvSpPr txBox="1"/>
+            <p:nvPr/>
+          </p:nvSpPr>
+          <p:spPr>
+            <a:xfrm>
+              <a:off x="7488554" y="5372195"/>
+              <a:ext cx="1875333" cy="276999"/>
+            </a:xfrm>
+            <a:prstGeom prst="rect">
+              <a:avLst/>
+            </a:prstGeom>
+            <a:noFill/>
+          </p:spPr>
+          <p:txBody>
+            <a:bodyPr wrap="square" rtlCol="0">
+              <a:spAutoFit/>
+            </a:bodyPr>
+            <a:lstStyle/>
+            <a:p>
+              <a:pPr algn="ctr"/>
+              <a:r>
+                <a:rPr kumimoji="1" lang="zh-CN" altLang="en-US" sz="1200" dirty="0">
+                  <a:solidFill>
+                    <a:srgbClr val="393C57"/>
+                  </a:solidFill>
+                  <a:latin typeface="Microsoft YaHei" panose="020B0503020204020204" pitchFamily="34" charset="-122"/>
+                  <a:ea typeface="Microsoft YaHei" panose="020B0503020204020204" pitchFamily="34" charset="-122"/>
+                </a:rPr>
+                <a:t>数据传输路径</a:t>
+              </a:r>
+            </a:p>
+          </p:txBody>
+        </p:sp>
+        <p:sp>
+          <p:nvSpPr>
+            <p:cNvPr id="33" name="文本框 32">
+              <a:extLst>
+                <a:ext uri="{FF2B5EF4-FFF2-40B4-BE49-F238E27FC236}">
+                  <a16:creationId xmlns:a16="http://schemas.microsoft.com/office/drawing/2014/main" id="{B3AAC62B-4983-1541-9FA5-1F7017F6DFD9}"/>
+                </a:ext>
+              </a:extLst>
+            </p:cNvPr>
+            <p:cNvSpPr txBox="1"/>
+            <p:nvPr/>
+          </p:nvSpPr>
+          <p:spPr>
+            <a:xfrm>
+              <a:off x="7558334" y="5849893"/>
+              <a:ext cx="1875333" cy="276999"/>
+            </a:xfrm>
+            <a:prstGeom prst="rect">
+              <a:avLst/>
+            </a:prstGeom>
+            <a:noFill/>
+          </p:spPr>
+          <p:txBody>
+            <a:bodyPr wrap="square" rtlCol="0">
+              <a:spAutoFit/>
+            </a:bodyPr>
+            <a:lstStyle/>
+            <a:p>
+              <a:pPr algn="ctr"/>
+              <a:r>
+                <a:rPr kumimoji="1" lang="zh-CN" altLang="en-US" sz="1200" dirty="0">
+                  <a:solidFill>
+                    <a:srgbClr val="393C57"/>
+                  </a:solidFill>
+                  <a:latin typeface="Microsoft YaHei" panose="020B0503020204020204" pitchFamily="34" charset="-122"/>
+                  <a:ea typeface="Microsoft YaHei" panose="020B0503020204020204" pitchFamily="34" charset="-122"/>
+                </a:rPr>
+                <a:t>资源下载路径</a:t>
+              </a:r>
+            </a:p>
+          </p:txBody>
+        </p:sp>
+      </p:grpSp>
+      <p:sp>
+        <p:nvSpPr>
+          <p:cNvPr id="2" name="文本框 1">
+            <a:extLst>
+              <a:ext uri="{FF2B5EF4-FFF2-40B4-BE49-F238E27FC236}">
+                <a16:creationId xmlns:a16="http://schemas.microsoft.com/office/drawing/2014/main" id="{5DAC2601-A582-854D-9916-A7F9534228C1}"/>
+              </a:ext>
+            </a:extLst>
+          </p:cNvPr>
+          <p:cNvSpPr txBox="1"/>
+          <p:nvPr/>
+        </p:nvSpPr>
+        <p:spPr>
+          <a:xfrm>
+            <a:off x="2560320" y="320040"/>
+            <a:ext cx="1612942" cy="369332"/>
+          </a:xfrm>
+          <a:prstGeom prst="rect">
+            <a:avLst/>
+          </a:prstGeom>
+          <a:noFill/>
+        </p:spPr>
+        <p:txBody>
+          <a:bodyPr wrap="none" rtlCol="0">
+            <a:spAutoFit/>
+          </a:bodyPr>
+          <a:lstStyle/>
+          <a:p>
+            <a:r>
+              <a:rPr kumimoji="1" lang="en-US" altLang="zh-CN" dirty="0"/>
+              <a:t>Image005.png</a:t>
+            </a:r>
+          </a:p>
+        </p:txBody>
+      </p:sp>
+    </p:spTree>
+    <p:extLst>
+      <p:ext uri="{BB962C8B-B14F-4D97-AF65-F5344CB8AC3E}">
+        <p14:creationId xmlns:p14="http://schemas.microsoft.com/office/powerpoint/2010/main" val="3242805513"/>
+      </p:ext>
+    </p:extLst>
+  </p:cSld>
+  <p:clrMapOvr>
+    <a:masterClrMapping/>
+  </p:clrMapOvr>
+</p:sld>
+</file>
+
+<file path=ppt/slides/slide7.xml><?xml version="1.0" encoding="utf-8"?>
 <p:sld xmlns:a="http://schemas.openxmlformats.org/drawingml/2006/main" xmlns:r="http://schemas.openxmlformats.org/officeDocument/2006/relationships" xmlns:p="http://schemas.openxmlformats.org/presentationml/2006/main">
   <p:cSld>
     <p:spTree>
@@ -9547,7 +13024,10 @@
             <a:lstStyle/>
             <a:p>
               <a:pPr algn="ctr"/>
-              <a:endParaRPr kumimoji="1" lang="zh-CN" altLang="en-US" sz="1600"/>
+              <a:endParaRPr kumimoji="1" lang="zh-CN" altLang="en-US" sz="1600">
+                <a:latin typeface="Microsoft YaHei" panose="020B0503020204020204" pitchFamily="34" charset="-122"/>
+                <a:ea typeface="Microsoft YaHei" panose="020B0503020204020204" pitchFamily="34" charset="-122"/>
+              </a:endParaRPr>
             </a:p>
           </p:txBody>
         </p:sp>
@@ -9599,7 +13079,10 @@
             <a:lstStyle/>
             <a:p>
               <a:pPr algn="ctr"/>
-              <a:endParaRPr kumimoji="1" lang="zh-CN" altLang="en-US" sz="1600"/>
+              <a:endParaRPr kumimoji="1" lang="zh-CN" altLang="en-US" sz="1600">
+                <a:latin typeface="Microsoft YaHei" panose="020B0503020204020204" pitchFamily="34" charset="-122"/>
+                <a:ea typeface="Microsoft YaHei" panose="020B0503020204020204" pitchFamily="34" charset="-122"/>
+              </a:endParaRPr>
             </a:p>
           </p:txBody>
         </p:sp>
@@ -9652,7 +13135,8 @@
             <a:p>
               <a:pPr algn="ctr"/>
               <a:endParaRPr kumimoji="1" lang="zh-CN" altLang="en-US" sz="1600">
-                <a:latin typeface="Helvetica Light" panose="020B0403020202020204" pitchFamily="34" charset="0"/>
+                <a:latin typeface="Microsoft YaHei" panose="020B0503020204020204" pitchFamily="34" charset="-122"/>
+                <a:ea typeface="Microsoft YaHei" panose="020B0503020204020204" pitchFamily="34" charset="-122"/>
               </a:endParaRPr>
             </a:p>
           </p:txBody>
@@ -9688,9 +13172,10 @@
               <a:r>
                 <a:rPr kumimoji="1" lang="zh-CN" altLang="en-US" sz="1400" dirty="0">
                   <a:solidFill>
-                    <a:srgbClr val="737794"/>
+                    <a:srgbClr val="393C57"/>
                   </a:solidFill>
-                  <a:latin typeface="Helvetica" pitchFamily="2" charset="0"/>
+                  <a:latin typeface="Microsoft YaHei" panose="020B0503020204020204" pitchFamily="34" charset="-122"/>
+                  <a:ea typeface="Microsoft YaHei" panose="020B0503020204020204" pitchFamily="34" charset="-122"/>
                 </a:rPr>
                 <a:t>上传配置文件</a:t>
               </a:r>
@@ -9728,9 +13213,10 @@
               <a:r>
                 <a:rPr kumimoji="1" lang="zh-CN" altLang="en-US" sz="1400" dirty="0">
                   <a:solidFill>
-                    <a:srgbClr val="737794"/>
+                    <a:srgbClr val="393C57"/>
                   </a:solidFill>
-                  <a:latin typeface="Helvetica" pitchFamily="2" charset="0"/>
+                  <a:latin typeface="Microsoft YaHei" panose="020B0503020204020204" pitchFamily="34" charset="-122"/>
+                  <a:ea typeface="Microsoft YaHei" panose="020B0503020204020204" pitchFamily="34" charset="-122"/>
                 </a:rPr>
                 <a:t>配置映射关系</a:t>
               </a:r>
@@ -9761,7 +13247,7 @@
             </a:prstGeom>
             <a:ln w="25400">
               <a:solidFill>
-                <a:srgbClr val="D8D9E6"/>
+                <a:srgbClr val="A2A5BC"/>
               </a:solidFill>
               <a:tailEnd type="triangle"/>
             </a:ln>
@@ -9805,7 +13291,7 @@
             </a:prstGeom>
             <a:ln w="25400">
               <a:solidFill>
-                <a:srgbClr val="D8D9E6"/>
+                <a:srgbClr val="A2A5BC"/>
               </a:solidFill>
               <a:tailEnd type="triangle"/>
             </a:ln>
@@ -9856,9 +13342,10 @@
               <a:r>
                 <a:rPr kumimoji="1" lang="zh-CN" altLang="en-US" sz="1400" dirty="0">
                   <a:solidFill>
-                    <a:srgbClr val="737794"/>
+                    <a:srgbClr val="393C57"/>
                   </a:solidFill>
-                  <a:latin typeface="Helvetica" pitchFamily="2" charset="0"/>
+                  <a:latin typeface="Microsoft YaHei" panose="020B0503020204020204" pitchFamily="34" charset="-122"/>
+                  <a:ea typeface="Microsoft YaHei" panose="020B0503020204020204" pitchFamily="34" charset="-122"/>
                 </a:rPr>
                 <a:t>选择合适规约</a:t>
               </a:r>
@@ -9866,6 +13353,42 @@
           </p:txBody>
         </p:sp>
       </p:grpSp>
+      <p:sp>
+        <p:nvSpPr>
+          <p:cNvPr id="2" name="文本框 1">
+            <a:extLst>
+              <a:ext uri="{FF2B5EF4-FFF2-40B4-BE49-F238E27FC236}">
+                <a16:creationId xmlns:a16="http://schemas.microsoft.com/office/drawing/2014/main" id="{72EB144C-82BC-AF40-9E8B-FA093D6C8B0B}"/>
+              </a:ext>
+            </a:extLst>
+          </p:cNvPr>
+          <p:cNvSpPr txBox="1"/>
+          <p:nvPr/>
+        </p:nvSpPr>
+        <p:spPr>
+          <a:xfrm>
+            <a:off x="1496291" y="665018"/>
+            <a:ext cx="1612942" cy="369332"/>
+          </a:xfrm>
+          <a:prstGeom prst="rect">
+            <a:avLst/>
+          </a:prstGeom>
+          <a:noFill/>
+        </p:spPr>
+        <p:txBody>
+          <a:bodyPr wrap="none" rtlCol="0">
+            <a:spAutoFit/>
+          </a:bodyPr>
+          <a:lstStyle/>
+          <a:p>
+            <a:r>
+              <a:rPr kumimoji="1" lang="en-US" altLang="zh-CN" dirty="0"/>
+              <a:t>Image035.png</a:t>
+            </a:r>
+            <a:endParaRPr kumimoji="1" lang="zh-CN" altLang="en-US" dirty="0"/>
+          </a:p>
+        </p:txBody>
+      </p:sp>
     </p:spTree>
     <p:extLst>
       <p:ext uri="{BB962C8B-B14F-4D97-AF65-F5344CB8AC3E}">

--- a/media/edge.pptx
+++ b/media/edge.pptx
@@ -5,19 +5,16 @@
     <p:sldMasterId id="2147483743" r:id="rId1"/>
   </p:sldMasterIdLst>
   <p:notesMasterIdLst>
-    <p:notesMasterId r:id="rId9"/>
+    <p:notesMasterId r:id="rId6"/>
   </p:notesMasterIdLst>
   <p:handoutMasterIdLst>
-    <p:handoutMasterId r:id="rId10"/>
+    <p:handoutMasterId r:id="rId7"/>
   </p:handoutMasterIdLst>
   <p:sldIdLst>
-    <p:sldId id="314" r:id="rId2"/>
-    <p:sldId id="318" r:id="rId3"/>
-    <p:sldId id="315" r:id="rId4"/>
-    <p:sldId id="319" r:id="rId5"/>
-    <p:sldId id="316" r:id="rId6"/>
-    <p:sldId id="320" r:id="rId7"/>
-    <p:sldId id="317" r:id="rId8"/>
+    <p:sldId id="318" r:id="rId2"/>
+    <p:sldId id="319" r:id="rId3"/>
+    <p:sldId id="320" r:id="rId4"/>
+    <p:sldId id="317" r:id="rId5"/>
   </p:sldIdLst>
   <p:sldSz cx="12192000" cy="6858000"/>
   <p:notesSz cx="6858000" cy="9144000"/>
@@ -209,7 +206,7 @@
           <a:p>
             <a:fld id="{47277FB0-21EC-48C5-90B0-184600466A6C}" type="datetimeFigureOut">
               <a:rPr lang="zh-CN" altLang="en-US" smtClean="0"/>
-              <a:t>2018/12/25</a:t>
+              <a:t>2019/4/3</a:t>
             </a:fld>
             <a:endParaRPr lang="zh-CN" altLang="en-US"/>
           </a:p>
@@ -374,7 +371,7 @@
           <a:p>
             <a:fld id="{9C967889-4715-5C4F-A252-FFC716185AB6}" type="datetimeFigureOut">
               <a:rPr lang="en-US" smtClean="0"/>
-              <a:t>12/25/18</a:t>
+              <a:t>4/3/19</a:t>
             </a:fld>
             <a:endParaRPr lang="en-US"/>
           </a:p>
@@ -3764,1160 +3761,6 @@
           <a:chExt cx="0" cy="0"/>
         </a:xfrm>
       </p:grpSpPr>
-      <p:sp>
-        <p:nvSpPr>
-          <p:cNvPr id="11" name="文本框 10">
-            <a:extLst>
-              <a:ext uri="{FF2B5EF4-FFF2-40B4-BE49-F238E27FC236}">
-                <a16:creationId xmlns:a16="http://schemas.microsoft.com/office/drawing/2014/main" id="{560AADD4-8A8B-9045-8013-F5777A518C29}"/>
-              </a:ext>
-            </a:extLst>
-          </p:cNvPr>
-          <p:cNvSpPr txBox="1"/>
-          <p:nvPr/>
-        </p:nvSpPr>
-        <p:spPr>
-          <a:xfrm>
-            <a:off x="6690384" y="5790156"/>
-            <a:ext cx="1861425" cy="568297"/>
-          </a:xfrm>
-          <a:prstGeom prst="rect">
-            <a:avLst/>
-          </a:prstGeom>
-          <a:noFill/>
-        </p:spPr>
-        <p:txBody>
-          <a:bodyPr wrap="square" rtlCol="0">
-            <a:spAutoFit/>
-          </a:bodyPr>
-          <a:lstStyle/>
-          <a:p>
-            <a:pPr algn="ctr">
-              <a:lnSpc>
-                <a:spcPts val="1880"/>
-              </a:lnSpc>
-            </a:pPr>
-            <a:r>
-              <a:rPr kumimoji="1" lang="en-US" altLang="zh-CN" sz="1400" dirty="0">
-                <a:solidFill>
-                  <a:srgbClr val="737794"/>
-                </a:solidFill>
-                <a:latin typeface="Helvetica" pitchFamily="2" charset="0"/>
-              </a:rPr>
-              <a:t>Inspect</a:t>
-            </a:r>
-            <a:r>
-              <a:rPr kumimoji="1" lang="zh-CN" altLang="en-US" sz="1400" dirty="0">
-                <a:solidFill>
-                  <a:srgbClr val="737794"/>
-                </a:solidFill>
-                <a:latin typeface="Helvetica" pitchFamily="2" charset="0"/>
-              </a:rPr>
-              <a:t> </a:t>
-            </a:r>
-            <a:endParaRPr kumimoji="1" lang="en-US" altLang="zh-CN" sz="1400" dirty="0">
-              <a:solidFill>
-                <a:srgbClr val="737794"/>
-              </a:solidFill>
-              <a:latin typeface="Helvetica" pitchFamily="2" charset="0"/>
-            </a:endParaRPr>
-          </a:p>
-          <a:p>
-            <a:pPr algn="ctr">
-              <a:lnSpc>
-                <a:spcPts val="1880"/>
-              </a:lnSpc>
-            </a:pPr>
-            <a:r>
-              <a:rPr kumimoji="1" lang="en-US" altLang="zh-CN" sz="1400" dirty="0">
-                <a:solidFill>
-                  <a:srgbClr val="737794"/>
-                </a:solidFill>
-                <a:latin typeface="Helvetica" pitchFamily="2" charset="0"/>
-              </a:rPr>
-              <a:t>Connection</a:t>
-            </a:r>
-            <a:r>
-              <a:rPr kumimoji="1" lang="zh-CN" altLang="en-US" sz="1400" dirty="0">
-                <a:solidFill>
-                  <a:srgbClr val="737794"/>
-                </a:solidFill>
-                <a:latin typeface="Helvetica" pitchFamily="2" charset="0"/>
-              </a:rPr>
-              <a:t> </a:t>
-            </a:r>
-            <a:r>
-              <a:rPr kumimoji="1" lang="en-US" altLang="zh-CN" sz="1400" dirty="0">
-                <a:solidFill>
-                  <a:srgbClr val="737794"/>
-                </a:solidFill>
-                <a:latin typeface="Helvetica" pitchFamily="2" charset="0"/>
-              </a:rPr>
-              <a:t>Status</a:t>
-            </a:r>
-            <a:endParaRPr kumimoji="1" lang="zh-CN" altLang="en-US" sz="1400" dirty="0">
-              <a:solidFill>
-                <a:srgbClr val="737794"/>
-              </a:solidFill>
-              <a:latin typeface="Helvetica" pitchFamily="2" charset="0"/>
-            </a:endParaRPr>
-          </a:p>
-        </p:txBody>
-      </p:sp>
-      <p:grpSp>
-        <p:nvGrpSpPr>
-          <p:cNvPr id="23" name="组合 22">
-            <a:extLst>
-              <a:ext uri="{FF2B5EF4-FFF2-40B4-BE49-F238E27FC236}">
-                <a16:creationId xmlns:a16="http://schemas.microsoft.com/office/drawing/2014/main" id="{1C0A00D1-B95B-D049-8196-FDA96A77B1AE}"/>
-              </a:ext>
-            </a:extLst>
-          </p:cNvPr>
-          <p:cNvGrpSpPr/>
-          <p:nvPr/>
-        </p:nvGrpSpPr>
-        <p:grpSpPr>
-          <a:xfrm>
-            <a:off x="740337" y="1599571"/>
-            <a:ext cx="7928304" cy="2815029"/>
-            <a:chOff x="740337" y="1599571"/>
-            <a:chExt cx="7928304" cy="2815029"/>
-          </a:xfrm>
-        </p:grpSpPr>
-        <p:sp>
-          <p:nvSpPr>
-            <p:cNvPr id="5" name="矩形 4">
-              <a:extLst>
-                <a:ext uri="{FF2B5EF4-FFF2-40B4-BE49-F238E27FC236}">
-                  <a16:creationId xmlns:a16="http://schemas.microsoft.com/office/drawing/2014/main" id="{FC7E9AF7-4C00-1B40-95F3-3E103F1C3E1C}"/>
-                </a:ext>
-              </a:extLst>
-            </p:cNvPr>
-            <p:cNvSpPr/>
-            <p:nvPr/>
-          </p:nvSpPr>
-          <p:spPr>
-            <a:xfrm>
-              <a:off x="740337" y="1599571"/>
-              <a:ext cx="2041826" cy="1008000"/>
-            </a:xfrm>
-            <a:prstGeom prst="rect">
-              <a:avLst/>
-            </a:prstGeom>
-            <a:solidFill>
-              <a:srgbClr val="F5F5FA"/>
-            </a:solidFill>
-            <a:ln w="12700">
-              <a:noFill/>
-            </a:ln>
-          </p:spPr>
-          <p:style>
-            <a:lnRef idx="2">
-              <a:schemeClr val="accent1">
-                <a:shade val="50000"/>
-              </a:schemeClr>
-            </a:lnRef>
-            <a:fillRef idx="1">
-              <a:schemeClr val="accent1"/>
-            </a:fillRef>
-            <a:effectRef idx="0">
-              <a:schemeClr val="accent1"/>
-            </a:effectRef>
-            <a:fontRef idx="minor">
-              <a:schemeClr val="lt1"/>
-            </a:fontRef>
-          </p:style>
-          <p:txBody>
-            <a:bodyPr rtlCol="0" anchor="ctr"/>
-            <a:lstStyle/>
-            <a:p>
-              <a:pPr algn="ctr"/>
-              <a:endParaRPr kumimoji="1" lang="zh-CN" altLang="en-US" sz="1600"/>
-            </a:p>
-          </p:txBody>
-        </p:sp>
-        <p:sp>
-          <p:nvSpPr>
-            <p:cNvPr id="6" name="矩形 5">
-              <a:extLst>
-                <a:ext uri="{FF2B5EF4-FFF2-40B4-BE49-F238E27FC236}">
-                  <a16:creationId xmlns:a16="http://schemas.microsoft.com/office/drawing/2014/main" id="{A7835D71-B670-EB4D-8F12-DDE9249219D5}"/>
-                </a:ext>
-              </a:extLst>
-            </p:cNvPr>
-            <p:cNvSpPr/>
-            <p:nvPr/>
-          </p:nvSpPr>
-          <p:spPr>
-            <a:xfrm>
-              <a:off x="3683576" y="1599571"/>
-              <a:ext cx="2041826" cy="1008000"/>
-            </a:xfrm>
-            <a:prstGeom prst="rect">
-              <a:avLst/>
-            </a:prstGeom>
-            <a:solidFill>
-              <a:srgbClr val="F5F5FA"/>
-            </a:solidFill>
-            <a:ln w="12700">
-              <a:noFill/>
-            </a:ln>
-          </p:spPr>
-          <p:style>
-            <a:lnRef idx="2">
-              <a:schemeClr val="accent1">
-                <a:shade val="50000"/>
-              </a:schemeClr>
-            </a:lnRef>
-            <a:fillRef idx="1">
-              <a:schemeClr val="accent1"/>
-            </a:fillRef>
-            <a:effectRef idx="0">
-              <a:schemeClr val="accent1"/>
-            </a:effectRef>
-            <a:fontRef idx="minor">
-              <a:schemeClr val="lt1"/>
-            </a:fontRef>
-          </p:style>
-          <p:txBody>
-            <a:bodyPr rtlCol="0" anchor="ctr"/>
-            <a:lstStyle/>
-            <a:p>
-              <a:pPr algn="ctr"/>
-              <a:endParaRPr kumimoji="1" lang="zh-CN" altLang="en-US" sz="1600"/>
-            </a:p>
-          </p:txBody>
-        </p:sp>
-        <p:sp>
-          <p:nvSpPr>
-            <p:cNvPr id="7" name="矩形 6">
-              <a:extLst>
-                <a:ext uri="{FF2B5EF4-FFF2-40B4-BE49-F238E27FC236}">
-                  <a16:creationId xmlns:a16="http://schemas.microsoft.com/office/drawing/2014/main" id="{94891287-921A-3346-B16E-48FA795367D8}"/>
-                </a:ext>
-              </a:extLst>
-            </p:cNvPr>
-            <p:cNvSpPr/>
-            <p:nvPr/>
-          </p:nvSpPr>
-          <p:spPr>
-            <a:xfrm>
-              <a:off x="6626815" y="1599571"/>
-              <a:ext cx="2041826" cy="1008000"/>
-            </a:xfrm>
-            <a:prstGeom prst="rect">
-              <a:avLst/>
-            </a:prstGeom>
-            <a:solidFill>
-              <a:srgbClr val="F5F5FA"/>
-            </a:solidFill>
-            <a:ln w="12700">
-              <a:noFill/>
-            </a:ln>
-          </p:spPr>
-          <p:style>
-            <a:lnRef idx="2">
-              <a:schemeClr val="accent1">
-                <a:shade val="50000"/>
-              </a:schemeClr>
-            </a:lnRef>
-            <a:fillRef idx="1">
-              <a:schemeClr val="accent1"/>
-            </a:fillRef>
-            <a:effectRef idx="0">
-              <a:schemeClr val="accent1"/>
-            </a:effectRef>
-            <a:fontRef idx="minor">
-              <a:schemeClr val="lt1"/>
-            </a:fontRef>
-          </p:style>
-          <p:txBody>
-            <a:bodyPr rtlCol="0" anchor="ctr"/>
-            <a:lstStyle/>
-            <a:p>
-              <a:pPr algn="ctr"/>
-              <a:endParaRPr kumimoji="1" lang="zh-CN" altLang="en-US" sz="1600">
-                <a:latin typeface="Helvetica Light" panose="020B0403020202020204" pitchFamily="34" charset="0"/>
-              </a:endParaRPr>
-            </a:p>
-          </p:txBody>
-        </p:sp>
-        <p:sp>
-          <p:nvSpPr>
-            <p:cNvPr id="8" name="文本框 7">
-              <a:extLst>
-                <a:ext uri="{FF2B5EF4-FFF2-40B4-BE49-F238E27FC236}">
-                  <a16:creationId xmlns:a16="http://schemas.microsoft.com/office/drawing/2014/main" id="{3DBCFA3E-494B-444C-9C91-2EF6946D255A}"/>
-                </a:ext>
-              </a:extLst>
-            </p:cNvPr>
-            <p:cNvSpPr txBox="1"/>
-            <p:nvPr/>
-          </p:nvSpPr>
-          <p:spPr>
-            <a:xfrm>
-              <a:off x="3942207" y="1949683"/>
-              <a:ext cx="1524564" cy="307777"/>
-            </a:xfrm>
-            <a:prstGeom prst="rect">
-              <a:avLst/>
-            </a:prstGeom>
-            <a:noFill/>
-          </p:spPr>
-          <p:txBody>
-            <a:bodyPr wrap="square" rtlCol="0">
-              <a:spAutoFit/>
-            </a:bodyPr>
-            <a:lstStyle/>
-            <a:p>
-              <a:r>
-                <a:rPr kumimoji="1" lang="en-US" altLang="zh-CN" sz="1400" dirty="0">
-                  <a:solidFill>
-                    <a:srgbClr val="737794"/>
-                  </a:solidFill>
-                  <a:latin typeface="Helvetica" pitchFamily="2" charset="0"/>
-                </a:rPr>
-                <a:t>Add</a:t>
-              </a:r>
-              <a:r>
-                <a:rPr kumimoji="1" lang="zh-CN" altLang="en-US" sz="1400" dirty="0">
-                  <a:solidFill>
-                    <a:srgbClr val="737794"/>
-                  </a:solidFill>
-                  <a:latin typeface="Helvetica" pitchFamily="2" charset="0"/>
-                </a:rPr>
-                <a:t> </a:t>
-              </a:r>
-              <a:r>
-                <a:rPr kumimoji="1" lang="en-US" altLang="zh-CN" sz="1400" dirty="0">
-                  <a:solidFill>
-                    <a:srgbClr val="737794"/>
-                  </a:solidFill>
-                  <a:latin typeface="Helvetica" pitchFamily="2" charset="0"/>
-                </a:rPr>
-                <a:t>Connection</a:t>
-              </a:r>
-              <a:endParaRPr kumimoji="1" lang="zh-CN" altLang="en-US" sz="1400" dirty="0">
-                <a:solidFill>
-                  <a:srgbClr val="737794"/>
-                </a:solidFill>
-                <a:latin typeface="Helvetica" pitchFamily="2" charset="0"/>
-              </a:endParaRPr>
-            </a:p>
-          </p:txBody>
-        </p:sp>
-        <p:sp>
-          <p:nvSpPr>
-            <p:cNvPr id="9" name="文本框 8">
-              <a:extLst>
-                <a:ext uri="{FF2B5EF4-FFF2-40B4-BE49-F238E27FC236}">
-                  <a16:creationId xmlns:a16="http://schemas.microsoft.com/office/drawing/2014/main" id="{8ECA813E-60E1-C741-A55C-72AF439B983F}"/>
-                </a:ext>
-              </a:extLst>
-            </p:cNvPr>
-            <p:cNvSpPr txBox="1"/>
-            <p:nvPr/>
-          </p:nvSpPr>
-          <p:spPr>
-            <a:xfrm>
-              <a:off x="7090410" y="1954188"/>
-              <a:ext cx="1114635" cy="307777"/>
-            </a:xfrm>
-            <a:prstGeom prst="rect">
-              <a:avLst/>
-            </a:prstGeom>
-            <a:noFill/>
-          </p:spPr>
-          <p:txBody>
-            <a:bodyPr wrap="square" rtlCol="0">
-              <a:spAutoFit/>
-            </a:bodyPr>
-            <a:lstStyle/>
-            <a:p>
-              <a:r>
-                <a:rPr kumimoji="1" lang="en-US" altLang="zh-CN" sz="1400" dirty="0">
-                  <a:solidFill>
-                    <a:srgbClr val="737794"/>
-                  </a:solidFill>
-                  <a:latin typeface="Helvetica" pitchFamily="2" charset="0"/>
-                </a:rPr>
-                <a:t>Add</a:t>
-              </a:r>
-              <a:r>
-                <a:rPr kumimoji="1" lang="zh-CN" altLang="en-US" sz="1400" dirty="0">
-                  <a:solidFill>
-                    <a:srgbClr val="737794"/>
-                  </a:solidFill>
-                  <a:latin typeface="Helvetica" pitchFamily="2" charset="0"/>
-                </a:rPr>
-                <a:t> </a:t>
-              </a:r>
-              <a:r>
-                <a:rPr kumimoji="1" lang="en-US" altLang="zh-CN" sz="1400" dirty="0">
-                  <a:solidFill>
-                    <a:srgbClr val="737794"/>
-                  </a:solidFill>
-                  <a:latin typeface="Helvetica" pitchFamily="2" charset="0"/>
-                </a:rPr>
-                <a:t>device</a:t>
-              </a:r>
-              <a:endParaRPr kumimoji="1" lang="zh-CN" altLang="en-US" sz="1400" dirty="0">
-                <a:solidFill>
-                  <a:srgbClr val="737794"/>
-                </a:solidFill>
-                <a:latin typeface="Helvetica" pitchFamily="2" charset="0"/>
-              </a:endParaRPr>
-            </a:p>
-          </p:txBody>
-        </p:sp>
-        <p:cxnSp>
-          <p:nvCxnSpPr>
-            <p:cNvPr id="10" name="直线箭头连接符 9">
-              <a:extLst>
-                <a:ext uri="{FF2B5EF4-FFF2-40B4-BE49-F238E27FC236}">
-                  <a16:creationId xmlns:a16="http://schemas.microsoft.com/office/drawing/2014/main" id="{060C103D-3435-9143-ACE3-C45966BAEDC9}"/>
-                </a:ext>
-              </a:extLst>
-            </p:cNvPr>
-            <p:cNvCxnSpPr>
-              <a:cxnSpLocks/>
-            </p:cNvCxnSpPr>
-            <p:nvPr/>
-          </p:nvCxnSpPr>
-          <p:spPr>
-            <a:xfrm>
-              <a:off x="2999873" y="2103571"/>
-              <a:ext cx="465993" cy="0"/>
-            </a:xfrm>
-            <a:prstGeom prst="straightConnector1">
-              <a:avLst/>
-            </a:prstGeom>
-            <a:ln w="25400">
-              <a:solidFill>
-                <a:srgbClr val="D8D9E6"/>
-              </a:solidFill>
-              <a:tailEnd type="triangle"/>
-            </a:ln>
-          </p:spPr>
-          <p:style>
-            <a:lnRef idx="1">
-              <a:schemeClr val="accent1"/>
-            </a:lnRef>
-            <a:fillRef idx="0">
-              <a:schemeClr val="accent1"/>
-            </a:fillRef>
-            <a:effectRef idx="0">
-              <a:schemeClr val="accent1"/>
-            </a:effectRef>
-            <a:fontRef idx="minor">
-              <a:schemeClr val="tx1"/>
-            </a:fontRef>
-          </p:style>
-        </p:cxnSp>
-        <p:cxnSp>
-          <p:nvCxnSpPr>
-            <p:cNvPr id="12" name="直线箭头连接符 11">
-              <a:extLst>
-                <a:ext uri="{FF2B5EF4-FFF2-40B4-BE49-F238E27FC236}">
-                  <a16:creationId xmlns:a16="http://schemas.microsoft.com/office/drawing/2014/main" id="{4477FB8F-5601-3B4C-8390-A09695E0FAC9}"/>
-                </a:ext>
-              </a:extLst>
-            </p:cNvPr>
-            <p:cNvCxnSpPr>
-              <a:cxnSpLocks/>
-            </p:cNvCxnSpPr>
-            <p:nvPr/>
-          </p:nvCxnSpPr>
-          <p:spPr>
-            <a:xfrm>
-              <a:off x="5928598" y="2103571"/>
-              <a:ext cx="465993" cy="0"/>
-            </a:xfrm>
-            <a:prstGeom prst="straightConnector1">
-              <a:avLst/>
-            </a:prstGeom>
-            <a:ln w="25400">
-              <a:solidFill>
-                <a:srgbClr val="D8D9E6"/>
-              </a:solidFill>
-              <a:tailEnd type="triangle"/>
-            </a:ln>
-          </p:spPr>
-          <p:style>
-            <a:lnRef idx="1">
-              <a:schemeClr val="accent1"/>
-            </a:lnRef>
-            <a:fillRef idx="0">
-              <a:schemeClr val="accent1"/>
-            </a:fillRef>
-            <a:effectRef idx="0">
-              <a:schemeClr val="accent1"/>
-            </a:effectRef>
-            <a:fontRef idx="minor">
-              <a:schemeClr val="tx1"/>
-            </a:fontRef>
-          </p:style>
-        </p:cxnSp>
-        <p:sp>
-          <p:nvSpPr>
-            <p:cNvPr id="13" name="矩形 12">
-              <a:extLst>
-                <a:ext uri="{FF2B5EF4-FFF2-40B4-BE49-F238E27FC236}">
-                  <a16:creationId xmlns:a16="http://schemas.microsoft.com/office/drawing/2014/main" id="{88382566-7BF7-0443-A953-7B1DFF094716}"/>
-                </a:ext>
-              </a:extLst>
-            </p:cNvPr>
-            <p:cNvSpPr/>
-            <p:nvPr/>
-          </p:nvSpPr>
-          <p:spPr>
-            <a:xfrm>
-              <a:off x="740337" y="3406600"/>
-              <a:ext cx="2041826" cy="1008000"/>
-            </a:xfrm>
-            <a:prstGeom prst="rect">
-              <a:avLst/>
-            </a:prstGeom>
-            <a:solidFill>
-              <a:srgbClr val="F5F5FA"/>
-            </a:solidFill>
-            <a:ln w="12700">
-              <a:noFill/>
-            </a:ln>
-          </p:spPr>
-          <p:style>
-            <a:lnRef idx="2">
-              <a:schemeClr val="accent1">
-                <a:shade val="50000"/>
-              </a:schemeClr>
-            </a:lnRef>
-            <a:fillRef idx="1">
-              <a:schemeClr val="accent1"/>
-            </a:fillRef>
-            <a:effectRef idx="0">
-              <a:schemeClr val="accent1"/>
-            </a:effectRef>
-            <a:fontRef idx="minor">
-              <a:schemeClr val="lt1"/>
-            </a:fontRef>
-          </p:style>
-          <p:txBody>
-            <a:bodyPr rtlCol="0" anchor="ctr"/>
-            <a:lstStyle/>
-            <a:p>
-              <a:pPr algn="ctr"/>
-              <a:endParaRPr kumimoji="1" lang="zh-CN" altLang="en-US" sz="1600"/>
-            </a:p>
-          </p:txBody>
-        </p:sp>
-        <p:sp>
-          <p:nvSpPr>
-            <p:cNvPr id="14" name="矩形 13">
-              <a:extLst>
-                <a:ext uri="{FF2B5EF4-FFF2-40B4-BE49-F238E27FC236}">
-                  <a16:creationId xmlns:a16="http://schemas.microsoft.com/office/drawing/2014/main" id="{F8FDC24B-66B4-2A4C-880B-17FD74326843}"/>
-                </a:ext>
-              </a:extLst>
-            </p:cNvPr>
-            <p:cNvSpPr/>
-            <p:nvPr/>
-          </p:nvSpPr>
-          <p:spPr>
-            <a:xfrm>
-              <a:off x="3683576" y="3406600"/>
-              <a:ext cx="2041826" cy="1008000"/>
-            </a:xfrm>
-            <a:prstGeom prst="rect">
-              <a:avLst/>
-            </a:prstGeom>
-            <a:solidFill>
-              <a:srgbClr val="F5F5FA"/>
-            </a:solidFill>
-            <a:ln w="12700">
-              <a:noFill/>
-            </a:ln>
-          </p:spPr>
-          <p:style>
-            <a:lnRef idx="2">
-              <a:schemeClr val="accent1">
-                <a:shade val="50000"/>
-              </a:schemeClr>
-            </a:lnRef>
-            <a:fillRef idx="1">
-              <a:schemeClr val="accent1"/>
-            </a:fillRef>
-            <a:effectRef idx="0">
-              <a:schemeClr val="accent1"/>
-            </a:effectRef>
-            <a:fontRef idx="minor">
-              <a:schemeClr val="lt1"/>
-            </a:fontRef>
-          </p:style>
-          <p:txBody>
-            <a:bodyPr rtlCol="0" anchor="ctr"/>
-            <a:lstStyle/>
-            <a:p>
-              <a:pPr algn="ctr"/>
-              <a:endParaRPr kumimoji="1" lang="zh-CN" altLang="en-US" sz="1600"/>
-            </a:p>
-          </p:txBody>
-        </p:sp>
-        <p:sp>
-          <p:nvSpPr>
-            <p:cNvPr id="15" name="矩形 14">
-              <a:extLst>
-                <a:ext uri="{FF2B5EF4-FFF2-40B4-BE49-F238E27FC236}">
-                  <a16:creationId xmlns:a16="http://schemas.microsoft.com/office/drawing/2014/main" id="{F23905B4-9B92-EB4F-AA4A-C6536B418370}"/>
-                </a:ext>
-              </a:extLst>
-            </p:cNvPr>
-            <p:cNvSpPr/>
-            <p:nvPr/>
-          </p:nvSpPr>
-          <p:spPr>
-            <a:xfrm>
-              <a:off x="6626815" y="3406600"/>
-              <a:ext cx="2041826" cy="1008000"/>
-            </a:xfrm>
-            <a:prstGeom prst="rect">
-              <a:avLst/>
-            </a:prstGeom>
-            <a:solidFill>
-              <a:srgbClr val="F5F5FA"/>
-            </a:solidFill>
-            <a:ln w="12700">
-              <a:noFill/>
-            </a:ln>
-          </p:spPr>
-          <p:style>
-            <a:lnRef idx="2">
-              <a:schemeClr val="accent1">
-                <a:shade val="50000"/>
-              </a:schemeClr>
-            </a:lnRef>
-            <a:fillRef idx="1">
-              <a:schemeClr val="accent1"/>
-            </a:fillRef>
-            <a:effectRef idx="0">
-              <a:schemeClr val="accent1"/>
-            </a:effectRef>
-            <a:fontRef idx="minor">
-              <a:schemeClr val="lt1"/>
-            </a:fontRef>
-          </p:style>
-          <p:txBody>
-            <a:bodyPr rtlCol="0" anchor="ctr"/>
-            <a:lstStyle/>
-            <a:p>
-              <a:pPr algn="ctr"/>
-              <a:endParaRPr kumimoji="1" lang="zh-CN" altLang="en-US" sz="1600">
-                <a:latin typeface="Helvetica Light" panose="020B0403020202020204" pitchFamily="34" charset="0"/>
-              </a:endParaRPr>
-            </a:p>
-          </p:txBody>
-        </p:sp>
-        <p:sp>
-          <p:nvSpPr>
-            <p:cNvPr id="16" name="文本框 15">
-              <a:extLst>
-                <a:ext uri="{FF2B5EF4-FFF2-40B4-BE49-F238E27FC236}">
-                  <a16:creationId xmlns:a16="http://schemas.microsoft.com/office/drawing/2014/main" id="{FD752B62-AB84-A64D-92DA-3079FC5E79D1}"/>
-                </a:ext>
-              </a:extLst>
-            </p:cNvPr>
-            <p:cNvSpPr txBox="1"/>
-            <p:nvPr/>
-          </p:nvSpPr>
-          <p:spPr>
-            <a:xfrm>
-              <a:off x="3942207" y="3671528"/>
-              <a:ext cx="1524564" cy="523220"/>
-            </a:xfrm>
-            <a:prstGeom prst="rect">
-              <a:avLst/>
-            </a:prstGeom>
-            <a:noFill/>
-          </p:spPr>
-          <p:txBody>
-            <a:bodyPr wrap="square" rtlCol="0">
-              <a:spAutoFit/>
-            </a:bodyPr>
-            <a:lstStyle/>
-            <a:p>
-              <a:r>
-                <a:rPr kumimoji="1" lang="en-US" altLang="zh-CN" sz="1400" dirty="0">
-                  <a:solidFill>
-                    <a:srgbClr val="737794"/>
-                  </a:solidFill>
-                  <a:latin typeface="Helvetica" pitchFamily="2" charset="0"/>
-                </a:rPr>
-                <a:t>Publish</a:t>
-              </a:r>
-              <a:r>
-                <a:rPr kumimoji="1" lang="zh-CN" altLang="en-US" sz="1400" dirty="0">
-                  <a:solidFill>
-                    <a:srgbClr val="737794"/>
-                  </a:solidFill>
-                  <a:latin typeface="Helvetica" pitchFamily="2" charset="0"/>
-                </a:rPr>
-                <a:t> </a:t>
-              </a:r>
-              <a:r>
-                <a:rPr kumimoji="1" lang="en-US" altLang="zh-CN" sz="1400" dirty="0">
-                  <a:solidFill>
-                    <a:srgbClr val="737794"/>
-                  </a:solidFill>
-                  <a:latin typeface="Helvetica" pitchFamily="2" charset="0"/>
-                </a:rPr>
-                <a:t>configuration</a:t>
-              </a:r>
-              <a:endParaRPr kumimoji="1" lang="zh-CN" altLang="en-US" sz="1400" dirty="0">
-                <a:solidFill>
-                  <a:srgbClr val="737794"/>
-                </a:solidFill>
-                <a:latin typeface="Helvetica" pitchFamily="2" charset="0"/>
-              </a:endParaRPr>
-            </a:p>
-          </p:txBody>
-        </p:sp>
-        <p:sp>
-          <p:nvSpPr>
-            <p:cNvPr id="17" name="文本框 16">
-              <a:extLst>
-                <a:ext uri="{FF2B5EF4-FFF2-40B4-BE49-F238E27FC236}">
-                  <a16:creationId xmlns:a16="http://schemas.microsoft.com/office/drawing/2014/main" id="{2CB7DE91-E51C-0142-91A6-1650BCE17665}"/>
-                </a:ext>
-              </a:extLst>
-            </p:cNvPr>
-            <p:cNvSpPr txBox="1"/>
-            <p:nvPr/>
-          </p:nvSpPr>
-          <p:spPr>
-            <a:xfrm>
-              <a:off x="1260642" y="1954188"/>
-              <a:ext cx="974140" cy="307777"/>
-            </a:xfrm>
-            <a:prstGeom prst="rect">
-              <a:avLst/>
-            </a:prstGeom>
-            <a:noFill/>
-          </p:spPr>
-          <p:txBody>
-            <a:bodyPr wrap="square" rtlCol="0">
-              <a:spAutoFit/>
-            </a:bodyPr>
-            <a:lstStyle/>
-            <a:p>
-              <a:r>
-                <a:rPr kumimoji="1" lang="en-US" altLang="zh-CN" sz="1400" dirty="0">
-                  <a:solidFill>
-                    <a:srgbClr val="737794"/>
-                  </a:solidFill>
-                  <a:latin typeface="Helvetica" pitchFamily="2" charset="0"/>
-                </a:rPr>
-                <a:t>Add</a:t>
-              </a:r>
-              <a:r>
-                <a:rPr kumimoji="1" lang="zh-CN" altLang="en-US" sz="1400" dirty="0">
-                  <a:solidFill>
-                    <a:srgbClr val="737794"/>
-                  </a:solidFill>
-                  <a:latin typeface="Helvetica" pitchFamily="2" charset="0"/>
-                </a:rPr>
-                <a:t> </a:t>
-              </a:r>
-              <a:r>
-                <a:rPr kumimoji="1" lang="en-US" altLang="zh-CN" sz="1400" dirty="0">
-                  <a:solidFill>
-                    <a:srgbClr val="737794"/>
-                  </a:solidFill>
-                  <a:latin typeface="Helvetica" pitchFamily="2" charset="0"/>
-                </a:rPr>
-                <a:t>edge</a:t>
-              </a:r>
-              <a:endParaRPr kumimoji="1" lang="zh-CN" altLang="en-US" sz="1400" dirty="0">
-                <a:solidFill>
-                  <a:srgbClr val="737794"/>
-                </a:solidFill>
-                <a:latin typeface="Helvetica" pitchFamily="2" charset="0"/>
-              </a:endParaRPr>
-            </a:p>
-          </p:txBody>
-        </p:sp>
-        <p:cxnSp>
-          <p:nvCxnSpPr>
-            <p:cNvPr id="18" name="直线箭头连接符 17">
-              <a:extLst>
-                <a:ext uri="{FF2B5EF4-FFF2-40B4-BE49-F238E27FC236}">
-                  <a16:creationId xmlns:a16="http://schemas.microsoft.com/office/drawing/2014/main" id="{F23886DB-A3F2-6A4A-A67C-A2E2F3B6FCC1}"/>
-                </a:ext>
-              </a:extLst>
-            </p:cNvPr>
-            <p:cNvCxnSpPr>
-              <a:cxnSpLocks/>
-            </p:cNvCxnSpPr>
-            <p:nvPr/>
-          </p:nvCxnSpPr>
-          <p:spPr>
-            <a:xfrm flipH="1">
-              <a:off x="2999873" y="3910600"/>
-              <a:ext cx="465993" cy="0"/>
-            </a:xfrm>
-            <a:prstGeom prst="straightConnector1">
-              <a:avLst/>
-            </a:prstGeom>
-            <a:ln w="25400">
-              <a:solidFill>
-                <a:srgbClr val="D8D9E6"/>
-              </a:solidFill>
-              <a:tailEnd type="triangle"/>
-            </a:ln>
-          </p:spPr>
-          <p:style>
-            <a:lnRef idx="1">
-              <a:schemeClr val="accent1"/>
-            </a:lnRef>
-            <a:fillRef idx="0">
-              <a:schemeClr val="accent1"/>
-            </a:fillRef>
-            <a:effectRef idx="0">
-              <a:schemeClr val="accent1"/>
-            </a:effectRef>
-            <a:fontRef idx="minor">
-              <a:schemeClr val="tx1"/>
-            </a:fontRef>
-          </p:style>
-        </p:cxnSp>
-        <p:sp>
-          <p:nvSpPr>
-            <p:cNvPr id="19" name="文本框 18">
-              <a:extLst>
-                <a:ext uri="{FF2B5EF4-FFF2-40B4-BE49-F238E27FC236}">
-                  <a16:creationId xmlns:a16="http://schemas.microsoft.com/office/drawing/2014/main" id="{66A68398-010E-1247-ACC9-DF855E431CBB}"/>
-                </a:ext>
-              </a:extLst>
-            </p:cNvPr>
-            <p:cNvSpPr txBox="1"/>
-            <p:nvPr/>
-          </p:nvSpPr>
-          <p:spPr>
-            <a:xfrm>
-              <a:off x="974271" y="3626451"/>
-              <a:ext cx="1861425" cy="568297"/>
-            </a:xfrm>
-            <a:prstGeom prst="rect">
-              <a:avLst/>
-            </a:prstGeom>
-            <a:noFill/>
-          </p:spPr>
-          <p:txBody>
-            <a:bodyPr wrap="square" rtlCol="0">
-              <a:spAutoFit/>
-            </a:bodyPr>
-            <a:lstStyle/>
-            <a:p>
-              <a:pPr>
-                <a:lnSpc>
-                  <a:spcPts val="1880"/>
-                </a:lnSpc>
-              </a:pPr>
-              <a:r>
-                <a:rPr kumimoji="1" lang="en-US" altLang="zh-CN" sz="1400" dirty="0">
-                  <a:solidFill>
-                    <a:srgbClr val="737794"/>
-                  </a:solidFill>
-                  <a:latin typeface="Helvetica" pitchFamily="2" charset="0"/>
-                </a:rPr>
-                <a:t>Inspect</a:t>
-              </a:r>
-              <a:r>
-                <a:rPr kumimoji="1" lang="zh-CN" altLang="en-US" sz="1400" dirty="0">
-                  <a:solidFill>
-                    <a:srgbClr val="737794"/>
-                  </a:solidFill>
-                  <a:latin typeface="Helvetica" pitchFamily="2" charset="0"/>
-                </a:rPr>
-                <a:t> </a:t>
-              </a:r>
-              <a:endParaRPr kumimoji="1" lang="en-US" altLang="zh-CN" sz="1400" dirty="0">
-                <a:solidFill>
-                  <a:srgbClr val="737794"/>
-                </a:solidFill>
-                <a:latin typeface="Helvetica" pitchFamily="2" charset="0"/>
-              </a:endParaRPr>
-            </a:p>
-            <a:p>
-              <a:pPr>
-                <a:lnSpc>
-                  <a:spcPts val="1880"/>
-                </a:lnSpc>
-              </a:pPr>
-              <a:r>
-                <a:rPr kumimoji="1" lang="en-US" altLang="zh-CN" sz="1400" dirty="0">
-                  <a:solidFill>
-                    <a:srgbClr val="737794"/>
-                  </a:solidFill>
-                  <a:latin typeface="Helvetica" pitchFamily="2" charset="0"/>
-                </a:rPr>
-                <a:t>connection</a:t>
-              </a:r>
-              <a:r>
-                <a:rPr kumimoji="1" lang="zh-CN" altLang="en-US" sz="1400" dirty="0">
-                  <a:solidFill>
-                    <a:srgbClr val="737794"/>
-                  </a:solidFill>
-                  <a:latin typeface="Helvetica" pitchFamily="2" charset="0"/>
-                </a:rPr>
-                <a:t> </a:t>
-              </a:r>
-              <a:r>
-                <a:rPr kumimoji="1" lang="en-US" altLang="zh-CN" sz="1400" dirty="0">
-                  <a:solidFill>
-                    <a:srgbClr val="737794"/>
-                  </a:solidFill>
-                  <a:latin typeface="Helvetica" pitchFamily="2" charset="0"/>
-                </a:rPr>
-                <a:t>status</a:t>
-              </a:r>
-              <a:endParaRPr kumimoji="1" lang="zh-CN" altLang="en-US" sz="1400" dirty="0">
-                <a:solidFill>
-                  <a:srgbClr val="737794"/>
-                </a:solidFill>
-                <a:latin typeface="Helvetica" pitchFamily="2" charset="0"/>
-              </a:endParaRPr>
-            </a:p>
-          </p:txBody>
-        </p:sp>
-        <p:cxnSp>
-          <p:nvCxnSpPr>
-            <p:cNvPr id="20" name="直线箭头连接符 19">
-              <a:extLst>
-                <a:ext uri="{FF2B5EF4-FFF2-40B4-BE49-F238E27FC236}">
-                  <a16:creationId xmlns:a16="http://schemas.microsoft.com/office/drawing/2014/main" id="{95DE8D06-3AB2-044B-8466-60B3D6FF5EDE}"/>
-                </a:ext>
-              </a:extLst>
-            </p:cNvPr>
-            <p:cNvCxnSpPr>
-              <a:cxnSpLocks/>
-            </p:cNvCxnSpPr>
-            <p:nvPr/>
-          </p:nvCxnSpPr>
-          <p:spPr>
-            <a:xfrm flipH="1">
-              <a:off x="5928598" y="3910600"/>
-              <a:ext cx="465993" cy="0"/>
-            </a:xfrm>
-            <a:prstGeom prst="straightConnector1">
-              <a:avLst/>
-            </a:prstGeom>
-            <a:ln w="25400">
-              <a:solidFill>
-                <a:srgbClr val="D8D9E6"/>
-              </a:solidFill>
-              <a:tailEnd type="triangle"/>
-            </a:ln>
-          </p:spPr>
-          <p:style>
-            <a:lnRef idx="1">
-              <a:schemeClr val="accent1"/>
-            </a:lnRef>
-            <a:fillRef idx="0">
-              <a:schemeClr val="accent1"/>
-            </a:fillRef>
-            <a:effectRef idx="0">
-              <a:schemeClr val="accent1"/>
-            </a:effectRef>
-            <a:fontRef idx="minor">
-              <a:schemeClr val="tx1"/>
-            </a:fontRef>
-          </p:style>
-        </p:cxnSp>
-        <p:cxnSp>
-          <p:nvCxnSpPr>
-            <p:cNvPr id="21" name="直线箭头连接符 20">
-              <a:extLst>
-                <a:ext uri="{FF2B5EF4-FFF2-40B4-BE49-F238E27FC236}">
-                  <a16:creationId xmlns:a16="http://schemas.microsoft.com/office/drawing/2014/main" id="{135DDC14-98F3-4A45-850B-2F22D6AAC059}"/>
-                </a:ext>
-              </a:extLst>
-            </p:cNvPr>
-            <p:cNvCxnSpPr>
-              <a:cxnSpLocks/>
-            </p:cNvCxnSpPr>
-            <p:nvPr/>
-          </p:nvCxnSpPr>
-          <p:spPr>
-            <a:xfrm rot="5400000">
-              <a:off x="7387284" y="3007086"/>
-              <a:ext cx="465993" cy="0"/>
-            </a:xfrm>
-            <a:prstGeom prst="straightConnector1">
-              <a:avLst/>
-            </a:prstGeom>
-            <a:ln w="25400">
-              <a:solidFill>
-                <a:srgbClr val="D8D9E6"/>
-              </a:solidFill>
-              <a:tailEnd type="triangle"/>
-            </a:ln>
-          </p:spPr>
-          <p:style>
-            <a:lnRef idx="1">
-              <a:schemeClr val="accent1"/>
-            </a:lnRef>
-            <a:fillRef idx="0">
-              <a:schemeClr val="accent1"/>
-            </a:fillRef>
-            <a:effectRef idx="0">
-              <a:schemeClr val="accent1"/>
-            </a:effectRef>
-            <a:fontRef idx="minor">
-              <a:schemeClr val="tx1"/>
-            </a:fontRef>
-          </p:style>
-        </p:cxnSp>
-        <p:sp>
-          <p:nvSpPr>
-            <p:cNvPr id="22" name="文本框 21">
-              <a:extLst>
-                <a:ext uri="{FF2B5EF4-FFF2-40B4-BE49-F238E27FC236}">
-                  <a16:creationId xmlns:a16="http://schemas.microsoft.com/office/drawing/2014/main" id="{162CF929-6522-674C-ABEB-768DDF6065A8}"/>
-                </a:ext>
-              </a:extLst>
-            </p:cNvPr>
-            <p:cNvSpPr txBox="1"/>
-            <p:nvPr/>
-          </p:nvSpPr>
-          <p:spPr>
-            <a:xfrm>
-              <a:off x="6857998" y="3666251"/>
-              <a:ext cx="1524564" cy="523220"/>
-            </a:xfrm>
-            <a:prstGeom prst="rect">
-              <a:avLst/>
-            </a:prstGeom>
-            <a:noFill/>
-          </p:spPr>
-          <p:txBody>
-            <a:bodyPr wrap="square" rtlCol="0">
-              <a:spAutoFit/>
-            </a:bodyPr>
-            <a:lstStyle/>
-            <a:p>
-              <a:r>
-                <a:rPr kumimoji="1" lang="en-US" altLang="zh-CN" sz="1400" dirty="0">
-                  <a:solidFill>
-                    <a:srgbClr val="737794"/>
-                  </a:solidFill>
-                  <a:latin typeface="Helvetica" pitchFamily="2" charset="0"/>
-                </a:rPr>
-                <a:t>Configure</a:t>
-              </a:r>
-              <a:r>
-                <a:rPr kumimoji="1" lang="zh-CN" altLang="en-US" sz="1400" dirty="0">
-                  <a:solidFill>
-                    <a:srgbClr val="737794"/>
-                  </a:solidFill>
-                  <a:latin typeface="Helvetica" pitchFamily="2" charset="0"/>
-                </a:rPr>
-                <a:t> </a:t>
-              </a:r>
-              <a:r>
-                <a:rPr kumimoji="1" lang="en-US" altLang="zh-CN" sz="1400" dirty="0">
-                  <a:solidFill>
-                    <a:srgbClr val="737794"/>
-                  </a:solidFill>
-                  <a:latin typeface="Helvetica" pitchFamily="2" charset="0"/>
-                </a:rPr>
-                <a:t>logical</a:t>
-              </a:r>
-            </a:p>
-            <a:p>
-              <a:r>
-                <a:rPr kumimoji="1" lang="en-US" altLang="zh-CN" sz="1400" dirty="0">
-                  <a:solidFill>
-                    <a:srgbClr val="737794"/>
-                  </a:solidFill>
-                  <a:latin typeface="Helvetica" pitchFamily="2" charset="0"/>
-                </a:rPr>
-                <a:t>Address</a:t>
-              </a:r>
-              <a:r>
-                <a:rPr kumimoji="1" lang="zh-CN" altLang="en-US" sz="1400" dirty="0">
-                  <a:solidFill>
-                    <a:srgbClr val="737794"/>
-                  </a:solidFill>
-                  <a:latin typeface="Helvetica" pitchFamily="2" charset="0"/>
-                </a:rPr>
-                <a:t> </a:t>
-              </a:r>
-              <a:r>
-                <a:rPr kumimoji="1" lang="en-US" altLang="zh-CN" sz="1400" dirty="0">
-                  <a:solidFill>
-                    <a:srgbClr val="737794"/>
-                  </a:solidFill>
-                  <a:latin typeface="Helvetica" pitchFamily="2" charset="0"/>
-                </a:rPr>
-                <a:t>or</a:t>
-              </a:r>
-              <a:r>
-                <a:rPr kumimoji="1" lang="zh-CN" altLang="en-US" sz="1400" dirty="0">
-                  <a:solidFill>
-                    <a:srgbClr val="737794"/>
-                  </a:solidFill>
-                  <a:latin typeface="Helvetica" pitchFamily="2" charset="0"/>
-                </a:rPr>
-                <a:t> </a:t>
-              </a:r>
-              <a:r>
-                <a:rPr kumimoji="1" lang="en-US" altLang="zh-CN" sz="1400" dirty="0">
-                  <a:solidFill>
-                    <a:srgbClr val="737794"/>
-                  </a:solidFill>
-                  <a:latin typeface="Helvetica" pitchFamily="2" charset="0"/>
-                </a:rPr>
-                <a:t>offset</a:t>
-              </a:r>
-              <a:endParaRPr kumimoji="1" lang="zh-CN" altLang="en-US" sz="1400" dirty="0">
-                <a:solidFill>
-                  <a:srgbClr val="737794"/>
-                </a:solidFill>
-                <a:latin typeface="Helvetica" pitchFamily="2" charset="0"/>
-              </a:endParaRPr>
-            </a:p>
-          </p:txBody>
-        </p:sp>
-      </p:grpSp>
-    </p:spTree>
-    <p:extLst>
-      <p:ext uri="{BB962C8B-B14F-4D97-AF65-F5344CB8AC3E}">
-        <p14:creationId xmlns:p14="http://schemas.microsoft.com/office/powerpoint/2010/main" val="3402236287"/>
-      </p:ext>
-    </p:extLst>
-  </p:cSld>
-  <p:clrMapOvr>
-    <a:masterClrMapping/>
-  </p:clrMapOvr>
-</p:sld>
-</file>
-
-<file path=ppt/slides/slide2.xml><?xml version="1.0" encoding="utf-8"?>
-<p:sld xmlns:a="http://schemas.openxmlformats.org/drawingml/2006/main" xmlns:r="http://schemas.openxmlformats.org/officeDocument/2006/relationships" xmlns:p="http://schemas.openxmlformats.org/presentationml/2006/main">
-  <p:cSld>
-    <p:spTree>
-      <p:nvGrpSpPr>
-        <p:cNvPr id="1" name=""/>
-        <p:cNvGrpSpPr/>
-        <p:nvPr/>
-      </p:nvGrpSpPr>
-      <p:grpSpPr>
-        <a:xfrm>
-          <a:off x="0" y="0"/>
-          <a:ext cx="0" cy="0"/>
-          <a:chOff x="0" y="0"/>
-          <a:chExt cx="0" cy="0"/>
-        </a:xfrm>
-      </p:grpSpPr>
       <p:grpSp>
         <p:nvGrpSpPr>
           <p:cNvPr id="6" name="组合 5">
@@ -5753,2068 +4596,7 @@
 </p:sld>
 </file>
 
-<file path=ppt/slides/slide3.xml><?xml version="1.0" encoding="utf-8"?>
-<p:sld xmlns:a="http://schemas.openxmlformats.org/drawingml/2006/main" xmlns:r="http://schemas.openxmlformats.org/officeDocument/2006/relationships" xmlns:p="http://schemas.openxmlformats.org/presentationml/2006/main">
-  <p:cSld>
-    <p:spTree>
-      <p:nvGrpSpPr>
-        <p:cNvPr id="1" name=""/>
-        <p:cNvGrpSpPr/>
-        <p:nvPr/>
-      </p:nvGrpSpPr>
-      <p:grpSpPr>
-        <a:xfrm>
-          <a:off x="0" y="0"/>
-          <a:ext cx="0" cy="0"/>
-          <a:chOff x="0" y="0"/>
-          <a:chExt cx="0" cy="0"/>
-        </a:xfrm>
-      </p:grpSpPr>
-      <p:grpSp>
-        <p:nvGrpSpPr>
-          <p:cNvPr id="81" name="组合 80">
-            <a:extLst>
-              <a:ext uri="{FF2B5EF4-FFF2-40B4-BE49-F238E27FC236}">
-                <a16:creationId xmlns:a16="http://schemas.microsoft.com/office/drawing/2014/main" id="{96433B7B-8C73-0944-A3CC-20802821765C}"/>
-              </a:ext>
-            </a:extLst>
-          </p:cNvPr>
-          <p:cNvGrpSpPr/>
-          <p:nvPr/>
-        </p:nvGrpSpPr>
-        <p:grpSpPr>
-          <a:xfrm>
-            <a:off x="1524699" y="1256206"/>
-            <a:ext cx="9063310" cy="4884651"/>
-            <a:chOff x="1524699" y="1256206"/>
-            <a:chExt cx="9063310" cy="4884651"/>
-          </a:xfrm>
-        </p:grpSpPr>
-        <p:sp>
-          <p:nvSpPr>
-            <p:cNvPr id="13" name="矩形 12">
-              <a:extLst>
-                <a:ext uri="{FF2B5EF4-FFF2-40B4-BE49-F238E27FC236}">
-                  <a16:creationId xmlns:a16="http://schemas.microsoft.com/office/drawing/2014/main" id="{C88E317E-4E89-A041-ABAE-67586DD0859E}"/>
-                </a:ext>
-              </a:extLst>
-            </p:cNvPr>
-            <p:cNvSpPr>
-              <a:spLocks/>
-            </p:cNvSpPr>
-            <p:nvPr/>
-          </p:nvSpPr>
-          <p:spPr>
-            <a:xfrm>
-              <a:off x="3734084" y="1891426"/>
-              <a:ext cx="1099932" cy="724959"/>
-            </a:xfrm>
-            <a:prstGeom prst="rect">
-              <a:avLst/>
-            </a:prstGeom>
-            <a:solidFill>
-              <a:srgbClr val="F5F5FA"/>
-            </a:solidFill>
-            <a:ln>
-              <a:noFill/>
-            </a:ln>
-          </p:spPr>
-          <p:style>
-            <a:lnRef idx="2">
-              <a:schemeClr val="accent1">
-                <a:shade val="50000"/>
-              </a:schemeClr>
-            </a:lnRef>
-            <a:fillRef idx="1">
-              <a:schemeClr val="accent1"/>
-            </a:fillRef>
-            <a:effectRef idx="0">
-              <a:schemeClr val="accent1"/>
-            </a:effectRef>
-            <a:fontRef idx="minor">
-              <a:schemeClr val="lt1"/>
-            </a:fontRef>
-          </p:style>
-          <p:txBody>
-            <a:bodyPr rtlCol="0" anchor="ctr"/>
-            <a:lstStyle/>
-            <a:p>
-              <a:pPr algn="ctr"/>
-              <a:endParaRPr kumimoji="1" lang="zh-CN" altLang="en-US" dirty="0"/>
-            </a:p>
-          </p:txBody>
-        </p:sp>
-        <p:sp>
-          <p:nvSpPr>
-            <p:cNvPr id="20" name="文本框 19">
-              <a:extLst>
-                <a:ext uri="{FF2B5EF4-FFF2-40B4-BE49-F238E27FC236}">
-                  <a16:creationId xmlns:a16="http://schemas.microsoft.com/office/drawing/2014/main" id="{EDEB8CC2-531B-0848-A6C5-C5485DC5384E}"/>
-                </a:ext>
-              </a:extLst>
-            </p:cNvPr>
-            <p:cNvSpPr txBox="1"/>
-            <p:nvPr/>
-          </p:nvSpPr>
-          <p:spPr>
-            <a:xfrm>
-              <a:off x="2056932" y="2329347"/>
-              <a:ext cx="893193" cy="338554"/>
-            </a:xfrm>
-            <a:prstGeom prst="rect">
-              <a:avLst/>
-            </a:prstGeom>
-            <a:noFill/>
-          </p:spPr>
-          <p:txBody>
-            <a:bodyPr wrap="none" rtlCol="0">
-              <a:spAutoFit/>
-            </a:bodyPr>
-            <a:lstStyle/>
-            <a:p>
-              <a:r>
-                <a:rPr kumimoji="1" lang="en-US" altLang="zh-CN" sz="1600" b="1" dirty="0">
-                  <a:solidFill>
-                    <a:srgbClr val="737794"/>
-                  </a:solidFill>
-                  <a:latin typeface="Helvetica Light" panose="020B0403020202020204" pitchFamily="34" charset="0"/>
-                </a:rPr>
-                <a:t>Domain</a:t>
-              </a:r>
-              <a:endParaRPr kumimoji="1" lang="zh-CN" altLang="en-US" sz="1600" b="1" dirty="0">
-                <a:solidFill>
-                  <a:srgbClr val="737794"/>
-                </a:solidFill>
-                <a:latin typeface="Helvetica Light" panose="020B0403020202020204" pitchFamily="34" charset="0"/>
-              </a:endParaRPr>
-            </a:p>
-          </p:txBody>
-        </p:sp>
-        <p:sp>
-          <p:nvSpPr>
-            <p:cNvPr id="22" name="文本框 21">
-              <a:extLst>
-                <a:ext uri="{FF2B5EF4-FFF2-40B4-BE49-F238E27FC236}">
-                  <a16:creationId xmlns:a16="http://schemas.microsoft.com/office/drawing/2014/main" id="{8FFFB613-19B8-9547-BBBC-3C2CCEF08595}"/>
-                </a:ext>
-              </a:extLst>
-            </p:cNvPr>
-            <p:cNvSpPr txBox="1"/>
-            <p:nvPr/>
-          </p:nvSpPr>
-          <p:spPr>
-            <a:xfrm>
-              <a:off x="2177157" y="3225771"/>
-              <a:ext cx="652743" cy="338554"/>
-            </a:xfrm>
-            <a:prstGeom prst="rect">
-              <a:avLst/>
-            </a:prstGeom>
-            <a:noFill/>
-          </p:spPr>
-          <p:txBody>
-            <a:bodyPr wrap="none" rtlCol="0">
-              <a:spAutoFit/>
-            </a:bodyPr>
-            <a:lstStyle/>
-            <a:p>
-              <a:r>
-                <a:rPr kumimoji="1" lang="en-US" altLang="zh-CN" sz="1600" b="1" dirty="0" err="1">
-                  <a:solidFill>
-                    <a:srgbClr val="737794"/>
-                  </a:solidFill>
-                  <a:latin typeface="Helvetica Light" panose="020B0403020202020204" pitchFamily="34" charset="0"/>
-                </a:rPr>
-                <a:t>Mdm</a:t>
-              </a:r>
-              <a:endParaRPr kumimoji="1" lang="zh-CN" altLang="en-US" sz="1600" b="1" dirty="0">
-                <a:solidFill>
-                  <a:srgbClr val="737794"/>
-                </a:solidFill>
-                <a:latin typeface="Helvetica Light" panose="020B0403020202020204" pitchFamily="34" charset="0"/>
-              </a:endParaRPr>
-            </a:p>
-          </p:txBody>
-        </p:sp>
-        <p:sp>
-          <p:nvSpPr>
-            <p:cNvPr id="24" name="文本框 23">
-              <a:extLst>
-                <a:ext uri="{FF2B5EF4-FFF2-40B4-BE49-F238E27FC236}">
-                  <a16:creationId xmlns:a16="http://schemas.microsoft.com/office/drawing/2014/main" id="{797DAD35-8990-514F-B544-34CAA0B38C3D}"/>
-                </a:ext>
-              </a:extLst>
-            </p:cNvPr>
-            <p:cNvSpPr txBox="1"/>
-            <p:nvPr/>
-          </p:nvSpPr>
-          <p:spPr>
-            <a:xfrm>
-              <a:off x="2154715" y="4146748"/>
-              <a:ext cx="697627" cy="338554"/>
-            </a:xfrm>
-            <a:prstGeom prst="rect">
-              <a:avLst/>
-            </a:prstGeom>
-            <a:noFill/>
-          </p:spPr>
-          <p:txBody>
-            <a:bodyPr wrap="none" rtlCol="0">
-              <a:spAutoFit/>
-            </a:bodyPr>
-            <a:lstStyle/>
-            <a:p>
-              <a:r>
-                <a:rPr kumimoji="1" lang="en-US" altLang="zh-CN" sz="1600" b="1" dirty="0">
-                  <a:solidFill>
-                    <a:srgbClr val="737794"/>
-                  </a:solidFill>
-                  <a:latin typeface="Helvetica Light" panose="020B0403020202020204" pitchFamily="34" charset="0"/>
-                </a:rPr>
-                <a:t>Event</a:t>
-              </a:r>
-              <a:endParaRPr kumimoji="1" lang="zh-CN" altLang="en-US" sz="1600" b="1" dirty="0">
-                <a:solidFill>
-                  <a:srgbClr val="737794"/>
-                </a:solidFill>
-                <a:latin typeface="Helvetica Light" panose="020B0403020202020204" pitchFamily="34" charset="0"/>
-              </a:endParaRPr>
-            </a:p>
-          </p:txBody>
-        </p:sp>
-        <p:sp>
-          <p:nvSpPr>
-            <p:cNvPr id="26" name="文本框 25">
-              <a:extLst>
-                <a:ext uri="{FF2B5EF4-FFF2-40B4-BE49-F238E27FC236}">
-                  <a16:creationId xmlns:a16="http://schemas.microsoft.com/office/drawing/2014/main" id="{4925751E-6B02-CD45-ACD9-08AD27BD401A}"/>
-                </a:ext>
-              </a:extLst>
-            </p:cNvPr>
-            <p:cNvSpPr txBox="1"/>
-            <p:nvPr/>
-          </p:nvSpPr>
-          <p:spPr>
-            <a:xfrm>
-              <a:off x="2034490" y="5055042"/>
-              <a:ext cx="938077" cy="338554"/>
-            </a:xfrm>
-            <a:prstGeom prst="rect">
-              <a:avLst/>
-            </a:prstGeom>
-            <a:noFill/>
-          </p:spPr>
-          <p:txBody>
-            <a:bodyPr wrap="none" rtlCol="0">
-              <a:spAutoFit/>
-            </a:bodyPr>
-            <a:lstStyle/>
-            <a:p>
-              <a:r>
-                <a:rPr kumimoji="1" lang="en-US" altLang="zh-CN" sz="1600" b="1" dirty="0">
-                  <a:solidFill>
-                    <a:srgbClr val="737794"/>
-                  </a:solidFill>
-                  <a:latin typeface="Helvetica Light" panose="020B0403020202020204" pitchFamily="34" charset="0"/>
-                </a:rPr>
-                <a:t>Protocol</a:t>
-              </a:r>
-              <a:endParaRPr kumimoji="1" lang="zh-CN" altLang="en-US" sz="1600" b="1" dirty="0">
-                <a:solidFill>
-                  <a:srgbClr val="737794"/>
-                </a:solidFill>
-                <a:latin typeface="Helvetica Light" panose="020B0403020202020204" pitchFamily="34" charset="0"/>
-              </a:endParaRPr>
-            </a:p>
-          </p:txBody>
-        </p:sp>
-        <p:sp>
-          <p:nvSpPr>
-            <p:cNvPr id="29" name="文本框 28">
-              <a:extLst>
-                <a:ext uri="{FF2B5EF4-FFF2-40B4-BE49-F238E27FC236}">
-                  <a16:creationId xmlns:a16="http://schemas.microsoft.com/office/drawing/2014/main" id="{1535A714-B176-3844-A7D6-00CEE06170C2}"/>
-                </a:ext>
-              </a:extLst>
-            </p:cNvPr>
-            <p:cNvSpPr txBox="1"/>
-            <p:nvPr/>
-          </p:nvSpPr>
-          <p:spPr>
-            <a:xfrm>
-              <a:off x="9244388" y="2628798"/>
-              <a:ext cx="707245" cy="338554"/>
-            </a:xfrm>
-            <a:prstGeom prst="rect">
-              <a:avLst/>
-            </a:prstGeom>
-            <a:noFill/>
-          </p:spPr>
-          <p:txBody>
-            <a:bodyPr wrap="none" rtlCol="0">
-              <a:spAutoFit/>
-            </a:bodyPr>
-            <a:lstStyle/>
-            <a:p>
-              <a:pPr algn="ctr"/>
-              <a:r>
-                <a:rPr kumimoji="1" lang="en-US" altLang="zh-CN" sz="1600" dirty="0" err="1">
-                  <a:solidFill>
-                    <a:srgbClr val="737794"/>
-                  </a:solidFill>
-                  <a:latin typeface="Helvetica" pitchFamily="2" charset="0"/>
-                  <a:cs typeface="Arial" panose="020B0604020202020204" pitchFamily="34" charset="0"/>
-                </a:rPr>
-                <a:t>Redis</a:t>
-              </a:r>
-              <a:endParaRPr kumimoji="1" lang="zh-CN" altLang="en-US" sz="1600" dirty="0">
-                <a:solidFill>
-                  <a:srgbClr val="737794"/>
-                </a:solidFill>
-                <a:latin typeface="Helvetica" pitchFamily="2" charset="0"/>
-                <a:cs typeface="Arial" panose="020B0604020202020204" pitchFamily="34" charset="0"/>
-              </a:endParaRPr>
-            </a:p>
-          </p:txBody>
-        </p:sp>
-        <p:sp>
-          <p:nvSpPr>
-            <p:cNvPr id="32" name="文本框 31">
-              <a:extLst>
-                <a:ext uri="{FF2B5EF4-FFF2-40B4-BE49-F238E27FC236}">
-                  <a16:creationId xmlns:a16="http://schemas.microsoft.com/office/drawing/2014/main" id="{5FB34206-2042-BF4F-AF7D-7938FA2FE5B7}"/>
-                </a:ext>
-              </a:extLst>
-            </p:cNvPr>
-            <p:cNvSpPr txBox="1"/>
-            <p:nvPr/>
-          </p:nvSpPr>
-          <p:spPr>
-            <a:xfrm>
-              <a:off x="8776312" y="3928391"/>
-              <a:ext cx="1643400" cy="338554"/>
-            </a:xfrm>
-            <a:prstGeom prst="rect">
-              <a:avLst/>
-            </a:prstGeom>
-            <a:noFill/>
-          </p:spPr>
-          <p:txBody>
-            <a:bodyPr wrap="none" rtlCol="0">
-              <a:spAutoFit/>
-            </a:bodyPr>
-            <a:lstStyle/>
-            <a:p>
-              <a:pPr algn="ctr"/>
-              <a:r>
-                <a:rPr kumimoji="1" lang="en-US" altLang="zh-CN" sz="1600" dirty="0">
-                  <a:solidFill>
-                    <a:srgbClr val="737794"/>
-                  </a:solidFill>
-                  <a:latin typeface="Helvetica" pitchFamily="2" charset="0"/>
-                  <a:cs typeface="Arial" panose="020B0604020202020204" pitchFamily="34" charset="0"/>
-                </a:rPr>
-                <a:t>Message</a:t>
-              </a:r>
-              <a:r>
-                <a:rPr kumimoji="1" lang="zh-CN" altLang="en-US" sz="1600" dirty="0">
-                  <a:solidFill>
-                    <a:srgbClr val="737794"/>
-                  </a:solidFill>
-                  <a:latin typeface="Helvetica" pitchFamily="2" charset="0"/>
-                  <a:cs typeface="Arial" panose="020B0604020202020204" pitchFamily="34" charset="0"/>
-                </a:rPr>
-                <a:t> </a:t>
-              </a:r>
-              <a:r>
-                <a:rPr kumimoji="1" lang="en-US" altLang="zh-CN" sz="1600" dirty="0">
-                  <a:solidFill>
-                    <a:srgbClr val="737794"/>
-                  </a:solidFill>
-                  <a:latin typeface="Helvetica" pitchFamily="2" charset="0"/>
-                  <a:cs typeface="Arial" panose="020B0604020202020204" pitchFamily="34" charset="0"/>
-                </a:rPr>
-                <a:t>queue</a:t>
-              </a:r>
-              <a:endParaRPr kumimoji="1" lang="zh-CN" altLang="en-US" sz="1600" dirty="0">
-                <a:solidFill>
-                  <a:srgbClr val="737794"/>
-                </a:solidFill>
-                <a:latin typeface="Helvetica" pitchFamily="2" charset="0"/>
-                <a:cs typeface="Arial" panose="020B0604020202020204" pitchFamily="34" charset="0"/>
-              </a:endParaRPr>
-            </a:p>
-          </p:txBody>
-        </p:sp>
-        <p:sp>
-          <p:nvSpPr>
-            <p:cNvPr id="43" name="文本框 42">
-              <a:extLst>
-                <a:ext uri="{FF2B5EF4-FFF2-40B4-BE49-F238E27FC236}">
-                  <a16:creationId xmlns:a16="http://schemas.microsoft.com/office/drawing/2014/main" id="{2C0845D3-99E5-AD41-A6D9-65928B27F299}"/>
-                </a:ext>
-              </a:extLst>
-            </p:cNvPr>
-            <p:cNvSpPr txBox="1"/>
-            <p:nvPr/>
-          </p:nvSpPr>
-          <p:spPr>
-            <a:xfrm>
-              <a:off x="3646644" y="2132599"/>
-              <a:ext cx="1247040" cy="276999"/>
-            </a:xfrm>
-            <a:prstGeom prst="rect">
-              <a:avLst/>
-            </a:prstGeom>
-            <a:noFill/>
-          </p:spPr>
-          <p:txBody>
-            <a:bodyPr wrap="square" rtlCol="0">
-              <a:spAutoFit/>
-            </a:bodyPr>
-            <a:lstStyle/>
-            <a:p>
-              <a:pPr algn="ctr"/>
-              <a:r>
-                <a:rPr kumimoji="1" lang="en-US" altLang="zh-CN" sz="1200" dirty="0">
-                  <a:solidFill>
-                    <a:srgbClr val="737794"/>
-                  </a:solidFill>
-                  <a:latin typeface="Helvetica" pitchFamily="2" charset="0"/>
-                </a:rPr>
-                <a:t>Authentication</a:t>
-              </a:r>
-              <a:endParaRPr kumimoji="1" lang="zh-CN" altLang="en-US" sz="1200" dirty="0">
-                <a:solidFill>
-                  <a:srgbClr val="737794"/>
-                </a:solidFill>
-                <a:latin typeface="Helvetica" pitchFamily="2" charset="0"/>
-              </a:endParaRPr>
-            </a:p>
-          </p:txBody>
-        </p:sp>
-        <p:sp>
-          <p:nvSpPr>
-            <p:cNvPr id="47" name="矩形 46">
-              <a:extLst>
-                <a:ext uri="{FF2B5EF4-FFF2-40B4-BE49-F238E27FC236}">
-                  <a16:creationId xmlns:a16="http://schemas.microsoft.com/office/drawing/2014/main" id="{CEE8232B-5A92-A14E-90D8-2884398F2550}"/>
-                </a:ext>
-              </a:extLst>
-            </p:cNvPr>
-            <p:cNvSpPr/>
-            <p:nvPr/>
-          </p:nvSpPr>
-          <p:spPr>
-            <a:xfrm>
-              <a:off x="8608009" y="1256207"/>
-              <a:ext cx="1980000" cy="4884650"/>
-            </a:xfrm>
-            <a:prstGeom prst="rect">
-              <a:avLst/>
-            </a:prstGeom>
-            <a:noFill/>
-            <a:ln w="19050">
-              <a:solidFill>
-                <a:srgbClr val="D8D9E6"/>
-              </a:solidFill>
-            </a:ln>
-          </p:spPr>
-          <p:style>
-            <a:lnRef idx="2">
-              <a:schemeClr val="accent1">
-                <a:shade val="50000"/>
-              </a:schemeClr>
-            </a:lnRef>
-            <a:fillRef idx="1">
-              <a:schemeClr val="accent1"/>
-            </a:fillRef>
-            <a:effectRef idx="0">
-              <a:schemeClr val="accent1"/>
-            </a:effectRef>
-            <a:fontRef idx="minor">
-              <a:schemeClr val="lt1"/>
-            </a:fontRef>
-          </p:style>
-          <p:txBody>
-            <a:bodyPr rtlCol="0" anchor="ctr"/>
-            <a:lstStyle/>
-            <a:p>
-              <a:pPr algn="ctr"/>
-              <a:endParaRPr kumimoji="1" lang="zh-CN" altLang="en-US"/>
-            </a:p>
-          </p:txBody>
-        </p:sp>
-        <p:sp>
-          <p:nvSpPr>
-            <p:cNvPr id="48" name="矩形 47">
-              <a:extLst>
-                <a:ext uri="{FF2B5EF4-FFF2-40B4-BE49-F238E27FC236}">
-                  <a16:creationId xmlns:a16="http://schemas.microsoft.com/office/drawing/2014/main" id="{1ECCA5E6-685E-B54B-BAB2-5957CDC5E82C}"/>
-                </a:ext>
-              </a:extLst>
-            </p:cNvPr>
-            <p:cNvSpPr/>
-            <p:nvPr/>
-          </p:nvSpPr>
-          <p:spPr>
-            <a:xfrm>
-              <a:off x="3626354" y="1256208"/>
-              <a:ext cx="4860000" cy="1486992"/>
-            </a:xfrm>
-            <a:prstGeom prst="rect">
-              <a:avLst/>
-            </a:prstGeom>
-            <a:noFill/>
-            <a:ln w="19050">
-              <a:solidFill>
-                <a:srgbClr val="D8D9E6"/>
-              </a:solidFill>
-            </a:ln>
-          </p:spPr>
-          <p:style>
-            <a:lnRef idx="2">
-              <a:schemeClr val="accent1">
-                <a:shade val="50000"/>
-              </a:schemeClr>
-            </a:lnRef>
-            <a:fillRef idx="1">
-              <a:schemeClr val="accent1"/>
-            </a:fillRef>
-            <a:effectRef idx="0">
-              <a:schemeClr val="accent1"/>
-            </a:effectRef>
-            <a:fontRef idx="minor">
-              <a:schemeClr val="lt1"/>
-            </a:fontRef>
-          </p:style>
-          <p:txBody>
-            <a:bodyPr rtlCol="0" anchor="ctr"/>
-            <a:lstStyle/>
-            <a:p>
-              <a:pPr algn="ctr"/>
-              <a:endParaRPr kumimoji="1" lang="zh-CN" altLang="en-US"/>
-            </a:p>
-          </p:txBody>
-        </p:sp>
-        <p:sp>
-          <p:nvSpPr>
-            <p:cNvPr id="49" name="矩形 48">
-              <a:extLst>
-                <a:ext uri="{FF2B5EF4-FFF2-40B4-BE49-F238E27FC236}">
-                  <a16:creationId xmlns:a16="http://schemas.microsoft.com/office/drawing/2014/main" id="{62FCDF62-D43F-D645-99E9-C9ABE49D3EBE}"/>
-                </a:ext>
-              </a:extLst>
-            </p:cNvPr>
-            <p:cNvSpPr/>
-            <p:nvPr/>
-          </p:nvSpPr>
-          <p:spPr>
-            <a:xfrm>
-              <a:off x="1524699" y="1256207"/>
-              <a:ext cx="1980000" cy="4884650"/>
-            </a:xfrm>
-            <a:prstGeom prst="rect">
-              <a:avLst/>
-            </a:prstGeom>
-            <a:noFill/>
-            <a:ln w="19050">
-              <a:solidFill>
-                <a:srgbClr val="D8D9E6"/>
-              </a:solidFill>
-            </a:ln>
-          </p:spPr>
-          <p:style>
-            <a:lnRef idx="2">
-              <a:schemeClr val="accent1">
-                <a:shade val="50000"/>
-              </a:schemeClr>
-            </a:lnRef>
-            <a:fillRef idx="1">
-              <a:schemeClr val="accent1"/>
-            </a:fillRef>
-            <a:effectRef idx="0">
-              <a:schemeClr val="accent1"/>
-            </a:effectRef>
-            <a:fontRef idx="minor">
-              <a:schemeClr val="lt1"/>
-            </a:fontRef>
-          </p:style>
-          <p:txBody>
-            <a:bodyPr rtlCol="0" anchor="ctr"/>
-            <a:lstStyle/>
-            <a:p>
-              <a:pPr algn="ctr"/>
-              <a:endParaRPr kumimoji="1" lang="zh-CN" altLang="en-US"/>
-            </a:p>
-          </p:txBody>
-        </p:sp>
-        <p:sp>
-          <p:nvSpPr>
-            <p:cNvPr id="50" name="矩形 49">
-              <a:extLst>
-                <a:ext uri="{FF2B5EF4-FFF2-40B4-BE49-F238E27FC236}">
-                  <a16:creationId xmlns:a16="http://schemas.microsoft.com/office/drawing/2014/main" id="{793B1EF8-F249-AF47-BB89-B06C9E36E76F}"/>
-                </a:ext>
-              </a:extLst>
-            </p:cNvPr>
-            <p:cNvSpPr/>
-            <p:nvPr/>
-          </p:nvSpPr>
-          <p:spPr>
-            <a:xfrm>
-              <a:off x="1524699" y="1256206"/>
-              <a:ext cx="1980000" cy="540000"/>
-            </a:xfrm>
-            <a:prstGeom prst="rect">
-              <a:avLst/>
-            </a:prstGeom>
-            <a:solidFill>
-              <a:srgbClr val="A2A5BD"/>
-            </a:solidFill>
-            <a:ln>
-              <a:noFill/>
-            </a:ln>
-          </p:spPr>
-          <p:style>
-            <a:lnRef idx="2">
-              <a:schemeClr val="accent1">
-                <a:shade val="50000"/>
-              </a:schemeClr>
-            </a:lnRef>
-            <a:fillRef idx="1">
-              <a:schemeClr val="accent1"/>
-            </a:fillRef>
-            <a:effectRef idx="0">
-              <a:schemeClr val="accent1"/>
-            </a:effectRef>
-            <a:fontRef idx="minor">
-              <a:schemeClr val="lt1"/>
-            </a:fontRef>
-          </p:style>
-          <p:txBody>
-            <a:bodyPr rtlCol="0" anchor="ctr"/>
-            <a:lstStyle/>
-            <a:p>
-              <a:pPr algn="ctr"/>
-              <a:r>
-                <a:rPr kumimoji="1" lang="en-US" altLang="zh-CN" sz="1600" dirty="0">
-                  <a:solidFill>
-                    <a:schemeClr val="bg2"/>
-                  </a:solidFill>
-                  <a:latin typeface="Helvetica" pitchFamily="2" charset="0"/>
-                </a:rPr>
-                <a:t>Resource</a:t>
-              </a:r>
-            </a:p>
-            <a:p>
-              <a:pPr algn="ctr"/>
-              <a:r>
-                <a:rPr kumimoji="1" lang="en-US" altLang="zh-CN" sz="1600" dirty="0">
-                  <a:solidFill>
-                    <a:schemeClr val="bg2"/>
-                  </a:solidFill>
-                  <a:latin typeface="Helvetica" pitchFamily="2" charset="0"/>
-                </a:rPr>
-                <a:t>management</a:t>
-              </a:r>
-              <a:endParaRPr kumimoji="1" lang="zh-CN" altLang="en-US" sz="1600" dirty="0">
-                <a:solidFill>
-                  <a:schemeClr val="bg2"/>
-                </a:solidFill>
-                <a:latin typeface="Helvetica" pitchFamily="2" charset="0"/>
-              </a:endParaRPr>
-            </a:p>
-          </p:txBody>
-        </p:sp>
-        <p:sp>
-          <p:nvSpPr>
-            <p:cNvPr id="51" name="矩形 50">
-              <a:extLst>
-                <a:ext uri="{FF2B5EF4-FFF2-40B4-BE49-F238E27FC236}">
-                  <a16:creationId xmlns:a16="http://schemas.microsoft.com/office/drawing/2014/main" id="{5024918A-D823-9946-8553-5D11C41DC8F3}"/>
-                </a:ext>
-              </a:extLst>
-            </p:cNvPr>
-            <p:cNvSpPr/>
-            <p:nvPr/>
-          </p:nvSpPr>
-          <p:spPr>
-            <a:xfrm>
-              <a:off x="3626354" y="1256206"/>
-              <a:ext cx="4860000" cy="540000"/>
-            </a:xfrm>
-            <a:prstGeom prst="rect">
-              <a:avLst/>
-            </a:prstGeom>
-            <a:solidFill>
-              <a:srgbClr val="A2A5BD"/>
-            </a:solidFill>
-            <a:ln>
-              <a:noFill/>
-            </a:ln>
-          </p:spPr>
-          <p:style>
-            <a:lnRef idx="2">
-              <a:schemeClr val="accent1">
-                <a:shade val="50000"/>
-              </a:schemeClr>
-            </a:lnRef>
-            <a:fillRef idx="1">
-              <a:schemeClr val="accent1"/>
-            </a:fillRef>
-            <a:effectRef idx="0">
-              <a:schemeClr val="accent1"/>
-            </a:effectRef>
-            <a:fontRef idx="minor">
-              <a:schemeClr val="lt1"/>
-            </a:fontRef>
-          </p:style>
-          <p:txBody>
-            <a:bodyPr rtlCol="0" anchor="ctr"/>
-            <a:lstStyle/>
-            <a:p>
-              <a:pPr algn="ctr"/>
-              <a:r>
-                <a:rPr kumimoji="1" lang="en-US" altLang="zh-CN" sz="1600" dirty="0">
-                  <a:solidFill>
-                    <a:schemeClr val="bg2"/>
-                  </a:solidFill>
-                  <a:latin typeface="Helvetica" pitchFamily="2" charset="0"/>
-                </a:rPr>
-                <a:t>Connective</a:t>
-              </a:r>
-              <a:endParaRPr kumimoji="1" lang="zh-CN" altLang="en-US" sz="1600" dirty="0">
-                <a:solidFill>
-                  <a:schemeClr val="bg2"/>
-                </a:solidFill>
-                <a:latin typeface="Helvetica" pitchFamily="2" charset="0"/>
-              </a:endParaRPr>
-            </a:p>
-          </p:txBody>
-        </p:sp>
-        <p:sp>
-          <p:nvSpPr>
-            <p:cNvPr id="52" name="矩形 51">
-              <a:extLst>
-                <a:ext uri="{FF2B5EF4-FFF2-40B4-BE49-F238E27FC236}">
-                  <a16:creationId xmlns:a16="http://schemas.microsoft.com/office/drawing/2014/main" id="{9E21D644-0789-3943-AE2B-D0F6D230609E}"/>
-                </a:ext>
-              </a:extLst>
-            </p:cNvPr>
-            <p:cNvSpPr/>
-            <p:nvPr/>
-          </p:nvSpPr>
-          <p:spPr>
-            <a:xfrm>
-              <a:off x="8608009" y="1256206"/>
-              <a:ext cx="1980000" cy="540000"/>
-            </a:xfrm>
-            <a:prstGeom prst="rect">
-              <a:avLst/>
-            </a:prstGeom>
-            <a:solidFill>
-              <a:srgbClr val="A2A5BD"/>
-            </a:solidFill>
-            <a:ln>
-              <a:noFill/>
-            </a:ln>
-          </p:spPr>
-          <p:style>
-            <a:lnRef idx="2">
-              <a:schemeClr val="accent1">
-                <a:shade val="50000"/>
-              </a:schemeClr>
-            </a:lnRef>
-            <a:fillRef idx="1">
-              <a:schemeClr val="accent1"/>
-            </a:fillRef>
-            <a:effectRef idx="0">
-              <a:schemeClr val="accent1"/>
-            </a:effectRef>
-            <a:fontRef idx="minor">
-              <a:schemeClr val="lt1"/>
-            </a:fontRef>
-          </p:style>
-          <p:txBody>
-            <a:bodyPr rtlCol="0" anchor="ctr"/>
-            <a:lstStyle/>
-            <a:p>
-              <a:pPr algn="ctr"/>
-              <a:r>
-                <a:rPr kumimoji="1" lang="en-US" altLang="zh-CN" sz="1600" dirty="0">
-                  <a:solidFill>
-                    <a:schemeClr val="bg2"/>
-                  </a:solidFill>
-                  <a:latin typeface="Helvetica" pitchFamily="2" charset="0"/>
-                </a:rPr>
-                <a:t>Storage</a:t>
-              </a:r>
-              <a:endParaRPr kumimoji="1" lang="zh-CN" altLang="en-US" sz="1600" dirty="0">
-                <a:solidFill>
-                  <a:schemeClr val="bg2"/>
-                </a:solidFill>
-                <a:latin typeface="Helvetica" pitchFamily="2" charset="0"/>
-              </a:endParaRPr>
-            </a:p>
-          </p:txBody>
-        </p:sp>
-        <p:sp>
-          <p:nvSpPr>
-            <p:cNvPr id="56" name="矩形 55">
-              <a:extLst>
-                <a:ext uri="{FF2B5EF4-FFF2-40B4-BE49-F238E27FC236}">
-                  <a16:creationId xmlns:a16="http://schemas.microsoft.com/office/drawing/2014/main" id="{6CF8DB2C-6B39-5341-8B3F-8AEF8ACCD309}"/>
-                </a:ext>
-              </a:extLst>
-            </p:cNvPr>
-            <p:cNvSpPr>
-              <a:spLocks/>
-            </p:cNvSpPr>
-            <p:nvPr/>
-          </p:nvSpPr>
-          <p:spPr>
-            <a:xfrm>
-              <a:off x="4955671" y="1896954"/>
-              <a:ext cx="1011350" cy="724959"/>
-            </a:xfrm>
-            <a:prstGeom prst="rect">
-              <a:avLst/>
-            </a:prstGeom>
-            <a:solidFill>
-              <a:srgbClr val="F5F5FA"/>
-            </a:solidFill>
-            <a:ln>
-              <a:noFill/>
-            </a:ln>
-          </p:spPr>
-          <p:style>
-            <a:lnRef idx="2">
-              <a:schemeClr val="accent1">
-                <a:shade val="50000"/>
-              </a:schemeClr>
-            </a:lnRef>
-            <a:fillRef idx="1">
-              <a:schemeClr val="accent1"/>
-            </a:fillRef>
-            <a:effectRef idx="0">
-              <a:schemeClr val="accent1"/>
-            </a:effectRef>
-            <a:fontRef idx="minor">
-              <a:schemeClr val="lt1"/>
-            </a:fontRef>
-          </p:style>
-          <p:txBody>
-            <a:bodyPr rtlCol="0" anchor="ctr"/>
-            <a:lstStyle/>
-            <a:p>
-              <a:pPr algn="ctr"/>
-              <a:endParaRPr kumimoji="1" lang="zh-CN" altLang="en-US" dirty="0"/>
-            </a:p>
-          </p:txBody>
-        </p:sp>
-        <p:sp>
-          <p:nvSpPr>
-            <p:cNvPr id="57" name="矩形 56">
-              <a:extLst>
-                <a:ext uri="{FF2B5EF4-FFF2-40B4-BE49-F238E27FC236}">
-                  <a16:creationId xmlns:a16="http://schemas.microsoft.com/office/drawing/2014/main" id="{B500740F-A783-5441-B0A7-F7DD52AF784A}"/>
-                </a:ext>
-              </a:extLst>
-            </p:cNvPr>
-            <p:cNvSpPr>
-              <a:spLocks/>
-            </p:cNvSpPr>
-            <p:nvPr/>
-          </p:nvSpPr>
-          <p:spPr>
-            <a:xfrm>
-              <a:off x="7398845" y="1890067"/>
-              <a:ext cx="1011350" cy="724959"/>
-            </a:xfrm>
-            <a:prstGeom prst="rect">
-              <a:avLst/>
-            </a:prstGeom>
-            <a:solidFill>
-              <a:srgbClr val="F5F5FA"/>
-            </a:solidFill>
-            <a:ln>
-              <a:noFill/>
-            </a:ln>
-          </p:spPr>
-          <p:style>
-            <a:lnRef idx="2">
-              <a:schemeClr val="accent1">
-                <a:shade val="50000"/>
-              </a:schemeClr>
-            </a:lnRef>
-            <a:fillRef idx="1">
-              <a:schemeClr val="accent1"/>
-            </a:fillRef>
-            <a:effectRef idx="0">
-              <a:schemeClr val="accent1"/>
-            </a:effectRef>
-            <a:fontRef idx="minor">
-              <a:schemeClr val="lt1"/>
-            </a:fontRef>
-          </p:style>
-          <p:txBody>
-            <a:bodyPr rtlCol="0" anchor="ctr"/>
-            <a:lstStyle/>
-            <a:p>
-              <a:pPr algn="ctr"/>
-              <a:endParaRPr kumimoji="1" lang="zh-CN" altLang="en-US" dirty="0"/>
-            </a:p>
-          </p:txBody>
-        </p:sp>
-        <p:sp>
-          <p:nvSpPr>
-            <p:cNvPr id="58" name="矩形 57">
-              <a:extLst>
-                <a:ext uri="{FF2B5EF4-FFF2-40B4-BE49-F238E27FC236}">
-                  <a16:creationId xmlns:a16="http://schemas.microsoft.com/office/drawing/2014/main" id="{030E2FF5-A378-EC40-B336-4425987D4BF4}"/>
-                </a:ext>
-              </a:extLst>
-            </p:cNvPr>
-            <p:cNvSpPr>
-              <a:spLocks/>
-            </p:cNvSpPr>
-            <p:nvPr/>
-          </p:nvSpPr>
-          <p:spPr>
-            <a:xfrm>
-              <a:off x="6177258" y="1890066"/>
-              <a:ext cx="1011350" cy="724959"/>
-            </a:xfrm>
-            <a:prstGeom prst="rect">
-              <a:avLst/>
-            </a:prstGeom>
-            <a:solidFill>
-              <a:srgbClr val="F5F5FA"/>
-            </a:solidFill>
-            <a:ln>
-              <a:noFill/>
-            </a:ln>
-          </p:spPr>
-          <p:style>
-            <a:lnRef idx="2">
-              <a:schemeClr val="accent1">
-                <a:shade val="50000"/>
-              </a:schemeClr>
-            </a:lnRef>
-            <a:fillRef idx="1">
-              <a:schemeClr val="accent1"/>
-            </a:fillRef>
-            <a:effectRef idx="0">
-              <a:schemeClr val="accent1"/>
-            </a:effectRef>
-            <a:fontRef idx="minor">
-              <a:schemeClr val="lt1"/>
-            </a:fontRef>
-          </p:style>
-          <p:txBody>
-            <a:bodyPr rtlCol="0" anchor="ctr"/>
-            <a:lstStyle/>
-            <a:p>
-              <a:pPr algn="ctr"/>
-              <a:endParaRPr kumimoji="1" lang="zh-CN" altLang="en-US" dirty="0"/>
-            </a:p>
-          </p:txBody>
-        </p:sp>
-        <p:sp>
-          <p:nvSpPr>
-            <p:cNvPr id="60" name="矩形 59">
-              <a:extLst>
-                <a:ext uri="{FF2B5EF4-FFF2-40B4-BE49-F238E27FC236}">
-                  <a16:creationId xmlns:a16="http://schemas.microsoft.com/office/drawing/2014/main" id="{C1BE6C86-5DA1-834D-8D94-626900936DCB}"/>
-                </a:ext>
-              </a:extLst>
-            </p:cNvPr>
-            <p:cNvSpPr/>
-            <p:nvPr/>
-          </p:nvSpPr>
-          <p:spPr>
-            <a:xfrm>
-              <a:off x="3626354" y="2868201"/>
-              <a:ext cx="4860000" cy="1577145"/>
-            </a:xfrm>
-            <a:prstGeom prst="rect">
-              <a:avLst/>
-            </a:prstGeom>
-            <a:noFill/>
-            <a:ln w="19050">
-              <a:solidFill>
-                <a:srgbClr val="D8D9E6"/>
-              </a:solidFill>
-            </a:ln>
-          </p:spPr>
-          <p:style>
-            <a:lnRef idx="2">
-              <a:schemeClr val="accent1">
-                <a:shade val="50000"/>
-              </a:schemeClr>
-            </a:lnRef>
-            <a:fillRef idx="1">
-              <a:schemeClr val="accent1"/>
-            </a:fillRef>
-            <a:effectRef idx="0">
-              <a:schemeClr val="accent1"/>
-            </a:effectRef>
-            <a:fontRef idx="minor">
-              <a:schemeClr val="lt1"/>
-            </a:fontRef>
-          </p:style>
-          <p:txBody>
-            <a:bodyPr rtlCol="0" anchor="ctr"/>
-            <a:lstStyle/>
-            <a:p>
-              <a:pPr algn="ctr"/>
-              <a:endParaRPr kumimoji="1" lang="zh-CN" altLang="en-US"/>
-            </a:p>
-          </p:txBody>
-        </p:sp>
-        <p:sp>
-          <p:nvSpPr>
-            <p:cNvPr id="61" name="矩形 60">
-              <a:extLst>
-                <a:ext uri="{FF2B5EF4-FFF2-40B4-BE49-F238E27FC236}">
-                  <a16:creationId xmlns:a16="http://schemas.microsoft.com/office/drawing/2014/main" id="{4A9C5AE5-EC21-C34E-8325-95D774A318A4}"/>
-                </a:ext>
-              </a:extLst>
-            </p:cNvPr>
-            <p:cNvSpPr/>
-            <p:nvPr/>
-          </p:nvSpPr>
-          <p:spPr>
-            <a:xfrm>
-              <a:off x="3626354" y="2868200"/>
-              <a:ext cx="4860000" cy="540000"/>
-            </a:xfrm>
-            <a:prstGeom prst="rect">
-              <a:avLst/>
-            </a:prstGeom>
-            <a:solidFill>
-              <a:srgbClr val="A2A5BD"/>
-            </a:solidFill>
-            <a:ln>
-              <a:noFill/>
-            </a:ln>
-          </p:spPr>
-          <p:style>
-            <a:lnRef idx="2">
-              <a:schemeClr val="accent1">
-                <a:shade val="50000"/>
-              </a:schemeClr>
-            </a:lnRef>
-            <a:fillRef idx="1">
-              <a:schemeClr val="accent1"/>
-            </a:fillRef>
-            <a:effectRef idx="0">
-              <a:schemeClr val="accent1"/>
-            </a:effectRef>
-            <a:fontRef idx="minor">
-              <a:schemeClr val="lt1"/>
-            </a:fontRef>
-          </p:style>
-          <p:txBody>
-            <a:bodyPr rtlCol="0" anchor="ctr"/>
-            <a:lstStyle/>
-            <a:p>
-              <a:pPr algn="ctr"/>
-              <a:r>
-                <a:rPr kumimoji="1" lang="en-US" altLang="zh-CN" sz="1600" dirty="0">
-                  <a:solidFill>
-                    <a:schemeClr val="bg2"/>
-                  </a:solidFill>
-                  <a:latin typeface="Helvetica" pitchFamily="2" charset="0"/>
-                </a:rPr>
-                <a:t>Real-time</a:t>
-              </a:r>
-              <a:r>
-                <a:rPr kumimoji="1" lang="zh-CN" altLang="en-US" sz="1600" dirty="0">
-                  <a:solidFill>
-                    <a:schemeClr val="bg2"/>
-                  </a:solidFill>
-                  <a:latin typeface="Helvetica" pitchFamily="2" charset="0"/>
-                </a:rPr>
-                <a:t> </a:t>
-              </a:r>
-              <a:r>
-                <a:rPr kumimoji="1" lang="en-US" altLang="zh-CN" sz="1600" dirty="0">
-                  <a:solidFill>
-                    <a:schemeClr val="bg2"/>
-                  </a:solidFill>
-                  <a:latin typeface="Helvetica" pitchFamily="2" charset="0"/>
-                </a:rPr>
-                <a:t>computing</a:t>
-              </a:r>
-              <a:endParaRPr kumimoji="1" lang="zh-CN" altLang="en-US" sz="1600" dirty="0">
-                <a:solidFill>
-                  <a:schemeClr val="bg2"/>
-                </a:solidFill>
-                <a:latin typeface="Helvetica" pitchFamily="2" charset="0"/>
-              </a:endParaRPr>
-            </a:p>
-          </p:txBody>
-        </p:sp>
-        <p:sp>
-          <p:nvSpPr>
-            <p:cNvPr id="62" name="矩形 61">
-              <a:extLst>
-                <a:ext uri="{FF2B5EF4-FFF2-40B4-BE49-F238E27FC236}">
-                  <a16:creationId xmlns:a16="http://schemas.microsoft.com/office/drawing/2014/main" id="{FF3B042F-E28D-4142-971C-0510B63F4063}"/>
-                </a:ext>
-              </a:extLst>
-            </p:cNvPr>
-            <p:cNvSpPr/>
-            <p:nvPr/>
-          </p:nvSpPr>
-          <p:spPr>
-            <a:xfrm>
-              <a:off x="3734084" y="3560907"/>
-              <a:ext cx="1486932" cy="724959"/>
-            </a:xfrm>
-            <a:prstGeom prst="rect">
-              <a:avLst/>
-            </a:prstGeom>
-            <a:solidFill>
-              <a:srgbClr val="F5F5FA"/>
-            </a:solidFill>
-            <a:ln>
-              <a:noFill/>
-            </a:ln>
-          </p:spPr>
-          <p:style>
-            <a:lnRef idx="2">
-              <a:schemeClr val="accent1">
-                <a:shade val="50000"/>
-              </a:schemeClr>
-            </a:lnRef>
-            <a:fillRef idx="1">
-              <a:schemeClr val="accent1"/>
-            </a:fillRef>
-            <a:effectRef idx="0">
-              <a:schemeClr val="accent1"/>
-            </a:effectRef>
-            <a:fontRef idx="minor">
-              <a:schemeClr val="lt1"/>
-            </a:fontRef>
-          </p:style>
-          <p:txBody>
-            <a:bodyPr rtlCol="0" anchor="ctr"/>
-            <a:lstStyle/>
-            <a:p>
-              <a:pPr algn="ctr"/>
-              <a:endParaRPr kumimoji="1" lang="zh-CN" altLang="en-US" dirty="0"/>
-            </a:p>
-          </p:txBody>
-        </p:sp>
-        <p:sp>
-          <p:nvSpPr>
-            <p:cNvPr id="64" name="矩形 63">
-              <a:extLst>
-                <a:ext uri="{FF2B5EF4-FFF2-40B4-BE49-F238E27FC236}">
-                  <a16:creationId xmlns:a16="http://schemas.microsoft.com/office/drawing/2014/main" id="{08F7CF86-4D80-8341-879B-591C39089F7C}"/>
-                </a:ext>
-              </a:extLst>
-            </p:cNvPr>
-            <p:cNvSpPr/>
-            <p:nvPr/>
-          </p:nvSpPr>
-          <p:spPr>
-            <a:xfrm>
-              <a:off x="6923263" y="3573337"/>
-              <a:ext cx="1486932" cy="724959"/>
-            </a:xfrm>
-            <a:prstGeom prst="rect">
-              <a:avLst/>
-            </a:prstGeom>
-            <a:solidFill>
-              <a:srgbClr val="F5F5FA"/>
-            </a:solidFill>
-            <a:ln>
-              <a:noFill/>
-            </a:ln>
-          </p:spPr>
-          <p:style>
-            <a:lnRef idx="2">
-              <a:schemeClr val="accent1">
-                <a:shade val="50000"/>
-              </a:schemeClr>
-            </a:lnRef>
-            <a:fillRef idx="1">
-              <a:schemeClr val="accent1"/>
-            </a:fillRef>
-            <a:effectRef idx="0">
-              <a:schemeClr val="accent1"/>
-            </a:effectRef>
-            <a:fontRef idx="minor">
-              <a:schemeClr val="lt1"/>
-            </a:fontRef>
-          </p:style>
-          <p:txBody>
-            <a:bodyPr rtlCol="0" anchor="ctr"/>
-            <a:lstStyle/>
-            <a:p>
-              <a:pPr algn="ctr"/>
-              <a:endParaRPr kumimoji="1" lang="zh-CN" altLang="en-US" dirty="0"/>
-            </a:p>
-          </p:txBody>
-        </p:sp>
-        <p:sp>
-          <p:nvSpPr>
-            <p:cNvPr id="65" name="矩形 64">
-              <a:extLst>
-                <a:ext uri="{FF2B5EF4-FFF2-40B4-BE49-F238E27FC236}">
-                  <a16:creationId xmlns:a16="http://schemas.microsoft.com/office/drawing/2014/main" id="{13A416C9-34E4-D94A-8B69-4B09BB1F884A}"/>
-                </a:ext>
-              </a:extLst>
-            </p:cNvPr>
-            <p:cNvSpPr/>
-            <p:nvPr/>
-          </p:nvSpPr>
-          <p:spPr>
-            <a:xfrm>
-              <a:off x="5326918" y="3559917"/>
-              <a:ext cx="1486932" cy="724959"/>
-            </a:xfrm>
-            <a:prstGeom prst="rect">
-              <a:avLst/>
-            </a:prstGeom>
-            <a:solidFill>
-              <a:srgbClr val="F5F5FA"/>
-            </a:solidFill>
-            <a:ln>
-              <a:noFill/>
-            </a:ln>
-          </p:spPr>
-          <p:style>
-            <a:lnRef idx="2">
-              <a:schemeClr val="accent1">
-                <a:shade val="50000"/>
-              </a:schemeClr>
-            </a:lnRef>
-            <a:fillRef idx="1">
-              <a:schemeClr val="accent1"/>
-            </a:fillRef>
-            <a:effectRef idx="0">
-              <a:schemeClr val="accent1"/>
-            </a:effectRef>
-            <a:fontRef idx="minor">
-              <a:schemeClr val="lt1"/>
-            </a:fontRef>
-          </p:style>
-          <p:txBody>
-            <a:bodyPr rtlCol="0" anchor="ctr"/>
-            <a:lstStyle/>
-            <a:p>
-              <a:pPr algn="ctr"/>
-              <a:endParaRPr kumimoji="1" lang="zh-CN" altLang="en-US" dirty="0"/>
-            </a:p>
-          </p:txBody>
-        </p:sp>
-        <p:sp>
-          <p:nvSpPr>
-            <p:cNvPr id="67" name="矩形 66">
-              <a:extLst>
-                <a:ext uri="{FF2B5EF4-FFF2-40B4-BE49-F238E27FC236}">
-                  <a16:creationId xmlns:a16="http://schemas.microsoft.com/office/drawing/2014/main" id="{B51A0A06-A4D7-F143-AA74-F6D3CB07B65C}"/>
-                </a:ext>
-              </a:extLst>
-            </p:cNvPr>
-            <p:cNvSpPr/>
-            <p:nvPr/>
-          </p:nvSpPr>
-          <p:spPr>
-            <a:xfrm>
-              <a:off x="3626354" y="4555875"/>
-              <a:ext cx="4860000" cy="1577145"/>
-            </a:xfrm>
-            <a:prstGeom prst="rect">
-              <a:avLst/>
-            </a:prstGeom>
-            <a:noFill/>
-            <a:ln w="19050">
-              <a:solidFill>
-                <a:srgbClr val="D8D9E6"/>
-              </a:solidFill>
-            </a:ln>
-          </p:spPr>
-          <p:style>
-            <a:lnRef idx="2">
-              <a:schemeClr val="accent1">
-                <a:shade val="50000"/>
-              </a:schemeClr>
-            </a:lnRef>
-            <a:fillRef idx="1">
-              <a:schemeClr val="accent1"/>
-            </a:fillRef>
-            <a:effectRef idx="0">
-              <a:schemeClr val="accent1"/>
-            </a:effectRef>
-            <a:fontRef idx="minor">
-              <a:schemeClr val="lt1"/>
-            </a:fontRef>
-          </p:style>
-          <p:txBody>
-            <a:bodyPr rtlCol="0" anchor="ctr"/>
-            <a:lstStyle/>
-            <a:p>
-              <a:pPr algn="ctr"/>
-              <a:endParaRPr kumimoji="1" lang="zh-CN" altLang="en-US"/>
-            </a:p>
-          </p:txBody>
-        </p:sp>
-        <p:sp>
-          <p:nvSpPr>
-            <p:cNvPr id="68" name="矩形 67">
-              <a:extLst>
-                <a:ext uri="{FF2B5EF4-FFF2-40B4-BE49-F238E27FC236}">
-                  <a16:creationId xmlns:a16="http://schemas.microsoft.com/office/drawing/2014/main" id="{D063B07C-9122-1645-930F-EEBFD22535B2}"/>
-                </a:ext>
-              </a:extLst>
-            </p:cNvPr>
-            <p:cNvSpPr/>
-            <p:nvPr/>
-          </p:nvSpPr>
-          <p:spPr>
-            <a:xfrm>
-              <a:off x="3626354" y="4555874"/>
-              <a:ext cx="4860000" cy="540000"/>
-            </a:xfrm>
-            <a:prstGeom prst="rect">
-              <a:avLst/>
-            </a:prstGeom>
-            <a:solidFill>
-              <a:srgbClr val="A2A5BD"/>
-            </a:solidFill>
-            <a:ln>
-              <a:noFill/>
-            </a:ln>
-          </p:spPr>
-          <p:style>
-            <a:lnRef idx="2">
-              <a:schemeClr val="accent1">
-                <a:shade val="50000"/>
-              </a:schemeClr>
-            </a:lnRef>
-            <a:fillRef idx="1">
-              <a:schemeClr val="accent1"/>
-            </a:fillRef>
-            <a:effectRef idx="0">
-              <a:schemeClr val="accent1"/>
-            </a:effectRef>
-            <a:fontRef idx="minor">
-              <a:schemeClr val="lt1"/>
-            </a:fontRef>
-          </p:style>
-          <p:txBody>
-            <a:bodyPr rtlCol="0" anchor="ctr"/>
-            <a:lstStyle/>
-            <a:p>
-              <a:pPr algn="ctr"/>
-              <a:r>
-                <a:rPr kumimoji="1" lang="en-US" altLang="zh-CN" sz="1600" dirty="0">
-                  <a:solidFill>
-                    <a:schemeClr val="bg2"/>
-                  </a:solidFill>
-                  <a:latin typeface="Helvetica" pitchFamily="2" charset="0"/>
-                </a:rPr>
-                <a:t>Access</a:t>
-              </a:r>
-              <a:endParaRPr kumimoji="1" lang="zh-CN" altLang="en-US" sz="1600" dirty="0">
-                <a:solidFill>
-                  <a:schemeClr val="bg2"/>
-                </a:solidFill>
-                <a:latin typeface="Helvetica" pitchFamily="2" charset="0"/>
-              </a:endParaRPr>
-            </a:p>
-          </p:txBody>
-        </p:sp>
-        <p:sp>
-          <p:nvSpPr>
-            <p:cNvPr id="69" name="矩形 68">
-              <a:extLst>
-                <a:ext uri="{FF2B5EF4-FFF2-40B4-BE49-F238E27FC236}">
-                  <a16:creationId xmlns:a16="http://schemas.microsoft.com/office/drawing/2014/main" id="{38F552DE-A8DB-3949-B270-9A80E19DCFF7}"/>
-                </a:ext>
-              </a:extLst>
-            </p:cNvPr>
-            <p:cNvSpPr/>
-            <p:nvPr/>
-          </p:nvSpPr>
-          <p:spPr>
-            <a:xfrm>
-              <a:off x="3734084" y="5246247"/>
-              <a:ext cx="1486932" cy="724959"/>
-            </a:xfrm>
-            <a:prstGeom prst="rect">
-              <a:avLst/>
-            </a:prstGeom>
-            <a:solidFill>
-              <a:srgbClr val="F5F5FA"/>
-            </a:solidFill>
-            <a:ln>
-              <a:noFill/>
-            </a:ln>
-          </p:spPr>
-          <p:style>
-            <a:lnRef idx="2">
-              <a:schemeClr val="accent1">
-                <a:shade val="50000"/>
-              </a:schemeClr>
-            </a:lnRef>
-            <a:fillRef idx="1">
-              <a:schemeClr val="accent1"/>
-            </a:fillRef>
-            <a:effectRef idx="0">
-              <a:schemeClr val="accent1"/>
-            </a:effectRef>
-            <a:fontRef idx="minor">
-              <a:schemeClr val="lt1"/>
-            </a:fontRef>
-          </p:style>
-          <p:txBody>
-            <a:bodyPr rtlCol="0" anchor="ctr"/>
-            <a:lstStyle/>
-            <a:p>
-              <a:pPr algn="ctr"/>
-              <a:endParaRPr kumimoji="1" lang="zh-CN" altLang="en-US" dirty="0"/>
-            </a:p>
-          </p:txBody>
-        </p:sp>
-        <p:sp>
-          <p:nvSpPr>
-            <p:cNvPr id="70" name="矩形 69">
-              <a:extLst>
-                <a:ext uri="{FF2B5EF4-FFF2-40B4-BE49-F238E27FC236}">
-                  <a16:creationId xmlns:a16="http://schemas.microsoft.com/office/drawing/2014/main" id="{1F21F393-8917-E649-88B5-550A3B174984}"/>
-                </a:ext>
-              </a:extLst>
-            </p:cNvPr>
-            <p:cNvSpPr/>
-            <p:nvPr/>
-          </p:nvSpPr>
-          <p:spPr>
-            <a:xfrm>
-              <a:off x="6923263" y="5258677"/>
-              <a:ext cx="1486932" cy="724959"/>
-            </a:xfrm>
-            <a:prstGeom prst="rect">
-              <a:avLst/>
-            </a:prstGeom>
-            <a:solidFill>
-              <a:srgbClr val="F5F5FA"/>
-            </a:solidFill>
-            <a:ln>
-              <a:noFill/>
-            </a:ln>
-          </p:spPr>
-          <p:style>
-            <a:lnRef idx="2">
-              <a:schemeClr val="accent1">
-                <a:shade val="50000"/>
-              </a:schemeClr>
-            </a:lnRef>
-            <a:fillRef idx="1">
-              <a:schemeClr val="accent1"/>
-            </a:fillRef>
-            <a:effectRef idx="0">
-              <a:schemeClr val="accent1"/>
-            </a:effectRef>
-            <a:fontRef idx="minor">
-              <a:schemeClr val="lt1"/>
-            </a:fontRef>
-          </p:style>
-          <p:txBody>
-            <a:bodyPr rtlCol="0" anchor="ctr"/>
-            <a:lstStyle/>
-            <a:p>
-              <a:pPr algn="ctr"/>
-              <a:endParaRPr kumimoji="1" lang="zh-CN" altLang="en-US" dirty="0"/>
-            </a:p>
-          </p:txBody>
-        </p:sp>
-        <p:sp>
-          <p:nvSpPr>
-            <p:cNvPr id="71" name="矩形 70">
-              <a:extLst>
-                <a:ext uri="{FF2B5EF4-FFF2-40B4-BE49-F238E27FC236}">
-                  <a16:creationId xmlns:a16="http://schemas.microsoft.com/office/drawing/2014/main" id="{BF51F582-0D84-F54C-9577-9F1C680A4426}"/>
-                </a:ext>
-              </a:extLst>
-            </p:cNvPr>
-            <p:cNvSpPr/>
-            <p:nvPr/>
-          </p:nvSpPr>
-          <p:spPr>
-            <a:xfrm>
-              <a:off x="5326918" y="5245257"/>
-              <a:ext cx="1486932" cy="724959"/>
-            </a:xfrm>
-            <a:prstGeom prst="rect">
-              <a:avLst/>
-            </a:prstGeom>
-            <a:solidFill>
-              <a:srgbClr val="F5F5FA"/>
-            </a:solidFill>
-            <a:ln>
-              <a:noFill/>
-            </a:ln>
-          </p:spPr>
-          <p:style>
-            <a:lnRef idx="2">
-              <a:schemeClr val="accent1">
-                <a:shade val="50000"/>
-              </a:schemeClr>
-            </a:lnRef>
-            <a:fillRef idx="1">
-              <a:schemeClr val="accent1"/>
-            </a:fillRef>
-            <a:effectRef idx="0">
-              <a:schemeClr val="accent1"/>
-            </a:effectRef>
-            <a:fontRef idx="minor">
-              <a:schemeClr val="lt1"/>
-            </a:fontRef>
-          </p:style>
-          <p:txBody>
-            <a:bodyPr rtlCol="0" anchor="ctr"/>
-            <a:lstStyle/>
-            <a:p>
-              <a:pPr algn="ctr"/>
-              <a:endParaRPr kumimoji="1" lang="zh-CN" altLang="en-US" dirty="0"/>
-            </a:p>
-          </p:txBody>
-        </p:sp>
-        <p:sp>
-          <p:nvSpPr>
-            <p:cNvPr id="72" name="文本框 71">
-              <a:extLst>
-                <a:ext uri="{FF2B5EF4-FFF2-40B4-BE49-F238E27FC236}">
-                  <a16:creationId xmlns:a16="http://schemas.microsoft.com/office/drawing/2014/main" id="{C2B30CDC-5CD4-1A4D-9463-C1AE0D531762}"/>
-                </a:ext>
-              </a:extLst>
-            </p:cNvPr>
-            <p:cNvSpPr txBox="1"/>
-            <p:nvPr/>
-          </p:nvSpPr>
-          <p:spPr>
-            <a:xfrm>
-              <a:off x="4838842" y="2131203"/>
-              <a:ext cx="1247040" cy="276999"/>
-            </a:xfrm>
-            <a:prstGeom prst="rect">
-              <a:avLst/>
-            </a:prstGeom>
-            <a:noFill/>
-          </p:spPr>
-          <p:txBody>
-            <a:bodyPr wrap="square" rtlCol="0">
-              <a:spAutoFit/>
-            </a:bodyPr>
-            <a:lstStyle/>
-            <a:p>
-              <a:pPr algn="ctr"/>
-              <a:r>
-                <a:rPr kumimoji="1" lang="en-US" altLang="zh-CN" sz="1200" dirty="0">
-                  <a:solidFill>
-                    <a:srgbClr val="737794"/>
-                  </a:solidFill>
-                  <a:latin typeface="Helvetica" pitchFamily="2" charset="0"/>
-                </a:rPr>
-                <a:t>Slicing</a:t>
-              </a:r>
-              <a:endParaRPr kumimoji="1" lang="zh-CN" altLang="en-US" sz="1200" dirty="0">
-                <a:solidFill>
-                  <a:srgbClr val="737794"/>
-                </a:solidFill>
-                <a:latin typeface="Helvetica" pitchFamily="2" charset="0"/>
-              </a:endParaRPr>
-            </a:p>
-          </p:txBody>
-        </p:sp>
-        <p:sp>
-          <p:nvSpPr>
-            <p:cNvPr id="73" name="文本框 72">
-              <a:extLst>
-                <a:ext uri="{FF2B5EF4-FFF2-40B4-BE49-F238E27FC236}">
-                  <a16:creationId xmlns:a16="http://schemas.microsoft.com/office/drawing/2014/main" id="{2C8183FF-3C7B-2148-B052-86BE05529E11}"/>
-                </a:ext>
-              </a:extLst>
-            </p:cNvPr>
-            <p:cNvSpPr txBox="1"/>
-            <p:nvPr/>
-          </p:nvSpPr>
-          <p:spPr>
-            <a:xfrm>
-              <a:off x="6075480" y="2129807"/>
-              <a:ext cx="1247040" cy="276999"/>
-            </a:xfrm>
-            <a:prstGeom prst="rect">
-              <a:avLst/>
-            </a:prstGeom>
-            <a:noFill/>
-          </p:spPr>
-          <p:txBody>
-            <a:bodyPr wrap="square" rtlCol="0">
-              <a:spAutoFit/>
-            </a:bodyPr>
-            <a:lstStyle/>
-            <a:p>
-              <a:pPr algn="ctr"/>
-              <a:r>
-                <a:rPr kumimoji="1" lang="en-US" altLang="zh-CN" sz="1200" dirty="0">
-                  <a:solidFill>
-                    <a:srgbClr val="737794"/>
-                  </a:solidFill>
-                  <a:latin typeface="Helvetica" pitchFamily="2" charset="0"/>
-                </a:rPr>
-                <a:t>Transfer</a:t>
-              </a:r>
-              <a:endParaRPr kumimoji="1" lang="zh-CN" altLang="en-US" sz="1200" dirty="0">
-                <a:solidFill>
-                  <a:srgbClr val="737794"/>
-                </a:solidFill>
-                <a:latin typeface="Helvetica" pitchFamily="2" charset="0"/>
-              </a:endParaRPr>
-            </a:p>
-          </p:txBody>
-        </p:sp>
-        <p:sp>
-          <p:nvSpPr>
-            <p:cNvPr id="74" name="文本框 73">
-              <a:extLst>
-                <a:ext uri="{FF2B5EF4-FFF2-40B4-BE49-F238E27FC236}">
-                  <a16:creationId xmlns:a16="http://schemas.microsoft.com/office/drawing/2014/main" id="{E64ACD20-E727-E74F-AB6B-DA910D4EAF79}"/>
-                </a:ext>
-              </a:extLst>
-            </p:cNvPr>
-            <p:cNvSpPr txBox="1"/>
-            <p:nvPr/>
-          </p:nvSpPr>
-          <p:spPr>
-            <a:xfrm>
-              <a:off x="7285803" y="2135098"/>
-              <a:ext cx="1247040" cy="276999"/>
-            </a:xfrm>
-            <a:prstGeom prst="rect">
-              <a:avLst/>
-            </a:prstGeom>
-            <a:noFill/>
-          </p:spPr>
-          <p:txBody>
-            <a:bodyPr wrap="square" rtlCol="0">
-              <a:spAutoFit/>
-            </a:bodyPr>
-            <a:lstStyle/>
-            <a:p>
-              <a:pPr algn="ctr"/>
-              <a:r>
-                <a:rPr kumimoji="1" lang="en-US" altLang="zh-CN" sz="1200" dirty="0">
-                  <a:solidFill>
-                    <a:srgbClr val="737794"/>
-                  </a:solidFill>
-                  <a:latin typeface="Helvetica" pitchFamily="2" charset="0"/>
-                </a:rPr>
-                <a:t>SDK</a:t>
-              </a:r>
-              <a:endParaRPr kumimoji="1" lang="zh-CN" altLang="en-US" sz="1200" dirty="0">
-                <a:solidFill>
-                  <a:srgbClr val="737794"/>
-                </a:solidFill>
-                <a:latin typeface="Helvetica" pitchFamily="2" charset="0"/>
-              </a:endParaRPr>
-            </a:p>
-          </p:txBody>
-        </p:sp>
-        <p:sp>
-          <p:nvSpPr>
-            <p:cNvPr id="75" name="文本框 74">
-              <a:extLst>
-                <a:ext uri="{FF2B5EF4-FFF2-40B4-BE49-F238E27FC236}">
-                  <a16:creationId xmlns:a16="http://schemas.microsoft.com/office/drawing/2014/main" id="{E00752FB-7F03-9444-AA63-2EEB0917D649}"/>
-                </a:ext>
-              </a:extLst>
-            </p:cNvPr>
-            <p:cNvSpPr txBox="1"/>
-            <p:nvPr/>
-          </p:nvSpPr>
-          <p:spPr>
-            <a:xfrm>
-              <a:off x="3852275" y="3813310"/>
-              <a:ext cx="1247040" cy="276999"/>
-            </a:xfrm>
-            <a:prstGeom prst="rect">
-              <a:avLst/>
-            </a:prstGeom>
-            <a:noFill/>
-          </p:spPr>
-          <p:txBody>
-            <a:bodyPr wrap="square" rtlCol="0">
-              <a:spAutoFit/>
-            </a:bodyPr>
-            <a:lstStyle/>
-            <a:p>
-              <a:pPr algn="ctr"/>
-              <a:r>
-                <a:rPr kumimoji="1" lang="en-US" altLang="zh-CN" sz="1200" dirty="0">
-                  <a:solidFill>
-                    <a:srgbClr val="737794"/>
-                  </a:solidFill>
-                  <a:latin typeface="Helvetica" pitchFamily="2" charset="0"/>
-                </a:rPr>
-                <a:t>Job</a:t>
-              </a:r>
-              <a:r>
-                <a:rPr kumimoji="1" lang="zh-CN" altLang="en-US" sz="1200" dirty="0">
-                  <a:solidFill>
-                    <a:srgbClr val="737794"/>
-                  </a:solidFill>
-                  <a:latin typeface="Helvetica" pitchFamily="2" charset="0"/>
-                </a:rPr>
-                <a:t> </a:t>
-              </a:r>
-              <a:r>
-                <a:rPr kumimoji="1" lang="en-US" altLang="zh-CN" sz="1200" dirty="0">
-                  <a:solidFill>
-                    <a:srgbClr val="737794"/>
-                  </a:solidFill>
-                  <a:latin typeface="Helvetica" pitchFamily="2" charset="0"/>
-                </a:rPr>
-                <a:t>scheduler</a:t>
-              </a:r>
-              <a:endParaRPr kumimoji="1" lang="zh-CN" altLang="en-US" sz="1200" dirty="0">
-                <a:solidFill>
-                  <a:srgbClr val="737794"/>
-                </a:solidFill>
-                <a:latin typeface="Helvetica" pitchFamily="2" charset="0"/>
-              </a:endParaRPr>
-            </a:p>
-          </p:txBody>
-        </p:sp>
-        <p:sp>
-          <p:nvSpPr>
-            <p:cNvPr id="76" name="文本框 75">
-              <a:extLst>
-                <a:ext uri="{FF2B5EF4-FFF2-40B4-BE49-F238E27FC236}">
-                  <a16:creationId xmlns:a16="http://schemas.microsoft.com/office/drawing/2014/main" id="{C9D4DE85-92B9-AF47-8C00-D718F69B81EB}"/>
-                </a:ext>
-              </a:extLst>
-            </p:cNvPr>
-            <p:cNvSpPr txBox="1"/>
-            <p:nvPr/>
-          </p:nvSpPr>
-          <p:spPr>
-            <a:xfrm>
-              <a:off x="5461346" y="3813310"/>
-              <a:ext cx="1247040" cy="276999"/>
-            </a:xfrm>
-            <a:prstGeom prst="rect">
-              <a:avLst/>
-            </a:prstGeom>
-            <a:noFill/>
-          </p:spPr>
-          <p:txBody>
-            <a:bodyPr wrap="square" rtlCol="0">
-              <a:spAutoFit/>
-            </a:bodyPr>
-            <a:lstStyle/>
-            <a:p>
-              <a:pPr algn="ctr"/>
-              <a:r>
-                <a:rPr kumimoji="1" lang="en-US" altLang="zh-CN" sz="1200" dirty="0">
-                  <a:solidFill>
-                    <a:srgbClr val="737794"/>
-                  </a:solidFill>
-                  <a:latin typeface="Helvetica" pitchFamily="2" charset="0"/>
-                </a:rPr>
-                <a:t>DAG</a:t>
-              </a:r>
-              <a:r>
-                <a:rPr kumimoji="1" lang="zh-CN" altLang="en-US" sz="1200" dirty="0">
-                  <a:solidFill>
-                    <a:srgbClr val="737794"/>
-                  </a:solidFill>
-                  <a:latin typeface="Helvetica" pitchFamily="2" charset="0"/>
-                </a:rPr>
-                <a:t> </a:t>
-              </a:r>
-              <a:r>
-                <a:rPr kumimoji="1" lang="en-US" altLang="zh-CN" sz="1200" dirty="0">
-                  <a:solidFill>
-                    <a:srgbClr val="737794"/>
-                  </a:solidFill>
-                  <a:latin typeface="Helvetica" pitchFamily="2" charset="0"/>
-                </a:rPr>
-                <a:t>parser</a:t>
-              </a:r>
-              <a:endParaRPr kumimoji="1" lang="zh-CN" altLang="en-US" sz="1200" dirty="0">
-                <a:solidFill>
-                  <a:srgbClr val="737794"/>
-                </a:solidFill>
-                <a:latin typeface="Helvetica" pitchFamily="2" charset="0"/>
-              </a:endParaRPr>
-            </a:p>
-          </p:txBody>
-        </p:sp>
-        <p:sp>
-          <p:nvSpPr>
-            <p:cNvPr id="77" name="文本框 76">
-              <a:extLst>
-                <a:ext uri="{FF2B5EF4-FFF2-40B4-BE49-F238E27FC236}">
-                  <a16:creationId xmlns:a16="http://schemas.microsoft.com/office/drawing/2014/main" id="{38014FA7-7827-F54B-9993-F34B11049465}"/>
-                </a:ext>
-              </a:extLst>
-            </p:cNvPr>
-            <p:cNvSpPr txBox="1"/>
-            <p:nvPr/>
-          </p:nvSpPr>
-          <p:spPr>
-            <a:xfrm>
-              <a:off x="7039609" y="3813310"/>
-              <a:ext cx="1247040" cy="276999"/>
-            </a:xfrm>
-            <a:prstGeom prst="rect">
-              <a:avLst/>
-            </a:prstGeom>
-            <a:noFill/>
-          </p:spPr>
-          <p:txBody>
-            <a:bodyPr wrap="square" rtlCol="0">
-              <a:spAutoFit/>
-            </a:bodyPr>
-            <a:lstStyle/>
-            <a:p>
-              <a:pPr algn="ctr"/>
-              <a:r>
-                <a:rPr kumimoji="1" lang="en-US" altLang="zh-CN" sz="1200" dirty="0">
-                  <a:solidFill>
-                    <a:srgbClr val="737794"/>
-                  </a:solidFill>
-                  <a:latin typeface="Helvetica" pitchFamily="2" charset="0"/>
-                </a:rPr>
-                <a:t>Script</a:t>
-              </a:r>
-              <a:r>
-                <a:rPr kumimoji="1" lang="zh-CN" altLang="en-US" sz="1200" dirty="0">
-                  <a:solidFill>
-                    <a:srgbClr val="737794"/>
-                  </a:solidFill>
-                  <a:latin typeface="Helvetica" pitchFamily="2" charset="0"/>
-                </a:rPr>
-                <a:t> </a:t>
-              </a:r>
-              <a:r>
-                <a:rPr kumimoji="1" lang="en-US" altLang="zh-CN" sz="1200" dirty="0">
-                  <a:solidFill>
-                    <a:srgbClr val="737794"/>
-                  </a:solidFill>
-                  <a:latin typeface="Helvetica" pitchFamily="2" charset="0"/>
-                </a:rPr>
-                <a:t>engine</a:t>
-              </a:r>
-              <a:endParaRPr kumimoji="1" lang="zh-CN" altLang="en-US" sz="1200" dirty="0">
-                <a:solidFill>
-                  <a:srgbClr val="737794"/>
-                </a:solidFill>
-                <a:latin typeface="Helvetica" pitchFamily="2" charset="0"/>
-              </a:endParaRPr>
-            </a:p>
-          </p:txBody>
-        </p:sp>
-        <p:sp>
-          <p:nvSpPr>
-            <p:cNvPr id="78" name="文本框 77">
-              <a:extLst>
-                <a:ext uri="{FF2B5EF4-FFF2-40B4-BE49-F238E27FC236}">
-                  <a16:creationId xmlns:a16="http://schemas.microsoft.com/office/drawing/2014/main" id="{26AD6445-300E-5747-A510-4C9217DCA85D}"/>
-                </a:ext>
-              </a:extLst>
-            </p:cNvPr>
-            <p:cNvSpPr txBox="1"/>
-            <p:nvPr/>
-          </p:nvSpPr>
-          <p:spPr>
-            <a:xfrm>
-              <a:off x="3817406" y="5398640"/>
-              <a:ext cx="1247040" cy="461665"/>
-            </a:xfrm>
-            <a:prstGeom prst="rect">
-              <a:avLst/>
-            </a:prstGeom>
-            <a:noFill/>
-          </p:spPr>
-          <p:txBody>
-            <a:bodyPr wrap="square" rtlCol="0">
-              <a:spAutoFit/>
-            </a:bodyPr>
-            <a:lstStyle/>
-            <a:p>
-              <a:pPr algn="ctr"/>
-              <a:r>
-                <a:rPr kumimoji="1" lang="en-US" altLang="zh-CN" sz="1200" dirty="0">
-                  <a:solidFill>
-                    <a:srgbClr val="737794"/>
-                  </a:solidFill>
-                  <a:latin typeface="Helvetica" pitchFamily="2" charset="0"/>
-                </a:rPr>
-                <a:t>Protocol</a:t>
-              </a:r>
-              <a:r>
-                <a:rPr kumimoji="1" lang="zh-CN" altLang="en-US" sz="1200" dirty="0">
-                  <a:solidFill>
-                    <a:srgbClr val="737794"/>
-                  </a:solidFill>
-                  <a:latin typeface="Helvetica" pitchFamily="2" charset="0"/>
-                </a:rPr>
-                <a:t> </a:t>
-              </a:r>
-              <a:r>
-                <a:rPr kumimoji="1" lang="en-US" altLang="zh-CN" sz="1200" dirty="0">
-                  <a:solidFill>
-                    <a:srgbClr val="737794"/>
-                  </a:solidFill>
-                  <a:latin typeface="Helvetica" pitchFamily="2" charset="0"/>
-                </a:rPr>
-                <a:t>management</a:t>
-              </a:r>
-              <a:endParaRPr kumimoji="1" lang="zh-CN" altLang="en-US" sz="1200" dirty="0">
-                <a:solidFill>
-                  <a:srgbClr val="737794"/>
-                </a:solidFill>
-                <a:latin typeface="Helvetica" pitchFamily="2" charset="0"/>
-              </a:endParaRPr>
-            </a:p>
-          </p:txBody>
-        </p:sp>
-        <p:sp>
-          <p:nvSpPr>
-            <p:cNvPr id="79" name="文本框 78">
-              <a:extLst>
-                <a:ext uri="{FF2B5EF4-FFF2-40B4-BE49-F238E27FC236}">
-                  <a16:creationId xmlns:a16="http://schemas.microsoft.com/office/drawing/2014/main" id="{38BFC3B2-5758-6C46-AA0A-7F8F62333B2E}"/>
-                </a:ext>
-              </a:extLst>
-            </p:cNvPr>
-            <p:cNvSpPr txBox="1"/>
-            <p:nvPr/>
-          </p:nvSpPr>
-          <p:spPr>
-            <a:xfrm>
-              <a:off x="5432834" y="5398641"/>
-              <a:ext cx="1247040" cy="461665"/>
-            </a:xfrm>
-            <a:prstGeom prst="rect">
-              <a:avLst/>
-            </a:prstGeom>
-            <a:noFill/>
-          </p:spPr>
-          <p:txBody>
-            <a:bodyPr wrap="square" rtlCol="0">
-              <a:spAutoFit/>
-            </a:bodyPr>
-            <a:lstStyle/>
-            <a:p>
-              <a:pPr algn="ctr"/>
-              <a:r>
-                <a:rPr kumimoji="1" lang="en-US" altLang="zh-CN" sz="1200" dirty="0">
-                  <a:solidFill>
-                    <a:srgbClr val="737794"/>
-                  </a:solidFill>
-                  <a:latin typeface="Helvetica" pitchFamily="2" charset="0"/>
-                </a:rPr>
-                <a:t>Protocol</a:t>
-              </a:r>
-              <a:r>
-                <a:rPr kumimoji="1" lang="zh-CN" altLang="en-US" sz="1200" dirty="0">
-                  <a:solidFill>
-                    <a:srgbClr val="737794"/>
-                  </a:solidFill>
-                  <a:latin typeface="Helvetica" pitchFamily="2" charset="0"/>
-                </a:rPr>
-                <a:t> </a:t>
-              </a:r>
-              <a:r>
-                <a:rPr kumimoji="1" lang="en-US" altLang="zh-CN" sz="1200" dirty="0">
-                  <a:solidFill>
-                    <a:srgbClr val="737794"/>
-                  </a:solidFill>
-                  <a:latin typeface="Helvetica" pitchFamily="2" charset="0"/>
-                </a:rPr>
-                <a:t>adapter</a:t>
-              </a:r>
-              <a:endParaRPr kumimoji="1" lang="zh-CN" altLang="en-US" sz="1200" dirty="0">
-                <a:solidFill>
-                  <a:srgbClr val="737794"/>
-                </a:solidFill>
-                <a:latin typeface="Helvetica" pitchFamily="2" charset="0"/>
-              </a:endParaRPr>
-            </a:p>
-          </p:txBody>
-        </p:sp>
-        <p:sp>
-          <p:nvSpPr>
-            <p:cNvPr id="80" name="文本框 79">
-              <a:extLst>
-                <a:ext uri="{FF2B5EF4-FFF2-40B4-BE49-F238E27FC236}">
-                  <a16:creationId xmlns:a16="http://schemas.microsoft.com/office/drawing/2014/main" id="{0D34D3E6-BB78-4D46-ADBE-38FA47152CF8}"/>
-                </a:ext>
-              </a:extLst>
-            </p:cNvPr>
-            <p:cNvSpPr txBox="1"/>
-            <p:nvPr/>
-          </p:nvSpPr>
-          <p:spPr>
-            <a:xfrm>
-              <a:off x="6986575" y="5475947"/>
-              <a:ext cx="1247040" cy="276999"/>
-            </a:xfrm>
-            <a:prstGeom prst="rect">
-              <a:avLst/>
-            </a:prstGeom>
-            <a:noFill/>
-          </p:spPr>
-          <p:txBody>
-            <a:bodyPr wrap="square" rtlCol="0">
-              <a:spAutoFit/>
-            </a:bodyPr>
-            <a:lstStyle/>
-            <a:p>
-              <a:pPr algn="ctr"/>
-              <a:r>
-                <a:rPr kumimoji="1" lang="en-US" altLang="zh-CN" sz="1200" dirty="0">
-                  <a:solidFill>
-                    <a:srgbClr val="737794"/>
-                  </a:solidFill>
-                  <a:latin typeface="Helvetica" pitchFamily="2" charset="0"/>
-                </a:rPr>
-                <a:t>SDK</a:t>
-              </a:r>
-              <a:endParaRPr kumimoji="1" lang="zh-CN" altLang="en-US" sz="1200" dirty="0">
-                <a:solidFill>
-                  <a:srgbClr val="737794"/>
-                </a:solidFill>
-                <a:latin typeface="Helvetica" pitchFamily="2" charset="0"/>
-              </a:endParaRPr>
-            </a:p>
-          </p:txBody>
-        </p:sp>
-      </p:grpSp>
-    </p:spTree>
-    <p:extLst>
-      <p:ext uri="{BB962C8B-B14F-4D97-AF65-F5344CB8AC3E}">
-        <p14:creationId xmlns:p14="http://schemas.microsoft.com/office/powerpoint/2010/main" val="574568366"/>
-      </p:ext>
-    </p:extLst>
-  </p:cSld>
-  <p:clrMapOvr>
-    <a:masterClrMapping/>
-  </p:clrMapOvr>
-</p:sld>
-</file>
-
-<file path=ppt/slides/slide4.xml><?xml version="1.0" encoding="utf-8"?>
+<file path=ppt/slides/slide2.xml><?xml version="1.0" encoding="utf-8"?>
 <p:sld xmlns:a="http://schemas.openxmlformats.org/drawingml/2006/main" xmlns:r="http://schemas.openxmlformats.org/officeDocument/2006/relationships" xmlns:p="http://schemas.openxmlformats.org/presentationml/2006/main">
   <p:cSld>
     <p:spTree>
@@ -9758,1677 +6540,7 @@
 </p:sld>
 </file>
 
-<file path=ppt/slides/slide5.xml><?xml version="1.0" encoding="utf-8"?>
-<p:sld xmlns:a="http://schemas.openxmlformats.org/drawingml/2006/main" xmlns:r="http://schemas.openxmlformats.org/officeDocument/2006/relationships" xmlns:p="http://schemas.openxmlformats.org/presentationml/2006/main">
-  <p:cSld>
-    <p:spTree>
-      <p:nvGrpSpPr>
-        <p:cNvPr id="1" name=""/>
-        <p:cNvGrpSpPr/>
-        <p:nvPr/>
-      </p:nvGrpSpPr>
-      <p:grpSpPr>
-        <a:xfrm>
-          <a:off x="0" y="0"/>
-          <a:ext cx="0" cy="0"/>
-          <a:chOff x="0" y="0"/>
-          <a:chExt cx="0" cy="0"/>
-        </a:xfrm>
-      </p:grpSpPr>
-      <p:grpSp>
-        <p:nvGrpSpPr>
-          <p:cNvPr id="147" name="组合 146">
-            <a:extLst>
-              <a:ext uri="{FF2B5EF4-FFF2-40B4-BE49-F238E27FC236}">
-                <a16:creationId xmlns:a16="http://schemas.microsoft.com/office/drawing/2014/main" id="{199D0C69-888D-2543-A105-55AB687B4DBD}"/>
-              </a:ext>
-            </a:extLst>
-          </p:cNvPr>
-          <p:cNvGrpSpPr/>
-          <p:nvPr/>
-        </p:nvGrpSpPr>
-        <p:grpSpPr>
-          <a:xfrm>
-            <a:off x="2359152" y="958495"/>
-            <a:ext cx="9549701" cy="4148273"/>
-            <a:chOff x="2359152" y="958495"/>
-            <a:chExt cx="9549701" cy="4148273"/>
-          </a:xfrm>
-        </p:grpSpPr>
-        <p:sp>
-          <p:nvSpPr>
-            <p:cNvPr id="7" name="矩形 6">
-              <a:extLst>
-                <a:ext uri="{FF2B5EF4-FFF2-40B4-BE49-F238E27FC236}">
-                  <a16:creationId xmlns:a16="http://schemas.microsoft.com/office/drawing/2014/main" id="{CA94171F-F58C-824D-B2D5-CE4B00532668}"/>
-                </a:ext>
-              </a:extLst>
-            </p:cNvPr>
-            <p:cNvSpPr>
-              <a:spLocks/>
-            </p:cNvSpPr>
-            <p:nvPr/>
-          </p:nvSpPr>
-          <p:spPr>
-            <a:xfrm>
-              <a:off x="3391021" y="1348062"/>
-              <a:ext cx="2268683" cy="724959"/>
-            </a:xfrm>
-            <a:prstGeom prst="rect">
-              <a:avLst/>
-            </a:prstGeom>
-            <a:solidFill>
-              <a:srgbClr val="F5F5FA"/>
-            </a:solidFill>
-            <a:ln>
-              <a:noFill/>
-            </a:ln>
-          </p:spPr>
-          <p:style>
-            <a:lnRef idx="2">
-              <a:schemeClr val="accent1">
-                <a:shade val="50000"/>
-              </a:schemeClr>
-            </a:lnRef>
-            <a:fillRef idx="1">
-              <a:schemeClr val="accent1"/>
-            </a:fillRef>
-            <a:effectRef idx="0">
-              <a:schemeClr val="accent1"/>
-            </a:effectRef>
-            <a:fontRef idx="minor">
-              <a:schemeClr val="lt1"/>
-            </a:fontRef>
-          </p:style>
-          <p:txBody>
-            <a:bodyPr rtlCol="0" anchor="ctr"/>
-            <a:lstStyle/>
-            <a:p>
-              <a:pPr algn="ctr"/>
-              <a:endParaRPr kumimoji="1" lang="zh-CN" altLang="en-US" dirty="0"/>
-            </a:p>
-          </p:txBody>
-        </p:sp>
-        <p:sp>
-          <p:nvSpPr>
-            <p:cNvPr id="14" name="文本框 13">
-              <a:extLst>
-                <a:ext uri="{FF2B5EF4-FFF2-40B4-BE49-F238E27FC236}">
-                  <a16:creationId xmlns:a16="http://schemas.microsoft.com/office/drawing/2014/main" id="{6127CE17-4D06-B649-895A-349A81294E59}"/>
-                </a:ext>
-              </a:extLst>
-            </p:cNvPr>
-            <p:cNvSpPr txBox="1"/>
-            <p:nvPr/>
-          </p:nvSpPr>
-          <p:spPr>
-            <a:xfrm>
-              <a:off x="3901842" y="1572041"/>
-              <a:ext cx="1247040" cy="276999"/>
-            </a:xfrm>
-            <a:prstGeom prst="rect">
-              <a:avLst/>
-            </a:prstGeom>
-            <a:noFill/>
-          </p:spPr>
-          <p:txBody>
-            <a:bodyPr wrap="square" rtlCol="0">
-              <a:spAutoFit/>
-            </a:bodyPr>
-            <a:lstStyle/>
-            <a:p>
-              <a:pPr algn="ctr"/>
-              <a:r>
-                <a:rPr kumimoji="1" lang="en-US" altLang="zh-CN" sz="1200" dirty="0">
-                  <a:solidFill>
-                    <a:srgbClr val="737794"/>
-                  </a:solidFill>
-                  <a:latin typeface="Helvetica" pitchFamily="2" charset="0"/>
-                </a:rPr>
-                <a:t>Connect</a:t>
-              </a:r>
-              <a:r>
-                <a:rPr kumimoji="1" lang="zh-CN" altLang="en-US" sz="1200" dirty="0">
-                  <a:solidFill>
-                    <a:srgbClr val="737794"/>
-                  </a:solidFill>
-                  <a:latin typeface="Helvetica" pitchFamily="2" charset="0"/>
-                </a:rPr>
-                <a:t> </a:t>
-              </a:r>
-              <a:r>
-                <a:rPr kumimoji="1" lang="en-US" altLang="zh-CN" sz="1200" dirty="0">
-                  <a:solidFill>
-                    <a:srgbClr val="737794"/>
-                  </a:solidFill>
-                  <a:latin typeface="Helvetica" pitchFamily="2" charset="0"/>
-                </a:rPr>
-                <a:t>server</a:t>
-              </a:r>
-              <a:endParaRPr kumimoji="1" lang="zh-CN" altLang="en-US" sz="1200" dirty="0">
-                <a:solidFill>
-                  <a:srgbClr val="737794"/>
-                </a:solidFill>
-                <a:latin typeface="Helvetica" pitchFamily="2" charset="0"/>
-              </a:endParaRPr>
-            </a:p>
-          </p:txBody>
-        </p:sp>
-        <p:sp>
-          <p:nvSpPr>
-            <p:cNvPr id="16" name="矩形 15">
-              <a:extLst>
-                <a:ext uri="{FF2B5EF4-FFF2-40B4-BE49-F238E27FC236}">
-                  <a16:creationId xmlns:a16="http://schemas.microsoft.com/office/drawing/2014/main" id="{E92FA1E2-3A23-6E41-92DD-40B88B2FBE30}"/>
-                </a:ext>
-              </a:extLst>
-            </p:cNvPr>
-            <p:cNvSpPr/>
-            <p:nvPr/>
-          </p:nvSpPr>
-          <p:spPr>
-            <a:xfrm>
-              <a:off x="2359152" y="958497"/>
-              <a:ext cx="6127202" cy="1486992"/>
-            </a:xfrm>
-            <a:prstGeom prst="rect">
-              <a:avLst/>
-            </a:prstGeom>
-            <a:noFill/>
-            <a:ln w="19050">
-              <a:solidFill>
-                <a:srgbClr val="D8D9E6"/>
-              </a:solidFill>
-            </a:ln>
-          </p:spPr>
-          <p:style>
-            <a:lnRef idx="2">
-              <a:schemeClr val="accent1">
-                <a:shade val="50000"/>
-              </a:schemeClr>
-            </a:lnRef>
-            <a:fillRef idx="1">
-              <a:schemeClr val="accent1"/>
-            </a:fillRef>
-            <a:effectRef idx="0">
-              <a:schemeClr val="accent1"/>
-            </a:effectRef>
-            <a:fontRef idx="minor">
-              <a:schemeClr val="lt1"/>
-            </a:fontRef>
-          </p:style>
-          <p:txBody>
-            <a:bodyPr rtlCol="0" anchor="ctr"/>
-            <a:lstStyle/>
-            <a:p>
-              <a:pPr algn="ctr"/>
-              <a:endParaRPr kumimoji="1" lang="zh-CN" altLang="en-US"/>
-            </a:p>
-          </p:txBody>
-        </p:sp>
-        <p:sp>
-          <p:nvSpPr>
-            <p:cNvPr id="19" name="矩形 18">
-              <a:extLst>
-                <a:ext uri="{FF2B5EF4-FFF2-40B4-BE49-F238E27FC236}">
-                  <a16:creationId xmlns:a16="http://schemas.microsoft.com/office/drawing/2014/main" id="{EA374D37-AB7F-DF48-A70C-1EDE2C66E070}"/>
-                </a:ext>
-              </a:extLst>
-            </p:cNvPr>
-            <p:cNvSpPr/>
-            <p:nvPr/>
-          </p:nvSpPr>
-          <p:spPr>
-            <a:xfrm>
-              <a:off x="2359152" y="958495"/>
-              <a:ext cx="945142" cy="1486993"/>
-            </a:xfrm>
-            <a:prstGeom prst="rect">
-              <a:avLst/>
-            </a:prstGeom>
-            <a:solidFill>
-              <a:srgbClr val="A2A5BD"/>
-            </a:solidFill>
-            <a:ln>
-              <a:noFill/>
-            </a:ln>
-          </p:spPr>
-          <p:style>
-            <a:lnRef idx="2">
-              <a:schemeClr val="accent1">
-                <a:shade val="50000"/>
-              </a:schemeClr>
-            </a:lnRef>
-            <a:fillRef idx="1">
-              <a:schemeClr val="accent1"/>
-            </a:fillRef>
-            <a:effectRef idx="0">
-              <a:schemeClr val="accent1"/>
-            </a:effectRef>
-            <a:fontRef idx="minor">
-              <a:schemeClr val="lt1"/>
-            </a:fontRef>
-          </p:style>
-          <p:txBody>
-            <a:bodyPr rtlCol="0" anchor="ctr"/>
-            <a:lstStyle/>
-            <a:p>
-              <a:pPr algn="ctr"/>
-              <a:r>
-                <a:rPr kumimoji="1" lang="en-US" altLang="zh-CN" sz="1600" dirty="0">
-                  <a:solidFill>
-                    <a:schemeClr val="bg2"/>
-                  </a:solidFill>
-                  <a:latin typeface="Helvetica" pitchFamily="2" charset="0"/>
-                </a:rPr>
-                <a:t>Cloud</a:t>
-              </a:r>
-              <a:endParaRPr kumimoji="1" lang="zh-CN" altLang="en-US" sz="1600" dirty="0">
-                <a:solidFill>
-                  <a:schemeClr val="bg2"/>
-                </a:solidFill>
-                <a:latin typeface="Helvetica" pitchFamily="2" charset="0"/>
-              </a:endParaRPr>
-            </a:p>
-          </p:txBody>
-        </p:sp>
-        <p:sp>
-          <p:nvSpPr>
-            <p:cNvPr id="21" name="矩形 20">
-              <a:extLst>
-                <a:ext uri="{FF2B5EF4-FFF2-40B4-BE49-F238E27FC236}">
-                  <a16:creationId xmlns:a16="http://schemas.microsoft.com/office/drawing/2014/main" id="{454AC93F-5CBA-0143-B02A-A691CD0B1DF7}"/>
-                </a:ext>
-              </a:extLst>
-            </p:cNvPr>
-            <p:cNvSpPr>
-              <a:spLocks/>
-            </p:cNvSpPr>
-            <p:nvPr/>
-          </p:nvSpPr>
-          <p:spPr>
-            <a:xfrm>
-              <a:off x="6072530" y="1353590"/>
-              <a:ext cx="2246062" cy="724959"/>
-            </a:xfrm>
-            <a:prstGeom prst="rect">
-              <a:avLst/>
-            </a:prstGeom>
-            <a:solidFill>
-              <a:srgbClr val="F5F5FA"/>
-            </a:solidFill>
-            <a:ln>
-              <a:noFill/>
-            </a:ln>
-          </p:spPr>
-          <p:style>
-            <a:lnRef idx="2">
-              <a:schemeClr val="accent1">
-                <a:shade val="50000"/>
-              </a:schemeClr>
-            </a:lnRef>
-            <a:fillRef idx="1">
-              <a:schemeClr val="accent1"/>
-            </a:fillRef>
-            <a:effectRef idx="0">
-              <a:schemeClr val="accent1"/>
-            </a:effectRef>
-            <a:fontRef idx="minor">
-              <a:schemeClr val="lt1"/>
-            </a:fontRef>
-          </p:style>
-          <p:txBody>
-            <a:bodyPr rtlCol="0" anchor="ctr"/>
-            <a:lstStyle/>
-            <a:p>
-              <a:pPr algn="ctr"/>
-              <a:endParaRPr kumimoji="1" lang="zh-CN" altLang="en-US" dirty="0"/>
-            </a:p>
-          </p:txBody>
-        </p:sp>
-        <p:sp>
-          <p:nvSpPr>
-            <p:cNvPr id="24" name="矩形 23">
-              <a:extLst>
-                <a:ext uri="{FF2B5EF4-FFF2-40B4-BE49-F238E27FC236}">
-                  <a16:creationId xmlns:a16="http://schemas.microsoft.com/office/drawing/2014/main" id="{47363130-3275-4649-8C63-CCBCAF71AB4D}"/>
-                </a:ext>
-              </a:extLst>
-            </p:cNvPr>
-            <p:cNvSpPr/>
-            <p:nvPr/>
-          </p:nvSpPr>
-          <p:spPr>
-            <a:xfrm>
-              <a:off x="2359152" y="2899674"/>
-              <a:ext cx="6127202" cy="2207094"/>
-            </a:xfrm>
-            <a:prstGeom prst="rect">
-              <a:avLst/>
-            </a:prstGeom>
-            <a:noFill/>
-            <a:ln w="19050">
-              <a:solidFill>
-                <a:srgbClr val="D8D9E6"/>
-              </a:solidFill>
-            </a:ln>
-          </p:spPr>
-          <p:style>
-            <a:lnRef idx="2">
-              <a:schemeClr val="accent1">
-                <a:shade val="50000"/>
-              </a:schemeClr>
-            </a:lnRef>
-            <a:fillRef idx="1">
-              <a:schemeClr val="accent1"/>
-            </a:fillRef>
-            <a:effectRef idx="0">
-              <a:schemeClr val="accent1"/>
-            </a:effectRef>
-            <a:fontRef idx="minor">
-              <a:schemeClr val="lt1"/>
-            </a:fontRef>
-          </p:style>
-          <p:txBody>
-            <a:bodyPr rtlCol="0" anchor="ctr"/>
-            <a:lstStyle/>
-            <a:p>
-              <a:pPr algn="ctr"/>
-              <a:endParaRPr kumimoji="1" lang="zh-CN" altLang="en-US"/>
-            </a:p>
-          </p:txBody>
-        </p:sp>
-        <p:sp>
-          <p:nvSpPr>
-            <p:cNvPr id="25" name="矩形 24">
-              <a:extLst>
-                <a:ext uri="{FF2B5EF4-FFF2-40B4-BE49-F238E27FC236}">
-                  <a16:creationId xmlns:a16="http://schemas.microsoft.com/office/drawing/2014/main" id="{9E8365C9-FD72-914B-84B4-54FE0CF4810D}"/>
-                </a:ext>
-              </a:extLst>
-            </p:cNvPr>
-            <p:cNvSpPr/>
-            <p:nvPr/>
-          </p:nvSpPr>
-          <p:spPr>
-            <a:xfrm>
-              <a:off x="2359152" y="2899673"/>
-              <a:ext cx="945142" cy="2200618"/>
-            </a:xfrm>
-            <a:prstGeom prst="rect">
-              <a:avLst/>
-            </a:prstGeom>
-            <a:solidFill>
-              <a:srgbClr val="A2A5BD"/>
-            </a:solidFill>
-            <a:ln>
-              <a:noFill/>
-            </a:ln>
-          </p:spPr>
-          <p:style>
-            <a:lnRef idx="2">
-              <a:schemeClr val="accent1">
-                <a:shade val="50000"/>
-              </a:schemeClr>
-            </a:lnRef>
-            <a:fillRef idx="1">
-              <a:schemeClr val="accent1"/>
-            </a:fillRef>
-            <a:effectRef idx="0">
-              <a:schemeClr val="accent1"/>
-            </a:effectRef>
-            <a:fontRef idx="minor">
-              <a:schemeClr val="lt1"/>
-            </a:fontRef>
-          </p:style>
-          <p:txBody>
-            <a:bodyPr rtlCol="0" anchor="ctr"/>
-            <a:lstStyle/>
-            <a:p>
-              <a:pPr algn="ctr"/>
-              <a:r>
-                <a:rPr kumimoji="1" lang="en-US" altLang="zh-CN" sz="1600" dirty="0">
-                  <a:solidFill>
-                    <a:schemeClr val="bg2"/>
-                  </a:solidFill>
-                  <a:latin typeface="Helvetica" pitchFamily="2" charset="0"/>
-                </a:rPr>
-                <a:t>Edge</a:t>
-              </a:r>
-              <a:endParaRPr kumimoji="1" lang="zh-CN" altLang="en-US" sz="1600" dirty="0">
-                <a:solidFill>
-                  <a:schemeClr val="bg2"/>
-                </a:solidFill>
-                <a:latin typeface="Helvetica" pitchFamily="2" charset="0"/>
-              </a:endParaRPr>
-            </a:p>
-          </p:txBody>
-        </p:sp>
-        <p:sp>
-          <p:nvSpPr>
-            <p:cNvPr id="26" name="矩形 25">
-              <a:extLst>
-                <a:ext uri="{FF2B5EF4-FFF2-40B4-BE49-F238E27FC236}">
-                  <a16:creationId xmlns:a16="http://schemas.microsoft.com/office/drawing/2014/main" id="{70C3D53A-203E-8B46-AC6C-47A4EB61C11C}"/>
-                </a:ext>
-              </a:extLst>
-            </p:cNvPr>
-            <p:cNvSpPr/>
-            <p:nvPr/>
-          </p:nvSpPr>
-          <p:spPr>
-            <a:xfrm>
-              <a:off x="3380577" y="3728560"/>
-              <a:ext cx="1486932" cy="724959"/>
-            </a:xfrm>
-            <a:prstGeom prst="rect">
-              <a:avLst/>
-            </a:prstGeom>
-            <a:solidFill>
-              <a:srgbClr val="F5F5FA"/>
-            </a:solidFill>
-            <a:ln>
-              <a:noFill/>
-            </a:ln>
-          </p:spPr>
-          <p:style>
-            <a:lnRef idx="2">
-              <a:schemeClr val="accent1">
-                <a:shade val="50000"/>
-              </a:schemeClr>
-            </a:lnRef>
-            <a:fillRef idx="1">
-              <a:schemeClr val="accent1"/>
-            </a:fillRef>
-            <a:effectRef idx="0">
-              <a:schemeClr val="accent1"/>
-            </a:effectRef>
-            <a:fontRef idx="minor">
-              <a:schemeClr val="lt1"/>
-            </a:fontRef>
-          </p:style>
-          <p:txBody>
-            <a:bodyPr rtlCol="0" anchor="ctr"/>
-            <a:lstStyle/>
-            <a:p>
-              <a:pPr algn="ctr"/>
-              <a:endParaRPr kumimoji="1" lang="zh-CN" altLang="en-US" dirty="0"/>
-            </a:p>
-          </p:txBody>
-        </p:sp>
-        <p:sp>
-          <p:nvSpPr>
-            <p:cNvPr id="27" name="矩形 26">
-              <a:extLst>
-                <a:ext uri="{FF2B5EF4-FFF2-40B4-BE49-F238E27FC236}">
-                  <a16:creationId xmlns:a16="http://schemas.microsoft.com/office/drawing/2014/main" id="{90B0F088-74DE-FD48-B628-C3390A5462D5}"/>
-                </a:ext>
-              </a:extLst>
-            </p:cNvPr>
-            <p:cNvSpPr/>
-            <p:nvPr/>
-          </p:nvSpPr>
-          <p:spPr>
-            <a:xfrm>
-              <a:off x="7156180" y="3727202"/>
-              <a:ext cx="1217275" cy="724959"/>
-            </a:xfrm>
-            <a:prstGeom prst="rect">
-              <a:avLst/>
-            </a:prstGeom>
-            <a:solidFill>
-              <a:srgbClr val="F5F5FA"/>
-            </a:solidFill>
-            <a:ln>
-              <a:noFill/>
-            </a:ln>
-          </p:spPr>
-          <p:style>
-            <a:lnRef idx="2">
-              <a:schemeClr val="accent1">
-                <a:shade val="50000"/>
-              </a:schemeClr>
-            </a:lnRef>
-            <a:fillRef idx="1">
-              <a:schemeClr val="accent1"/>
-            </a:fillRef>
-            <a:effectRef idx="0">
-              <a:schemeClr val="accent1"/>
-            </a:effectRef>
-            <a:fontRef idx="minor">
-              <a:schemeClr val="lt1"/>
-            </a:fontRef>
-          </p:style>
-          <p:txBody>
-            <a:bodyPr rtlCol="0" anchor="ctr"/>
-            <a:lstStyle/>
-            <a:p>
-              <a:pPr algn="ctr"/>
-              <a:endParaRPr kumimoji="1" lang="zh-CN" altLang="en-US" dirty="0"/>
-            </a:p>
-          </p:txBody>
-        </p:sp>
-        <p:sp>
-          <p:nvSpPr>
-            <p:cNvPr id="28" name="矩形 27">
-              <a:extLst>
-                <a:ext uri="{FF2B5EF4-FFF2-40B4-BE49-F238E27FC236}">
-                  <a16:creationId xmlns:a16="http://schemas.microsoft.com/office/drawing/2014/main" id="{43FD0DC0-1301-C94B-A07C-E6F354452002}"/>
-                </a:ext>
-              </a:extLst>
-            </p:cNvPr>
-            <p:cNvSpPr/>
-            <p:nvPr/>
-          </p:nvSpPr>
-          <p:spPr>
-            <a:xfrm>
-              <a:off x="5283561" y="4134158"/>
-              <a:ext cx="1486932" cy="724959"/>
-            </a:xfrm>
-            <a:prstGeom prst="rect">
-              <a:avLst/>
-            </a:prstGeom>
-            <a:solidFill>
-              <a:srgbClr val="F5F5FA"/>
-            </a:solidFill>
-            <a:ln>
-              <a:noFill/>
-            </a:ln>
-          </p:spPr>
-          <p:style>
-            <a:lnRef idx="2">
-              <a:schemeClr val="accent1">
-                <a:shade val="50000"/>
-              </a:schemeClr>
-            </a:lnRef>
-            <a:fillRef idx="1">
-              <a:schemeClr val="accent1"/>
-            </a:fillRef>
-            <a:effectRef idx="0">
-              <a:schemeClr val="accent1"/>
-            </a:effectRef>
-            <a:fontRef idx="minor">
-              <a:schemeClr val="lt1"/>
-            </a:fontRef>
-          </p:style>
-          <p:txBody>
-            <a:bodyPr rtlCol="0" anchor="ctr"/>
-            <a:lstStyle/>
-            <a:p>
-              <a:pPr algn="ctr"/>
-              <a:endParaRPr kumimoji="1" lang="zh-CN" altLang="en-US" dirty="0"/>
-            </a:p>
-          </p:txBody>
-        </p:sp>
-        <p:sp>
-          <p:nvSpPr>
-            <p:cNvPr id="30" name="矩形 29">
-              <a:extLst>
-                <a:ext uri="{FF2B5EF4-FFF2-40B4-BE49-F238E27FC236}">
-                  <a16:creationId xmlns:a16="http://schemas.microsoft.com/office/drawing/2014/main" id="{77FE184B-806C-EF4F-8713-E1CBD9D6D6FA}"/>
-                </a:ext>
-              </a:extLst>
-            </p:cNvPr>
-            <p:cNvSpPr/>
-            <p:nvPr/>
-          </p:nvSpPr>
-          <p:spPr>
-            <a:xfrm>
-              <a:off x="9004758" y="2898308"/>
-              <a:ext cx="936365" cy="2208460"/>
-            </a:xfrm>
-            <a:prstGeom prst="rect">
-              <a:avLst/>
-            </a:prstGeom>
-            <a:solidFill>
-              <a:srgbClr val="A2A5BD"/>
-            </a:solidFill>
-            <a:ln>
-              <a:noFill/>
-            </a:ln>
-          </p:spPr>
-          <p:style>
-            <a:lnRef idx="2">
-              <a:schemeClr val="accent1">
-                <a:shade val="50000"/>
-              </a:schemeClr>
-            </a:lnRef>
-            <a:fillRef idx="1">
-              <a:schemeClr val="accent1"/>
-            </a:fillRef>
-            <a:effectRef idx="0">
-              <a:schemeClr val="accent1"/>
-            </a:effectRef>
-            <a:fontRef idx="minor">
-              <a:schemeClr val="lt1"/>
-            </a:fontRef>
-          </p:style>
-          <p:txBody>
-            <a:bodyPr rtlCol="0" anchor="ctr"/>
-            <a:lstStyle/>
-            <a:p>
-              <a:pPr algn="ctr"/>
-              <a:r>
-                <a:rPr kumimoji="1" lang="en-US" altLang="zh-CN" sz="1600" dirty="0">
-                  <a:solidFill>
-                    <a:schemeClr val="bg2"/>
-                  </a:solidFill>
-                  <a:latin typeface="Helvetica" pitchFamily="2" charset="0"/>
-                </a:rPr>
-                <a:t>Device</a:t>
-              </a:r>
-              <a:endParaRPr kumimoji="1" lang="zh-CN" altLang="en-US" sz="1600" dirty="0">
-                <a:solidFill>
-                  <a:schemeClr val="bg2"/>
-                </a:solidFill>
-                <a:latin typeface="Helvetica" pitchFamily="2" charset="0"/>
-              </a:endParaRPr>
-            </a:p>
-          </p:txBody>
-        </p:sp>
-        <p:sp>
-          <p:nvSpPr>
-            <p:cNvPr id="34" name="文本框 33">
-              <a:extLst>
-                <a:ext uri="{FF2B5EF4-FFF2-40B4-BE49-F238E27FC236}">
-                  <a16:creationId xmlns:a16="http://schemas.microsoft.com/office/drawing/2014/main" id="{2504EC43-DF27-6C40-B752-9DE934720F92}"/>
-                </a:ext>
-              </a:extLst>
-            </p:cNvPr>
-            <p:cNvSpPr txBox="1"/>
-            <p:nvPr/>
-          </p:nvSpPr>
-          <p:spPr>
-            <a:xfrm>
-              <a:off x="6572041" y="1595323"/>
-              <a:ext cx="1247040" cy="276999"/>
-            </a:xfrm>
-            <a:prstGeom prst="rect">
-              <a:avLst/>
-            </a:prstGeom>
-            <a:noFill/>
-          </p:spPr>
-          <p:txBody>
-            <a:bodyPr wrap="square" rtlCol="0">
-              <a:spAutoFit/>
-            </a:bodyPr>
-            <a:lstStyle/>
-            <a:p>
-              <a:pPr algn="ctr"/>
-              <a:r>
-                <a:rPr kumimoji="1" lang="en-US" altLang="zh-CN" sz="1200" dirty="0">
-                  <a:solidFill>
-                    <a:srgbClr val="737794"/>
-                  </a:solidFill>
-                  <a:latin typeface="Helvetica" pitchFamily="2" charset="0"/>
-                </a:rPr>
-                <a:t>Domain</a:t>
-              </a:r>
-              <a:r>
-                <a:rPr kumimoji="1" lang="zh-CN" altLang="en-US" sz="1200" dirty="0">
-                  <a:solidFill>
-                    <a:srgbClr val="737794"/>
-                  </a:solidFill>
-                  <a:latin typeface="Helvetica" pitchFamily="2" charset="0"/>
-                </a:rPr>
-                <a:t> </a:t>
-              </a:r>
-              <a:r>
-                <a:rPr kumimoji="1" lang="en-US" altLang="zh-CN" sz="1200" dirty="0">
-                  <a:solidFill>
-                    <a:srgbClr val="737794"/>
-                  </a:solidFill>
-                  <a:latin typeface="Helvetica" pitchFamily="2" charset="0"/>
-                </a:rPr>
-                <a:t>model</a:t>
-              </a:r>
-              <a:endParaRPr kumimoji="1" lang="zh-CN" altLang="en-US" sz="1200" dirty="0">
-                <a:solidFill>
-                  <a:srgbClr val="737794"/>
-                </a:solidFill>
-                <a:latin typeface="Helvetica" pitchFamily="2" charset="0"/>
-              </a:endParaRPr>
-            </a:p>
-          </p:txBody>
-        </p:sp>
-        <p:sp>
-          <p:nvSpPr>
-            <p:cNvPr id="37" name="文本框 36">
-              <a:extLst>
-                <a:ext uri="{FF2B5EF4-FFF2-40B4-BE49-F238E27FC236}">
-                  <a16:creationId xmlns:a16="http://schemas.microsoft.com/office/drawing/2014/main" id="{3EB4199E-5DC9-3346-9E1A-66969585ACD5}"/>
-                </a:ext>
-              </a:extLst>
-            </p:cNvPr>
-            <p:cNvSpPr txBox="1"/>
-            <p:nvPr/>
-          </p:nvSpPr>
-          <p:spPr>
-            <a:xfrm>
-              <a:off x="3389354" y="3980963"/>
-              <a:ext cx="1416295" cy="276999"/>
-            </a:xfrm>
-            <a:prstGeom prst="rect">
-              <a:avLst/>
-            </a:prstGeom>
-            <a:noFill/>
-          </p:spPr>
-          <p:txBody>
-            <a:bodyPr wrap="square" rtlCol="0">
-              <a:spAutoFit/>
-            </a:bodyPr>
-            <a:lstStyle/>
-            <a:p>
-              <a:pPr algn="ctr"/>
-              <a:r>
-                <a:rPr kumimoji="1" lang="en-US" altLang="zh-CN" sz="1200" dirty="0">
-                  <a:solidFill>
-                    <a:srgbClr val="737794"/>
-                  </a:solidFill>
-                  <a:latin typeface="Helvetica" pitchFamily="2" charset="0"/>
-                </a:rPr>
-                <a:t>Normalized</a:t>
-              </a:r>
-              <a:r>
-                <a:rPr kumimoji="1" lang="zh-CN" altLang="en-US" sz="1200" dirty="0">
-                  <a:solidFill>
-                    <a:srgbClr val="737794"/>
-                  </a:solidFill>
-                  <a:latin typeface="Helvetica" pitchFamily="2" charset="0"/>
-                </a:rPr>
-                <a:t> </a:t>
-              </a:r>
-              <a:r>
-                <a:rPr kumimoji="1" lang="en-US" altLang="zh-CN" sz="1200" dirty="0">
-                  <a:solidFill>
-                    <a:srgbClr val="737794"/>
-                  </a:solidFill>
-                  <a:latin typeface="Helvetica" pitchFamily="2" charset="0"/>
-                </a:rPr>
-                <a:t>data</a:t>
-              </a:r>
-              <a:endParaRPr kumimoji="1" lang="zh-CN" altLang="en-US" sz="1200" dirty="0">
-                <a:solidFill>
-                  <a:srgbClr val="737794"/>
-                </a:solidFill>
-                <a:latin typeface="Helvetica" pitchFamily="2" charset="0"/>
-              </a:endParaRPr>
-            </a:p>
-          </p:txBody>
-        </p:sp>
-        <p:sp>
-          <p:nvSpPr>
-            <p:cNvPr id="38" name="文本框 37">
-              <a:extLst>
-                <a:ext uri="{FF2B5EF4-FFF2-40B4-BE49-F238E27FC236}">
-                  <a16:creationId xmlns:a16="http://schemas.microsoft.com/office/drawing/2014/main" id="{D5BF6CC5-CE87-D64F-B4C0-89F12097EA0D}"/>
-                </a:ext>
-              </a:extLst>
-            </p:cNvPr>
-            <p:cNvSpPr txBox="1"/>
-            <p:nvPr/>
-          </p:nvSpPr>
-          <p:spPr>
-            <a:xfrm>
-              <a:off x="5417989" y="4202884"/>
-              <a:ext cx="1247040" cy="646331"/>
-            </a:xfrm>
-            <a:prstGeom prst="rect">
-              <a:avLst/>
-            </a:prstGeom>
-            <a:noFill/>
-          </p:spPr>
-          <p:txBody>
-            <a:bodyPr wrap="square" rtlCol="0">
-              <a:spAutoFit/>
-            </a:bodyPr>
-            <a:lstStyle/>
-            <a:p>
-              <a:pPr algn="ctr"/>
-              <a:r>
-                <a:rPr kumimoji="1" lang="en-US" altLang="zh-CN" sz="1200" dirty="0">
-                  <a:solidFill>
-                    <a:srgbClr val="737794"/>
-                  </a:solidFill>
-                  <a:latin typeface="Helvetica" pitchFamily="2" charset="0"/>
-                </a:rPr>
-                <a:t>Normalize</a:t>
-              </a:r>
-            </a:p>
-            <a:p>
-              <a:pPr algn="ctr"/>
-              <a:r>
-                <a:rPr kumimoji="1" lang="en-US" altLang="zh-CN" sz="1200" dirty="0">
-                  <a:solidFill>
-                    <a:srgbClr val="737794"/>
-                  </a:solidFill>
-                  <a:latin typeface="Helvetica" pitchFamily="2" charset="0"/>
-                </a:rPr>
-                <a:t>&amp;</a:t>
-              </a:r>
-            </a:p>
-            <a:p>
-              <a:pPr algn="ctr"/>
-              <a:r>
-                <a:rPr kumimoji="1" lang="en-US" altLang="zh-CN" sz="1200" dirty="0">
-                  <a:solidFill>
-                    <a:srgbClr val="737794"/>
-                  </a:solidFill>
-                  <a:latin typeface="Helvetica" pitchFamily="2" charset="0"/>
-                </a:rPr>
-                <a:t>Calculation</a:t>
-              </a:r>
-              <a:endParaRPr kumimoji="1" lang="zh-CN" altLang="en-US" sz="1200" dirty="0">
-                <a:solidFill>
-                  <a:srgbClr val="737794"/>
-                </a:solidFill>
-                <a:latin typeface="Helvetica" pitchFamily="2" charset="0"/>
-              </a:endParaRPr>
-            </a:p>
-          </p:txBody>
-        </p:sp>
-        <p:sp>
-          <p:nvSpPr>
-            <p:cNvPr id="39" name="文本框 38">
-              <a:extLst>
-                <a:ext uri="{FF2B5EF4-FFF2-40B4-BE49-F238E27FC236}">
-                  <a16:creationId xmlns:a16="http://schemas.microsoft.com/office/drawing/2014/main" id="{FBE56508-3DD7-1A49-B2A9-9491B2EDEE1A}"/>
-                </a:ext>
-              </a:extLst>
-            </p:cNvPr>
-            <p:cNvSpPr txBox="1"/>
-            <p:nvPr/>
-          </p:nvSpPr>
-          <p:spPr>
-            <a:xfrm>
-              <a:off x="7229022" y="3967175"/>
-              <a:ext cx="1020888" cy="276999"/>
-            </a:xfrm>
-            <a:prstGeom prst="rect">
-              <a:avLst/>
-            </a:prstGeom>
-            <a:noFill/>
-          </p:spPr>
-          <p:txBody>
-            <a:bodyPr wrap="square" rtlCol="0">
-              <a:spAutoFit/>
-            </a:bodyPr>
-            <a:lstStyle/>
-            <a:p>
-              <a:pPr algn="ctr"/>
-              <a:r>
-                <a:rPr kumimoji="1" lang="en-US" altLang="zh-CN" sz="1200" dirty="0">
-                  <a:solidFill>
-                    <a:srgbClr val="737794"/>
-                  </a:solidFill>
-                  <a:latin typeface="Helvetica" pitchFamily="2" charset="0"/>
-                </a:rPr>
-                <a:t>Raw</a:t>
-              </a:r>
-              <a:r>
-                <a:rPr kumimoji="1" lang="zh-CN" altLang="en-US" sz="1200" dirty="0">
-                  <a:solidFill>
-                    <a:srgbClr val="737794"/>
-                  </a:solidFill>
-                  <a:latin typeface="Helvetica" pitchFamily="2" charset="0"/>
-                </a:rPr>
-                <a:t> </a:t>
-              </a:r>
-              <a:r>
-                <a:rPr kumimoji="1" lang="en-US" altLang="zh-CN" sz="1200" dirty="0">
-                  <a:solidFill>
-                    <a:srgbClr val="737794"/>
-                  </a:solidFill>
-                  <a:latin typeface="Helvetica" pitchFamily="2" charset="0"/>
-                </a:rPr>
-                <a:t>data</a:t>
-              </a:r>
-              <a:endParaRPr kumimoji="1" lang="zh-CN" altLang="en-US" sz="1200" dirty="0">
-                <a:solidFill>
-                  <a:srgbClr val="737794"/>
-                </a:solidFill>
-                <a:latin typeface="Helvetica" pitchFamily="2" charset="0"/>
-              </a:endParaRPr>
-            </a:p>
-          </p:txBody>
-        </p:sp>
-        <p:sp>
-          <p:nvSpPr>
-            <p:cNvPr id="117" name="矩形 116">
-              <a:extLst>
-                <a:ext uri="{FF2B5EF4-FFF2-40B4-BE49-F238E27FC236}">
-                  <a16:creationId xmlns:a16="http://schemas.microsoft.com/office/drawing/2014/main" id="{83DF9B91-09FF-5A45-88A1-D79A6BB07B3A}"/>
-                </a:ext>
-              </a:extLst>
-            </p:cNvPr>
-            <p:cNvSpPr/>
-            <p:nvPr/>
-          </p:nvSpPr>
-          <p:spPr>
-            <a:xfrm>
-              <a:off x="5283561" y="3332444"/>
-              <a:ext cx="1486932" cy="724959"/>
-            </a:xfrm>
-            <a:prstGeom prst="rect">
-              <a:avLst/>
-            </a:prstGeom>
-            <a:solidFill>
-              <a:srgbClr val="F5F5FA"/>
-            </a:solidFill>
-            <a:ln>
-              <a:noFill/>
-            </a:ln>
-          </p:spPr>
-          <p:style>
-            <a:lnRef idx="2">
-              <a:schemeClr val="accent1">
-                <a:shade val="50000"/>
-              </a:schemeClr>
-            </a:lnRef>
-            <a:fillRef idx="1">
-              <a:schemeClr val="accent1"/>
-            </a:fillRef>
-            <a:effectRef idx="0">
-              <a:schemeClr val="accent1"/>
-            </a:effectRef>
-            <a:fontRef idx="minor">
-              <a:schemeClr val="lt1"/>
-            </a:fontRef>
-          </p:style>
-          <p:txBody>
-            <a:bodyPr rtlCol="0" anchor="ctr"/>
-            <a:lstStyle/>
-            <a:p>
-              <a:pPr algn="ctr"/>
-              <a:endParaRPr kumimoji="1" lang="zh-CN" altLang="en-US" dirty="0"/>
-            </a:p>
-          </p:txBody>
-        </p:sp>
-        <p:sp>
-          <p:nvSpPr>
-            <p:cNvPr id="118" name="文本框 117">
-              <a:extLst>
-                <a:ext uri="{FF2B5EF4-FFF2-40B4-BE49-F238E27FC236}">
-                  <a16:creationId xmlns:a16="http://schemas.microsoft.com/office/drawing/2014/main" id="{B717309B-5579-BE4C-94A5-00455D7E0F64}"/>
-                </a:ext>
-              </a:extLst>
-            </p:cNvPr>
-            <p:cNvSpPr txBox="1"/>
-            <p:nvPr/>
-          </p:nvSpPr>
-          <p:spPr>
-            <a:xfrm>
-              <a:off x="5417989" y="3585837"/>
-              <a:ext cx="1247040" cy="276999"/>
-            </a:xfrm>
-            <a:prstGeom prst="rect">
-              <a:avLst/>
-            </a:prstGeom>
-            <a:noFill/>
-          </p:spPr>
-          <p:txBody>
-            <a:bodyPr wrap="square" rtlCol="0">
-              <a:spAutoFit/>
-            </a:bodyPr>
-            <a:lstStyle/>
-            <a:p>
-              <a:pPr algn="ctr"/>
-              <a:r>
-                <a:rPr kumimoji="1" lang="en-US" altLang="zh-CN" sz="1200" dirty="0">
-                  <a:solidFill>
-                    <a:srgbClr val="737794"/>
-                  </a:solidFill>
-                  <a:latin typeface="Helvetica" pitchFamily="2" charset="0"/>
-                </a:rPr>
-                <a:t>Domain</a:t>
-              </a:r>
-              <a:r>
-                <a:rPr kumimoji="1" lang="zh-CN" altLang="en-US" sz="1200" dirty="0">
-                  <a:solidFill>
-                    <a:srgbClr val="737794"/>
-                  </a:solidFill>
-                  <a:latin typeface="Helvetica" pitchFamily="2" charset="0"/>
-                </a:rPr>
-                <a:t> </a:t>
-              </a:r>
-              <a:r>
-                <a:rPr kumimoji="1" lang="en-US" altLang="zh-CN" sz="1200" dirty="0">
-                  <a:solidFill>
-                    <a:srgbClr val="737794"/>
-                  </a:solidFill>
-                  <a:latin typeface="Helvetica" pitchFamily="2" charset="0"/>
-                </a:rPr>
-                <a:t>model</a:t>
-              </a:r>
-              <a:endParaRPr kumimoji="1" lang="zh-CN" altLang="en-US" sz="1200" dirty="0">
-                <a:solidFill>
-                  <a:srgbClr val="737794"/>
-                </a:solidFill>
-                <a:latin typeface="Helvetica" pitchFamily="2" charset="0"/>
-              </a:endParaRPr>
-            </a:p>
-          </p:txBody>
-        </p:sp>
-        <p:sp>
-          <p:nvSpPr>
-            <p:cNvPr id="120" name="矩形 119">
-              <a:extLst>
-                <a:ext uri="{FF2B5EF4-FFF2-40B4-BE49-F238E27FC236}">
-                  <a16:creationId xmlns:a16="http://schemas.microsoft.com/office/drawing/2014/main" id="{BE19AE2E-CE8F-CF49-9187-98F7F2D01290}"/>
-                </a:ext>
-              </a:extLst>
-            </p:cNvPr>
-            <p:cNvSpPr/>
-            <p:nvPr/>
-          </p:nvSpPr>
-          <p:spPr>
-            <a:xfrm>
-              <a:off x="5191336" y="3224654"/>
-              <a:ext cx="1633323" cy="1736027"/>
-            </a:xfrm>
-            <a:prstGeom prst="rect">
-              <a:avLst/>
-            </a:prstGeom>
-            <a:noFill/>
-            <a:ln w="19050">
-              <a:solidFill>
-                <a:srgbClr val="D8D9E6"/>
-              </a:solidFill>
-            </a:ln>
-          </p:spPr>
-          <p:style>
-            <a:lnRef idx="2">
-              <a:schemeClr val="accent1">
-                <a:shade val="50000"/>
-              </a:schemeClr>
-            </a:lnRef>
-            <a:fillRef idx="1">
-              <a:schemeClr val="accent1"/>
-            </a:fillRef>
-            <a:effectRef idx="0">
-              <a:schemeClr val="accent1"/>
-            </a:effectRef>
-            <a:fontRef idx="minor">
-              <a:schemeClr val="lt1"/>
-            </a:fontRef>
-          </p:style>
-          <p:txBody>
-            <a:bodyPr rtlCol="0" anchor="ctr"/>
-            <a:lstStyle/>
-            <a:p>
-              <a:pPr algn="ctr"/>
-              <a:endParaRPr kumimoji="1" lang="zh-CN" altLang="en-US"/>
-            </a:p>
-          </p:txBody>
-        </p:sp>
-        <p:sp>
-          <p:nvSpPr>
-            <p:cNvPr id="121" name="文本框 120">
-              <a:extLst>
-                <a:ext uri="{FF2B5EF4-FFF2-40B4-BE49-F238E27FC236}">
-                  <a16:creationId xmlns:a16="http://schemas.microsoft.com/office/drawing/2014/main" id="{69BB6385-1BA8-2743-A80F-64B941BF8D98}"/>
-                </a:ext>
-              </a:extLst>
-            </p:cNvPr>
-            <p:cNvSpPr txBox="1"/>
-            <p:nvPr/>
-          </p:nvSpPr>
-          <p:spPr>
-            <a:xfrm>
-              <a:off x="6139458" y="2898308"/>
-              <a:ext cx="1247040" cy="276999"/>
-            </a:xfrm>
-            <a:prstGeom prst="rect">
-              <a:avLst/>
-            </a:prstGeom>
-            <a:noFill/>
-          </p:spPr>
-          <p:txBody>
-            <a:bodyPr wrap="square" rtlCol="0">
-              <a:spAutoFit/>
-            </a:bodyPr>
-            <a:lstStyle/>
-            <a:p>
-              <a:pPr algn="ctr"/>
-              <a:r>
-                <a:rPr kumimoji="1" lang="en-US" altLang="zh-CN" sz="1200" dirty="0">
-                  <a:solidFill>
-                    <a:srgbClr val="737794"/>
-                  </a:solidFill>
-                  <a:latin typeface="Helvetica" pitchFamily="2" charset="0"/>
-                </a:rPr>
-                <a:t>Model</a:t>
-              </a:r>
-              <a:r>
-                <a:rPr kumimoji="1" lang="zh-CN" altLang="en-US" sz="1200" dirty="0">
-                  <a:solidFill>
-                    <a:srgbClr val="737794"/>
-                  </a:solidFill>
-                  <a:latin typeface="Helvetica" pitchFamily="2" charset="0"/>
-                </a:rPr>
-                <a:t> </a:t>
-              </a:r>
-              <a:r>
-                <a:rPr kumimoji="1" lang="en-US" altLang="zh-CN" sz="1200" dirty="0">
-                  <a:solidFill>
-                    <a:srgbClr val="737794"/>
-                  </a:solidFill>
-                  <a:latin typeface="Helvetica" pitchFamily="2" charset="0"/>
-                </a:rPr>
-                <a:t>update</a:t>
-              </a:r>
-              <a:endParaRPr kumimoji="1" lang="zh-CN" altLang="en-US" sz="1200" dirty="0">
-                <a:solidFill>
-                  <a:srgbClr val="737794"/>
-                </a:solidFill>
-                <a:latin typeface="Helvetica" pitchFamily="2" charset="0"/>
-              </a:endParaRPr>
-            </a:p>
-          </p:txBody>
-        </p:sp>
-        <p:sp>
-          <p:nvSpPr>
-            <p:cNvPr id="122" name="左箭头 121">
-              <a:extLst>
-                <a:ext uri="{FF2B5EF4-FFF2-40B4-BE49-F238E27FC236}">
-                  <a16:creationId xmlns:a16="http://schemas.microsoft.com/office/drawing/2014/main" id="{8FB9DEF6-7282-1A43-B7A1-BDAEA9D2314E}"/>
-                </a:ext>
-              </a:extLst>
-            </p:cNvPr>
-            <p:cNvSpPr/>
-            <p:nvPr/>
-          </p:nvSpPr>
-          <p:spPr>
-            <a:xfrm>
-              <a:off x="8398922" y="3927446"/>
-              <a:ext cx="405506" cy="271322"/>
-            </a:xfrm>
-            <a:prstGeom prst="leftArrow">
-              <a:avLst/>
-            </a:prstGeom>
-            <a:solidFill>
-              <a:srgbClr val="A2A5BC"/>
-            </a:solidFill>
-            <a:ln>
-              <a:solidFill>
-                <a:srgbClr val="A2A5BC"/>
-              </a:solidFill>
-            </a:ln>
-          </p:spPr>
-          <p:style>
-            <a:lnRef idx="2">
-              <a:schemeClr val="accent1">
-                <a:shade val="50000"/>
-              </a:schemeClr>
-            </a:lnRef>
-            <a:fillRef idx="1">
-              <a:schemeClr val="accent1"/>
-            </a:fillRef>
-            <a:effectRef idx="0">
-              <a:schemeClr val="accent1"/>
-            </a:effectRef>
-            <a:fontRef idx="minor">
-              <a:schemeClr val="lt1"/>
-            </a:fontRef>
-          </p:style>
-          <p:txBody>
-            <a:bodyPr rtlCol="0" anchor="ctr"/>
-            <a:lstStyle/>
-            <a:p>
-              <a:pPr algn="ctr"/>
-              <a:endParaRPr kumimoji="1" lang="zh-CN" altLang="en-US"/>
-            </a:p>
-          </p:txBody>
-        </p:sp>
-        <p:cxnSp>
-          <p:nvCxnSpPr>
-            <p:cNvPr id="125" name="直线箭头连接符 124">
-              <a:extLst>
-                <a:ext uri="{FF2B5EF4-FFF2-40B4-BE49-F238E27FC236}">
-                  <a16:creationId xmlns:a16="http://schemas.microsoft.com/office/drawing/2014/main" id="{2FB04F75-9DFF-F34B-B238-1A66BF5528A1}"/>
-                </a:ext>
-              </a:extLst>
-            </p:cNvPr>
-            <p:cNvCxnSpPr>
-              <a:cxnSpLocks/>
-              <a:stCxn id="27" idx="1"/>
-              <a:endCxn id="120" idx="3"/>
-            </p:cNvCxnSpPr>
-            <p:nvPr/>
-          </p:nvCxnSpPr>
-          <p:spPr>
-            <a:xfrm flipH="1">
-              <a:off x="6824659" y="4089682"/>
-              <a:ext cx="331521" cy="2986"/>
-            </a:xfrm>
-            <a:prstGeom prst="straightConnector1">
-              <a:avLst/>
-            </a:prstGeom>
-            <a:ln w="25400">
-              <a:solidFill>
-                <a:srgbClr val="A2A5BC"/>
-              </a:solidFill>
-              <a:tailEnd type="triangle"/>
-            </a:ln>
-          </p:spPr>
-          <p:style>
-            <a:lnRef idx="1">
-              <a:schemeClr val="accent1"/>
-            </a:lnRef>
-            <a:fillRef idx="0">
-              <a:schemeClr val="accent1"/>
-            </a:fillRef>
-            <a:effectRef idx="0">
-              <a:schemeClr val="accent1"/>
-            </a:effectRef>
-            <a:fontRef idx="minor">
-              <a:schemeClr val="tx1"/>
-            </a:fontRef>
-          </p:style>
-        </p:cxnSp>
-        <p:cxnSp>
-          <p:nvCxnSpPr>
-            <p:cNvPr id="131" name="直线箭头连接符 130">
-              <a:extLst>
-                <a:ext uri="{FF2B5EF4-FFF2-40B4-BE49-F238E27FC236}">
-                  <a16:creationId xmlns:a16="http://schemas.microsoft.com/office/drawing/2014/main" id="{956AE133-EC6D-9D4B-ADDB-BFA27AAEDA56}"/>
-                </a:ext>
-              </a:extLst>
-            </p:cNvPr>
-            <p:cNvCxnSpPr>
-              <a:cxnSpLocks/>
-            </p:cNvCxnSpPr>
-            <p:nvPr/>
-          </p:nvCxnSpPr>
-          <p:spPr>
-            <a:xfrm flipH="1">
-              <a:off x="4859815" y="4097772"/>
-              <a:ext cx="331521" cy="2986"/>
-            </a:xfrm>
-            <a:prstGeom prst="straightConnector1">
-              <a:avLst/>
-            </a:prstGeom>
-            <a:ln w="25400">
-              <a:solidFill>
-                <a:srgbClr val="A2A5BC"/>
-              </a:solidFill>
-              <a:tailEnd type="triangle"/>
-            </a:ln>
-          </p:spPr>
-          <p:style>
-            <a:lnRef idx="1">
-              <a:schemeClr val="accent1"/>
-            </a:lnRef>
-            <a:fillRef idx="0">
-              <a:schemeClr val="accent1"/>
-            </a:fillRef>
-            <a:effectRef idx="0">
-              <a:schemeClr val="accent1"/>
-            </a:effectRef>
-            <a:fontRef idx="minor">
-              <a:schemeClr val="tx1"/>
-            </a:fontRef>
-          </p:style>
-        </p:cxnSp>
-        <p:cxnSp>
-          <p:nvCxnSpPr>
-            <p:cNvPr id="136" name="肘形连接符 135">
-              <a:extLst>
-                <a:ext uri="{FF2B5EF4-FFF2-40B4-BE49-F238E27FC236}">
-                  <a16:creationId xmlns:a16="http://schemas.microsoft.com/office/drawing/2014/main" id="{D4A3D4CD-28A0-0C4C-BD32-E2149E7116BB}"/>
-                </a:ext>
-              </a:extLst>
-            </p:cNvPr>
-            <p:cNvCxnSpPr>
-              <a:stCxn id="26" idx="0"/>
-              <a:endCxn id="7" idx="2"/>
-            </p:cNvCxnSpPr>
-            <p:nvPr/>
-          </p:nvCxnSpPr>
-          <p:spPr>
-            <a:xfrm rot="5400000" flipH="1" flipV="1">
-              <a:off x="3496934" y="2700131"/>
-              <a:ext cx="1655539" cy="401320"/>
-            </a:xfrm>
-            <a:prstGeom prst="bentConnector3">
-              <a:avLst/>
-            </a:prstGeom>
-            <a:ln w="25400">
-              <a:solidFill>
-                <a:srgbClr val="A2A5BC"/>
-              </a:solidFill>
-              <a:tailEnd type="triangle"/>
-            </a:ln>
-          </p:spPr>
-          <p:style>
-            <a:lnRef idx="1">
-              <a:schemeClr val="accent1"/>
-            </a:lnRef>
-            <a:fillRef idx="0">
-              <a:schemeClr val="accent1"/>
-            </a:fillRef>
-            <a:effectRef idx="0">
-              <a:schemeClr val="accent1"/>
-            </a:effectRef>
-            <a:fontRef idx="minor">
-              <a:schemeClr val="tx1"/>
-            </a:fontRef>
-          </p:style>
-        </p:cxnSp>
-        <p:cxnSp>
-          <p:nvCxnSpPr>
-            <p:cNvPr id="138" name="肘形连接符 137">
-              <a:extLst>
-                <a:ext uri="{FF2B5EF4-FFF2-40B4-BE49-F238E27FC236}">
-                  <a16:creationId xmlns:a16="http://schemas.microsoft.com/office/drawing/2014/main" id="{BC69BAB1-536F-7F4E-A1EA-8D6640F8F1A8}"/>
-                </a:ext>
-              </a:extLst>
-            </p:cNvPr>
-            <p:cNvCxnSpPr>
-              <a:stCxn id="21" idx="2"/>
-              <a:endCxn id="117" idx="0"/>
-            </p:cNvCxnSpPr>
-            <p:nvPr/>
-          </p:nvCxnSpPr>
-          <p:spPr>
-            <a:xfrm rot="5400000">
-              <a:off x="5984347" y="2121229"/>
-              <a:ext cx="1253895" cy="1168534"/>
-            </a:xfrm>
-            <a:prstGeom prst="bentConnector3">
-              <a:avLst/>
-            </a:prstGeom>
-            <a:ln w="25400">
-              <a:solidFill>
-                <a:srgbClr val="A2A5BC"/>
-              </a:solidFill>
-              <a:prstDash val="dash"/>
-              <a:tailEnd type="triangle"/>
-            </a:ln>
-          </p:spPr>
-          <p:style>
-            <a:lnRef idx="1">
-              <a:schemeClr val="accent1"/>
-            </a:lnRef>
-            <a:fillRef idx="0">
-              <a:schemeClr val="accent1"/>
-            </a:fillRef>
-            <a:effectRef idx="0">
-              <a:schemeClr val="accent1"/>
-            </a:effectRef>
-            <a:fontRef idx="minor">
-              <a:schemeClr val="tx1"/>
-            </a:fontRef>
-          </p:style>
-        </p:cxnSp>
-        <p:cxnSp>
-          <p:nvCxnSpPr>
-            <p:cNvPr id="140" name="直线连接符 139">
-              <a:extLst>
-                <a:ext uri="{FF2B5EF4-FFF2-40B4-BE49-F238E27FC236}">
-                  <a16:creationId xmlns:a16="http://schemas.microsoft.com/office/drawing/2014/main" id="{A5DA2FEE-8A73-B949-84DA-1D3331E811B7}"/>
-                </a:ext>
-              </a:extLst>
-            </p:cNvPr>
-            <p:cNvCxnSpPr>
-              <a:cxnSpLocks/>
-            </p:cNvCxnSpPr>
-            <p:nvPr/>
-          </p:nvCxnSpPr>
-          <p:spPr>
-            <a:xfrm>
-              <a:off x="9004758" y="1595323"/>
-              <a:ext cx="936365" cy="0"/>
-            </a:xfrm>
-            <a:prstGeom prst="line">
-              <a:avLst/>
-            </a:prstGeom>
-            <a:ln w="25400">
-              <a:solidFill>
-                <a:srgbClr val="A2A5BC"/>
-              </a:solidFill>
-            </a:ln>
-          </p:spPr>
-          <p:style>
-            <a:lnRef idx="1">
-              <a:schemeClr val="accent1"/>
-            </a:lnRef>
-            <a:fillRef idx="0">
-              <a:schemeClr val="accent1"/>
-            </a:fillRef>
-            <a:effectRef idx="0">
-              <a:schemeClr val="accent1"/>
-            </a:effectRef>
-            <a:fontRef idx="minor">
-              <a:schemeClr val="tx1"/>
-            </a:fontRef>
-          </p:style>
-        </p:cxnSp>
-        <p:cxnSp>
-          <p:nvCxnSpPr>
-            <p:cNvPr id="143" name="直线连接符 142">
-              <a:extLst>
-                <a:ext uri="{FF2B5EF4-FFF2-40B4-BE49-F238E27FC236}">
-                  <a16:creationId xmlns:a16="http://schemas.microsoft.com/office/drawing/2014/main" id="{FA8C7DCC-3542-D84D-9B9F-B347B8AD0B68}"/>
-                </a:ext>
-              </a:extLst>
-            </p:cNvPr>
-            <p:cNvCxnSpPr>
-              <a:cxnSpLocks/>
-            </p:cNvCxnSpPr>
-            <p:nvPr/>
-          </p:nvCxnSpPr>
-          <p:spPr>
-            <a:xfrm>
-              <a:off x="9004758" y="2073021"/>
-              <a:ext cx="936365" cy="0"/>
-            </a:xfrm>
-            <a:prstGeom prst="line">
-              <a:avLst/>
-            </a:prstGeom>
-            <a:ln w="25400">
-              <a:solidFill>
-                <a:srgbClr val="A2A5BC"/>
-              </a:solidFill>
-              <a:prstDash val="dash"/>
-            </a:ln>
-          </p:spPr>
-          <p:style>
-            <a:lnRef idx="1">
-              <a:schemeClr val="accent1"/>
-            </a:lnRef>
-            <a:fillRef idx="0">
-              <a:schemeClr val="accent1"/>
-            </a:fillRef>
-            <a:effectRef idx="0">
-              <a:schemeClr val="accent1"/>
-            </a:effectRef>
-            <a:fontRef idx="minor">
-              <a:schemeClr val="tx1"/>
-            </a:fontRef>
-          </p:style>
-        </p:cxnSp>
-        <p:sp>
-          <p:nvSpPr>
-            <p:cNvPr id="145" name="文本框 144">
-              <a:extLst>
-                <a:ext uri="{FF2B5EF4-FFF2-40B4-BE49-F238E27FC236}">
-                  <a16:creationId xmlns:a16="http://schemas.microsoft.com/office/drawing/2014/main" id="{DC08BD33-ED0B-8D44-9856-12A6B6700560}"/>
-                </a:ext>
-              </a:extLst>
-            </p:cNvPr>
-            <p:cNvSpPr txBox="1"/>
-            <p:nvPr/>
-          </p:nvSpPr>
-          <p:spPr>
-            <a:xfrm>
-              <a:off x="9963740" y="1456823"/>
-              <a:ext cx="1875333" cy="276999"/>
-            </a:xfrm>
-            <a:prstGeom prst="rect">
-              <a:avLst/>
-            </a:prstGeom>
-            <a:noFill/>
-          </p:spPr>
-          <p:txBody>
-            <a:bodyPr wrap="square" rtlCol="0">
-              <a:spAutoFit/>
-            </a:bodyPr>
-            <a:lstStyle/>
-            <a:p>
-              <a:pPr algn="ctr"/>
-              <a:r>
-                <a:rPr kumimoji="1" lang="en-US" altLang="zh-CN" sz="1200" dirty="0">
-                  <a:solidFill>
-                    <a:srgbClr val="737794"/>
-                  </a:solidFill>
-                  <a:latin typeface="Helvetica" pitchFamily="2" charset="0"/>
-                </a:rPr>
-                <a:t>Data</a:t>
-              </a:r>
-              <a:r>
-                <a:rPr kumimoji="1" lang="zh-CN" altLang="en-US" sz="1200" dirty="0">
-                  <a:solidFill>
-                    <a:srgbClr val="737794"/>
-                  </a:solidFill>
-                  <a:latin typeface="Helvetica" pitchFamily="2" charset="0"/>
-                </a:rPr>
-                <a:t> </a:t>
-              </a:r>
-              <a:r>
-                <a:rPr kumimoji="1" lang="en-US" altLang="zh-CN" sz="1200" dirty="0">
-                  <a:solidFill>
-                    <a:srgbClr val="737794"/>
-                  </a:solidFill>
-                  <a:latin typeface="Helvetica" pitchFamily="2" charset="0"/>
-                </a:rPr>
-                <a:t>transmission</a:t>
-              </a:r>
-              <a:r>
-                <a:rPr kumimoji="1" lang="zh-CN" altLang="en-US" sz="1200" dirty="0">
-                  <a:solidFill>
-                    <a:srgbClr val="737794"/>
-                  </a:solidFill>
-                  <a:latin typeface="Helvetica" pitchFamily="2" charset="0"/>
-                </a:rPr>
-                <a:t> </a:t>
-              </a:r>
-              <a:r>
-                <a:rPr kumimoji="1" lang="en-US" altLang="zh-CN" sz="1200" dirty="0">
-                  <a:solidFill>
-                    <a:srgbClr val="737794"/>
-                  </a:solidFill>
-                  <a:latin typeface="Helvetica" pitchFamily="2" charset="0"/>
-                </a:rPr>
-                <a:t>path</a:t>
-              </a:r>
-              <a:endParaRPr kumimoji="1" lang="zh-CN" altLang="en-US" sz="1200" dirty="0">
-                <a:solidFill>
-                  <a:srgbClr val="737794"/>
-                </a:solidFill>
-                <a:latin typeface="Helvetica" pitchFamily="2" charset="0"/>
-              </a:endParaRPr>
-            </a:p>
-          </p:txBody>
-        </p:sp>
-        <p:sp>
-          <p:nvSpPr>
-            <p:cNvPr id="146" name="文本框 145">
-              <a:extLst>
-                <a:ext uri="{FF2B5EF4-FFF2-40B4-BE49-F238E27FC236}">
-                  <a16:creationId xmlns:a16="http://schemas.microsoft.com/office/drawing/2014/main" id="{25FD3CB8-B472-794C-8E7C-1DDA507FEFAB}"/>
-                </a:ext>
-              </a:extLst>
-            </p:cNvPr>
-            <p:cNvSpPr txBox="1"/>
-            <p:nvPr/>
-          </p:nvSpPr>
-          <p:spPr>
-            <a:xfrm>
-              <a:off x="10033520" y="1934521"/>
-              <a:ext cx="1875333" cy="276999"/>
-            </a:xfrm>
-            <a:prstGeom prst="rect">
-              <a:avLst/>
-            </a:prstGeom>
-            <a:noFill/>
-          </p:spPr>
-          <p:txBody>
-            <a:bodyPr wrap="square" rtlCol="0">
-              <a:spAutoFit/>
-            </a:bodyPr>
-            <a:lstStyle/>
-            <a:p>
-              <a:pPr algn="ctr"/>
-              <a:r>
-                <a:rPr kumimoji="1" lang="en-US" altLang="zh-CN" sz="1200" dirty="0">
-                  <a:solidFill>
-                    <a:srgbClr val="737794"/>
-                  </a:solidFill>
-                  <a:latin typeface="Helvetica" pitchFamily="2" charset="0"/>
-                </a:rPr>
-                <a:t>Resource</a:t>
-              </a:r>
-              <a:r>
-                <a:rPr kumimoji="1" lang="zh-CN" altLang="en-US" sz="1200" dirty="0">
-                  <a:solidFill>
-                    <a:srgbClr val="737794"/>
-                  </a:solidFill>
-                  <a:latin typeface="Helvetica" pitchFamily="2" charset="0"/>
-                </a:rPr>
-                <a:t> </a:t>
-              </a:r>
-              <a:r>
-                <a:rPr kumimoji="1" lang="en-US" altLang="zh-CN" sz="1200" dirty="0">
-                  <a:solidFill>
-                    <a:srgbClr val="737794"/>
-                  </a:solidFill>
-                  <a:latin typeface="Helvetica" pitchFamily="2" charset="0"/>
-                </a:rPr>
-                <a:t>download</a:t>
-              </a:r>
-              <a:r>
-                <a:rPr kumimoji="1" lang="zh-CN" altLang="en-US" sz="1200" dirty="0">
-                  <a:solidFill>
-                    <a:srgbClr val="737794"/>
-                  </a:solidFill>
-                  <a:latin typeface="Helvetica" pitchFamily="2" charset="0"/>
-                </a:rPr>
-                <a:t> </a:t>
-              </a:r>
-              <a:r>
-                <a:rPr kumimoji="1" lang="en-US" altLang="zh-CN" sz="1200" dirty="0">
-                  <a:solidFill>
-                    <a:srgbClr val="737794"/>
-                  </a:solidFill>
-                  <a:latin typeface="Helvetica" pitchFamily="2" charset="0"/>
-                </a:rPr>
-                <a:t>path</a:t>
-              </a:r>
-              <a:endParaRPr kumimoji="1" lang="zh-CN" altLang="en-US" sz="1200" dirty="0">
-                <a:solidFill>
-                  <a:srgbClr val="737794"/>
-                </a:solidFill>
-                <a:latin typeface="Helvetica" pitchFamily="2" charset="0"/>
-              </a:endParaRPr>
-            </a:p>
-          </p:txBody>
-        </p:sp>
-      </p:grpSp>
-    </p:spTree>
-    <p:extLst>
-      <p:ext uri="{BB962C8B-B14F-4D97-AF65-F5344CB8AC3E}">
-        <p14:creationId xmlns:p14="http://schemas.microsoft.com/office/powerpoint/2010/main" val="1108100358"/>
-      </p:ext>
-    </p:extLst>
-  </p:cSld>
-  <p:clrMapOvr>
-    <a:masterClrMapping/>
-  </p:clrMapOvr>
-</p:sld>
-</file>
-
-<file path=ppt/slides/slide6.xml><?xml version="1.0" encoding="utf-8"?>
+<file path=ppt/slides/slide3.xml><?xml version="1.0" encoding="utf-8"?>
 <p:sld xmlns:a="http://schemas.openxmlformats.org/drawingml/2006/main" xmlns:r="http://schemas.openxmlformats.org/officeDocument/2006/relationships" xmlns:p="http://schemas.openxmlformats.org/presentationml/2006/main">
   <p:cSld>
     <p:spTree>
@@ -12939,7 +8051,7 @@
 </p:sld>
 </file>
 
-<file path=ppt/slides/slide7.xml><?xml version="1.0" encoding="utf-8"?>
+<file path=ppt/slides/slide4.xml><?xml version="1.0" encoding="utf-8"?>
 <p:sld xmlns:a="http://schemas.openxmlformats.org/drawingml/2006/main" xmlns:r="http://schemas.openxmlformats.org/officeDocument/2006/relationships" xmlns:p="http://schemas.openxmlformats.org/presentationml/2006/main">
   <p:cSld>
     <p:spTree>

--- a/media/edge.pptx
+++ b/media/edge.pptx
@@ -5,16 +5,17 @@
     <p:sldMasterId id="2147483743" r:id="rId1"/>
   </p:sldMasterIdLst>
   <p:notesMasterIdLst>
-    <p:notesMasterId r:id="rId6"/>
+    <p:notesMasterId r:id="rId7"/>
   </p:notesMasterIdLst>
   <p:handoutMasterIdLst>
-    <p:handoutMasterId r:id="rId7"/>
+    <p:handoutMasterId r:id="rId8"/>
   </p:handoutMasterIdLst>
   <p:sldIdLst>
     <p:sldId id="318" r:id="rId2"/>
     <p:sldId id="319" r:id="rId3"/>
     <p:sldId id="320" r:id="rId4"/>
     <p:sldId id="317" r:id="rId5"/>
+    <p:sldId id="321" r:id="rId6"/>
   </p:sldIdLst>
   <p:sldSz cx="12192000" cy="6858000"/>
   <p:notesSz cx="6858000" cy="9144000"/>
@@ -206,7 +207,7 @@
           <a:p>
             <a:fld id="{47277FB0-21EC-48C5-90B0-184600466A6C}" type="datetimeFigureOut">
               <a:rPr lang="zh-CN" altLang="en-US" smtClean="0"/>
-              <a:t>2019/4/3</a:t>
+              <a:t>2019/6/3</a:t>
             </a:fld>
             <a:endParaRPr lang="zh-CN" altLang="en-US"/>
           </a:p>
@@ -371,7 +372,7 @@
           <a:p>
             <a:fld id="{9C967889-4715-5C4F-A252-FFC716185AB6}" type="datetimeFigureOut">
               <a:rPr lang="en-US" smtClean="0"/>
-              <a:t>4/3/19</a:t>
+              <a:t>6/3/2019</a:t>
             </a:fld>
             <a:endParaRPr lang="en-US"/>
           </a:p>
@@ -8514,6 +8515,2989 @@
 </p:sld>
 </file>
 
+<file path=ppt/slides/slide5.xml><?xml version="1.0" encoding="utf-8"?>
+<p:sld xmlns:a="http://schemas.openxmlformats.org/drawingml/2006/main" xmlns:r="http://schemas.openxmlformats.org/officeDocument/2006/relationships" xmlns:p="http://schemas.openxmlformats.org/presentationml/2006/main">
+  <p:cSld>
+    <p:spTree>
+      <p:nvGrpSpPr>
+        <p:cNvPr id="1" name=""/>
+        <p:cNvGrpSpPr/>
+        <p:nvPr/>
+      </p:nvGrpSpPr>
+      <p:grpSpPr>
+        <a:xfrm>
+          <a:off x="0" y="0"/>
+          <a:ext cx="0" cy="0"/>
+          <a:chOff x="0" y="0"/>
+          <a:chExt cx="0" cy="0"/>
+        </a:xfrm>
+      </p:grpSpPr>
+      <p:grpSp>
+        <p:nvGrpSpPr>
+          <p:cNvPr id="5" name="组合 8">
+            <a:extLst>
+              <a:ext uri="{FF2B5EF4-FFF2-40B4-BE49-F238E27FC236}">
+                <a16:creationId xmlns:a16="http://schemas.microsoft.com/office/drawing/2014/main" id="{AF026A66-0A40-47A8-AC82-CA8B271BD7AD}"/>
+              </a:ext>
+            </a:extLst>
+          </p:cNvPr>
+          <p:cNvGrpSpPr/>
+          <p:nvPr/>
+        </p:nvGrpSpPr>
+        <p:grpSpPr>
+          <a:xfrm>
+            <a:off x="3198581" y="1618124"/>
+            <a:ext cx="5288962" cy="4085257"/>
+            <a:chOff x="953492" y="950214"/>
+            <a:chExt cx="5288962" cy="4085257"/>
+          </a:xfrm>
+        </p:grpSpPr>
+        <p:sp>
+          <p:nvSpPr>
+            <p:cNvPr id="6" name="矩形 46">
+              <a:extLst>
+                <a:ext uri="{FF2B5EF4-FFF2-40B4-BE49-F238E27FC236}">
+                  <a16:creationId xmlns:a16="http://schemas.microsoft.com/office/drawing/2014/main" id="{4E9685E7-A5EF-4EBD-AB1C-277BDB488C86}"/>
+                </a:ext>
+              </a:extLst>
+            </p:cNvPr>
+            <p:cNvSpPr/>
+            <p:nvPr/>
+          </p:nvSpPr>
+          <p:spPr>
+            <a:xfrm>
+              <a:off x="972436" y="4281765"/>
+              <a:ext cx="2106050" cy="753706"/>
+            </a:xfrm>
+            <a:prstGeom prst="rect">
+              <a:avLst/>
+            </a:prstGeom>
+            <a:solidFill>
+              <a:srgbClr val="A2A5BD"/>
+            </a:solidFill>
+            <a:ln w="12700">
+              <a:noFill/>
+            </a:ln>
+          </p:spPr>
+          <p:style>
+            <a:lnRef idx="2">
+              <a:schemeClr val="accent1">
+                <a:shade val="50000"/>
+              </a:schemeClr>
+            </a:lnRef>
+            <a:fillRef idx="1">
+              <a:schemeClr val="accent1"/>
+            </a:fillRef>
+            <a:effectRef idx="0">
+              <a:schemeClr val="accent1"/>
+            </a:effectRef>
+            <a:fontRef idx="minor">
+              <a:schemeClr val="lt1"/>
+            </a:fontRef>
+          </p:style>
+          <p:txBody>
+            <a:bodyPr rtlCol="0" anchor="ctr"/>
+            <a:lstStyle/>
+            <a:p>
+              <a:pPr algn="ctr"/>
+              <a:endParaRPr kumimoji="1" lang="zh-CN" altLang="en-US" sz="1600" dirty="0">
+                <a:solidFill>
+                  <a:schemeClr val="bg1"/>
+                </a:solidFill>
+                <a:latin typeface="Helvetica" pitchFamily="2" charset="0"/>
+                <a:cs typeface="Arial" panose="020B0604020202020204" pitchFamily="34" charset="0"/>
+              </a:endParaRPr>
+            </a:p>
+          </p:txBody>
+        </p:sp>
+        <p:sp>
+          <p:nvSpPr>
+            <p:cNvPr id="7" name="矩形 71">
+              <a:extLst>
+                <a:ext uri="{FF2B5EF4-FFF2-40B4-BE49-F238E27FC236}">
+                  <a16:creationId xmlns:a16="http://schemas.microsoft.com/office/drawing/2014/main" id="{A8191F21-A6DA-43A2-AF24-343072821F10}"/>
+                </a:ext>
+              </a:extLst>
+            </p:cNvPr>
+            <p:cNvSpPr/>
+            <p:nvPr/>
+          </p:nvSpPr>
+          <p:spPr>
+            <a:xfrm>
+              <a:off x="972436" y="2564904"/>
+              <a:ext cx="2106050" cy="753706"/>
+            </a:xfrm>
+            <a:prstGeom prst="rect">
+              <a:avLst/>
+            </a:prstGeom>
+            <a:solidFill>
+              <a:srgbClr val="A2A5BD"/>
+            </a:solidFill>
+            <a:ln w="12700">
+              <a:noFill/>
+            </a:ln>
+          </p:spPr>
+          <p:style>
+            <a:lnRef idx="2">
+              <a:schemeClr val="accent1">
+                <a:shade val="50000"/>
+              </a:schemeClr>
+            </a:lnRef>
+            <a:fillRef idx="1">
+              <a:schemeClr val="accent1"/>
+            </a:fillRef>
+            <a:effectRef idx="0">
+              <a:schemeClr val="accent1"/>
+            </a:effectRef>
+            <a:fontRef idx="minor">
+              <a:schemeClr val="lt1"/>
+            </a:fontRef>
+          </p:style>
+          <p:txBody>
+            <a:bodyPr rtlCol="0" anchor="ctr"/>
+            <a:lstStyle/>
+            <a:p>
+              <a:pPr algn="ctr"/>
+              <a:endParaRPr kumimoji="1" lang="zh-CN" altLang="en-US" sz="1600" dirty="0">
+                <a:solidFill>
+                  <a:schemeClr val="bg1"/>
+                </a:solidFill>
+                <a:latin typeface="Helvetica" pitchFamily="2" charset="0"/>
+                <a:cs typeface="Arial" panose="020B0604020202020204" pitchFamily="34" charset="0"/>
+              </a:endParaRPr>
+            </a:p>
+          </p:txBody>
+        </p:sp>
+        <p:sp>
+          <p:nvSpPr>
+            <p:cNvPr id="8" name="文本框 72">
+              <a:extLst>
+                <a:ext uri="{FF2B5EF4-FFF2-40B4-BE49-F238E27FC236}">
+                  <a16:creationId xmlns:a16="http://schemas.microsoft.com/office/drawing/2014/main" id="{C0A709EE-2ACD-4186-82E4-035488306201}"/>
+                </a:ext>
+              </a:extLst>
+            </p:cNvPr>
+            <p:cNvSpPr txBox="1"/>
+            <p:nvPr/>
+          </p:nvSpPr>
+          <p:spPr>
+            <a:xfrm>
+              <a:off x="1769051" y="4502992"/>
+              <a:ext cx="1050248" cy="338554"/>
+            </a:xfrm>
+            <a:prstGeom prst="rect">
+              <a:avLst/>
+            </a:prstGeom>
+            <a:noFill/>
+          </p:spPr>
+          <p:txBody>
+            <a:bodyPr wrap="square" rtlCol="0">
+              <a:spAutoFit/>
+            </a:bodyPr>
+            <a:lstStyle/>
+            <a:p>
+              <a:pPr algn="ctr"/>
+              <a:r>
+                <a:rPr kumimoji="1" lang="en-US" altLang="zh-CN" sz="1600" b="1" dirty="0">
+                  <a:solidFill>
+                    <a:schemeClr val="bg1"/>
+                  </a:solidFill>
+                  <a:latin typeface="Helvetica" pitchFamily="2" charset="0"/>
+                  <a:cs typeface="Arial" panose="020B0604020202020204" pitchFamily="34" charset="0"/>
+                </a:rPr>
+                <a:t>EnOS</a:t>
+              </a:r>
+              <a:endParaRPr kumimoji="1" lang="zh-CN" altLang="en-US" sz="1600" b="1" dirty="0">
+                <a:solidFill>
+                  <a:schemeClr val="bg1"/>
+                </a:solidFill>
+                <a:latin typeface="Helvetica" pitchFamily="2" charset="0"/>
+                <a:cs typeface="Arial" panose="020B0604020202020204" pitchFamily="34" charset="0"/>
+              </a:endParaRPr>
+            </a:p>
+          </p:txBody>
+        </p:sp>
+        <p:sp>
+          <p:nvSpPr>
+            <p:cNvPr id="9" name="矩形 39">
+              <a:extLst>
+                <a:ext uri="{FF2B5EF4-FFF2-40B4-BE49-F238E27FC236}">
+                  <a16:creationId xmlns:a16="http://schemas.microsoft.com/office/drawing/2014/main" id="{ECB54A0C-838E-4A21-92FD-AE1DC2043CE8}"/>
+                </a:ext>
+              </a:extLst>
+            </p:cNvPr>
+            <p:cNvSpPr/>
+            <p:nvPr/>
+          </p:nvSpPr>
+          <p:spPr>
+            <a:xfrm>
+              <a:off x="968207" y="950214"/>
+              <a:ext cx="5141596" cy="753706"/>
+            </a:xfrm>
+            <a:prstGeom prst="rect">
+              <a:avLst/>
+            </a:prstGeom>
+            <a:noFill/>
+            <a:ln w="22225">
+              <a:solidFill>
+                <a:srgbClr val="F5F5FB"/>
+              </a:solidFill>
+            </a:ln>
+          </p:spPr>
+          <p:style>
+            <a:lnRef idx="2">
+              <a:schemeClr val="accent1">
+                <a:shade val="50000"/>
+              </a:schemeClr>
+            </a:lnRef>
+            <a:fillRef idx="1">
+              <a:schemeClr val="accent1"/>
+            </a:fillRef>
+            <a:effectRef idx="0">
+              <a:schemeClr val="accent1"/>
+            </a:effectRef>
+            <a:fontRef idx="minor">
+              <a:schemeClr val="lt1"/>
+            </a:fontRef>
+          </p:style>
+          <p:txBody>
+            <a:bodyPr rtlCol="0" anchor="ctr"/>
+            <a:lstStyle/>
+            <a:p>
+              <a:pPr algn="ctr"/>
+              <a:endParaRPr kumimoji="1" lang="zh-CN" altLang="en-US" sz="1600">
+                <a:solidFill>
+                  <a:schemeClr val="bg1"/>
+                </a:solidFill>
+                <a:latin typeface="Helvetica" pitchFamily="2" charset="0"/>
+                <a:cs typeface="Arial" panose="020B0604020202020204" pitchFamily="34" charset="0"/>
+              </a:endParaRPr>
+            </a:p>
+          </p:txBody>
+        </p:sp>
+        <p:sp>
+          <p:nvSpPr>
+            <p:cNvPr id="10" name="矩形 41">
+              <a:extLst>
+                <a:ext uri="{FF2B5EF4-FFF2-40B4-BE49-F238E27FC236}">
+                  <a16:creationId xmlns:a16="http://schemas.microsoft.com/office/drawing/2014/main" id="{5952EC40-D86E-4A53-919C-58B6BAA0C2F3}"/>
+                </a:ext>
+              </a:extLst>
+            </p:cNvPr>
+            <p:cNvSpPr/>
+            <p:nvPr/>
+          </p:nvSpPr>
+          <p:spPr>
+            <a:xfrm>
+              <a:off x="968207" y="950214"/>
+              <a:ext cx="2106050" cy="753706"/>
+            </a:xfrm>
+            <a:prstGeom prst="rect">
+              <a:avLst/>
+            </a:prstGeom>
+            <a:solidFill>
+              <a:srgbClr val="A2A5BD"/>
+            </a:solidFill>
+            <a:ln w="12700">
+              <a:noFill/>
+            </a:ln>
+          </p:spPr>
+          <p:style>
+            <a:lnRef idx="2">
+              <a:schemeClr val="accent1">
+                <a:shade val="50000"/>
+              </a:schemeClr>
+            </a:lnRef>
+            <a:fillRef idx="1">
+              <a:schemeClr val="accent1"/>
+            </a:fillRef>
+            <a:effectRef idx="0">
+              <a:schemeClr val="accent1"/>
+            </a:effectRef>
+            <a:fontRef idx="minor">
+              <a:schemeClr val="lt1"/>
+            </a:fontRef>
+          </p:style>
+          <p:txBody>
+            <a:bodyPr rtlCol="0" anchor="ctr"/>
+            <a:lstStyle/>
+            <a:p>
+              <a:pPr algn="ctr"/>
+              <a:endParaRPr kumimoji="1" lang="zh-CN" altLang="en-US" sz="1600" dirty="0">
+                <a:solidFill>
+                  <a:schemeClr val="bg1"/>
+                </a:solidFill>
+                <a:latin typeface="Helvetica" pitchFamily="2" charset="0"/>
+                <a:cs typeface="Arial" panose="020B0604020202020204" pitchFamily="34" charset="0"/>
+              </a:endParaRPr>
+            </a:p>
+          </p:txBody>
+        </p:sp>
+        <p:sp>
+          <p:nvSpPr>
+            <p:cNvPr id="11" name="Freeform 64">
+              <a:extLst>
+                <a:ext uri="{FF2B5EF4-FFF2-40B4-BE49-F238E27FC236}">
+                  <a16:creationId xmlns:a16="http://schemas.microsoft.com/office/drawing/2014/main" id="{712428DA-F324-4001-B9EE-50216822B73D}"/>
+                </a:ext>
+              </a:extLst>
+            </p:cNvPr>
+            <p:cNvSpPr>
+              <a:spLocks/>
+            </p:cNvSpPr>
+            <p:nvPr/>
+          </p:nvSpPr>
+          <p:spPr bwMode="auto">
+            <a:xfrm>
+              <a:off x="1446002" y="4533716"/>
+              <a:ext cx="395353" cy="277106"/>
+            </a:xfrm>
+            <a:custGeom>
+              <a:avLst/>
+              <a:gdLst>
+                <a:gd name="T0" fmla="*/ 137 w 280"/>
+                <a:gd name="T1" fmla="*/ 98 h 196"/>
+                <a:gd name="T2" fmla="*/ 65 w 280"/>
+                <a:gd name="T3" fmla="*/ 48 h 196"/>
+                <a:gd name="T4" fmla="*/ 0 w 280"/>
+                <a:gd name="T5" fmla="*/ 122 h 196"/>
+                <a:gd name="T6" fmla="*/ 64 w 280"/>
+                <a:gd name="T7" fmla="*/ 196 h 196"/>
+                <a:gd name="T8" fmla="*/ 64 w 280"/>
+                <a:gd name="T9" fmla="*/ 196 h 196"/>
+                <a:gd name="T10" fmla="*/ 215 w 280"/>
+                <a:gd name="T11" fmla="*/ 196 h 196"/>
+                <a:gd name="T12" fmla="*/ 224 w 280"/>
+                <a:gd name="T13" fmla="*/ 196 h 196"/>
+                <a:gd name="T14" fmla="*/ 280 w 280"/>
+                <a:gd name="T15" fmla="*/ 129 h 196"/>
+                <a:gd name="T16" fmla="*/ 235 w 280"/>
+                <a:gd name="T17" fmla="*/ 65 h 196"/>
+                <a:gd name="T18" fmla="*/ 147 w 280"/>
+                <a:gd name="T19" fmla="*/ 0 h 196"/>
+                <a:gd name="T20" fmla="*/ 73 w 280"/>
+                <a:gd name="T21" fmla="*/ 36 h 196"/>
+                <a:gd name="T22" fmla="*/ 137 w 280"/>
+                <a:gd name="T23" fmla="*/ 98 h 196"/>
+                <a:gd name="T24" fmla="*/ 137 w 280"/>
+                <a:gd name="T25" fmla="*/ 98 h 196"/>
+              </a:gdLst>
+              <a:ahLst/>
+              <a:cxnLst>
+                <a:cxn ang="0">
+                  <a:pos x="T0" y="T1"/>
+                </a:cxn>
+                <a:cxn ang="0">
+                  <a:pos x="T2" y="T3"/>
+                </a:cxn>
+                <a:cxn ang="0">
+                  <a:pos x="T4" y="T5"/>
+                </a:cxn>
+                <a:cxn ang="0">
+                  <a:pos x="T6" y="T7"/>
+                </a:cxn>
+                <a:cxn ang="0">
+                  <a:pos x="T8" y="T9"/>
+                </a:cxn>
+                <a:cxn ang="0">
+                  <a:pos x="T10" y="T11"/>
+                </a:cxn>
+                <a:cxn ang="0">
+                  <a:pos x="T12" y="T13"/>
+                </a:cxn>
+                <a:cxn ang="0">
+                  <a:pos x="T14" y="T15"/>
+                </a:cxn>
+                <a:cxn ang="0">
+                  <a:pos x="T16" y="T17"/>
+                </a:cxn>
+                <a:cxn ang="0">
+                  <a:pos x="T18" y="T19"/>
+                </a:cxn>
+                <a:cxn ang="0">
+                  <a:pos x="T20" y="T21"/>
+                </a:cxn>
+                <a:cxn ang="0">
+                  <a:pos x="T22" y="T23"/>
+                </a:cxn>
+                <a:cxn ang="0">
+                  <a:pos x="T24" y="T25"/>
+                </a:cxn>
+              </a:cxnLst>
+              <a:rect l="0" t="0" r="r" b="b"/>
+              <a:pathLst>
+                <a:path w="280" h="196">
+                  <a:moveTo>
+                    <a:pt x="137" y="98"/>
+                  </a:moveTo>
+                  <a:cubicBezTo>
+                    <a:pt x="137" y="98"/>
+                    <a:pt x="127" y="64"/>
+                    <a:pt x="65" y="48"/>
+                  </a:cubicBezTo>
+                  <a:cubicBezTo>
+                    <a:pt x="28" y="53"/>
+                    <a:pt x="0" y="84"/>
+                    <a:pt x="0" y="122"/>
+                  </a:cubicBezTo>
+                  <a:cubicBezTo>
+                    <a:pt x="0" y="159"/>
+                    <a:pt x="28" y="191"/>
+                    <a:pt x="64" y="196"/>
+                  </a:cubicBezTo>
+                  <a:cubicBezTo>
+                    <a:pt x="64" y="196"/>
+                    <a:pt x="64" y="196"/>
+                    <a:pt x="64" y="196"/>
+                  </a:cubicBezTo>
+                  <a:cubicBezTo>
+                    <a:pt x="215" y="196"/>
+                    <a:pt x="215" y="196"/>
+                    <a:pt x="215" y="196"/>
+                  </a:cubicBezTo>
+                  <a:cubicBezTo>
+                    <a:pt x="224" y="196"/>
+                    <a:pt x="224" y="196"/>
+                    <a:pt x="224" y="196"/>
+                  </a:cubicBezTo>
+                  <a:cubicBezTo>
+                    <a:pt x="256" y="190"/>
+                    <a:pt x="280" y="162"/>
+                    <a:pt x="280" y="129"/>
+                  </a:cubicBezTo>
+                  <a:cubicBezTo>
+                    <a:pt x="280" y="100"/>
+                    <a:pt x="262" y="75"/>
+                    <a:pt x="235" y="65"/>
+                  </a:cubicBezTo>
+                  <a:cubicBezTo>
+                    <a:pt x="223" y="26"/>
+                    <a:pt x="188" y="0"/>
+                    <a:pt x="147" y="0"/>
+                  </a:cubicBezTo>
+                  <a:cubicBezTo>
+                    <a:pt x="118" y="0"/>
+                    <a:pt x="91" y="13"/>
+                    <a:pt x="73" y="36"/>
+                  </a:cubicBezTo>
+                  <a:cubicBezTo>
+                    <a:pt x="104" y="40"/>
+                    <a:pt x="133" y="56"/>
+                    <a:pt x="137" y="98"/>
+                  </a:cubicBezTo>
+                  <a:cubicBezTo>
+                    <a:pt x="137" y="98"/>
+                    <a:pt x="137" y="98"/>
+                    <a:pt x="137" y="98"/>
+                  </a:cubicBezTo>
+                  <a:close/>
+                </a:path>
+              </a:pathLst>
+            </a:custGeom>
+            <a:solidFill>
+              <a:schemeClr val="bg1"/>
+            </a:solidFill>
+            <a:ln>
+              <a:noFill/>
+            </a:ln>
+            <a:extLst/>
+          </p:spPr>
+          <p:txBody>
+            <a:bodyPr vert="horz" wrap="square" lIns="91440" tIns="45720" rIns="91440" bIns="45720" numCol="1" anchor="t" anchorCtr="0" compatLnSpc="1">
+              <a:prstTxWarp prst="textNoShape">
+                <a:avLst/>
+              </a:prstTxWarp>
+            </a:bodyPr>
+            <a:lstStyle/>
+            <a:p>
+              <a:pPr algn="ctr">
+                <a:defRPr/>
+              </a:pPr>
+              <a:endParaRPr lang="zh-CN" altLang="en-US" sz="1000" b="1" kern="0">
+                <a:solidFill>
+                  <a:srgbClr val="000000"/>
+                </a:solidFill>
+                <a:latin typeface="Helvetica" pitchFamily="2" charset="0"/>
+                <a:ea typeface="等线" panose="02010600030101010101" pitchFamily="2" charset="-122"/>
+                <a:cs typeface="Arial" panose="020B0604020202020204" pitchFamily="34" charset="0"/>
+              </a:endParaRPr>
+            </a:p>
+          </p:txBody>
+        </p:sp>
+        <p:sp>
+          <p:nvSpPr>
+            <p:cNvPr id="12" name="文本框 44">
+              <a:extLst>
+                <a:ext uri="{FF2B5EF4-FFF2-40B4-BE49-F238E27FC236}">
+                  <a16:creationId xmlns:a16="http://schemas.microsoft.com/office/drawing/2014/main" id="{563754EF-E940-4F78-AFDB-9BBF48010838}"/>
+                </a:ext>
+              </a:extLst>
+            </p:cNvPr>
+            <p:cNvSpPr txBox="1"/>
+            <p:nvPr/>
+          </p:nvSpPr>
+          <p:spPr>
+            <a:xfrm>
+              <a:off x="1715478" y="2797420"/>
+              <a:ext cx="1050248" cy="338554"/>
+            </a:xfrm>
+            <a:prstGeom prst="rect">
+              <a:avLst/>
+            </a:prstGeom>
+            <a:noFill/>
+          </p:spPr>
+          <p:txBody>
+            <a:bodyPr wrap="square" rtlCol="0">
+              <a:spAutoFit/>
+            </a:bodyPr>
+            <a:lstStyle/>
+            <a:p>
+              <a:pPr algn="ctr"/>
+              <a:r>
+                <a:rPr kumimoji="1" lang="en-US" altLang="zh-CN" sz="1600" b="1" dirty="0">
+                  <a:solidFill>
+                    <a:schemeClr val="bg1"/>
+                  </a:solidFill>
+                  <a:latin typeface="Helvetica" pitchFamily="2" charset="0"/>
+                  <a:cs typeface="Arial" panose="020B0604020202020204" pitchFamily="34" charset="0"/>
+                </a:rPr>
+                <a:t>Edge</a:t>
+              </a:r>
+              <a:endParaRPr kumimoji="1" lang="zh-CN" altLang="en-US" sz="1600" b="1" dirty="0">
+                <a:solidFill>
+                  <a:schemeClr val="bg1"/>
+                </a:solidFill>
+                <a:latin typeface="Helvetica" pitchFamily="2" charset="0"/>
+                <a:cs typeface="Arial" panose="020B0604020202020204" pitchFamily="34" charset="0"/>
+              </a:endParaRPr>
+            </a:p>
+          </p:txBody>
+        </p:sp>
+        <p:grpSp>
+          <p:nvGrpSpPr>
+            <p:cNvPr id="13" name="组合 6">
+              <a:extLst>
+                <a:ext uri="{FF2B5EF4-FFF2-40B4-BE49-F238E27FC236}">
+                  <a16:creationId xmlns:a16="http://schemas.microsoft.com/office/drawing/2014/main" id="{BED6FFAD-D265-47E6-A65F-94BB8E22A9CB}"/>
+                </a:ext>
+              </a:extLst>
+            </p:cNvPr>
+            <p:cNvGrpSpPr/>
+            <p:nvPr/>
+          </p:nvGrpSpPr>
+          <p:grpSpPr>
+            <a:xfrm>
+              <a:off x="3311025" y="1053825"/>
+              <a:ext cx="2348522" cy="593249"/>
+              <a:chOff x="3313567" y="1053825"/>
+              <a:chExt cx="1647567" cy="593249"/>
+            </a:xfrm>
+          </p:grpSpPr>
+          <p:sp>
+            <p:nvSpPr>
+              <p:cNvPr id="41" name="文本框 40">
+                <a:extLst>
+                  <a:ext uri="{FF2B5EF4-FFF2-40B4-BE49-F238E27FC236}">
+                    <a16:creationId xmlns:a16="http://schemas.microsoft.com/office/drawing/2014/main" id="{536BDDFB-3C04-431E-84A9-A3C27F9CF65A}"/>
+                  </a:ext>
+                </a:extLst>
+              </p:cNvPr>
+              <p:cNvSpPr txBox="1"/>
+              <p:nvPr/>
+            </p:nvSpPr>
+            <p:spPr>
+              <a:xfrm>
+                <a:off x="3313567" y="1213584"/>
+                <a:ext cx="1606061" cy="307777"/>
+              </a:xfrm>
+              <a:prstGeom prst="rect">
+                <a:avLst/>
+              </a:prstGeom>
+              <a:noFill/>
+            </p:spPr>
+            <p:txBody>
+              <a:bodyPr wrap="square" rtlCol="0">
+                <a:spAutoFit/>
+              </a:bodyPr>
+              <a:lstStyle/>
+              <a:p>
+                <a:pPr algn="ctr"/>
+                <a:r>
+                  <a:rPr kumimoji="1" lang="en-US" altLang="zh-CN" sz="1400" dirty="0">
+                    <a:solidFill>
+                      <a:srgbClr val="383B55"/>
+                    </a:solidFill>
+                    <a:latin typeface="Helvetica" pitchFamily="2" charset="0"/>
+                    <a:cs typeface="Arial" panose="020B0604020202020204" pitchFamily="34" charset="0"/>
+                  </a:rPr>
+                  <a:t>1. </a:t>
+                </a:r>
+                <a:r>
+                  <a:rPr kumimoji="1" lang="zh-CN" altLang="en-US" sz="1400" dirty="0">
+                    <a:solidFill>
+                      <a:srgbClr val="383B55"/>
+                    </a:solidFill>
+                    <a:latin typeface="Helvetica" pitchFamily="2" charset="0"/>
+                    <a:cs typeface="Arial" panose="020B0604020202020204" pitchFamily="34" charset="0"/>
+                  </a:rPr>
+                  <a:t>上报给</a:t>
+                </a:r>
+                <a:r>
+                  <a:rPr kumimoji="1" lang="en-US" altLang="zh-CN" sz="1400" dirty="0">
+                    <a:solidFill>
+                      <a:srgbClr val="383B55"/>
+                    </a:solidFill>
+                    <a:latin typeface="Helvetica" pitchFamily="2" charset="0"/>
+                    <a:cs typeface="Arial" panose="020B0604020202020204" pitchFamily="34" charset="0"/>
+                  </a:rPr>
+                  <a:t>Edge</a:t>
+                </a:r>
+                <a:endParaRPr kumimoji="1" lang="zh-CN" altLang="en-US" sz="1200" dirty="0">
+                  <a:solidFill>
+                    <a:srgbClr val="383B55"/>
+                  </a:solidFill>
+                  <a:latin typeface="Helvetica" pitchFamily="2" charset="0"/>
+                  <a:cs typeface="Arial" panose="020B0604020202020204" pitchFamily="34" charset="0"/>
+                </a:endParaRPr>
+              </a:p>
+            </p:txBody>
+          </p:sp>
+          <p:sp>
+            <p:nvSpPr>
+              <p:cNvPr id="42" name="矩形 45">
+                <a:extLst>
+                  <a:ext uri="{FF2B5EF4-FFF2-40B4-BE49-F238E27FC236}">
+                    <a16:creationId xmlns:a16="http://schemas.microsoft.com/office/drawing/2014/main" id="{67CE311E-B1D0-4B4F-B734-CB73C1B2BA47}"/>
+                  </a:ext>
+                </a:extLst>
+              </p:cNvPr>
+              <p:cNvSpPr/>
+              <p:nvPr/>
+            </p:nvSpPr>
+            <p:spPr>
+              <a:xfrm>
+                <a:off x="3319545" y="1053825"/>
+                <a:ext cx="1641589" cy="593249"/>
+              </a:xfrm>
+              <a:prstGeom prst="rect">
+                <a:avLst/>
+              </a:prstGeom>
+              <a:noFill/>
+              <a:ln w="25400">
+                <a:solidFill>
+                  <a:srgbClr val="D8D9E6"/>
+                </a:solidFill>
+              </a:ln>
+            </p:spPr>
+            <p:style>
+              <a:lnRef idx="2">
+                <a:schemeClr val="accent1">
+                  <a:shade val="50000"/>
+                </a:schemeClr>
+              </a:lnRef>
+              <a:fillRef idx="1">
+                <a:schemeClr val="accent1"/>
+              </a:fillRef>
+              <a:effectRef idx="0">
+                <a:schemeClr val="accent1"/>
+              </a:effectRef>
+              <a:fontRef idx="minor">
+                <a:schemeClr val="lt1"/>
+              </a:fontRef>
+            </p:style>
+            <p:txBody>
+              <a:bodyPr rtlCol="0" anchor="ctr"/>
+              <a:lstStyle/>
+              <a:p>
+                <a:pPr algn="ctr"/>
+                <a:endParaRPr kumimoji="1" lang="zh-CN" altLang="en-US" sz="1600" dirty="0">
+                  <a:solidFill>
+                    <a:schemeClr val="bg1"/>
+                  </a:solidFill>
+                  <a:latin typeface="Helvetica" pitchFamily="2" charset="0"/>
+                  <a:cs typeface="Arial" panose="020B0604020202020204" pitchFamily="34" charset="0"/>
+                </a:endParaRPr>
+              </a:p>
+            </p:txBody>
+          </p:sp>
+        </p:grpSp>
+        <p:sp>
+          <p:nvSpPr>
+            <p:cNvPr id="14" name="矩形 53">
+              <a:extLst>
+                <a:ext uri="{FF2B5EF4-FFF2-40B4-BE49-F238E27FC236}">
+                  <a16:creationId xmlns:a16="http://schemas.microsoft.com/office/drawing/2014/main" id="{65911410-E28F-41AD-9214-6A39F297CBF4}"/>
+                </a:ext>
+              </a:extLst>
+            </p:cNvPr>
+            <p:cNvSpPr/>
+            <p:nvPr/>
+          </p:nvSpPr>
+          <p:spPr>
+            <a:xfrm>
+              <a:off x="968207" y="2577430"/>
+              <a:ext cx="5148826" cy="753706"/>
+            </a:xfrm>
+            <a:prstGeom prst="rect">
+              <a:avLst/>
+            </a:prstGeom>
+            <a:noFill/>
+            <a:ln w="22225">
+              <a:solidFill>
+                <a:srgbClr val="F5F5FB"/>
+              </a:solidFill>
+            </a:ln>
+          </p:spPr>
+          <p:style>
+            <a:lnRef idx="2">
+              <a:schemeClr val="accent1">
+                <a:shade val="50000"/>
+              </a:schemeClr>
+            </a:lnRef>
+            <a:fillRef idx="1">
+              <a:schemeClr val="accent1"/>
+            </a:fillRef>
+            <a:effectRef idx="0">
+              <a:schemeClr val="accent1"/>
+            </a:effectRef>
+            <a:fontRef idx="minor">
+              <a:schemeClr val="lt1"/>
+            </a:fontRef>
+          </p:style>
+          <p:txBody>
+            <a:bodyPr rtlCol="0" anchor="ctr"/>
+            <a:lstStyle/>
+            <a:p>
+              <a:pPr algn="ctr"/>
+              <a:endParaRPr kumimoji="1" lang="zh-CN" altLang="en-US" sz="1600" dirty="0">
+                <a:solidFill>
+                  <a:schemeClr val="bg1"/>
+                </a:solidFill>
+                <a:latin typeface="Helvetica" pitchFamily="2" charset="0"/>
+                <a:cs typeface="Arial" panose="020B0604020202020204" pitchFamily="34" charset="0"/>
+              </a:endParaRPr>
+            </a:p>
+          </p:txBody>
+        </p:sp>
+        <p:sp>
+          <p:nvSpPr>
+            <p:cNvPr id="15" name="矩形 64">
+              <a:extLst>
+                <a:ext uri="{FF2B5EF4-FFF2-40B4-BE49-F238E27FC236}">
+                  <a16:creationId xmlns:a16="http://schemas.microsoft.com/office/drawing/2014/main" id="{7378FE94-301C-4A41-AD7C-53FE41B882DC}"/>
+                </a:ext>
+              </a:extLst>
+            </p:cNvPr>
+            <p:cNvSpPr/>
+            <p:nvPr/>
+          </p:nvSpPr>
+          <p:spPr>
+            <a:xfrm>
+              <a:off x="1956850" y="3630778"/>
+              <a:ext cx="902811" cy="307777"/>
+            </a:xfrm>
+            <a:prstGeom prst="rect">
+              <a:avLst/>
+            </a:prstGeom>
+          </p:spPr>
+          <p:txBody>
+            <a:bodyPr wrap="none">
+              <a:spAutoFit/>
+            </a:bodyPr>
+            <a:lstStyle/>
+            <a:p>
+              <a:r>
+                <a:rPr lang="zh-CN" altLang="en-US" sz="1400" dirty="0">
+                  <a:latin typeface="Helvetica" pitchFamily="2" charset="0"/>
+                </a:rPr>
+                <a:t>数据传输</a:t>
+              </a:r>
+            </a:p>
+          </p:txBody>
+        </p:sp>
+        <p:grpSp>
+          <p:nvGrpSpPr>
+            <p:cNvPr id="16" name="组合 65">
+              <a:extLst>
+                <a:ext uri="{FF2B5EF4-FFF2-40B4-BE49-F238E27FC236}">
+                  <a16:creationId xmlns:a16="http://schemas.microsoft.com/office/drawing/2014/main" id="{804152D3-4EBD-44FB-8048-BD63BBD9D4A0}"/>
+                </a:ext>
+              </a:extLst>
+            </p:cNvPr>
+            <p:cNvGrpSpPr/>
+            <p:nvPr/>
+          </p:nvGrpSpPr>
+          <p:grpSpPr>
+            <a:xfrm flipH="1" flipV="1">
+              <a:off x="1945556" y="3387486"/>
+              <a:ext cx="79905" cy="734889"/>
+              <a:chOff x="1427867" y="2464420"/>
+              <a:chExt cx="48577" cy="936702"/>
+            </a:xfrm>
+          </p:grpSpPr>
+          <p:cxnSp>
+            <p:nvCxnSpPr>
+              <p:cNvPr id="39" name="直线连接符 93">
+                <a:extLst>
+                  <a:ext uri="{FF2B5EF4-FFF2-40B4-BE49-F238E27FC236}">
+                    <a16:creationId xmlns:a16="http://schemas.microsoft.com/office/drawing/2014/main" id="{AE87C629-13E8-48AD-9C08-FB7B11CB4978}"/>
+                  </a:ext>
+                </a:extLst>
+              </p:cNvPr>
+              <p:cNvCxnSpPr/>
+              <p:nvPr/>
+            </p:nvCxnSpPr>
+            <p:spPr>
+              <a:xfrm>
+                <a:off x="1476444" y="2464420"/>
+                <a:ext cx="0" cy="936702"/>
+              </a:xfrm>
+              <a:prstGeom prst="line">
+                <a:avLst/>
+              </a:prstGeom>
+              <a:ln w="25400">
+                <a:solidFill>
+                  <a:srgbClr val="A2A5BC"/>
+                </a:solidFill>
+              </a:ln>
+            </p:spPr>
+            <p:style>
+              <a:lnRef idx="1">
+                <a:schemeClr val="accent1"/>
+              </a:lnRef>
+              <a:fillRef idx="0">
+                <a:schemeClr val="accent1"/>
+              </a:fillRef>
+              <a:effectRef idx="0">
+                <a:schemeClr val="accent1"/>
+              </a:effectRef>
+              <a:fontRef idx="minor">
+                <a:schemeClr val="tx1"/>
+              </a:fontRef>
+            </p:style>
+          </p:cxnSp>
+          <p:cxnSp>
+            <p:nvCxnSpPr>
+              <p:cNvPr id="40" name="直线连接符 94">
+                <a:extLst>
+                  <a:ext uri="{FF2B5EF4-FFF2-40B4-BE49-F238E27FC236}">
+                    <a16:creationId xmlns:a16="http://schemas.microsoft.com/office/drawing/2014/main" id="{6AAF04D2-64A0-486C-9D5C-DF22AFACFADD}"/>
+                  </a:ext>
+                </a:extLst>
+              </p:cNvPr>
+              <p:cNvCxnSpPr>
+                <a:cxnSpLocks/>
+              </p:cNvCxnSpPr>
+              <p:nvPr/>
+            </p:nvCxnSpPr>
+            <p:spPr>
+              <a:xfrm flipH="1" flipV="1">
+                <a:off x="1427867" y="3286026"/>
+                <a:ext cx="48577" cy="115096"/>
+              </a:xfrm>
+              <a:prstGeom prst="line">
+                <a:avLst/>
+              </a:prstGeom>
+              <a:ln w="22225">
+                <a:solidFill>
+                  <a:srgbClr val="A2A5BC"/>
+                </a:solidFill>
+              </a:ln>
+            </p:spPr>
+            <p:style>
+              <a:lnRef idx="1">
+                <a:schemeClr val="accent1"/>
+              </a:lnRef>
+              <a:fillRef idx="0">
+                <a:schemeClr val="accent1"/>
+              </a:fillRef>
+              <a:effectRef idx="0">
+                <a:schemeClr val="accent1"/>
+              </a:effectRef>
+              <a:fontRef idx="minor">
+                <a:schemeClr val="tx1"/>
+              </a:fontRef>
+            </p:style>
+          </p:cxnSp>
+        </p:grpSp>
+        <p:grpSp>
+          <p:nvGrpSpPr>
+            <p:cNvPr id="17" name="组合 66">
+              <a:extLst>
+                <a:ext uri="{FF2B5EF4-FFF2-40B4-BE49-F238E27FC236}">
+                  <a16:creationId xmlns:a16="http://schemas.microsoft.com/office/drawing/2014/main" id="{D086824E-CC58-48F6-A9AC-2A8B31AFEF15}"/>
+                </a:ext>
+              </a:extLst>
+            </p:cNvPr>
+            <p:cNvGrpSpPr/>
+            <p:nvPr/>
+          </p:nvGrpSpPr>
+          <p:grpSpPr>
+            <a:xfrm>
+              <a:off x="1798410" y="3389532"/>
+              <a:ext cx="61047" cy="732844"/>
+              <a:chOff x="1427867" y="2464420"/>
+              <a:chExt cx="48577" cy="936702"/>
+            </a:xfrm>
+          </p:grpSpPr>
+          <p:cxnSp>
+            <p:nvCxnSpPr>
+              <p:cNvPr id="37" name="直线连接符 90">
+                <a:extLst>
+                  <a:ext uri="{FF2B5EF4-FFF2-40B4-BE49-F238E27FC236}">
+                    <a16:creationId xmlns:a16="http://schemas.microsoft.com/office/drawing/2014/main" id="{231DB920-B0A6-4155-9578-F99F1984A03A}"/>
+                  </a:ext>
+                </a:extLst>
+              </p:cNvPr>
+              <p:cNvCxnSpPr/>
+              <p:nvPr/>
+            </p:nvCxnSpPr>
+            <p:spPr>
+              <a:xfrm>
+                <a:off x="1476444" y="2464420"/>
+                <a:ext cx="0" cy="936702"/>
+              </a:xfrm>
+              <a:prstGeom prst="line">
+                <a:avLst/>
+              </a:prstGeom>
+              <a:ln w="25400">
+                <a:solidFill>
+                  <a:srgbClr val="A2A5BC"/>
+                </a:solidFill>
+              </a:ln>
+            </p:spPr>
+            <p:style>
+              <a:lnRef idx="1">
+                <a:schemeClr val="accent1"/>
+              </a:lnRef>
+              <a:fillRef idx="0">
+                <a:schemeClr val="accent1"/>
+              </a:fillRef>
+              <a:effectRef idx="0">
+                <a:schemeClr val="accent1"/>
+              </a:effectRef>
+              <a:fontRef idx="minor">
+                <a:schemeClr val="tx1"/>
+              </a:fontRef>
+            </p:style>
+          </p:cxnSp>
+          <p:cxnSp>
+            <p:nvCxnSpPr>
+              <p:cNvPr id="38" name="直线连接符 91">
+                <a:extLst>
+                  <a:ext uri="{FF2B5EF4-FFF2-40B4-BE49-F238E27FC236}">
+                    <a16:creationId xmlns:a16="http://schemas.microsoft.com/office/drawing/2014/main" id="{24FCB004-78A3-4E79-828F-AD166BC20811}"/>
+                  </a:ext>
+                </a:extLst>
+              </p:cNvPr>
+              <p:cNvCxnSpPr>
+                <a:cxnSpLocks/>
+              </p:cNvCxnSpPr>
+              <p:nvPr/>
+            </p:nvCxnSpPr>
+            <p:spPr>
+              <a:xfrm flipH="1" flipV="1">
+                <a:off x="1427867" y="3286026"/>
+                <a:ext cx="48577" cy="115096"/>
+              </a:xfrm>
+              <a:prstGeom prst="line">
+                <a:avLst/>
+              </a:prstGeom>
+              <a:ln w="22225">
+                <a:solidFill>
+                  <a:srgbClr val="A2A5BC"/>
+                </a:solidFill>
+              </a:ln>
+            </p:spPr>
+            <p:style>
+              <a:lnRef idx="1">
+                <a:schemeClr val="accent1"/>
+              </a:lnRef>
+              <a:fillRef idx="0">
+                <a:schemeClr val="accent1"/>
+              </a:fillRef>
+              <a:effectRef idx="0">
+                <a:schemeClr val="accent1"/>
+              </a:effectRef>
+              <a:fontRef idx="minor">
+                <a:schemeClr val="tx1"/>
+              </a:fontRef>
+            </p:style>
+          </p:cxnSp>
+        </p:grpSp>
+        <p:sp>
+          <p:nvSpPr>
+            <p:cNvPr id="18" name="矩形 67">
+              <a:extLst>
+                <a:ext uri="{FF2B5EF4-FFF2-40B4-BE49-F238E27FC236}">
+                  <a16:creationId xmlns:a16="http://schemas.microsoft.com/office/drawing/2014/main" id="{D2C634AE-8FC8-4B72-A791-64731453BC56}"/>
+                </a:ext>
+              </a:extLst>
+            </p:cNvPr>
+            <p:cNvSpPr/>
+            <p:nvPr/>
+          </p:nvSpPr>
+          <p:spPr>
+            <a:xfrm>
+              <a:off x="953492" y="4269239"/>
+              <a:ext cx="5158722" cy="753706"/>
+            </a:xfrm>
+            <a:prstGeom prst="rect">
+              <a:avLst/>
+            </a:prstGeom>
+            <a:noFill/>
+            <a:ln w="22225">
+              <a:solidFill>
+                <a:srgbClr val="F5F5FB"/>
+              </a:solidFill>
+            </a:ln>
+          </p:spPr>
+          <p:style>
+            <a:lnRef idx="2">
+              <a:schemeClr val="accent1">
+                <a:shade val="50000"/>
+              </a:schemeClr>
+            </a:lnRef>
+            <a:fillRef idx="1">
+              <a:schemeClr val="accent1"/>
+            </a:fillRef>
+            <a:effectRef idx="0">
+              <a:schemeClr val="accent1"/>
+            </a:effectRef>
+            <a:fontRef idx="minor">
+              <a:schemeClr val="lt1"/>
+            </a:fontRef>
+          </p:style>
+          <p:txBody>
+            <a:bodyPr rtlCol="0" anchor="ctr"/>
+            <a:lstStyle/>
+            <a:p>
+              <a:pPr algn="ctr"/>
+              <a:endParaRPr kumimoji="1" lang="zh-CN" altLang="en-US" sz="1600" dirty="0">
+                <a:solidFill>
+                  <a:schemeClr val="bg1"/>
+                </a:solidFill>
+                <a:latin typeface="Helvetica" pitchFamily="2" charset="0"/>
+                <a:cs typeface="Arial" panose="020B0604020202020204" pitchFamily="34" charset="0"/>
+              </a:endParaRPr>
+            </a:p>
+          </p:txBody>
+        </p:sp>
+        <p:sp>
+          <p:nvSpPr>
+            <p:cNvPr id="19" name="文本框 73">
+              <a:extLst>
+                <a:ext uri="{FF2B5EF4-FFF2-40B4-BE49-F238E27FC236}">
+                  <a16:creationId xmlns:a16="http://schemas.microsoft.com/office/drawing/2014/main" id="{B464093E-C054-4FC4-8777-27E5B42790FF}"/>
+                </a:ext>
+              </a:extLst>
+            </p:cNvPr>
+            <p:cNvSpPr txBox="1"/>
+            <p:nvPr/>
+          </p:nvSpPr>
+          <p:spPr>
+            <a:xfrm>
+              <a:off x="3304366" y="4432575"/>
+              <a:ext cx="2327373" cy="523220"/>
+            </a:xfrm>
+            <a:prstGeom prst="rect">
+              <a:avLst/>
+            </a:prstGeom>
+            <a:noFill/>
+          </p:spPr>
+          <p:txBody>
+            <a:bodyPr wrap="square" rtlCol="0">
+              <a:spAutoFit/>
+            </a:bodyPr>
+            <a:lstStyle/>
+            <a:p>
+              <a:pPr algn="ctr"/>
+              <a:r>
+                <a:rPr kumimoji="1" lang="en-US" altLang="zh-CN" sz="1400" dirty="0">
+                  <a:solidFill>
+                    <a:srgbClr val="383B55"/>
+                  </a:solidFill>
+                  <a:latin typeface="Helvetica" pitchFamily="2" charset="0"/>
+                  <a:cs typeface="Arial" panose="020B0604020202020204" pitchFamily="34" charset="0"/>
+                </a:rPr>
+                <a:t>3. </a:t>
+              </a:r>
+              <a:r>
+                <a:rPr kumimoji="1" lang="zh-CN" altLang="en-US" sz="1400" dirty="0">
+                  <a:solidFill>
+                    <a:srgbClr val="383B55"/>
+                  </a:solidFill>
+                  <a:latin typeface="Helvetica" pitchFamily="2" charset="0"/>
+                  <a:cs typeface="Arial" panose="020B0604020202020204" pitchFamily="34" charset="0"/>
+                </a:rPr>
+                <a:t>将采集点和控制点映射至模型点</a:t>
+              </a:r>
+            </a:p>
+          </p:txBody>
+        </p:sp>
+        <p:sp>
+          <p:nvSpPr>
+            <p:cNvPr id="20" name="矩形 74">
+              <a:extLst>
+                <a:ext uri="{FF2B5EF4-FFF2-40B4-BE49-F238E27FC236}">
+                  <a16:creationId xmlns:a16="http://schemas.microsoft.com/office/drawing/2014/main" id="{12AA2743-08EF-402A-8A8D-3A3A29C742AB}"/>
+                </a:ext>
+              </a:extLst>
+            </p:cNvPr>
+            <p:cNvSpPr/>
+            <p:nvPr/>
+          </p:nvSpPr>
+          <p:spPr>
+            <a:xfrm>
+              <a:off x="3328320" y="4362546"/>
+              <a:ext cx="2327372" cy="593249"/>
+            </a:xfrm>
+            <a:prstGeom prst="rect">
+              <a:avLst/>
+            </a:prstGeom>
+            <a:noFill/>
+            <a:ln w="25400">
+              <a:solidFill>
+                <a:srgbClr val="D8D9E6"/>
+              </a:solidFill>
+            </a:ln>
+          </p:spPr>
+          <p:style>
+            <a:lnRef idx="2">
+              <a:schemeClr val="accent1">
+                <a:shade val="50000"/>
+              </a:schemeClr>
+            </a:lnRef>
+            <a:fillRef idx="1">
+              <a:schemeClr val="accent1"/>
+            </a:fillRef>
+            <a:effectRef idx="0">
+              <a:schemeClr val="accent1"/>
+            </a:effectRef>
+            <a:fontRef idx="minor">
+              <a:schemeClr val="lt1"/>
+            </a:fontRef>
+          </p:style>
+          <p:txBody>
+            <a:bodyPr rtlCol="0" anchor="ctr"/>
+            <a:lstStyle/>
+            <a:p>
+              <a:pPr algn="ctr"/>
+              <a:endParaRPr kumimoji="1" lang="zh-CN" altLang="en-US" sz="1600" dirty="0">
+                <a:solidFill>
+                  <a:schemeClr val="bg1"/>
+                </a:solidFill>
+                <a:latin typeface="Helvetica" pitchFamily="2" charset="0"/>
+                <a:cs typeface="Arial" panose="020B0604020202020204" pitchFamily="34" charset="0"/>
+              </a:endParaRPr>
+            </a:p>
+          </p:txBody>
+        </p:sp>
+        <p:sp>
+          <p:nvSpPr>
+            <p:cNvPr id="21" name="文本框 75">
+              <a:extLst>
+                <a:ext uri="{FF2B5EF4-FFF2-40B4-BE49-F238E27FC236}">
+                  <a16:creationId xmlns:a16="http://schemas.microsoft.com/office/drawing/2014/main" id="{4EB98E8D-674D-4176-A116-2E33173D5FD3}"/>
+                </a:ext>
+              </a:extLst>
+            </p:cNvPr>
+            <p:cNvSpPr txBox="1"/>
+            <p:nvPr/>
+          </p:nvSpPr>
+          <p:spPr>
+            <a:xfrm>
+              <a:off x="3337787" y="2812357"/>
+              <a:ext cx="2379191" cy="307777"/>
+            </a:xfrm>
+            <a:prstGeom prst="rect">
+              <a:avLst/>
+            </a:prstGeom>
+            <a:noFill/>
+          </p:spPr>
+          <p:txBody>
+            <a:bodyPr wrap="square" rtlCol="0">
+              <a:spAutoFit/>
+            </a:bodyPr>
+            <a:lstStyle/>
+            <a:p>
+              <a:pPr algn="ctr"/>
+              <a:r>
+                <a:rPr kumimoji="1" lang="en-US" altLang="zh-CN" sz="1400" dirty="0">
+                  <a:solidFill>
+                    <a:srgbClr val="383B55"/>
+                  </a:solidFill>
+                  <a:latin typeface="Helvetica" pitchFamily="2" charset="0"/>
+                  <a:cs typeface="Arial" panose="020B0604020202020204" pitchFamily="34" charset="0"/>
+                </a:rPr>
+                <a:t>2. </a:t>
+              </a:r>
+              <a:r>
+                <a:rPr kumimoji="1" lang="zh-CN" altLang="en-US" sz="1400" dirty="0">
+                  <a:solidFill>
+                    <a:srgbClr val="383B55"/>
+                  </a:solidFill>
+                  <a:latin typeface="Helvetica" pitchFamily="2" charset="0"/>
+                  <a:cs typeface="Arial" panose="020B0604020202020204" pitchFamily="34" charset="0"/>
+                </a:rPr>
+                <a:t>边缘计算：数据处理脚本</a:t>
+              </a:r>
+            </a:p>
+          </p:txBody>
+        </p:sp>
+        <p:sp>
+          <p:nvSpPr>
+            <p:cNvPr id="22" name="矩形 76">
+              <a:extLst>
+                <a:ext uri="{FF2B5EF4-FFF2-40B4-BE49-F238E27FC236}">
+                  <a16:creationId xmlns:a16="http://schemas.microsoft.com/office/drawing/2014/main" id="{1325CD57-13DA-46B8-9E0D-76EC4E0FCBEF}"/>
+                </a:ext>
+              </a:extLst>
+            </p:cNvPr>
+            <p:cNvSpPr/>
+            <p:nvPr/>
+          </p:nvSpPr>
+          <p:spPr>
+            <a:xfrm>
+              <a:off x="3337787" y="2652635"/>
+              <a:ext cx="2317905" cy="593249"/>
+            </a:xfrm>
+            <a:prstGeom prst="rect">
+              <a:avLst/>
+            </a:prstGeom>
+            <a:noFill/>
+            <a:ln w="25400">
+              <a:solidFill>
+                <a:srgbClr val="D8D9E6"/>
+              </a:solidFill>
+            </a:ln>
+          </p:spPr>
+          <p:style>
+            <a:lnRef idx="2">
+              <a:schemeClr val="accent1">
+                <a:shade val="50000"/>
+              </a:schemeClr>
+            </a:lnRef>
+            <a:fillRef idx="1">
+              <a:schemeClr val="accent1"/>
+            </a:fillRef>
+            <a:effectRef idx="0">
+              <a:schemeClr val="accent1"/>
+            </a:effectRef>
+            <a:fontRef idx="minor">
+              <a:schemeClr val="lt1"/>
+            </a:fontRef>
+          </p:style>
+          <p:txBody>
+            <a:bodyPr rtlCol="0" anchor="ctr"/>
+            <a:lstStyle/>
+            <a:p>
+              <a:pPr algn="ctr"/>
+              <a:endParaRPr kumimoji="1" lang="zh-CN" altLang="en-US" sz="1600" dirty="0">
+                <a:solidFill>
+                  <a:schemeClr val="bg1"/>
+                </a:solidFill>
+                <a:latin typeface="Helvetica" pitchFamily="2" charset="0"/>
+                <a:cs typeface="Arial" panose="020B0604020202020204" pitchFamily="34" charset="0"/>
+              </a:endParaRPr>
+            </a:p>
+          </p:txBody>
+        </p:sp>
+        <p:sp>
+          <p:nvSpPr>
+            <p:cNvPr id="23" name="Freeform 65">
+              <a:extLst>
+                <a:ext uri="{FF2B5EF4-FFF2-40B4-BE49-F238E27FC236}">
+                  <a16:creationId xmlns:a16="http://schemas.microsoft.com/office/drawing/2014/main" id="{5B0AD697-178B-406D-B73B-CFD1D8278A08}"/>
+                </a:ext>
+              </a:extLst>
+            </p:cNvPr>
+            <p:cNvSpPr>
+              <a:spLocks noEditPoints="1"/>
+            </p:cNvSpPr>
+            <p:nvPr/>
+          </p:nvSpPr>
+          <p:spPr bwMode="auto">
+            <a:xfrm>
+              <a:off x="1359481" y="2815603"/>
+              <a:ext cx="394756" cy="302188"/>
+            </a:xfrm>
+            <a:custGeom>
+              <a:avLst/>
+              <a:gdLst>
+                <a:gd name="T0" fmla="*/ 179 w 661"/>
+                <a:gd name="T1" fmla="*/ 397 h 506"/>
+                <a:gd name="T2" fmla="*/ 144 w 661"/>
+                <a:gd name="T3" fmla="*/ 397 h 506"/>
+                <a:gd name="T4" fmla="*/ 144 w 661"/>
+                <a:gd name="T5" fmla="*/ 433 h 506"/>
+                <a:gd name="T6" fmla="*/ 179 w 661"/>
+                <a:gd name="T7" fmla="*/ 433 h 506"/>
+                <a:gd name="T8" fmla="*/ 179 w 661"/>
+                <a:gd name="T9" fmla="*/ 397 h 506"/>
+                <a:gd name="T10" fmla="*/ 108 w 661"/>
+                <a:gd name="T11" fmla="*/ 324 h 506"/>
+                <a:gd name="T12" fmla="*/ 70 w 661"/>
+                <a:gd name="T13" fmla="*/ 324 h 506"/>
+                <a:gd name="T14" fmla="*/ 70 w 661"/>
+                <a:gd name="T15" fmla="*/ 362 h 506"/>
+                <a:gd name="T16" fmla="*/ 108 w 661"/>
+                <a:gd name="T17" fmla="*/ 362 h 506"/>
+                <a:gd name="T18" fmla="*/ 108 w 661"/>
+                <a:gd name="T19" fmla="*/ 324 h 506"/>
+                <a:gd name="T20" fmla="*/ 108 w 661"/>
+                <a:gd name="T21" fmla="*/ 397 h 506"/>
+                <a:gd name="T22" fmla="*/ 70 w 661"/>
+                <a:gd name="T23" fmla="*/ 397 h 506"/>
+                <a:gd name="T24" fmla="*/ 70 w 661"/>
+                <a:gd name="T25" fmla="*/ 433 h 506"/>
+                <a:gd name="T26" fmla="*/ 108 w 661"/>
+                <a:gd name="T27" fmla="*/ 433 h 506"/>
+                <a:gd name="T28" fmla="*/ 108 w 661"/>
+                <a:gd name="T29" fmla="*/ 397 h 506"/>
+                <a:gd name="T30" fmla="*/ 250 w 661"/>
+                <a:gd name="T31" fmla="*/ 397 h 506"/>
+                <a:gd name="T32" fmla="*/ 215 w 661"/>
+                <a:gd name="T33" fmla="*/ 397 h 506"/>
+                <a:gd name="T34" fmla="*/ 215 w 661"/>
+                <a:gd name="T35" fmla="*/ 433 h 506"/>
+                <a:gd name="T36" fmla="*/ 250 w 661"/>
+                <a:gd name="T37" fmla="*/ 433 h 506"/>
+                <a:gd name="T38" fmla="*/ 250 w 661"/>
+                <a:gd name="T39" fmla="*/ 397 h 506"/>
+                <a:gd name="T40" fmla="*/ 179 w 661"/>
+                <a:gd name="T41" fmla="*/ 324 h 506"/>
+                <a:gd name="T42" fmla="*/ 144 w 661"/>
+                <a:gd name="T43" fmla="*/ 324 h 506"/>
+                <a:gd name="T44" fmla="*/ 144 w 661"/>
+                <a:gd name="T45" fmla="*/ 362 h 506"/>
+                <a:gd name="T46" fmla="*/ 179 w 661"/>
+                <a:gd name="T47" fmla="*/ 362 h 506"/>
+                <a:gd name="T48" fmla="*/ 179 w 661"/>
+                <a:gd name="T49" fmla="*/ 324 h 506"/>
+                <a:gd name="T50" fmla="*/ 576 w 661"/>
+                <a:gd name="T51" fmla="*/ 352 h 506"/>
+                <a:gd name="T52" fmla="*/ 432 w 661"/>
+                <a:gd name="T53" fmla="*/ 352 h 506"/>
+                <a:gd name="T54" fmla="*/ 432 w 661"/>
+                <a:gd name="T55" fmla="*/ 407 h 506"/>
+                <a:gd name="T56" fmla="*/ 576 w 661"/>
+                <a:gd name="T57" fmla="*/ 407 h 506"/>
+                <a:gd name="T58" fmla="*/ 576 w 661"/>
+                <a:gd name="T59" fmla="*/ 352 h 506"/>
+                <a:gd name="T60" fmla="*/ 661 w 661"/>
+                <a:gd name="T61" fmla="*/ 253 h 506"/>
+                <a:gd name="T62" fmla="*/ 661 w 661"/>
+                <a:gd name="T63" fmla="*/ 253 h 506"/>
+                <a:gd name="T64" fmla="*/ 543 w 661"/>
+                <a:gd name="T65" fmla="*/ 0 h 506"/>
+                <a:gd name="T66" fmla="*/ 115 w 661"/>
+                <a:gd name="T67" fmla="*/ 0 h 506"/>
+                <a:gd name="T68" fmla="*/ 0 w 661"/>
+                <a:gd name="T69" fmla="*/ 253 h 506"/>
+                <a:gd name="T70" fmla="*/ 0 w 661"/>
+                <a:gd name="T71" fmla="*/ 253 h 506"/>
+                <a:gd name="T72" fmla="*/ 0 w 661"/>
+                <a:gd name="T73" fmla="*/ 506 h 506"/>
+                <a:gd name="T74" fmla="*/ 661 w 661"/>
+                <a:gd name="T75" fmla="*/ 506 h 506"/>
+                <a:gd name="T76" fmla="*/ 661 w 661"/>
+                <a:gd name="T77" fmla="*/ 506 h 506"/>
+                <a:gd name="T78" fmla="*/ 661 w 661"/>
+                <a:gd name="T79" fmla="*/ 506 h 506"/>
+                <a:gd name="T80" fmla="*/ 661 w 661"/>
+                <a:gd name="T81" fmla="*/ 253 h 506"/>
+                <a:gd name="T82" fmla="*/ 661 w 661"/>
+                <a:gd name="T83" fmla="*/ 253 h 506"/>
+                <a:gd name="T84" fmla="*/ 626 w 661"/>
+                <a:gd name="T85" fmla="*/ 468 h 506"/>
+                <a:gd name="T86" fmla="*/ 35 w 661"/>
+                <a:gd name="T87" fmla="*/ 468 h 506"/>
+                <a:gd name="T88" fmla="*/ 35 w 661"/>
+                <a:gd name="T89" fmla="*/ 288 h 506"/>
+                <a:gd name="T90" fmla="*/ 626 w 661"/>
+                <a:gd name="T91" fmla="*/ 288 h 506"/>
+                <a:gd name="T92" fmla="*/ 626 w 661"/>
+                <a:gd name="T93" fmla="*/ 468 h 506"/>
+                <a:gd name="T94" fmla="*/ 323 w 661"/>
+                <a:gd name="T95" fmla="*/ 324 h 506"/>
+                <a:gd name="T96" fmla="*/ 288 w 661"/>
+                <a:gd name="T97" fmla="*/ 324 h 506"/>
+                <a:gd name="T98" fmla="*/ 288 w 661"/>
+                <a:gd name="T99" fmla="*/ 362 h 506"/>
+                <a:gd name="T100" fmla="*/ 323 w 661"/>
+                <a:gd name="T101" fmla="*/ 362 h 506"/>
+                <a:gd name="T102" fmla="*/ 323 w 661"/>
+                <a:gd name="T103" fmla="*/ 324 h 506"/>
+                <a:gd name="T104" fmla="*/ 323 w 661"/>
+                <a:gd name="T105" fmla="*/ 397 h 506"/>
+                <a:gd name="T106" fmla="*/ 288 w 661"/>
+                <a:gd name="T107" fmla="*/ 397 h 506"/>
+                <a:gd name="T108" fmla="*/ 288 w 661"/>
+                <a:gd name="T109" fmla="*/ 433 h 506"/>
+                <a:gd name="T110" fmla="*/ 323 w 661"/>
+                <a:gd name="T111" fmla="*/ 433 h 506"/>
+                <a:gd name="T112" fmla="*/ 323 w 661"/>
+                <a:gd name="T113" fmla="*/ 397 h 506"/>
+                <a:gd name="T114" fmla="*/ 250 w 661"/>
+                <a:gd name="T115" fmla="*/ 324 h 506"/>
+                <a:gd name="T116" fmla="*/ 215 w 661"/>
+                <a:gd name="T117" fmla="*/ 324 h 506"/>
+                <a:gd name="T118" fmla="*/ 215 w 661"/>
+                <a:gd name="T119" fmla="*/ 362 h 506"/>
+                <a:gd name="T120" fmla="*/ 250 w 661"/>
+                <a:gd name="T121" fmla="*/ 362 h 506"/>
+                <a:gd name="T122" fmla="*/ 250 w 661"/>
+                <a:gd name="T123" fmla="*/ 324 h 506"/>
+              </a:gdLst>
+              <a:ahLst/>
+              <a:cxnLst>
+                <a:cxn ang="0">
+                  <a:pos x="T0" y="T1"/>
+                </a:cxn>
+                <a:cxn ang="0">
+                  <a:pos x="T2" y="T3"/>
+                </a:cxn>
+                <a:cxn ang="0">
+                  <a:pos x="T4" y="T5"/>
+                </a:cxn>
+                <a:cxn ang="0">
+                  <a:pos x="T6" y="T7"/>
+                </a:cxn>
+                <a:cxn ang="0">
+                  <a:pos x="T8" y="T9"/>
+                </a:cxn>
+                <a:cxn ang="0">
+                  <a:pos x="T10" y="T11"/>
+                </a:cxn>
+                <a:cxn ang="0">
+                  <a:pos x="T12" y="T13"/>
+                </a:cxn>
+                <a:cxn ang="0">
+                  <a:pos x="T14" y="T15"/>
+                </a:cxn>
+                <a:cxn ang="0">
+                  <a:pos x="T16" y="T17"/>
+                </a:cxn>
+                <a:cxn ang="0">
+                  <a:pos x="T18" y="T19"/>
+                </a:cxn>
+                <a:cxn ang="0">
+                  <a:pos x="T20" y="T21"/>
+                </a:cxn>
+                <a:cxn ang="0">
+                  <a:pos x="T22" y="T23"/>
+                </a:cxn>
+                <a:cxn ang="0">
+                  <a:pos x="T24" y="T25"/>
+                </a:cxn>
+                <a:cxn ang="0">
+                  <a:pos x="T26" y="T27"/>
+                </a:cxn>
+                <a:cxn ang="0">
+                  <a:pos x="T28" y="T29"/>
+                </a:cxn>
+                <a:cxn ang="0">
+                  <a:pos x="T30" y="T31"/>
+                </a:cxn>
+                <a:cxn ang="0">
+                  <a:pos x="T32" y="T33"/>
+                </a:cxn>
+                <a:cxn ang="0">
+                  <a:pos x="T34" y="T35"/>
+                </a:cxn>
+                <a:cxn ang="0">
+                  <a:pos x="T36" y="T37"/>
+                </a:cxn>
+                <a:cxn ang="0">
+                  <a:pos x="T38" y="T39"/>
+                </a:cxn>
+                <a:cxn ang="0">
+                  <a:pos x="T40" y="T41"/>
+                </a:cxn>
+                <a:cxn ang="0">
+                  <a:pos x="T42" y="T43"/>
+                </a:cxn>
+                <a:cxn ang="0">
+                  <a:pos x="T44" y="T45"/>
+                </a:cxn>
+                <a:cxn ang="0">
+                  <a:pos x="T46" y="T47"/>
+                </a:cxn>
+                <a:cxn ang="0">
+                  <a:pos x="T48" y="T49"/>
+                </a:cxn>
+                <a:cxn ang="0">
+                  <a:pos x="T50" y="T51"/>
+                </a:cxn>
+                <a:cxn ang="0">
+                  <a:pos x="T52" y="T53"/>
+                </a:cxn>
+                <a:cxn ang="0">
+                  <a:pos x="T54" y="T55"/>
+                </a:cxn>
+                <a:cxn ang="0">
+                  <a:pos x="T56" y="T57"/>
+                </a:cxn>
+                <a:cxn ang="0">
+                  <a:pos x="T58" y="T59"/>
+                </a:cxn>
+                <a:cxn ang="0">
+                  <a:pos x="T60" y="T61"/>
+                </a:cxn>
+                <a:cxn ang="0">
+                  <a:pos x="T62" y="T63"/>
+                </a:cxn>
+                <a:cxn ang="0">
+                  <a:pos x="T64" y="T65"/>
+                </a:cxn>
+                <a:cxn ang="0">
+                  <a:pos x="T66" y="T67"/>
+                </a:cxn>
+                <a:cxn ang="0">
+                  <a:pos x="T68" y="T69"/>
+                </a:cxn>
+                <a:cxn ang="0">
+                  <a:pos x="T70" y="T71"/>
+                </a:cxn>
+                <a:cxn ang="0">
+                  <a:pos x="T72" y="T73"/>
+                </a:cxn>
+                <a:cxn ang="0">
+                  <a:pos x="T74" y="T75"/>
+                </a:cxn>
+                <a:cxn ang="0">
+                  <a:pos x="T76" y="T77"/>
+                </a:cxn>
+                <a:cxn ang="0">
+                  <a:pos x="T78" y="T79"/>
+                </a:cxn>
+                <a:cxn ang="0">
+                  <a:pos x="T80" y="T81"/>
+                </a:cxn>
+                <a:cxn ang="0">
+                  <a:pos x="T82" y="T83"/>
+                </a:cxn>
+                <a:cxn ang="0">
+                  <a:pos x="T84" y="T85"/>
+                </a:cxn>
+                <a:cxn ang="0">
+                  <a:pos x="T86" y="T87"/>
+                </a:cxn>
+                <a:cxn ang="0">
+                  <a:pos x="T88" y="T89"/>
+                </a:cxn>
+                <a:cxn ang="0">
+                  <a:pos x="T90" y="T91"/>
+                </a:cxn>
+                <a:cxn ang="0">
+                  <a:pos x="T92" y="T93"/>
+                </a:cxn>
+                <a:cxn ang="0">
+                  <a:pos x="T94" y="T95"/>
+                </a:cxn>
+                <a:cxn ang="0">
+                  <a:pos x="T96" y="T97"/>
+                </a:cxn>
+                <a:cxn ang="0">
+                  <a:pos x="T98" y="T99"/>
+                </a:cxn>
+                <a:cxn ang="0">
+                  <a:pos x="T100" y="T101"/>
+                </a:cxn>
+                <a:cxn ang="0">
+                  <a:pos x="T102" y="T103"/>
+                </a:cxn>
+                <a:cxn ang="0">
+                  <a:pos x="T104" y="T105"/>
+                </a:cxn>
+                <a:cxn ang="0">
+                  <a:pos x="T106" y="T107"/>
+                </a:cxn>
+                <a:cxn ang="0">
+                  <a:pos x="T108" y="T109"/>
+                </a:cxn>
+                <a:cxn ang="0">
+                  <a:pos x="T110" y="T111"/>
+                </a:cxn>
+                <a:cxn ang="0">
+                  <a:pos x="T112" y="T113"/>
+                </a:cxn>
+                <a:cxn ang="0">
+                  <a:pos x="T114" y="T115"/>
+                </a:cxn>
+                <a:cxn ang="0">
+                  <a:pos x="T116" y="T117"/>
+                </a:cxn>
+                <a:cxn ang="0">
+                  <a:pos x="T118" y="T119"/>
+                </a:cxn>
+                <a:cxn ang="0">
+                  <a:pos x="T120" y="T121"/>
+                </a:cxn>
+                <a:cxn ang="0">
+                  <a:pos x="T122" y="T123"/>
+                </a:cxn>
+              </a:cxnLst>
+              <a:rect l="0" t="0" r="r" b="b"/>
+              <a:pathLst>
+                <a:path w="661" h="506">
+                  <a:moveTo>
+                    <a:pt x="179" y="397"/>
+                  </a:moveTo>
+                  <a:lnTo>
+                    <a:pt x="144" y="397"/>
+                  </a:lnTo>
+                  <a:lnTo>
+                    <a:pt x="144" y="433"/>
+                  </a:lnTo>
+                  <a:lnTo>
+                    <a:pt x="179" y="433"/>
+                  </a:lnTo>
+                  <a:lnTo>
+                    <a:pt x="179" y="397"/>
+                  </a:lnTo>
+                  <a:close/>
+                  <a:moveTo>
+                    <a:pt x="108" y="324"/>
+                  </a:moveTo>
+                  <a:lnTo>
+                    <a:pt x="70" y="324"/>
+                  </a:lnTo>
+                  <a:lnTo>
+                    <a:pt x="70" y="362"/>
+                  </a:lnTo>
+                  <a:lnTo>
+                    <a:pt x="108" y="362"/>
+                  </a:lnTo>
+                  <a:lnTo>
+                    <a:pt x="108" y="324"/>
+                  </a:lnTo>
+                  <a:close/>
+                  <a:moveTo>
+                    <a:pt x="108" y="397"/>
+                  </a:moveTo>
+                  <a:lnTo>
+                    <a:pt x="70" y="397"/>
+                  </a:lnTo>
+                  <a:lnTo>
+                    <a:pt x="70" y="433"/>
+                  </a:lnTo>
+                  <a:lnTo>
+                    <a:pt x="108" y="433"/>
+                  </a:lnTo>
+                  <a:lnTo>
+                    <a:pt x="108" y="397"/>
+                  </a:lnTo>
+                  <a:close/>
+                  <a:moveTo>
+                    <a:pt x="250" y="397"/>
+                  </a:moveTo>
+                  <a:lnTo>
+                    <a:pt x="215" y="397"/>
+                  </a:lnTo>
+                  <a:lnTo>
+                    <a:pt x="215" y="433"/>
+                  </a:lnTo>
+                  <a:lnTo>
+                    <a:pt x="250" y="433"/>
+                  </a:lnTo>
+                  <a:lnTo>
+                    <a:pt x="250" y="397"/>
+                  </a:lnTo>
+                  <a:close/>
+                  <a:moveTo>
+                    <a:pt x="179" y="324"/>
+                  </a:moveTo>
+                  <a:lnTo>
+                    <a:pt x="144" y="324"/>
+                  </a:lnTo>
+                  <a:lnTo>
+                    <a:pt x="144" y="362"/>
+                  </a:lnTo>
+                  <a:lnTo>
+                    <a:pt x="179" y="362"/>
+                  </a:lnTo>
+                  <a:lnTo>
+                    <a:pt x="179" y="324"/>
+                  </a:lnTo>
+                  <a:close/>
+                  <a:moveTo>
+                    <a:pt x="576" y="352"/>
+                  </a:moveTo>
+                  <a:lnTo>
+                    <a:pt x="432" y="352"/>
+                  </a:lnTo>
+                  <a:lnTo>
+                    <a:pt x="432" y="407"/>
+                  </a:lnTo>
+                  <a:lnTo>
+                    <a:pt x="576" y="407"/>
+                  </a:lnTo>
+                  <a:lnTo>
+                    <a:pt x="576" y="352"/>
+                  </a:lnTo>
+                  <a:close/>
+                  <a:moveTo>
+                    <a:pt x="661" y="253"/>
+                  </a:moveTo>
+                  <a:lnTo>
+                    <a:pt x="661" y="253"/>
+                  </a:lnTo>
+                  <a:lnTo>
+                    <a:pt x="543" y="0"/>
+                  </a:lnTo>
+                  <a:lnTo>
+                    <a:pt x="115" y="0"/>
+                  </a:lnTo>
+                  <a:lnTo>
+                    <a:pt x="0" y="253"/>
+                  </a:lnTo>
+                  <a:lnTo>
+                    <a:pt x="0" y="253"/>
+                  </a:lnTo>
+                  <a:lnTo>
+                    <a:pt x="0" y="506"/>
+                  </a:lnTo>
+                  <a:lnTo>
+                    <a:pt x="661" y="506"/>
+                  </a:lnTo>
+                  <a:lnTo>
+                    <a:pt x="661" y="506"/>
+                  </a:lnTo>
+                  <a:lnTo>
+                    <a:pt x="661" y="506"/>
+                  </a:lnTo>
+                  <a:lnTo>
+                    <a:pt x="661" y="253"/>
+                  </a:lnTo>
+                  <a:lnTo>
+                    <a:pt x="661" y="253"/>
+                  </a:lnTo>
+                  <a:close/>
+                  <a:moveTo>
+                    <a:pt x="626" y="468"/>
+                  </a:moveTo>
+                  <a:lnTo>
+                    <a:pt x="35" y="468"/>
+                  </a:lnTo>
+                  <a:lnTo>
+                    <a:pt x="35" y="288"/>
+                  </a:lnTo>
+                  <a:lnTo>
+                    <a:pt x="626" y="288"/>
+                  </a:lnTo>
+                  <a:lnTo>
+                    <a:pt x="626" y="468"/>
+                  </a:lnTo>
+                  <a:close/>
+                  <a:moveTo>
+                    <a:pt x="323" y="324"/>
+                  </a:moveTo>
+                  <a:lnTo>
+                    <a:pt x="288" y="324"/>
+                  </a:lnTo>
+                  <a:lnTo>
+                    <a:pt x="288" y="362"/>
+                  </a:lnTo>
+                  <a:lnTo>
+                    <a:pt x="323" y="362"/>
+                  </a:lnTo>
+                  <a:lnTo>
+                    <a:pt x="323" y="324"/>
+                  </a:lnTo>
+                  <a:close/>
+                  <a:moveTo>
+                    <a:pt x="323" y="397"/>
+                  </a:moveTo>
+                  <a:lnTo>
+                    <a:pt x="288" y="397"/>
+                  </a:lnTo>
+                  <a:lnTo>
+                    <a:pt x="288" y="433"/>
+                  </a:lnTo>
+                  <a:lnTo>
+                    <a:pt x="323" y="433"/>
+                  </a:lnTo>
+                  <a:lnTo>
+                    <a:pt x="323" y="397"/>
+                  </a:lnTo>
+                  <a:close/>
+                  <a:moveTo>
+                    <a:pt x="250" y="324"/>
+                  </a:moveTo>
+                  <a:lnTo>
+                    <a:pt x="215" y="324"/>
+                  </a:lnTo>
+                  <a:lnTo>
+                    <a:pt x="215" y="362"/>
+                  </a:lnTo>
+                  <a:lnTo>
+                    <a:pt x="250" y="362"/>
+                  </a:lnTo>
+                  <a:lnTo>
+                    <a:pt x="250" y="324"/>
+                  </a:lnTo>
+                  <a:close/>
+                </a:path>
+              </a:pathLst>
+            </a:custGeom>
+            <a:solidFill>
+              <a:schemeClr val="bg1"/>
+            </a:solidFill>
+            <a:ln>
+              <a:noFill/>
+            </a:ln>
+            <a:extLst/>
+          </p:spPr>
+          <p:txBody>
+            <a:bodyPr vert="horz" wrap="square" lIns="91440" tIns="45720" rIns="91440" bIns="45720" numCol="1" anchor="t" anchorCtr="0" compatLnSpc="1">
+              <a:prstTxWarp prst="textNoShape">
+                <a:avLst/>
+              </a:prstTxWarp>
+            </a:bodyPr>
+            <a:lstStyle/>
+            <a:p>
+              <a:pPr algn="ctr">
+                <a:defRPr/>
+              </a:pPr>
+              <a:endParaRPr lang="zh-CN" altLang="en-US" sz="1000" b="1" kern="0" dirty="0">
+                <a:solidFill>
+                  <a:srgbClr val="000000"/>
+                </a:solidFill>
+                <a:latin typeface="Helvetica" pitchFamily="2" charset="0"/>
+                <a:ea typeface="等线" panose="02010600030101010101" pitchFamily="2" charset="-122"/>
+                <a:cs typeface="Arial" panose="020B0604020202020204" pitchFamily="34" charset="0"/>
+              </a:endParaRPr>
+            </a:p>
+          </p:txBody>
+        </p:sp>
+        <p:cxnSp>
+          <p:nvCxnSpPr>
+            <p:cNvPr id="24" name="直线箭头连接符 87">
+              <a:extLst>
+                <a:ext uri="{FF2B5EF4-FFF2-40B4-BE49-F238E27FC236}">
+                  <a16:creationId xmlns:a16="http://schemas.microsoft.com/office/drawing/2014/main" id="{5FFF52A6-B013-4006-B026-888410C47DFA}"/>
+                </a:ext>
+              </a:extLst>
+            </p:cNvPr>
+            <p:cNvCxnSpPr>
+              <a:cxnSpLocks/>
+            </p:cNvCxnSpPr>
+            <p:nvPr/>
+          </p:nvCxnSpPr>
+          <p:spPr>
+            <a:xfrm>
+              <a:off x="4163828" y="3289695"/>
+              <a:ext cx="2411" cy="971797"/>
+            </a:xfrm>
+            <a:prstGeom prst="straightConnector1">
+              <a:avLst/>
+            </a:prstGeom>
+            <a:ln w="25400">
+              <a:solidFill>
+                <a:srgbClr val="A2A5BC"/>
+              </a:solidFill>
+              <a:tailEnd type="triangle"/>
+            </a:ln>
+          </p:spPr>
+          <p:style>
+            <a:lnRef idx="1">
+              <a:schemeClr val="accent1"/>
+            </a:lnRef>
+            <a:fillRef idx="0">
+              <a:schemeClr val="accent1"/>
+            </a:fillRef>
+            <a:effectRef idx="0">
+              <a:schemeClr val="accent1"/>
+            </a:effectRef>
+            <a:fontRef idx="minor">
+              <a:schemeClr val="tx1"/>
+            </a:fontRef>
+          </p:style>
+        </p:cxnSp>
+        <p:sp>
+          <p:nvSpPr>
+            <p:cNvPr id="25" name="Freeform 66">
+              <a:extLst>
+                <a:ext uri="{FF2B5EF4-FFF2-40B4-BE49-F238E27FC236}">
+                  <a16:creationId xmlns:a16="http://schemas.microsoft.com/office/drawing/2014/main" id="{9EE44A78-A83B-4ACA-BFE6-BF7784BB3C3C}"/>
+                </a:ext>
+              </a:extLst>
+            </p:cNvPr>
+            <p:cNvSpPr>
+              <a:spLocks noEditPoints="1"/>
+            </p:cNvSpPr>
+            <p:nvPr/>
+          </p:nvSpPr>
+          <p:spPr bwMode="auto">
+            <a:xfrm>
+              <a:off x="1442431" y="1159636"/>
+              <a:ext cx="392367" cy="339215"/>
+            </a:xfrm>
+            <a:custGeom>
+              <a:avLst/>
+              <a:gdLst>
+                <a:gd name="T0" fmla="*/ 0 w 278"/>
+                <a:gd name="T1" fmla="*/ 160 h 240"/>
+                <a:gd name="T2" fmla="*/ 0 w 278"/>
+                <a:gd name="T3" fmla="*/ 240 h 240"/>
+                <a:gd name="T4" fmla="*/ 278 w 278"/>
+                <a:gd name="T5" fmla="*/ 240 h 240"/>
+                <a:gd name="T6" fmla="*/ 278 w 278"/>
+                <a:gd name="T7" fmla="*/ 160 h 240"/>
+                <a:gd name="T8" fmla="*/ 0 w 278"/>
+                <a:gd name="T9" fmla="*/ 160 h 240"/>
+                <a:gd name="T10" fmla="*/ 40 w 278"/>
+                <a:gd name="T11" fmla="*/ 200 h 240"/>
+                <a:gd name="T12" fmla="*/ 16 w 278"/>
+                <a:gd name="T13" fmla="*/ 200 h 240"/>
+                <a:gd name="T14" fmla="*/ 16 w 278"/>
+                <a:gd name="T15" fmla="*/ 177 h 240"/>
+                <a:gd name="T16" fmla="*/ 40 w 278"/>
+                <a:gd name="T17" fmla="*/ 177 h 240"/>
+                <a:gd name="T18" fmla="*/ 40 w 278"/>
+                <a:gd name="T19" fmla="*/ 200 h 240"/>
+                <a:gd name="T20" fmla="*/ 175 w 278"/>
+                <a:gd name="T21" fmla="*/ 224 h 240"/>
+                <a:gd name="T22" fmla="*/ 152 w 278"/>
+                <a:gd name="T23" fmla="*/ 224 h 240"/>
+                <a:gd name="T24" fmla="*/ 152 w 278"/>
+                <a:gd name="T25" fmla="*/ 177 h 240"/>
+                <a:gd name="T26" fmla="*/ 175 w 278"/>
+                <a:gd name="T27" fmla="*/ 177 h 240"/>
+                <a:gd name="T28" fmla="*/ 175 w 278"/>
+                <a:gd name="T29" fmla="*/ 224 h 240"/>
+                <a:gd name="T30" fmla="*/ 218 w 278"/>
+                <a:gd name="T31" fmla="*/ 224 h 240"/>
+                <a:gd name="T32" fmla="*/ 195 w 278"/>
+                <a:gd name="T33" fmla="*/ 224 h 240"/>
+                <a:gd name="T34" fmla="*/ 195 w 278"/>
+                <a:gd name="T35" fmla="*/ 177 h 240"/>
+                <a:gd name="T36" fmla="*/ 218 w 278"/>
+                <a:gd name="T37" fmla="*/ 177 h 240"/>
+                <a:gd name="T38" fmla="*/ 218 w 278"/>
+                <a:gd name="T39" fmla="*/ 224 h 240"/>
+                <a:gd name="T40" fmla="*/ 262 w 278"/>
+                <a:gd name="T41" fmla="*/ 224 h 240"/>
+                <a:gd name="T42" fmla="*/ 238 w 278"/>
+                <a:gd name="T43" fmla="*/ 224 h 240"/>
+                <a:gd name="T44" fmla="*/ 238 w 278"/>
+                <a:gd name="T45" fmla="*/ 177 h 240"/>
+                <a:gd name="T46" fmla="*/ 262 w 278"/>
+                <a:gd name="T47" fmla="*/ 177 h 240"/>
+                <a:gd name="T48" fmla="*/ 262 w 278"/>
+                <a:gd name="T49" fmla="*/ 224 h 240"/>
+                <a:gd name="T50" fmla="*/ 212 w 278"/>
+                <a:gd name="T51" fmla="*/ 64 h 240"/>
+                <a:gd name="T52" fmla="*/ 192 w 278"/>
+                <a:gd name="T53" fmla="*/ 114 h 240"/>
+                <a:gd name="T54" fmla="*/ 202 w 278"/>
+                <a:gd name="T55" fmla="*/ 123 h 240"/>
+                <a:gd name="T56" fmla="*/ 225 w 278"/>
+                <a:gd name="T57" fmla="*/ 64 h 240"/>
+                <a:gd name="T58" fmla="*/ 197 w 278"/>
+                <a:gd name="T59" fmla="*/ 0 h 240"/>
+                <a:gd name="T60" fmla="*/ 187 w 278"/>
+                <a:gd name="T61" fmla="*/ 9 h 240"/>
+                <a:gd name="T62" fmla="*/ 212 w 278"/>
+                <a:gd name="T63" fmla="*/ 64 h 240"/>
+                <a:gd name="T64" fmla="*/ 175 w 278"/>
+                <a:gd name="T65" fmla="*/ 64 h 240"/>
+                <a:gd name="T66" fmla="*/ 164 w 278"/>
+                <a:gd name="T67" fmla="*/ 90 h 240"/>
+                <a:gd name="T68" fmla="*/ 174 w 278"/>
+                <a:gd name="T69" fmla="*/ 99 h 240"/>
+                <a:gd name="T70" fmla="*/ 189 w 278"/>
+                <a:gd name="T71" fmla="*/ 64 h 240"/>
+                <a:gd name="T72" fmla="*/ 169 w 278"/>
+                <a:gd name="T73" fmla="*/ 24 h 240"/>
+                <a:gd name="T74" fmla="*/ 159 w 278"/>
+                <a:gd name="T75" fmla="*/ 33 h 240"/>
+                <a:gd name="T76" fmla="*/ 175 w 278"/>
+                <a:gd name="T77" fmla="*/ 64 h 240"/>
+                <a:gd name="T78" fmla="*/ 107 w 278"/>
+                <a:gd name="T79" fmla="*/ 102 h 240"/>
+                <a:gd name="T80" fmla="*/ 117 w 278"/>
+                <a:gd name="T81" fmla="*/ 93 h 240"/>
+                <a:gd name="T82" fmla="*/ 103 w 278"/>
+                <a:gd name="T83" fmla="*/ 64 h 240"/>
+                <a:gd name="T84" fmla="*/ 119 w 278"/>
+                <a:gd name="T85" fmla="*/ 33 h 240"/>
+                <a:gd name="T86" fmla="*/ 109 w 278"/>
+                <a:gd name="T87" fmla="*/ 24 h 240"/>
+                <a:gd name="T88" fmla="*/ 89 w 278"/>
+                <a:gd name="T89" fmla="*/ 64 h 240"/>
+                <a:gd name="T90" fmla="*/ 107 w 278"/>
+                <a:gd name="T91" fmla="*/ 102 h 240"/>
+                <a:gd name="T92" fmla="*/ 89 w 278"/>
+                <a:gd name="T93" fmla="*/ 117 h 240"/>
+                <a:gd name="T94" fmla="*/ 66 w 278"/>
+                <a:gd name="T95" fmla="*/ 64 h 240"/>
+                <a:gd name="T96" fmla="*/ 91 w 278"/>
+                <a:gd name="T97" fmla="*/ 8 h 240"/>
+                <a:gd name="T98" fmla="*/ 81 w 278"/>
+                <a:gd name="T99" fmla="*/ 0 h 240"/>
+                <a:gd name="T100" fmla="*/ 53 w 278"/>
+                <a:gd name="T101" fmla="*/ 64 h 240"/>
+                <a:gd name="T102" fmla="*/ 79 w 278"/>
+                <a:gd name="T103" fmla="*/ 126 h 240"/>
+                <a:gd name="T104" fmla="*/ 89 w 278"/>
+                <a:gd name="T105" fmla="*/ 117 h 240"/>
+                <a:gd name="T106" fmla="*/ 149 w 278"/>
+                <a:gd name="T107" fmla="*/ 147 h 240"/>
+                <a:gd name="T108" fmla="*/ 149 w 278"/>
+                <a:gd name="T109" fmla="*/ 60 h 240"/>
+                <a:gd name="T110" fmla="*/ 139 w 278"/>
+                <a:gd name="T111" fmla="*/ 50 h 240"/>
+                <a:gd name="T112" fmla="*/ 129 w 278"/>
+                <a:gd name="T113" fmla="*/ 60 h 240"/>
+                <a:gd name="T114" fmla="*/ 129 w 278"/>
+                <a:gd name="T115" fmla="*/ 147 h 240"/>
+                <a:gd name="T116" fmla="*/ 149 w 278"/>
+                <a:gd name="T117" fmla="*/ 147 h 240"/>
+              </a:gdLst>
+              <a:ahLst/>
+              <a:cxnLst>
+                <a:cxn ang="0">
+                  <a:pos x="T0" y="T1"/>
+                </a:cxn>
+                <a:cxn ang="0">
+                  <a:pos x="T2" y="T3"/>
+                </a:cxn>
+                <a:cxn ang="0">
+                  <a:pos x="T4" y="T5"/>
+                </a:cxn>
+                <a:cxn ang="0">
+                  <a:pos x="T6" y="T7"/>
+                </a:cxn>
+                <a:cxn ang="0">
+                  <a:pos x="T8" y="T9"/>
+                </a:cxn>
+                <a:cxn ang="0">
+                  <a:pos x="T10" y="T11"/>
+                </a:cxn>
+                <a:cxn ang="0">
+                  <a:pos x="T12" y="T13"/>
+                </a:cxn>
+                <a:cxn ang="0">
+                  <a:pos x="T14" y="T15"/>
+                </a:cxn>
+                <a:cxn ang="0">
+                  <a:pos x="T16" y="T17"/>
+                </a:cxn>
+                <a:cxn ang="0">
+                  <a:pos x="T18" y="T19"/>
+                </a:cxn>
+                <a:cxn ang="0">
+                  <a:pos x="T20" y="T21"/>
+                </a:cxn>
+                <a:cxn ang="0">
+                  <a:pos x="T22" y="T23"/>
+                </a:cxn>
+                <a:cxn ang="0">
+                  <a:pos x="T24" y="T25"/>
+                </a:cxn>
+                <a:cxn ang="0">
+                  <a:pos x="T26" y="T27"/>
+                </a:cxn>
+                <a:cxn ang="0">
+                  <a:pos x="T28" y="T29"/>
+                </a:cxn>
+                <a:cxn ang="0">
+                  <a:pos x="T30" y="T31"/>
+                </a:cxn>
+                <a:cxn ang="0">
+                  <a:pos x="T32" y="T33"/>
+                </a:cxn>
+                <a:cxn ang="0">
+                  <a:pos x="T34" y="T35"/>
+                </a:cxn>
+                <a:cxn ang="0">
+                  <a:pos x="T36" y="T37"/>
+                </a:cxn>
+                <a:cxn ang="0">
+                  <a:pos x="T38" y="T39"/>
+                </a:cxn>
+                <a:cxn ang="0">
+                  <a:pos x="T40" y="T41"/>
+                </a:cxn>
+                <a:cxn ang="0">
+                  <a:pos x="T42" y="T43"/>
+                </a:cxn>
+                <a:cxn ang="0">
+                  <a:pos x="T44" y="T45"/>
+                </a:cxn>
+                <a:cxn ang="0">
+                  <a:pos x="T46" y="T47"/>
+                </a:cxn>
+                <a:cxn ang="0">
+                  <a:pos x="T48" y="T49"/>
+                </a:cxn>
+                <a:cxn ang="0">
+                  <a:pos x="T50" y="T51"/>
+                </a:cxn>
+                <a:cxn ang="0">
+                  <a:pos x="T52" y="T53"/>
+                </a:cxn>
+                <a:cxn ang="0">
+                  <a:pos x="T54" y="T55"/>
+                </a:cxn>
+                <a:cxn ang="0">
+                  <a:pos x="T56" y="T57"/>
+                </a:cxn>
+                <a:cxn ang="0">
+                  <a:pos x="T58" y="T59"/>
+                </a:cxn>
+                <a:cxn ang="0">
+                  <a:pos x="T60" y="T61"/>
+                </a:cxn>
+                <a:cxn ang="0">
+                  <a:pos x="T62" y="T63"/>
+                </a:cxn>
+                <a:cxn ang="0">
+                  <a:pos x="T64" y="T65"/>
+                </a:cxn>
+                <a:cxn ang="0">
+                  <a:pos x="T66" y="T67"/>
+                </a:cxn>
+                <a:cxn ang="0">
+                  <a:pos x="T68" y="T69"/>
+                </a:cxn>
+                <a:cxn ang="0">
+                  <a:pos x="T70" y="T71"/>
+                </a:cxn>
+                <a:cxn ang="0">
+                  <a:pos x="T72" y="T73"/>
+                </a:cxn>
+                <a:cxn ang="0">
+                  <a:pos x="T74" y="T75"/>
+                </a:cxn>
+                <a:cxn ang="0">
+                  <a:pos x="T76" y="T77"/>
+                </a:cxn>
+                <a:cxn ang="0">
+                  <a:pos x="T78" y="T79"/>
+                </a:cxn>
+                <a:cxn ang="0">
+                  <a:pos x="T80" y="T81"/>
+                </a:cxn>
+                <a:cxn ang="0">
+                  <a:pos x="T82" y="T83"/>
+                </a:cxn>
+                <a:cxn ang="0">
+                  <a:pos x="T84" y="T85"/>
+                </a:cxn>
+                <a:cxn ang="0">
+                  <a:pos x="T86" y="T87"/>
+                </a:cxn>
+                <a:cxn ang="0">
+                  <a:pos x="T88" y="T89"/>
+                </a:cxn>
+                <a:cxn ang="0">
+                  <a:pos x="T90" y="T91"/>
+                </a:cxn>
+                <a:cxn ang="0">
+                  <a:pos x="T92" y="T93"/>
+                </a:cxn>
+                <a:cxn ang="0">
+                  <a:pos x="T94" y="T95"/>
+                </a:cxn>
+                <a:cxn ang="0">
+                  <a:pos x="T96" y="T97"/>
+                </a:cxn>
+                <a:cxn ang="0">
+                  <a:pos x="T98" y="T99"/>
+                </a:cxn>
+                <a:cxn ang="0">
+                  <a:pos x="T100" y="T101"/>
+                </a:cxn>
+                <a:cxn ang="0">
+                  <a:pos x="T102" y="T103"/>
+                </a:cxn>
+                <a:cxn ang="0">
+                  <a:pos x="T104" y="T105"/>
+                </a:cxn>
+                <a:cxn ang="0">
+                  <a:pos x="T106" y="T107"/>
+                </a:cxn>
+                <a:cxn ang="0">
+                  <a:pos x="T108" y="T109"/>
+                </a:cxn>
+                <a:cxn ang="0">
+                  <a:pos x="T110" y="T111"/>
+                </a:cxn>
+                <a:cxn ang="0">
+                  <a:pos x="T112" y="T113"/>
+                </a:cxn>
+                <a:cxn ang="0">
+                  <a:pos x="T114" y="T115"/>
+                </a:cxn>
+                <a:cxn ang="0">
+                  <a:pos x="T116" y="T117"/>
+                </a:cxn>
+              </a:cxnLst>
+              <a:rect l="0" t="0" r="r" b="b"/>
+              <a:pathLst>
+                <a:path w="278" h="240">
+                  <a:moveTo>
+                    <a:pt x="0" y="160"/>
+                  </a:moveTo>
+                  <a:cubicBezTo>
+                    <a:pt x="0" y="240"/>
+                    <a:pt x="0" y="240"/>
+                    <a:pt x="0" y="240"/>
+                  </a:cubicBezTo>
+                  <a:cubicBezTo>
+                    <a:pt x="278" y="240"/>
+                    <a:pt x="278" y="240"/>
+                    <a:pt x="278" y="240"/>
+                  </a:cubicBezTo>
+                  <a:cubicBezTo>
+                    <a:pt x="278" y="160"/>
+                    <a:pt x="278" y="160"/>
+                    <a:pt x="278" y="160"/>
+                  </a:cubicBezTo>
+                  <a:lnTo>
+                    <a:pt x="0" y="160"/>
+                  </a:lnTo>
+                  <a:close/>
+                  <a:moveTo>
+                    <a:pt x="40" y="200"/>
+                  </a:moveTo>
+                  <a:cubicBezTo>
+                    <a:pt x="16" y="200"/>
+                    <a:pt x="16" y="200"/>
+                    <a:pt x="16" y="200"/>
+                  </a:cubicBezTo>
+                  <a:cubicBezTo>
+                    <a:pt x="16" y="177"/>
+                    <a:pt x="16" y="177"/>
+                    <a:pt x="16" y="177"/>
+                  </a:cubicBezTo>
+                  <a:cubicBezTo>
+                    <a:pt x="40" y="177"/>
+                    <a:pt x="40" y="177"/>
+                    <a:pt x="40" y="177"/>
+                  </a:cubicBezTo>
+                  <a:lnTo>
+                    <a:pt x="40" y="200"/>
+                  </a:lnTo>
+                  <a:close/>
+                  <a:moveTo>
+                    <a:pt x="175" y="224"/>
+                  </a:moveTo>
+                  <a:cubicBezTo>
+                    <a:pt x="152" y="224"/>
+                    <a:pt x="152" y="224"/>
+                    <a:pt x="152" y="224"/>
+                  </a:cubicBezTo>
+                  <a:cubicBezTo>
+                    <a:pt x="152" y="177"/>
+                    <a:pt x="152" y="177"/>
+                    <a:pt x="152" y="177"/>
+                  </a:cubicBezTo>
+                  <a:cubicBezTo>
+                    <a:pt x="175" y="177"/>
+                    <a:pt x="175" y="177"/>
+                    <a:pt x="175" y="177"/>
+                  </a:cubicBezTo>
+                  <a:lnTo>
+                    <a:pt x="175" y="224"/>
+                  </a:lnTo>
+                  <a:close/>
+                  <a:moveTo>
+                    <a:pt x="218" y="224"/>
+                  </a:moveTo>
+                  <a:cubicBezTo>
+                    <a:pt x="195" y="224"/>
+                    <a:pt x="195" y="224"/>
+                    <a:pt x="195" y="224"/>
+                  </a:cubicBezTo>
+                  <a:cubicBezTo>
+                    <a:pt x="195" y="177"/>
+                    <a:pt x="195" y="177"/>
+                    <a:pt x="195" y="177"/>
+                  </a:cubicBezTo>
+                  <a:cubicBezTo>
+                    <a:pt x="218" y="177"/>
+                    <a:pt x="218" y="177"/>
+                    <a:pt x="218" y="177"/>
+                  </a:cubicBezTo>
+                  <a:lnTo>
+                    <a:pt x="218" y="224"/>
+                  </a:lnTo>
+                  <a:close/>
+                  <a:moveTo>
+                    <a:pt x="262" y="224"/>
+                  </a:moveTo>
+                  <a:cubicBezTo>
+                    <a:pt x="238" y="224"/>
+                    <a:pt x="238" y="224"/>
+                    <a:pt x="238" y="224"/>
+                  </a:cubicBezTo>
+                  <a:cubicBezTo>
+                    <a:pt x="238" y="177"/>
+                    <a:pt x="238" y="177"/>
+                    <a:pt x="238" y="177"/>
+                  </a:cubicBezTo>
+                  <a:cubicBezTo>
+                    <a:pt x="262" y="177"/>
+                    <a:pt x="262" y="177"/>
+                    <a:pt x="262" y="177"/>
+                  </a:cubicBezTo>
+                  <a:lnTo>
+                    <a:pt x="262" y="224"/>
+                  </a:lnTo>
+                  <a:close/>
+                  <a:moveTo>
+                    <a:pt x="212" y="64"/>
+                  </a:moveTo>
+                  <a:cubicBezTo>
+                    <a:pt x="212" y="83"/>
+                    <a:pt x="204" y="101"/>
+                    <a:pt x="192" y="114"/>
+                  </a:cubicBezTo>
+                  <a:cubicBezTo>
+                    <a:pt x="202" y="123"/>
+                    <a:pt x="202" y="123"/>
+                    <a:pt x="202" y="123"/>
+                  </a:cubicBezTo>
+                  <a:cubicBezTo>
+                    <a:pt x="216" y="107"/>
+                    <a:pt x="225" y="87"/>
+                    <a:pt x="225" y="64"/>
+                  </a:cubicBezTo>
+                  <a:cubicBezTo>
+                    <a:pt x="225" y="38"/>
+                    <a:pt x="214" y="16"/>
+                    <a:pt x="197" y="0"/>
+                  </a:cubicBezTo>
+                  <a:cubicBezTo>
+                    <a:pt x="187" y="9"/>
+                    <a:pt x="187" y="9"/>
+                    <a:pt x="187" y="9"/>
+                  </a:cubicBezTo>
+                  <a:cubicBezTo>
+                    <a:pt x="202" y="22"/>
+                    <a:pt x="212" y="42"/>
+                    <a:pt x="212" y="64"/>
+                  </a:cubicBezTo>
+                  <a:close/>
+                  <a:moveTo>
+                    <a:pt x="175" y="64"/>
+                  </a:moveTo>
+                  <a:cubicBezTo>
+                    <a:pt x="175" y="74"/>
+                    <a:pt x="171" y="83"/>
+                    <a:pt x="164" y="90"/>
+                  </a:cubicBezTo>
+                  <a:cubicBezTo>
+                    <a:pt x="174" y="99"/>
+                    <a:pt x="174" y="99"/>
+                    <a:pt x="174" y="99"/>
+                  </a:cubicBezTo>
+                  <a:cubicBezTo>
+                    <a:pt x="183" y="90"/>
+                    <a:pt x="189" y="77"/>
+                    <a:pt x="189" y="64"/>
+                  </a:cubicBezTo>
+                  <a:cubicBezTo>
+                    <a:pt x="189" y="48"/>
+                    <a:pt x="181" y="33"/>
+                    <a:pt x="169" y="24"/>
+                  </a:cubicBezTo>
+                  <a:cubicBezTo>
+                    <a:pt x="159" y="33"/>
+                    <a:pt x="159" y="33"/>
+                    <a:pt x="159" y="33"/>
+                  </a:cubicBezTo>
+                  <a:cubicBezTo>
+                    <a:pt x="169" y="40"/>
+                    <a:pt x="175" y="51"/>
+                    <a:pt x="175" y="64"/>
+                  </a:cubicBezTo>
+                  <a:close/>
+                  <a:moveTo>
+                    <a:pt x="107" y="102"/>
+                  </a:moveTo>
+                  <a:cubicBezTo>
+                    <a:pt x="117" y="93"/>
+                    <a:pt x="117" y="93"/>
+                    <a:pt x="117" y="93"/>
+                  </a:cubicBezTo>
+                  <a:cubicBezTo>
+                    <a:pt x="108" y="86"/>
+                    <a:pt x="103" y="76"/>
+                    <a:pt x="103" y="64"/>
+                  </a:cubicBezTo>
+                  <a:cubicBezTo>
+                    <a:pt x="103" y="51"/>
+                    <a:pt x="109" y="40"/>
+                    <a:pt x="119" y="33"/>
+                  </a:cubicBezTo>
+                  <a:cubicBezTo>
+                    <a:pt x="109" y="24"/>
+                    <a:pt x="109" y="24"/>
+                    <a:pt x="109" y="24"/>
+                  </a:cubicBezTo>
+                  <a:cubicBezTo>
+                    <a:pt x="97" y="33"/>
+                    <a:pt x="89" y="48"/>
+                    <a:pt x="89" y="64"/>
+                  </a:cubicBezTo>
+                  <a:cubicBezTo>
+                    <a:pt x="89" y="79"/>
+                    <a:pt x="96" y="93"/>
+                    <a:pt x="107" y="102"/>
+                  </a:cubicBezTo>
+                  <a:close/>
+                  <a:moveTo>
+                    <a:pt x="89" y="117"/>
+                  </a:moveTo>
+                  <a:cubicBezTo>
+                    <a:pt x="75" y="104"/>
+                    <a:pt x="66" y="85"/>
+                    <a:pt x="66" y="64"/>
+                  </a:cubicBezTo>
+                  <a:cubicBezTo>
+                    <a:pt x="66" y="42"/>
+                    <a:pt x="76" y="22"/>
+                    <a:pt x="91" y="8"/>
+                  </a:cubicBezTo>
+                  <a:cubicBezTo>
+                    <a:pt x="81" y="0"/>
+                    <a:pt x="81" y="0"/>
+                    <a:pt x="81" y="0"/>
+                  </a:cubicBezTo>
+                  <a:cubicBezTo>
+                    <a:pt x="64" y="16"/>
+                    <a:pt x="53" y="38"/>
+                    <a:pt x="53" y="64"/>
+                  </a:cubicBezTo>
+                  <a:cubicBezTo>
+                    <a:pt x="53" y="88"/>
+                    <a:pt x="63" y="110"/>
+                    <a:pt x="79" y="126"/>
+                  </a:cubicBezTo>
+                  <a:lnTo>
+                    <a:pt x="89" y="117"/>
+                  </a:lnTo>
+                  <a:close/>
+                  <a:moveTo>
+                    <a:pt x="149" y="147"/>
+                  </a:moveTo>
+                  <a:cubicBezTo>
+                    <a:pt x="149" y="60"/>
+                    <a:pt x="149" y="60"/>
+                    <a:pt x="149" y="60"/>
+                  </a:cubicBezTo>
+                  <a:cubicBezTo>
+                    <a:pt x="149" y="55"/>
+                    <a:pt x="145" y="50"/>
+                    <a:pt x="139" y="50"/>
+                  </a:cubicBezTo>
+                  <a:cubicBezTo>
+                    <a:pt x="134" y="50"/>
+                    <a:pt x="129" y="55"/>
+                    <a:pt x="129" y="60"/>
+                  </a:cubicBezTo>
+                  <a:cubicBezTo>
+                    <a:pt x="129" y="147"/>
+                    <a:pt x="129" y="147"/>
+                    <a:pt x="129" y="147"/>
+                  </a:cubicBezTo>
+                  <a:lnTo>
+                    <a:pt x="149" y="147"/>
+                  </a:lnTo>
+                  <a:close/>
+                </a:path>
+              </a:pathLst>
+            </a:custGeom>
+            <a:solidFill>
+              <a:schemeClr val="bg1"/>
+            </a:solidFill>
+            <a:ln>
+              <a:noFill/>
+            </a:ln>
+            <a:extLst/>
+          </p:spPr>
+          <p:txBody>
+            <a:bodyPr vert="horz" wrap="square" lIns="91440" tIns="45720" rIns="91440" bIns="45720" numCol="1" anchor="t" anchorCtr="0" compatLnSpc="1">
+              <a:prstTxWarp prst="textNoShape">
+                <a:avLst/>
+              </a:prstTxWarp>
+            </a:bodyPr>
+            <a:lstStyle/>
+            <a:p>
+              <a:pPr algn="ctr">
+                <a:defRPr/>
+              </a:pPr>
+              <a:endParaRPr lang="zh-CN" altLang="en-US" sz="1000" b="1" kern="0" dirty="0">
+                <a:solidFill>
+                  <a:srgbClr val="000000"/>
+                </a:solidFill>
+                <a:latin typeface="Helvetica" pitchFamily="2" charset="0"/>
+                <a:ea typeface="等线" panose="02010600030101010101" pitchFamily="2" charset="-122"/>
+                <a:cs typeface="Arial" panose="020B0604020202020204" pitchFamily="34" charset="0"/>
+              </a:endParaRPr>
+            </a:p>
+          </p:txBody>
+        </p:sp>
+        <p:sp>
+          <p:nvSpPr>
+            <p:cNvPr id="26" name="文本框 48">
+              <a:extLst>
+                <a:ext uri="{FF2B5EF4-FFF2-40B4-BE49-F238E27FC236}">
+                  <a16:creationId xmlns:a16="http://schemas.microsoft.com/office/drawing/2014/main" id="{26A6CC2B-BEF7-4161-BB82-1AC1825DF37E}"/>
+                </a:ext>
+              </a:extLst>
+            </p:cNvPr>
+            <p:cNvSpPr txBox="1"/>
+            <p:nvPr/>
+          </p:nvSpPr>
+          <p:spPr>
+            <a:xfrm>
+              <a:off x="1769051" y="1172782"/>
+              <a:ext cx="1050248" cy="338554"/>
+            </a:xfrm>
+            <a:prstGeom prst="rect">
+              <a:avLst/>
+            </a:prstGeom>
+            <a:noFill/>
+          </p:spPr>
+          <p:txBody>
+            <a:bodyPr wrap="square" rtlCol="0">
+              <a:spAutoFit/>
+            </a:bodyPr>
+            <a:lstStyle/>
+            <a:p>
+              <a:pPr algn="ctr"/>
+              <a:r>
+                <a:rPr kumimoji="1" lang="zh-CN" altLang="en-US" sz="1600" b="1" dirty="0">
+                  <a:solidFill>
+                    <a:schemeClr val="bg1"/>
+                  </a:solidFill>
+                  <a:latin typeface="Helvetica" pitchFamily="2" charset="0"/>
+                  <a:cs typeface="Arial" panose="020B0604020202020204" pitchFamily="34" charset="0"/>
+                </a:rPr>
+                <a:t>子设备</a:t>
+              </a:r>
+            </a:p>
+          </p:txBody>
+        </p:sp>
+        <p:sp>
+          <p:nvSpPr>
+            <p:cNvPr id="27" name="矩形 54">
+              <a:extLst>
+                <a:ext uri="{FF2B5EF4-FFF2-40B4-BE49-F238E27FC236}">
+                  <a16:creationId xmlns:a16="http://schemas.microsoft.com/office/drawing/2014/main" id="{28741544-6C71-49E8-A5F3-95CABF39A1D7}"/>
+                </a:ext>
+              </a:extLst>
+            </p:cNvPr>
+            <p:cNvSpPr/>
+            <p:nvPr/>
+          </p:nvSpPr>
+          <p:spPr>
+            <a:xfrm>
+              <a:off x="1928373" y="2023951"/>
+              <a:ext cx="1800493" cy="307777"/>
+            </a:xfrm>
+            <a:prstGeom prst="rect">
+              <a:avLst/>
+            </a:prstGeom>
+          </p:spPr>
+          <p:txBody>
+            <a:bodyPr wrap="none">
+              <a:spAutoFit/>
+            </a:bodyPr>
+            <a:lstStyle/>
+            <a:p>
+              <a:r>
+                <a:rPr lang="zh-CN" altLang="en-US" sz="1400" dirty="0">
+                  <a:latin typeface="Helvetica" pitchFamily="2" charset="0"/>
+                </a:rPr>
+                <a:t>基于规约的数据传输</a:t>
+              </a:r>
+            </a:p>
+          </p:txBody>
+        </p:sp>
+        <p:grpSp>
+          <p:nvGrpSpPr>
+            <p:cNvPr id="28" name="组合 55">
+              <a:extLst>
+                <a:ext uri="{FF2B5EF4-FFF2-40B4-BE49-F238E27FC236}">
+                  <a16:creationId xmlns:a16="http://schemas.microsoft.com/office/drawing/2014/main" id="{A473959F-B6B8-48FA-8582-F636BC668F0C}"/>
+                </a:ext>
+              </a:extLst>
+            </p:cNvPr>
+            <p:cNvGrpSpPr/>
+            <p:nvPr/>
+          </p:nvGrpSpPr>
+          <p:grpSpPr>
+            <a:xfrm flipH="1" flipV="1">
+              <a:off x="1917079" y="1780659"/>
+              <a:ext cx="79905" cy="734889"/>
+              <a:chOff x="1427867" y="2464420"/>
+              <a:chExt cx="48577" cy="936702"/>
+            </a:xfrm>
+          </p:grpSpPr>
+          <p:cxnSp>
+            <p:nvCxnSpPr>
+              <p:cNvPr id="35" name="直线连接符 93">
+                <a:extLst>
+                  <a:ext uri="{FF2B5EF4-FFF2-40B4-BE49-F238E27FC236}">
+                    <a16:creationId xmlns:a16="http://schemas.microsoft.com/office/drawing/2014/main" id="{549B0980-B853-469F-8BB4-BDF95891D2DE}"/>
+                  </a:ext>
+                </a:extLst>
+              </p:cNvPr>
+              <p:cNvCxnSpPr/>
+              <p:nvPr/>
+            </p:nvCxnSpPr>
+            <p:spPr>
+              <a:xfrm>
+                <a:off x="1476444" y="2464420"/>
+                <a:ext cx="0" cy="936702"/>
+              </a:xfrm>
+              <a:prstGeom prst="line">
+                <a:avLst/>
+              </a:prstGeom>
+              <a:ln w="25400">
+                <a:solidFill>
+                  <a:srgbClr val="A2A5BC"/>
+                </a:solidFill>
+              </a:ln>
+            </p:spPr>
+            <p:style>
+              <a:lnRef idx="1">
+                <a:schemeClr val="accent1"/>
+              </a:lnRef>
+              <a:fillRef idx="0">
+                <a:schemeClr val="accent1"/>
+              </a:fillRef>
+              <a:effectRef idx="0">
+                <a:schemeClr val="accent1"/>
+              </a:effectRef>
+              <a:fontRef idx="minor">
+                <a:schemeClr val="tx1"/>
+              </a:fontRef>
+            </p:style>
+          </p:cxnSp>
+          <p:cxnSp>
+            <p:nvCxnSpPr>
+              <p:cNvPr id="36" name="直线连接符 94">
+                <a:extLst>
+                  <a:ext uri="{FF2B5EF4-FFF2-40B4-BE49-F238E27FC236}">
+                    <a16:creationId xmlns:a16="http://schemas.microsoft.com/office/drawing/2014/main" id="{DE4D153E-4056-4128-AEDA-201C04C0807D}"/>
+                  </a:ext>
+                </a:extLst>
+              </p:cNvPr>
+              <p:cNvCxnSpPr>
+                <a:cxnSpLocks/>
+              </p:cNvCxnSpPr>
+              <p:nvPr/>
+            </p:nvCxnSpPr>
+            <p:spPr>
+              <a:xfrm flipH="1" flipV="1">
+                <a:off x="1427867" y="3286026"/>
+                <a:ext cx="48577" cy="115096"/>
+              </a:xfrm>
+              <a:prstGeom prst="line">
+                <a:avLst/>
+              </a:prstGeom>
+              <a:ln w="22225">
+                <a:solidFill>
+                  <a:srgbClr val="A2A5BC"/>
+                </a:solidFill>
+              </a:ln>
+            </p:spPr>
+            <p:style>
+              <a:lnRef idx="1">
+                <a:schemeClr val="accent1"/>
+              </a:lnRef>
+              <a:fillRef idx="0">
+                <a:schemeClr val="accent1"/>
+              </a:fillRef>
+              <a:effectRef idx="0">
+                <a:schemeClr val="accent1"/>
+              </a:effectRef>
+              <a:fontRef idx="minor">
+                <a:schemeClr val="tx1"/>
+              </a:fontRef>
+            </p:style>
+          </p:cxnSp>
+        </p:grpSp>
+        <p:grpSp>
+          <p:nvGrpSpPr>
+            <p:cNvPr id="29" name="组合 68">
+              <a:extLst>
+                <a:ext uri="{FF2B5EF4-FFF2-40B4-BE49-F238E27FC236}">
+                  <a16:creationId xmlns:a16="http://schemas.microsoft.com/office/drawing/2014/main" id="{0946DA00-ADD3-48C7-8B42-015B3376B7D8}"/>
+                </a:ext>
+              </a:extLst>
+            </p:cNvPr>
+            <p:cNvGrpSpPr/>
+            <p:nvPr/>
+          </p:nvGrpSpPr>
+          <p:grpSpPr>
+            <a:xfrm>
+              <a:off x="1769933" y="1782705"/>
+              <a:ext cx="61047" cy="732844"/>
+              <a:chOff x="1427867" y="2464420"/>
+              <a:chExt cx="48577" cy="936702"/>
+            </a:xfrm>
+          </p:grpSpPr>
+          <p:cxnSp>
+            <p:nvCxnSpPr>
+              <p:cNvPr id="33" name="直线连接符 90">
+                <a:extLst>
+                  <a:ext uri="{FF2B5EF4-FFF2-40B4-BE49-F238E27FC236}">
+                    <a16:creationId xmlns:a16="http://schemas.microsoft.com/office/drawing/2014/main" id="{607A6D6E-F371-4E6D-A15D-C2818480447F}"/>
+                  </a:ext>
+                </a:extLst>
+              </p:cNvPr>
+              <p:cNvCxnSpPr/>
+              <p:nvPr/>
+            </p:nvCxnSpPr>
+            <p:spPr>
+              <a:xfrm>
+                <a:off x="1476444" y="2464420"/>
+                <a:ext cx="0" cy="936702"/>
+              </a:xfrm>
+              <a:prstGeom prst="line">
+                <a:avLst/>
+              </a:prstGeom>
+              <a:ln w="25400">
+                <a:solidFill>
+                  <a:srgbClr val="A2A5BC"/>
+                </a:solidFill>
+              </a:ln>
+            </p:spPr>
+            <p:style>
+              <a:lnRef idx="1">
+                <a:schemeClr val="accent1"/>
+              </a:lnRef>
+              <a:fillRef idx="0">
+                <a:schemeClr val="accent1"/>
+              </a:fillRef>
+              <a:effectRef idx="0">
+                <a:schemeClr val="accent1"/>
+              </a:effectRef>
+              <a:fontRef idx="minor">
+                <a:schemeClr val="tx1"/>
+              </a:fontRef>
+            </p:style>
+          </p:cxnSp>
+          <p:cxnSp>
+            <p:nvCxnSpPr>
+              <p:cNvPr id="34" name="直线连接符 91">
+                <a:extLst>
+                  <a:ext uri="{FF2B5EF4-FFF2-40B4-BE49-F238E27FC236}">
+                    <a16:creationId xmlns:a16="http://schemas.microsoft.com/office/drawing/2014/main" id="{B150AD79-7E70-4679-9D86-71CD939E4142}"/>
+                  </a:ext>
+                </a:extLst>
+              </p:cNvPr>
+              <p:cNvCxnSpPr>
+                <a:cxnSpLocks/>
+              </p:cNvCxnSpPr>
+              <p:nvPr/>
+            </p:nvCxnSpPr>
+            <p:spPr>
+              <a:xfrm flipH="1" flipV="1">
+                <a:off x="1427867" y="3286026"/>
+                <a:ext cx="48577" cy="115096"/>
+              </a:xfrm>
+              <a:prstGeom prst="line">
+                <a:avLst/>
+              </a:prstGeom>
+              <a:ln w="22225">
+                <a:solidFill>
+                  <a:srgbClr val="A2A5BC"/>
+                </a:solidFill>
+              </a:ln>
+            </p:spPr>
+            <p:style>
+              <a:lnRef idx="1">
+                <a:schemeClr val="accent1"/>
+              </a:lnRef>
+              <a:fillRef idx="0">
+                <a:schemeClr val="accent1"/>
+              </a:fillRef>
+              <a:effectRef idx="0">
+                <a:schemeClr val="accent1"/>
+              </a:effectRef>
+              <a:fontRef idx="minor">
+                <a:schemeClr val="tx1"/>
+              </a:fontRef>
+            </p:style>
+          </p:cxnSp>
+        </p:grpSp>
+        <p:cxnSp>
+          <p:nvCxnSpPr>
+            <p:cNvPr id="30" name="直线箭头连接符 87">
+              <a:extLst>
+                <a:ext uri="{FF2B5EF4-FFF2-40B4-BE49-F238E27FC236}">
+                  <a16:creationId xmlns:a16="http://schemas.microsoft.com/office/drawing/2014/main" id="{60E957F3-FE99-42CB-B722-E82DA49F2886}"/>
+                </a:ext>
+              </a:extLst>
+            </p:cNvPr>
+            <p:cNvCxnSpPr>
+              <a:cxnSpLocks/>
+            </p:cNvCxnSpPr>
+            <p:nvPr/>
+          </p:nvCxnSpPr>
+          <p:spPr>
+            <a:xfrm>
+              <a:off x="4165033" y="1635932"/>
+              <a:ext cx="2411" cy="971797"/>
+            </a:xfrm>
+            <a:prstGeom prst="straightConnector1">
+              <a:avLst/>
+            </a:prstGeom>
+            <a:ln w="25400">
+              <a:solidFill>
+                <a:srgbClr val="A2A5BC"/>
+              </a:solidFill>
+              <a:tailEnd type="triangle"/>
+            </a:ln>
+          </p:spPr>
+          <p:style>
+            <a:lnRef idx="1">
+              <a:schemeClr val="accent1"/>
+            </a:lnRef>
+            <a:fillRef idx="0">
+              <a:schemeClr val="accent1"/>
+            </a:fillRef>
+            <a:effectRef idx="0">
+              <a:schemeClr val="accent1"/>
+            </a:effectRef>
+            <a:fontRef idx="minor">
+              <a:schemeClr val="tx1"/>
+            </a:fontRef>
+          </p:style>
+        </p:cxnSp>
+        <p:sp>
+          <p:nvSpPr>
+            <p:cNvPr id="31" name="矩形 54">
+              <a:extLst>
+                <a:ext uri="{FF2B5EF4-FFF2-40B4-BE49-F238E27FC236}">
+                  <a16:creationId xmlns:a16="http://schemas.microsoft.com/office/drawing/2014/main" id="{444443C2-31EB-4970-889D-376FA1D4F76B}"/>
+                </a:ext>
+              </a:extLst>
+            </p:cNvPr>
+            <p:cNvSpPr/>
+            <p:nvPr/>
+          </p:nvSpPr>
+          <p:spPr>
+            <a:xfrm>
+              <a:off x="4262425" y="2023951"/>
+              <a:ext cx="902811" cy="307777"/>
+            </a:xfrm>
+            <a:prstGeom prst="rect">
+              <a:avLst/>
+            </a:prstGeom>
+          </p:spPr>
+          <p:txBody>
+            <a:bodyPr wrap="none">
+              <a:spAutoFit/>
+            </a:bodyPr>
+            <a:lstStyle/>
+            <a:p>
+              <a:r>
+                <a:rPr lang="zh-CN" altLang="en-US" sz="1400" dirty="0">
+                  <a:latin typeface="Helvetica" pitchFamily="2" charset="0"/>
+                </a:rPr>
+                <a:t>原始数据</a:t>
+              </a:r>
+            </a:p>
+          </p:txBody>
+        </p:sp>
+        <p:sp>
+          <p:nvSpPr>
+            <p:cNvPr id="32" name="矩形 54">
+              <a:extLst>
+                <a:ext uri="{FF2B5EF4-FFF2-40B4-BE49-F238E27FC236}">
+                  <a16:creationId xmlns:a16="http://schemas.microsoft.com/office/drawing/2014/main" id="{C50864AB-F2B4-4D2A-92C5-1E93CCAEE7CF}"/>
+                </a:ext>
+              </a:extLst>
+            </p:cNvPr>
+            <p:cNvSpPr/>
+            <p:nvPr/>
+          </p:nvSpPr>
+          <p:spPr>
+            <a:xfrm>
+              <a:off x="4262425" y="3601041"/>
+              <a:ext cx="1980029" cy="307777"/>
+            </a:xfrm>
+            <a:prstGeom prst="rect">
+              <a:avLst/>
+            </a:prstGeom>
+          </p:spPr>
+          <p:txBody>
+            <a:bodyPr wrap="none">
+              <a:spAutoFit/>
+            </a:bodyPr>
+            <a:lstStyle/>
+            <a:p>
+              <a:r>
+                <a:rPr lang="zh-CN" altLang="en-US" sz="1400" dirty="0">
+                  <a:latin typeface="Helvetica" pitchFamily="2" charset="0"/>
+                </a:rPr>
+                <a:t>指定的采集点和控制点</a:t>
+              </a:r>
+            </a:p>
+          </p:txBody>
+        </p:sp>
+      </p:grpSp>
+      <p:sp>
+        <p:nvSpPr>
+          <p:cNvPr id="72" name="文本框 1">
+            <a:extLst>
+              <a:ext uri="{FF2B5EF4-FFF2-40B4-BE49-F238E27FC236}">
+                <a16:creationId xmlns:a16="http://schemas.microsoft.com/office/drawing/2014/main" id="{03D33741-A6A1-4743-88AA-2D894F4AB723}"/>
+              </a:ext>
+            </a:extLst>
+          </p:cNvPr>
+          <p:cNvSpPr txBox="1"/>
+          <p:nvPr/>
+        </p:nvSpPr>
+        <p:spPr>
+          <a:xfrm>
+            <a:off x="1585639" y="797813"/>
+            <a:ext cx="2220480" cy="369332"/>
+          </a:xfrm>
+          <a:prstGeom prst="rect">
+            <a:avLst/>
+          </a:prstGeom>
+          <a:noFill/>
+        </p:spPr>
+        <p:txBody>
+          <a:bodyPr wrap="none" rtlCol="0">
+            <a:spAutoFit/>
+          </a:bodyPr>
+          <a:lstStyle/>
+          <a:p>
+            <a:r>
+              <a:rPr kumimoji="1" lang="en-US" altLang="zh-CN" dirty="0"/>
+              <a:t>edge_work_flow.png</a:t>
+            </a:r>
+            <a:endParaRPr kumimoji="1" lang="zh-CN" altLang="en-US" dirty="0"/>
+          </a:p>
+        </p:txBody>
+      </p:sp>
+    </p:spTree>
+    <p:extLst>
+      <p:ext uri="{BB962C8B-B14F-4D97-AF65-F5344CB8AC3E}">
+        <p14:creationId xmlns:p14="http://schemas.microsoft.com/office/powerpoint/2010/main" val="2760539312"/>
+      </p:ext>
+    </p:extLst>
+  </p:cSld>
+  <p:clrMapOvr>
+    <a:masterClrMapping/>
+  </p:clrMapOvr>
+</p:sld>
+</file>
+
 <file path=ppt/theme/theme1.xml><?xml version="1.0" encoding="utf-8"?>
 <a:theme xmlns:a="http://schemas.openxmlformats.org/drawingml/2006/main" name="1_自定义设计方案">
   <a:themeElements>

--- a/media/edge.pptx
+++ b/media/edge.pptx
@@ -207,7 +207,7 @@
           <a:p>
             <a:fld id="{47277FB0-21EC-48C5-90B0-184600466A6C}" type="datetimeFigureOut">
               <a:rPr lang="zh-CN" altLang="en-US" smtClean="0"/>
-              <a:t>2019/6/3</a:t>
+              <a:t>2019/7/15</a:t>
             </a:fld>
             <a:endParaRPr lang="zh-CN" altLang="en-US"/>
           </a:p>
@@ -372,7 +372,7 @@
           <a:p>
             <a:fld id="{9C967889-4715-5C4F-A252-FFC716185AB6}" type="datetimeFigureOut">
               <a:rPr lang="en-US" smtClean="0"/>
-              <a:t>6/3/2019</a:t>
+              <a:t>7/15/19</a:t>
             </a:fld>
             <a:endParaRPr lang="en-US"/>
           </a:p>
@@ -8534,10 +8534,10 @@
       </p:grpSpPr>
       <p:grpSp>
         <p:nvGrpSpPr>
-          <p:cNvPr id="5" name="组合 8">
+          <p:cNvPr id="2" name="组合 1">
             <a:extLst>
               <a:ext uri="{FF2B5EF4-FFF2-40B4-BE49-F238E27FC236}">
-                <a16:creationId xmlns:a16="http://schemas.microsoft.com/office/drawing/2014/main" id="{AF026A66-0A40-47A8-AC82-CA8B271BD7AD}"/>
+                <a16:creationId xmlns:a16="http://schemas.microsoft.com/office/drawing/2014/main" id="{DF8623B7-D85B-BC45-86A2-B3360FC21794}"/>
               </a:ext>
             </a:extLst>
           </p:cNvPr>
@@ -8546,10 +8546,10 @@
         </p:nvGrpSpPr>
         <p:grpSpPr>
           <a:xfrm>
-            <a:off x="3198581" y="1618124"/>
-            <a:ext cx="5288962" cy="4085257"/>
-            <a:chOff x="953492" y="950214"/>
-            <a:chExt cx="5288962" cy="4085257"/>
+            <a:off x="3198580" y="1618124"/>
+            <a:ext cx="6732755" cy="4085257"/>
+            <a:chOff x="3198580" y="1618124"/>
+            <a:chExt cx="6732755" cy="4085257"/>
           </a:xfrm>
         </p:grpSpPr>
         <p:sp>
@@ -8566,7 +8566,7 @@
           </p:nvSpPr>
           <p:spPr>
             <a:xfrm>
-              <a:off x="972436" y="4281765"/>
+              <a:off x="3217525" y="4949675"/>
               <a:ext cx="2106050" cy="753706"/>
             </a:xfrm>
             <a:prstGeom prst="rect">
@@ -8624,7 +8624,7 @@
           </p:nvSpPr>
           <p:spPr>
             <a:xfrm>
-              <a:off x="972436" y="2564904"/>
+              <a:off x="3217525" y="3232814"/>
               <a:ext cx="2106050" cy="753706"/>
             </a:xfrm>
             <a:prstGeom prst="rect">
@@ -8682,7 +8682,7 @@
           </p:nvSpPr>
           <p:spPr>
             <a:xfrm>
-              <a:off x="1769051" y="4502992"/>
+              <a:off x="4014140" y="5170902"/>
               <a:ext cx="1050248" cy="338554"/>
             </a:xfrm>
             <a:prstGeom prst="rect">
@@ -8731,8 +8731,8 @@
           </p:nvSpPr>
           <p:spPr>
             <a:xfrm>
-              <a:off x="968207" y="950214"/>
-              <a:ext cx="5141596" cy="753706"/>
+              <a:off x="3213295" y="1618124"/>
+              <a:ext cx="6303683" cy="753706"/>
             </a:xfrm>
             <a:prstGeom prst="rect">
               <a:avLst/>
@@ -8789,7 +8789,7 @@
           </p:nvSpPr>
           <p:spPr>
             <a:xfrm>
-              <a:off x="968207" y="950214"/>
+              <a:off x="3213296" y="1618124"/>
               <a:ext cx="2106050" cy="753706"/>
             </a:xfrm>
             <a:prstGeom prst="rect">
@@ -8849,7 +8849,7 @@
           </p:nvSpPr>
           <p:spPr bwMode="auto">
             <a:xfrm>
-              <a:off x="1446002" y="4533716"/>
+              <a:off x="3691091" y="5201626"/>
               <a:ext cx="395353" cy="277106"/>
             </a:xfrm>
             <a:custGeom>
@@ -9038,7 +9038,7 @@
           </p:nvSpPr>
           <p:spPr>
             <a:xfrm>
-              <a:off x="1715478" y="2797420"/>
+              <a:off x="3960567" y="3465330"/>
               <a:ext cx="1050248" cy="338554"/>
             </a:xfrm>
             <a:prstGeom prst="rect">
@@ -9087,7 +9087,7 @@
           </p:nvGrpSpPr>
           <p:grpSpPr>
             <a:xfrm>
-              <a:off x="3311025" y="1053825"/>
+              <a:off x="6999906" y="1721735"/>
               <a:ext cx="2348522" cy="593249"/>
               <a:chOff x="3313567" y="1053825"/>
               <a:chExt cx="1647567" cy="593249"/>
@@ -9235,8 +9235,8 @@
           </p:nvSpPr>
           <p:spPr>
             <a:xfrm>
-              <a:off x="968207" y="2577430"/>
-              <a:ext cx="5148826" cy="753706"/>
+              <a:off x="3213296" y="3245340"/>
+              <a:ext cx="6303682" cy="753706"/>
             </a:xfrm>
             <a:prstGeom prst="rect">
               <a:avLst/>
@@ -9293,7 +9293,7 @@
           </p:nvSpPr>
           <p:spPr>
             <a:xfrm>
-              <a:off x="1956850" y="3630778"/>
+              <a:off x="4201939" y="4298688"/>
               <a:ext cx="902811" cy="307777"/>
             </a:xfrm>
             <a:prstGeom prst="rect">
@@ -9329,7 +9329,7 @@
           </p:nvGrpSpPr>
           <p:grpSpPr>
             <a:xfrm flipH="1" flipV="1">
-              <a:off x="1945556" y="3387486"/>
+              <a:off x="4190645" y="4055396"/>
               <a:ext cx="79905" cy="734889"/>
               <a:chOff x="1427867" y="2464420"/>
               <a:chExt cx="48577" cy="936702"/>
@@ -9434,7 +9434,7 @@
           </p:nvGrpSpPr>
           <p:grpSpPr>
             <a:xfrm>
-              <a:off x="1798410" y="3389532"/>
+              <a:off x="4043499" y="4057442"/>
               <a:ext cx="61047" cy="732844"/>
               <a:chOff x="1427867" y="2464420"/>
               <a:chExt cx="48577" cy="936702"/>
@@ -9539,8 +9539,8 @@
           </p:nvSpPr>
           <p:spPr>
             <a:xfrm>
-              <a:off x="953492" y="4269239"/>
-              <a:ext cx="5158722" cy="753706"/>
+              <a:off x="3198580" y="4937149"/>
+              <a:ext cx="6318397" cy="753706"/>
             </a:xfrm>
             <a:prstGeom prst="rect">
               <a:avLst/>
@@ -9597,7 +9597,7 @@
           </p:nvSpPr>
           <p:spPr>
             <a:xfrm>
-              <a:off x="3304366" y="4432575"/>
+              <a:off x="6993247" y="5100485"/>
               <a:ext cx="2327373" cy="523220"/>
             </a:xfrm>
             <a:prstGeom prst="rect">
@@ -9649,7 +9649,7 @@
           </p:nvSpPr>
           <p:spPr>
             <a:xfrm>
-              <a:off x="3328320" y="4362546"/>
+              <a:off x="7017201" y="5030456"/>
               <a:ext cx="2327372" cy="593249"/>
             </a:xfrm>
             <a:prstGeom prst="rect">
@@ -9707,7 +9707,7 @@
           </p:nvSpPr>
           <p:spPr>
             <a:xfrm>
-              <a:off x="3337787" y="2812357"/>
+              <a:off x="7026668" y="3480267"/>
               <a:ext cx="2379191" cy="307777"/>
             </a:xfrm>
             <a:prstGeom prst="rect">
@@ -9759,7 +9759,7 @@
           </p:nvSpPr>
           <p:spPr>
             <a:xfrm>
-              <a:off x="3337787" y="2652635"/>
+              <a:off x="7026668" y="3320545"/>
               <a:ext cx="2317905" cy="593249"/>
             </a:xfrm>
             <a:prstGeom prst="rect">
@@ -9819,7 +9819,7 @@
           </p:nvSpPr>
           <p:spPr bwMode="auto">
             <a:xfrm>
-              <a:off x="1359481" y="2815603"/>
+              <a:off x="3604570" y="3483513"/>
               <a:ext cx="394756" cy="302188"/>
             </a:xfrm>
             <a:custGeom>
@@ -10388,7 +10388,7 @@
           </p:nvCxnSpPr>
           <p:spPr>
             <a:xfrm>
-              <a:off x="4163828" y="3289695"/>
+              <a:off x="7852709" y="3957605"/>
               <a:ext cx="2411" cy="971797"/>
             </a:xfrm>
             <a:prstGeom prst="straightConnector1">
@@ -10432,7 +10432,7 @@
           </p:nvSpPr>
           <p:spPr bwMode="auto">
             <a:xfrm>
-              <a:off x="1442431" y="1159636"/>
+              <a:off x="3687520" y="1827546"/>
               <a:ext cx="392367" cy="339215"/>
             </a:xfrm>
             <a:custGeom>
@@ -11058,7 +11058,7 @@
           </p:nvSpPr>
           <p:spPr>
             <a:xfrm>
-              <a:off x="1769051" y="1172782"/>
+              <a:off x="4014140" y="1840692"/>
               <a:ext cx="1050248" cy="338554"/>
             </a:xfrm>
             <a:prstGeom prst="rect">
@@ -11100,7 +11100,7 @@
           </p:nvSpPr>
           <p:spPr>
             <a:xfrm>
-              <a:off x="1928373" y="2023951"/>
+              <a:off x="4173462" y="2691861"/>
               <a:ext cx="1800493" cy="307777"/>
             </a:xfrm>
             <a:prstGeom prst="rect">
@@ -11136,7 +11136,7 @@
           </p:nvGrpSpPr>
           <p:grpSpPr>
             <a:xfrm flipH="1" flipV="1">
-              <a:off x="1917079" y="1780659"/>
+              <a:off x="4162168" y="2448569"/>
               <a:ext cx="79905" cy="734889"/>
               <a:chOff x="1427867" y="2464420"/>
               <a:chExt cx="48577" cy="936702"/>
@@ -11241,7 +11241,7 @@
           </p:nvGrpSpPr>
           <p:grpSpPr>
             <a:xfrm>
-              <a:off x="1769933" y="1782705"/>
+              <a:off x="4015022" y="2450615"/>
               <a:ext cx="61047" cy="732844"/>
               <a:chOff x="1427867" y="2464420"/>
               <a:chExt cx="48577" cy="936702"/>
@@ -11348,7 +11348,7 @@
           </p:nvCxnSpPr>
           <p:spPr>
             <a:xfrm>
-              <a:off x="4165033" y="1635932"/>
+              <a:off x="7853914" y="2303842"/>
               <a:ext cx="2411" cy="971797"/>
             </a:xfrm>
             <a:prstGeom prst="straightConnector1">
@@ -11390,7 +11390,7 @@
           </p:nvSpPr>
           <p:spPr>
             <a:xfrm>
-              <a:off x="4262425" y="2023951"/>
+              <a:off x="7951306" y="2691861"/>
               <a:ext cx="902811" cy="307777"/>
             </a:xfrm>
             <a:prstGeom prst="rect">
@@ -11426,7 +11426,7 @@
           </p:nvSpPr>
           <p:spPr>
             <a:xfrm>
-              <a:off x="4262425" y="3601041"/>
+              <a:off x="7951306" y="4268951"/>
               <a:ext cx="1980029" cy="307777"/>
             </a:xfrm>
             <a:prstGeom prst="rect">

--- a/media/edge.pptx
+++ b/media/edge.pptx
@@ -5,10 +5,10 @@
     <p:sldMasterId id="2147483743" r:id="rId1"/>
   </p:sldMasterIdLst>
   <p:notesMasterIdLst>
-    <p:notesMasterId r:id="rId7"/>
+    <p:notesMasterId r:id="rId10"/>
   </p:notesMasterIdLst>
   <p:handoutMasterIdLst>
-    <p:handoutMasterId r:id="rId8"/>
+    <p:handoutMasterId r:id="rId11"/>
   </p:handoutMasterIdLst>
   <p:sldIdLst>
     <p:sldId id="318" r:id="rId2"/>
@@ -16,6 +16,9 @@
     <p:sldId id="320" r:id="rId4"/>
     <p:sldId id="317" r:id="rId5"/>
     <p:sldId id="321" r:id="rId6"/>
+    <p:sldId id="322" r:id="rId7"/>
+    <p:sldId id="323" r:id="rId8"/>
+    <p:sldId id="324" r:id="rId9"/>
   </p:sldIdLst>
   <p:sldSz cx="12192000" cy="6858000"/>
   <p:notesSz cx="6858000" cy="9144000"/>
@@ -207,7 +210,7 @@
           <a:p>
             <a:fld id="{47277FB0-21EC-48C5-90B0-184600466A6C}" type="datetimeFigureOut">
               <a:rPr lang="zh-CN" altLang="en-US" smtClean="0"/>
-              <a:t>2019/7/15</a:t>
+              <a:t>2019/8/26</a:t>
             </a:fld>
             <a:endParaRPr lang="zh-CN" altLang="en-US"/>
           </a:p>
@@ -372,7 +375,7 @@
           <a:p>
             <a:fld id="{9C967889-4715-5C4F-A252-FFC716185AB6}" type="datetimeFigureOut">
               <a:rPr lang="en-US" smtClean="0"/>
-              <a:t>7/15/19</a:t>
+              <a:t>8/26/19</a:t>
             </a:fld>
             <a:endParaRPr lang="en-US"/>
           </a:p>
@@ -11498,6 +11501,8263 @@
 </p:sld>
 </file>
 
+<file path=ppt/slides/slide6.xml><?xml version="1.0" encoding="utf-8"?>
+<p:sld xmlns:a="http://schemas.openxmlformats.org/drawingml/2006/main" xmlns:r="http://schemas.openxmlformats.org/officeDocument/2006/relationships" xmlns:p="http://schemas.openxmlformats.org/presentationml/2006/main">
+  <p:cSld>
+    <p:spTree>
+      <p:nvGrpSpPr>
+        <p:cNvPr id="1" name=""/>
+        <p:cNvGrpSpPr/>
+        <p:nvPr/>
+      </p:nvGrpSpPr>
+      <p:grpSpPr>
+        <a:xfrm>
+          <a:off x="0" y="0"/>
+          <a:ext cx="0" cy="0"/>
+          <a:chOff x="0" y="0"/>
+          <a:chExt cx="0" cy="0"/>
+        </a:xfrm>
+      </p:grpSpPr>
+      <p:sp>
+        <p:nvSpPr>
+          <p:cNvPr id="18" name="TextBox 10">
+            <a:extLst>
+              <a:ext uri="{FF2B5EF4-FFF2-40B4-BE49-F238E27FC236}">
+                <a16:creationId xmlns:a16="http://schemas.microsoft.com/office/drawing/2014/main" id="{26A514DA-18C1-468B-BFB7-96F5C1B7BBE4}"/>
+              </a:ext>
+            </a:extLst>
+          </p:cNvPr>
+          <p:cNvSpPr txBox="1"/>
+          <p:nvPr/>
+        </p:nvSpPr>
+        <p:spPr>
+          <a:xfrm>
+            <a:off x="621357" y="281560"/>
+            <a:ext cx="1915861" cy="307777"/>
+          </a:xfrm>
+          <a:prstGeom prst="rect">
+            <a:avLst/>
+          </a:prstGeom>
+          <a:noFill/>
+        </p:spPr>
+        <p:txBody>
+          <a:bodyPr wrap="square" rtlCol="0">
+            <a:spAutoFit/>
+          </a:bodyPr>
+          <a:lstStyle/>
+          <a:p>
+            <a:pPr>
+              <a:defRPr/>
+            </a:pPr>
+            <a:r>
+              <a:rPr lang="en-US" sz="1400" dirty="0">
+                <a:solidFill>
+                  <a:srgbClr val="182135"/>
+                </a:solidFill>
+                <a:ea typeface="Arial" charset="0"/>
+                <a:cs typeface="Arial" charset="0"/>
+              </a:rPr>
+              <a:t>direct_connection.png</a:t>
+            </a:r>
+          </a:p>
+        </p:txBody>
+      </p:sp>
+      <p:sp>
+        <p:nvSpPr>
+          <p:cNvPr id="19" name="矩形 18">
+            <a:extLst>
+              <a:ext uri="{FF2B5EF4-FFF2-40B4-BE49-F238E27FC236}">
+                <a16:creationId xmlns:a16="http://schemas.microsoft.com/office/drawing/2014/main" id="{9CB48A2E-869B-D641-92F3-CAF85E8D298E}"/>
+              </a:ext>
+            </a:extLst>
+          </p:cNvPr>
+          <p:cNvSpPr/>
+          <p:nvPr/>
+        </p:nvSpPr>
+        <p:spPr>
+          <a:xfrm>
+            <a:off x="6011938" y="-797369"/>
+            <a:ext cx="8431760" cy="753706"/>
+          </a:xfrm>
+          <a:prstGeom prst="rect">
+            <a:avLst/>
+          </a:prstGeom>
+          <a:noFill/>
+          <a:ln w="22225">
+            <a:solidFill>
+              <a:srgbClr val="F5F5FB"/>
+            </a:solidFill>
+          </a:ln>
+        </p:spPr>
+        <p:style>
+          <a:lnRef idx="2">
+            <a:schemeClr val="accent1">
+              <a:shade val="50000"/>
+            </a:schemeClr>
+          </a:lnRef>
+          <a:fillRef idx="1">
+            <a:schemeClr val="accent1"/>
+          </a:fillRef>
+          <a:effectRef idx="0">
+            <a:schemeClr val="accent1"/>
+          </a:effectRef>
+          <a:fontRef idx="minor">
+            <a:schemeClr val="lt1"/>
+          </a:fontRef>
+        </p:style>
+        <p:txBody>
+          <a:bodyPr rtlCol="0" anchor="ctr"/>
+          <a:lstStyle/>
+          <a:p>
+            <a:pPr algn="ctr"/>
+            <a:endParaRPr kumimoji="1" lang="zh-CN" altLang="en-US" sz="1600">
+              <a:solidFill>
+                <a:schemeClr val="bg1"/>
+              </a:solidFill>
+              <a:latin typeface="Helvetica" pitchFamily="2" charset="0"/>
+              <a:cs typeface="Arial" panose="020B0604020202020204" pitchFamily="34" charset="0"/>
+            </a:endParaRPr>
+          </a:p>
+        </p:txBody>
+      </p:sp>
+      <p:grpSp>
+        <p:nvGrpSpPr>
+          <p:cNvPr id="3" name="组合 2">
+            <a:extLst>
+              <a:ext uri="{FF2B5EF4-FFF2-40B4-BE49-F238E27FC236}">
+                <a16:creationId xmlns:a16="http://schemas.microsoft.com/office/drawing/2014/main" id="{559CCCF0-5D76-D644-A390-B970B9202E17}"/>
+              </a:ext>
+            </a:extLst>
+          </p:cNvPr>
+          <p:cNvGrpSpPr/>
+          <p:nvPr/>
+        </p:nvGrpSpPr>
+        <p:grpSpPr>
+          <a:xfrm>
+            <a:off x="2202161" y="1937297"/>
+            <a:ext cx="7952668" cy="1176501"/>
+            <a:chOff x="2202161" y="1937297"/>
+            <a:chExt cx="7952668" cy="1176501"/>
+          </a:xfrm>
+        </p:grpSpPr>
+        <p:sp>
+          <p:nvSpPr>
+            <p:cNvPr id="16" name="TextBox 10">
+              <a:extLst>
+                <a:ext uri="{FF2B5EF4-FFF2-40B4-BE49-F238E27FC236}">
+                  <a16:creationId xmlns:a16="http://schemas.microsoft.com/office/drawing/2014/main" id="{9984357C-DFDC-4BE1-9E3F-DC4E94B419B3}"/>
+                </a:ext>
+              </a:extLst>
+            </p:cNvPr>
+            <p:cNvSpPr txBox="1"/>
+            <p:nvPr/>
+          </p:nvSpPr>
+          <p:spPr>
+            <a:xfrm>
+              <a:off x="3990296" y="1939481"/>
+              <a:ext cx="1915861" cy="307777"/>
+            </a:xfrm>
+            <a:prstGeom prst="rect">
+              <a:avLst/>
+            </a:prstGeom>
+            <a:noFill/>
+          </p:spPr>
+          <p:txBody>
+            <a:bodyPr wrap="square" rtlCol="0">
+              <a:spAutoFit/>
+            </a:bodyPr>
+            <a:lstStyle/>
+            <a:p>
+              <a:pPr>
+                <a:defRPr/>
+              </a:pPr>
+              <a:r>
+                <a:rPr lang="zh-CN" altLang="en-US" sz="1400" dirty="0">
+                  <a:solidFill>
+                    <a:srgbClr val="182135"/>
+                  </a:solidFill>
+                  <a:latin typeface="+mn-ea"/>
+                  <a:cs typeface="Arial" charset="0"/>
+                </a:rPr>
+                <a:t>以太网</a:t>
+              </a:r>
+              <a:r>
+                <a:rPr lang="en-US" altLang="zh-CN" sz="1400" dirty="0">
+                  <a:solidFill>
+                    <a:srgbClr val="182135"/>
+                  </a:solidFill>
+                  <a:latin typeface="+mn-ea"/>
+                  <a:cs typeface="Arial" charset="0"/>
+                </a:rPr>
+                <a:t>/3G/4G</a:t>
+              </a:r>
+              <a:endParaRPr lang="en-US" sz="1400" dirty="0">
+                <a:solidFill>
+                  <a:srgbClr val="182135"/>
+                </a:solidFill>
+                <a:latin typeface="+mn-ea"/>
+                <a:cs typeface="Arial" charset="0"/>
+              </a:endParaRPr>
+            </a:p>
+          </p:txBody>
+        </p:sp>
+        <p:sp>
+          <p:nvSpPr>
+            <p:cNvPr id="17" name="TextBox 10">
+              <a:extLst>
+                <a:ext uri="{FF2B5EF4-FFF2-40B4-BE49-F238E27FC236}">
+                  <a16:creationId xmlns:a16="http://schemas.microsoft.com/office/drawing/2014/main" id="{EDB33602-9A96-4307-93FB-A5E885890FA7}"/>
+                </a:ext>
+              </a:extLst>
+            </p:cNvPr>
+            <p:cNvSpPr txBox="1"/>
+            <p:nvPr/>
+          </p:nvSpPr>
+          <p:spPr>
+            <a:xfrm>
+              <a:off x="6929533" y="1937297"/>
+              <a:ext cx="1915861" cy="307777"/>
+            </a:xfrm>
+            <a:prstGeom prst="rect">
+              <a:avLst/>
+            </a:prstGeom>
+            <a:noFill/>
+          </p:spPr>
+          <p:txBody>
+            <a:bodyPr wrap="square" rtlCol="0">
+              <a:spAutoFit/>
+            </a:bodyPr>
+            <a:lstStyle/>
+            <a:p>
+              <a:pPr>
+                <a:defRPr/>
+              </a:pPr>
+              <a:r>
+                <a:rPr lang="zh-CN" altLang="en-US" sz="1400" dirty="0">
+                  <a:solidFill>
+                    <a:srgbClr val="182135"/>
+                  </a:solidFill>
+                  <a:latin typeface="+mn-ea"/>
+                  <a:cs typeface="Arial" charset="0"/>
+                </a:rPr>
+                <a:t>以太网</a:t>
+              </a:r>
+              <a:r>
+                <a:rPr lang="en-US" altLang="zh-CN" sz="1400" dirty="0">
+                  <a:solidFill>
+                    <a:srgbClr val="182135"/>
+                  </a:solidFill>
+                  <a:latin typeface="+mn-ea"/>
+                  <a:cs typeface="Arial" charset="0"/>
+                </a:rPr>
+                <a:t>/RS485</a:t>
+              </a:r>
+              <a:r>
+                <a:rPr lang="zh-CN" altLang="en-US" sz="1400" dirty="0">
+                  <a:solidFill>
+                    <a:srgbClr val="182135"/>
+                  </a:solidFill>
+                  <a:latin typeface="+mn-ea"/>
+                  <a:cs typeface="Arial" charset="0"/>
+                </a:rPr>
+                <a:t>串口</a:t>
+              </a:r>
+              <a:endParaRPr lang="en-US" sz="1400" dirty="0">
+                <a:solidFill>
+                  <a:srgbClr val="182135"/>
+                </a:solidFill>
+                <a:latin typeface="+mn-ea"/>
+                <a:cs typeface="Arial" charset="0"/>
+              </a:endParaRPr>
+            </a:p>
+          </p:txBody>
+        </p:sp>
+        <p:sp>
+          <p:nvSpPr>
+            <p:cNvPr id="21" name="矩形 20">
+              <a:extLst>
+                <a:ext uri="{FF2B5EF4-FFF2-40B4-BE49-F238E27FC236}">
+                  <a16:creationId xmlns:a16="http://schemas.microsoft.com/office/drawing/2014/main" id="{2EA4571E-858C-4540-B7E7-9019D19E9CC2}"/>
+                </a:ext>
+              </a:extLst>
+            </p:cNvPr>
+            <p:cNvSpPr/>
+            <p:nvPr/>
+          </p:nvSpPr>
+          <p:spPr>
+            <a:xfrm>
+              <a:off x="2202161" y="2355688"/>
+              <a:ext cx="2106050" cy="753706"/>
+            </a:xfrm>
+            <a:prstGeom prst="rect">
+              <a:avLst/>
+            </a:prstGeom>
+            <a:solidFill>
+              <a:srgbClr val="0A6EFA"/>
+            </a:solidFill>
+            <a:ln w="12700">
+              <a:noFill/>
+            </a:ln>
+          </p:spPr>
+          <p:style>
+            <a:lnRef idx="2">
+              <a:schemeClr val="accent1">
+                <a:shade val="50000"/>
+              </a:schemeClr>
+            </a:lnRef>
+            <a:fillRef idx="1">
+              <a:schemeClr val="accent1"/>
+            </a:fillRef>
+            <a:effectRef idx="0">
+              <a:schemeClr val="accent1"/>
+            </a:effectRef>
+            <a:fontRef idx="minor">
+              <a:schemeClr val="lt1"/>
+            </a:fontRef>
+          </p:style>
+          <p:txBody>
+            <a:bodyPr rtlCol="0" anchor="ctr"/>
+            <a:lstStyle/>
+            <a:p>
+              <a:pPr algn="ctr"/>
+              <a:endParaRPr kumimoji="1" lang="zh-CN" altLang="en-US" sz="1600" dirty="0">
+                <a:solidFill>
+                  <a:schemeClr val="bg1"/>
+                </a:solidFill>
+                <a:latin typeface="Helvetica" pitchFamily="2" charset="0"/>
+                <a:cs typeface="Arial" panose="020B0604020202020204" pitchFamily="34" charset="0"/>
+              </a:endParaRPr>
+            </a:p>
+          </p:txBody>
+        </p:sp>
+        <p:sp>
+          <p:nvSpPr>
+            <p:cNvPr id="22" name="Freeform 64">
+              <a:extLst>
+                <a:ext uri="{FF2B5EF4-FFF2-40B4-BE49-F238E27FC236}">
+                  <a16:creationId xmlns:a16="http://schemas.microsoft.com/office/drawing/2014/main" id="{0597BA1B-42EA-D84C-8799-D5FB6F3F5094}"/>
+                </a:ext>
+              </a:extLst>
+            </p:cNvPr>
+            <p:cNvSpPr>
+              <a:spLocks/>
+            </p:cNvSpPr>
+            <p:nvPr/>
+          </p:nvSpPr>
+          <p:spPr bwMode="auto">
+            <a:xfrm>
+              <a:off x="2378120" y="2612518"/>
+              <a:ext cx="395353" cy="277106"/>
+            </a:xfrm>
+            <a:custGeom>
+              <a:avLst/>
+              <a:gdLst>
+                <a:gd name="T0" fmla="*/ 137 w 280"/>
+                <a:gd name="T1" fmla="*/ 98 h 196"/>
+                <a:gd name="T2" fmla="*/ 65 w 280"/>
+                <a:gd name="T3" fmla="*/ 48 h 196"/>
+                <a:gd name="T4" fmla="*/ 0 w 280"/>
+                <a:gd name="T5" fmla="*/ 122 h 196"/>
+                <a:gd name="T6" fmla="*/ 64 w 280"/>
+                <a:gd name="T7" fmla="*/ 196 h 196"/>
+                <a:gd name="T8" fmla="*/ 64 w 280"/>
+                <a:gd name="T9" fmla="*/ 196 h 196"/>
+                <a:gd name="T10" fmla="*/ 215 w 280"/>
+                <a:gd name="T11" fmla="*/ 196 h 196"/>
+                <a:gd name="T12" fmla="*/ 224 w 280"/>
+                <a:gd name="T13" fmla="*/ 196 h 196"/>
+                <a:gd name="T14" fmla="*/ 280 w 280"/>
+                <a:gd name="T15" fmla="*/ 129 h 196"/>
+                <a:gd name="T16" fmla="*/ 235 w 280"/>
+                <a:gd name="T17" fmla="*/ 65 h 196"/>
+                <a:gd name="T18" fmla="*/ 147 w 280"/>
+                <a:gd name="T19" fmla="*/ 0 h 196"/>
+                <a:gd name="T20" fmla="*/ 73 w 280"/>
+                <a:gd name="T21" fmla="*/ 36 h 196"/>
+                <a:gd name="T22" fmla="*/ 137 w 280"/>
+                <a:gd name="T23" fmla="*/ 98 h 196"/>
+                <a:gd name="T24" fmla="*/ 137 w 280"/>
+                <a:gd name="T25" fmla="*/ 98 h 196"/>
+              </a:gdLst>
+              <a:ahLst/>
+              <a:cxnLst>
+                <a:cxn ang="0">
+                  <a:pos x="T0" y="T1"/>
+                </a:cxn>
+                <a:cxn ang="0">
+                  <a:pos x="T2" y="T3"/>
+                </a:cxn>
+                <a:cxn ang="0">
+                  <a:pos x="T4" y="T5"/>
+                </a:cxn>
+                <a:cxn ang="0">
+                  <a:pos x="T6" y="T7"/>
+                </a:cxn>
+                <a:cxn ang="0">
+                  <a:pos x="T8" y="T9"/>
+                </a:cxn>
+                <a:cxn ang="0">
+                  <a:pos x="T10" y="T11"/>
+                </a:cxn>
+                <a:cxn ang="0">
+                  <a:pos x="T12" y="T13"/>
+                </a:cxn>
+                <a:cxn ang="0">
+                  <a:pos x="T14" y="T15"/>
+                </a:cxn>
+                <a:cxn ang="0">
+                  <a:pos x="T16" y="T17"/>
+                </a:cxn>
+                <a:cxn ang="0">
+                  <a:pos x="T18" y="T19"/>
+                </a:cxn>
+                <a:cxn ang="0">
+                  <a:pos x="T20" y="T21"/>
+                </a:cxn>
+                <a:cxn ang="0">
+                  <a:pos x="T22" y="T23"/>
+                </a:cxn>
+                <a:cxn ang="0">
+                  <a:pos x="T24" y="T25"/>
+                </a:cxn>
+              </a:cxnLst>
+              <a:rect l="0" t="0" r="r" b="b"/>
+              <a:pathLst>
+                <a:path w="280" h="196">
+                  <a:moveTo>
+                    <a:pt x="137" y="98"/>
+                  </a:moveTo>
+                  <a:cubicBezTo>
+                    <a:pt x="137" y="98"/>
+                    <a:pt x="127" y="64"/>
+                    <a:pt x="65" y="48"/>
+                  </a:cubicBezTo>
+                  <a:cubicBezTo>
+                    <a:pt x="28" y="53"/>
+                    <a:pt x="0" y="84"/>
+                    <a:pt x="0" y="122"/>
+                  </a:cubicBezTo>
+                  <a:cubicBezTo>
+                    <a:pt x="0" y="159"/>
+                    <a:pt x="28" y="191"/>
+                    <a:pt x="64" y="196"/>
+                  </a:cubicBezTo>
+                  <a:cubicBezTo>
+                    <a:pt x="64" y="196"/>
+                    <a:pt x="64" y="196"/>
+                    <a:pt x="64" y="196"/>
+                  </a:cubicBezTo>
+                  <a:cubicBezTo>
+                    <a:pt x="215" y="196"/>
+                    <a:pt x="215" y="196"/>
+                    <a:pt x="215" y="196"/>
+                  </a:cubicBezTo>
+                  <a:cubicBezTo>
+                    <a:pt x="224" y="196"/>
+                    <a:pt x="224" y="196"/>
+                    <a:pt x="224" y="196"/>
+                  </a:cubicBezTo>
+                  <a:cubicBezTo>
+                    <a:pt x="256" y="190"/>
+                    <a:pt x="280" y="162"/>
+                    <a:pt x="280" y="129"/>
+                  </a:cubicBezTo>
+                  <a:cubicBezTo>
+                    <a:pt x="280" y="100"/>
+                    <a:pt x="262" y="75"/>
+                    <a:pt x="235" y="65"/>
+                  </a:cubicBezTo>
+                  <a:cubicBezTo>
+                    <a:pt x="223" y="26"/>
+                    <a:pt x="188" y="0"/>
+                    <a:pt x="147" y="0"/>
+                  </a:cubicBezTo>
+                  <a:cubicBezTo>
+                    <a:pt x="118" y="0"/>
+                    <a:pt x="91" y="13"/>
+                    <a:pt x="73" y="36"/>
+                  </a:cubicBezTo>
+                  <a:cubicBezTo>
+                    <a:pt x="104" y="40"/>
+                    <a:pt x="133" y="56"/>
+                    <a:pt x="137" y="98"/>
+                  </a:cubicBezTo>
+                  <a:cubicBezTo>
+                    <a:pt x="137" y="98"/>
+                    <a:pt x="137" y="98"/>
+                    <a:pt x="137" y="98"/>
+                  </a:cubicBezTo>
+                  <a:close/>
+                </a:path>
+              </a:pathLst>
+            </a:custGeom>
+            <a:solidFill>
+              <a:schemeClr val="bg1"/>
+            </a:solidFill>
+            <a:ln>
+              <a:noFill/>
+            </a:ln>
+            <a:extLst/>
+          </p:spPr>
+          <p:txBody>
+            <a:bodyPr vert="horz" wrap="square" lIns="91440" tIns="45720" rIns="91440" bIns="45720" numCol="1" anchor="t" anchorCtr="0" compatLnSpc="1">
+              <a:prstTxWarp prst="textNoShape">
+                <a:avLst/>
+              </a:prstTxWarp>
+            </a:bodyPr>
+            <a:lstStyle/>
+            <a:p>
+              <a:pPr algn="ctr">
+                <a:defRPr/>
+              </a:pPr>
+              <a:endParaRPr lang="zh-CN" altLang="en-US" sz="1000" b="1" kern="0">
+                <a:solidFill>
+                  <a:srgbClr val="000000"/>
+                </a:solidFill>
+                <a:latin typeface="Helvetica" pitchFamily="2" charset="0"/>
+                <a:ea typeface="等线" panose="02010600030101010101" pitchFamily="2" charset="-122"/>
+                <a:cs typeface="Arial" panose="020B0604020202020204" pitchFamily="34" charset="0"/>
+              </a:endParaRPr>
+            </a:p>
+          </p:txBody>
+        </p:sp>
+        <p:sp>
+          <p:nvSpPr>
+            <p:cNvPr id="23" name="文本框 22">
+              <a:extLst>
+                <a:ext uri="{FF2B5EF4-FFF2-40B4-BE49-F238E27FC236}">
+                  <a16:creationId xmlns:a16="http://schemas.microsoft.com/office/drawing/2014/main" id="{FFA7F456-8C83-2944-B3C6-971CFFA165AB}"/>
+                </a:ext>
+              </a:extLst>
+            </p:cNvPr>
+            <p:cNvSpPr txBox="1"/>
+            <p:nvPr/>
+          </p:nvSpPr>
+          <p:spPr>
+            <a:xfrm>
+              <a:off x="2713033" y="2596322"/>
+              <a:ext cx="1650500" cy="338554"/>
+            </a:xfrm>
+            <a:prstGeom prst="rect">
+              <a:avLst/>
+            </a:prstGeom>
+            <a:noFill/>
+          </p:spPr>
+          <p:txBody>
+            <a:bodyPr wrap="square" rtlCol="0">
+              <a:spAutoFit/>
+            </a:bodyPr>
+            <a:lstStyle/>
+            <a:p>
+              <a:pPr algn="ctr"/>
+              <a:r>
+                <a:rPr kumimoji="1" lang="en-US" altLang="zh-CN" sz="1600" b="1" dirty="0" err="1">
+                  <a:solidFill>
+                    <a:schemeClr val="bg1"/>
+                  </a:solidFill>
+                  <a:latin typeface="Helvetica" pitchFamily="2" charset="0"/>
+                  <a:cs typeface="Arial" panose="020B0604020202020204" pitchFamily="34" charset="0"/>
+                </a:rPr>
+                <a:t>EnOS</a:t>
+              </a:r>
+              <a:r>
+                <a:rPr kumimoji="1" lang="zh-CN" altLang="en-US" sz="1600" b="1" dirty="0">
+                  <a:solidFill>
+                    <a:schemeClr val="bg1"/>
+                  </a:solidFill>
+                  <a:latin typeface="Helvetica" pitchFamily="2" charset="0"/>
+                  <a:cs typeface="Arial" panose="020B0604020202020204" pitchFamily="34" charset="0"/>
+                </a:rPr>
+                <a:t> </a:t>
+              </a:r>
+              <a:r>
+                <a:rPr kumimoji="1" lang="en-US" altLang="zh-CN" sz="1600" b="1" dirty="0">
+                  <a:solidFill>
+                    <a:schemeClr val="bg1"/>
+                  </a:solidFill>
+                  <a:latin typeface="Helvetica" pitchFamily="2" charset="0"/>
+                  <a:cs typeface="Arial" panose="020B0604020202020204" pitchFamily="34" charset="0"/>
+                </a:rPr>
+                <a:t>Cloud</a:t>
+              </a:r>
+              <a:endParaRPr kumimoji="1" lang="zh-CN" altLang="en-US" sz="1600" b="1" dirty="0">
+                <a:solidFill>
+                  <a:schemeClr val="bg1"/>
+                </a:solidFill>
+                <a:latin typeface="Helvetica" pitchFamily="2" charset="0"/>
+                <a:cs typeface="Arial" panose="020B0604020202020204" pitchFamily="34" charset="0"/>
+              </a:endParaRPr>
+            </a:p>
+          </p:txBody>
+        </p:sp>
+        <p:sp>
+          <p:nvSpPr>
+            <p:cNvPr id="30" name="矩形 29">
+              <a:extLst>
+                <a:ext uri="{FF2B5EF4-FFF2-40B4-BE49-F238E27FC236}">
+                  <a16:creationId xmlns:a16="http://schemas.microsoft.com/office/drawing/2014/main" id="{E7F7A34C-EDD8-5140-8C2E-9416E27B468D}"/>
+                </a:ext>
+              </a:extLst>
+            </p:cNvPr>
+            <p:cNvSpPr/>
+            <p:nvPr/>
+          </p:nvSpPr>
+          <p:spPr>
+            <a:xfrm>
+              <a:off x="8048779" y="2355688"/>
+              <a:ext cx="2106050" cy="753706"/>
+            </a:xfrm>
+            <a:prstGeom prst="rect">
+              <a:avLst/>
+            </a:prstGeom>
+            <a:solidFill>
+              <a:srgbClr val="0A6EFA"/>
+            </a:solidFill>
+            <a:ln w="12700">
+              <a:noFill/>
+            </a:ln>
+          </p:spPr>
+          <p:style>
+            <a:lnRef idx="2">
+              <a:schemeClr val="accent1">
+                <a:shade val="50000"/>
+              </a:schemeClr>
+            </a:lnRef>
+            <a:fillRef idx="1">
+              <a:schemeClr val="accent1"/>
+            </a:fillRef>
+            <a:effectRef idx="0">
+              <a:schemeClr val="accent1"/>
+            </a:effectRef>
+            <a:fontRef idx="minor">
+              <a:schemeClr val="lt1"/>
+            </a:fontRef>
+          </p:style>
+          <p:txBody>
+            <a:bodyPr rtlCol="0" anchor="ctr"/>
+            <a:lstStyle/>
+            <a:p>
+              <a:pPr algn="ctr"/>
+              <a:endParaRPr kumimoji="1" lang="zh-CN" altLang="en-US" sz="1600" dirty="0">
+                <a:solidFill>
+                  <a:schemeClr val="bg1"/>
+                </a:solidFill>
+                <a:latin typeface="Helvetica" pitchFamily="2" charset="0"/>
+                <a:cs typeface="Arial" panose="020B0604020202020204" pitchFamily="34" charset="0"/>
+              </a:endParaRPr>
+            </a:p>
+          </p:txBody>
+        </p:sp>
+        <p:sp>
+          <p:nvSpPr>
+            <p:cNvPr id="31" name="Freeform 66">
+              <a:extLst>
+                <a:ext uri="{FF2B5EF4-FFF2-40B4-BE49-F238E27FC236}">
+                  <a16:creationId xmlns:a16="http://schemas.microsoft.com/office/drawing/2014/main" id="{361BA113-E6A4-2C4B-81EA-E7DBB6D4060E}"/>
+                </a:ext>
+              </a:extLst>
+            </p:cNvPr>
+            <p:cNvSpPr>
+              <a:spLocks noEditPoints="1"/>
+            </p:cNvSpPr>
+            <p:nvPr/>
+          </p:nvSpPr>
+          <p:spPr bwMode="auto">
+            <a:xfrm>
+              <a:off x="8559569" y="2541316"/>
+              <a:ext cx="392367" cy="339215"/>
+            </a:xfrm>
+            <a:custGeom>
+              <a:avLst/>
+              <a:gdLst>
+                <a:gd name="T0" fmla="*/ 0 w 278"/>
+                <a:gd name="T1" fmla="*/ 160 h 240"/>
+                <a:gd name="T2" fmla="*/ 0 w 278"/>
+                <a:gd name="T3" fmla="*/ 240 h 240"/>
+                <a:gd name="T4" fmla="*/ 278 w 278"/>
+                <a:gd name="T5" fmla="*/ 240 h 240"/>
+                <a:gd name="T6" fmla="*/ 278 w 278"/>
+                <a:gd name="T7" fmla="*/ 160 h 240"/>
+                <a:gd name="T8" fmla="*/ 0 w 278"/>
+                <a:gd name="T9" fmla="*/ 160 h 240"/>
+                <a:gd name="T10" fmla="*/ 40 w 278"/>
+                <a:gd name="T11" fmla="*/ 200 h 240"/>
+                <a:gd name="T12" fmla="*/ 16 w 278"/>
+                <a:gd name="T13" fmla="*/ 200 h 240"/>
+                <a:gd name="T14" fmla="*/ 16 w 278"/>
+                <a:gd name="T15" fmla="*/ 177 h 240"/>
+                <a:gd name="T16" fmla="*/ 40 w 278"/>
+                <a:gd name="T17" fmla="*/ 177 h 240"/>
+                <a:gd name="T18" fmla="*/ 40 w 278"/>
+                <a:gd name="T19" fmla="*/ 200 h 240"/>
+                <a:gd name="T20" fmla="*/ 175 w 278"/>
+                <a:gd name="T21" fmla="*/ 224 h 240"/>
+                <a:gd name="T22" fmla="*/ 152 w 278"/>
+                <a:gd name="T23" fmla="*/ 224 h 240"/>
+                <a:gd name="T24" fmla="*/ 152 w 278"/>
+                <a:gd name="T25" fmla="*/ 177 h 240"/>
+                <a:gd name="T26" fmla="*/ 175 w 278"/>
+                <a:gd name="T27" fmla="*/ 177 h 240"/>
+                <a:gd name="T28" fmla="*/ 175 w 278"/>
+                <a:gd name="T29" fmla="*/ 224 h 240"/>
+                <a:gd name="T30" fmla="*/ 218 w 278"/>
+                <a:gd name="T31" fmla="*/ 224 h 240"/>
+                <a:gd name="T32" fmla="*/ 195 w 278"/>
+                <a:gd name="T33" fmla="*/ 224 h 240"/>
+                <a:gd name="T34" fmla="*/ 195 w 278"/>
+                <a:gd name="T35" fmla="*/ 177 h 240"/>
+                <a:gd name="T36" fmla="*/ 218 w 278"/>
+                <a:gd name="T37" fmla="*/ 177 h 240"/>
+                <a:gd name="T38" fmla="*/ 218 w 278"/>
+                <a:gd name="T39" fmla="*/ 224 h 240"/>
+                <a:gd name="T40" fmla="*/ 262 w 278"/>
+                <a:gd name="T41" fmla="*/ 224 h 240"/>
+                <a:gd name="T42" fmla="*/ 238 w 278"/>
+                <a:gd name="T43" fmla="*/ 224 h 240"/>
+                <a:gd name="T44" fmla="*/ 238 w 278"/>
+                <a:gd name="T45" fmla="*/ 177 h 240"/>
+                <a:gd name="T46" fmla="*/ 262 w 278"/>
+                <a:gd name="T47" fmla="*/ 177 h 240"/>
+                <a:gd name="T48" fmla="*/ 262 w 278"/>
+                <a:gd name="T49" fmla="*/ 224 h 240"/>
+                <a:gd name="T50" fmla="*/ 212 w 278"/>
+                <a:gd name="T51" fmla="*/ 64 h 240"/>
+                <a:gd name="T52" fmla="*/ 192 w 278"/>
+                <a:gd name="T53" fmla="*/ 114 h 240"/>
+                <a:gd name="T54" fmla="*/ 202 w 278"/>
+                <a:gd name="T55" fmla="*/ 123 h 240"/>
+                <a:gd name="T56" fmla="*/ 225 w 278"/>
+                <a:gd name="T57" fmla="*/ 64 h 240"/>
+                <a:gd name="T58" fmla="*/ 197 w 278"/>
+                <a:gd name="T59" fmla="*/ 0 h 240"/>
+                <a:gd name="T60" fmla="*/ 187 w 278"/>
+                <a:gd name="T61" fmla="*/ 9 h 240"/>
+                <a:gd name="T62" fmla="*/ 212 w 278"/>
+                <a:gd name="T63" fmla="*/ 64 h 240"/>
+                <a:gd name="T64" fmla="*/ 175 w 278"/>
+                <a:gd name="T65" fmla="*/ 64 h 240"/>
+                <a:gd name="T66" fmla="*/ 164 w 278"/>
+                <a:gd name="T67" fmla="*/ 90 h 240"/>
+                <a:gd name="T68" fmla="*/ 174 w 278"/>
+                <a:gd name="T69" fmla="*/ 99 h 240"/>
+                <a:gd name="T70" fmla="*/ 189 w 278"/>
+                <a:gd name="T71" fmla="*/ 64 h 240"/>
+                <a:gd name="T72" fmla="*/ 169 w 278"/>
+                <a:gd name="T73" fmla="*/ 24 h 240"/>
+                <a:gd name="T74" fmla="*/ 159 w 278"/>
+                <a:gd name="T75" fmla="*/ 33 h 240"/>
+                <a:gd name="T76" fmla="*/ 175 w 278"/>
+                <a:gd name="T77" fmla="*/ 64 h 240"/>
+                <a:gd name="T78" fmla="*/ 107 w 278"/>
+                <a:gd name="T79" fmla="*/ 102 h 240"/>
+                <a:gd name="T80" fmla="*/ 117 w 278"/>
+                <a:gd name="T81" fmla="*/ 93 h 240"/>
+                <a:gd name="T82" fmla="*/ 103 w 278"/>
+                <a:gd name="T83" fmla="*/ 64 h 240"/>
+                <a:gd name="T84" fmla="*/ 119 w 278"/>
+                <a:gd name="T85" fmla="*/ 33 h 240"/>
+                <a:gd name="T86" fmla="*/ 109 w 278"/>
+                <a:gd name="T87" fmla="*/ 24 h 240"/>
+                <a:gd name="T88" fmla="*/ 89 w 278"/>
+                <a:gd name="T89" fmla="*/ 64 h 240"/>
+                <a:gd name="T90" fmla="*/ 107 w 278"/>
+                <a:gd name="T91" fmla="*/ 102 h 240"/>
+                <a:gd name="T92" fmla="*/ 89 w 278"/>
+                <a:gd name="T93" fmla="*/ 117 h 240"/>
+                <a:gd name="T94" fmla="*/ 66 w 278"/>
+                <a:gd name="T95" fmla="*/ 64 h 240"/>
+                <a:gd name="T96" fmla="*/ 91 w 278"/>
+                <a:gd name="T97" fmla="*/ 8 h 240"/>
+                <a:gd name="T98" fmla="*/ 81 w 278"/>
+                <a:gd name="T99" fmla="*/ 0 h 240"/>
+                <a:gd name="T100" fmla="*/ 53 w 278"/>
+                <a:gd name="T101" fmla="*/ 64 h 240"/>
+                <a:gd name="T102" fmla="*/ 79 w 278"/>
+                <a:gd name="T103" fmla="*/ 126 h 240"/>
+                <a:gd name="T104" fmla="*/ 89 w 278"/>
+                <a:gd name="T105" fmla="*/ 117 h 240"/>
+                <a:gd name="T106" fmla="*/ 149 w 278"/>
+                <a:gd name="T107" fmla="*/ 147 h 240"/>
+                <a:gd name="T108" fmla="*/ 149 w 278"/>
+                <a:gd name="T109" fmla="*/ 60 h 240"/>
+                <a:gd name="T110" fmla="*/ 139 w 278"/>
+                <a:gd name="T111" fmla="*/ 50 h 240"/>
+                <a:gd name="T112" fmla="*/ 129 w 278"/>
+                <a:gd name="T113" fmla="*/ 60 h 240"/>
+                <a:gd name="T114" fmla="*/ 129 w 278"/>
+                <a:gd name="T115" fmla="*/ 147 h 240"/>
+                <a:gd name="T116" fmla="*/ 149 w 278"/>
+                <a:gd name="T117" fmla="*/ 147 h 240"/>
+              </a:gdLst>
+              <a:ahLst/>
+              <a:cxnLst>
+                <a:cxn ang="0">
+                  <a:pos x="T0" y="T1"/>
+                </a:cxn>
+                <a:cxn ang="0">
+                  <a:pos x="T2" y="T3"/>
+                </a:cxn>
+                <a:cxn ang="0">
+                  <a:pos x="T4" y="T5"/>
+                </a:cxn>
+                <a:cxn ang="0">
+                  <a:pos x="T6" y="T7"/>
+                </a:cxn>
+                <a:cxn ang="0">
+                  <a:pos x="T8" y="T9"/>
+                </a:cxn>
+                <a:cxn ang="0">
+                  <a:pos x="T10" y="T11"/>
+                </a:cxn>
+                <a:cxn ang="0">
+                  <a:pos x="T12" y="T13"/>
+                </a:cxn>
+                <a:cxn ang="0">
+                  <a:pos x="T14" y="T15"/>
+                </a:cxn>
+                <a:cxn ang="0">
+                  <a:pos x="T16" y="T17"/>
+                </a:cxn>
+                <a:cxn ang="0">
+                  <a:pos x="T18" y="T19"/>
+                </a:cxn>
+                <a:cxn ang="0">
+                  <a:pos x="T20" y="T21"/>
+                </a:cxn>
+                <a:cxn ang="0">
+                  <a:pos x="T22" y="T23"/>
+                </a:cxn>
+                <a:cxn ang="0">
+                  <a:pos x="T24" y="T25"/>
+                </a:cxn>
+                <a:cxn ang="0">
+                  <a:pos x="T26" y="T27"/>
+                </a:cxn>
+                <a:cxn ang="0">
+                  <a:pos x="T28" y="T29"/>
+                </a:cxn>
+                <a:cxn ang="0">
+                  <a:pos x="T30" y="T31"/>
+                </a:cxn>
+                <a:cxn ang="0">
+                  <a:pos x="T32" y="T33"/>
+                </a:cxn>
+                <a:cxn ang="0">
+                  <a:pos x="T34" y="T35"/>
+                </a:cxn>
+                <a:cxn ang="0">
+                  <a:pos x="T36" y="T37"/>
+                </a:cxn>
+                <a:cxn ang="0">
+                  <a:pos x="T38" y="T39"/>
+                </a:cxn>
+                <a:cxn ang="0">
+                  <a:pos x="T40" y="T41"/>
+                </a:cxn>
+                <a:cxn ang="0">
+                  <a:pos x="T42" y="T43"/>
+                </a:cxn>
+                <a:cxn ang="0">
+                  <a:pos x="T44" y="T45"/>
+                </a:cxn>
+                <a:cxn ang="0">
+                  <a:pos x="T46" y="T47"/>
+                </a:cxn>
+                <a:cxn ang="0">
+                  <a:pos x="T48" y="T49"/>
+                </a:cxn>
+                <a:cxn ang="0">
+                  <a:pos x="T50" y="T51"/>
+                </a:cxn>
+                <a:cxn ang="0">
+                  <a:pos x="T52" y="T53"/>
+                </a:cxn>
+                <a:cxn ang="0">
+                  <a:pos x="T54" y="T55"/>
+                </a:cxn>
+                <a:cxn ang="0">
+                  <a:pos x="T56" y="T57"/>
+                </a:cxn>
+                <a:cxn ang="0">
+                  <a:pos x="T58" y="T59"/>
+                </a:cxn>
+                <a:cxn ang="0">
+                  <a:pos x="T60" y="T61"/>
+                </a:cxn>
+                <a:cxn ang="0">
+                  <a:pos x="T62" y="T63"/>
+                </a:cxn>
+                <a:cxn ang="0">
+                  <a:pos x="T64" y="T65"/>
+                </a:cxn>
+                <a:cxn ang="0">
+                  <a:pos x="T66" y="T67"/>
+                </a:cxn>
+                <a:cxn ang="0">
+                  <a:pos x="T68" y="T69"/>
+                </a:cxn>
+                <a:cxn ang="0">
+                  <a:pos x="T70" y="T71"/>
+                </a:cxn>
+                <a:cxn ang="0">
+                  <a:pos x="T72" y="T73"/>
+                </a:cxn>
+                <a:cxn ang="0">
+                  <a:pos x="T74" y="T75"/>
+                </a:cxn>
+                <a:cxn ang="0">
+                  <a:pos x="T76" y="T77"/>
+                </a:cxn>
+                <a:cxn ang="0">
+                  <a:pos x="T78" y="T79"/>
+                </a:cxn>
+                <a:cxn ang="0">
+                  <a:pos x="T80" y="T81"/>
+                </a:cxn>
+                <a:cxn ang="0">
+                  <a:pos x="T82" y="T83"/>
+                </a:cxn>
+                <a:cxn ang="0">
+                  <a:pos x="T84" y="T85"/>
+                </a:cxn>
+                <a:cxn ang="0">
+                  <a:pos x="T86" y="T87"/>
+                </a:cxn>
+                <a:cxn ang="0">
+                  <a:pos x="T88" y="T89"/>
+                </a:cxn>
+                <a:cxn ang="0">
+                  <a:pos x="T90" y="T91"/>
+                </a:cxn>
+                <a:cxn ang="0">
+                  <a:pos x="T92" y="T93"/>
+                </a:cxn>
+                <a:cxn ang="0">
+                  <a:pos x="T94" y="T95"/>
+                </a:cxn>
+                <a:cxn ang="0">
+                  <a:pos x="T96" y="T97"/>
+                </a:cxn>
+                <a:cxn ang="0">
+                  <a:pos x="T98" y="T99"/>
+                </a:cxn>
+                <a:cxn ang="0">
+                  <a:pos x="T100" y="T101"/>
+                </a:cxn>
+                <a:cxn ang="0">
+                  <a:pos x="T102" y="T103"/>
+                </a:cxn>
+                <a:cxn ang="0">
+                  <a:pos x="T104" y="T105"/>
+                </a:cxn>
+                <a:cxn ang="0">
+                  <a:pos x="T106" y="T107"/>
+                </a:cxn>
+                <a:cxn ang="0">
+                  <a:pos x="T108" y="T109"/>
+                </a:cxn>
+                <a:cxn ang="0">
+                  <a:pos x="T110" y="T111"/>
+                </a:cxn>
+                <a:cxn ang="0">
+                  <a:pos x="T112" y="T113"/>
+                </a:cxn>
+                <a:cxn ang="0">
+                  <a:pos x="T114" y="T115"/>
+                </a:cxn>
+                <a:cxn ang="0">
+                  <a:pos x="T116" y="T117"/>
+                </a:cxn>
+              </a:cxnLst>
+              <a:rect l="0" t="0" r="r" b="b"/>
+              <a:pathLst>
+                <a:path w="278" h="240">
+                  <a:moveTo>
+                    <a:pt x="0" y="160"/>
+                  </a:moveTo>
+                  <a:cubicBezTo>
+                    <a:pt x="0" y="240"/>
+                    <a:pt x="0" y="240"/>
+                    <a:pt x="0" y="240"/>
+                  </a:cubicBezTo>
+                  <a:cubicBezTo>
+                    <a:pt x="278" y="240"/>
+                    <a:pt x="278" y="240"/>
+                    <a:pt x="278" y="240"/>
+                  </a:cubicBezTo>
+                  <a:cubicBezTo>
+                    <a:pt x="278" y="160"/>
+                    <a:pt x="278" y="160"/>
+                    <a:pt x="278" y="160"/>
+                  </a:cubicBezTo>
+                  <a:lnTo>
+                    <a:pt x="0" y="160"/>
+                  </a:lnTo>
+                  <a:close/>
+                  <a:moveTo>
+                    <a:pt x="40" y="200"/>
+                  </a:moveTo>
+                  <a:cubicBezTo>
+                    <a:pt x="16" y="200"/>
+                    <a:pt x="16" y="200"/>
+                    <a:pt x="16" y="200"/>
+                  </a:cubicBezTo>
+                  <a:cubicBezTo>
+                    <a:pt x="16" y="177"/>
+                    <a:pt x="16" y="177"/>
+                    <a:pt x="16" y="177"/>
+                  </a:cubicBezTo>
+                  <a:cubicBezTo>
+                    <a:pt x="40" y="177"/>
+                    <a:pt x="40" y="177"/>
+                    <a:pt x="40" y="177"/>
+                  </a:cubicBezTo>
+                  <a:lnTo>
+                    <a:pt x="40" y="200"/>
+                  </a:lnTo>
+                  <a:close/>
+                  <a:moveTo>
+                    <a:pt x="175" y="224"/>
+                  </a:moveTo>
+                  <a:cubicBezTo>
+                    <a:pt x="152" y="224"/>
+                    <a:pt x="152" y="224"/>
+                    <a:pt x="152" y="224"/>
+                  </a:cubicBezTo>
+                  <a:cubicBezTo>
+                    <a:pt x="152" y="177"/>
+                    <a:pt x="152" y="177"/>
+                    <a:pt x="152" y="177"/>
+                  </a:cubicBezTo>
+                  <a:cubicBezTo>
+                    <a:pt x="175" y="177"/>
+                    <a:pt x="175" y="177"/>
+                    <a:pt x="175" y="177"/>
+                  </a:cubicBezTo>
+                  <a:lnTo>
+                    <a:pt x="175" y="224"/>
+                  </a:lnTo>
+                  <a:close/>
+                  <a:moveTo>
+                    <a:pt x="218" y="224"/>
+                  </a:moveTo>
+                  <a:cubicBezTo>
+                    <a:pt x="195" y="224"/>
+                    <a:pt x="195" y="224"/>
+                    <a:pt x="195" y="224"/>
+                  </a:cubicBezTo>
+                  <a:cubicBezTo>
+                    <a:pt x="195" y="177"/>
+                    <a:pt x="195" y="177"/>
+                    <a:pt x="195" y="177"/>
+                  </a:cubicBezTo>
+                  <a:cubicBezTo>
+                    <a:pt x="218" y="177"/>
+                    <a:pt x="218" y="177"/>
+                    <a:pt x="218" y="177"/>
+                  </a:cubicBezTo>
+                  <a:lnTo>
+                    <a:pt x="218" y="224"/>
+                  </a:lnTo>
+                  <a:close/>
+                  <a:moveTo>
+                    <a:pt x="262" y="224"/>
+                  </a:moveTo>
+                  <a:cubicBezTo>
+                    <a:pt x="238" y="224"/>
+                    <a:pt x="238" y="224"/>
+                    <a:pt x="238" y="224"/>
+                  </a:cubicBezTo>
+                  <a:cubicBezTo>
+                    <a:pt x="238" y="177"/>
+                    <a:pt x="238" y="177"/>
+                    <a:pt x="238" y="177"/>
+                  </a:cubicBezTo>
+                  <a:cubicBezTo>
+                    <a:pt x="262" y="177"/>
+                    <a:pt x="262" y="177"/>
+                    <a:pt x="262" y="177"/>
+                  </a:cubicBezTo>
+                  <a:lnTo>
+                    <a:pt x="262" y="224"/>
+                  </a:lnTo>
+                  <a:close/>
+                  <a:moveTo>
+                    <a:pt x="212" y="64"/>
+                  </a:moveTo>
+                  <a:cubicBezTo>
+                    <a:pt x="212" y="83"/>
+                    <a:pt x="204" y="101"/>
+                    <a:pt x="192" y="114"/>
+                  </a:cubicBezTo>
+                  <a:cubicBezTo>
+                    <a:pt x="202" y="123"/>
+                    <a:pt x="202" y="123"/>
+                    <a:pt x="202" y="123"/>
+                  </a:cubicBezTo>
+                  <a:cubicBezTo>
+                    <a:pt x="216" y="107"/>
+                    <a:pt x="225" y="87"/>
+                    <a:pt x="225" y="64"/>
+                  </a:cubicBezTo>
+                  <a:cubicBezTo>
+                    <a:pt x="225" y="38"/>
+                    <a:pt x="214" y="16"/>
+                    <a:pt x="197" y="0"/>
+                  </a:cubicBezTo>
+                  <a:cubicBezTo>
+                    <a:pt x="187" y="9"/>
+                    <a:pt x="187" y="9"/>
+                    <a:pt x="187" y="9"/>
+                  </a:cubicBezTo>
+                  <a:cubicBezTo>
+                    <a:pt x="202" y="22"/>
+                    <a:pt x="212" y="42"/>
+                    <a:pt x="212" y="64"/>
+                  </a:cubicBezTo>
+                  <a:close/>
+                  <a:moveTo>
+                    <a:pt x="175" y="64"/>
+                  </a:moveTo>
+                  <a:cubicBezTo>
+                    <a:pt x="175" y="74"/>
+                    <a:pt x="171" y="83"/>
+                    <a:pt x="164" y="90"/>
+                  </a:cubicBezTo>
+                  <a:cubicBezTo>
+                    <a:pt x="174" y="99"/>
+                    <a:pt x="174" y="99"/>
+                    <a:pt x="174" y="99"/>
+                  </a:cubicBezTo>
+                  <a:cubicBezTo>
+                    <a:pt x="183" y="90"/>
+                    <a:pt x="189" y="77"/>
+                    <a:pt x="189" y="64"/>
+                  </a:cubicBezTo>
+                  <a:cubicBezTo>
+                    <a:pt x="189" y="48"/>
+                    <a:pt x="181" y="33"/>
+                    <a:pt x="169" y="24"/>
+                  </a:cubicBezTo>
+                  <a:cubicBezTo>
+                    <a:pt x="159" y="33"/>
+                    <a:pt x="159" y="33"/>
+                    <a:pt x="159" y="33"/>
+                  </a:cubicBezTo>
+                  <a:cubicBezTo>
+                    <a:pt x="169" y="40"/>
+                    <a:pt x="175" y="51"/>
+                    <a:pt x="175" y="64"/>
+                  </a:cubicBezTo>
+                  <a:close/>
+                  <a:moveTo>
+                    <a:pt x="107" y="102"/>
+                  </a:moveTo>
+                  <a:cubicBezTo>
+                    <a:pt x="117" y="93"/>
+                    <a:pt x="117" y="93"/>
+                    <a:pt x="117" y="93"/>
+                  </a:cubicBezTo>
+                  <a:cubicBezTo>
+                    <a:pt x="108" y="86"/>
+                    <a:pt x="103" y="76"/>
+                    <a:pt x="103" y="64"/>
+                  </a:cubicBezTo>
+                  <a:cubicBezTo>
+                    <a:pt x="103" y="51"/>
+                    <a:pt x="109" y="40"/>
+                    <a:pt x="119" y="33"/>
+                  </a:cubicBezTo>
+                  <a:cubicBezTo>
+                    <a:pt x="109" y="24"/>
+                    <a:pt x="109" y="24"/>
+                    <a:pt x="109" y="24"/>
+                  </a:cubicBezTo>
+                  <a:cubicBezTo>
+                    <a:pt x="97" y="33"/>
+                    <a:pt x="89" y="48"/>
+                    <a:pt x="89" y="64"/>
+                  </a:cubicBezTo>
+                  <a:cubicBezTo>
+                    <a:pt x="89" y="79"/>
+                    <a:pt x="96" y="93"/>
+                    <a:pt x="107" y="102"/>
+                  </a:cubicBezTo>
+                  <a:close/>
+                  <a:moveTo>
+                    <a:pt x="89" y="117"/>
+                  </a:moveTo>
+                  <a:cubicBezTo>
+                    <a:pt x="75" y="104"/>
+                    <a:pt x="66" y="85"/>
+                    <a:pt x="66" y="64"/>
+                  </a:cubicBezTo>
+                  <a:cubicBezTo>
+                    <a:pt x="66" y="42"/>
+                    <a:pt x="76" y="22"/>
+                    <a:pt x="91" y="8"/>
+                  </a:cubicBezTo>
+                  <a:cubicBezTo>
+                    <a:pt x="81" y="0"/>
+                    <a:pt x="81" y="0"/>
+                    <a:pt x="81" y="0"/>
+                  </a:cubicBezTo>
+                  <a:cubicBezTo>
+                    <a:pt x="64" y="16"/>
+                    <a:pt x="53" y="38"/>
+                    <a:pt x="53" y="64"/>
+                  </a:cubicBezTo>
+                  <a:cubicBezTo>
+                    <a:pt x="53" y="88"/>
+                    <a:pt x="63" y="110"/>
+                    <a:pt x="79" y="126"/>
+                  </a:cubicBezTo>
+                  <a:lnTo>
+                    <a:pt x="89" y="117"/>
+                  </a:lnTo>
+                  <a:close/>
+                  <a:moveTo>
+                    <a:pt x="149" y="147"/>
+                  </a:moveTo>
+                  <a:cubicBezTo>
+                    <a:pt x="149" y="60"/>
+                    <a:pt x="149" y="60"/>
+                    <a:pt x="149" y="60"/>
+                  </a:cubicBezTo>
+                  <a:cubicBezTo>
+                    <a:pt x="149" y="55"/>
+                    <a:pt x="145" y="50"/>
+                    <a:pt x="139" y="50"/>
+                  </a:cubicBezTo>
+                  <a:cubicBezTo>
+                    <a:pt x="134" y="50"/>
+                    <a:pt x="129" y="55"/>
+                    <a:pt x="129" y="60"/>
+                  </a:cubicBezTo>
+                  <a:cubicBezTo>
+                    <a:pt x="129" y="147"/>
+                    <a:pt x="129" y="147"/>
+                    <a:pt x="129" y="147"/>
+                  </a:cubicBezTo>
+                  <a:lnTo>
+                    <a:pt x="149" y="147"/>
+                  </a:lnTo>
+                  <a:close/>
+                </a:path>
+              </a:pathLst>
+            </a:custGeom>
+            <a:solidFill>
+              <a:schemeClr val="bg1"/>
+            </a:solidFill>
+            <a:ln>
+              <a:noFill/>
+            </a:ln>
+            <a:extLst/>
+          </p:spPr>
+          <p:txBody>
+            <a:bodyPr vert="horz" wrap="square" lIns="91440" tIns="45720" rIns="91440" bIns="45720" numCol="1" anchor="t" anchorCtr="0" compatLnSpc="1">
+              <a:prstTxWarp prst="textNoShape">
+                <a:avLst/>
+              </a:prstTxWarp>
+            </a:bodyPr>
+            <a:lstStyle/>
+            <a:p>
+              <a:pPr algn="ctr">
+                <a:defRPr/>
+              </a:pPr>
+              <a:endParaRPr lang="zh-CN" altLang="en-US" sz="1000" b="1" kern="0">
+                <a:solidFill>
+                  <a:srgbClr val="000000"/>
+                </a:solidFill>
+                <a:latin typeface="Helvetica" pitchFamily="2" charset="0"/>
+                <a:ea typeface="等线" panose="02010600030101010101" pitchFamily="2" charset="-122"/>
+                <a:cs typeface="Arial" panose="020B0604020202020204" pitchFamily="34" charset="0"/>
+              </a:endParaRPr>
+            </a:p>
+          </p:txBody>
+        </p:sp>
+        <p:sp>
+          <p:nvSpPr>
+            <p:cNvPr id="32" name="文本框 31">
+              <a:extLst>
+                <a:ext uri="{FF2B5EF4-FFF2-40B4-BE49-F238E27FC236}">
+                  <a16:creationId xmlns:a16="http://schemas.microsoft.com/office/drawing/2014/main" id="{7AC8B153-6C5A-DF48-9F32-0C8FE8E8CE0B}"/>
+                </a:ext>
+              </a:extLst>
+            </p:cNvPr>
+            <p:cNvSpPr txBox="1"/>
+            <p:nvPr/>
+          </p:nvSpPr>
+          <p:spPr>
+            <a:xfrm>
+              <a:off x="8845394" y="2576916"/>
+              <a:ext cx="1050248" cy="338554"/>
+            </a:xfrm>
+            <a:prstGeom prst="rect">
+              <a:avLst/>
+            </a:prstGeom>
+            <a:noFill/>
+          </p:spPr>
+          <p:txBody>
+            <a:bodyPr wrap="square" rtlCol="0">
+              <a:spAutoFit/>
+            </a:bodyPr>
+            <a:lstStyle/>
+            <a:p>
+              <a:pPr algn="ctr"/>
+              <a:r>
+                <a:rPr kumimoji="1" lang="zh-CN" altLang="en-US" sz="1600" b="1" dirty="0">
+                  <a:solidFill>
+                    <a:schemeClr val="bg1"/>
+                  </a:solidFill>
+                  <a:latin typeface="Helvetica" pitchFamily="2" charset="0"/>
+                  <a:cs typeface="Arial" panose="020B0604020202020204" pitchFamily="34" charset="0"/>
+                </a:rPr>
+                <a:t>设备</a:t>
+              </a:r>
+            </a:p>
+          </p:txBody>
+        </p:sp>
+        <p:sp>
+          <p:nvSpPr>
+            <p:cNvPr id="54" name="矩形 53">
+              <a:extLst>
+                <a:ext uri="{FF2B5EF4-FFF2-40B4-BE49-F238E27FC236}">
+                  <a16:creationId xmlns:a16="http://schemas.microsoft.com/office/drawing/2014/main" id="{E854ABBC-41B0-6049-8EE4-22ADB4244B05}"/>
+                </a:ext>
+              </a:extLst>
+            </p:cNvPr>
+            <p:cNvSpPr/>
+            <p:nvPr/>
+          </p:nvSpPr>
+          <p:spPr>
+            <a:xfrm>
+              <a:off x="5125470" y="2360092"/>
+              <a:ext cx="2106050" cy="753706"/>
+            </a:xfrm>
+            <a:prstGeom prst="rect">
+              <a:avLst/>
+            </a:prstGeom>
+            <a:solidFill>
+              <a:srgbClr val="0A6EFA"/>
+            </a:solidFill>
+            <a:ln w="12700">
+              <a:noFill/>
+            </a:ln>
+          </p:spPr>
+          <p:style>
+            <a:lnRef idx="2">
+              <a:schemeClr val="accent1">
+                <a:shade val="50000"/>
+              </a:schemeClr>
+            </a:lnRef>
+            <a:fillRef idx="1">
+              <a:schemeClr val="accent1"/>
+            </a:fillRef>
+            <a:effectRef idx="0">
+              <a:schemeClr val="accent1"/>
+            </a:effectRef>
+            <a:fontRef idx="minor">
+              <a:schemeClr val="lt1"/>
+            </a:fontRef>
+          </p:style>
+          <p:txBody>
+            <a:bodyPr rtlCol="0" anchor="ctr"/>
+            <a:lstStyle/>
+            <a:p>
+              <a:pPr algn="ctr"/>
+              <a:endParaRPr kumimoji="1" lang="zh-CN" altLang="en-US" sz="1600" dirty="0">
+                <a:solidFill>
+                  <a:schemeClr val="bg1"/>
+                </a:solidFill>
+                <a:latin typeface="Helvetica" pitchFamily="2" charset="0"/>
+                <a:cs typeface="Arial" panose="020B0604020202020204" pitchFamily="34" charset="0"/>
+              </a:endParaRPr>
+            </a:p>
+          </p:txBody>
+        </p:sp>
+        <p:sp>
+          <p:nvSpPr>
+            <p:cNvPr id="55" name="Freeform 65">
+              <a:extLst>
+                <a:ext uri="{FF2B5EF4-FFF2-40B4-BE49-F238E27FC236}">
+                  <a16:creationId xmlns:a16="http://schemas.microsoft.com/office/drawing/2014/main" id="{4B38BAF3-AD96-9A48-8390-2234A98B49C0}"/>
+                </a:ext>
+              </a:extLst>
+            </p:cNvPr>
+            <p:cNvSpPr>
+              <a:spLocks noEditPoints="1"/>
+            </p:cNvSpPr>
+            <p:nvPr/>
+          </p:nvSpPr>
+          <p:spPr bwMode="auto">
+            <a:xfrm>
+              <a:off x="5622509" y="2576951"/>
+              <a:ext cx="394756" cy="302188"/>
+            </a:xfrm>
+            <a:custGeom>
+              <a:avLst/>
+              <a:gdLst>
+                <a:gd name="T0" fmla="*/ 179 w 661"/>
+                <a:gd name="T1" fmla="*/ 397 h 506"/>
+                <a:gd name="T2" fmla="*/ 144 w 661"/>
+                <a:gd name="T3" fmla="*/ 397 h 506"/>
+                <a:gd name="T4" fmla="*/ 144 w 661"/>
+                <a:gd name="T5" fmla="*/ 433 h 506"/>
+                <a:gd name="T6" fmla="*/ 179 w 661"/>
+                <a:gd name="T7" fmla="*/ 433 h 506"/>
+                <a:gd name="T8" fmla="*/ 179 w 661"/>
+                <a:gd name="T9" fmla="*/ 397 h 506"/>
+                <a:gd name="T10" fmla="*/ 108 w 661"/>
+                <a:gd name="T11" fmla="*/ 324 h 506"/>
+                <a:gd name="T12" fmla="*/ 70 w 661"/>
+                <a:gd name="T13" fmla="*/ 324 h 506"/>
+                <a:gd name="T14" fmla="*/ 70 w 661"/>
+                <a:gd name="T15" fmla="*/ 362 h 506"/>
+                <a:gd name="T16" fmla="*/ 108 w 661"/>
+                <a:gd name="T17" fmla="*/ 362 h 506"/>
+                <a:gd name="T18" fmla="*/ 108 w 661"/>
+                <a:gd name="T19" fmla="*/ 324 h 506"/>
+                <a:gd name="T20" fmla="*/ 108 w 661"/>
+                <a:gd name="T21" fmla="*/ 397 h 506"/>
+                <a:gd name="T22" fmla="*/ 70 w 661"/>
+                <a:gd name="T23" fmla="*/ 397 h 506"/>
+                <a:gd name="T24" fmla="*/ 70 w 661"/>
+                <a:gd name="T25" fmla="*/ 433 h 506"/>
+                <a:gd name="T26" fmla="*/ 108 w 661"/>
+                <a:gd name="T27" fmla="*/ 433 h 506"/>
+                <a:gd name="T28" fmla="*/ 108 w 661"/>
+                <a:gd name="T29" fmla="*/ 397 h 506"/>
+                <a:gd name="T30" fmla="*/ 250 w 661"/>
+                <a:gd name="T31" fmla="*/ 397 h 506"/>
+                <a:gd name="T32" fmla="*/ 215 w 661"/>
+                <a:gd name="T33" fmla="*/ 397 h 506"/>
+                <a:gd name="T34" fmla="*/ 215 w 661"/>
+                <a:gd name="T35" fmla="*/ 433 h 506"/>
+                <a:gd name="T36" fmla="*/ 250 w 661"/>
+                <a:gd name="T37" fmla="*/ 433 h 506"/>
+                <a:gd name="T38" fmla="*/ 250 w 661"/>
+                <a:gd name="T39" fmla="*/ 397 h 506"/>
+                <a:gd name="T40" fmla="*/ 179 w 661"/>
+                <a:gd name="T41" fmla="*/ 324 h 506"/>
+                <a:gd name="T42" fmla="*/ 144 w 661"/>
+                <a:gd name="T43" fmla="*/ 324 h 506"/>
+                <a:gd name="T44" fmla="*/ 144 w 661"/>
+                <a:gd name="T45" fmla="*/ 362 h 506"/>
+                <a:gd name="T46" fmla="*/ 179 w 661"/>
+                <a:gd name="T47" fmla="*/ 362 h 506"/>
+                <a:gd name="T48" fmla="*/ 179 w 661"/>
+                <a:gd name="T49" fmla="*/ 324 h 506"/>
+                <a:gd name="T50" fmla="*/ 576 w 661"/>
+                <a:gd name="T51" fmla="*/ 352 h 506"/>
+                <a:gd name="T52" fmla="*/ 432 w 661"/>
+                <a:gd name="T53" fmla="*/ 352 h 506"/>
+                <a:gd name="T54" fmla="*/ 432 w 661"/>
+                <a:gd name="T55" fmla="*/ 407 h 506"/>
+                <a:gd name="T56" fmla="*/ 576 w 661"/>
+                <a:gd name="T57" fmla="*/ 407 h 506"/>
+                <a:gd name="T58" fmla="*/ 576 w 661"/>
+                <a:gd name="T59" fmla="*/ 352 h 506"/>
+                <a:gd name="T60" fmla="*/ 661 w 661"/>
+                <a:gd name="T61" fmla="*/ 253 h 506"/>
+                <a:gd name="T62" fmla="*/ 661 w 661"/>
+                <a:gd name="T63" fmla="*/ 253 h 506"/>
+                <a:gd name="T64" fmla="*/ 543 w 661"/>
+                <a:gd name="T65" fmla="*/ 0 h 506"/>
+                <a:gd name="T66" fmla="*/ 115 w 661"/>
+                <a:gd name="T67" fmla="*/ 0 h 506"/>
+                <a:gd name="T68" fmla="*/ 0 w 661"/>
+                <a:gd name="T69" fmla="*/ 253 h 506"/>
+                <a:gd name="T70" fmla="*/ 0 w 661"/>
+                <a:gd name="T71" fmla="*/ 253 h 506"/>
+                <a:gd name="T72" fmla="*/ 0 w 661"/>
+                <a:gd name="T73" fmla="*/ 506 h 506"/>
+                <a:gd name="T74" fmla="*/ 661 w 661"/>
+                <a:gd name="T75" fmla="*/ 506 h 506"/>
+                <a:gd name="T76" fmla="*/ 661 w 661"/>
+                <a:gd name="T77" fmla="*/ 506 h 506"/>
+                <a:gd name="T78" fmla="*/ 661 w 661"/>
+                <a:gd name="T79" fmla="*/ 506 h 506"/>
+                <a:gd name="T80" fmla="*/ 661 w 661"/>
+                <a:gd name="T81" fmla="*/ 253 h 506"/>
+                <a:gd name="T82" fmla="*/ 661 w 661"/>
+                <a:gd name="T83" fmla="*/ 253 h 506"/>
+                <a:gd name="T84" fmla="*/ 626 w 661"/>
+                <a:gd name="T85" fmla="*/ 468 h 506"/>
+                <a:gd name="T86" fmla="*/ 35 w 661"/>
+                <a:gd name="T87" fmla="*/ 468 h 506"/>
+                <a:gd name="T88" fmla="*/ 35 w 661"/>
+                <a:gd name="T89" fmla="*/ 288 h 506"/>
+                <a:gd name="T90" fmla="*/ 626 w 661"/>
+                <a:gd name="T91" fmla="*/ 288 h 506"/>
+                <a:gd name="T92" fmla="*/ 626 w 661"/>
+                <a:gd name="T93" fmla="*/ 468 h 506"/>
+                <a:gd name="T94" fmla="*/ 323 w 661"/>
+                <a:gd name="T95" fmla="*/ 324 h 506"/>
+                <a:gd name="T96" fmla="*/ 288 w 661"/>
+                <a:gd name="T97" fmla="*/ 324 h 506"/>
+                <a:gd name="T98" fmla="*/ 288 w 661"/>
+                <a:gd name="T99" fmla="*/ 362 h 506"/>
+                <a:gd name="T100" fmla="*/ 323 w 661"/>
+                <a:gd name="T101" fmla="*/ 362 h 506"/>
+                <a:gd name="T102" fmla="*/ 323 w 661"/>
+                <a:gd name="T103" fmla="*/ 324 h 506"/>
+                <a:gd name="T104" fmla="*/ 323 w 661"/>
+                <a:gd name="T105" fmla="*/ 397 h 506"/>
+                <a:gd name="T106" fmla="*/ 288 w 661"/>
+                <a:gd name="T107" fmla="*/ 397 h 506"/>
+                <a:gd name="T108" fmla="*/ 288 w 661"/>
+                <a:gd name="T109" fmla="*/ 433 h 506"/>
+                <a:gd name="T110" fmla="*/ 323 w 661"/>
+                <a:gd name="T111" fmla="*/ 433 h 506"/>
+                <a:gd name="T112" fmla="*/ 323 w 661"/>
+                <a:gd name="T113" fmla="*/ 397 h 506"/>
+                <a:gd name="T114" fmla="*/ 250 w 661"/>
+                <a:gd name="T115" fmla="*/ 324 h 506"/>
+                <a:gd name="T116" fmla="*/ 215 w 661"/>
+                <a:gd name="T117" fmla="*/ 324 h 506"/>
+                <a:gd name="T118" fmla="*/ 215 w 661"/>
+                <a:gd name="T119" fmla="*/ 362 h 506"/>
+                <a:gd name="T120" fmla="*/ 250 w 661"/>
+                <a:gd name="T121" fmla="*/ 362 h 506"/>
+                <a:gd name="T122" fmla="*/ 250 w 661"/>
+                <a:gd name="T123" fmla="*/ 324 h 506"/>
+              </a:gdLst>
+              <a:ahLst/>
+              <a:cxnLst>
+                <a:cxn ang="0">
+                  <a:pos x="T0" y="T1"/>
+                </a:cxn>
+                <a:cxn ang="0">
+                  <a:pos x="T2" y="T3"/>
+                </a:cxn>
+                <a:cxn ang="0">
+                  <a:pos x="T4" y="T5"/>
+                </a:cxn>
+                <a:cxn ang="0">
+                  <a:pos x="T6" y="T7"/>
+                </a:cxn>
+                <a:cxn ang="0">
+                  <a:pos x="T8" y="T9"/>
+                </a:cxn>
+                <a:cxn ang="0">
+                  <a:pos x="T10" y="T11"/>
+                </a:cxn>
+                <a:cxn ang="0">
+                  <a:pos x="T12" y="T13"/>
+                </a:cxn>
+                <a:cxn ang="0">
+                  <a:pos x="T14" y="T15"/>
+                </a:cxn>
+                <a:cxn ang="0">
+                  <a:pos x="T16" y="T17"/>
+                </a:cxn>
+                <a:cxn ang="0">
+                  <a:pos x="T18" y="T19"/>
+                </a:cxn>
+                <a:cxn ang="0">
+                  <a:pos x="T20" y="T21"/>
+                </a:cxn>
+                <a:cxn ang="0">
+                  <a:pos x="T22" y="T23"/>
+                </a:cxn>
+                <a:cxn ang="0">
+                  <a:pos x="T24" y="T25"/>
+                </a:cxn>
+                <a:cxn ang="0">
+                  <a:pos x="T26" y="T27"/>
+                </a:cxn>
+                <a:cxn ang="0">
+                  <a:pos x="T28" y="T29"/>
+                </a:cxn>
+                <a:cxn ang="0">
+                  <a:pos x="T30" y="T31"/>
+                </a:cxn>
+                <a:cxn ang="0">
+                  <a:pos x="T32" y="T33"/>
+                </a:cxn>
+                <a:cxn ang="0">
+                  <a:pos x="T34" y="T35"/>
+                </a:cxn>
+                <a:cxn ang="0">
+                  <a:pos x="T36" y="T37"/>
+                </a:cxn>
+                <a:cxn ang="0">
+                  <a:pos x="T38" y="T39"/>
+                </a:cxn>
+                <a:cxn ang="0">
+                  <a:pos x="T40" y="T41"/>
+                </a:cxn>
+                <a:cxn ang="0">
+                  <a:pos x="T42" y="T43"/>
+                </a:cxn>
+                <a:cxn ang="0">
+                  <a:pos x="T44" y="T45"/>
+                </a:cxn>
+                <a:cxn ang="0">
+                  <a:pos x="T46" y="T47"/>
+                </a:cxn>
+                <a:cxn ang="0">
+                  <a:pos x="T48" y="T49"/>
+                </a:cxn>
+                <a:cxn ang="0">
+                  <a:pos x="T50" y="T51"/>
+                </a:cxn>
+                <a:cxn ang="0">
+                  <a:pos x="T52" y="T53"/>
+                </a:cxn>
+                <a:cxn ang="0">
+                  <a:pos x="T54" y="T55"/>
+                </a:cxn>
+                <a:cxn ang="0">
+                  <a:pos x="T56" y="T57"/>
+                </a:cxn>
+                <a:cxn ang="0">
+                  <a:pos x="T58" y="T59"/>
+                </a:cxn>
+                <a:cxn ang="0">
+                  <a:pos x="T60" y="T61"/>
+                </a:cxn>
+                <a:cxn ang="0">
+                  <a:pos x="T62" y="T63"/>
+                </a:cxn>
+                <a:cxn ang="0">
+                  <a:pos x="T64" y="T65"/>
+                </a:cxn>
+                <a:cxn ang="0">
+                  <a:pos x="T66" y="T67"/>
+                </a:cxn>
+                <a:cxn ang="0">
+                  <a:pos x="T68" y="T69"/>
+                </a:cxn>
+                <a:cxn ang="0">
+                  <a:pos x="T70" y="T71"/>
+                </a:cxn>
+                <a:cxn ang="0">
+                  <a:pos x="T72" y="T73"/>
+                </a:cxn>
+                <a:cxn ang="0">
+                  <a:pos x="T74" y="T75"/>
+                </a:cxn>
+                <a:cxn ang="0">
+                  <a:pos x="T76" y="T77"/>
+                </a:cxn>
+                <a:cxn ang="0">
+                  <a:pos x="T78" y="T79"/>
+                </a:cxn>
+                <a:cxn ang="0">
+                  <a:pos x="T80" y="T81"/>
+                </a:cxn>
+                <a:cxn ang="0">
+                  <a:pos x="T82" y="T83"/>
+                </a:cxn>
+                <a:cxn ang="0">
+                  <a:pos x="T84" y="T85"/>
+                </a:cxn>
+                <a:cxn ang="0">
+                  <a:pos x="T86" y="T87"/>
+                </a:cxn>
+                <a:cxn ang="0">
+                  <a:pos x="T88" y="T89"/>
+                </a:cxn>
+                <a:cxn ang="0">
+                  <a:pos x="T90" y="T91"/>
+                </a:cxn>
+                <a:cxn ang="0">
+                  <a:pos x="T92" y="T93"/>
+                </a:cxn>
+                <a:cxn ang="0">
+                  <a:pos x="T94" y="T95"/>
+                </a:cxn>
+                <a:cxn ang="0">
+                  <a:pos x="T96" y="T97"/>
+                </a:cxn>
+                <a:cxn ang="0">
+                  <a:pos x="T98" y="T99"/>
+                </a:cxn>
+                <a:cxn ang="0">
+                  <a:pos x="T100" y="T101"/>
+                </a:cxn>
+                <a:cxn ang="0">
+                  <a:pos x="T102" y="T103"/>
+                </a:cxn>
+                <a:cxn ang="0">
+                  <a:pos x="T104" y="T105"/>
+                </a:cxn>
+                <a:cxn ang="0">
+                  <a:pos x="T106" y="T107"/>
+                </a:cxn>
+                <a:cxn ang="0">
+                  <a:pos x="T108" y="T109"/>
+                </a:cxn>
+                <a:cxn ang="0">
+                  <a:pos x="T110" y="T111"/>
+                </a:cxn>
+                <a:cxn ang="0">
+                  <a:pos x="T112" y="T113"/>
+                </a:cxn>
+                <a:cxn ang="0">
+                  <a:pos x="T114" y="T115"/>
+                </a:cxn>
+                <a:cxn ang="0">
+                  <a:pos x="T116" y="T117"/>
+                </a:cxn>
+                <a:cxn ang="0">
+                  <a:pos x="T118" y="T119"/>
+                </a:cxn>
+                <a:cxn ang="0">
+                  <a:pos x="T120" y="T121"/>
+                </a:cxn>
+                <a:cxn ang="0">
+                  <a:pos x="T122" y="T123"/>
+                </a:cxn>
+              </a:cxnLst>
+              <a:rect l="0" t="0" r="r" b="b"/>
+              <a:pathLst>
+                <a:path w="661" h="506">
+                  <a:moveTo>
+                    <a:pt x="179" y="397"/>
+                  </a:moveTo>
+                  <a:lnTo>
+                    <a:pt x="144" y="397"/>
+                  </a:lnTo>
+                  <a:lnTo>
+                    <a:pt x="144" y="433"/>
+                  </a:lnTo>
+                  <a:lnTo>
+                    <a:pt x="179" y="433"/>
+                  </a:lnTo>
+                  <a:lnTo>
+                    <a:pt x="179" y="397"/>
+                  </a:lnTo>
+                  <a:close/>
+                  <a:moveTo>
+                    <a:pt x="108" y="324"/>
+                  </a:moveTo>
+                  <a:lnTo>
+                    <a:pt x="70" y="324"/>
+                  </a:lnTo>
+                  <a:lnTo>
+                    <a:pt x="70" y="362"/>
+                  </a:lnTo>
+                  <a:lnTo>
+                    <a:pt x="108" y="362"/>
+                  </a:lnTo>
+                  <a:lnTo>
+                    <a:pt x="108" y="324"/>
+                  </a:lnTo>
+                  <a:close/>
+                  <a:moveTo>
+                    <a:pt x="108" y="397"/>
+                  </a:moveTo>
+                  <a:lnTo>
+                    <a:pt x="70" y="397"/>
+                  </a:lnTo>
+                  <a:lnTo>
+                    <a:pt x="70" y="433"/>
+                  </a:lnTo>
+                  <a:lnTo>
+                    <a:pt x="108" y="433"/>
+                  </a:lnTo>
+                  <a:lnTo>
+                    <a:pt x="108" y="397"/>
+                  </a:lnTo>
+                  <a:close/>
+                  <a:moveTo>
+                    <a:pt x="250" y="397"/>
+                  </a:moveTo>
+                  <a:lnTo>
+                    <a:pt x="215" y="397"/>
+                  </a:lnTo>
+                  <a:lnTo>
+                    <a:pt x="215" y="433"/>
+                  </a:lnTo>
+                  <a:lnTo>
+                    <a:pt x="250" y="433"/>
+                  </a:lnTo>
+                  <a:lnTo>
+                    <a:pt x="250" y="397"/>
+                  </a:lnTo>
+                  <a:close/>
+                  <a:moveTo>
+                    <a:pt x="179" y="324"/>
+                  </a:moveTo>
+                  <a:lnTo>
+                    <a:pt x="144" y="324"/>
+                  </a:lnTo>
+                  <a:lnTo>
+                    <a:pt x="144" y="362"/>
+                  </a:lnTo>
+                  <a:lnTo>
+                    <a:pt x="179" y="362"/>
+                  </a:lnTo>
+                  <a:lnTo>
+                    <a:pt x="179" y="324"/>
+                  </a:lnTo>
+                  <a:close/>
+                  <a:moveTo>
+                    <a:pt x="576" y="352"/>
+                  </a:moveTo>
+                  <a:lnTo>
+                    <a:pt x="432" y="352"/>
+                  </a:lnTo>
+                  <a:lnTo>
+                    <a:pt x="432" y="407"/>
+                  </a:lnTo>
+                  <a:lnTo>
+                    <a:pt x="576" y="407"/>
+                  </a:lnTo>
+                  <a:lnTo>
+                    <a:pt x="576" y="352"/>
+                  </a:lnTo>
+                  <a:close/>
+                  <a:moveTo>
+                    <a:pt x="661" y="253"/>
+                  </a:moveTo>
+                  <a:lnTo>
+                    <a:pt x="661" y="253"/>
+                  </a:lnTo>
+                  <a:lnTo>
+                    <a:pt x="543" y="0"/>
+                  </a:lnTo>
+                  <a:lnTo>
+                    <a:pt x="115" y="0"/>
+                  </a:lnTo>
+                  <a:lnTo>
+                    <a:pt x="0" y="253"/>
+                  </a:lnTo>
+                  <a:lnTo>
+                    <a:pt x="0" y="253"/>
+                  </a:lnTo>
+                  <a:lnTo>
+                    <a:pt x="0" y="506"/>
+                  </a:lnTo>
+                  <a:lnTo>
+                    <a:pt x="661" y="506"/>
+                  </a:lnTo>
+                  <a:lnTo>
+                    <a:pt x="661" y="506"/>
+                  </a:lnTo>
+                  <a:lnTo>
+                    <a:pt x="661" y="506"/>
+                  </a:lnTo>
+                  <a:lnTo>
+                    <a:pt x="661" y="253"/>
+                  </a:lnTo>
+                  <a:lnTo>
+                    <a:pt x="661" y="253"/>
+                  </a:lnTo>
+                  <a:close/>
+                  <a:moveTo>
+                    <a:pt x="626" y="468"/>
+                  </a:moveTo>
+                  <a:lnTo>
+                    <a:pt x="35" y="468"/>
+                  </a:lnTo>
+                  <a:lnTo>
+                    <a:pt x="35" y="288"/>
+                  </a:lnTo>
+                  <a:lnTo>
+                    <a:pt x="626" y="288"/>
+                  </a:lnTo>
+                  <a:lnTo>
+                    <a:pt x="626" y="468"/>
+                  </a:lnTo>
+                  <a:close/>
+                  <a:moveTo>
+                    <a:pt x="323" y="324"/>
+                  </a:moveTo>
+                  <a:lnTo>
+                    <a:pt x="288" y="324"/>
+                  </a:lnTo>
+                  <a:lnTo>
+                    <a:pt x="288" y="362"/>
+                  </a:lnTo>
+                  <a:lnTo>
+                    <a:pt x="323" y="362"/>
+                  </a:lnTo>
+                  <a:lnTo>
+                    <a:pt x="323" y="324"/>
+                  </a:lnTo>
+                  <a:close/>
+                  <a:moveTo>
+                    <a:pt x="323" y="397"/>
+                  </a:moveTo>
+                  <a:lnTo>
+                    <a:pt x="288" y="397"/>
+                  </a:lnTo>
+                  <a:lnTo>
+                    <a:pt x="288" y="433"/>
+                  </a:lnTo>
+                  <a:lnTo>
+                    <a:pt x="323" y="433"/>
+                  </a:lnTo>
+                  <a:lnTo>
+                    <a:pt x="323" y="397"/>
+                  </a:lnTo>
+                  <a:close/>
+                  <a:moveTo>
+                    <a:pt x="250" y="324"/>
+                  </a:moveTo>
+                  <a:lnTo>
+                    <a:pt x="215" y="324"/>
+                  </a:lnTo>
+                  <a:lnTo>
+                    <a:pt x="215" y="362"/>
+                  </a:lnTo>
+                  <a:lnTo>
+                    <a:pt x="250" y="362"/>
+                  </a:lnTo>
+                  <a:lnTo>
+                    <a:pt x="250" y="324"/>
+                  </a:lnTo>
+                  <a:close/>
+                </a:path>
+              </a:pathLst>
+            </a:custGeom>
+            <a:solidFill>
+              <a:schemeClr val="bg1"/>
+            </a:solidFill>
+            <a:ln>
+              <a:noFill/>
+            </a:ln>
+            <a:extLst/>
+          </p:spPr>
+          <p:txBody>
+            <a:bodyPr vert="horz" wrap="square" lIns="91440" tIns="45720" rIns="91440" bIns="45720" numCol="1" anchor="t" anchorCtr="0" compatLnSpc="1">
+              <a:prstTxWarp prst="textNoShape">
+                <a:avLst/>
+              </a:prstTxWarp>
+            </a:bodyPr>
+            <a:lstStyle/>
+            <a:p>
+              <a:pPr algn="ctr">
+                <a:defRPr/>
+              </a:pPr>
+              <a:endParaRPr lang="zh-CN" altLang="en-US" sz="1000" b="1" kern="0" dirty="0">
+                <a:solidFill>
+                  <a:srgbClr val="000000"/>
+                </a:solidFill>
+                <a:ea typeface="等线" panose="02010600030101010101" pitchFamily="2" charset="-122"/>
+                <a:cs typeface="Arial" panose="020B0604020202020204" pitchFamily="34" charset="0"/>
+              </a:endParaRPr>
+            </a:p>
+          </p:txBody>
+        </p:sp>
+        <p:sp>
+          <p:nvSpPr>
+            <p:cNvPr id="56" name="文本框 55">
+              <a:extLst>
+                <a:ext uri="{FF2B5EF4-FFF2-40B4-BE49-F238E27FC236}">
+                  <a16:creationId xmlns:a16="http://schemas.microsoft.com/office/drawing/2014/main" id="{1070A237-8090-1542-84E4-133F9FF53C37}"/>
+                </a:ext>
+              </a:extLst>
+            </p:cNvPr>
+            <p:cNvSpPr txBox="1"/>
+            <p:nvPr/>
+          </p:nvSpPr>
+          <p:spPr>
+            <a:xfrm>
+              <a:off x="5607458" y="2612518"/>
+              <a:ext cx="1650500" cy="338554"/>
+            </a:xfrm>
+            <a:prstGeom prst="rect">
+              <a:avLst/>
+            </a:prstGeom>
+            <a:noFill/>
+          </p:spPr>
+          <p:txBody>
+            <a:bodyPr wrap="square" rtlCol="0">
+              <a:spAutoFit/>
+            </a:bodyPr>
+            <a:lstStyle/>
+            <a:p>
+              <a:pPr algn="ctr"/>
+              <a:r>
+                <a:rPr kumimoji="1" lang="en-US" altLang="zh-CN" sz="1600" b="1" dirty="0">
+                  <a:solidFill>
+                    <a:schemeClr val="bg1"/>
+                  </a:solidFill>
+                  <a:latin typeface="Helvetica" pitchFamily="2" charset="0"/>
+                  <a:cs typeface="Arial" panose="020B0604020202020204" pitchFamily="34" charset="0"/>
+                </a:rPr>
+                <a:t>Edge</a:t>
+              </a:r>
+              <a:endParaRPr kumimoji="1" lang="zh-CN" altLang="en-US" sz="1600" b="1" dirty="0">
+                <a:solidFill>
+                  <a:schemeClr val="bg1"/>
+                </a:solidFill>
+                <a:latin typeface="Helvetica" pitchFamily="2" charset="0"/>
+                <a:cs typeface="Arial" panose="020B0604020202020204" pitchFamily="34" charset="0"/>
+              </a:endParaRPr>
+            </a:p>
+          </p:txBody>
+        </p:sp>
+        <p:cxnSp>
+          <p:nvCxnSpPr>
+            <p:cNvPr id="57" name="直线箭头连接符 56">
+              <a:extLst>
+                <a:ext uri="{FF2B5EF4-FFF2-40B4-BE49-F238E27FC236}">
+                  <a16:creationId xmlns:a16="http://schemas.microsoft.com/office/drawing/2014/main" id="{27DBA860-DD25-214A-B195-D837E0D68709}"/>
+                </a:ext>
+              </a:extLst>
+            </p:cNvPr>
+            <p:cNvCxnSpPr>
+              <a:cxnSpLocks/>
+            </p:cNvCxnSpPr>
+            <p:nvPr/>
+          </p:nvCxnSpPr>
+          <p:spPr>
+            <a:xfrm>
+              <a:off x="4482234" y="2765470"/>
+              <a:ext cx="465993" cy="0"/>
+            </a:xfrm>
+            <a:prstGeom prst="straightConnector1">
+              <a:avLst/>
+            </a:prstGeom>
+            <a:ln w="25400">
+              <a:solidFill>
+                <a:srgbClr val="737893"/>
+              </a:solidFill>
+              <a:tailEnd type="triangle"/>
+            </a:ln>
+          </p:spPr>
+          <p:style>
+            <a:lnRef idx="1">
+              <a:schemeClr val="accent1"/>
+            </a:lnRef>
+            <a:fillRef idx="0">
+              <a:schemeClr val="accent1"/>
+            </a:fillRef>
+            <a:effectRef idx="0">
+              <a:schemeClr val="accent1"/>
+            </a:effectRef>
+            <a:fontRef idx="minor">
+              <a:schemeClr val="tx1"/>
+            </a:fontRef>
+          </p:style>
+        </p:cxnSp>
+        <p:pic>
+          <p:nvPicPr>
+            <p:cNvPr id="2" name="图片 1">
+              <a:extLst>
+                <a:ext uri="{FF2B5EF4-FFF2-40B4-BE49-F238E27FC236}">
+                  <a16:creationId xmlns:a16="http://schemas.microsoft.com/office/drawing/2014/main" id="{F55C6761-0C92-1E4B-831A-EC942B36E5B8}"/>
+                </a:ext>
+              </a:extLst>
+            </p:cNvPr>
+            <p:cNvPicPr>
+              <a:picLocks noChangeAspect="1"/>
+            </p:cNvPicPr>
+            <p:nvPr/>
+          </p:nvPicPr>
+          <p:blipFill>
+            <a:blip r:embed="rId2"/>
+            <a:stretch>
+              <a:fillRect/>
+            </a:stretch>
+          </p:blipFill>
+          <p:spPr>
+            <a:xfrm>
+              <a:off x="7439495" y="2648045"/>
+              <a:ext cx="546100" cy="177800"/>
+            </a:xfrm>
+            <a:prstGeom prst="rect">
+              <a:avLst/>
+            </a:prstGeom>
+          </p:spPr>
+        </p:pic>
+        <p:pic>
+          <p:nvPicPr>
+            <p:cNvPr id="59" name="图片 58">
+              <a:extLst>
+                <a:ext uri="{FF2B5EF4-FFF2-40B4-BE49-F238E27FC236}">
+                  <a16:creationId xmlns:a16="http://schemas.microsoft.com/office/drawing/2014/main" id="{96CE0706-77CD-314B-A6D0-A03D471A7FE1}"/>
+                </a:ext>
+              </a:extLst>
+            </p:cNvPr>
+            <p:cNvPicPr>
+              <a:picLocks noChangeAspect="1"/>
+            </p:cNvPicPr>
+            <p:nvPr/>
+          </p:nvPicPr>
+          <p:blipFill>
+            <a:blip r:embed="rId2"/>
+            <a:stretch>
+              <a:fillRect/>
+            </a:stretch>
+          </p:blipFill>
+          <p:spPr>
+            <a:xfrm flipH="1">
+              <a:off x="7353880" y="2800724"/>
+              <a:ext cx="546100" cy="177800"/>
+            </a:xfrm>
+            <a:prstGeom prst="rect">
+              <a:avLst/>
+            </a:prstGeom>
+          </p:spPr>
+        </p:pic>
+        <p:pic>
+          <p:nvPicPr>
+            <p:cNvPr id="60" name="图片 59">
+              <a:extLst>
+                <a:ext uri="{FF2B5EF4-FFF2-40B4-BE49-F238E27FC236}">
+                  <a16:creationId xmlns:a16="http://schemas.microsoft.com/office/drawing/2014/main" id="{DBB0FBDA-EB3B-4D48-AF17-7D5A8DC9C424}"/>
+                </a:ext>
+              </a:extLst>
+            </p:cNvPr>
+            <p:cNvPicPr>
+              <a:picLocks noChangeAspect="1"/>
+            </p:cNvPicPr>
+            <p:nvPr/>
+          </p:nvPicPr>
+          <p:blipFill>
+            <a:blip r:embed="rId2"/>
+            <a:stretch>
+              <a:fillRect/>
+            </a:stretch>
+          </p:blipFill>
+          <p:spPr>
+            <a:xfrm flipH="1">
+              <a:off x="4383714" y="2825845"/>
+              <a:ext cx="546100" cy="177800"/>
+            </a:xfrm>
+            <a:prstGeom prst="rect">
+              <a:avLst/>
+            </a:prstGeom>
+          </p:spPr>
+        </p:pic>
+      </p:grpSp>
+    </p:spTree>
+    <p:extLst>
+      <p:ext uri="{BB962C8B-B14F-4D97-AF65-F5344CB8AC3E}">
+        <p14:creationId xmlns:p14="http://schemas.microsoft.com/office/powerpoint/2010/main" val="126146818"/>
+      </p:ext>
+    </p:extLst>
+  </p:cSld>
+  <p:clrMapOvr>
+    <a:masterClrMapping/>
+  </p:clrMapOvr>
+</p:sld>
+</file>
+
+<file path=ppt/slides/slide7.xml><?xml version="1.0" encoding="utf-8"?>
+<p:sld xmlns:a="http://schemas.openxmlformats.org/drawingml/2006/main" xmlns:r="http://schemas.openxmlformats.org/officeDocument/2006/relationships" xmlns:p="http://schemas.openxmlformats.org/presentationml/2006/main">
+  <p:cSld>
+    <p:spTree>
+      <p:nvGrpSpPr>
+        <p:cNvPr id="1" name=""/>
+        <p:cNvGrpSpPr/>
+        <p:nvPr/>
+      </p:nvGrpSpPr>
+      <p:grpSpPr>
+        <a:xfrm>
+          <a:off x="0" y="0"/>
+          <a:ext cx="0" cy="0"/>
+          <a:chOff x="0" y="0"/>
+          <a:chExt cx="0" cy="0"/>
+        </a:xfrm>
+      </p:grpSpPr>
+      <p:sp>
+        <p:nvSpPr>
+          <p:cNvPr id="18" name="TextBox 10">
+            <a:extLst>
+              <a:ext uri="{FF2B5EF4-FFF2-40B4-BE49-F238E27FC236}">
+                <a16:creationId xmlns:a16="http://schemas.microsoft.com/office/drawing/2014/main" id="{26A514DA-18C1-468B-BFB7-96F5C1B7BBE4}"/>
+              </a:ext>
+            </a:extLst>
+          </p:cNvPr>
+          <p:cNvSpPr txBox="1"/>
+          <p:nvPr/>
+        </p:nvSpPr>
+        <p:spPr>
+          <a:xfrm>
+            <a:off x="621357" y="281560"/>
+            <a:ext cx="1915861" cy="307777"/>
+          </a:xfrm>
+          <a:prstGeom prst="rect">
+            <a:avLst/>
+          </a:prstGeom>
+          <a:noFill/>
+        </p:spPr>
+        <p:txBody>
+          <a:bodyPr wrap="square" rtlCol="0">
+            <a:spAutoFit/>
+          </a:bodyPr>
+          <a:lstStyle/>
+          <a:p>
+            <a:pPr>
+              <a:defRPr/>
+            </a:pPr>
+            <a:r>
+              <a:rPr lang="en-US" sz="1400" dirty="0">
+                <a:solidFill>
+                  <a:srgbClr val="182135"/>
+                </a:solidFill>
+                <a:ea typeface="Arial" charset="0"/>
+                <a:cs typeface="Arial" charset="0"/>
+              </a:rPr>
+              <a:t>fire_walling.png</a:t>
+            </a:r>
+          </a:p>
+        </p:txBody>
+      </p:sp>
+      <p:grpSp>
+        <p:nvGrpSpPr>
+          <p:cNvPr id="2" name="组合 1">
+            <a:extLst>
+              <a:ext uri="{FF2B5EF4-FFF2-40B4-BE49-F238E27FC236}">
+                <a16:creationId xmlns:a16="http://schemas.microsoft.com/office/drawing/2014/main" id="{5A084F4C-BD9B-684F-A461-E0DEA314B4DD}"/>
+              </a:ext>
+            </a:extLst>
+          </p:cNvPr>
+          <p:cNvGrpSpPr/>
+          <p:nvPr/>
+        </p:nvGrpSpPr>
+        <p:grpSpPr>
+          <a:xfrm>
+            <a:off x="404637" y="2321134"/>
+            <a:ext cx="10875977" cy="1176501"/>
+            <a:chOff x="404637" y="2321134"/>
+            <a:chExt cx="10875977" cy="1176501"/>
+          </a:xfrm>
+        </p:grpSpPr>
+        <p:sp>
+          <p:nvSpPr>
+            <p:cNvPr id="16" name="TextBox 10">
+              <a:extLst>
+                <a:ext uri="{FF2B5EF4-FFF2-40B4-BE49-F238E27FC236}">
+                  <a16:creationId xmlns:a16="http://schemas.microsoft.com/office/drawing/2014/main" id="{9984357C-DFDC-4BE1-9E3F-DC4E94B419B3}"/>
+                </a:ext>
+              </a:extLst>
+            </p:cNvPr>
+            <p:cNvSpPr txBox="1"/>
+            <p:nvPr/>
+          </p:nvSpPr>
+          <p:spPr>
+            <a:xfrm>
+              <a:off x="2370015" y="2321134"/>
+              <a:ext cx="1915861" cy="307777"/>
+            </a:xfrm>
+            <a:prstGeom prst="rect">
+              <a:avLst/>
+            </a:prstGeom>
+            <a:noFill/>
+          </p:spPr>
+          <p:txBody>
+            <a:bodyPr wrap="square" rtlCol="0">
+              <a:spAutoFit/>
+            </a:bodyPr>
+            <a:lstStyle/>
+            <a:p>
+              <a:pPr>
+                <a:defRPr/>
+              </a:pPr>
+              <a:r>
+                <a:rPr lang="zh-CN" altLang="en-US" sz="1400" dirty="0">
+                  <a:solidFill>
+                    <a:srgbClr val="182135"/>
+                  </a:solidFill>
+                  <a:latin typeface="+mn-ea"/>
+                  <a:cs typeface="Arial" charset="0"/>
+                </a:rPr>
+                <a:t>以太网</a:t>
+              </a:r>
+              <a:r>
+                <a:rPr lang="en-US" altLang="zh-CN" sz="1400" dirty="0">
+                  <a:solidFill>
+                    <a:srgbClr val="182135"/>
+                  </a:solidFill>
+                  <a:latin typeface="+mn-ea"/>
+                  <a:cs typeface="Arial" charset="0"/>
+                </a:rPr>
+                <a:t>(VPN)</a:t>
+              </a:r>
+              <a:endParaRPr lang="en-US" sz="1400" dirty="0">
+                <a:solidFill>
+                  <a:srgbClr val="182135"/>
+                </a:solidFill>
+                <a:latin typeface="+mn-ea"/>
+                <a:cs typeface="Arial" charset="0"/>
+              </a:endParaRPr>
+            </a:p>
+          </p:txBody>
+        </p:sp>
+        <p:sp>
+          <p:nvSpPr>
+            <p:cNvPr id="21" name="TextBox 10">
+              <a:extLst>
+                <a:ext uri="{FF2B5EF4-FFF2-40B4-BE49-F238E27FC236}">
+                  <a16:creationId xmlns:a16="http://schemas.microsoft.com/office/drawing/2014/main" id="{AC128F3F-E6B3-524F-903B-AB877DBCDAED}"/>
+                </a:ext>
+              </a:extLst>
+            </p:cNvPr>
+            <p:cNvSpPr txBox="1"/>
+            <p:nvPr/>
+          </p:nvSpPr>
+          <p:spPr>
+            <a:xfrm>
+              <a:off x="5471638" y="2321134"/>
+              <a:ext cx="1915861" cy="307777"/>
+            </a:xfrm>
+            <a:prstGeom prst="rect">
+              <a:avLst/>
+            </a:prstGeom>
+            <a:noFill/>
+          </p:spPr>
+          <p:txBody>
+            <a:bodyPr wrap="square" rtlCol="0">
+              <a:spAutoFit/>
+            </a:bodyPr>
+            <a:lstStyle/>
+            <a:p>
+              <a:pPr>
+                <a:defRPr/>
+              </a:pPr>
+              <a:r>
+                <a:rPr lang="zh-CN" altLang="en-US" sz="1400" dirty="0">
+                  <a:solidFill>
+                    <a:srgbClr val="182135"/>
+                  </a:solidFill>
+                  <a:latin typeface="+mn-ea"/>
+                  <a:cs typeface="Arial" charset="0"/>
+                </a:rPr>
+                <a:t>以太网</a:t>
+              </a:r>
+              <a:endParaRPr lang="en-US" sz="1400" dirty="0">
+                <a:solidFill>
+                  <a:srgbClr val="182135"/>
+                </a:solidFill>
+                <a:latin typeface="+mn-ea"/>
+                <a:cs typeface="Arial" charset="0"/>
+              </a:endParaRPr>
+            </a:p>
+          </p:txBody>
+        </p:sp>
+        <p:sp>
+          <p:nvSpPr>
+            <p:cNvPr id="23" name="TextBox 10">
+              <a:extLst>
+                <a:ext uri="{FF2B5EF4-FFF2-40B4-BE49-F238E27FC236}">
+                  <a16:creationId xmlns:a16="http://schemas.microsoft.com/office/drawing/2014/main" id="{13ADBB2A-CD5A-4C43-A88C-D3519B1C58B1}"/>
+                </a:ext>
+              </a:extLst>
+            </p:cNvPr>
+            <p:cNvSpPr txBox="1"/>
+            <p:nvPr/>
+          </p:nvSpPr>
+          <p:spPr>
+            <a:xfrm>
+              <a:off x="8055318" y="2321134"/>
+              <a:ext cx="1915861" cy="307777"/>
+            </a:xfrm>
+            <a:prstGeom prst="rect">
+              <a:avLst/>
+            </a:prstGeom>
+            <a:noFill/>
+          </p:spPr>
+          <p:txBody>
+            <a:bodyPr wrap="square" rtlCol="0">
+              <a:spAutoFit/>
+            </a:bodyPr>
+            <a:lstStyle/>
+            <a:p>
+              <a:pPr>
+                <a:defRPr/>
+              </a:pPr>
+              <a:r>
+                <a:rPr lang="zh-CN" altLang="en-US" sz="1400" dirty="0">
+                  <a:solidFill>
+                    <a:srgbClr val="182135"/>
+                  </a:solidFill>
+                  <a:latin typeface="+mn-ea"/>
+                  <a:cs typeface="Arial" charset="0"/>
+                </a:rPr>
+                <a:t>以太网</a:t>
+              </a:r>
+              <a:r>
+                <a:rPr lang="en-US" altLang="zh-CN" sz="1400" dirty="0">
+                  <a:solidFill>
+                    <a:srgbClr val="182135"/>
+                  </a:solidFill>
+                  <a:latin typeface="+mn-ea"/>
+                  <a:cs typeface="Arial" charset="0"/>
+                </a:rPr>
+                <a:t>/RS485</a:t>
+              </a:r>
+              <a:r>
+                <a:rPr lang="zh-CN" altLang="en-US" sz="1400" dirty="0">
+                  <a:solidFill>
+                    <a:srgbClr val="182135"/>
+                  </a:solidFill>
+                  <a:latin typeface="+mn-ea"/>
+                  <a:cs typeface="Arial" charset="0"/>
+                </a:rPr>
+                <a:t>串口</a:t>
+              </a:r>
+              <a:endParaRPr lang="en-US" sz="1400" dirty="0">
+                <a:solidFill>
+                  <a:srgbClr val="182135"/>
+                </a:solidFill>
+                <a:latin typeface="+mn-ea"/>
+                <a:cs typeface="Arial" charset="0"/>
+              </a:endParaRPr>
+            </a:p>
+          </p:txBody>
+        </p:sp>
+        <p:sp>
+          <p:nvSpPr>
+            <p:cNvPr id="24" name="矩形 23">
+              <a:extLst>
+                <a:ext uri="{FF2B5EF4-FFF2-40B4-BE49-F238E27FC236}">
+                  <a16:creationId xmlns:a16="http://schemas.microsoft.com/office/drawing/2014/main" id="{AAB2AEC8-2416-E642-BB49-DBF57904DE41}"/>
+                </a:ext>
+              </a:extLst>
+            </p:cNvPr>
+            <p:cNvSpPr/>
+            <p:nvPr/>
+          </p:nvSpPr>
+          <p:spPr>
+            <a:xfrm>
+              <a:off x="3327946" y="2739525"/>
+              <a:ext cx="2106050" cy="753706"/>
+            </a:xfrm>
+            <a:prstGeom prst="rect">
+              <a:avLst/>
+            </a:prstGeom>
+            <a:solidFill>
+              <a:srgbClr val="0A6EFA"/>
+            </a:solidFill>
+            <a:ln w="12700">
+              <a:noFill/>
+            </a:ln>
+          </p:spPr>
+          <p:style>
+            <a:lnRef idx="2">
+              <a:schemeClr val="accent1">
+                <a:shade val="50000"/>
+              </a:schemeClr>
+            </a:lnRef>
+            <a:fillRef idx="1">
+              <a:schemeClr val="accent1"/>
+            </a:fillRef>
+            <a:effectRef idx="0">
+              <a:schemeClr val="accent1"/>
+            </a:effectRef>
+            <a:fontRef idx="minor">
+              <a:schemeClr val="lt1"/>
+            </a:fontRef>
+          </p:style>
+          <p:txBody>
+            <a:bodyPr rtlCol="0" anchor="ctr"/>
+            <a:lstStyle/>
+            <a:p>
+              <a:pPr algn="ctr"/>
+              <a:endParaRPr kumimoji="1" lang="zh-CN" altLang="en-US" sz="1600" dirty="0">
+                <a:solidFill>
+                  <a:schemeClr val="bg1"/>
+                </a:solidFill>
+                <a:latin typeface="Helvetica" pitchFamily="2" charset="0"/>
+                <a:cs typeface="Arial" panose="020B0604020202020204" pitchFamily="34" charset="0"/>
+              </a:endParaRPr>
+            </a:p>
+          </p:txBody>
+        </p:sp>
+        <p:sp>
+          <p:nvSpPr>
+            <p:cNvPr id="26" name="文本框 25">
+              <a:extLst>
+                <a:ext uri="{FF2B5EF4-FFF2-40B4-BE49-F238E27FC236}">
+                  <a16:creationId xmlns:a16="http://schemas.microsoft.com/office/drawing/2014/main" id="{E72D66F6-A4E2-C943-B238-F87633DA8F03}"/>
+                </a:ext>
+              </a:extLst>
+            </p:cNvPr>
+            <p:cNvSpPr txBox="1"/>
+            <p:nvPr/>
+          </p:nvSpPr>
+          <p:spPr>
+            <a:xfrm>
+              <a:off x="3555721" y="2960028"/>
+              <a:ext cx="1650500" cy="338554"/>
+            </a:xfrm>
+            <a:prstGeom prst="rect">
+              <a:avLst/>
+            </a:prstGeom>
+            <a:noFill/>
+          </p:spPr>
+          <p:txBody>
+            <a:bodyPr wrap="square" rtlCol="0">
+              <a:spAutoFit/>
+            </a:bodyPr>
+            <a:lstStyle/>
+            <a:p>
+              <a:pPr algn="ctr"/>
+              <a:r>
+                <a:rPr kumimoji="1" lang="en-US" altLang="zh-CN" sz="1600" b="1" dirty="0">
+                  <a:solidFill>
+                    <a:schemeClr val="bg1"/>
+                  </a:solidFill>
+                  <a:latin typeface="Helvetica" pitchFamily="2" charset="0"/>
+                  <a:cs typeface="Arial" panose="020B0604020202020204" pitchFamily="34" charset="0"/>
+                </a:rPr>
+                <a:t>Firewall</a:t>
+              </a:r>
+              <a:endParaRPr kumimoji="1" lang="zh-CN" altLang="en-US" sz="1600" b="1" dirty="0">
+                <a:solidFill>
+                  <a:schemeClr val="bg1"/>
+                </a:solidFill>
+                <a:latin typeface="Helvetica" pitchFamily="2" charset="0"/>
+                <a:cs typeface="Arial" panose="020B0604020202020204" pitchFamily="34" charset="0"/>
+              </a:endParaRPr>
+            </a:p>
+          </p:txBody>
+        </p:sp>
+        <p:sp>
+          <p:nvSpPr>
+            <p:cNvPr id="27" name="矩形 26">
+              <a:extLst>
+                <a:ext uri="{FF2B5EF4-FFF2-40B4-BE49-F238E27FC236}">
+                  <a16:creationId xmlns:a16="http://schemas.microsoft.com/office/drawing/2014/main" id="{C8A64E22-05BC-C945-8EE3-CE5E5D51729C}"/>
+                </a:ext>
+              </a:extLst>
+            </p:cNvPr>
+            <p:cNvSpPr/>
+            <p:nvPr/>
+          </p:nvSpPr>
+          <p:spPr>
+            <a:xfrm>
+              <a:off x="9174564" y="2739525"/>
+              <a:ext cx="2106050" cy="753706"/>
+            </a:xfrm>
+            <a:prstGeom prst="rect">
+              <a:avLst/>
+            </a:prstGeom>
+            <a:solidFill>
+              <a:srgbClr val="0A6EFA"/>
+            </a:solidFill>
+            <a:ln w="12700">
+              <a:noFill/>
+            </a:ln>
+          </p:spPr>
+          <p:style>
+            <a:lnRef idx="2">
+              <a:schemeClr val="accent1">
+                <a:shade val="50000"/>
+              </a:schemeClr>
+            </a:lnRef>
+            <a:fillRef idx="1">
+              <a:schemeClr val="accent1"/>
+            </a:fillRef>
+            <a:effectRef idx="0">
+              <a:schemeClr val="accent1"/>
+            </a:effectRef>
+            <a:fontRef idx="minor">
+              <a:schemeClr val="lt1"/>
+            </a:fontRef>
+          </p:style>
+          <p:txBody>
+            <a:bodyPr rtlCol="0" anchor="ctr"/>
+            <a:lstStyle/>
+            <a:p>
+              <a:pPr algn="ctr"/>
+              <a:endParaRPr kumimoji="1" lang="zh-CN" altLang="en-US" sz="1600" dirty="0">
+                <a:solidFill>
+                  <a:schemeClr val="bg1"/>
+                </a:solidFill>
+                <a:latin typeface="Helvetica" pitchFamily="2" charset="0"/>
+                <a:cs typeface="Arial" panose="020B0604020202020204" pitchFamily="34" charset="0"/>
+              </a:endParaRPr>
+            </a:p>
+          </p:txBody>
+        </p:sp>
+        <p:sp>
+          <p:nvSpPr>
+            <p:cNvPr id="28" name="Freeform 66">
+              <a:extLst>
+                <a:ext uri="{FF2B5EF4-FFF2-40B4-BE49-F238E27FC236}">
+                  <a16:creationId xmlns:a16="http://schemas.microsoft.com/office/drawing/2014/main" id="{C1D6C346-46B2-3347-84FF-7BF1AA9D6E75}"/>
+                </a:ext>
+              </a:extLst>
+            </p:cNvPr>
+            <p:cNvSpPr>
+              <a:spLocks noEditPoints="1"/>
+            </p:cNvSpPr>
+            <p:nvPr/>
+          </p:nvSpPr>
+          <p:spPr bwMode="auto">
+            <a:xfrm>
+              <a:off x="9685354" y="2925153"/>
+              <a:ext cx="392367" cy="339215"/>
+            </a:xfrm>
+            <a:custGeom>
+              <a:avLst/>
+              <a:gdLst>
+                <a:gd name="T0" fmla="*/ 0 w 278"/>
+                <a:gd name="T1" fmla="*/ 160 h 240"/>
+                <a:gd name="T2" fmla="*/ 0 w 278"/>
+                <a:gd name="T3" fmla="*/ 240 h 240"/>
+                <a:gd name="T4" fmla="*/ 278 w 278"/>
+                <a:gd name="T5" fmla="*/ 240 h 240"/>
+                <a:gd name="T6" fmla="*/ 278 w 278"/>
+                <a:gd name="T7" fmla="*/ 160 h 240"/>
+                <a:gd name="T8" fmla="*/ 0 w 278"/>
+                <a:gd name="T9" fmla="*/ 160 h 240"/>
+                <a:gd name="T10" fmla="*/ 40 w 278"/>
+                <a:gd name="T11" fmla="*/ 200 h 240"/>
+                <a:gd name="T12" fmla="*/ 16 w 278"/>
+                <a:gd name="T13" fmla="*/ 200 h 240"/>
+                <a:gd name="T14" fmla="*/ 16 w 278"/>
+                <a:gd name="T15" fmla="*/ 177 h 240"/>
+                <a:gd name="T16" fmla="*/ 40 w 278"/>
+                <a:gd name="T17" fmla="*/ 177 h 240"/>
+                <a:gd name="T18" fmla="*/ 40 w 278"/>
+                <a:gd name="T19" fmla="*/ 200 h 240"/>
+                <a:gd name="T20" fmla="*/ 175 w 278"/>
+                <a:gd name="T21" fmla="*/ 224 h 240"/>
+                <a:gd name="T22" fmla="*/ 152 w 278"/>
+                <a:gd name="T23" fmla="*/ 224 h 240"/>
+                <a:gd name="T24" fmla="*/ 152 w 278"/>
+                <a:gd name="T25" fmla="*/ 177 h 240"/>
+                <a:gd name="T26" fmla="*/ 175 w 278"/>
+                <a:gd name="T27" fmla="*/ 177 h 240"/>
+                <a:gd name="T28" fmla="*/ 175 w 278"/>
+                <a:gd name="T29" fmla="*/ 224 h 240"/>
+                <a:gd name="T30" fmla="*/ 218 w 278"/>
+                <a:gd name="T31" fmla="*/ 224 h 240"/>
+                <a:gd name="T32" fmla="*/ 195 w 278"/>
+                <a:gd name="T33" fmla="*/ 224 h 240"/>
+                <a:gd name="T34" fmla="*/ 195 w 278"/>
+                <a:gd name="T35" fmla="*/ 177 h 240"/>
+                <a:gd name="T36" fmla="*/ 218 w 278"/>
+                <a:gd name="T37" fmla="*/ 177 h 240"/>
+                <a:gd name="T38" fmla="*/ 218 w 278"/>
+                <a:gd name="T39" fmla="*/ 224 h 240"/>
+                <a:gd name="T40" fmla="*/ 262 w 278"/>
+                <a:gd name="T41" fmla="*/ 224 h 240"/>
+                <a:gd name="T42" fmla="*/ 238 w 278"/>
+                <a:gd name="T43" fmla="*/ 224 h 240"/>
+                <a:gd name="T44" fmla="*/ 238 w 278"/>
+                <a:gd name="T45" fmla="*/ 177 h 240"/>
+                <a:gd name="T46" fmla="*/ 262 w 278"/>
+                <a:gd name="T47" fmla="*/ 177 h 240"/>
+                <a:gd name="T48" fmla="*/ 262 w 278"/>
+                <a:gd name="T49" fmla="*/ 224 h 240"/>
+                <a:gd name="T50" fmla="*/ 212 w 278"/>
+                <a:gd name="T51" fmla="*/ 64 h 240"/>
+                <a:gd name="T52" fmla="*/ 192 w 278"/>
+                <a:gd name="T53" fmla="*/ 114 h 240"/>
+                <a:gd name="T54" fmla="*/ 202 w 278"/>
+                <a:gd name="T55" fmla="*/ 123 h 240"/>
+                <a:gd name="T56" fmla="*/ 225 w 278"/>
+                <a:gd name="T57" fmla="*/ 64 h 240"/>
+                <a:gd name="T58" fmla="*/ 197 w 278"/>
+                <a:gd name="T59" fmla="*/ 0 h 240"/>
+                <a:gd name="T60" fmla="*/ 187 w 278"/>
+                <a:gd name="T61" fmla="*/ 9 h 240"/>
+                <a:gd name="T62" fmla="*/ 212 w 278"/>
+                <a:gd name="T63" fmla="*/ 64 h 240"/>
+                <a:gd name="T64" fmla="*/ 175 w 278"/>
+                <a:gd name="T65" fmla="*/ 64 h 240"/>
+                <a:gd name="T66" fmla="*/ 164 w 278"/>
+                <a:gd name="T67" fmla="*/ 90 h 240"/>
+                <a:gd name="T68" fmla="*/ 174 w 278"/>
+                <a:gd name="T69" fmla="*/ 99 h 240"/>
+                <a:gd name="T70" fmla="*/ 189 w 278"/>
+                <a:gd name="T71" fmla="*/ 64 h 240"/>
+                <a:gd name="T72" fmla="*/ 169 w 278"/>
+                <a:gd name="T73" fmla="*/ 24 h 240"/>
+                <a:gd name="T74" fmla="*/ 159 w 278"/>
+                <a:gd name="T75" fmla="*/ 33 h 240"/>
+                <a:gd name="T76" fmla="*/ 175 w 278"/>
+                <a:gd name="T77" fmla="*/ 64 h 240"/>
+                <a:gd name="T78" fmla="*/ 107 w 278"/>
+                <a:gd name="T79" fmla="*/ 102 h 240"/>
+                <a:gd name="T80" fmla="*/ 117 w 278"/>
+                <a:gd name="T81" fmla="*/ 93 h 240"/>
+                <a:gd name="T82" fmla="*/ 103 w 278"/>
+                <a:gd name="T83" fmla="*/ 64 h 240"/>
+                <a:gd name="T84" fmla="*/ 119 w 278"/>
+                <a:gd name="T85" fmla="*/ 33 h 240"/>
+                <a:gd name="T86" fmla="*/ 109 w 278"/>
+                <a:gd name="T87" fmla="*/ 24 h 240"/>
+                <a:gd name="T88" fmla="*/ 89 w 278"/>
+                <a:gd name="T89" fmla="*/ 64 h 240"/>
+                <a:gd name="T90" fmla="*/ 107 w 278"/>
+                <a:gd name="T91" fmla="*/ 102 h 240"/>
+                <a:gd name="T92" fmla="*/ 89 w 278"/>
+                <a:gd name="T93" fmla="*/ 117 h 240"/>
+                <a:gd name="T94" fmla="*/ 66 w 278"/>
+                <a:gd name="T95" fmla="*/ 64 h 240"/>
+                <a:gd name="T96" fmla="*/ 91 w 278"/>
+                <a:gd name="T97" fmla="*/ 8 h 240"/>
+                <a:gd name="T98" fmla="*/ 81 w 278"/>
+                <a:gd name="T99" fmla="*/ 0 h 240"/>
+                <a:gd name="T100" fmla="*/ 53 w 278"/>
+                <a:gd name="T101" fmla="*/ 64 h 240"/>
+                <a:gd name="T102" fmla="*/ 79 w 278"/>
+                <a:gd name="T103" fmla="*/ 126 h 240"/>
+                <a:gd name="T104" fmla="*/ 89 w 278"/>
+                <a:gd name="T105" fmla="*/ 117 h 240"/>
+                <a:gd name="T106" fmla="*/ 149 w 278"/>
+                <a:gd name="T107" fmla="*/ 147 h 240"/>
+                <a:gd name="T108" fmla="*/ 149 w 278"/>
+                <a:gd name="T109" fmla="*/ 60 h 240"/>
+                <a:gd name="T110" fmla="*/ 139 w 278"/>
+                <a:gd name="T111" fmla="*/ 50 h 240"/>
+                <a:gd name="T112" fmla="*/ 129 w 278"/>
+                <a:gd name="T113" fmla="*/ 60 h 240"/>
+                <a:gd name="T114" fmla="*/ 129 w 278"/>
+                <a:gd name="T115" fmla="*/ 147 h 240"/>
+                <a:gd name="T116" fmla="*/ 149 w 278"/>
+                <a:gd name="T117" fmla="*/ 147 h 240"/>
+              </a:gdLst>
+              <a:ahLst/>
+              <a:cxnLst>
+                <a:cxn ang="0">
+                  <a:pos x="T0" y="T1"/>
+                </a:cxn>
+                <a:cxn ang="0">
+                  <a:pos x="T2" y="T3"/>
+                </a:cxn>
+                <a:cxn ang="0">
+                  <a:pos x="T4" y="T5"/>
+                </a:cxn>
+                <a:cxn ang="0">
+                  <a:pos x="T6" y="T7"/>
+                </a:cxn>
+                <a:cxn ang="0">
+                  <a:pos x="T8" y="T9"/>
+                </a:cxn>
+                <a:cxn ang="0">
+                  <a:pos x="T10" y="T11"/>
+                </a:cxn>
+                <a:cxn ang="0">
+                  <a:pos x="T12" y="T13"/>
+                </a:cxn>
+                <a:cxn ang="0">
+                  <a:pos x="T14" y="T15"/>
+                </a:cxn>
+                <a:cxn ang="0">
+                  <a:pos x="T16" y="T17"/>
+                </a:cxn>
+                <a:cxn ang="0">
+                  <a:pos x="T18" y="T19"/>
+                </a:cxn>
+                <a:cxn ang="0">
+                  <a:pos x="T20" y="T21"/>
+                </a:cxn>
+                <a:cxn ang="0">
+                  <a:pos x="T22" y="T23"/>
+                </a:cxn>
+                <a:cxn ang="0">
+                  <a:pos x="T24" y="T25"/>
+                </a:cxn>
+                <a:cxn ang="0">
+                  <a:pos x="T26" y="T27"/>
+                </a:cxn>
+                <a:cxn ang="0">
+                  <a:pos x="T28" y="T29"/>
+                </a:cxn>
+                <a:cxn ang="0">
+                  <a:pos x="T30" y="T31"/>
+                </a:cxn>
+                <a:cxn ang="0">
+                  <a:pos x="T32" y="T33"/>
+                </a:cxn>
+                <a:cxn ang="0">
+                  <a:pos x="T34" y="T35"/>
+                </a:cxn>
+                <a:cxn ang="0">
+                  <a:pos x="T36" y="T37"/>
+                </a:cxn>
+                <a:cxn ang="0">
+                  <a:pos x="T38" y="T39"/>
+                </a:cxn>
+                <a:cxn ang="0">
+                  <a:pos x="T40" y="T41"/>
+                </a:cxn>
+                <a:cxn ang="0">
+                  <a:pos x="T42" y="T43"/>
+                </a:cxn>
+                <a:cxn ang="0">
+                  <a:pos x="T44" y="T45"/>
+                </a:cxn>
+                <a:cxn ang="0">
+                  <a:pos x="T46" y="T47"/>
+                </a:cxn>
+                <a:cxn ang="0">
+                  <a:pos x="T48" y="T49"/>
+                </a:cxn>
+                <a:cxn ang="0">
+                  <a:pos x="T50" y="T51"/>
+                </a:cxn>
+                <a:cxn ang="0">
+                  <a:pos x="T52" y="T53"/>
+                </a:cxn>
+                <a:cxn ang="0">
+                  <a:pos x="T54" y="T55"/>
+                </a:cxn>
+                <a:cxn ang="0">
+                  <a:pos x="T56" y="T57"/>
+                </a:cxn>
+                <a:cxn ang="0">
+                  <a:pos x="T58" y="T59"/>
+                </a:cxn>
+                <a:cxn ang="0">
+                  <a:pos x="T60" y="T61"/>
+                </a:cxn>
+                <a:cxn ang="0">
+                  <a:pos x="T62" y="T63"/>
+                </a:cxn>
+                <a:cxn ang="0">
+                  <a:pos x="T64" y="T65"/>
+                </a:cxn>
+                <a:cxn ang="0">
+                  <a:pos x="T66" y="T67"/>
+                </a:cxn>
+                <a:cxn ang="0">
+                  <a:pos x="T68" y="T69"/>
+                </a:cxn>
+                <a:cxn ang="0">
+                  <a:pos x="T70" y="T71"/>
+                </a:cxn>
+                <a:cxn ang="0">
+                  <a:pos x="T72" y="T73"/>
+                </a:cxn>
+                <a:cxn ang="0">
+                  <a:pos x="T74" y="T75"/>
+                </a:cxn>
+                <a:cxn ang="0">
+                  <a:pos x="T76" y="T77"/>
+                </a:cxn>
+                <a:cxn ang="0">
+                  <a:pos x="T78" y="T79"/>
+                </a:cxn>
+                <a:cxn ang="0">
+                  <a:pos x="T80" y="T81"/>
+                </a:cxn>
+                <a:cxn ang="0">
+                  <a:pos x="T82" y="T83"/>
+                </a:cxn>
+                <a:cxn ang="0">
+                  <a:pos x="T84" y="T85"/>
+                </a:cxn>
+                <a:cxn ang="0">
+                  <a:pos x="T86" y="T87"/>
+                </a:cxn>
+                <a:cxn ang="0">
+                  <a:pos x="T88" y="T89"/>
+                </a:cxn>
+                <a:cxn ang="0">
+                  <a:pos x="T90" y="T91"/>
+                </a:cxn>
+                <a:cxn ang="0">
+                  <a:pos x="T92" y="T93"/>
+                </a:cxn>
+                <a:cxn ang="0">
+                  <a:pos x="T94" y="T95"/>
+                </a:cxn>
+                <a:cxn ang="0">
+                  <a:pos x="T96" y="T97"/>
+                </a:cxn>
+                <a:cxn ang="0">
+                  <a:pos x="T98" y="T99"/>
+                </a:cxn>
+                <a:cxn ang="0">
+                  <a:pos x="T100" y="T101"/>
+                </a:cxn>
+                <a:cxn ang="0">
+                  <a:pos x="T102" y="T103"/>
+                </a:cxn>
+                <a:cxn ang="0">
+                  <a:pos x="T104" y="T105"/>
+                </a:cxn>
+                <a:cxn ang="0">
+                  <a:pos x="T106" y="T107"/>
+                </a:cxn>
+                <a:cxn ang="0">
+                  <a:pos x="T108" y="T109"/>
+                </a:cxn>
+                <a:cxn ang="0">
+                  <a:pos x="T110" y="T111"/>
+                </a:cxn>
+                <a:cxn ang="0">
+                  <a:pos x="T112" y="T113"/>
+                </a:cxn>
+                <a:cxn ang="0">
+                  <a:pos x="T114" y="T115"/>
+                </a:cxn>
+                <a:cxn ang="0">
+                  <a:pos x="T116" y="T117"/>
+                </a:cxn>
+              </a:cxnLst>
+              <a:rect l="0" t="0" r="r" b="b"/>
+              <a:pathLst>
+                <a:path w="278" h="240">
+                  <a:moveTo>
+                    <a:pt x="0" y="160"/>
+                  </a:moveTo>
+                  <a:cubicBezTo>
+                    <a:pt x="0" y="240"/>
+                    <a:pt x="0" y="240"/>
+                    <a:pt x="0" y="240"/>
+                  </a:cubicBezTo>
+                  <a:cubicBezTo>
+                    <a:pt x="278" y="240"/>
+                    <a:pt x="278" y="240"/>
+                    <a:pt x="278" y="240"/>
+                  </a:cubicBezTo>
+                  <a:cubicBezTo>
+                    <a:pt x="278" y="160"/>
+                    <a:pt x="278" y="160"/>
+                    <a:pt x="278" y="160"/>
+                  </a:cubicBezTo>
+                  <a:lnTo>
+                    <a:pt x="0" y="160"/>
+                  </a:lnTo>
+                  <a:close/>
+                  <a:moveTo>
+                    <a:pt x="40" y="200"/>
+                  </a:moveTo>
+                  <a:cubicBezTo>
+                    <a:pt x="16" y="200"/>
+                    <a:pt x="16" y="200"/>
+                    <a:pt x="16" y="200"/>
+                  </a:cubicBezTo>
+                  <a:cubicBezTo>
+                    <a:pt x="16" y="177"/>
+                    <a:pt x="16" y="177"/>
+                    <a:pt x="16" y="177"/>
+                  </a:cubicBezTo>
+                  <a:cubicBezTo>
+                    <a:pt x="40" y="177"/>
+                    <a:pt x="40" y="177"/>
+                    <a:pt x="40" y="177"/>
+                  </a:cubicBezTo>
+                  <a:lnTo>
+                    <a:pt x="40" y="200"/>
+                  </a:lnTo>
+                  <a:close/>
+                  <a:moveTo>
+                    <a:pt x="175" y="224"/>
+                  </a:moveTo>
+                  <a:cubicBezTo>
+                    <a:pt x="152" y="224"/>
+                    <a:pt x="152" y="224"/>
+                    <a:pt x="152" y="224"/>
+                  </a:cubicBezTo>
+                  <a:cubicBezTo>
+                    <a:pt x="152" y="177"/>
+                    <a:pt x="152" y="177"/>
+                    <a:pt x="152" y="177"/>
+                  </a:cubicBezTo>
+                  <a:cubicBezTo>
+                    <a:pt x="175" y="177"/>
+                    <a:pt x="175" y="177"/>
+                    <a:pt x="175" y="177"/>
+                  </a:cubicBezTo>
+                  <a:lnTo>
+                    <a:pt x="175" y="224"/>
+                  </a:lnTo>
+                  <a:close/>
+                  <a:moveTo>
+                    <a:pt x="218" y="224"/>
+                  </a:moveTo>
+                  <a:cubicBezTo>
+                    <a:pt x="195" y="224"/>
+                    <a:pt x="195" y="224"/>
+                    <a:pt x="195" y="224"/>
+                  </a:cubicBezTo>
+                  <a:cubicBezTo>
+                    <a:pt x="195" y="177"/>
+                    <a:pt x="195" y="177"/>
+                    <a:pt x="195" y="177"/>
+                  </a:cubicBezTo>
+                  <a:cubicBezTo>
+                    <a:pt x="218" y="177"/>
+                    <a:pt x="218" y="177"/>
+                    <a:pt x="218" y="177"/>
+                  </a:cubicBezTo>
+                  <a:lnTo>
+                    <a:pt x="218" y="224"/>
+                  </a:lnTo>
+                  <a:close/>
+                  <a:moveTo>
+                    <a:pt x="262" y="224"/>
+                  </a:moveTo>
+                  <a:cubicBezTo>
+                    <a:pt x="238" y="224"/>
+                    <a:pt x="238" y="224"/>
+                    <a:pt x="238" y="224"/>
+                  </a:cubicBezTo>
+                  <a:cubicBezTo>
+                    <a:pt x="238" y="177"/>
+                    <a:pt x="238" y="177"/>
+                    <a:pt x="238" y="177"/>
+                  </a:cubicBezTo>
+                  <a:cubicBezTo>
+                    <a:pt x="262" y="177"/>
+                    <a:pt x="262" y="177"/>
+                    <a:pt x="262" y="177"/>
+                  </a:cubicBezTo>
+                  <a:lnTo>
+                    <a:pt x="262" y="224"/>
+                  </a:lnTo>
+                  <a:close/>
+                  <a:moveTo>
+                    <a:pt x="212" y="64"/>
+                  </a:moveTo>
+                  <a:cubicBezTo>
+                    <a:pt x="212" y="83"/>
+                    <a:pt x="204" y="101"/>
+                    <a:pt x="192" y="114"/>
+                  </a:cubicBezTo>
+                  <a:cubicBezTo>
+                    <a:pt x="202" y="123"/>
+                    <a:pt x="202" y="123"/>
+                    <a:pt x="202" y="123"/>
+                  </a:cubicBezTo>
+                  <a:cubicBezTo>
+                    <a:pt x="216" y="107"/>
+                    <a:pt x="225" y="87"/>
+                    <a:pt x="225" y="64"/>
+                  </a:cubicBezTo>
+                  <a:cubicBezTo>
+                    <a:pt x="225" y="38"/>
+                    <a:pt x="214" y="16"/>
+                    <a:pt x="197" y="0"/>
+                  </a:cubicBezTo>
+                  <a:cubicBezTo>
+                    <a:pt x="187" y="9"/>
+                    <a:pt x="187" y="9"/>
+                    <a:pt x="187" y="9"/>
+                  </a:cubicBezTo>
+                  <a:cubicBezTo>
+                    <a:pt x="202" y="22"/>
+                    <a:pt x="212" y="42"/>
+                    <a:pt x="212" y="64"/>
+                  </a:cubicBezTo>
+                  <a:close/>
+                  <a:moveTo>
+                    <a:pt x="175" y="64"/>
+                  </a:moveTo>
+                  <a:cubicBezTo>
+                    <a:pt x="175" y="74"/>
+                    <a:pt x="171" y="83"/>
+                    <a:pt x="164" y="90"/>
+                  </a:cubicBezTo>
+                  <a:cubicBezTo>
+                    <a:pt x="174" y="99"/>
+                    <a:pt x="174" y="99"/>
+                    <a:pt x="174" y="99"/>
+                  </a:cubicBezTo>
+                  <a:cubicBezTo>
+                    <a:pt x="183" y="90"/>
+                    <a:pt x="189" y="77"/>
+                    <a:pt x="189" y="64"/>
+                  </a:cubicBezTo>
+                  <a:cubicBezTo>
+                    <a:pt x="189" y="48"/>
+                    <a:pt x="181" y="33"/>
+                    <a:pt x="169" y="24"/>
+                  </a:cubicBezTo>
+                  <a:cubicBezTo>
+                    <a:pt x="159" y="33"/>
+                    <a:pt x="159" y="33"/>
+                    <a:pt x="159" y="33"/>
+                  </a:cubicBezTo>
+                  <a:cubicBezTo>
+                    <a:pt x="169" y="40"/>
+                    <a:pt x="175" y="51"/>
+                    <a:pt x="175" y="64"/>
+                  </a:cubicBezTo>
+                  <a:close/>
+                  <a:moveTo>
+                    <a:pt x="107" y="102"/>
+                  </a:moveTo>
+                  <a:cubicBezTo>
+                    <a:pt x="117" y="93"/>
+                    <a:pt x="117" y="93"/>
+                    <a:pt x="117" y="93"/>
+                  </a:cubicBezTo>
+                  <a:cubicBezTo>
+                    <a:pt x="108" y="86"/>
+                    <a:pt x="103" y="76"/>
+                    <a:pt x="103" y="64"/>
+                  </a:cubicBezTo>
+                  <a:cubicBezTo>
+                    <a:pt x="103" y="51"/>
+                    <a:pt x="109" y="40"/>
+                    <a:pt x="119" y="33"/>
+                  </a:cubicBezTo>
+                  <a:cubicBezTo>
+                    <a:pt x="109" y="24"/>
+                    <a:pt x="109" y="24"/>
+                    <a:pt x="109" y="24"/>
+                  </a:cubicBezTo>
+                  <a:cubicBezTo>
+                    <a:pt x="97" y="33"/>
+                    <a:pt x="89" y="48"/>
+                    <a:pt x="89" y="64"/>
+                  </a:cubicBezTo>
+                  <a:cubicBezTo>
+                    <a:pt x="89" y="79"/>
+                    <a:pt x="96" y="93"/>
+                    <a:pt x="107" y="102"/>
+                  </a:cubicBezTo>
+                  <a:close/>
+                  <a:moveTo>
+                    <a:pt x="89" y="117"/>
+                  </a:moveTo>
+                  <a:cubicBezTo>
+                    <a:pt x="75" y="104"/>
+                    <a:pt x="66" y="85"/>
+                    <a:pt x="66" y="64"/>
+                  </a:cubicBezTo>
+                  <a:cubicBezTo>
+                    <a:pt x="66" y="42"/>
+                    <a:pt x="76" y="22"/>
+                    <a:pt x="91" y="8"/>
+                  </a:cubicBezTo>
+                  <a:cubicBezTo>
+                    <a:pt x="81" y="0"/>
+                    <a:pt x="81" y="0"/>
+                    <a:pt x="81" y="0"/>
+                  </a:cubicBezTo>
+                  <a:cubicBezTo>
+                    <a:pt x="64" y="16"/>
+                    <a:pt x="53" y="38"/>
+                    <a:pt x="53" y="64"/>
+                  </a:cubicBezTo>
+                  <a:cubicBezTo>
+                    <a:pt x="53" y="88"/>
+                    <a:pt x="63" y="110"/>
+                    <a:pt x="79" y="126"/>
+                  </a:cubicBezTo>
+                  <a:lnTo>
+                    <a:pt x="89" y="117"/>
+                  </a:lnTo>
+                  <a:close/>
+                  <a:moveTo>
+                    <a:pt x="149" y="147"/>
+                  </a:moveTo>
+                  <a:cubicBezTo>
+                    <a:pt x="149" y="60"/>
+                    <a:pt x="149" y="60"/>
+                    <a:pt x="149" y="60"/>
+                  </a:cubicBezTo>
+                  <a:cubicBezTo>
+                    <a:pt x="149" y="55"/>
+                    <a:pt x="145" y="50"/>
+                    <a:pt x="139" y="50"/>
+                  </a:cubicBezTo>
+                  <a:cubicBezTo>
+                    <a:pt x="134" y="50"/>
+                    <a:pt x="129" y="55"/>
+                    <a:pt x="129" y="60"/>
+                  </a:cubicBezTo>
+                  <a:cubicBezTo>
+                    <a:pt x="129" y="147"/>
+                    <a:pt x="129" y="147"/>
+                    <a:pt x="129" y="147"/>
+                  </a:cubicBezTo>
+                  <a:lnTo>
+                    <a:pt x="149" y="147"/>
+                  </a:lnTo>
+                  <a:close/>
+                </a:path>
+              </a:pathLst>
+            </a:custGeom>
+            <a:solidFill>
+              <a:schemeClr val="bg1"/>
+            </a:solidFill>
+            <a:ln>
+              <a:noFill/>
+            </a:ln>
+            <a:extLst/>
+          </p:spPr>
+          <p:txBody>
+            <a:bodyPr vert="horz" wrap="square" lIns="91440" tIns="45720" rIns="91440" bIns="45720" numCol="1" anchor="t" anchorCtr="0" compatLnSpc="1">
+              <a:prstTxWarp prst="textNoShape">
+                <a:avLst/>
+              </a:prstTxWarp>
+            </a:bodyPr>
+            <a:lstStyle/>
+            <a:p>
+              <a:pPr algn="ctr">
+                <a:defRPr/>
+              </a:pPr>
+              <a:endParaRPr lang="zh-CN" altLang="en-US" sz="1000" b="1" kern="0">
+                <a:solidFill>
+                  <a:srgbClr val="000000"/>
+                </a:solidFill>
+                <a:latin typeface="Helvetica" pitchFamily="2" charset="0"/>
+                <a:ea typeface="等线" panose="02010600030101010101" pitchFamily="2" charset="-122"/>
+                <a:cs typeface="Arial" panose="020B0604020202020204" pitchFamily="34" charset="0"/>
+              </a:endParaRPr>
+            </a:p>
+          </p:txBody>
+        </p:sp>
+        <p:sp>
+          <p:nvSpPr>
+            <p:cNvPr id="29" name="文本框 28">
+              <a:extLst>
+                <a:ext uri="{FF2B5EF4-FFF2-40B4-BE49-F238E27FC236}">
+                  <a16:creationId xmlns:a16="http://schemas.microsoft.com/office/drawing/2014/main" id="{93844C6B-D9EE-9A4A-81F2-14368F313111}"/>
+                </a:ext>
+              </a:extLst>
+            </p:cNvPr>
+            <p:cNvSpPr txBox="1"/>
+            <p:nvPr/>
+          </p:nvSpPr>
+          <p:spPr>
+            <a:xfrm>
+              <a:off x="9971179" y="2960753"/>
+              <a:ext cx="1050248" cy="338554"/>
+            </a:xfrm>
+            <a:prstGeom prst="rect">
+              <a:avLst/>
+            </a:prstGeom>
+            <a:noFill/>
+          </p:spPr>
+          <p:txBody>
+            <a:bodyPr wrap="square" rtlCol="0">
+              <a:spAutoFit/>
+            </a:bodyPr>
+            <a:lstStyle/>
+            <a:p>
+              <a:pPr algn="ctr"/>
+              <a:r>
+                <a:rPr kumimoji="1" lang="zh-CN" altLang="en-US" sz="1600" b="1" dirty="0">
+                  <a:solidFill>
+                    <a:schemeClr val="bg1"/>
+                  </a:solidFill>
+                  <a:latin typeface="Helvetica" pitchFamily="2" charset="0"/>
+                  <a:cs typeface="Arial" panose="020B0604020202020204" pitchFamily="34" charset="0"/>
+                </a:rPr>
+                <a:t>设备</a:t>
+              </a:r>
+            </a:p>
+          </p:txBody>
+        </p:sp>
+        <p:sp>
+          <p:nvSpPr>
+            <p:cNvPr id="30" name="矩形 29">
+              <a:extLst>
+                <a:ext uri="{FF2B5EF4-FFF2-40B4-BE49-F238E27FC236}">
+                  <a16:creationId xmlns:a16="http://schemas.microsoft.com/office/drawing/2014/main" id="{7339455E-B5A9-8A46-8F0A-B625FFA8EC50}"/>
+                </a:ext>
+              </a:extLst>
+            </p:cNvPr>
+            <p:cNvSpPr/>
+            <p:nvPr/>
+          </p:nvSpPr>
+          <p:spPr>
+            <a:xfrm>
+              <a:off x="6251255" y="2743929"/>
+              <a:ext cx="2106050" cy="753706"/>
+            </a:xfrm>
+            <a:prstGeom prst="rect">
+              <a:avLst/>
+            </a:prstGeom>
+            <a:solidFill>
+              <a:srgbClr val="0A6EFA"/>
+            </a:solidFill>
+            <a:ln w="12700">
+              <a:noFill/>
+            </a:ln>
+          </p:spPr>
+          <p:style>
+            <a:lnRef idx="2">
+              <a:schemeClr val="accent1">
+                <a:shade val="50000"/>
+              </a:schemeClr>
+            </a:lnRef>
+            <a:fillRef idx="1">
+              <a:schemeClr val="accent1"/>
+            </a:fillRef>
+            <a:effectRef idx="0">
+              <a:schemeClr val="accent1"/>
+            </a:effectRef>
+            <a:fontRef idx="minor">
+              <a:schemeClr val="lt1"/>
+            </a:fontRef>
+          </p:style>
+          <p:txBody>
+            <a:bodyPr rtlCol="0" anchor="ctr"/>
+            <a:lstStyle/>
+            <a:p>
+              <a:pPr algn="ctr"/>
+              <a:endParaRPr kumimoji="1" lang="zh-CN" altLang="en-US" sz="1600" dirty="0">
+                <a:solidFill>
+                  <a:schemeClr val="bg1"/>
+                </a:solidFill>
+                <a:latin typeface="Helvetica" pitchFamily="2" charset="0"/>
+                <a:cs typeface="Arial" panose="020B0604020202020204" pitchFamily="34" charset="0"/>
+              </a:endParaRPr>
+            </a:p>
+          </p:txBody>
+        </p:sp>
+        <p:sp>
+          <p:nvSpPr>
+            <p:cNvPr id="31" name="Freeform 65">
+              <a:extLst>
+                <a:ext uri="{FF2B5EF4-FFF2-40B4-BE49-F238E27FC236}">
+                  <a16:creationId xmlns:a16="http://schemas.microsoft.com/office/drawing/2014/main" id="{99F78669-784C-6149-AB7B-17C831475412}"/>
+                </a:ext>
+              </a:extLst>
+            </p:cNvPr>
+            <p:cNvSpPr>
+              <a:spLocks noEditPoints="1"/>
+            </p:cNvSpPr>
+            <p:nvPr/>
+          </p:nvSpPr>
+          <p:spPr bwMode="auto">
+            <a:xfrm>
+              <a:off x="6748294" y="2960788"/>
+              <a:ext cx="394756" cy="302188"/>
+            </a:xfrm>
+            <a:custGeom>
+              <a:avLst/>
+              <a:gdLst>
+                <a:gd name="T0" fmla="*/ 179 w 661"/>
+                <a:gd name="T1" fmla="*/ 397 h 506"/>
+                <a:gd name="T2" fmla="*/ 144 w 661"/>
+                <a:gd name="T3" fmla="*/ 397 h 506"/>
+                <a:gd name="T4" fmla="*/ 144 w 661"/>
+                <a:gd name="T5" fmla="*/ 433 h 506"/>
+                <a:gd name="T6" fmla="*/ 179 w 661"/>
+                <a:gd name="T7" fmla="*/ 433 h 506"/>
+                <a:gd name="T8" fmla="*/ 179 w 661"/>
+                <a:gd name="T9" fmla="*/ 397 h 506"/>
+                <a:gd name="T10" fmla="*/ 108 w 661"/>
+                <a:gd name="T11" fmla="*/ 324 h 506"/>
+                <a:gd name="T12" fmla="*/ 70 w 661"/>
+                <a:gd name="T13" fmla="*/ 324 h 506"/>
+                <a:gd name="T14" fmla="*/ 70 w 661"/>
+                <a:gd name="T15" fmla="*/ 362 h 506"/>
+                <a:gd name="T16" fmla="*/ 108 w 661"/>
+                <a:gd name="T17" fmla="*/ 362 h 506"/>
+                <a:gd name="T18" fmla="*/ 108 w 661"/>
+                <a:gd name="T19" fmla="*/ 324 h 506"/>
+                <a:gd name="T20" fmla="*/ 108 w 661"/>
+                <a:gd name="T21" fmla="*/ 397 h 506"/>
+                <a:gd name="T22" fmla="*/ 70 w 661"/>
+                <a:gd name="T23" fmla="*/ 397 h 506"/>
+                <a:gd name="T24" fmla="*/ 70 w 661"/>
+                <a:gd name="T25" fmla="*/ 433 h 506"/>
+                <a:gd name="T26" fmla="*/ 108 w 661"/>
+                <a:gd name="T27" fmla="*/ 433 h 506"/>
+                <a:gd name="T28" fmla="*/ 108 w 661"/>
+                <a:gd name="T29" fmla="*/ 397 h 506"/>
+                <a:gd name="T30" fmla="*/ 250 w 661"/>
+                <a:gd name="T31" fmla="*/ 397 h 506"/>
+                <a:gd name="T32" fmla="*/ 215 w 661"/>
+                <a:gd name="T33" fmla="*/ 397 h 506"/>
+                <a:gd name="T34" fmla="*/ 215 w 661"/>
+                <a:gd name="T35" fmla="*/ 433 h 506"/>
+                <a:gd name="T36" fmla="*/ 250 w 661"/>
+                <a:gd name="T37" fmla="*/ 433 h 506"/>
+                <a:gd name="T38" fmla="*/ 250 w 661"/>
+                <a:gd name="T39" fmla="*/ 397 h 506"/>
+                <a:gd name="T40" fmla="*/ 179 w 661"/>
+                <a:gd name="T41" fmla="*/ 324 h 506"/>
+                <a:gd name="T42" fmla="*/ 144 w 661"/>
+                <a:gd name="T43" fmla="*/ 324 h 506"/>
+                <a:gd name="T44" fmla="*/ 144 w 661"/>
+                <a:gd name="T45" fmla="*/ 362 h 506"/>
+                <a:gd name="T46" fmla="*/ 179 w 661"/>
+                <a:gd name="T47" fmla="*/ 362 h 506"/>
+                <a:gd name="T48" fmla="*/ 179 w 661"/>
+                <a:gd name="T49" fmla="*/ 324 h 506"/>
+                <a:gd name="T50" fmla="*/ 576 w 661"/>
+                <a:gd name="T51" fmla="*/ 352 h 506"/>
+                <a:gd name="T52" fmla="*/ 432 w 661"/>
+                <a:gd name="T53" fmla="*/ 352 h 506"/>
+                <a:gd name="T54" fmla="*/ 432 w 661"/>
+                <a:gd name="T55" fmla="*/ 407 h 506"/>
+                <a:gd name="T56" fmla="*/ 576 w 661"/>
+                <a:gd name="T57" fmla="*/ 407 h 506"/>
+                <a:gd name="T58" fmla="*/ 576 w 661"/>
+                <a:gd name="T59" fmla="*/ 352 h 506"/>
+                <a:gd name="T60" fmla="*/ 661 w 661"/>
+                <a:gd name="T61" fmla="*/ 253 h 506"/>
+                <a:gd name="T62" fmla="*/ 661 w 661"/>
+                <a:gd name="T63" fmla="*/ 253 h 506"/>
+                <a:gd name="T64" fmla="*/ 543 w 661"/>
+                <a:gd name="T65" fmla="*/ 0 h 506"/>
+                <a:gd name="T66" fmla="*/ 115 w 661"/>
+                <a:gd name="T67" fmla="*/ 0 h 506"/>
+                <a:gd name="T68" fmla="*/ 0 w 661"/>
+                <a:gd name="T69" fmla="*/ 253 h 506"/>
+                <a:gd name="T70" fmla="*/ 0 w 661"/>
+                <a:gd name="T71" fmla="*/ 253 h 506"/>
+                <a:gd name="T72" fmla="*/ 0 w 661"/>
+                <a:gd name="T73" fmla="*/ 506 h 506"/>
+                <a:gd name="T74" fmla="*/ 661 w 661"/>
+                <a:gd name="T75" fmla="*/ 506 h 506"/>
+                <a:gd name="T76" fmla="*/ 661 w 661"/>
+                <a:gd name="T77" fmla="*/ 506 h 506"/>
+                <a:gd name="T78" fmla="*/ 661 w 661"/>
+                <a:gd name="T79" fmla="*/ 506 h 506"/>
+                <a:gd name="T80" fmla="*/ 661 w 661"/>
+                <a:gd name="T81" fmla="*/ 253 h 506"/>
+                <a:gd name="T82" fmla="*/ 661 w 661"/>
+                <a:gd name="T83" fmla="*/ 253 h 506"/>
+                <a:gd name="T84" fmla="*/ 626 w 661"/>
+                <a:gd name="T85" fmla="*/ 468 h 506"/>
+                <a:gd name="T86" fmla="*/ 35 w 661"/>
+                <a:gd name="T87" fmla="*/ 468 h 506"/>
+                <a:gd name="T88" fmla="*/ 35 w 661"/>
+                <a:gd name="T89" fmla="*/ 288 h 506"/>
+                <a:gd name="T90" fmla="*/ 626 w 661"/>
+                <a:gd name="T91" fmla="*/ 288 h 506"/>
+                <a:gd name="T92" fmla="*/ 626 w 661"/>
+                <a:gd name="T93" fmla="*/ 468 h 506"/>
+                <a:gd name="T94" fmla="*/ 323 w 661"/>
+                <a:gd name="T95" fmla="*/ 324 h 506"/>
+                <a:gd name="T96" fmla="*/ 288 w 661"/>
+                <a:gd name="T97" fmla="*/ 324 h 506"/>
+                <a:gd name="T98" fmla="*/ 288 w 661"/>
+                <a:gd name="T99" fmla="*/ 362 h 506"/>
+                <a:gd name="T100" fmla="*/ 323 w 661"/>
+                <a:gd name="T101" fmla="*/ 362 h 506"/>
+                <a:gd name="T102" fmla="*/ 323 w 661"/>
+                <a:gd name="T103" fmla="*/ 324 h 506"/>
+                <a:gd name="T104" fmla="*/ 323 w 661"/>
+                <a:gd name="T105" fmla="*/ 397 h 506"/>
+                <a:gd name="T106" fmla="*/ 288 w 661"/>
+                <a:gd name="T107" fmla="*/ 397 h 506"/>
+                <a:gd name="T108" fmla="*/ 288 w 661"/>
+                <a:gd name="T109" fmla="*/ 433 h 506"/>
+                <a:gd name="T110" fmla="*/ 323 w 661"/>
+                <a:gd name="T111" fmla="*/ 433 h 506"/>
+                <a:gd name="T112" fmla="*/ 323 w 661"/>
+                <a:gd name="T113" fmla="*/ 397 h 506"/>
+                <a:gd name="T114" fmla="*/ 250 w 661"/>
+                <a:gd name="T115" fmla="*/ 324 h 506"/>
+                <a:gd name="T116" fmla="*/ 215 w 661"/>
+                <a:gd name="T117" fmla="*/ 324 h 506"/>
+                <a:gd name="T118" fmla="*/ 215 w 661"/>
+                <a:gd name="T119" fmla="*/ 362 h 506"/>
+                <a:gd name="T120" fmla="*/ 250 w 661"/>
+                <a:gd name="T121" fmla="*/ 362 h 506"/>
+                <a:gd name="T122" fmla="*/ 250 w 661"/>
+                <a:gd name="T123" fmla="*/ 324 h 506"/>
+              </a:gdLst>
+              <a:ahLst/>
+              <a:cxnLst>
+                <a:cxn ang="0">
+                  <a:pos x="T0" y="T1"/>
+                </a:cxn>
+                <a:cxn ang="0">
+                  <a:pos x="T2" y="T3"/>
+                </a:cxn>
+                <a:cxn ang="0">
+                  <a:pos x="T4" y="T5"/>
+                </a:cxn>
+                <a:cxn ang="0">
+                  <a:pos x="T6" y="T7"/>
+                </a:cxn>
+                <a:cxn ang="0">
+                  <a:pos x="T8" y="T9"/>
+                </a:cxn>
+                <a:cxn ang="0">
+                  <a:pos x="T10" y="T11"/>
+                </a:cxn>
+                <a:cxn ang="0">
+                  <a:pos x="T12" y="T13"/>
+                </a:cxn>
+                <a:cxn ang="0">
+                  <a:pos x="T14" y="T15"/>
+                </a:cxn>
+                <a:cxn ang="0">
+                  <a:pos x="T16" y="T17"/>
+                </a:cxn>
+                <a:cxn ang="0">
+                  <a:pos x="T18" y="T19"/>
+                </a:cxn>
+                <a:cxn ang="0">
+                  <a:pos x="T20" y="T21"/>
+                </a:cxn>
+                <a:cxn ang="0">
+                  <a:pos x="T22" y="T23"/>
+                </a:cxn>
+                <a:cxn ang="0">
+                  <a:pos x="T24" y="T25"/>
+                </a:cxn>
+                <a:cxn ang="0">
+                  <a:pos x="T26" y="T27"/>
+                </a:cxn>
+                <a:cxn ang="0">
+                  <a:pos x="T28" y="T29"/>
+                </a:cxn>
+                <a:cxn ang="0">
+                  <a:pos x="T30" y="T31"/>
+                </a:cxn>
+                <a:cxn ang="0">
+                  <a:pos x="T32" y="T33"/>
+                </a:cxn>
+                <a:cxn ang="0">
+                  <a:pos x="T34" y="T35"/>
+                </a:cxn>
+                <a:cxn ang="0">
+                  <a:pos x="T36" y="T37"/>
+                </a:cxn>
+                <a:cxn ang="0">
+                  <a:pos x="T38" y="T39"/>
+                </a:cxn>
+                <a:cxn ang="0">
+                  <a:pos x="T40" y="T41"/>
+                </a:cxn>
+                <a:cxn ang="0">
+                  <a:pos x="T42" y="T43"/>
+                </a:cxn>
+                <a:cxn ang="0">
+                  <a:pos x="T44" y="T45"/>
+                </a:cxn>
+                <a:cxn ang="0">
+                  <a:pos x="T46" y="T47"/>
+                </a:cxn>
+                <a:cxn ang="0">
+                  <a:pos x="T48" y="T49"/>
+                </a:cxn>
+                <a:cxn ang="0">
+                  <a:pos x="T50" y="T51"/>
+                </a:cxn>
+                <a:cxn ang="0">
+                  <a:pos x="T52" y="T53"/>
+                </a:cxn>
+                <a:cxn ang="0">
+                  <a:pos x="T54" y="T55"/>
+                </a:cxn>
+                <a:cxn ang="0">
+                  <a:pos x="T56" y="T57"/>
+                </a:cxn>
+                <a:cxn ang="0">
+                  <a:pos x="T58" y="T59"/>
+                </a:cxn>
+                <a:cxn ang="0">
+                  <a:pos x="T60" y="T61"/>
+                </a:cxn>
+                <a:cxn ang="0">
+                  <a:pos x="T62" y="T63"/>
+                </a:cxn>
+                <a:cxn ang="0">
+                  <a:pos x="T64" y="T65"/>
+                </a:cxn>
+                <a:cxn ang="0">
+                  <a:pos x="T66" y="T67"/>
+                </a:cxn>
+                <a:cxn ang="0">
+                  <a:pos x="T68" y="T69"/>
+                </a:cxn>
+                <a:cxn ang="0">
+                  <a:pos x="T70" y="T71"/>
+                </a:cxn>
+                <a:cxn ang="0">
+                  <a:pos x="T72" y="T73"/>
+                </a:cxn>
+                <a:cxn ang="0">
+                  <a:pos x="T74" y="T75"/>
+                </a:cxn>
+                <a:cxn ang="0">
+                  <a:pos x="T76" y="T77"/>
+                </a:cxn>
+                <a:cxn ang="0">
+                  <a:pos x="T78" y="T79"/>
+                </a:cxn>
+                <a:cxn ang="0">
+                  <a:pos x="T80" y="T81"/>
+                </a:cxn>
+                <a:cxn ang="0">
+                  <a:pos x="T82" y="T83"/>
+                </a:cxn>
+                <a:cxn ang="0">
+                  <a:pos x="T84" y="T85"/>
+                </a:cxn>
+                <a:cxn ang="0">
+                  <a:pos x="T86" y="T87"/>
+                </a:cxn>
+                <a:cxn ang="0">
+                  <a:pos x="T88" y="T89"/>
+                </a:cxn>
+                <a:cxn ang="0">
+                  <a:pos x="T90" y="T91"/>
+                </a:cxn>
+                <a:cxn ang="0">
+                  <a:pos x="T92" y="T93"/>
+                </a:cxn>
+                <a:cxn ang="0">
+                  <a:pos x="T94" y="T95"/>
+                </a:cxn>
+                <a:cxn ang="0">
+                  <a:pos x="T96" y="T97"/>
+                </a:cxn>
+                <a:cxn ang="0">
+                  <a:pos x="T98" y="T99"/>
+                </a:cxn>
+                <a:cxn ang="0">
+                  <a:pos x="T100" y="T101"/>
+                </a:cxn>
+                <a:cxn ang="0">
+                  <a:pos x="T102" y="T103"/>
+                </a:cxn>
+                <a:cxn ang="0">
+                  <a:pos x="T104" y="T105"/>
+                </a:cxn>
+                <a:cxn ang="0">
+                  <a:pos x="T106" y="T107"/>
+                </a:cxn>
+                <a:cxn ang="0">
+                  <a:pos x="T108" y="T109"/>
+                </a:cxn>
+                <a:cxn ang="0">
+                  <a:pos x="T110" y="T111"/>
+                </a:cxn>
+                <a:cxn ang="0">
+                  <a:pos x="T112" y="T113"/>
+                </a:cxn>
+                <a:cxn ang="0">
+                  <a:pos x="T114" y="T115"/>
+                </a:cxn>
+                <a:cxn ang="0">
+                  <a:pos x="T116" y="T117"/>
+                </a:cxn>
+                <a:cxn ang="0">
+                  <a:pos x="T118" y="T119"/>
+                </a:cxn>
+                <a:cxn ang="0">
+                  <a:pos x="T120" y="T121"/>
+                </a:cxn>
+                <a:cxn ang="0">
+                  <a:pos x="T122" y="T123"/>
+                </a:cxn>
+              </a:cxnLst>
+              <a:rect l="0" t="0" r="r" b="b"/>
+              <a:pathLst>
+                <a:path w="661" h="506">
+                  <a:moveTo>
+                    <a:pt x="179" y="397"/>
+                  </a:moveTo>
+                  <a:lnTo>
+                    <a:pt x="144" y="397"/>
+                  </a:lnTo>
+                  <a:lnTo>
+                    <a:pt x="144" y="433"/>
+                  </a:lnTo>
+                  <a:lnTo>
+                    <a:pt x="179" y="433"/>
+                  </a:lnTo>
+                  <a:lnTo>
+                    <a:pt x="179" y="397"/>
+                  </a:lnTo>
+                  <a:close/>
+                  <a:moveTo>
+                    <a:pt x="108" y="324"/>
+                  </a:moveTo>
+                  <a:lnTo>
+                    <a:pt x="70" y="324"/>
+                  </a:lnTo>
+                  <a:lnTo>
+                    <a:pt x="70" y="362"/>
+                  </a:lnTo>
+                  <a:lnTo>
+                    <a:pt x="108" y="362"/>
+                  </a:lnTo>
+                  <a:lnTo>
+                    <a:pt x="108" y="324"/>
+                  </a:lnTo>
+                  <a:close/>
+                  <a:moveTo>
+                    <a:pt x="108" y="397"/>
+                  </a:moveTo>
+                  <a:lnTo>
+                    <a:pt x="70" y="397"/>
+                  </a:lnTo>
+                  <a:lnTo>
+                    <a:pt x="70" y="433"/>
+                  </a:lnTo>
+                  <a:lnTo>
+                    <a:pt x="108" y="433"/>
+                  </a:lnTo>
+                  <a:lnTo>
+                    <a:pt x="108" y="397"/>
+                  </a:lnTo>
+                  <a:close/>
+                  <a:moveTo>
+                    <a:pt x="250" y="397"/>
+                  </a:moveTo>
+                  <a:lnTo>
+                    <a:pt x="215" y="397"/>
+                  </a:lnTo>
+                  <a:lnTo>
+                    <a:pt x="215" y="433"/>
+                  </a:lnTo>
+                  <a:lnTo>
+                    <a:pt x="250" y="433"/>
+                  </a:lnTo>
+                  <a:lnTo>
+                    <a:pt x="250" y="397"/>
+                  </a:lnTo>
+                  <a:close/>
+                  <a:moveTo>
+                    <a:pt x="179" y="324"/>
+                  </a:moveTo>
+                  <a:lnTo>
+                    <a:pt x="144" y="324"/>
+                  </a:lnTo>
+                  <a:lnTo>
+                    <a:pt x="144" y="362"/>
+                  </a:lnTo>
+                  <a:lnTo>
+                    <a:pt x="179" y="362"/>
+                  </a:lnTo>
+                  <a:lnTo>
+                    <a:pt x="179" y="324"/>
+                  </a:lnTo>
+                  <a:close/>
+                  <a:moveTo>
+                    <a:pt x="576" y="352"/>
+                  </a:moveTo>
+                  <a:lnTo>
+                    <a:pt x="432" y="352"/>
+                  </a:lnTo>
+                  <a:lnTo>
+                    <a:pt x="432" y="407"/>
+                  </a:lnTo>
+                  <a:lnTo>
+                    <a:pt x="576" y="407"/>
+                  </a:lnTo>
+                  <a:lnTo>
+                    <a:pt x="576" y="352"/>
+                  </a:lnTo>
+                  <a:close/>
+                  <a:moveTo>
+                    <a:pt x="661" y="253"/>
+                  </a:moveTo>
+                  <a:lnTo>
+                    <a:pt x="661" y="253"/>
+                  </a:lnTo>
+                  <a:lnTo>
+                    <a:pt x="543" y="0"/>
+                  </a:lnTo>
+                  <a:lnTo>
+                    <a:pt x="115" y="0"/>
+                  </a:lnTo>
+                  <a:lnTo>
+                    <a:pt x="0" y="253"/>
+                  </a:lnTo>
+                  <a:lnTo>
+                    <a:pt x="0" y="253"/>
+                  </a:lnTo>
+                  <a:lnTo>
+                    <a:pt x="0" y="506"/>
+                  </a:lnTo>
+                  <a:lnTo>
+                    <a:pt x="661" y="506"/>
+                  </a:lnTo>
+                  <a:lnTo>
+                    <a:pt x="661" y="506"/>
+                  </a:lnTo>
+                  <a:lnTo>
+                    <a:pt x="661" y="506"/>
+                  </a:lnTo>
+                  <a:lnTo>
+                    <a:pt x="661" y="253"/>
+                  </a:lnTo>
+                  <a:lnTo>
+                    <a:pt x="661" y="253"/>
+                  </a:lnTo>
+                  <a:close/>
+                  <a:moveTo>
+                    <a:pt x="626" y="468"/>
+                  </a:moveTo>
+                  <a:lnTo>
+                    <a:pt x="35" y="468"/>
+                  </a:lnTo>
+                  <a:lnTo>
+                    <a:pt x="35" y="288"/>
+                  </a:lnTo>
+                  <a:lnTo>
+                    <a:pt x="626" y="288"/>
+                  </a:lnTo>
+                  <a:lnTo>
+                    <a:pt x="626" y="468"/>
+                  </a:lnTo>
+                  <a:close/>
+                  <a:moveTo>
+                    <a:pt x="323" y="324"/>
+                  </a:moveTo>
+                  <a:lnTo>
+                    <a:pt x="288" y="324"/>
+                  </a:lnTo>
+                  <a:lnTo>
+                    <a:pt x="288" y="362"/>
+                  </a:lnTo>
+                  <a:lnTo>
+                    <a:pt x="323" y="362"/>
+                  </a:lnTo>
+                  <a:lnTo>
+                    <a:pt x="323" y="324"/>
+                  </a:lnTo>
+                  <a:close/>
+                  <a:moveTo>
+                    <a:pt x="323" y="397"/>
+                  </a:moveTo>
+                  <a:lnTo>
+                    <a:pt x="288" y="397"/>
+                  </a:lnTo>
+                  <a:lnTo>
+                    <a:pt x="288" y="433"/>
+                  </a:lnTo>
+                  <a:lnTo>
+                    <a:pt x="323" y="433"/>
+                  </a:lnTo>
+                  <a:lnTo>
+                    <a:pt x="323" y="397"/>
+                  </a:lnTo>
+                  <a:close/>
+                  <a:moveTo>
+                    <a:pt x="250" y="324"/>
+                  </a:moveTo>
+                  <a:lnTo>
+                    <a:pt x="215" y="324"/>
+                  </a:lnTo>
+                  <a:lnTo>
+                    <a:pt x="215" y="362"/>
+                  </a:lnTo>
+                  <a:lnTo>
+                    <a:pt x="250" y="362"/>
+                  </a:lnTo>
+                  <a:lnTo>
+                    <a:pt x="250" y="324"/>
+                  </a:lnTo>
+                  <a:close/>
+                </a:path>
+              </a:pathLst>
+            </a:custGeom>
+            <a:solidFill>
+              <a:schemeClr val="bg1"/>
+            </a:solidFill>
+            <a:ln>
+              <a:noFill/>
+            </a:ln>
+            <a:extLst/>
+          </p:spPr>
+          <p:txBody>
+            <a:bodyPr vert="horz" wrap="square" lIns="91440" tIns="45720" rIns="91440" bIns="45720" numCol="1" anchor="t" anchorCtr="0" compatLnSpc="1">
+              <a:prstTxWarp prst="textNoShape">
+                <a:avLst/>
+              </a:prstTxWarp>
+            </a:bodyPr>
+            <a:lstStyle/>
+            <a:p>
+              <a:pPr algn="ctr">
+                <a:defRPr/>
+              </a:pPr>
+              <a:endParaRPr lang="zh-CN" altLang="en-US" sz="1000" b="1" kern="0" dirty="0">
+                <a:solidFill>
+                  <a:srgbClr val="000000"/>
+                </a:solidFill>
+                <a:ea typeface="等线" panose="02010600030101010101" pitchFamily="2" charset="-122"/>
+                <a:cs typeface="Arial" panose="020B0604020202020204" pitchFamily="34" charset="0"/>
+              </a:endParaRPr>
+            </a:p>
+          </p:txBody>
+        </p:sp>
+        <p:sp>
+          <p:nvSpPr>
+            <p:cNvPr id="32" name="文本框 31">
+              <a:extLst>
+                <a:ext uri="{FF2B5EF4-FFF2-40B4-BE49-F238E27FC236}">
+                  <a16:creationId xmlns:a16="http://schemas.microsoft.com/office/drawing/2014/main" id="{8E95DE59-B6BD-DC46-A135-9509D127E554}"/>
+                </a:ext>
+              </a:extLst>
+            </p:cNvPr>
+            <p:cNvSpPr txBox="1"/>
+            <p:nvPr/>
+          </p:nvSpPr>
+          <p:spPr>
+            <a:xfrm>
+              <a:off x="6733243" y="2996355"/>
+              <a:ext cx="1650500" cy="338554"/>
+            </a:xfrm>
+            <a:prstGeom prst="rect">
+              <a:avLst/>
+            </a:prstGeom>
+            <a:noFill/>
+          </p:spPr>
+          <p:txBody>
+            <a:bodyPr wrap="square" rtlCol="0">
+              <a:spAutoFit/>
+            </a:bodyPr>
+            <a:lstStyle/>
+            <a:p>
+              <a:pPr algn="ctr"/>
+              <a:r>
+                <a:rPr kumimoji="1" lang="en-US" altLang="zh-CN" sz="1600" b="1" dirty="0">
+                  <a:solidFill>
+                    <a:schemeClr val="bg1"/>
+                  </a:solidFill>
+                  <a:latin typeface="Helvetica" pitchFamily="2" charset="0"/>
+                  <a:cs typeface="Arial" panose="020B0604020202020204" pitchFamily="34" charset="0"/>
+                </a:rPr>
+                <a:t>Edge</a:t>
+              </a:r>
+              <a:endParaRPr kumimoji="1" lang="zh-CN" altLang="en-US" sz="1600" b="1" dirty="0">
+                <a:solidFill>
+                  <a:schemeClr val="bg1"/>
+                </a:solidFill>
+                <a:latin typeface="Helvetica" pitchFamily="2" charset="0"/>
+                <a:cs typeface="Arial" panose="020B0604020202020204" pitchFamily="34" charset="0"/>
+              </a:endParaRPr>
+            </a:p>
+          </p:txBody>
+        </p:sp>
+        <p:cxnSp>
+          <p:nvCxnSpPr>
+            <p:cNvPr id="33" name="直线箭头连接符 32">
+              <a:extLst>
+                <a:ext uri="{FF2B5EF4-FFF2-40B4-BE49-F238E27FC236}">
+                  <a16:creationId xmlns:a16="http://schemas.microsoft.com/office/drawing/2014/main" id="{3865FBEA-1DBB-2E4B-8B26-6839404594C5}"/>
+                </a:ext>
+              </a:extLst>
+            </p:cNvPr>
+            <p:cNvCxnSpPr>
+              <a:cxnSpLocks/>
+            </p:cNvCxnSpPr>
+            <p:nvPr/>
+          </p:nvCxnSpPr>
+          <p:spPr>
+            <a:xfrm>
+              <a:off x="5608019" y="3149307"/>
+              <a:ext cx="465993" cy="0"/>
+            </a:xfrm>
+            <a:prstGeom prst="straightConnector1">
+              <a:avLst/>
+            </a:prstGeom>
+            <a:ln w="25400">
+              <a:solidFill>
+                <a:srgbClr val="737893"/>
+              </a:solidFill>
+              <a:tailEnd type="triangle"/>
+            </a:ln>
+          </p:spPr>
+          <p:style>
+            <a:lnRef idx="1">
+              <a:schemeClr val="accent1"/>
+            </a:lnRef>
+            <a:fillRef idx="0">
+              <a:schemeClr val="accent1"/>
+            </a:fillRef>
+            <a:effectRef idx="0">
+              <a:schemeClr val="accent1"/>
+            </a:effectRef>
+            <a:fontRef idx="minor">
+              <a:schemeClr val="tx1"/>
+            </a:fontRef>
+          </p:style>
+        </p:cxnSp>
+        <p:pic>
+          <p:nvPicPr>
+            <p:cNvPr id="34" name="图片 33">
+              <a:extLst>
+                <a:ext uri="{FF2B5EF4-FFF2-40B4-BE49-F238E27FC236}">
+                  <a16:creationId xmlns:a16="http://schemas.microsoft.com/office/drawing/2014/main" id="{24F1B6E8-E78D-8A4E-AA9A-9E467EBB069E}"/>
+                </a:ext>
+              </a:extLst>
+            </p:cNvPr>
+            <p:cNvPicPr>
+              <a:picLocks noChangeAspect="1"/>
+            </p:cNvPicPr>
+            <p:nvPr/>
+          </p:nvPicPr>
+          <p:blipFill>
+            <a:blip r:embed="rId2"/>
+            <a:stretch>
+              <a:fillRect/>
+            </a:stretch>
+          </p:blipFill>
+          <p:spPr>
+            <a:xfrm>
+              <a:off x="8565280" y="3031882"/>
+              <a:ext cx="546100" cy="177800"/>
+            </a:xfrm>
+            <a:prstGeom prst="rect">
+              <a:avLst/>
+            </a:prstGeom>
+          </p:spPr>
+        </p:pic>
+        <p:pic>
+          <p:nvPicPr>
+            <p:cNvPr id="35" name="图片 34">
+              <a:extLst>
+                <a:ext uri="{FF2B5EF4-FFF2-40B4-BE49-F238E27FC236}">
+                  <a16:creationId xmlns:a16="http://schemas.microsoft.com/office/drawing/2014/main" id="{8B878CDB-ABB2-A642-9519-95E94D44F4BD}"/>
+                </a:ext>
+              </a:extLst>
+            </p:cNvPr>
+            <p:cNvPicPr>
+              <a:picLocks noChangeAspect="1"/>
+            </p:cNvPicPr>
+            <p:nvPr/>
+          </p:nvPicPr>
+          <p:blipFill>
+            <a:blip r:embed="rId2"/>
+            <a:stretch>
+              <a:fillRect/>
+            </a:stretch>
+          </p:blipFill>
+          <p:spPr>
+            <a:xfrm flipH="1">
+              <a:off x="8479665" y="3184561"/>
+              <a:ext cx="546100" cy="177800"/>
+            </a:xfrm>
+            <a:prstGeom prst="rect">
+              <a:avLst/>
+            </a:prstGeom>
+          </p:spPr>
+        </p:pic>
+        <p:pic>
+          <p:nvPicPr>
+            <p:cNvPr id="36" name="图片 35">
+              <a:extLst>
+                <a:ext uri="{FF2B5EF4-FFF2-40B4-BE49-F238E27FC236}">
+                  <a16:creationId xmlns:a16="http://schemas.microsoft.com/office/drawing/2014/main" id="{5435E563-AAFE-B747-94E1-671B6DC46956}"/>
+                </a:ext>
+              </a:extLst>
+            </p:cNvPr>
+            <p:cNvPicPr>
+              <a:picLocks noChangeAspect="1"/>
+            </p:cNvPicPr>
+            <p:nvPr/>
+          </p:nvPicPr>
+          <p:blipFill>
+            <a:blip r:embed="rId2"/>
+            <a:stretch>
+              <a:fillRect/>
+            </a:stretch>
+          </p:blipFill>
+          <p:spPr>
+            <a:xfrm flipH="1">
+              <a:off x="5509499" y="3209682"/>
+              <a:ext cx="546100" cy="177800"/>
+            </a:xfrm>
+            <a:prstGeom prst="rect">
+              <a:avLst/>
+            </a:prstGeom>
+          </p:spPr>
+        </p:pic>
+        <p:sp>
+          <p:nvSpPr>
+            <p:cNvPr id="37" name="矩形 36">
+              <a:extLst>
+                <a:ext uri="{FF2B5EF4-FFF2-40B4-BE49-F238E27FC236}">
+                  <a16:creationId xmlns:a16="http://schemas.microsoft.com/office/drawing/2014/main" id="{35CE6DB5-DE7A-D447-8A1D-38EAAAC9CC0A}"/>
+                </a:ext>
+              </a:extLst>
+            </p:cNvPr>
+            <p:cNvSpPr/>
+            <p:nvPr/>
+          </p:nvSpPr>
+          <p:spPr>
+            <a:xfrm>
+              <a:off x="404637" y="2739525"/>
+              <a:ext cx="2106050" cy="753706"/>
+            </a:xfrm>
+            <a:prstGeom prst="rect">
+              <a:avLst/>
+            </a:prstGeom>
+            <a:solidFill>
+              <a:srgbClr val="0A6EFA"/>
+            </a:solidFill>
+            <a:ln w="12700">
+              <a:noFill/>
+            </a:ln>
+          </p:spPr>
+          <p:style>
+            <a:lnRef idx="2">
+              <a:schemeClr val="accent1">
+                <a:shade val="50000"/>
+              </a:schemeClr>
+            </a:lnRef>
+            <a:fillRef idx="1">
+              <a:schemeClr val="accent1"/>
+            </a:fillRef>
+            <a:effectRef idx="0">
+              <a:schemeClr val="accent1"/>
+            </a:effectRef>
+            <a:fontRef idx="minor">
+              <a:schemeClr val="lt1"/>
+            </a:fontRef>
+          </p:style>
+          <p:txBody>
+            <a:bodyPr rtlCol="0" anchor="ctr"/>
+            <a:lstStyle/>
+            <a:p>
+              <a:pPr algn="ctr"/>
+              <a:endParaRPr kumimoji="1" lang="zh-CN" altLang="en-US" sz="1600" dirty="0">
+                <a:solidFill>
+                  <a:schemeClr val="bg1"/>
+                </a:solidFill>
+                <a:latin typeface="Helvetica" pitchFamily="2" charset="0"/>
+                <a:cs typeface="Arial" panose="020B0604020202020204" pitchFamily="34" charset="0"/>
+              </a:endParaRPr>
+            </a:p>
+          </p:txBody>
+        </p:sp>
+        <p:sp>
+          <p:nvSpPr>
+            <p:cNvPr id="38" name="Freeform 64">
+              <a:extLst>
+                <a:ext uri="{FF2B5EF4-FFF2-40B4-BE49-F238E27FC236}">
+                  <a16:creationId xmlns:a16="http://schemas.microsoft.com/office/drawing/2014/main" id="{DB2362C0-68F0-624D-B9EA-4559BE921CE9}"/>
+                </a:ext>
+              </a:extLst>
+            </p:cNvPr>
+            <p:cNvSpPr>
+              <a:spLocks/>
+            </p:cNvSpPr>
+            <p:nvPr/>
+          </p:nvSpPr>
+          <p:spPr bwMode="auto">
+            <a:xfrm>
+              <a:off x="580596" y="2996355"/>
+              <a:ext cx="395353" cy="277106"/>
+            </a:xfrm>
+            <a:custGeom>
+              <a:avLst/>
+              <a:gdLst>
+                <a:gd name="T0" fmla="*/ 137 w 280"/>
+                <a:gd name="T1" fmla="*/ 98 h 196"/>
+                <a:gd name="T2" fmla="*/ 65 w 280"/>
+                <a:gd name="T3" fmla="*/ 48 h 196"/>
+                <a:gd name="T4" fmla="*/ 0 w 280"/>
+                <a:gd name="T5" fmla="*/ 122 h 196"/>
+                <a:gd name="T6" fmla="*/ 64 w 280"/>
+                <a:gd name="T7" fmla="*/ 196 h 196"/>
+                <a:gd name="T8" fmla="*/ 64 w 280"/>
+                <a:gd name="T9" fmla="*/ 196 h 196"/>
+                <a:gd name="T10" fmla="*/ 215 w 280"/>
+                <a:gd name="T11" fmla="*/ 196 h 196"/>
+                <a:gd name="T12" fmla="*/ 224 w 280"/>
+                <a:gd name="T13" fmla="*/ 196 h 196"/>
+                <a:gd name="T14" fmla="*/ 280 w 280"/>
+                <a:gd name="T15" fmla="*/ 129 h 196"/>
+                <a:gd name="T16" fmla="*/ 235 w 280"/>
+                <a:gd name="T17" fmla="*/ 65 h 196"/>
+                <a:gd name="T18" fmla="*/ 147 w 280"/>
+                <a:gd name="T19" fmla="*/ 0 h 196"/>
+                <a:gd name="T20" fmla="*/ 73 w 280"/>
+                <a:gd name="T21" fmla="*/ 36 h 196"/>
+                <a:gd name="T22" fmla="*/ 137 w 280"/>
+                <a:gd name="T23" fmla="*/ 98 h 196"/>
+                <a:gd name="T24" fmla="*/ 137 w 280"/>
+                <a:gd name="T25" fmla="*/ 98 h 196"/>
+              </a:gdLst>
+              <a:ahLst/>
+              <a:cxnLst>
+                <a:cxn ang="0">
+                  <a:pos x="T0" y="T1"/>
+                </a:cxn>
+                <a:cxn ang="0">
+                  <a:pos x="T2" y="T3"/>
+                </a:cxn>
+                <a:cxn ang="0">
+                  <a:pos x="T4" y="T5"/>
+                </a:cxn>
+                <a:cxn ang="0">
+                  <a:pos x="T6" y="T7"/>
+                </a:cxn>
+                <a:cxn ang="0">
+                  <a:pos x="T8" y="T9"/>
+                </a:cxn>
+                <a:cxn ang="0">
+                  <a:pos x="T10" y="T11"/>
+                </a:cxn>
+                <a:cxn ang="0">
+                  <a:pos x="T12" y="T13"/>
+                </a:cxn>
+                <a:cxn ang="0">
+                  <a:pos x="T14" y="T15"/>
+                </a:cxn>
+                <a:cxn ang="0">
+                  <a:pos x="T16" y="T17"/>
+                </a:cxn>
+                <a:cxn ang="0">
+                  <a:pos x="T18" y="T19"/>
+                </a:cxn>
+                <a:cxn ang="0">
+                  <a:pos x="T20" y="T21"/>
+                </a:cxn>
+                <a:cxn ang="0">
+                  <a:pos x="T22" y="T23"/>
+                </a:cxn>
+                <a:cxn ang="0">
+                  <a:pos x="T24" y="T25"/>
+                </a:cxn>
+              </a:cxnLst>
+              <a:rect l="0" t="0" r="r" b="b"/>
+              <a:pathLst>
+                <a:path w="280" h="196">
+                  <a:moveTo>
+                    <a:pt x="137" y="98"/>
+                  </a:moveTo>
+                  <a:cubicBezTo>
+                    <a:pt x="137" y="98"/>
+                    <a:pt x="127" y="64"/>
+                    <a:pt x="65" y="48"/>
+                  </a:cubicBezTo>
+                  <a:cubicBezTo>
+                    <a:pt x="28" y="53"/>
+                    <a:pt x="0" y="84"/>
+                    <a:pt x="0" y="122"/>
+                  </a:cubicBezTo>
+                  <a:cubicBezTo>
+                    <a:pt x="0" y="159"/>
+                    <a:pt x="28" y="191"/>
+                    <a:pt x="64" y="196"/>
+                  </a:cubicBezTo>
+                  <a:cubicBezTo>
+                    <a:pt x="64" y="196"/>
+                    <a:pt x="64" y="196"/>
+                    <a:pt x="64" y="196"/>
+                  </a:cubicBezTo>
+                  <a:cubicBezTo>
+                    <a:pt x="215" y="196"/>
+                    <a:pt x="215" y="196"/>
+                    <a:pt x="215" y="196"/>
+                  </a:cubicBezTo>
+                  <a:cubicBezTo>
+                    <a:pt x="224" y="196"/>
+                    <a:pt x="224" y="196"/>
+                    <a:pt x="224" y="196"/>
+                  </a:cubicBezTo>
+                  <a:cubicBezTo>
+                    <a:pt x="256" y="190"/>
+                    <a:pt x="280" y="162"/>
+                    <a:pt x="280" y="129"/>
+                  </a:cubicBezTo>
+                  <a:cubicBezTo>
+                    <a:pt x="280" y="100"/>
+                    <a:pt x="262" y="75"/>
+                    <a:pt x="235" y="65"/>
+                  </a:cubicBezTo>
+                  <a:cubicBezTo>
+                    <a:pt x="223" y="26"/>
+                    <a:pt x="188" y="0"/>
+                    <a:pt x="147" y="0"/>
+                  </a:cubicBezTo>
+                  <a:cubicBezTo>
+                    <a:pt x="118" y="0"/>
+                    <a:pt x="91" y="13"/>
+                    <a:pt x="73" y="36"/>
+                  </a:cubicBezTo>
+                  <a:cubicBezTo>
+                    <a:pt x="104" y="40"/>
+                    <a:pt x="133" y="56"/>
+                    <a:pt x="137" y="98"/>
+                  </a:cubicBezTo>
+                  <a:cubicBezTo>
+                    <a:pt x="137" y="98"/>
+                    <a:pt x="137" y="98"/>
+                    <a:pt x="137" y="98"/>
+                  </a:cubicBezTo>
+                  <a:close/>
+                </a:path>
+              </a:pathLst>
+            </a:custGeom>
+            <a:solidFill>
+              <a:schemeClr val="bg1"/>
+            </a:solidFill>
+            <a:ln>
+              <a:noFill/>
+            </a:ln>
+            <a:extLst/>
+          </p:spPr>
+          <p:txBody>
+            <a:bodyPr vert="horz" wrap="square" lIns="91440" tIns="45720" rIns="91440" bIns="45720" numCol="1" anchor="t" anchorCtr="0" compatLnSpc="1">
+              <a:prstTxWarp prst="textNoShape">
+                <a:avLst/>
+              </a:prstTxWarp>
+            </a:bodyPr>
+            <a:lstStyle/>
+            <a:p>
+              <a:pPr algn="ctr">
+                <a:defRPr/>
+              </a:pPr>
+              <a:endParaRPr lang="zh-CN" altLang="en-US" sz="1000" b="1" kern="0">
+                <a:solidFill>
+                  <a:srgbClr val="000000"/>
+                </a:solidFill>
+                <a:latin typeface="Helvetica" pitchFamily="2" charset="0"/>
+                <a:ea typeface="等线" panose="02010600030101010101" pitchFamily="2" charset="-122"/>
+                <a:cs typeface="Arial" panose="020B0604020202020204" pitchFamily="34" charset="0"/>
+              </a:endParaRPr>
+            </a:p>
+          </p:txBody>
+        </p:sp>
+        <p:sp>
+          <p:nvSpPr>
+            <p:cNvPr id="39" name="文本框 38">
+              <a:extLst>
+                <a:ext uri="{FF2B5EF4-FFF2-40B4-BE49-F238E27FC236}">
+                  <a16:creationId xmlns:a16="http://schemas.microsoft.com/office/drawing/2014/main" id="{D2E6D329-004E-7D42-8CCB-58551443E317}"/>
+                </a:ext>
+              </a:extLst>
+            </p:cNvPr>
+            <p:cNvSpPr txBox="1"/>
+            <p:nvPr/>
+          </p:nvSpPr>
+          <p:spPr>
+            <a:xfrm>
+              <a:off x="915509" y="2980159"/>
+              <a:ext cx="1650500" cy="338554"/>
+            </a:xfrm>
+            <a:prstGeom prst="rect">
+              <a:avLst/>
+            </a:prstGeom>
+            <a:noFill/>
+          </p:spPr>
+          <p:txBody>
+            <a:bodyPr wrap="square" rtlCol="0">
+              <a:spAutoFit/>
+            </a:bodyPr>
+            <a:lstStyle/>
+            <a:p>
+              <a:pPr algn="ctr"/>
+              <a:r>
+                <a:rPr kumimoji="1" lang="en-US" altLang="zh-CN" sz="1600" b="1" dirty="0" err="1">
+                  <a:solidFill>
+                    <a:schemeClr val="bg1"/>
+                  </a:solidFill>
+                  <a:latin typeface="Helvetica" pitchFamily="2" charset="0"/>
+                  <a:cs typeface="Arial" panose="020B0604020202020204" pitchFamily="34" charset="0"/>
+                </a:rPr>
+                <a:t>EnOS</a:t>
+              </a:r>
+              <a:r>
+                <a:rPr kumimoji="1" lang="zh-CN" altLang="en-US" sz="1600" b="1" dirty="0">
+                  <a:solidFill>
+                    <a:schemeClr val="bg1"/>
+                  </a:solidFill>
+                  <a:latin typeface="Helvetica" pitchFamily="2" charset="0"/>
+                  <a:cs typeface="Arial" panose="020B0604020202020204" pitchFamily="34" charset="0"/>
+                </a:rPr>
+                <a:t> </a:t>
+              </a:r>
+              <a:r>
+                <a:rPr kumimoji="1" lang="en-US" altLang="zh-CN" sz="1600" b="1" dirty="0">
+                  <a:solidFill>
+                    <a:schemeClr val="bg1"/>
+                  </a:solidFill>
+                  <a:latin typeface="Helvetica" pitchFamily="2" charset="0"/>
+                  <a:cs typeface="Arial" panose="020B0604020202020204" pitchFamily="34" charset="0"/>
+                </a:rPr>
+                <a:t>Cloud</a:t>
+              </a:r>
+              <a:endParaRPr kumimoji="1" lang="zh-CN" altLang="en-US" sz="1600" b="1" dirty="0">
+                <a:solidFill>
+                  <a:schemeClr val="bg1"/>
+                </a:solidFill>
+                <a:latin typeface="Helvetica" pitchFamily="2" charset="0"/>
+                <a:cs typeface="Arial" panose="020B0604020202020204" pitchFamily="34" charset="0"/>
+              </a:endParaRPr>
+            </a:p>
+          </p:txBody>
+        </p:sp>
+        <p:cxnSp>
+          <p:nvCxnSpPr>
+            <p:cNvPr id="40" name="直线箭头连接符 39">
+              <a:extLst>
+                <a:ext uri="{FF2B5EF4-FFF2-40B4-BE49-F238E27FC236}">
+                  <a16:creationId xmlns:a16="http://schemas.microsoft.com/office/drawing/2014/main" id="{AC14BD74-18C4-5B46-B1A3-0FA5D8FD47EF}"/>
+                </a:ext>
+              </a:extLst>
+            </p:cNvPr>
+            <p:cNvCxnSpPr>
+              <a:cxnSpLocks/>
+            </p:cNvCxnSpPr>
+            <p:nvPr/>
+          </p:nvCxnSpPr>
+          <p:spPr>
+            <a:xfrm>
+              <a:off x="2684710" y="3149307"/>
+              <a:ext cx="465993" cy="0"/>
+            </a:xfrm>
+            <a:prstGeom prst="straightConnector1">
+              <a:avLst/>
+            </a:prstGeom>
+            <a:ln w="25400">
+              <a:solidFill>
+                <a:srgbClr val="737893"/>
+              </a:solidFill>
+              <a:tailEnd type="triangle"/>
+            </a:ln>
+          </p:spPr>
+          <p:style>
+            <a:lnRef idx="1">
+              <a:schemeClr val="accent1"/>
+            </a:lnRef>
+            <a:fillRef idx="0">
+              <a:schemeClr val="accent1"/>
+            </a:fillRef>
+            <a:effectRef idx="0">
+              <a:schemeClr val="accent1"/>
+            </a:effectRef>
+            <a:fontRef idx="minor">
+              <a:schemeClr val="tx1"/>
+            </a:fontRef>
+          </p:style>
+        </p:cxnSp>
+        <p:pic>
+          <p:nvPicPr>
+            <p:cNvPr id="41" name="图片 40">
+              <a:extLst>
+                <a:ext uri="{FF2B5EF4-FFF2-40B4-BE49-F238E27FC236}">
+                  <a16:creationId xmlns:a16="http://schemas.microsoft.com/office/drawing/2014/main" id="{6B022082-89B6-ED48-8CEE-C6FCA176C70C}"/>
+                </a:ext>
+              </a:extLst>
+            </p:cNvPr>
+            <p:cNvPicPr>
+              <a:picLocks noChangeAspect="1"/>
+            </p:cNvPicPr>
+            <p:nvPr/>
+          </p:nvPicPr>
+          <p:blipFill>
+            <a:blip r:embed="rId2"/>
+            <a:stretch>
+              <a:fillRect/>
+            </a:stretch>
+          </p:blipFill>
+          <p:spPr>
+            <a:xfrm flipH="1">
+              <a:off x="2586190" y="3209682"/>
+              <a:ext cx="546100" cy="177800"/>
+            </a:xfrm>
+            <a:prstGeom prst="rect">
+              <a:avLst/>
+            </a:prstGeom>
+          </p:spPr>
+        </p:pic>
+      </p:grpSp>
+    </p:spTree>
+    <p:extLst>
+      <p:ext uri="{BB962C8B-B14F-4D97-AF65-F5344CB8AC3E}">
+        <p14:creationId xmlns:p14="http://schemas.microsoft.com/office/powerpoint/2010/main" val="721683215"/>
+      </p:ext>
+    </p:extLst>
+  </p:cSld>
+  <p:clrMapOvr>
+    <a:masterClrMapping/>
+  </p:clrMapOvr>
+</p:sld>
+</file>
+
+<file path=ppt/slides/slide8.xml><?xml version="1.0" encoding="utf-8"?>
+<p:sld xmlns:a="http://schemas.openxmlformats.org/drawingml/2006/main" xmlns:r="http://schemas.openxmlformats.org/officeDocument/2006/relationships" xmlns:p="http://schemas.openxmlformats.org/presentationml/2006/main">
+  <p:cSld>
+    <p:spTree>
+      <p:nvGrpSpPr>
+        <p:cNvPr id="1" name=""/>
+        <p:cNvGrpSpPr/>
+        <p:nvPr/>
+      </p:nvGrpSpPr>
+      <p:grpSpPr>
+        <a:xfrm>
+          <a:off x="0" y="0"/>
+          <a:ext cx="0" cy="0"/>
+          <a:chOff x="0" y="0"/>
+          <a:chExt cx="0" cy="0"/>
+        </a:xfrm>
+      </p:grpSpPr>
+      <p:sp>
+        <p:nvSpPr>
+          <p:cNvPr id="18" name="TextBox 10">
+            <a:extLst>
+              <a:ext uri="{FF2B5EF4-FFF2-40B4-BE49-F238E27FC236}">
+                <a16:creationId xmlns:a16="http://schemas.microsoft.com/office/drawing/2014/main" id="{26A514DA-18C1-468B-BFB7-96F5C1B7BBE4}"/>
+              </a:ext>
+            </a:extLst>
+          </p:cNvPr>
+          <p:cNvSpPr txBox="1"/>
+          <p:nvPr/>
+        </p:nvSpPr>
+        <p:spPr>
+          <a:xfrm>
+            <a:off x="621357" y="281560"/>
+            <a:ext cx="1915861" cy="307777"/>
+          </a:xfrm>
+          <a:prstGeom prst="rect">
+            <a:avLst/>
+          </a:prstGeom>
+          <a:noFill/>
+        </p:spPr>
+        <p:txBody>
+          <a:bodyPr wrap="square" rtlCol="0">
+            <a:spAutoFit/>
+          </a:bodyPr>
+          <a:lstStyle/>
+          <a:p>
+            <a:pPr>
+              <a:defRPr/>
+            </a:pPr>
+            <a:r>
+              <a:rPr lang="en-US" sz="1400" dirty="0">
+                <a:solidFill>
+                  <a:srgbClr val="182135"/>
+                </a:solidFill>
+                <a:ea typeface="Arial" charset="0"/>
+                <a:cs typeface="Arial" charset="0"/>
+              </a:rPr>
+              <a:t>air_gapping.png</a:t>
+            </a:r>
+          </a:p>
+        </p:txBody>
+      </p:sp>
+      <p:grpSp>
+        <p:nvGrpSpPr>
+          <p:cNvPr id="4" name="组合 3">
+            <a:extLst>
+              <a:ext uri="{FF2B5EF4-FFF2-40B4-BE49-F238E27FC236}">
+                <a16:creationId xmlns:a16="http://schemas.microsoft.com/office/drawing/2014/main" id="{A096ADAD-19DC-4A4D-B9CD-271F00A26D8B}"/>
+              </a:ext>
+            </a:extLst>
+          </p:cNvPr>
+          <p:cNvGrpSpPr/>
+          <p:nvPr/>
+        </p:nvGrpSpPr>
+        <p:grpSpPr>
+          <a:xfrm>
+            <a:off x="-1180729" y="2048254"/>
+            <a:ext cx="15928431" cy="2820842"/>
+            <a:chOff x="-1180729" y="2048254"/>
+            <a:chExt cx="15928431" cy="2820842"/>
+          </a:xfrm>
+        </p:grpSpPr>
+        <p:sp>
+          <p:nvSpPr>
+            <p:cNvPr id="42" name="TextBox 10">
+              <a:extLst>
+                <a:ext uri="{FF2B5EF4-FFF2-40B4-BE49-F238E27FC236}">
+                  <a16:creationId xmlns:a16="http://schemas.microsoft.com/office/drawing/2014/main" id="{3E2162AC-6388-4EF4-88C8-C3CB51AFC0F2}"/>
+                </a:ext>
+              </a:extLst>
+            </p:cNvPr>
+            <p:cNvSpPr txBox="1"/>
+            <p:nvPr/>
+          </p:nvSpPr>
+          <p:spPr>
+            <a:xfrm>
+              <a:off x="3501372" y="4561319"/>
+              <a:ext cx="1915861" cy="307777"/>
+            </a:xfrm>
+            <a:prstGeom prst="rect">
+              <a:avLst/>
+            </a:prstGeom>
+            <a:noFill/>
+          </p:spPr>
+          <p:txBody>
+            <a:bodyPr wrap="square" rtlCol="0">
+              <a:spAutoFit/>
+            </a:bodyPr>
+            <a:lstStyle/>
+            <a:p>
+              <a:pPr>
+                <a:defRPr/>
+              </a:pPr>
+              <a:r>
+                <a:rPr lang="zh-CN" altLang="en-US" sz="1400" dirty="0">
+                  <a:solidFill>
+                    <a:srgbClr val="182135"/>
+                  </a:solidFill>
+                  <a:ea typeface="Arial" charset="0"/>
+                  <a:cs typeface="Arial" charset="0"/>
+                </a:rPr>
+                <a:t>以太网</a:t>
+              </a:r>
+              <a:endParaRPr lang="en-US" sz="1400" dirty="0">
+                <a:solidFill>
+                  <a:srgbClr val="182135"/>
+                </a:solidFill>
+                <a:ea typeface="Arial" charset="0"/>
+                <a:cs typeface="Arial" charset="0"/>
+              </a:endParaRPr>
+            </a:p>
+          </p:txBody>
+        </p:sp>
+        <p:sp>
+          <p:nvSpPr>
+            <p:cNvPr id="53" name="TextBox 10">
+              <a:extLst>
+                <a:ext uri="{FF2B5EF4-FFF2-40B4-BE49-F238E27FC236}">
+                  <a16:creationId xmlns:a16="http://schemas.microsoft.com/office/drawing/2014/main" id="{752D85B6-2A8A-4543-AAD2-4212300F2CC0}"/>
+                </a:ext>
+              </a:extLst>
+            </p:cNvPr>
+            <p:cNvSpPr txBox="1"/>
+            <p:nvPr/>
+          </p:nvSpPr>
+          <p:spPr>
+            <a:xfrm>
+              <a:off x="784649" y="2538293"/>
+              <a:ext cx="1915861" cy="307777"/>
+            </a:xfrm>
+            <a:prstGeom prst="rect">
+              <a:avLst/>
+            </a:prstGeom>
+            <a:noFill/>
+          </p:spPr>
+          <p:txBody>
+            <a:bodyPr wrap="square" rtlCol="0">
+              <a:spAutoFit/>
+            </a:bodyPr>
+            <a:lstStyle/>
+            <a:p>
+              <a:pPr>
+                <a:defRPr/>
+              </a:pPr>
+              <a:r>
+                <a:rPr lang="zh-CN" altLang="en-US" sz="1400" dirty="0">
+                  <a:solidFill>
+                    <a:srgbClr val="182135"/>
+                  </a:solidFill>
+                  <a:latin typeface="+mn-ea"/>
+                  <a:cs typeface="Arial" charset="0"/>
+                </a:rPr>
+                <a:t>以太网</a:t>
+              </a:r>
+              <a:r>
+                <a:rPr lang="en-US" altLang="zh-CN" sz="1400" dirty="0">
+                  <a:solidFill>
+                    <a:srgbClr val="182135"/>
+                  </a:solidFill>
+                  <a:latin typeface="+mn-ea"/>
+                  <a:cs typeface="Arial" charset="0"/>
+                </a:rPr>
+                <a:t>(VPN)</a:t>
+              </a:r>
+              <a:endParaRPr lang="en-US" sz="1400" dirty="0">
+                <a:solidFill>
+                  <a:srgbClr val="182135"/>
+                </a:solidFill>
+                <a:latin typeface="+mn-ea"/>
+                <a:cs typeface="Arial" charset="0"/>
+              </a:endParaRPr>
+            </a:p>
+          </p:txBody>
+        </p:sp>
+        <p:sp>
+          <p:nvSpPr>
+            <p:cNvPr id="54" name="TextBox 10">
+              <a:extLst>
+                <a:ext uri="{FF2B5EF4-FFF2-40B4-BE49-F238E27FC236}">
+                  <a16:creationId xmlns:a16="http://schemas.microsoft.com/office/drawing/2014/main" id="{FA62F34E-DA7D-4B45-908E-BCE6A683D1AA}"/>
+                </a:ext>
+              </a:extLst>
+            </p:cNvPr>
+            <p:cNvSpPr txBox="1"/>
+            <p:nvPr/>
+          </p:nvSpPr>
+          <p:spPr>
+            <a:xfrm>
+              <a:off x="3886272" y="2538293"/>
+              <a:ext cx="1915861" cy="307777"/>
+            </a:xfrm>
+            <a:prstGeom prst="rect">
+              <a:avLst/>
+            </a:prstGeom>
+            <a:noFill/>
+          </p:spPr>
+          <p:txBody>
+            <a:bodyPr wrap="square" rtlCol="0">
+              <a:spAutoFit/>
+            </a:bodyPr>
+            <a:lstStyle/>
+            <a:p>
+              <a:pPr>
+                <a:defRPr/>
+              </a:pPr>
+              <a:r>
+                <a:rPr lang="zh-CN" altLang="en-US" sz="1400" dirty="0">
+                  <a:solidFill>
+                    <a:srgbClr val="182135"/>
+                  </a:solidFill>
+                  <a:latin typeface="+mn-ea"/>
+                  <a:cs typeface="Arial" charset="0"/>
+                </a:rPr>
+                <a:t>以太网</a:t>
+              </a:r>
+              <a:endParaRPr lang="en-US" sz="1400" dirty="0">
+                <a:solidFill>
+                  <a:srgbClr val="182135"/>
+                </a:solidFill>
+                <a:latin typeface="+mn-ea"/>
+                <a:cs typeface="Arial" charset="0"/>
+              </a:endParaRPr>
+            </a:p>
+          </p:txBody>
+        </p:sp>
+        <p:sp>
+          <p:nvSpPr>
+            <p:cNvPr id="55" name="TextBox 10">
+              <a:extLst>
+                <a:ext uri="{FF2B5EF4-FFF2-40B4-BE49-F238E27FC236}">
+                  <a16:creationId xmlns:a16="http://schemas.microsoft.com/office/drawing/2014/main" id="{14B9C68D-417A-9048-9BF9-AF16DBFCCAEE}"/>
+                </a:ext>
+              </a:extLst>
+            </p:cNvPr>
+            <p:cNvSpPr txBox="1"/>
+            <p:nvPr/>
+          </p:nvSpPr>
+          <p:spPr>
+            <a:xfrm>
+              <a:off x="5405597" y="2110444"/>
+              <a:ext cx="1915861" cy="307777"/>
+            </a:xfrm>
+            <a:prstGeom prst="rect">
+              <a:avLst/>
+            </a:prstGeom>
+            <a:noFill/>
+          </p:spPr>
+          <p:txBody>
+            <a:bodyPr wrap="square" rtlCol="0">
+              <a:spAutoFit/>
+            </a:bodyPr>
+            <a:lstStyle/>
+            <a:p>
+              <a:pPr>
+                <a:defRPr/>
+              </a:pPr>
+              <a:r>
+                <a:rPr lang="zh-CN" altLang="en-US" sz="1400" dirty="0">
+                  <a:solidFill>
+                    <a:srgbClr val="182135"/>
+                  </a:solidFill>
+                  <a:latin typeface="+mn-ea"/>
+                  <a:cs typeface="Arial" charset="0"/>
+                </a:rPr>
+                <a:t>以太网</a:t>
+              </a:r>
+              <a:endParaRPr lang="en-US" sz="1400" dirty="0">
+                <a:solidFill>
+                  <a:srgbClr val="182135"/>
+                </a:solidFill>
+                <a:latin typeface="+mn-ea"/>
+                <a:cs typeface="Arial" charset="0"/>
+              </a:endParaRPr>
+            </a:p>
+          </p:txBody>
+        </p:sp>
+        <p:sp>
+          <p:nvSpPr>
+            <p:cNvPr id="56" name="矩形 55">
+              <a:extLst>
+                <a:ext uri="{FF2B5EF4-FFF2-40B4-BE49-F238E27FC236}">
+                  <a16:creationId xmlns:a16="http://schemas.microsoft.com/office/drawing/2014/main" id="{7A826465-4B23-ED46-BF93-58532B006598}"/>
+                </a:ext>
+              </a:extLst>
+            </p:cNvPr>
+            <p:cNvSpPr/>
+            <p:nvPr/>
+          </p:nvSpPr>
+          <p:spPr>
+            <a:xfrm>
+              <a:off x="1742580" y="2956684"/>
+              <a:ext cx="2106050" cy="753706"/>
+            </a:xfrm>
+            <a:prstGeom prst="rect">
+              <a:avLst/>
+            </a:prstGeom>
+            <a:solidFill>
+              <a:srgbClr val="0A6EFA"/>
+            </a:solidFill>
+            <a:ln w="12700">
+              <a:noFill/>
+            </a:ln>
+          </p:spPr>
+          <p:style>
+            <a:lnRef idx="2">
+              <a:schemeClr val="accent1">
+                <a:shade val="50000"/>
+              </a:schemeClr>
+            </a:lnRef>
+            <a:fillRef idx="1">
+              <a:schemeClr val="accent1"/>
+            </a:fillRef>
+            <a:effectRef idx="0">
+              <a:schemeClr val="accent1"/>
+            </a:effectRef>
+            <a:fontRef idx="minor">
+              <a:schemeClr val="lt1"/>
+            </a:fontRef>
+          </p:style>
+          <p:txBody>
+            <a:bodyPr rtlCol="0" anchor="ctr"/>
+            <a:lstStyle/>
+            <a:p>
+              <a:pPr algn="ctr"/>
+              <a:endParaRPr kumimoji="1" lang="zh-CN" altLang="en-US" sz="1600" dirty="0">
+                <a:solidFill>
+                  <a:schemeClr val="bg1"/>
+                </a:solidFill>
+                <a:latin typeface="Helvetica" pitchFamily="2" charset="0"/>
+                <a:cs typeface="Arial" panose="020B0604020202020204" pitchFamily="34" charset="0"/>
+              </a:endParaRPr>
+            </a:p>
+          </p:txBody>
+        </p:sp>
+        <p:sp>
+          <p:nvSpPr>
+            <p:cNvPr id="57" name="文本框 56">
+              <a:extLst>
+                <a:ext uri="{FF2B5EF4-FFF2-40B4-BE49-F238E27FC236}">
+                  <a16:creationId xmlns:a16="http://schemas.microsoft.com/office/drawing/2014/main" id="{D36AB356-1FEB-6D44-8E3E-A6712C4C851E}"/>
+                </a:ext>
+              </a:extLst>
+            </p:cNvPr>
+            <p:cNvSpPr txBox="1"/>
+            <p:nvPr/>
+          </p:nvSpPr>
+          <p:spPr>
+            <a:xfrm>
+              <a:off x="1970355" y="3177187"/>
+              <a:ext cx="1650500" cy="338554"/>
+            </a:xfrm>
+            <a:prstGeom prst="rect">
+              <a:avLst/>
+            </a:prstGeom>
+            <a:noFill/>
+          </p:spPr>
+          <p:txBody>
+            <a:bodyPr wrap="square" rtlCol="0">
+              <a:spAutoFit/>
+            </a:bodyPr>
+            <a:lstStyle/>
+            <a:p>
+              <a:pPr algn="ctr"/>
+              <a:r>
+                <a:rPr kumimoji="1" lang="en-US" altLang="zh-CN" sz="1600" b="1" dirty="0">
+                  <a:solidFill>
+                    <a:schemeClr val="bg1"/>
+                  </a:solidFill>
+                  <a:latin typeface="Helvetica" pitchFamily="2" charset="0"/>
+                  <a:cs typeface="Arial" panose="020B0604020202020204" pitchFamily="34" charset="0"/>
+                </a:rPr>
+                <a:t>Firewall</a:t>
+              </a:r>
+              <a:endParaRPr kumimoji="1" lang="zh-CN" altLang="en-US" sz="1600" b="1" dirty="0">
+                <a:solidFill>
+                  <a:schemeClr val="bg1"/>
+                </a:solidFill>
+                <a:latin typeface="Helvetica" pitchFamily="2" charset="0"/>
+                <a:cs typeface="Arial" panose="020B0604020202020204" pitchFamily="34" charset="0"/>
+              </a:endParaRPr>
+            </a:p>
+          </p:txBody>
+        </p:sp>
+        <p:sp>
+          <p:nvSpPr>
+            <p:cNvPr id="58" name="矩形 57">
+              <a:extLst>
+                <a:ext uri="{FF2B5EF4-FFF2-40B4-BE49-F238E27FC236}">
+                  <a16:creationId xmlns:a16="http://schemas.microsoft.com/office/drawing/2014/main" id="{948DC765-DACA-0745-9841-E8FE93CBDAC0}"/>
+                </a:ext>
+              </a:extLst>
+            </p:cNvPr>
+            <p:cNvSpPr/>
+            <p:nvPr/>
+          </p:nvSpPr>
+          <p:spPr>
+            <a:xfrm>
+              <a:off x="7192116" y="2202978"/>
+              <a:ext cx="2106050" cy="753706"/>
+            </a:xfrm>
+            <a:prstGeom prst="rect">
+              <a:avLst/>
+            </a:prstGeom>
+            <a:solidFill>
+              <a:srgbClr val="31C4F5"/>
+            </a:solidFill>
+            <a:ln w="12700">
+              <a:noFill/>
+            </a:ln>
+          </p:spPr>
+          <p:style>
+            <a:lnRef idx="2">
+              <a:schemeClr val="accent1">
+                <a:shade val="50000"/>
+              </a:schemeClr>
+            </a:lnRef>
+            <a:fillRef idx="1">
+              <a:schemeClr val="accent1"/>
+            </a:fillRef>
+            <a:effectRef idx="0">
+              <a:schemeClr val="accent1"/>
+            </a:effectRef>
+            <a:fontRef idx="minor">
+              <a:schemeClr val="lt1"/>
+            </a:fontRef>
+          </p:style>
+          <p:txBody>
+            <a:bodyPr rtlCol="0" anchor="ctr"/>
+            <a:lstStyle/>
+            <a:p>
+              <a:pPr algn="ctr"/>
+              <a:endParaRPr kumimoji="1" lang="zh-CN" altLang="en-US" sz="1600" dirty="0">
+                <a:solidFill>
+                  <a:schemeClr val="bg1"/>
+                </a:solidFill>
+                <a:latin typeface="Helvetica" pitchFamily="2" charset="0"/>
+                <a:cs typeface="Arial" panose="020B0604020202020204" pitchFamily="34" charset="0"/>
+              </a:endParaRPr>
+            </a:p>
+          </p:txBody>
+        </p:sp>
+        <p:sp>
+          <p:nvSpPr>
+            <p:cNvPr id="60" name="文本框 59">
+              <a:extLst>
+                <a:ext uri="{FF2B5EF4-FFF2-40B4-BE49-F238E27FC236}">
+                  <a16:creationId xmlns:a16="http://schemas.microsoft.com/office/drawing/2014/main" id="{65858869-1965-3D44-8F30-90C9327BACDD}"/>
+                </a:ext>
+              </a:extLst>
+            </p:cNvPr>
+            <p:cNvSpPr txBox="1"/>
+            <p:nvPr/>
+          </p:nvSpPr>
+          <p:spPr>
+            <a:xfrm>
+              <a:off x="7725536" y="2419802"/>
+              <a:ext cx="1050248" cy="338554"/>
+            </a:xfrm>
+            <a:prstGeom prst="rect">
+              <a:avLst/>
+            </a:prstGeom>
+            <a:noFill/>
+          </p:spPr>
+          <p:txBody>
+            <a:bodyPr wrap="square" rtlCol="0">
+              <a:spAutoFit/>
+            </a:bodyPr>
+            <a:lstStyle/>
+            <a:p>
+              <a:pPr algn="ctr"/>
+              <a:r>
+                <a:rPr kumimoji="1" lang="en-US" altLang="zh-CN" sz="1600" b="1" dirty="0">
+                  <a:solidFill>
+                    <a:schemeClr val="bg1"/>
+                  </a:solidFill>
+                  <a:latin typeface="Helvetica" pitchFamily="2" charset="0"/>
+                  <a:cs typeface="Arial" panose="020B0604020202020204" pitchFamily="34" charset="0"/>
+                </a:rPr>
+                <a:t>Air</a:t>
+              </a:r>
+              <a:r>
+                <a:rPr kumimoji="1" lang="zh-CN" altLang="en-US" sz="1600" b="1" dirty="0">
+                  <a:solidFill>
+                    <a:schemeClr val="bg1"/>
+                  </a:solidFill>
+                  <a:latin typeface="Helvetica" pitchFamily="2" charset="0"/>
+                  <a:cs typeface="Arial" panose="020B0604020202020204" pitchFamily="34" charset="0"/>
+                </a:rPr>
+                <a:t> </a:t>
+              </a:r>
+              <a:r>
+                <a:rPr kumimoji="1" lang="en-US" altLang="zh-CN" sz="1600" b="1" dirty="0">
+                  <a:solidFill>
+                    <a:schemeClr val="bg1"/>
+                  </a:solidFill>
+                  <a:latin typeface="Helvetica" pitchFamily="2" charset="0"/>
+                  <a:cs typeface="Arial" panose="020B0604020202020204" pitchFamily="34" charset="0"/>
+                </a:rPr>
+                <a:t>gap</a:t>
+              </a:r>
+              <a:endParaRPr kumimoji="1" lang="zh-CN" altLang="en-US" sz="1600" b="1" dirty="0">
+                <a:solidFill>
+                  <a:schemeClr val="bg1"/>
+                </a:solidFill>
+                <a:latin typeface="Helvetica" pitchFamily="2" charset="0"/>
+                <a:cs typeface="Arial" panose="020B0604020202020204" pitchFamily="34" charset="0"/>
+              </a:endParaRPr>
+            </a:p>
+          </p:txBody>
+        </p:sp>
+        <p:sp>
+          <p:nvSpPr>
+            <p:cNvPr id="61" name="矩形 60">
+              <a:extLst>
+                <a:ext uri="{FF2B5EF4-FFF2-40B4-BE49-F238E27FC236}">
+                  <a16:creationId xmlns:a16="http://schemas.microsoft.com/office/drawing/2014/main" id="{4B4178D8-DBC8-824F-8E2B-404BCAAC8738}"/>
+                </a:ext>
+              </a:extLst>
+            </p:cNvPr>
+            <p:cNvSpPr/>
+            <p:nvPr/>
+          </p:nvSpPr>
+          <p:spPr>
+            <a:xfrm>
+              <a:off x="4665889" y="2961088"/>
+              <a:ext cx="2106050" cy="753706"/>
+            </a:xfrm>
+            <a:prstGeom prst="rect">
+              <a:avLst/>
+            </a:prstGeom>
+            <a:solidFill>
+              <a:srgbClr val="0A6EFA"/>
+            </a:solidFill>
+            <a:ln w="12700">
+              <a:noFill/>
+            </a:ln>
+          </p:spPr>
+          <p:style>
+            <a:lnRef idx="2">
+              <a:schemeClr val="accent1">
+                <a:shade val="50000"/>
+              </a:schemeClr>
+            </a:lnRef>
+            <a:fillRef idx="1">
+              <a:schemeClr val="accent1"/>
+            </a:fillRef>
+            <a:effectRef idx="0">
+              <a:schemeClr val="accent1"/>
+            </a:effectRef>
+            <a:fontRef idx="minor">
+              <a:schemeClr val="lt1"/>
+            </a:fontRef>
+          </p:style>
+          <p:txBody>
+            <a:bodyPr rtlCol="0" anchor="ctr"/>
+            <a:lstStyle/>
+            <a:p>
+              <a:pPr algn="ctr"/>
+              <a:endParaRPr kumimoji="1" lang="zh-CN" altLang="en-US" sz="1600" dirty="0">
+                <a:solidFill>
+                  <a:schemeClr val="bg1"/>
+                </a:solidFill>
+                <a:latin typeface="Helvetica" pitchFamily="2" charset="0"/>
+                <a:cs typeface="Arial" panose="020B0604020202020204" pitchFamily="34" charset="0"/>
+              </a:endParaRPr>
+            </a:p>
+          </p:txBody>
+        </p:sp>
+        <p:sp>
+          <p:nvSpPr>
+            <p:cNvPr id="62" name="Freeform 65">
+              <a:extLst>
+                <a:ext uri="{FF2B5EF4-FFF2-40B4-BE49-F238E27FC236}">
+                  <a16:creationId xmlns:a16="http://schemas.microsoft.com/office/drawing/2014/main" id="{9ADA7874-8CDB-6B4C-A74A-EBE32259687E}"/>
+                </a:ext>
+              </a:extLst>
+            </p:cNvPr>
+            <p:cNvSpPr>
+              <a:spLocks noEditPoints="1"/>
+            </p:cNvSpPr>
+            <p:nvPr/>
+          </p:nvSpPr>
+          <p:spPr bwMode="auto">
+            <a:xfrm>
+              <a:off x="5162928" y="3177947"/>
+              <a:ext cx="394756" cy="302188"/>
+            </a:xfrm>
+            <a:custGeom>
+              <a:avLst/>
+              <a:gdLst>
+                <a:gd name="T0" fmla="*/ 179 w 661"/>
+                <a:gd name="T1" fmla="*/ 397 h 506"/>
+                <a:gd name="T2" fmla="*/ 144 w 661"/>
+                <a:gd name="T3" fmla="*/ 397 h 506"/>
+                <a:gd name="T4" fmla="*/ 144 w 661"/>
+                <a:gd name="T5" fmla="*/ 433 h 506"/>
+                <a:gd name="T6" fmla="*/ 179 w 661"/>
+                <a:gd name="T7" fmla="*/ 433 h 506"/>
+                <a:gd name="T8" fmla="*/ 179 w 661"/>
+                <a:gd name="T9" fmla="*/ 397 h 506"/>
+                <a:gd name="T10" fmla="*/ 108 w 661"/>
+                <a:gd name="T11" fmla="*/ 324 h 506"/>
+                <a:gd name="T12" fmla="*/ 70 w 661"/>
+                <a:gd name="T13" fmla="*/ 324 h 506"/>
+                <a:gd name="T14" fmla="*/ 70 w 661"/>
+                <a:gd name="T15" fmla="*/ 362 h 506"/>
+                <a:gd name="T16" fmla="*/ 108 w 661"/>
+                <a:gd name="T17" fmla="*/ 362 h 506"/>
+                <a:gd name="T18" fmla="*/ 108 w 661"/>
+                <a:gd name="T19" fmla="*/ 324 h 506"/>
+                <a:gd name="T20" fmla="*/ 108 w 661"/>
+                <a:gd name="T21" fmla="*/ 397 h 506"/>
+                <a:gd name="T22" fmla="*/ 70 w 661"/>
+                <a:gd name="T23" fmla="*/ 397 h 506"/>
+                <a:gd name="T24" fmla="*/ 70 w 661"/>
+                <a:gd name="T25" fmla="*/ 433 h 506"/>
+                <a:gd name="T26" fmla="*/ 108 w 661"/>
+                <a:gd name="T27" fmla="*/ 433 h 506"/>
+                <a:gd name="T28" fmla="*/ 108 w 661"/>
+                <a:gd name="T29" fmla="*/ 397 h 506"/>
+                <a:gd name="T30" fmla="*/ 250 w 661"/>
+                <a:gd name="T31" fmla="*/ 397 h 506"/>
+                <a:gd name="T32" fmla="*/ 215 w 661"/>
+                <a:gd name="T33" fmla="*/ 397 h 506"/>
+                <a:gd name="T34" fmla="*/ 215 w 661"/>
+                <a:gd name="T35" fmla="*/ 433 h 506"/>
+                <a:gd name="T36" fmla="*/ 250 w 661"/>
+                <a:gd name="T37" fmla="*/ 433 h 506"/>
+                <a:gd name="T38" fmla="*/ 250 w 661"/>
+                <a:gd name="T39" fmla="*/ 397 h 506"/>
+                <a:gd name="T40" fmla="*/ 179 w 661"/>
+                <a:gd name="T41" fmla="*/ 324 h 506"/>
+                <a:gd name="T42" fmla="*/ 144 w 661"/>
+                <a:gd name="T43" fmla="*/ 324 h 506"/>
+                <a:gd name="T44" fmla="*/ 144 w 661"/>
+                <a:gd name="T45" fmla="*/ 362 h 506"/>
+                <a:gd name="T46" fmla="*/ 179 w 661"/>
+                <a:gd name="T47" fmla="*/ 362 h 506"/>
+                <a:gd name="T48" fmla="*/ 179 w 661"/>
+                <a:gd name="T49" fmla="*/ 324 h 506"/>
+                <a:gd name="T50" fmla="*/ 576 w 661"/>
+                <a:gd name="T51" fmla="*/ 352 h 506"/>
+                <a:gd name="T52" fmla="*/ 432 w 661"/>
+                <a:gd name="T53" fmla="*/ 352 h 506"/>
+                <a:gd name="T54" fmla="*/ 432 w 661"/>
+                <a:gd name="T55" fmla="*/ 407 h 506"/>
+                <a:gd name="T56" fmla="*/ 576 w 661"/>
+                <a:gd name="T57" fmla="*/ 407 h 506"/>
+                <a:gd name="T58" fmla="*/ 576 w 661"/>
+                <a:gd name="T59" fmla="*/ 352 h 506"/>
+                <a:gd name="T60" fmla="*/ 661 w 661"/>
+                <a:gd name="T61" fmla="*/ 253 h 506"/>
+                <a:gd name="T62" fmla="*/ 661 w 661"/>
+                <a:gd name="T63" fmla="*/ 253 h 506"/>
+                <a:gd name="T64" fmla="*/ 543 w 661"/>
+                <a:gd name="T65" fmla="*/ 0 h 506"/>
+                <a:gd name="T66" fmla="*/ 115 w 661"/>
+                <a:gd name="T67" fmla="*/ 0 h 506"/>
+                <a:gd name="T68" fmla="*/ 0 w 661"/>
+                <a:gd name="T69" fmla="*/ 253 h 506"/>
+                <a:gd name="T70" fmla="*/ 0 w 661"/>
+                <a:gd name="T71" fmla="*/ 253 h 506"/>
+                <a:gd name="T72" fmla="*/ 0 w 661"/>
+                <a:gd name="T73" fmla="*/ 506 h 506"/>
+                <a:gd name="T74" fmla="*/ 661 w 661"/>
+                <a:gd name="T75" fmla="*/ 506 h 506"/>
+                <a:gd name="T76" fmla="*/ 661 w 661"/>
+                <a:gd name="T77" fmla="*/ 506 h 506"/>
+                <a:gd name="T78" fmla="*/ 661 w 661"/>
+                <a:gd name="T79" fmla="*/ 506 h 506"/>
+                <a:gd name="T80" fmla="*/ 661 w 661"/>
+                <a:gd name="T81" fmla="*/ 253 h 506"/>
+                <a:gd name="T82" fmla="*/ 661 w 661"/>
+                <a:gd name="T83" fmla="*/ 253 h 506"/>
+                <a:gd name="T84" fmla="*/ 626 w 661"/>
+                <a:gd name="T85" fmla="*/ 468 h 506"/>
+                <a:gd name="T86" fmla="*/ 35 w 661"/>
+                <a:gd name="T87" fmla="*/ 468 h 506"/>
+                <a:gd name="T88" fmla="*/ 35 w 661"/>
+                <a:gd name="T89" fmla="*/ 288 h 506"/>
+                <a:gd name="T90" fmla="*/ 626 w 661"/>
+                <a:gd name="T91" fmla="*/ 288 h 506"/>
+                <a:gd name="T92" fmla="*/ 626 w 661"/>
+                <a:gd name="T93" fmla="*/ 468 h 506"/>
+                <a:gd name="T94" fmla="*/ 323 w 661"/>
+                <a:gd name="T95" fmla="*/ 324 h 506"/>
+                <a:gd name="T96" fmla="*/ 288 w 661"/>
+                <a:gd name="T97" fmla="*/ 324 h 506"/>
+                <a:gd name="T98" fmla="*/ 288 w 661"/>
+                <a:gd name="T99" fmla="*/ 362 h 506"/>
+                <a:gd name="T100" fmla="*/ 323 w 661"/>
+                <a:gd name="T101" fmla="*/ 362 h 506"/>
+                <a:gd name="T102" fmla="*/ 323 w 661"/>
+                <a:gd name="T103" fmla="*/ 324 h 506"/>
+                <a:gd name="T104" fmla="*/ 323 w 661"/>
+                <a:gd name="T105" fmla="*/ 397 h 506"/>
+                <a:gd name="T106" fmla="*/ 288 w 661"/>
+                <a:gd name="T107" fmla="*/ 397 h 506"/>
+                <a:gd name="T108" fmla="*/ 288 w 661"/>
+                <a:gd name="T109" fmla="*/ 433 h 506"/>
+                <a:gd name="T110" fmla="*/ 323 w 661"/>
+                <a:gd name="T111" fmla="*/ 433 h 506"/>
+                <a:gd name="T112" fmla="*/ 323 w 661"/>
+                <a:gd name="T113" fmla="*/ 397 h 506"/>
+                <a:gd name="T114" fmla="*/ 250 w 661"/>
+                <a:gd name="T115" fmla="*/ 324 h 506"/>
+                <a:gd name="T116" fmla="*/ 215 w 661"/>
+                <a:gd name="T117" fmla="*/ 324 h 506"/>
+                <a:gd name="T118" fmla="*/ 215 w 661"/>
+                <a:gd name="T119" fmla="*/ 362 h 506"/>
+                <a:gd name="T120" fmla="*/ 250 w 661"/>
+                <a:gd name="T121" fmla="*/ 362 h 506"/>
+                <a:gd name="T122" fmla="*/ 250 w 661"/>
+                <a:gd name="T123" fmla="*/ 324 h 506"/>
+              </a:gdLst>
+              <a:ahLst/>
+              <a:cxnLst>
+                <a:cxn ang="0">
+                  <a:pos x="T0" y="T1"/>
+                </a:cxn>
+                <a:cxn ang="0">
+                  <a:pos x="T2" y="T3"/>
+                </a:cxn>
+                <a:cxn ang="0">
+                  <a:pos x="T4" y="T5"/>
+                </a:cxn>
+                <a:cxn ang="0">
+                  <a:pos x="T6" y="T7"/>
+                </a:cxn>
+                <a:cxn ang="0">
+                  <a:pos x="T8" y="T9"/>
+                </a:cxn>
+                <a:cxn ang="0">
+                  <a:pos x="T10" y="T11"/>
+                </a:cxn>
+                <a:cxn ang="0">
+                  <a:pos x="T12" y="T13"/>
+                </a:cxn>
+                <a:cxn ang="0">
+                  <a:pos x="T14" y="T15"/>
+                </a:cxn>
+                <a:cxn ang="0">
+                  <a:pos x="T16" y="T17"/>
+                </a:cxn>
+                <a:cxn ang="0">
+                  <a:pos x="T18" y="T19"/>
+                </a:cxn>
+                <a:cxn ang="0">
+                  <a:pos x="T20" y="T21"/>
+                </a:cxn>
+                <a:cxn ang="0">
+                  <a:pos x="T22" y="T23"/>
+                </a:cxn>
+                <a:cxn ang="0">
+                  <a:pos x="T24" y="T25"/>
+                </a:cxn>
+                <a:cxn ang="0">
+                  <a:pos x="T26" y="T27"/>
+                </a:cxn>
+                <a:cxn ang="0">
+                  <a:pos x="T28" y="T29"/>
+                </a:cxn>
+                <a:cxn ang="0">
+                  <a:pos x="T30" y="T31"/>
+                </a:cxn>
+                <a:cxn ang="0">
+                  <a:pos x="T32" y="T33"/>
+                </a:cxn>
+                <a:cxn ang="0">
+                  <a:pos x="T34" y="T35"/>
+                </a:cxn>
+                <a:cxn ang="0">
+                  <a:pos x="T36" y="T37"/>
+                </a:cxn>
+                <a:cxn ang="0">
+                  <a:pos x="T38" y="T39"/>
+                </a:cxn>
+                <a:cxn ang="0">
+                  <a:pos x="T40" y="T41"/>
+                </a:cxn>
+                <a:cxn ang="0">
+                  <a:pos x="T42" y="T43"/>
+                </a:cxn>
+                <a:cxn ang="0">
+                  <a:pos x="T44" y="T45"/>
+                </a:cxn>
+                <a:cxn ang="0">
+                  <a:pos x="T46" y="T47"/>
+                </a:cxn>
+                <a:cxn ang="0">
+                  <a:pos x="T48" y="T49"/>
+                </a:cxn>
+                <a:cxn ang="0">
+                  <a:pos x="T50" y="T51"/>
+                </a:cxn>
+                <a:cxn ang="0">
+                  <a:pos x="T52" y="T53"/>
+                </a:cxn>
+                <a:cxn ang="0">
+                  <a:pos x="T54" y="T55"/>
+                </a:cxn>
+                <a:cxn ang="0">
+                  <a:pos x="T56" y="T57"/>
+                </a:cxn>
+                <a:cxn ang="0">
+                  <a:pos x="T58" y="T59"/>
+                </a:cxn>
+                <a:cxn ang="0">
+                  <a:pos x="T60" y="T61"/>
+                </a:cxn>
+                <a:cxn ang="0">
+                  <a:pos x="T62" y="T63"/>
+                </a:cxn>
+                <a:cxn ang="0">
+                  <a:pos x="T64" y="T65"/>
+                </a:cxn>
+                <a:cxn ang="0">
+                  <a:pos x="T66" y="T67"/>
+                </a:cxn>
+                <a:cxn ang="0">
+                  <a:pos x="T68" y="T69"/>
+                </a:cxn>
+                <a:cxn ang="0">
+                  <a:pos x="T70" y="T71"/>
+                </a:cxn>
+                <a:cxn ang="0">
+                  <a:pos x="T72" y="T73"/>
+                </a:cxn>
+                <a:cxn ang="0">
+                  <a:pos x="T74" y="T75"/>
+                </a:cxn>
+                <a:cxn ang="0">
+                  <a:pos x="T76" y="T77"/>
+                </a:cxn>
+                <a:cxn ang="0">
+                  <a:pos x="T78" y="T79"/>
+                </a:cxn>
+                <a:cxn ang="0">
+                  <a:pos x="T80" y="T81"/>
+                </a:cxn>
+                <a:cxn ang="0">
+                  <a:pos x="T82" y="T83"/>
+                </a:cxn>
+                <a:cxn ang="0">
+                  <a:pos x="T84" y="T85"/>
+                </a:cxn>
+                <a:cxn ang="0">
+                  <a:pos x="T86" y="T87"/>
+                </a:cxn>
+                <a:cxn ang="0">
+                  <a:pos x="T88" y="T89"/>
+                </a:cxn>
+                <a:cxn ang="0">
+                  <a:pos x="T90" y="T91"/>
+                </a:cxn>
+                <a:cxn ang="0">
+                  <a:pos x="T92" y="T93"/>
+                </a:cxn>
+                <a:cxn ang="0">
+                  <a:pos x="T94" y="T95"/>
+                </a:cxn>
+                <a:cxn ang="0">
+                  <a:pos x="T96" y="T97"/>
+                </a:cxn>
+                <a:cxn ang="0">
+                  <a:pos x="T98" y="T99"/>
+                </a:cxn>
+                <a:cxn ang="0">
+                  <a:pos x="T100" y="T101"/>
+                </a:cxn>
+                <a:cxn ang="0">
+                  <a:pos x="T102" y="T103"/>
+                </a:cxn>
+                <a:cxn ang="0">
+                  <a:pos x="T104" y="T105"/>
+                </a:cxn>
+                <a:cxn ang="0">
+                  <a:pos x="T106" y="T107"/>
+                </a:cxn>
+                <a:cxn ang="0">
+                  <a:pos x="T108" y="T109"/>
+                </a:cxn>
+                <a:cxn ang="0">
+                  <a:pos x="T110" y="T111"/>
+                </a:cxn>
+                <a:cxn ang="0">
+                  <a:pos x="T112" y="T113"/>
+                </a:cxn>
+                <a:cxn ang="0">
+                  <a:pos x="T114" y="T115"/>
+                </a:cxn>
+                <a:cxn ang="0">
+                  <a:pos x="T116" y="T117"/>
+                </a:cxn>
+                <a:cxn ang="0">
+                  <a:pos x="T118" y="T119"/>
+                </a:cxn>
+                <a:cxn ang="0">
+                  <a:pos x="T120" y="T121"/>
+                </a:cxn>
+                <a:cxn ang="0">
+                  <a:pos x="T122" y="T123"/>
+                </a:cxn>
+              </a:cxnLst>
+              <a:rect l="0" t="0" r="r" b="b"/>
+              <a:pathLst>
+                <a:path w="661" h="506">
+                  <a:moveTo>
+                    <a:pt x="179" y="397"/>
+                  </a:moveTo>
+                  <a:lnTo>
+                    <a:pt x="144" y="397"/>
+                  </a:lnTo>
+                  <a:lnTo>
+                    <a:pt x="144" y="433"/>
+                  </a:lnTo>
+                  <a:lnTo>
+                    <a:pt x="179" y="433"/>
+                  </a:lnTo>
+                  <a:lnTo>
+                    <a:pt x="179" y="397"/>
+                  </a:lnTo>
+                  <a:close/>
+                  <a:moveTo>
+                    <a:pt x="108" y="324"/>
+                  </a:moveTo>
+                  <a:lnTo>
+                    <a:pt x="70" y="324"/>
+                  </a:lnTo>
+                  <a:lnTo>
+                    <a:pt x="70" y="362"/>
+                  </a:lnTo>
+                  <a:lnTo>
+                    <a:pt x="108" y="362"/>
+                  </a:lnTo>
+                  <a:lnTo>
+                    <a:pt x="108" y="324"/>
+                  </a:lnTo>
+                  <a:close/>
+                  <a:moveTo>
+                    <a:pt x="108" y="397"/>
+                  </a:moveTo>
+                  <a:lnTo>
+                    <a:pt x="70" y="397"/>
+                  </a:lnTo>
+                  <a:lnTo>
+                    <a:pt x="70" y="433"/>
+                  </a:lnTo>
+                  <a:lnTo>
+                    <a:pt x="108" y="433"/>
+                  </a:lnTo>
+                  <a:lnTo>
+                    <a:pt x="108" y="397"/>
+                  </a:lnTo>
+                  <a:close/>
+                  <a:moveTo>
+                    <a:pt x="250" y="397"/>
+                  </a:moveTo>
+                  <a:lnTo>
+                    <a:pt x="215" y="397"/>
+                  </a:lnTo>
+                  <a:lnTo>
+                    <a:pt x="215" y="433"/>
+                  </a:lnTo>
+                  <a:lnTo>
+                    <a:pt x="250" y="433"/>
+                  </a:lnTo>
+                  <a:lnTo>
+                    <a:pt x="250" y="397"/>
+                  </a:lnTo>
+                  <a:close/>
+                  <a:moveTo>
+                    <a:pt x="179" y="324"/>
+                  </a:moveTo>
+                  <a:lnTo>
+                    <a:pt x="144" y="324"/>
+                  </a:lnTo>
+                  <a:lnTo>
+                    <a:pt x="144" y="362"/>
+                  </a:lnTo>
+                  <a:lnTo>
+                    <a:pt x="179" y="362"/>
+                  </a:lnTo>
+                  <a:lnTo>
+                    <a:pt x="179" y="324"/>
+                  </a:lnTo>
+                  <a:close/>
+                  <a:moveTo>
+                    <a:pt x="576" y="352"/>
+                  </a:moveTo>
+                  <a:lnTo>
+                    <a:pt x="432" y="352"/>
+                  </a:lnTo>
+                  <a:lnTo>
+                    <a:pt x="432" y="407"/>
+                  </a:lnTo>
+                  <a:lnTo>
+                    <a:pt x="576" y="407"/>
+                  </a:lnTo>
+                  <a:lnTo>
+                    <a:pt x="576" y="352"/>
+                  </a:lnTo>
+                  <a:close/>
+                  <a:moveTo>
+                    <a:pt x="661" y="253"/>
+                  </a:moveTo>
+                  <a:lnTo>
+                    <a:pt x="661" y="253"/>
+                  </a:lnTo>
+                  <a:lnTo>
+                    <a:pt x="543" y="0"/>
+                  </a:lnTo>
+                  <a:lnTo>
+                    <a:pt x="115" y="0"/>
+                  </a:lnTo>
+                  <a:lnTo>
+                    <a:pt x="0" y="253"/>
+                  </a:lnTo>
+                  <a:lnTo>
+                    <a:pt x="0" y="253"/>
+                  </a:lnTo>
+                  <a:lnTo>
+                    <a:pt x="0" y="506"/>
+                  </a:lnTo>
+                  <a:lnTo>
+                    <a:pt x="661" y="506"/>
+                  </a:lnTo>
+                  <a:lnTo>
+                    <a:pt x="661" y="506"/>
+                  </a:lnTo>
+                  <a:lnTo>
+                    <a:pt x="661" y="506"/>
+                  </a:lnTo>
+                  <a:lnTo>
+                    <a:pt x="661" y="253"/>
+                  </a:lnTo>
+                  <a:lnTo>
+                    <a:pt x="661" y="253"/>
+                  </a:lnTo>
+                  <a:close/>
+                  <a:moveTo>
+                    <a:pt x="626" y="468"/>
+                  </a:moveTo>
+                  <a:lnTo>
+                    <a:pt x="35" y="468"/>
+                  </a:lnTo>
+                  <a:lnTo>
+                    <a:pt x="35" y="288"/>
+                  </a:lnTo>
+                  <a:lnTo>
+                    <a:pt x="626" y="288"/>
+                  </a:lnTo>
+                  <a:lnTo>
+                    <a:pt x="626" y="468"/>
+                  </a:lnTo>
+                  <a:close/>
+                  <a:moveTo>
+                    <a:pt x="323" y="324"/>
+                  </a:moveTo>
+                  <a:lnTo>
+                    <a:pt x="288" y="324"/>
+                  </a:lnTo>
+                  <a:lnTo>
+                    <a:pt x="288" y="362"/>
+                  </a:lnTo>
+                  <a:lnTo>
+                    <a:pt x="323" y="362"/>
+                  </a:lnTo>
+                  <a:lnTo>
+                    <a:pt x="323" y="324"/>
+                  </a:lnTo>
+                  <a:close/>
+                  <a:moveTo>
+                    <a:pt x="323" y="397"/>
+                  </a:moveTo>
+                  <a:lnTo>
+                    <a:pt x="288" y="397"/>
+                  </a:lnTo>
+                  <a:lnTo>
+                    <a:pt x="288" y="433"/>
+                  </a:lnTo>
+                  <a:lnTo>
+                    <a:pt x="323" y="433"/>
+                  </a:lnTo>
+                  <a:lnTo>
+                    <a:pt x="323" y="397"/>
+                  </a:lnTo>
+                  <a:close/>
+                  <a:moveTo>
+                    <a:pt x="250" y="324"/>
+                  </a:moveTo>
+                  <a:lnTo>
+                    <a:pt x="215" y="324"/>
+                  </a:lnTo>
+                  <a:lnTo>
+                    <a:pt x="215" y="362"/>
+                  </a:lnTo>
+                  <a:lnTo>
+                    <a:pt x="250" y="362"/>
+                  </a:lnTo>
+                  <a:lnTo>
+                    <a:pt x="250" y="324"/>
+                  </a:lnTo>
+                  <a:close/>
+                </a:path>
+              </a:pathLst>
+            </a:custGeom>
+            <a:solidFill>
+              <a:schemeClr val="bg1"/>
+            </a:solidFill>
+            <a:ln>
+              <a:noFill/>
+            </a:ln>
+            <a:extLst/>
+          </p:spPr>
+          <p:txBody>
+            <a:bodyPr vert="horz" wrap="square" lIns="91440" tIns="45720" rIns="91440" bIns="45720" numCol="1" anchor="t" anchorCtr="0" compatLnSpc="1">
+              <a:prstTxWarp prst="textNoShape">
+                <a:avLst/>
+              </a:prstTxWarp>
+            </a:bodyPr>
+            <a:lstStyle/>
+            <a:p>
+              <a:pPr algn="ctr">
+                <a:defRPr/>
+              </a:pPr>
+              <a:endParaRPr lang="zh-CN" altLang="en-US" sz="1000" b="1" kern="0" dirty="0">
+                <a:solidFill>
+                  <a:srgbClr val="000000"/>
+                </a:solidFill>
+                <a:ea typeface="等线" panose="02010600030101010101" pitchFamily="2" charset="-122"/>
+                <a:cs typeface="Arial" panose="020B0604020202020204" pitchFamily="34" charset="0"/>
+              </a:endParaRPr>
+            </a:p>
+          </p:txBody>
+        </p:sp>
+        <p:sp>
+          <p:nvSpPr>
+            <p:cNvPr id="63" name="文本框 62">
+              <a:extLst>
+                <a:ext uri="{FF2B5EF4-FFF2-40B4-BE49-F238E27FC236}">
+                  <a16:creationId xmlns:a16="http://schemas.microsoft.com/office/drawing/2014/main" id="{38AA3EE2-AE9D-2746-AAF5-9489CFFFF1E1}"/>
+                </a:ext>
+              </a:extLst>
+            </p:cNvPr>
+            <p:cNvSpPr txBox="1"/>
+            <p:nvPr/>
+          </p:nvSpPr>
+          <p:spPr>
+            <a:xfrm>
+              <a:off x="5147877" y="3213514"/>
+              <a:ext cx="1650500" cy="338554"/>
+            </a:xfrm>
+            <a:prstGeom prst="rect">
+              <a:avLst/>
+            </a:prstGeom>
+            <a:noFill/>
+          </p:spPr>
+          <p:txBody>
+            <a:bodyPr wrap="square" rtlCol="0">
+              <a:spAutoFit/>
+            </a:bodyPr>
+            <a:lstStyle/>
+            <a:p>
+              <a:pPr algn="ctr"/>
+              <a:r>
+                <a:rPr kumimoji="1" lang="en-US" altLang="zh-CN" sz="1600" b="1" dirty="0">
+                  <a:solidFill>
+                    <a:schemeClr val="bg1"/>
+                  </a:solidFill>
+                  <a:latin typeface="Helvetica" pitchFamily="2" charset="0"/>
+                  <a:cs typeface="Arial" panose="020B0604020202020204" pitchFamily="34" charset="0"/>
+                </a:rPr>
+                <a:t>Edge</a:t>
+              </a:r>
+              <a:endParaRPr kumimoji="1" lang="zh-CN" altLang="en-US" sz="1600" b="1" dirty="0">
+                <a:solidFill>
+                  <a:schemeClr val="bg1"/>
+                </a:solidFill>
+                <a:latin typeface="Helvetica" pitchFamily="2" charset="0"/>
+                <a:cs typeface="Arial" panose="020B0604020202020204" pitchFamily="34" charset="0"/>
+              </a:endParaRPr>
+            </a:p>
+          </p:txBody>
+        </p:sp>
+        <p:cxnSp>
+          <p:nvCxnSpPr>
+            <p:cNvPr id="64" name="直线箭头连接符 63">
+              <a:extLst>
+                <a:ext uri="{FF2B5EF4-FFF2-40B4-BE49-F238E27FC236}">
+                  <a16:creationId xmlns:a16="http://schemas.microsoft.com/office/drawing/2014/main" id="{FDE2826F-FC55-294D-9463-93562B93D50B}"/>
+                </a:ext>
+              </a:extLst>
+            </p:cNvPr>
+            <p:cNvCxnSpPr>
+              <a:cxnSpLocks/>
+            </p:cNvCxnSpPr>
+            <p:nvPr/>
+          </p:nvCxnSpPr>
+          <p:spPr>
+            <a:xfrm>
+              <a:off x="4022653" y="3366466"/>
+              <a:ext cx="465993" cy="0"/>
+            </a:xfrm>
+            <a:prstGeom prst="straightConnector1">
+              <a:avLst/>
+            </a:prstGeom>
+            <a:ln w="25400">
+              <a:solidFill>
+                <a:srgbClr val="737893"/>
+              </a:solidFill>
+              <a:tailEnd type="triangle"/>
+            </a:ln>
+          </p:spPr>
+          <p:style>
+            <a:lnRef idx="1">
+              <a:schemeClr val="accent1"/>
+            </a:lnRef>
+            <a:fillRef idx="0">
+              <a:schemeClr val="accent1"/>
+            </a:fillRef>
+            <a:effectRef idx="0">
+              <a:schemeClr val="accent1"/>
+            </a:effectRef>
+            <a:fontRef idx="minor">
+              <a:schemeClr val="tx1"/>
+            </a:fontRef>
+          </p:style>
+        </p:cxnSp>
+        <p:pic>
+          <p:nvPicPr>
+            <p:cNvPr id="67" name="图片 66">
+              <a:extLst>
+                <a:ext uri="{FF2B5EF4-FFF2-40B4-BE49-F238E27FC236}">
+                  <a16:creationId xmlns:a16="http://schemas.microsoft.com/office/drawing/2014/main" id="{0E79A253-88E9-CE4C-9E38-4FF2E09B0EB8}"/>
+                </a:ext>
+              </a:extLst>
+            </p:cNvPr>
+            <p:cNvPicPr>
+              <a:picLocks noChangeAspect="1"/>
+            </p:cNvPicPr>
+            <p:nvPr/>
+          </p:nvPicPr>
+          <p:blipFill>
+            <a:blip r:embed="rId2"/>
+            <a:stretch>
+              <a:fillRect/>
+            </a:stretch>
+          </p:blipFill>
+          <p:spPr>
+            <a:xfrm flipH="1">
+              <a:off x="3924133" y="3426841"/>
+              <a:ext cx="546100" cy="177800"/>
+            </a:xfrm>
+            <a:prstGeom prst="rect">
+              <a:avLst/>
+            </a:prstGeom>
+          </p:spPr>
+        </p:pic>
+        <p:sp>
+          <p:nvSpPr>
+            <p:cNvPr id="68" name="矩形 67">
+              <a:extLst>
+                <a:ext uri="{FF2B5EF4-FFF2-40B4-BE49-F238E27FC236}">
+                  <a16:creationId xmlns:a16="http://schemas.microsoft.com/office/drawing/2014/main" id="{0CFADED2-69B3-5A4A-81EC-FBC4022DF99D}"/>
+                </a:ext>
+              </a:extLst>
+            </p:cNvPr>
+            <p:cNvSpPr/>
+            <p:nvPr/>
+          </p:nvSpPr>
+          <p:spPr>
+            <a:xfrm>
+              <a:off x="-1180729" y="2956684"/>
+              <a:ext cx="2106050" cy="753706"/>
+            </a:xfrm>
+            <a:prstGeom prst="rect">
+              <a:avLst/>
+            </a:prstGeom>
+            <a:solidFill>
+              <a:srgbClr val="0A6EFA"/>
+            </a:solidFill>
+            <a:ln w="12700">
+              <a:noFill/>
+            </a:ln>
+          </p:spPr>
+          <p:style>
+            <a:lnRef idx="2">
+              <a:schemeClr val="accent1">
+                <a:shade val="50000"/>
+              </a:schemeClr>
+            </a:lnRef>
+            <a:fillRef idx="1">
+              <a:schemeClr val="accent1"/>
+            </a:fillRef>
+            <a:effectRef idx="0">
+              <a:schemeClr val="accent1"/>
+            </a:effectRef>
+            <a:fontRef idx="minor">
+              <a:schemeClr val="lt1"/>
+            </a:fontRef>
+          </p:style>
+          <p:txBody>
+            <a:bodyPr rtlCol="0" anchor="ctr"/>
+            <a:lstStyle/>
+            <a:p>
+              <a:pPr algn="ctr"/>
+              <a:endParaRPr kumimoji="1" lang="zh-CN" altLang="en-US" sz="1600" dirty="0">
+                <a:solidFill>
+                  <a:schemeClr val="bg1"/>
+                </a:solidFill>
+                <a:latin typeface="Helvetica" pitchFamily="2" charset="0"/>
+                <a:cs typeface="Arial" panose="020B0604020202020204" pitchFamily="34" charset="0"/>
+              </a:endParaRPr>
+            </a:p>
+          </p:txBody>
+        </p:sp>
+        <p:sp>
+          <p:nvSpPr>
+            <p:cNvPr id="69" name="Freeform 64">
+              <a:extLst>
+                <a:ext uri="{FF2B5EF4-FFF2-40B4-BE49-F238E27FC236}">
+                  <a16:creationId xmlns:a16="http://schemas.microsoft.com/office/drawing/2014/main" id="{28BD0261-76D0-894F-9B84-12868F0BCD1D}"/>
+                </a:ext>
+              </a:extLst>
+            </p:cNvPr>
+            <p:cNvSpPr>
+              <a:spLocks/>
+            </p:cNvSpPr>
+            <p:nvPr/>
+          </p:nvSpPr>
+          <p:spPr bwMode="auto">
+            <a:xfrm>
+              <a:off x="-1004770" y="3213514"/>
+              <a:ext cx="395353" cy="277106"/>
+            </a:xfrm>
+            <a:custGeom>
+              <a:avLst/>
+              <a:gdLst>
+                <a:gd name="T0" fmla="*/ 137 w 280"/>
+                <a:gd name="T1" fmla="*/ 98 h 196"/>
+                <a:gd name="T2" fmla="*/ 65 w 280"/>
+                <a:gd name="T3" fmla="*/ 48 h 196"/>
+                <a:gd name="T4" fmla="*/ 0 w 280"/>
+                <a:gd name="T5" fmla="*/ 122 h 196"/>
+                <a:gd name="T6" fmla="*/ 64 w 280"/>
+                <a:gd name="T7" fmla="*/ 196 h 196"/>
+                <a:gd name="T8" fmla="*/ 64 w 280"/>
+                <a:gd name="T9" fmla="*/ 196 h 196"/>
+                <a:gd name="T10" fmla="*/ 215 w 280"/>
+                <a:gd name="T11" fmla="*/ 196 h 196"/>
+                <a:gd name="T12" fmla="*/ 224 w 280"/>
+                <a:gd name="T13" fmla="*/ 196 h 196"/>
+                <a:gd name="T14" fmla="*/ 280 w 280"/>
+                <a:gd name="T15" fmla="*/ 129 h 196"/>
+                <a:gd name="T16" fmla="*/ 235 w 280"/>
+                <a:gd name="T17" fmla="*/ 65 h 196"/>
+                <a:gd name="T18" fmla="*/ 147 w 280"/>
+                <a:gd name="T19" fmla="*/ 0 h 196"/>
+                <a:gd name="T20" fmla="*/ 73 w 280"/>
+                <a:gd name="T21" fmla="*/ 36 h 196"/>
+                <a:gd name="T22" fmla="*/ 137 w 280"/>
+                <a:gd name="T23" fmla="*/ 98 h 196"/>
+                <a:gd name="T24" fmla="*/ 137 w 280"/>
+                <a:gd name="T25" fmla="*/ 98 h 196"/>
+              </a:gdLst>
+              <a:ahLst/>
+              <a:cxnLst>
+                <a:cxn ang="0">
+                  <a:pos x="T0" y="T1"/>
+                </a:cxn>
+                <a:cxn ang="0">
+                  <a:pos x="T2" y="T3"/>
+                </a:cxn>
+                <a:cxn ang="0">
+                  <a:pos x="T4" y="T5"/>
+                </a:cxn>
+                <a:cxn ang="0">
+                  <a:pos x="T6" y="T7"/>
+                </a:cxn>
+                <a:cxn ang="0">
+                  <a:pos x="T8" y="T9"/>
+                </a:cxn>
+                <a:cxn ang="0">
+                  <a:pos x="T10" y="T11"/>
+                </a:cxn>
+                <a:cxn ang="0">
+                  <a:pos x="T12" y="T13"/>
+                </a:cxn>
+                <a:cxn ang="0">
+                  <a:pos x="T14" y="T15"/>
+                </a:cxn>
+                <a:cxn ang="0">
+                  <a:pos x="T16" y="T17"/>
+                </a:cxn>
+                <a:cxn ang="0">
+                  <a:pos x="T18" y="T19"/>
+                </a:cxn>
+                <a:cxn ang="0">
+                  <a:pos x="T20" y="T21"/>
+                </a:cxn>
+                <a:cxn ang="0">
+                  <a:pos x="T22" y="T23"/>
+                </a:cxn>
+                <a:cxn ang="0">
+                  <a:pos x="T24" y="T25"/>
+                </a:cxn>
+              </a:cxnLst>
+              <a:rect l="0" t="0" r="r" b="b"/>
+              <a:pathLst>
+                <a:path w="280" h="196">
+                  <a:moveTo>
+                    <a:pt x="137" y="98"/>
+                  </a:moveTo>
+                  <a:cubicBezTo>
+                    <a:pt x="137" y="98"/>
+                    <a:pt x="127" y="64"/>
+                    <a:pt x="65" y="48"/>
+                  </a:cubicBezTo>
+                  <a:cubicBezTo>
+                    <a:pt x="28" y="53"/>
+                    <a:pt x="0" y="84"/>
+                    <a:pt x="0" y="122"/>
+                  </a:cubicBezTo>
+                  <a:cubicBezTo>
+                    <a:pt x="0" y="159"/>
+                    <a:pt x="28" y="191"/>
+                    <a:pt x="64" y="196"/>
+                  </a:cubicBezTo>
+                  <a:cubicBezTo>
+                    <a:pt x="64" y="196"/>
+                    <a:pt x="64" y="196"/>
+                    <a:pt x="64" y="196"/>
+                  </a:cubicBezTo>
+                  <a:cubicBezTo>
+                    <a:pt x="215" y="196"/>
+                    <a:pt x="215" y="196"/>
+                    <a:pt x="215" y="196"/>
+                  </a:cubicBezTo>
+                  <a:cubicBezTo>
+                    <a:pt x="224" y="196"/>
+                    <a:pt x="224" y="196"/>
+                    <a:pt x="224" y="196"/>
+                  </a:cubicBezTo>
+                  <a:cubicBezTo>
+                    <a:pt x="256" y="190"/>
+                    <a:pt x="280" y="162"/>
+                    <a:pt x="280" y="129"/>
+                  </a:cubicBezTo>
+                  <a:cubicBezTo>
+                    <a:pt x="280" y="100"/>
+                    <a:pt x="262" y="75"/>
+                    <a:pt x="235" y="65"/>
+                  </a:cubicBezTo>
+                  <a:cubicBezTo>
+                    <a:pt x="223" y="26"/>
+                    <a:pt x="188" y="0"/>
+                    <a:pt x="147" y="0"/>
+                  </a:cubicBezTo>
+                  <a:cubicBezTo>
+                    <a:pt x="118" y="0"/>
+                    <a:pt x="91" y="13"/>
+                    <a:pt x="73" y="36"/>
+                  </a:cubicBezTo>
+                  <a:cubicBezTo>
+                    <a:pt x="104" y="40"/>
+                    <a:pt x="133" y="56"/>
+                    <a:pt x="137" y="98"/>
+                  </a:cubicBezTo>
+                  <a:cubicBezTo>
+                    <a:pt x="137" y="98"/>
+                    <a:pt x="137" y="98"/>
+                    <a:pt x="137" y="98"/>
+                  </a:cubicBezTo>
+                  <a:close/>
+                </a:path>
+              </a:pathLst>
+            </a:custGeom>
+            <a:solidFill>
+              <a:schemeClr val="bg1"/>
+            </a:solidFill>
+            <a:ln>
+              <a:noFill/>
+            </a:ln>
+            <a:extLst/>
+          </p:spPr>
+          <p:txBody>
+            <a:bodyPr vert="horz" wrap="square" lIns="91440" tIns="45720" rIns="91440" bIns="45720" numCol="1" anchor="t" anchorCtr="0" compatLnSpc="1">
+              <a:prstTxWarp prst="textNoShape">
+                <a:avLst/>
+              </a:prstTxWarp>
+            </a:bodyPr>
+            <a:lstStyle/>
+            <a:p>
+              <a:pPr algn="ctr">
+                <a:defRPr/>
+              </a:pPr>
+              <a:endParaRPr lang="zh-CN" altLang="en-US" sz="1000" b="1" kern="0">
+                <a:solidFill>
+                  <a:srgbClr val="000000"/>
+                </a:solidFill>
+                <a:latin typeface="Helvetica" pitchFamily="2" charset="0"/>
+                <a:ea typeface="等线" panose="02010600030101010101" pitchFamily="2" charset="-122"/>
+                <a:cs typeface="Arial" panose="020B0604020202020204" pitchFamily="34" charset="0"/>
+              </a:endParaRPr>
+            </a:p>
+          </p:txBody>
+        </p:sp>
+        <p:sp>
+          <p:nvSpPr>
+            <p:cNvPr id="70" name="文本框 69">
+              <a:extLst>
+                <a:ext uri="{FF2B5EF4-FFF2-40B4-BE49-F238E27FC236}">
+                  <a16:creationId xmlns:a16="http://schemas.microsoft.com/office/drawing/2014/main" id="{3CF9076F-8F19-1245-8697-4BCB26B53632}"/>
+                </a:ext>
+              </a:extLst>
+            </p:cNvPr>
+            <p:cNvSpPr txBox="1"/>
+            <p:nvPr/>
+          </p:nvSpPr>
+          <p:spPr>
+            <a:xfrm>
+              <a:off x="-669857" y="3197318"/>
+              <a:ext cx="1650500" cy="338554"/>
+            </a:xfrm>
+            <a:prstGeom prst="rect">
+              <a:avLst/>
+            </a:prstGeom>
+            <a:noFill/>
+          </p:spPr>
+          <p:txBody>
+            <a:bodyPr wrap="square" rtlCol="0">
+              <a:spAutoFit/>
+            </a:bodyPr>
+            <a:lstStyle/>
+            <a:p>
+              <a:pPr algn="ctr"/>
+              <a:r>
+                <a:rPr kumimoji="1" lang="en-US" altLang="zh-CN" sz="1600" b="1" dirty="0" err="1">
+                  <a:solidFill>
+                    <a:schemeClr val="bg1"/>
+                  </a:solidFill>
+                  <a:latin typeface="Helvetica" pitchFamily="2" charset="0"/>
+                  <a:cs typeface="Arial" panose="020B0604020202020204" pitchFamily="34" charset="0"/>
+                </a:rPr>
+                <a:t>EnOS</a:t>
+              </a:r>
+              <a:r>
+                <a:rPr kumimoji="1" lang="zh-CN" altLang="en-US" sz="1600" b="1" dirty="0">
+                  <a:solidFill>
+                    <a:schemeClr val="bg1"/>
+                  </a:solidFill>
+                  <a:latin typeface="Helvetica" pitchFamily="2" charset="0"/>
+                  <a:cs typeface="Arial" panose="020B0604020202020204" pitchFamily="34" charset="0"/>
+                </a:rPr>
+                <a:t> </a:t>
+              </a:r>
+              <a:r>
+                <a:rPr kumimoji="1" lang="en-US" altLang="zh-CN" sz="1600" b="1" dirty="0">
+                  <a:solidFill>
+                    <a:schemeClr val="bg1"/>
+                  </a:solidFill>
+                  <a:latin typeface="Helvetica" pitchFamily="2" charset="0"/>
+                  <a:cs typeface="Arial" panose="020B0604020202020204" pitchFamily="34" charset="0"/>
+                </a:rPr>
+                <a:t>Cloud</a:t>
+              </a:r>
+              <a:endParaRPr kumimoji="1" lang="zh-CN" altLang="en-US" sz="1600" b="1" dirty="0">
+                <a:solidFill>
+                  <a:schemeClr val="bg1"/>
+                </a:solidFill>
+                <a:latin typeface="Helvetica" pitchFamily="2" charset="0"/>
+                <a:cs typeface="Arial" panose="020B0604020202020204" pitchFamily="34" charset="0"/>
+              </a:endParaRPr>
+            </a:p>
+          </p:txBody>
+        </p:sp>
+        <p:cxnSp>
+          <p:nvCxnSpPr>
+            <p:cNvPr id="71" name="直线箭头连接符 70">
+              <a:extLst>
+                <a:ext uri="{FF2B5EF4-FFF2-40B4-BE49-F238E27FC236}">
+                  <a16:creationId xmlns:a16="http://schemas.microsoft.com/office/drawing/2014/main" id="{5D5694DC-5457-BC4B-9E85-01B59FD835B5}"/>
+                </a:ext>
+              </a:extLst>
+            </p:cNvPr>
+            <p:cNvCxnSpPr>
+              <a:cxnSpLocks/>
+            </p:cNvCxnSpPr>
+            <p:nvPr/>
+          </p:nvCxnSpPr>
+          <p:spPr>
+            <a:xfrm>
+              <a:off x="1099344" y="3366466"/>
+              <a:ext cx="465993" cy="0"/>
+            </a:xfrm>
+            <a:prstGeom prst="straightConnector1">
+              <a:avLst/>
+            </a:prstGeom>
+            <a:ln w="25400">
+              <a:solidFill>
+                <a:srgbClr val="737893"/>
+              </a:solidFill>
+              <a:tailEnd type="triangle"/>
+            </a:ln>
+          </p:spPr>
+          <p:style>
+            <a:lnRef idx="1">
+              <a:schemeClr val="accent1"/>
+            </a:lnRef>
+            <a:fillRef idx="0">
+              <a:schemeClr val="accent1"/>
+            </a:fillRef>
+            <a:effectRef idx="0">
+              <a:schemeClr val="accent1"/>
+            </a:effectRef>
+            <a:fontRef idx="minor">
+              <a:schemeClr val="tx1"/>
+            </a:fontRef>
+          </p:style>
+        </p:cxnSp>
+        <p:pic>
+          <p:nvPicPr>
+            <p:cNvPr id="72" name="图片 71">
+              <a:extLst>
+                <a:ext uri="{FF2B5EF4-FFF2-40B4-BE49-F238E27FC236}">
+                  <a16:creationId xmlns:a16="http://schemas.microsoft.com/office/drawing/2014/main" id="{CDE036FD-4A9B-2742-BCD1-236C369D0807}"/>
+                </a:ext>
+              </a:extLst>
+            </p:cNvPr>
+            <p:cNvPicPr>
+              <a:picLocks noChangeAspect="1"/>
+            </p:cNvPicPr>
+            <p:nvPr/>
+          </p:nvPicPr>
+          <p:blipFill>
+            <a:blip r:embed="rId2"/>
+            <a:stretch>
+              <a:fillRect/>
+            </a:stretch>
+          </p:blipFill>
+          <p:spPr>
+            <a:xfrm flipH="1">
+              <a:off x="1000824" y="3426841"/>
+              <a:ext cx="546100" cy="177800"/>
+            </a:xfrm>
+            <a:prstGeom prst="rect">
+              <a:avLst/>
+            </a:prstGeom>
+          </p:spPr>
+        </p:pic>
+        <p:sp>
+          <p:nvSpPr>
+            <p:cNvPr id="73" name="TextBox 10">
+              <a:extLst>
+                <a:ext uri="{FF2B5EF4-FFF2-40B4-BE49-F238E27FC236}">
+                  <a16:creationId xmlns:a16="http://schemas.microsoft.com/office/drawing/2014/main" id="{DF290EE6-04FB-FF45-92D7-91195520D97F}"/>
+                </a:ext>
+              </a:extLst>
+            </p:cNvPr>
+            <p:cNvSpPr txBox="1"/>
+            <p:nvPr/>
+          </p:nvSpPr>
+          <p:spPr>
+            <a:xfrm>
+              <a:off x="11522406" y="2533280"/>
+              <a:ext cx="1915861" cy="307777"/>
+            </a:xfrm>
+            <a:prstGeom prst="rect">
+              <a:avLst/>
+            </a:prstGeom>
+            <a:noFill/>
+          </p:spPr>
+          <p:txBody>
+            <a:bodyPr wrap="square" rtlCol="0">
+              <a:spAutoFit/>
+            </a:bodyPr>
+            <a:lstStyle/>
+            <a:p>
+              <a:pPr>
+                <a:defRPr/>
+              </a:pPr>
+              <a:r>
+                <a:rPr lang="zh-CN" altLang="en-US" sz="1400" dirty="0">
+                  <a:solidFill>
+                    <a:srgbClr val="182135"/>
+                  </a:solidFill>
+                  <a:latin typeface="+mn-ea"/>
+                  <a:cs typeface="Arial" charset="0"/>
+                </a:rPr>
+                <a:t>以太网</a:t>
+              </a:r>
+              <a:r>
+                <a:rPr lang="en-US" altLang="zh-CN" sz="1400" dirty="0">
+                  <a:solidFill>
+                    <a:srgbClr val="182135"/>
+                  </a:solidFill>
+                  <a:latin typeface="+mn-ea"/>
+                  <a:cs typeface="Arial" charset="0"/>
+                </a:rPr>
+                <a:t>/RS485</a:t>
+              </a:r>
+              <a:r>
+                <a:rPr lang="zh-CN" altLang="en-US" sz="1400" dirty="0">
+                  <a:solidFill>
+                    <a:srgbClr val="182135"/>
+                  </a:solidFill>
+                  <a:latin typeface="+mn-ea"/>
+                  <a:cs typeface="Arial" charset="0"/>
+                </a:rPr>
+                <a:t>串口</a:t>
+              </a:r>
+              <a:endParaRPr lang="en-US" sz="1400" dirty="0">
+                <a:solidFill>
+                  <a:srgbClr val="182135"/>
+                </a:solidFill>
+                <a:latin typeface="+mn-ea"/>
+                <a:cs typeface="Arial" charset="0"/>
+              </a:endParaRPr>
+            </a:p>
+          </p:txBody>
+        </p:sp>
+        <p:sp>
+          <p:nvSpPr>
+            <p:cNvPr id="74" name="矩形 73">
+              <a:extLst>
+                <a:ext uri="{FF2B5EF4-FFF2-40B4-BE49-F238E27FC236}">
+                  <a16:creationId xmlns:a16="http://schemas.microsoft.com/office/drawing/2014/main" id="{8C075774-9EA5-CC49-B9AA-0EB006A8DE28}"/>
+                </a:ext>
+              </a:extLst>
+            </p:cNvPr>
+            <p:cNvSpPr/>
+            <p:nvPr/>
+          </p:nvSpPr>
+          <p:spPr>
+            <a:xfrm>
+              <a:off x="12641652" y="2951671"/>
+              <a:ext cx="2106050" cy="753706"/>
+            </a:xfrm>
+            <a:prstGeom prst="rect">
+              <a:avLst/>
+            </a:prstGeom>
+            <a:solidFill>
+              <a:srgbClr val="0A6EFA"/>
+            </a:solidFill>
+            <a:ln w="12700">
+              <a:noFill/>
+            </a:ln>
+          </p:spPr>
+          <p:style>
+            <a:lnRef idx="2">
+              <a:schemeClr val="accent1">
+                <a:shade val="50000"/>
+              </a:schemeClr>
+            </a:lnRef>
+            <a:fillRef idx="1">
+              <a:schemeClr val="accent1"/>
+            </a:fillRef>
+            <a:effectRef idx="0">
+              <a:schemeClr val="accent1"/>
+            </a:effectRef>
+            <a:fontRef idx="minor">
+              <a:schemeClr val="lt1"/>
+            </a:fontRef>
+          </p:style>
+          <p:txBody>
+            <a:bodyPr rtlCol="0" anchor="ctr"/>
+            <a:lstStyle/>
+            <a:p>
+              <a:pPr algn="ctr"/>
+              <a:endParaRPr kumimoji="1" lang="zh-CN" altLang="en-US" sz="1600" dirty="0">
+                <a:solidFill>
+                  <a:schemeClr val="bg1"/>
+                </a:solidFill>
+                <a:latin typeface="Helvetica" pitchFamily="2" charset="0"/>
+                <a:cs typeface="Arial" panose="020B0604020202020204" pitchFamily="34" charset="0"/>
+              </a:endParaRPr>
+            </a:p>
+          </p:txBody>
+        </p:sp>
+        <p:sp>
+          <p:nvSpPr>
+            <p:cNvPr id="75" name="Freeform 66">
+              <a:extLst>
+                <a:ext uri="{FF2B5EF4-FFF2-40B4-BE49-F238E27FC236}">
+                  <a16:creationId xmlns:a16="http://schemas.microsoft.com/office/drawing/2014/main" id="{668B8F73-380A-6442-954D-3E099187CC5D}"/>
+                </a:ext>
+              </a:extLst>
+            </p:cNvPr>
+            <p:cNvSpPr>
+              <a:spLocks noEditPoints="1"/>
+            </p:cNvSpPr>
+            <p:nvPr/>
+          </p:nvSpPr>
+          <p:spPr bwMode="auto">
+            <a:xfrm>
+              <a:off x="13152442" y="3137299"/>
+              <a:ext cx="392367" cy="339215"/>
+            </a:xfrm>
+            <a:custGeom>
+              <a:avLst/>
+              <a:gdLst>
+                <a:gd name="T0" fmla="*/ 0 w 278"/>
+                <a:gd name="T1" fmla="*/ 160 h 240"/>
+                <a:gd name="T2" fmla="*/ 0 w 278"/>
+                <a:gd name="T3" fmla="*/ 240 h 240"/>
+                <a:gd name="T4" fmla="*/ 278 w 278"/>
+                <a:gd name="T5" fmla="*/ 240 h 240"/>
+                <a:gd name="T6" fmla="*/ 278 w 278"/>
+                <a:gd name="T7" fmla="*/ 160 h 240"/>
+                <a:gd name="T8" fmla="*/ 0 w 278"/>
+                <a:gd name="T9" fmla="*/ 160 h 240"/>
+                <a:gd name="T10" fmla="*/ 40 w 278"/>
+                <a:gd name="T11" fmla="*/ 200 h 240"/>
+                <a:gd name="T12" fmla="*/ 16 w 278"/>
+                <a:gd name="T13" fmla="*/ 200 h 240"/>
+                <a:gd name="T14" fmla="*/ 16 w 278"/>
+                <a:gd name="T15" fmla="*/ 177 h 240"/>
+                <a:gd name="T16" fmla="*/ 40 w 278"/>
+                <a:gd name="T17" fmla="*/ 177 h 240"/>
+                <a:gd name="T18" fmla="*/ 40 w 278"/>
+                <a:gd name="T19" fmla="*/ 200 h 240"/>
+                <a:gd name="T20" fmla="*/ 175 w 278"/>
+                <a:gd name="T21" fmla="*/ 224 h 240"/>
+                <a:gd name="T22" fmla="*/ 152 w 278"/>
+                <a:gd name="T23" fmla="*/ 224 h 240"/>
+                <a:gd name="T24" fmla="*/ 152 w 278"/>
+                <a:gd name="T25" fmla="*/ 177 h 240"/>
+                <a:gd name="T26" fmla="*/ 175 w 278"/>
+                <a:gd name="T27" fmla="*/ 177 h 240"/>
+                <a:gd name="T28" fmla="*/ 175 w 278"/>
+                <a:gd name="T29" fmla="*/ 224 h 240"/>
+                <a:gd name="T30" fmla="*/ 218 w 278"/>
+                <a:gd name="T31" fmla="*/ 224 h 240"/>
+                <a:gd name="T32" fmla="*/ 195 w 278"/>
+                <a:gd name="T33" fmla="*/ 224 h 240"/>
+                <a:gd name="T34" fmla="*/ 195 w 278"/>
+                <a:gd name="T35" fmla="*/ 177 h 240"/>
+                <a:gd name="T36" fmla="*/ 218 w 278"/>
+                <a:gd name="T37" fmla="*/ 177 h 240"/>
+                <a:gd name="T38" fmla="*/ 218 w 278"/>
+                <a:gd name="T39" fmla="*/ 224 h 240"/>
+                <a:gd name="T40" fmla="*/ 262 w 278"/>
+                <a:gd name="T41" fmla="*/ 224 h 240"/>
+                <a:gd name="T42" fmla="*/ 238 w 278"/>
+                <a:gd name="T43" fmla="*/ 224 h 240"/>
+                <a:gd name="T44" fmla="*/ 238 w 278"/>
+                <a:gd name="T45" fmla="*/ 177 h 240"/>
+                <a:gd name="T46" fmla="*/ 262 w 278"/>
+                <a:gd name="T47" fmla="*/ 177 h 240"/>
+                <a:gd name="T48" fmla="*/ 262 w 278"/>
+                <a:gd name="T49" fmla="*/ 224 h 240"/>
+                <a:gd name="T50" fmla="*/ 212 w 278"/>
+                <a:gd name="T51" fmla="*/ 64 h 240"/>
+                <a:gd name="T52" fmla="*/ 192 w 278"/>
+                <a:gd name="T53" fmla="*/ 114 h 240"/>
+                <a:gd name="T54" fmla="*/ 202 w 278"/>
+                <a:gd name="T55" fmla="*/ 123 h 240"/>
+                <a:gd name="T56" fmla="*/ 225 w 278"/>
+                <a:gd name="T57" fmla="*/ 64 h 240"/>
+                <a:gd name="T58" fmla="*/ 197 w 278"/>
+                <a:gd name="T59" fmla="*/ 0 h 240"/>
+                <a:gd name="T60" fmla="*/ 187 w 278"/>
+                <a:gd name="T61" fmla="*/ 9 h 240"/>
+                <a:gd name="T62" fmla="*/ 212 w 278"/>
+                <a:gd name="T63" fmla="*/ 64 h 240"/>
+                <a:gd name="T64" fmla="*/ 175 w 278"/>
+                <a:gd name="T65" fmla="*/ 64 h 240"/>
+                <a:gd name="T66" fmla="*/ 164 w 278"/>
+                <a:gd name="T67" fmla="*/ 90 h 240"/>
+                <a:gd name="T68" fmla="*/ 174 w 278"/>
+                <a:gd name="T69" fmla="*/ 99 h 240"/>
+                <a:gd name="T70" fmla="*/ 189 w 278"/>
+                <a:gd name="T71" fmla="*/ 64 h 240"/>
+                <a:gd name="T72" fmla="*/ 169 w 278"/>
+                <a:gd name="T73" fmla="*/ 24 h 240"/>
+                <a:gd name="T74" fmla="*/ 159 w 278"/>
+                <a:gd name="T75" fmla="*/ 33 h 240"/>
+                <a:gd name="T76" fmla="*/ 175 w 278"/>
+                <a:gd name="T77" fmla="*/ 64 h 240"/>
+                <a:gd name="T78" fmla="*/ 107 w 278"/>
+                <a:gd name="T79" fmla="*/ 102 h 240"/>
+                <a:gd name="T80" fmla="*/ 117 w 278"/>
+                <a:gd name="T81" fmla="*/ 93 h 240"/>
+                <a:gd name="T82" fmla="*/ 103 w 278"/>
+                <a:gd name="T83" fmla="*/ 64 h 240"/>
+                <a:gd name="T84" fmla="*/ 119 w 278"/>
+                <a:gd name="T85" fmla="*/ 33 h 240"/>
+                <a:gd name="T86" fmla="*/ 109 w 278"/>
+                <a:gd name="T87" fmla="*/ 24 h 240"/>
+                <a:gd name="T88" fmla="*/ 89 w 278"/>
+                <a:gd name="T89" fmla="*/ 64 h 240"/>
+                <a:gd name="T90" fmla="*/ 107 w 278"/>
+                <a:gd name="T91" fmla="*/ 102 h 240"/>
+                <a:gd name="T92" fmla="*/ 89 w 278"/>
+                <a:gd name="T93" fmla="*/ 117 h 240"/>
+                <a:gd name="T94" fmla="*/ 66 w 278"/>
+                <a:gd name="T95" fmla="*/ 64 h 240"/>
+                <a:gd name="T96" fmla="*/ 91 w 278"/>
+                <a:gd name="T97" fmla="*/ 8 h 240"/>
+                <a:gd name="T98" fmla="*/ 81 w 278"/>
+                <a:gd name="T99" fmla="*/ 0 h 240"/>
+                <a:gd name="T100" fmla="*/ 53 w 278"/>
+                <a:gd name="T101" fmla="*/ 64 h 240"/>
+                <a:gd name="T102" fmla="*/ 79 w 278"/>
+                <a:gd name="T103" fmla="*/ 126 h 240"/>
+                <a:gd name="T104" fmla="*/ 89 w 278"/>
+                <a:gd name="T105" fmla="*/ 117 h 240"/>
+                <a:gd name="T106" fmla="*/ 149 w 278"/>
+                <a:gd name="T107" fmla="*/ 147 h 240"/>
+                <a:gd name="T108" fmla="*/ 149 w 278"/>
+                <a:gd name="T109" fmla="*/ 60 h 240"/>
+                <a:gd name="T110" fmla="*/ 139 w 278"/>
+                <a:gd name="T111" fmla="*/ 50 h 240"/>
+                <a:gd name="T112" fmla="*/ 129 w 278"/>
+                <a:gd name="T113" fmla="*/ 60 h 240"/>
+                <a:gd name="T114" fmla="*/ 129 w 278"/>
+                <a:gd name="T115" fmla="*/ 147 h 240"/>
+                <a:gd name="T116" fmla="*/ 149 w 278"/>
+                <a:gd name="T117" fmla="*/ 147 h 240"/>
+              </a:gdLst>
+              <a:ahLst/>
+              <a:cxnLst>
+                <a:cxn ang="0">
+                  <a:pos x="T0" y="T1"/>
+                </a:cxn>
+                <a:cxn ang="0">
+                  <a:pos x="T2" y="T3"/>
+                </a:cxn>
+                <a:cxn ang="0">
+                  <a:pos x="T4" y="T5"/>
+                </a:cxn>
+                <a:cxn ang="0">
+                  <a:pos x="T6" y="T7"/>
+                </a:cxn>
+                <a:cxn ang="0">
+                  <a:pos x="T8" y="T9"/>
+                </a:cxn>
+                <a:cxn ang="0">
+                  <a:pos x="T10" y="T11"/>
+                </a:cxn>
+                <a:cxn ang="0">
+                  <a:pos x="T12" y="T13"/>
+                </a:cxn>
+                <a:cxn ang="0">
+                  <a:pos x="T14" y="T15"/>
+                </a:cxn>
+                <a:cxn ang="0">
+                  <a:pos x="T16" y="T17"/>
+                </a:cxn>
+                <a:cxn ang="0">
+                  <a:pos x="T18" y="T19"/>
+                </a:cxn>
+                <a:cxn ang="0">
+                  <a:pos x="T20" y="T21"/>
+                </a:cxn>
+                <a:cxn ang="0">
+                  <a:pos x="T22" y="T23"/>
+                </a:cxn>
+                <a:cxn ang="0">
+                  <a:pos x="T24" y="T25"/>
+                </a:cxn>
+                <a:cxn ang="0">
+                  <a:pos x="T26" y="T27"/>
+                </a:cxn>
+                <a:cxn ang="0">
+                  <a:pos x="T28" y="T29"/>
+                </a:cxn>
+                <a:cxn ang="0">
+                  <a:pos x="T30" y="T31"/>
+                </a:cxn>
+                <a:cxn ang="0">
+                  <a:pos x="T32" y="T33"/>
+                </a:cxn>
+                <a:cxn ang="0">
+                  <a:pos x="T34" y="T35"/>
+                </a:cxn>
+                <a:cxn ang="0">
+                  <a:pos x="T36" y="T37"/>
+                </a:cxn>
+                <a:cxn ang="0">
+                  <a:pos x="T38" y="T39"/>
+                </a:cxn>
+                <a:cxn ang="0">
+                  <a:pos x="T40" y="T41"/>
+                </a:cxn>
+                <a:cxn ang="0">
+                  <a:pos x="T42" y="T43"/>
+                </a:cxn>
+                <a:cxn ang="0">
+                  <a:pos x="T44" y="T45"/>
+                </a:cxn>
+                <a:cxn ang="0">
+                  <a:pos x="T46" y="T47"/>
+                </a:cxn>
+                <a:cxn ang="0">
+                  <a:pos x="T48" y="T49"/>
+                </a:cxn>
+                <a:cxn ang="0">
+                  <a:pos x="T50" y="T51"/>
+                </a:cxn>
+                <a:cxn ang="0">
+                  <a:pos x="T52" y="T53"/>
+                </a:cxn>
+                <a:cxn ang="0">
+                  <a:pos x="T54" y="T55"/>
+                </a:cxn>
+                <a:cxn ang="0">
+                  <a:pos x="T56" y="T57"/>
+                </a:cxn>
+                <a:cxn ang="0">
+                  <a:pos x="T58" y="T59"/>
+                </a:cxn>
+                <a:cxn ang="0">
+                  <a:pos x="T60" y="T61"/>
+                </a:cxn>
+                <a:cxn ang="0">
+                  <a:pos x="T62" y="T63"/>
+                </a:cxn>
+                <a:cxn ang="0">
+                  <a:pos x="T64" y="T65"/>
+                </a:cxn>
+                <a:cxn ang="0">
+                  <a:pos x="T66" y="T67"/>
+                </a:cxn>
+                <a:cxn ang="0">
+                  <a:pos x="T68" y="T69"/>
+                </a:cxn>
+                <a:cxn ang="0">
+                  <a:pos x="T70" y="T71"/>
+                </a:cxn>
+                <a:cxn ang="0">
+                  <a:pos x="T72" y="T73"/>
+                </a:cxn>
+                <a:cxn ang="0">
+                  <a:pos x="T74" y="T75"/>
+                </a:cxn>
+                <a:cxn ang="0">
+                  <a:pos x="T76" y="T77"/>
+                </a:cxn>
+                <a:cxn ang="0">
+                  <a:pos x="T78" y="T79"/>
+                </a:cxn>
+                <a:cxn ang="0">
+                  <a:pos x="T80" y="T81"/>
+                </a:cxn>
+                <a:cxn ang="0">
+                  <a:pos x="T82" y="T83"/>
+                </a:cxn>
+                <a:cxn ang="0">
+                  <a:pos x="T84" y="T85"/>
+                </a:cxn>
+                <a:cxn ang="0">
+                  <a:pos x="T86" y="T87"/>
+                </a:cxn>
+                <a:cxn ang="0">
+                  <a:pos x="T88" y="T89"/>
+                </a:cxn>
+                <a:cxn ang="0">
+                  <a:pos x="T90" y="T91"/>
+                </a:cxn>
+                <a:cxn ang="0">
+                  <a:pos x="T92" y="T93"/>
+                </a:cxn>
+                <a:cxn ang="0">
+                  <a:pos x="T94" y="T95"/>
+                </a:cxn>
+                <a:cxn ang="0">
+                  <a:pos x="T96" y="T97"/>
+                </a:cxn>
+                <a:cxn ang="0">
+                  <a:pos x="T98" y="T99"/>
+                </a:cxn>
+                <a:cxn ang="0">
+                  <a:pos x="T100" y="T101"/>
+                </a:cxn>
+                <a:cxn ang="0">
+                  <a:pos x="T102" y="T103"/>
+                </a:cxn>
+                <a:cxn ang="0">
+                  <a:pos x="T104" y="T105"/>
+                </a:cxn>
+                <a:cxn ang="0">
+                  <a:pos x="T106" y="T107"/>
+                </a:cxn>
+                <a:cxn ang="0">
+                  <a:pos x="T108" y="T109"/>
+                </a:cxn>
+                <a:cxn ang="0">
+                  <a:pos x="T110" y="T111"/>
+                </a:cxn>
+                <a:cxn ang="0">
+                  <a:pos x="T112" y="T113"/>
+                </a:cxn>
+                <a:cxn ang="0">
+                  <a:pos x="T114" y="T115"/>
+                </a:cxn>
+                <a:cxn ang="0">
+                  <a:pos x="T116" y="T117"/>
+                </a:cxn>
+              </a:cxnLst>
+              <a:rect l="0" t="0" r="r" b="b"/>
+              <a:pathLst>
+                <a:path w="278" h="240">
+                  <a:moveTo>
+                    <a:pt x="0" y="160"/>
+                  </a:moveTo>
+                  <a:cubicBezTo>
+                    <a:pt x="0" y="240"/>
+                    <a:pt x="0" y="240"/>
+                    <a:pt x="0" y="240"/>
+                  </a:cubicBezTo>
+                  <a:cubicBezTo>
+                    <a:pt x="278" y="240"/>
+                    <a:pt x="278" y="240"/>
+                    <a:pt x="278" y="240"/>
+                  </a:cubicBezTo>
+                  <a:cubicBezTo>
+                    <a:pt x="278" y="160"/>
+                    <a:pt x="278" y="160"/>
+                    <a:pt x="278" y="160"/>
+                  </a:cubicBezTo>
+                  <a:lnTo>
+                    <a:pt x="0" y="160"/>
+                  </a:lnTo>
+                  <a:close/>
+                  <a:moveTo>
+                    <a:pt x="40" y="200"/>
+                  </a:moveTo>
+                  <a:cubicBezTo>
+                    <a:pt x="16" y="200"/>
+                    <a:pt x="16" y="200"/>
+                    <a:pt x="16" y="200"/>
+                  </a:cubicBezTo>
+                  <a:cubicBezTo>
+                    <a:pt x="16" y="177"/>
+                    <a:pt x="16" y="177"/>
+                    <a:pt x="16" y="177"/>
+                  </a:cubicBezTo>
+                  <a:cubicBezTo>
+                    <a:pt x="40" y="177"/>
+                    <a:pt x="40" y="177"/>
+                    <a:pt x="40" y="177"/>
+                  </a:cubicBezTo>
+                  <a:lnTo>
+                    <a:pt x="40" y="200"/>
+                  </a:lnTo>
+                  <a:close/>
+                  <a:moveTo>
+                    <a:pt x="175" y="224"/>
+                  </a:moveTo>
+                  <a:cubicBezTo>
+                    <a:pt x="152" y="224"/>
+                    <a:pt x="152" y="224"/>
+                    <a:pt x="152" y="224"/>
+                  </a:cubicBezTo>
+                  <a:cubicBezTo>
+                    <a:pt x="152" y="177"/>
+                    <a:pt x="152" y="177"/>
+                    <a:pt x="152" y="177"/>
+                  </a:cubicBezTo>
+                  <a:cubicBezTo>
+                    <a:pt x="175" y="177"/>
+                    <a:pt x="175" y="177"/>
+                    <a:pt x="175" y="177"/>
+                  </a:cubicBezTo>
+                  <a:lnTo>
+                    <a:pt x="175" y="224"/>
+                  </a:lnTo>
+                  <a:close/>
+                  <a:moveTo>
+                    <a:pt x="218" y="224"/>
+                  </a:moveTo>
+                  <a:cubicBezTo>
+                    <a:pt x="195" y="224"/>
+                    <a:pt x="195" y="224"/>
+                    <a:pt x="195" y="224"/>
+                  </a:cubicBezTo>
+                  <a:cubicBezTo>
+                    <a:pt x="195" y="177"/>
+                    <a:pt x="195" y="177"/>
+                    <a:pt x="195" y="177"/>
+                  </a:cubicBezTo>
+                  <a:cubicBezTo>
+                    <a:pt x="218" y="177"/>
+                    <a:pt x="218" y="177"/>
+                    <a:pt x="218" y="177"/>
+                  </a:cubicBezTo>
+                  <a:lnTo>
+                    <a:pt x="218" y="224"/>
+                  </a:lnTo>
+                  <a:close/>
+                  <a:moveTo>
+                    <a:pt x="262" y="224"/>
+                  </a:moveTo>
+                  <a:cubicBezTo>
+                    <a:pt x="238" y="224"/>
+                    <a:pt x="238" y="224"/>
+                    <a:pt x="238" y="224"/>
+                  </a:cubicBezTo>
+                  <a:cubicBezTo>
+                    <a:pt x="238" y="177"/>
+                    <a:pt x="238" y="177"/>
+                    <a:pt x="238" y="177"/>
+                  </a:cubicBezTo>
+                  <a:cubicBezTo>
+                    <a:pt x="262" y="177"/>
+                    <a:pt x="262" y="177"/>
+                    <a:pt x="262" y="177"/>
+                  </a:cubicBezTo>
+                  <a:lnTo>
+                    <a:pt x="262" y="224"/>
+                  </a:lnTo>
+                  <a:close/>
+                  <a:moveTo>
+                    <a:pt x="212" y="64"/>
+                  </a:moveTo>
+                  <a:cubicBezTo>
+                    <a:pt x="212" y="83"/>
+                    <a:pt x="204" y="101"/>
+                    <a:pt x="192" y="114"/>
+                  </a:cubicBezTo>
+                  <a:cubicBezTo>
+                    <a:pt x="202" y="123"/>
+                    <a:pt x="202" y="123"/>
+                    <a:pt x="202" y="123"/>
+                  </a:cubicBezTo>
+                  <a:cubicBezTo>
+                    <a:pt x="216" y="107"/>
+                    <a:pt x="225" y="87"/>
+                    <a:pt x="225" y="64"/>
+                  </a:cubicBezTo>
+                  <a:cubicBezTo>
+                    <a:pt x="225" y="38"/>
+                    <a:pt x="214" y="16"/>
+                    <a:pt x="197" y="0"/>
+                  </a:cubicBezTo>
+                  <a:cubicBezTo>
+                    <a:pt x="187" y="9"/>
+                    <a:pt x="187" y="9"/>
+                    <a:pt x="187" y="9"/>
+                  </a:cubicBezTo>
+                  <a:cubicBezTo>
+                    <a:pt x="202" y="22"/>
+                    <a:pt x="212" y="42"/>
+                    <a:pt x="212" y="64"/>
+                  </a:cubicBezTo>
+                  <a:close/>
+                  <a:moveTo>
+                    <a:pt x="175" y="64"/>
+                  </a:moveTo>
+                  <a:cubicBezTo>
+                    <a:pt x="175" y="74"/>
+                    <a:pt x="171" y="83"/>
+                    <a:pt x="164" y="90"/>
+                  </a:cubicBezTo>
+                  <a:cubicBezTo>
+                    <a:pt x="174" y="99"/>
+                    <a:pt x="174" y="99"/>
+                    <a:pt x="174" y="99"/>
+                  </a:cubicBezTo>
+                  <a:cubicBezTo>
+                    <a:pt x="183" y="90"/>
+                    <a:pt x="189" y="77"/>
+                    <a:pt x="189" y="64"/>
+                  </a:cubicBezTo>
+                  <a:cubicBezTo>
+                    <a:pt x="189" y="48"/>
+                    <a:pt x="181" y="33"/>
+                    <a:pt x="169" y="24"/>
+                  </a:cubicBezTo>
+                  <a:cubicBezTo>
+                    <a:pt x="159" y="33"/>
+                    <a:pt x="159" y="33"/>
+                    <a:pt x="159" y="33"/>
+                  </a:cubicBezTo>
+                  <a:cubicBezTo>
+                    <a:pt x="169" y="40"/>
+                    <a:pt x="175" y="51"/>
+                    <a:pt x="175" y="64"/>
+                  </a:cubicBezTo>
+                  <a:close/>
+                  <a:moveTo>
+                    <a:pt x="107" y="102"/>
+                  </a:moveTo>
+                  <a:cubicBezTo>
+                    <a:pt x="117" y="93"/>
+                    <a:pt x="117" y="93"/>
+                    <a:pt x="117" y="93"/>
+                  </a:cubicBezTo>
+                  <a:cubicBezTo>
+                    <a:pt x="108" y="86"/>
+                    <a:pt x="103" y="76"/>
+                    <a:pt x="103" y="64"/>
+                  </a:cubicBezTo>
+                  <a:cubicBezTo>
+                    <a:pt x="103" y="51"/>
+                    <a:pt x="109" y="40"/>
+                    <a:pt x="119" y="33"/>
+                  </a:cubicBezTo>
+                  <a:cubicBezTo>
+                    <a:pt x="109" y="24"/>
+                    <a:pt x="109" y="24"/>
+                    <a:pt x="109" y="24"/>
+                  </a:cubicBezTo>
+                  <a:cubicBezTo>
+                    <a:pt x="97" y="33"/>
+                    <a:pt x="89" y="48"/>
+                    <a:pt x="89" y="64"/>
+                  </a:cubicBezTo>
+                  <a:cubicBezTo>
+                    <a:pt x="89" y="79"/>
+                    <a:pt x="96" y="93"/>
+                    <a:pt x="107" y="102"/>
+                  </a:cubicBezTo>
+                  <a:close/>
+                  <a:moveTo>
+                    <a:pt x="89" y="117"/>
+                  </a:moveTo>
+                  <a:cubicBezTo>
+                    <a:pt x="75" y="104"/>
+                    <a:pt x="66" y="85"/>
+                    <a:pt x="66" y="64"/>
+                  </a:cubicBezTo>
+                  <a:cubicBezTo>
+                    <a:pt x="66" y="42"/>
+                    <a:pt x="76" y="22"/>
+                    <a:pt x="91" y="8"/>
+                  </a:cubicBezTo>
+                  <a:cubicBezTo>
+                    <a:pt x="81" y="0"/>
+                    <a:pt x="81" y="0"/>
+                    <a:pt x="81" y="0"/>
+                  </a:cubicBezTo>
+                  <a:cubicBezTo>
+                    <a:pt x="64" y="16"/>
+                    <a:pt x="53" y="38"/>
+                    <a:pt x="53" y="64"/>
+                  </a:cubicBezTo>
+                  <a:cubicBezTo>
+                    <a:pt x="53" y="88"/>
+                    <a:pt x="63" y="110"/>
+                    <a:pt x="79" y="126"/>
+                  </a:cubicBezTo>
+                  <a:lnTo>
+                    <a:pt x="89" y="117"/>
+                  </a:lnTo>
+                  <a:close/>
+                  <a:moveTo>
+                    <a:pt x="149" y="147"/>
+                  </a:moveTo>
+                  <a:cubicBezTo>
+                    <a:pt x="149" y="60"/>
+                    <a:pt x="149" y="60"/>
+                    <a:pt x="149" y="60"/>
+                  </a:cubicBezTo>
+                  <a:cubicBezTo>
+                    <a:pt x="149" y="55"/>
+                    <a:pt x="145" y="50"/>
+                    <a:pt x="139" y="50"/>
+                  </a:cubicBezTo>
+                  <a:cubicBezTo>
+                    <a:pt x="134" y="50"/>
+                    <a:pt x="129" y="55"/>
+                    <a:pt x="129" y="60"/>
+                  </a:cubicBezTo>
+                  <a:cubicBezTo>
+                    <a:pt x="129" y="147"/>
+                    <a:pt x="129" y="147"/>
+                    <a:pt x="129" y="147"/>
+                  </a:cubicBezTo>
+                  <a:lnTo>
+                    <a:pt x="149" y="147"/>
+                  </a:lnTo>
+                  <a:close/>
+                </a:path>
+              </a:pathLst>
+            </a:custGeom>
+            <a:solidFill>
+              <a:schemeClr val="bg1"/>
+            </a:solidFill>
+            <a:ln>
+              <a:noFill/>
+            </a:ln>
+            <a:extLst/>
+          </p:spPr>
+          <p:txBody>
+            <a:bodyPr vert="horz" wrap="square" lIns="91440" tIns="45720" rIns="91440" bIns="45720" numCol="1" anchor="t" anchorCtr="0" compatLnSpc="1">
+              <a:prstTxWarp prst="textNoShape">
+                <a:avLst/>
+              </a:prstTxWarp>
+            </a:bodyPr>
+            <a:lstStyle/>
+            <a:p>
+              <a:pPr algn="ctr">
+                <a:defRPr/>
+              </a:pPr>
+              <a:endParaRPr lang="zh-CN" altLang="en-US" sz="1000" b="1" kern="0">
+                <a:solidFill>
+                  <a:srgbClr val="000000"/>
+                </a:solidFill>
+                <a:latin typeface="Helvetica" pitchFamily="2" charset="0"/>
+                <a:ea typeface="等线" panose="02010600030101010101" pitchFamily="2" charset="-122"/>
+                <a:cs typeface="Arial" panose="020B0604020202020204" pitchFamily="34" charset="0"/>
+              </a:endParaRPr>
+            </a:p>
+          </p:txBody>
+        </p:sp>
+        <p:sp>
+          <p:nvSpPr>
+            <p:cNvPr id="76" name="文本框 75">
+              <a:extLst>
+                <a:ext uri="{FF2B5EF4-FFF2-40B4-BE49-F238E27FC236}">
+                  <a16:creationId xmlns:a16="http://schemas.microsoft.com/office/drawing/2014/main" id="{6D0C1EE7-622C-F749-8571-5860553F1590}"/>
+                </a:ext>
+              </a:extLst>
+            </p:cNvPr>
+            <p:cNvSpPr txBox="1"/>
+            <p:nvPr/>
+          </p:nvSpPr>
+          <p:spPr>
+            <a:xfrm>
+              <a:off x="13438267" y="3172899"/>
+              <a:ext cx="1050248" cy="338554"/>
+            </a:xfrm>
+            <a:prstGeom prst="rect">
+              <a:avLst/>
+            </a:prstGeom>
+            <a:noFill/>
+          </p:spPr>
+          <p:txBody>
+            <a:bodyPr wrap="square" rtlCol="0">
+              <a:spAutoFit/>
+            </a:bodyPr>
+            <a:lstStyle/>
+            <a:p>
+              <a:pPr algn="ctr"/>
+              <a:r>
+                <a:rPr kumimoji="1" lang="zh-CN" altLang="en-US" sz="1600" b="1" dirty="0">
+                  <a:solidFill>
+                    <a:schemeClr val="bg1"/>
+                  </a:solidFill>
+                  <a:latin typeface="Helvetica" pitchFamily="2" charset="0"/>
+                  <a:cs typeface="Arial" panose="020B0604020202020204" pitchFamily="34" charset="0"/>
+                </a:rPr>
+                <a:t>设备</a:t>
+              </a:r>
+            </a:p>
+          </p:txBody>
+        </p:sp>
+        <p:sp>
+          <p:nvSpPr>
+            <p:cNvPr id="77" name="矩形 76">
+              <a:extLst>
+                <a:ext uri="{FF2B5EF4-FFF2-40B4-BE49-F238E27FC236}">
+                  <a16:creationId xmlns:a16="http://schemas.microsoft.com/office/drawing/2014/main" id="{B8626F57-0BB5-3946-8511-1EB739F55E19}"/>
+                </a:ext>
+              </a:extLst>
+            </p:cNvPr>
+            <p:cNvSpPr/>
+            <p:nvPr/>
+          </p:nvSpPr>
+          <p:spPr>
+            <a:xfrm>
+              <a:off x="9718343" y="2956075"/>
+              <a:ext cx="2106050" cy="753706"/>
+            </a:xfrm>
+            <a:prstGeom prst="rect">
+              <a:avLst/>
+            </a:prstGeom>
+            <a:solidFill>
+              <a:srgbClr val="0A6EFA"/>
+            </a:solidFill>
+            <a:ln w="12700">
+              <a:noFill/>
+            </a:ln>
+          </p:spPr>
+          <p:style>
+            <a:lnRef idx="2">
+              <a:schemeClr val="accent1">
+                <a:shade val="50000"/>
+              </a:schemeClr>
+            </a:lnRef>
+            <a:fillRef idx="1">
+              <a:schemeClr val="accent1"/>
+            </a:fillRef>
+            <a:effectRef idx="0">
+              <a:schemeClr val="accent1"/>
+            </a:effectRef>
+            <a:fontRef idx="minor">
+              <a:schemeClr val="lt1"/>
+            </a:fontRef>
+          </p:style>
+          <p:txBody>
+            <a:bodyPr rtlCol="0" anchor="ctr"/>
+            <a:lstStyle/>
+            <a:p>
+              <a:pPr algn="ctr"/>
+              <a:endParaRPr kumimoji="1" lang="zh-CN" altLang="en-US" sz="1600" dirty="0">
+                <a:solidFill>
+                  <a:schemeClr val="bg1"/>
+                </a:solidFill>
+                <a:latin typeface="Helvetica" pitchFamily="2" charset="0"/>
+                <a:cs typeface="Arial" panose="020B0604020202020204" pitchFamily="34" charset="0"/>
+              </a:endParaRPr>
+            </a:p>
+          </p:txBody>
+        </p:sp>
+        <p:sp>
+          <p:nvSpPr>
+            <p:cNvPr id="78" name="Freeform 65">
+              <a:extLst>
+                <a:ext uri="{FF2B5EF4-FFF2-40B4-BE49-F238E27FC236}">
+                  <a16:creationId xmlns:a16="http://schemas.microsoft.com/office/drawing/2014/main" id="{530C6BE8-C17F-7C44-B917-53AE0C7B7D4C}"/>
+                </a:ext>
+              </a:extLst>
+            </p:cNvPr>
+            <p:cNvSpPr>
+              <a:spLocks noEditPoints="1"/>
+            </p:cNvSpPr>
+            <p:nvPr/>
+          </p:nvSpPr>
+          <p:spPr bwMode="auto">
+            <a:xfrm>
+              <a:off x="10215382" y="3172934"/>
+              <a:ext cx="394756" cy="302188"/>
+            </a:xfrm>
+            <a:custGeom>
+              <a:avLst/>
+              <a:gdLst>
+                <a:gd name="T0" fmla="*/ 179 w 661"/>
+                <a:gd name="T1" fmla="*/ 397 h 506"/>
+                <a:gd name="T2" fmla="*/ 144 w 661"/>
+                <a:gd name="T3" fmla="*/ 397 h 506"/>
+                <a:gd name="T4" fmla="*/ 144 w 661"/>
+                <a:gd name="T5" fmla="*/ 433 h 506"/>
+                <a:gd name="T6" fmla="*/ 179 w 661"/>
+                <a:gd name="T7" fmla="*/ 433 h 506"/>
+                <a:gd name="T8" fmla="*/ 179 w 661"/>
+                <a:gd name="T9" fmla="*/ 397 h 506"/>
+                <a:gd name="T10" fmla="*/ 108 w 661"/>
+                <a:gd name="T11" fmla="*/ 324 h 506"/>
+                <a:gd name="T12" fmla="*/ 70 w 661"/>
+                <a:gd name="T13" fmla="*/ 324 h 506"/>
+                <a:gd name="T14" fmla="*/ 70 w 661"/>
+                <a:gd name="T15" fmla="*/ 362 h 506"/>
+                <a:gd name="T16" fmla="*/ 108 w 661"/>
+                <a:gd name="T17" fmla="*/ 362 h 506"/>
+                <a:gd name="T18" fmla="*/ 108 w 661"/>
+                <a:gd name="T19" fmla="*/ 324 h 506"/>
+                <a:gd name="T20" fmla="*/ 108 w 661"/>
+                <a:gd name="T21" fmla="*/ 397 h 506"/>
+                <a:gd name="T22" fmla="*/ 70 w 661"/>
+                <a:gd name="T23" fmla="*/ 397 h 506"/>
+                <a:gd name="T24" fmla="*/ 70 w 661"/>
+                <a:gd name="T25" fmla="*/ 433 h 506"/>
+                <a:gd name="T26" fmla="*/ 108 w 661"/>
+                <a:gd name="T27" fmla="*/ 433 h 506"/>
+                <a:gd name="T28" fmla="*/ 108 w 661"/>
+                <a:gd name="T29" fmla="*/ 397 h 506"/>
+                <a:gd name="T30" fmla="*/ 250 w 661"/>
+                <a:gd name="T31" fmla="*/ 397 h 506"/>
+                <a:gd name="T32" fmla="*/ 215 w 661"/>
+                <a:gd name="T33" fmla="*/ 397 h 506"/>
+                <a:gd name="T34" fmla="*/ 215 w 661"/>
+                <a:gd name="T35" fmla="*/ 433 h 506"/>
+                <a:gd name="T36" fmla="*/ 250 w 661"/>
+                <a:gd name="T37" fmla="*/ 433 h 506"/>
+                <a:gd name="T38" fmla="*/ 250 w 661"/>
+                <a:gd name="T39" fmla="*/ 397 h 506"/>
+                <a:gd name="T40" fmla="*/ 179 w 661"/>
+                <a:gd name="T41" fmla="*/ 324 h 506"/>
+                <a:gd name="T42" fmla="*/ 144 w 661"/>
+                <a:gd name="T43" fmla="*/ 324 h 506"/>
+                <a:gd name="T44" fmla="*/ 144 w 661"/>
+                <a:gd name="T45" fmla="*/ 362 h 506"/>
+                <a:gd name="T46" fmla="*/ 179 w 661"/>
+                <a:gd name="T47" fmla="*/ 362 h 506"/>
+                <a:gd name="T48" fmla="*/ 179 w 661"/>
+                <a:gd name="T49" fmla="*/ 324 h 506"/>
+                <a:gd name="T50" fmla="*/ 576 w 661"/>
+                <a:gd name="T51" fmla="*/ 352 h 506"/>
+                <a:gd name="T52" fmla="*/ 432 w 661"/>
+                <a:gd name="T53" fmla="*/ 352 h 506"/>
+                <a:gd name="T54" fmla="*/ 432 w 661"/>
+                <a:gd name="T55" fmla="*/ 407 h 506"/>
+                <a:gd name="T56" fmla="*/ 576 w 661"/>
+                <a:gd name="T57" fmla="*/ 407 h 506"/>
+                <a:gd name="T58" fmla="*/ 576 w 661"/>
+                <a:gd name="T59" fmla="*/ 352 h 506"/>
+                <a:gd name="T60" fmla="*/ 661 w 661"/>
+                <a:gd name="T61" fmla="*/ 253 h 506"/>
+                <a:gd name="T62" fmla="*/ 661 w 661"/>
+                <a:gd name="T63" fmla="*/ 253 h 506"/>
+                <a:gd name="T64" fmla="*/ 543 w 661"/>
+                <a:gd name="T65" fmla="*/ 0 h 506"/>
+                <a:gd name="T66" fmla="*/ 115 w 661"/>
+                <a:gd name="T67" fmla="*/ 0 h 506"/>
+                <a:gd name="T68" fmla="*/ 0 w 661"/>
+                <a:gd name="T69" fmla="*/ 253 h 506"/>
+                <a:gd name="T70" fmla="*/ 0 w 661"/>
+                <a:gd name="T71" fmla="*/ 253 h 506"/>
+                <a:gd name="T72" fmla="*/ 0 w 661"/>
+                <a:gd name="T73" fmla="*/ 506 h 506"/>
+                <a:gd name="T74" fmla="*/ 661 w 661"/>
+                <a:gd name="T75" fmla="*/ 506 h 506"/>
+                <a:gd name="T76" fmla="*/ 661 w 661"/>
+                <a:gd name="T77" fmla="*/ 506 h 506"/>
+                <a:gd name="T78" fmla="*/ 661 w 661"/>
+                <a:gd name="T79" fmla="*/ 506 h 506"/>
+                <a:gd name="T80" fmla="*/ 661 w 661"/>
+                <a:gd name="T81" fmla="*/ 253 h 506"/>
+                <a:gd name="T82" fmla="*/ 661 w 661"/>
+                <a:gd name="T83" fmla="*/ 253 h 506"/>
+                <a:gd name="T84" fmla="*/ 626 w 661"/>
+                <a:gd name="T85" fmla="*/ 468 h 506"/>
+                <a:gd name="T86" fmla="*/ 35 w 661"/>
+                <a:gd name="T87" fmla="*/ 468 h 506"/>
+                <a:gd name="T88" fmla="*/ 35 w 661"/>
+                <a:gd name="T89" fmla="*/ 288 h 506"/>
+                <a:gd name="T90" fmla="*/ 626 w 661"/>
+                <a:gd name="T91" fmla="*/ 288 h 506"/>
+                <a:gd name="T92" fmla="*/ 626 w 661"/>
+                <a:gd name="T93" fmla="*/ 468 h 506"/>
+                <a:gd name="T94" fmla="*/ 323 w 661"/>
+                <a:gd name="T95" fmla="*/ 324 h 506"/>
+                <a:gd name="T96" fmla="*/ 288 w 661"/>
+                <a:gd name="T97" fmla="*/ 324 h 506"/>
+                <a:gd name="T98" fmla="*/ 288 w 661"/>
+                <a:gd name="T99" fmla="*/ 362 h 506"/>
+                <a:gd name="T100" fmla="*/ 323 w 661"/>
+                <a:gd name="T101" fmla="*/ 362 h 506"/>
+                <a:gd name="T102" fmla="*/ 323 w 661"/>
+                <a:gd name="T103" fmla="*/ 324 h 506"/>
+                <a:gd name="T104" fmla="*/ 323 w 661"/>
+                <a:gd name="T105" fmla="*/ 397 h 506"/>
+                <a:gd name="T106" fmla="*/ 288 w 661"/>
+                <a:gd name="T107" fmla="*/ 397 h 506"/>
+                <a:gd name="T108" fmla="*/ 288 w 661"/>
+                <a:gd name="T109" fmla="*/ 433 h 506"/>
+                <a:gd name="T110" fmla="*/ 323 w 661"/>
+                <a:gd name="T111" fmla="*/ 433 h 506"/>
+                <a:gd name="T112" fmla="*/ 323 w 661"/>
+                <a:gd name="T113" fmla="*/ 397 h 506"/>
+                <a:gd name="T114" fmla="*/ 250 w 661"/>
+                <a:gd name="T115" fmla="*/ 324 h 506"/>
+                <a:gd name="T116" fmla="*/ 215 w 661"/>
+                <a:gd name="T117" fmla="*/ 324 h 506"/>
+                <a:gd name="T118" fmla="*/ 215 w 661"/>
+                <a:gd name="T119" fmla="*/ 362 h 506"/>
+                <a:gd name="T120" fmla="*/ 250 w 661"/>
+                <a:gd name="T121" fmla="*/ 362 h 506"/>
+                <a:gd name="T122" fmla="*/ 250 w 661"/>
+                <a:gd name="T123" fmla="*/ 324 h 506"/>
+              </a:gdLst>
+              <a:ahLst/>
+              <a:cxnLst>
+                <a:cxn ang="0">
+                  <a:pos x="T0" y="T1"/>
+                </a:cxn>
+                <a:cxn ang="0">
+                  <a:pos x="T2" y="T3"/>
+                </a:cxn>
+                <a:cxn ang="0">
+                  <a:pos x="T4" y="T5"/>
+                </a:cxn>
+                <a:cxn ang="0">
+                  <a:pos x="T6" y="T7"/>
+                </a:cxn>
+                <a:cxn ang="0">
+                  <a:pos x="T8" y="T9"/>
+                </a:cxn>
+                <a:cxn ang="0">
+                  <a:pos x="T10" y="T11"/>
+                </a:cxn>
+                <a:cxn ang="0">
+                  <a:pos x="T12" y="T13"/>
+                </a:cxn>
+                <a:cxn ang="0">
+                  <a:pos x="T14" y="T15"/>
+                </a:cxn>
+                <a:cxn ang="0">
+                  <a:pos x="T16" y="T17"/>
+                </a:cxn>
+                <a:cxn ang="0">
+                  <a:pos x="T18" y="T19"/>
+                </a:cxn>
+                <a:cxn ang="0">
+                  <a:pos x="T20" y="T21"/>
+                </a:cxn>
+                <a:cxn ang="0">
+                  <a:pos x="T22" y="T23"/>
+                </a:cxn>
+                <a:cxn ang="0">
+                  <a:pos x="T24" y="T25"/>
+                </a:cxn>
+                <a:cxn ang="0">
+                  <a:pos x="T26" y="T27"/>
+                </a:cxn>
+                <a:cxn ang="0">
+                  <a:pos x="T28" y="T29"/>
+                </a:cxn>
+                <a:cxn ang="0">
+                  <a:pos x="T30" y="T31"/>
+                </a:cxn>
+                <a:cxn ang="0">
+                  <a:pos x="T32" y="T33"/>
+                </a:cxn>
+                <a:cxn ang="0">
+                  <a:pos x="T34" y="T35"/>
+                </a:cxn>
+                <a:cxn ang="0">
+                  <a:pos x="T36" y="T37"/>
+                </a:cxn>
+                <a:cxn ang="0">
+                  <a:pos x="T38" y="T39"/>
+                </a:cxn>
+                <a:cxn ang="0">
+                  <a:pos x="T40" y="T41"/>
+                </a:cxn>
+                <a:cxn ang="0">
+                  <a:pos x="T42" y="T43"/>
+                </a:cxn>
+                <a:cxn ang="0">
+                  <a:pos x="T44" y="T45"/>
+                </a:cxn>
+                <a:cxn ang="0">
+                  <a:pos x="T46" y="T47"/>
+                </a:cxn>
+                <a:cxn ang="0">
+                  <a:pos x="T48" y="T49"/>
+                </a:cxn>
+                <a:cxn ang="0">
+                  <a:pos x="T50" y="T51"/>
+                </a:cxn>
+                <a:cxn ang="0">
+                  <a:pos x="T52" y="T53"/>
+                </a:cxn>
+                <a:cxn ang="0">
+                  <a:pos x="T54" y="T55"/>
+                </a:cxn>
+                <a:cxn ang="0">
+                  <a:pos x="T56" y="T57"/>
+                </a:cxn>
+                <a:cxn ang="0">
+                  <a:pos x="T58" y="T59"/>
+                </a:cxn>
+                <a:cxn ang="0">
+                  <a:pos x="T60" y="T61"/>
+                </a:cxn>
+                <a:cxn ang="0">
+                  <a:pos x="T62" y="T63"/>
+                </a:cxn>
+                <a:cxn ang="0">
+                  <a:pos x="T64" y="T65"/>
+                </a:cxn>
+                <a:cxn ang="0">
+                  <a:pos x="T66" y="T67"/>
+                </a:cxn>
+                <a:cxn ang="0">
+                  <a:pos x="T68" y="T69"/>
+                </a:cxn>
+                <a:cxn ang="0">
+                  <a:pos x="T70" y="T71"/>
+                </a:cxn>
+                <a:cxn ang="0">
+                  <a:pos x="T72" y="T73"/>
+                </a:cxn>
+                <a:cxn ang="0">
+                  <a:pos x="T74" y="T75"/>
+                </a:cxn>
+                <a:cxn ang="0">
+                  <a:pos x="T76" y="T77"/>
+                </a:cxn>
+                <a:cxn ang="0">
+                  <a:pos x="T78" y="T79"/>
+                </a:cxn>
+                <a:cxn ang="0">
+                  <a:pos x="T80" y="T81"/>
+                </a:cxn>
+                <a:cxn ang="0">
+                  <a:pos x="T82" y="T83"/>
+                </a:cxn>
+                <a:cxn ang="0">
+                  <a:pos x="T84" y="T85"/>
+                </a:cxn>
+                <a:cxn ang="0">
+                  <a:pos x="T86" y="T87"/>
+                </a:cxn>
+                <a:cxn ang="0">
+                  <a:pos x="T88" y="T89"/>
+                </a:cxn>
+                <a:cxn ang="0">
+                  <a:pos x="T90" y="T91"/>
+                </a:cxn>
+                <a:cxn ang="0">
+                  <a:pos x="T92" y="T93"/>
+                </a:cxn>
+                <a:cxn ang="0">
+                  <a:pos x="T94" y="T95"/>
+                </a:cxn>
+                <a:cxn ang="0">
+                  <a:pos x="T96" y="T97"/>
+                </a:cxn>
+                <a:cxn ang="0">
+                  <a:pos x="T98" y="T99"/>
+                </a:cxn>
+                <a:cxn ang="0">
+                  <a:pos x="T100" y="T101"/>
+                </a:cxn>
+                <a:cxn ang="0">
+                  <a:pos x="T102" y="T103"/>
+                </a:cxn>
+                <a:cxn ang="0">
+                  <a:pos x="T104" y="T105"/>
+                </a:cxn>
+                <a:cxn ang="0">
+                  <a:pos x="T106" y="T107"/>
+                </a:cxn>
+                <a:cxn ang="0">
+                  <a:pos x="T108" y="T109"/>
+                </a:cxn>
+                <a:cxn ang="0">
+                  <a:pos x="T110" y="T111"/>
+                </a:cxn>
+                <a:cxn ang="0">
+                  <a:pos x="T112" y="T113"/>
+                </a:cxn>
+                <a:cxn ang="0">
+                  <a:pos x="T114" y="T115"/>
+                </a:cxn>
+                <a:cxn ang="0">
+                  <a:pos x="T116" y="T117"/>
+                </a:cxn>
+                <a:cxn ang="0">
+                  <a:pos x="T118" y="T119"/>
+                </a:cxn>
+                <a:cxn ang="0">
+                  <a:pos x="T120" y="T121"/>
+                </a:cxn>
+                <a:cxn ang="0">
+                  <a:pos x="T122" y="T123"/>
+                </a:cxn>
+              </a:cxnLst>
+              <a:rect l="0" t="0" r="r" b="b"/>
+              <a:pathLst>
+                <a:path w="661" h="506">
+                  <a:moveTo>
+                    <a:pt x="179" y="397"/>
+                  </a:moveTo>
+                  <a:lnTo>
+                    <a:pt x="144" y="397"/>
+                  </a:lnTo>
+                  <a:lnTo>
+                    <a:pt x="144" y="433"/>
+                  </a:lnTo>
+                  <a:lnTo>
+                    <a:pt x="179" y="433"/>
+                  </a:lnTo>
+                  <a:lnTo>
+                    <a:pt x="179" y="397"/>
+                  </a:lnTo>
+                  <a:close/>
+                  <a:moveTo>
+                    <a:pt x="108" y="324"/>
+                  </a:moveTo>
+                  <a:lnTo>
+                    <a:pt x="70" y="324"/>
+                  </a:lnTo>
+                  <a:lnTo>
+                    <a:pt x="70" y="362"/>
+                  </a:lnTo>
+                  <a:lnTo>
+                    <a:pt x="108" y="362"/>
+                  </a:lnTo>
+                  <a:lnTo>
+                    <a:pt x="108" y="324"/>
+                  </a:lnTo>
+                  <a:close/>
+                  <a:moveTo>
+                    <a:pt x="108" y="397"/>
+                  </a:moveTo>
+                  <a:lnTo>
+                    <a:pt x="70" y="397"/>
+                  </a:lnTo>
+                  <a:lnTo>
+                    <a:pt x="70" y="433"/>
+                  </a:lnTo>
+                  <a:lnTo>
+                    <a:pt x="108" y="433"/>
+                  </a:lnTo>
+                  <a:lnTo>
+                    <a:pt x="108" y="397"/>
+                  </a:lnTo>
+                  <a:close/>
+                  <a:moveTo>
+                    <a:pt x="250" y="397"/>
+                  </a:moveTo>
+                  <a:lnTo>
+                    <a:pt x="215" y="397"/>
+                  </a:lnTo>
+                  <a:lnTo>
+                    <a:pt x="215" y="433"/>
+                  </a:lnTo>
+                  <a:lnTo>
+                    <a:pt x="250" y="433"/>
+                  </a:lnTo>
+                  <a:lnTo>
+                    <a:pt x="250" y="397"/>
+                  </a:lnTo>
+                  <a:close/>
+                  <a:moveTo>
+                    <a:pt x="179" y="324"/>
+                  </a:moveTo>
+                  <a:lnTo>
+                    <a:pt x="144" y="324"/>
+                  </a:lnTo>
+                  <a:lnTo>
+                    <a:pt x="144" y="362"/>
+                  </a:lnTo>
+                  <a:lnTo>
+                    <a:pt x="179" y="362"/>
+                  </a:lnTo>
+                  <a:lnTo>
+                    <a:pt x="179" y="324"/>
+                  </a:lnTo>
+                  <a:close/>
+                  <a:moveTo>
+                    <a:pt x="576" y="352"/>
+                  </a:moveTo>
+                  <a:lnTo>
+                    <a:pt x="432" y="352"/>
+                  </a:lnTo>
+                  <a:lnTo>
+                    <a:pt x="432" y="407"/>
+                  </a:lnTo>
+                  <a:lnTo>
+                    <a:pt x="576" y="407"/>
+                  </a:lnTo>
+                  <a:lnTo>
+                    <a:pt x="576" y="352"/>
+                  </a:lnTo>
+                  <a:close/>
+                  <a:moveTo>
+                    <a:pt x="661" y="253"/>
+                  </a:moveTo>
+                  <a:lnTo>
+                    <a:pt x="661" y="253"/>
+                  </a:lnTo>
+                  <a:lnTo>
+                    <a:pt x="543" y="0"/>
+                  </a:lnTo>
+                  <a:lnTo>
+                    <a:pt x="115" y="0"/>
+                  </a:lnTo>
+                  <a:lnTo>
+                    <a:pt x="0" y="253"/>
+                  </a:lnTo>
+                  <a:lnTo>
+                    <a:pt x="0" y="253"/>
+                  </a:lnTo>
+                  <a:lnTo>
+                    <a:pt x="0" y="506"/>
+                  </a:lnTo>
+                  <a:lnTo>
+                    <a:pt x="661" y="506"/>
+                  </a:lnTo>
+                  <a:lnTo>
+                    <a:pt x="661" y="506"/>
+                  </a:lnTo>
+                  <a:lnTo>
+                    <a:pt x="661" y="506"/>
+                  </a:lnTo>
+                  <a:lnTo>
+                    <a:pt x="661" y="253"/>
+                  </a:lnTo>
+                  <a:lnTo>
+                    <a:pt x="661" y="253"/>
+                  </a:lnTo>
+                  <a:close/>
+                  <a:moveTo>
+                    <a:pt x="626" y="468"/>
+                  </a:moveTo>
+                  <a:lnTo>
+                    <a:pt x="35" y="468"/>
+                  </a:lnTo>
+                  <a:lnTo>
+                    <a:pt x="35" y="288"/>
+                  </a:lnTo>
+                  <a:lnTo>
+                    <a:pt x="626" y="288"/>
+                  </a:lnTo>
+                  <a:lnTo>
+                    <a:pt x="626" y="468"/>
+                  </a:lnTo>
+                  <a:close/>
+                  <a:moveTo>
+                    <a:pt x="323" y="324"/>
+                  </a:moveTo>
+                  <a:lnTo>
+                    <a:pt x="288" y="324"/>
+                  </a:lnTo>
+                  <a:lnTo>
+                    <a:pt x="288" y="362"/>
+                  </a:lnTo>
+                  <a:lnTo>
+                    <a:pt x="323" y="362"/>
+                  </a:lnTo>
+                  <a:lnTo>
+                    <a:pt x="323" y="324"/>
+                  </a:lnTo>
+                  <a:close/>
+                  <a:moveTo>
+                    <a:pt x="323" y="397"/>
+                  </a:moveTo>
+                  <a:lnTo>
+                    <a:pt x="288" y="397"/>
+                  </a:lnTo>
+                  <a:lnTo>
+                    <a:pt x="288" y="433"/>
+                  </a:lnTo>
+                  <a:lnTo>
+                    <a:pt x="323" y="433"/>
+                  </a:lnTo>
+                  <a:lnTo>
+                    <a:pt x="323" y="397"/>
+                  </a:lnTo>
+                  <a:close/>
+                  <a:moveTo>
+                    <a:pt x="250" y="324"/>
+                  </a:moveTo>
+                  <a:lnTo>
+                    <a:pt x="215" y="324"/>
+                  </a:lnTo>
+                  <a:lnTo>
+                    <a:pt x="215" y="362"/>
+                  </a:lnTo>
+                  <a:lnTo>
+                    <a:pt x="250" y="362"/>
+                  </a:lnTo>
+                  <a:lnTo>
+                    <a:pt x="250" y="324"/>
+                  </a:lnTo>
+                  <a:close/>
+                </a:path>
+              </a:pathLst>
+            </a:custGeom>
+            <a:solidFill>
+              <a:schemeClr val="bg1"/>
+            </a:solidFill>
+            <a:ln>
+              <a:noFill/>
+            </a:ln>
+            <a:extLst/>
+          </p:spPr>
+          <p:txBody>
+            <a:bodyPr vert="horz" wrap="square" lIns="91440" tIns="45720" rIns="91440" bIns="45720" numCol="1" anchor="t" anchorCtr="0" compatLnSpc="1">
+              <a:prstTxWarp prst="textNoShape">
+                <a:avLst/>
+              </a:prstTxWarp>
+            </a:bodyPr>
+            <a:lstStyle/>
+            <a:p>
+              <a:pPr algn="ctr">
+                <a:defRPr/>
+              </a:pPr>
+              <a:endParaRPr lang="zh-CN" altLang="en-US" sz="1000" b="1" kern="0" dirty="0">
+                <a:solidFill>
+                  <a:srgbClr val="000000"/>
+                </a:solidFill>
+                <a:ea typeface="等线" panose="02010600030101010101" pitchFamily="2" charset="-122"/>
+                <a:cs typeface="Arial" panose="020B0604020202020204" pitchFamily="34" charset="0"/>
+              </a:endParaRPr>
+            </a:p>
+          </p:txBody>
+        </p:sp>
+        <p:sp>
+          <p:nvSpPr>
+            <p:cNvPr id="79" name="文本框 78">
+              <a:extLst>
+                <a:ext uri="{FF2B5EF4-FFF2-40B4-BE49-F238E27FC236}">
+                  <a16:creationId xmlns:a16="http://schemas.microsoft.com/office/drawing/2014/main" id="{16A431DF-11C7-E84A-B01D-B04230E87C59}"/>
+                </a:ext>
+              </a:extLst>
+            </p:cNvPr>
+            <p:cNvSpPr txBox="1"/>
+            <p:nvPr/>
+          </p:nvSpPr>
+          <p:spPr>
+            <a:xfrm>
+              <a:off x="10200331" y="3208501"/>
+              <a:ext cx="1650500" cy="338554"/>
+            </a:xfrm>
+            <a:prstGeom prst="rect">
+              <a:avLst/>
+            </a:prstGeom>
+            <a:noFill/>
+          </p:spPr>
+          <p:txBody>
+            <a:bodyPr wrap="square" rtlCol="0">
+              <a:spAutoFit/>
+            </a:bodyPr>
+            <a:lstStyle/>
+            <a:p>
+              <a:pPr algn="ctr"/>
+              <a:r>
+                <a:rPr kumimoji="1" lang="en-US" altLang="zh-CN" sz="1600" b="1" dirty="0">
+                  <a:solidFill>
+                    <a:schemeClr val="bg1"/>
+                  </a:solidFill>
+                  <a:latin typeface="Helvetica" pitchFamily="2" charset="0"/>
+                  <a:cs typeface="Arial" panose="020B0604020202020204" pitchFamily="34" charset="0"/>
+                </a:rPr>
+                <a:t>Edge</a:t>
+              </a:r>
+              <a:endParaRPr kumimoji="1" lang="zh-CN" altLang="en-US" sz="1600" b="1" dirty="0">
+                <a:solidFill>
+                  <a:schemeClr val="bg1"/>
+                </a:solidFill>
+                <a:latin typeface="Helvetica" pitchFamily="2" charset="0"/>
+                <a:cs typeface="Arial" panose="020B0604020202020204" pitchFamily="34" charset="0"/>
+              </a:endParaRPr>
+            </a:p>
+          </p:txBody>
+        </p:sp>
+        <p:pic>
+          <p:nvPicPr>
+            <p:cNvPr id="80" name="图片 79">
+              <a:extLst>
+                <a:ext uri="{FF2B5EF4-FFF2-40B4-BE49-F238E27FC236}">
+                  <a16:creationId xmlns:a16="http://schemas.microsoft.com/office/drawing/2014/main" id="{9E98D717-4F88-5D4C-B972-893BA41940EC}"/>
+                </a:ext>
+              </a:extLst>
+            </p:cNvPr>
+            <p:cNvPicPr>
+              <a:picLocks noChangeAspect="1"/>
+            </p:cNvPicPr>
+            <p:nvPr/>
+          </p:nvPicPr>
+          <p:blipFill>
+            <a:blip r:embed="rId2"/>
+            <a:stretch>
+              <a:fillRect/>
+            </a:stretch>
+          </p:blipFill>
+          <p:spPr>
+            <a:xfrm>
+              <a:off x="12032368" y="3244028"/>
+              <a:ext cx="546100" cy="177800"/>
+            </a:xfrm>
+            <a:prstGeom prst="rect">
+              <a:avLst/>
+            </a:prstGeom>
+          </p:spPr>
+        </p:pic>
+        <p:pic>
+          <p:nvPicPr>
+            <p:cNvPr id="81" name="图片 80">
+              <a:extLst>
+                <a:ext uri="{FF2B5EF4-FFF2-40B4-BE49-F238E27FC236}">
+                  <a16:creationId xmlns:a16="http://schemas.microsoft.com/office/drawing/2014/main" id="{5FDC9685-431D-4449-A859-EEFB41D4EF99}"/>
+                </a:ext>
+              </a:extLst>
+            </p:cNvPr>
+            <p:cNvPicPr>
+              <a:picLocks noChangeAspect="1"/>
+            </p:cNvPicPr>
+            <p:nvPr/>
+          </p:nvPicPr>
+          <p:blipFill>
+            <a:blip r:embed="rId2"/>
+            <a:stretch>
+              <a:fillRect/>
+            </a:stretch>
+          </p:blipFill>
+          <p:spPr>
+            <a:xfrm flipH="1">
+              <a:off x="11946753" y="3396707"/>
+              <a:ext cx="546100" cy="177800"/>
+            </a:xfrm>
+            <a:prstGeom prst="rect">
+              <a:avLst/>
+            </a:prstGeom>
+          </p:spPr>
+        </p:pic>
+        <p:sp>
+          <p:nvSpPr>
+            <p:cNvPr id="82" name="矩形 81">
+              <a:extLst>
+                <a:ext uri="{FF2B5EF4-FFF2-40B4-BE49-F238E27FC236}">
+                  <a16:creationId xmlns:a16="http://schemas.microsoft.com/office/drawing/2014/main" id="{81F4BFAD-2823-614B-90D4-4B822E716D66}"/>
+                </a:ext>
+              </a:extLst>
+            </p:cNvPr>
+            <p:cNvSpPr/>
+            <p:nvPr/>
+          </p:nvSpPr>
+          <p:spPr>
+            <a:xfrm>
+              <a:off x="7192116" y="3705377"/>
+              <a:ext cx="2106050" cy="753706"/>
+            </a:xfrm>
+            <a:prstGeom prst="rect">
+              <a:avLst/>
+            </a:prstGeom>
+            <a:solidFill>
+              <a:srgbClr val="31C4F5"/>
+            </a:solidFill>
+            <a:ln w="12700">
+              <a:noFill/>
+            </a:ln>
+          </p:spPr>
+          <p:style>
+            <a:lnRef idx="2">
+              <a:schemeClr val="accent1">
+                <a:shade val="50000"/>
+              </a:schemeClr>
+            </a:lnRef>
+            <a:fillRef idx="1">
+              <a:schemeClr val="accent1"/>
+            </a:fillRef>
+            <a:effectRef idx="0">
+              <a:schemeClr val="accent1"/>
+            </a:effectRef>
+            <a:fontRef idx="minor">
+              <a:schemeClr val="lt1"/>
+            </a:fontRef>
+          </p:style>
+          <p:txBody>
+            <a:bodyPr rtlCol="0" anchor="ctr"/>
+            <a:lstStyle/>
+            <a:p>
+              <a:pPr algn="ctr"/>
+              <a:endParaRPr kumimoji="1" lang="zh-CN" altLang="en-US" sz="1600" dirty="0">
+                <a:solidFill>
+                  <a:schemeClr val="bg1"/>
+                </a:solidFill>
+                <a:latin typeface="Helvetica" pitchFamily="2" charset="0"/>
+                <a:cs typeface="Arial" panose="020B0604020202020204" pitchFamily="34" charset="0"/>
+              </a:endParaRPr>
+            </a:p>
+          </p:txBody>
+        </p:sp>
+        <p:sp>
+          <p:nvSpPr>
+            <p:cNvPr id="83" name="文本框 82">
+              <a:extLst>
+                <a:ext uri="{FF2B5EF4-FFF2-40B4-BE49-F238E27FC236}">
+                  <a16:creationId xmlns:a16="http://schemas.microsoft.com/office/drawing/2014/main" id="{E171BF98-E2AA-4D4B-A317-55AA3CBB24B8}"/>
+                </a:ext>
+              </a:extLst>
+            </p:cNvPr>
+            <p:cNvSpPr txBox="1"/>
+            <p:nvPr/>
+          </p:nvSpPr>
+          <p:spPr>
+            <a:xfrm>
+              <a:off x="7725536" y="3922201"/>
+              <a:ext cx="1050248" cy="338554"/>
+            </a:xfrm>
+            <a:prstGeom prst="rect">
+              <a:avLst/>
+            </a:prstGeom>
+            <a:noFill/>
+          </p:spPr>
+          <p:txBody>
+            <a:bodyPr wrap="square" rtlCol="0">
+              <a:spAutoFit/>
+            </a:bodyPr>
+            <a:lstStyle/>
+            <a:p>
+              <a:pPr algn="ctr"/>
+              <a:r>
+                <a:rPr kumimoji="1" lang="en-US" altLang="zh-CN" sz="1600" b="1" dirty="0">
+                  <a:solidFill>
+                    <a:schemeClr val="bg1"/>
+                  </a:solidFill>
+                  <a:latin typeface="Helvetica" pitchFamily="2" charset="0"/>
+                  <a:cs typeface="Arial" panose="020B0604020202020204" pitchFamily="34" charset="0"/>
+                </a:rPr>
+                <a:t>Air</a:t>
+              </a:r>
+              <a:r>
+                <a:rPr kumimoji="1" lang="zh-CN" altLang="en-US" sz="1600" b="1" dirty="0">
+                  <a:solidFill>
+                    <a:schemeClr val="bg1"/>
+                  </a:solidFill>
+                  <a:latin typeface="Helvetica" pitchFamily="2" charset="0"/>
+                  <a:cs typeface="Arial" panose="020B0604020202020204" pitchFamily="34" charset="0"/>
+                </a:rPr>
+                <a:t> </a:t>
+              </a:r>
+              <a:r>
+                <a:rPr kumimoji="1" lang="en-US" altLang="zh-CN" sz="1600" b="1" dirty="0">
+                  <a:solidFill>
+                    <a:schemeClr val="bg1"/>
+                  </a:solidFill>
+                  <a:latin typeface="Helvetica" pitchFamily="2" charset="0"/>
+                  <a:cs typeface="Arial" panose="020B0604020202020204" pitchFamily="34" charset="0"/>
+                </a:rPr>
+                <a:t>gap</a:t>
+              </a:r>
+              <a:endParaRPr kumimoji="1" lang="zh-CN" altLang="en-US" sz="1600" b="1" dirty="0">
+                <a:solidFill>
+                  <a:schemeClr val="bg1"/>
+                </a:solidFill>
+                <a:latin typeface="Helvetica" pitchFamily="2" charset="0"/>
+                <a:cs typeface="Arial" panose="020B0604020202020204" pitchFamily="34" charset="0"/>
+              </a:endParaRPr>
+            </a:p>
+          </p:txBody>
+        </p:sp>
+        <p:cxnSp>
+          <p:nvCxnSpPr>
+            <p:cNvPr id="3" name="肘形连接符 2">
+              <a:extLst>
+                <a:ext uri="{FF2B5EF4-FFF2-40B4-BE49-F238E27FC236}">
+                  <a16:creationId xmlns:a16="http://schemas.microsoft.com/office/drawing/2014/main" id="{1D1EC65C-0482-204E-8F1A-876A777785FD}"/>
+                </a:ext>
+              </a:extLst>
+            </p:cNvPr>
+            <p:cNvCxnSpPr>
+              <a:cxnSpLocks/>
+            </p:cNvCxnSpPr>
+            <p:nvPr/>
+          </p:nvCxnSpPr>
+          <p:spPr>
+            <a:xfrm rot="5400000" flipH="1" flipV="1">
+              <a:off x="6213209" y="1997872"/>
+              <a:ext cx="360000" cy="1368000"/>
+            </a:xfrm>
+            <a:prstGeom prst="bentConnector2">
+              <a:avLst/>
+            </a:prstGeom>
+            <a:ln w="19050">
+              <a:solidFill>
+                <a:srgbClr val="737893"/>
+              </a:solidFill>
+              <a:tailEnd type="triangle"/>
+            </a:ln>
+          </p:spPr>
+          <p:style>
+            <a:lnRef idx="1">
+              <a:schemeClr val="accent1"/>
+            </a:lnRef>
+            <a:fillRef idx="0">
+              <a:schemeClr val="accent1"/>
+            </a:fillRef>
+            <a:effectRef idx="0">
+              <a:schemeClr val="accent1"/>
+            </a:effectRef>
+            <a:fontRef idx="minor">
+              <a:schemeClr val="tx1"/>
+            </a:fontRef>
+          </p:style>
+        </p:cxnSp>
+        <p:cxnSp>
+          <p:nvCxnSpPr>
+            <p:cNvPr id="84" name="肘形连接符 83">
+              <a:extLst>
+                <a:ext uri="{FF2B5EF4-FFF2-40B4-BE49-F238E27FC236}">
+                  <a16:creationId xmlns:a16="http://schemas.microsoft.com/office/drawing/2014/main" id="{8A6E9860-6D37-EC4D-8E66-56AA929F1BEE}"/>
+                </a:ext>
+              </a:extLst>
+            </p:cNvPr>
+            <p:cNvCxnSpPr>
+              <a:cxnSpLocks/>
+            </p:cNvCxnSpPr>
+            <p:nvPr/>
+          </p:nvCxnSpPr>
+          <p:spPr>
+            <a:xfrm rot="5400000" flipH="1" flipV="1">
+              <a:off x="6331611" y="2123872"/>
+              <a:ext cx="252000" cy="1224000"/>
+            </a:xfrm>
+            <a:prstGeom prst="bentConnector2">
+              <a:avLst/>
+            </a:prstGeom>
+            <a:ln w="19050">
+              <a:solidFill>
+                <a:srgbClr val="737893"/>
+              </a:solidFill>
+              <a:headEnd type="triangle"/>
+              <a:tailEnd type="none"/>
+            </a:ln>
+          </p:spPr>
+          <p:style>
+            <a:lnRef idx="1">
+              <a:schemeClr val="accent1"/>
+            </a:lnRef>
+            <a:fillRef idx="0">
+              <a:schemeClr val="accent1"/>
+            </a:fillRef>
+            <a:effectRef idx="0">
+              <a:schemeClr val="accent1"/>
+            </a:effectRef>
+            <a:fontRef idx="minor">
+              <a:schemeClr val="tx1"/>
+            </a:fontRef>
+          </p:style>
+        </p:cxnSp>
+        <p:cxnSp>
+          <p:nvCxnSpPr>
+            <p:cNvPr id="85" name="肘形连接符 84">
+              <a:extLst>
+                <a:ext uri="{FF2B5EF4-FFF2-40B4-BE49-F238E27FC236}">
+                  <a16:creationId xmlns:a16="http://schemas.microsoft.com/office/drawing/2014/main" id="{DFE2564E-133E-9D48-BA47-507D9912BC2C}"/>
+                </a:ext>
+              </a:extLst>
+            </p:cNvPr>
+            <p:cNvCxnSpPr>
+              <a:cxnSpLocks/>
+            </p:cNvCxnSpPr>
+            <p:nvPr/>
+          </p:nvCxnSpPr>
+          <p:spPr>
+            <a:xfrm rot="16200000" flipH="1">
+              <a:off x="6192033" y="3412944"/>
+              <a:ext cx="360000" cy="1368000"/>
+            </a:xfrm>
+            <a:prstGeom prst="bentConnector2">
+              <a:avLst/>
+            </a:prstGeom>
+            <a:ln w="19050">
+              <a:solidFill>
+                <a:srgbClr val="737893"/>
+              </a:solidFill>
+              <a:tailEnd type="triangle"/>
+            </a:ln>
+          </p:spPr>
+          <p:style>
+            <a:lnRef idx="1">
+              <a:schemeClr val="accent1"/>
+            </a:lnRef>
+            <a:fillRef idx="0">
+              <a:schemeClr val="accent1"/>
+            </a:fillRef>
+            <a:effectRef idx="0">
+              <a:schemeClr val="accent1"/>
+            </a:effectRef>
+            <a:fontRef idx="minor">
+              <a:schemeClr val="tx1"/>
+            </a:fontRef>
+          </p:style>
+        </p:cxnSp>
+        <p:cxnSp>
+          <p:nvCxnSpPr>
+            <p:cNvPr id="86" name="肘形连接符 85">
+              <a:extLst>
+                <a:ext uri="{FF2B5EF4-FFF2-40B4-BE49-F238E27FC236}">
+                  <a16:creationId xmlns:a16="http://schemas.microsoft.com/office/drawing/2014/main" id="{99686446-C060-0F4B-9308-381944B6D53B}"/>
+                </a:ext>
+              </a:extLst>
+            </p:cNvPr>
+            <p:cNvCxnSpPr>
+              <a:cxnSpLocks/>
+            </p:cNvCxnSpPr>
+            <p:nvPr/>
+          </p:nvCxnSpPr>
+          <p:spPr>
+            <a:xfrm rot="16200000" flipH="1">
+              <a:off x="6299284" y="3405132"/>
+              <a:ext cx="252000" cy="1224000"/>
+            </a:xfrm>
+            <a:prstGeom prst="bentConnector2">
+              <a:avLst/>
+            </a:prstGeom>
+            <a:ln w="19050">
+              <a:solidFill>
+                <a:srgbClr val="737893"/>
+              </a:solidFill>
+              <a:headEnd type="triangle"/>
+              <a:tailEnd type="none"/>
+            </a:ln>
+          </p:spPr>
+          <p:style>
+            <a:lnRef idx="1">
+              <a:schemeClr val="accent1"/>
+            </a:lnRef>
+            <a:fillRef idx="0">
+              <a:schemeClr val="accent1"/>
+            </a:fillRef>
+            <a:effectRef idx="0">
+              <a:schemeClr val="accent1"/>
+            </a:effectRef>
+            <a:fontRef idx="minor">
+              <a:schemeClr val="tx1"/>
+            </a:fontRef>
+          </p:style>
+        </p:cxnSp>
+        <p:sp>
+          <p:nvSpPr>
+            <p:cNvPr id="87" name="TextBox 10">
+              <a:extLst>
+                <a:ext uri="{FF2B5EF4-FFF2-40B4-BE49-F238E27FC236}">
+                  <a16:creationId xmlns:a16="http://schemas.microsoft.com/office/drawing/2014/main" id="{DB723D1A-4684-E544-8667-B4C389C2C793}"/>
+                </a:ext>
+              </a:extLst>
+            </p:cNvPr>
+            <p:cNvSpPr txBox="1"/>
+            <p:nvPr/>
+          </p:nvSpPr>
+          <p:spPr>
+            <a:xfrm>
+              <a:off x="5276255" y="4260755"/>
+              <a:ext cx="1915861" cy="307777"/>
+            </a:xfrm>
+            <a:prstGeom prst="rect">
+              <a:avLst/>
+            </a:prstGeom>
+            <a:noFill/>
+          </p:spPr>
+          <p:txBody>
+            <a:bodyPr wrap="square" rtlCol="0">
+              <a:spAutoFit/>
+            </a:bodyPr>
+            <a:lstStyle/>
+            <a:p>
+              <a:pPr>
+                <a:defRPr/>
+              </a:pPr>
+              <a:r>
+                <a:rPr lang="zh-CN" altLang="en-US" sz="1400" dirty="0">
+                  <a:solidFill>
+                    <a:srgbClr val="182135"/>
+                  </a:solidFill>
+                  <a:latin typeface="+mn-ea"/>
+                  <a:cs typeface="Arial" charset="0"/>
+                </a:rPr>
+                <a:t>以太网</a:t>
+              </a:r>
+              <a:endParaRPr lang="en-US" sz="1400" dirty="0">
+                <a:solidFill>
+                  <a:srgbClr val="182135"/>
+                </a:solidFill>
+                <a:latin typeface="+mn-ea"/>
+                <a:cs typeface="Arial" charset="0"/>
+              </a:endParaRPr>
+            </a:p>
+          </p:txBody>
+        </p:sp>
+        <p:cxnSp>
+          <p:nvCxnSpPr>
+            <p:cNvPr id="88" name="肘形连接符 87">
+              <a:extLst>
+                <a:ext uri="{FF2B5EF4-FFF2-40B4-BE49-F238E27FC236}">
+                  <a16:creationId xmlns:a16="http://schemas.microsoft.com/office/drawing/2014/main" id="{2475C03A-7C0C-9F48-A2A6-61A76C035CDE}"/>
+                </a:ext>
+              </a:extLst>
+            </p:cNvPr>
+            <p:cNvCxnSpPr>
+              <a:cxnSpLocks/>
+            </p:cNvCxnSpPr>
+            <p:nvPr/>
+          </p:nvCxnSpPr>
+          <p:spPr>
+            <a:xfrm rot="16200000" flipV="1">
+              <a:off x="9923455" y="1889872"/>
+              <a:ext cx="360000" cy="1368000"/>
+            </a:xfrm>
+            <a:prstGeom prst="bentConnector2">
+              <a:avLst/>
+            </a:prstGeom>
+            <a:ln w="19050">
+              <a:solidFill>
+                <a:srgbClr val="737893"/>
+              </a:solidFill>
+              <a:tailEnd type="triangle"/>
+            </a:ln>
+          </p:spPr>
+          <p:style>
+            <a:lnRef idx="1">
+              <a:schemeClr val="accent1"/>
+            </a:lnRef>
+            <a:fillRef idx="0">
+              <a:schemeClr val="accent1"/>
+            </a:fillRef>
+            <a:effectRef idx="0">
+              <a:schemeClr val="accent1"/>
+            </a:effectRef>
+            <a:fontRef idx="minor">
+              <a:schemeClr val="tx1"/>
+            </a:fontRef>
+          </p:style>
+        </p:cxnSp>
+        <p:cxnSp>
+          <p:nvCxnSpPr>
+            <p:cNvPr id="89" name="肘形连接符 88">
+              <a:extLst>
+                <a:ext uri="{FF2B5EF4-FFF2-40B4-BE49-F238E27FC236}">
+                  <a16:creationId xmlns:a16="http://schemas.microsoft.com/office/drawing/2014/main" id="{A044D48F-704D-9541-854B-46E8B48514E4}"/>
+                </a:ext>
+              </a:extLst>
+            </p:cNvPr>
+            <p:cNvCxnSpPr>
+              <a:cxnSpLocks/>
+            </p:cNvCxnSpPr>
+            <p:nvPr/>
+          </p:nvCxnSpPr>
+          <p:spPr>
+            <a:xfrm rot="16200000" flipV="1">
+              <a:off x="9956279" y="2041203"/>
+              <a:ext cx="252000" cy="1224000"/>
+            </a:xfrm>
+            <a:prstGeom prst="bentConnector2">
+              <a:avLst/>
+            </a:prstGeom>
+            <a:ln w="19050">
+              <a:solidFill>
+                <a:srgbClr val="737893"/>
+              </a:solidFill>
+              <a:headEnd type="triangle"/>
+              <a:tailEnd type="none"/>
+            </a:ln>
+          </p:spPr>
+          <p:style>
+            <a:lnRef idx="1">
+              <a:schemeClr val="accent1"/>
+            </a:lnRef>
+            <a:fillRef idx="0">
+              <a:schemeClr val="accent1"/>
+            </a:fillRef>
+            <a:effectRef idx="0">
+              <a:schemeClr val="accent1"/>
+            </a:effectRef>
+            <a:fontRef idx="minor">
+              <a:schemeClr val="tx1"/>
+            </a:fontRef>
+          </p:style>
+        </p:cxnSp>
+        <p:cxnSp>
+          <p:nvCxnSpPr>
+            <p:cNvPr id="90" name="肘形连接符 89">
+              <a:extLst>
+                <a:ext uri="{FF2B5EF4-FFF2-40B4-BE49-F238E27FC236}">
+                  <a16:creationId xmlns:a16="http://schemas.microsoft.com/office/drawing/2014/main" id="{F2355134-E211-2E4E-9375-D0ACD8657A03}"/>
+                </a:ext>
+              </a:extLst>
+            </p:cNvPr>
+            <p:cNvCxnSpPr>
+              <a:cxnSpLocks/>
+            </p:cNvCxnSpPr>
+            <p:nvPr/>
+          </p:nvCxnSpPr>
+          <p:spPr>
+            <a:xfrm rot="5400000">
+              <a:off x="9902279" y="3304944"/>
+              <a:ext cx="360000" cy="1368000"/>
+            </a:xfrm>
+            <a:prstGeom prst="bentConnector2">
+              <a:avLst/>
+            </a:prstGeom>
+            <a:ln w="19050">
+              <a:solidFill>
+                <a:srgbClr val="737893"/>
+              </a:solidFill>
+              <a:tailEnd type="triangle"/>
+            </a:ln>
+          </p:spPr>
+          <p:style>
+            <a:lnRef idx="1">
+              <a:schemeClr val="accent1"/>
+            </a:lnRef>
+            <a:fillRef idx="0">
+              <a:schemeClr val="accent1"/>
+            </a:fillRef>
+            <a:effectRef idx="0">
+              <a:schemeClr val="accent1"/>
+            </a:effectRef>
+            <a:fontRef idx="minor">
+              <a:schemeClr val="tx1"/>
+            </a:fontRef>
+          </p:style>
+        </p:cxnSp>
+        <p:cxnSp>
+          <p:nvCxnSpPr>
+            <p:cNvPr id="91" name="肘形连接符 90">
+              <a:extLst>
+                <a:ext uri="{FF2B5EF4-FFF2-40B4-BE49-F238E27FC236}">
+                  <a16:creationId xmlns:a16="http://schemas.microsoft.com/office/drawing/2014/main" id="{4544E026-3987-8C40-8904-87AC69B4C88B}"/>
+                </a:ext>
+              </a:extLst>
+            </p:cNvPr>
+            <p:cNvCxnSpPr>
+              <a:cxnSpLocks/>
+            </p:cNvCxnSpPr>
+            <p:nvPr/>
+          </p:nvCxnSpPr>
+          <p:spPr>
+            <a:xfrm rot="5400000">
+              <a:off x="9905455" y="3310201"/>
+              <a:ext cx="252000" cy="1224000"/>
+            </a:xfrm>
+            <a:prstGeom prst="bentConnector2">
+              <a:avLst/>
+            </a:prstGeom>
+            <a:ln w="19050">
+              <a:solidFill>
+                <a:srgbClr val="737893"/>
+              </a:solidFill>
+              <a:headEnd type="triangle"/>
+              <a:tailEnd type="none"/>
+            </a:ln>
+          </p:spPr>
+          <p:style>
+            <a:lnRef idx="1">
+              <a:schemeClr val="accent1"/>
+            </a:lnRef>
+            <a:fillRef idx="0">
+              <a:schemeClr val="accent1"/>
+            </a:fillRef>
+            <a:effectRef idx="0">
+              <a:schemeClr val="accent1"/>
+            </a:effectRef>
+            <a:fontRef idx="minor">
+              <a:schemeClr val="tx1"/>
+            </a:fontRef>
+          </p:style>
+        </p:cxnSp>
+        <p:sp>
+          <p:nvSpPr>
+            <p:cNvPr id="92" name="TextBox 10">
+              <a:extLst>
+                <a:ext uri="{FF2B5EF4-FFF2-40B4-BE49-F238E27FC236}">
+                  <a16:creationId xmlns:a16="http://schemas.microsoft.com/office/drawing/2014/main" id="{E357929F-0AED-4842-8DD8-B00B9DF41AE5}"/>
+                </a:ext>
+              </a:extLst>
+            </p:cNvPr>
+            <p:cNvSpPr txBox="1"/>
+            <p:nvPr/>
+          </p:nvSpPr>
+          <p:spPr>
+            <a:xfrm>
+              <a:off x="10303942" y="2048254"/>
+              <a:ext cx="1915861" cy="307777"/>
+            </a:xfrm>
+            <a:prstGeom prst="rect">
+              <a:avLst/>
+            </a:prstGeom>
+            <a:noFill/>
+          </p:spPr>
+          <p:txBody>
+            <a:bodyPr wrap="square" rtlCol="0">
+              <a:spAutoFit/>
+            </a:bodyPr>
+            <a:lstStyle/>
+            <a:p>
+              <a:pPr>
+                <a:defRPr/>
+              </a:pPr>
+              <a:r>
+                <a:rPr lang="zh-CN" altLang="en-US" sz="1400" dirty="0">
+                  <a:solidFill>
+                    <a:srgbClr val="182135"/>
+                  </a:solidFill>
+                  <a:latin typeface="+mn-ea"/>
+                  <a:cs typeface="Arial" charset="0"/>
+                </a:rPr>
+                <a:t>以太网</a:t>
+              </a:r>
+              <a:endParaRPr lang="en-US" sz="1400" dirty="0">
+                <a:solidFill>
+                  <a:srgbClr val="182135"/>
+                </a:solidFill>
+                <a:latin typeface="+mn-ea"/>
+                <a:cs typeface="Arial" charset="0"/>
+              </a:endParaRPr>
+            </a:p>
+          </p:txBody>
+        </p:sp>
+      </p:grpSp>
+    </p:spTree>
+    <p:extLst>
+      <p:ext uri="{BB962C8B-B14F-4D97-AF65-F5344CB8AC3E}">
+        <p14:creationId xmlns:p14="http://schemas.microsoft.com/office/powerpoint/2010/main" val="1115176643"/>
+      </p:ext>
+    </p:extLst>
+  </p:cSld>
+  <p:clrMapOvr>
+    <a:masterClrMapping/>
+  </p:clrMapOvr>
+</p:sld>
+</file>
+
 <file path=ppt/theme/theme1.xml><?xml version="1.0" encoding="utf-8"?>
 <a:theme xmlns:a="http://schemas.openxmlformats.org/drawingml/2006/main" name="1_自定义设计方案">
   <a:themeElements>

--- a/media/edge.pptx
+++ b/media/edge.pptx
@@ -5,10 +5,10 @@
     <p:sldMasterId id="2147483743" r:id="rId1"/>
   </p:sldMasterIdLst>
   <p:notesMasterIdLst>
-    <p:notesMasterId r:id="rId10"/>
+    <p:notesMasterId r:id="rId11"/>
   </p:notesMasterIdLst>
   <p:handoutMasterIdLst>
-    <p:handoutMasterId r:id="rId11"/>
+    <p:handoutMasterId r:id="rId12"/>
   </p:handoutMasterIdLst>
   <p:sldIdLst>
     <p:sldId id="318" r:id="rId2"/>
@@ -19,6 +19,7 @@
     <p:sldId id="322" r:id="rId7"/>
     <p:sldId id="323" r:id="rId8"/>
     <p:sldId id="324" r:id="rId9"/>
+    <p:sldId id="328" r:id="rId10"/>
   </p:sldIdLst>
   <p:sldSz cx="12192000" cy="6858000"/>
   <p:notesSz cx="6858000" cy="9144000"/>
@@ -210,7 +211,7 @@
           <a:p>
             <a:fld id="{47277FB0-21EC-48C5-90B0-184600466A6C}" type="datetimeFigureOut">
               <a:rPr lang="zh-CN" altLang="en-US" smtClean="0"/>
-              <a:t>2019/8/26</a:t>
+              <a:t>2019/10/12</a:t>
             </a:fld>
             <a:endParaRPr lang="zh-CN" altLang="en-US"/>
           </a:p>
@@ -375,7 +376,7 @@
           <a:p>
             <a:fld id="{9C967889-4715-5C4F-A252-FFC716185AB6}" type="datetimeFigureOut">
               <a:rPr lang="en-US" smtClean="0"/>
-              <a:t>8/26/19</a:t>
+              <a:t>10/12/2019</a:t>
             </a:fld>
             <a:endParaRPr lang="en-US"/>
           </a:p>
@@ -19758,6 +19759,2784 @@
 </p:sld>
 </file>
 
+<file path=ppt/slides/slide9.xml><?xml version="1.0" encoding="utf-8"?>
+<p:sld xmlns:a="http://schemas.openxmlformats.org/drawingml/2006/main" xmlns:r="http://schemas.openxmlformats.org/officeDocument/2006/relationships" xmlns:p="http://schemas.openxmlformats.org/presentationml/2006/main">
+  <p:cSld>
+    <p:spTree>
+      <p:nvGrpSpPr>
+        <p:cNvPr id="1" name=""/>
+        <p:cNvGrpSpPr/>
+        <p:nvPr/>
+      </p:nvGrpSpPr>
+      <p:grpSpPr>
+        <a:xfrm>
+          <a:off x="0" y="0"/>
+          <a:ext cx="0" cy="0"/>
+          <a:chOff x="0" y="0"/>
+          <a:chExt cx="0" cy="0"/>
+        </a:xfrm>
+      </p:grpSpPr>
+      <p:sp>
+        <p:nvSpPr>
+          <p:cNvPr id="5" name="Freeform 65">
+            <a:extLst>
+              <a:ext uri="{FF2B5EF4-FFF2-40B4-BE49-F238E27FC236}">
+                <a16:creationId xmlns:a16="http://schemas.microsoft.com/office/drawing/2014/main" id="{E63A234E-E6AA-4850-8B2F-832D2151BA94}"/>
+              </a:ext>
+            </a:extLst>
+          </p:cNvPr>
+          <p:cNvSpPr>
+            <a:spLocks noEditPoints="1"/>
+          </p:cNvSpPr>
+          <p:nvPr/>
+        </p:nvSpPr>
+        <p:spPr bwMode="auto">
+          <a:xfrm>
+            <a:off x="5519426" y="2626535"/>
+            <a:ext cx="988555" cy="756745"/>
+          </a:xfrm>
+          <a:custGeom>
+            <a:avLst/>
+            <a:gdLst>
+              <a:gd name="T0" fmla="*/ 179 w 661"/>
+              <a:gd name="T1" fmla="*/ 397 h 506"/>
+              <a:gd name="T2" fmla="*/ 144 w 661"/>
+              <a:gd name="T3" fmla="*/ 397 h 506"/>
+              <a:gd name="T4" fmla="*/ 144 w 661"/>
+              <a:gd name="T5" fmla="*/ 433 h 506"/>
+              <a:gd name="T6" fmla="*/ 179 w 661"/>
+              <a:gd name="T7" fmla="*/ 433 h 506"/>
+              <a:gd name="T8" fmla="*/ 179 w 661"/>
+              <a:gd name="T9" fmla="*/ 397 h 506"/>
+              <a:gd name="T10" fmla="*/ 108 w 661"/>
+              <a:gd name="T11" fmla="*/ 324 h 506"/>
+              <a:gd name="T12" fmla="*/ 70 w 661"/>
+              <a:gd name="T13" fmla="*/ 324 h 506"/>
+              <a:gd name="T14" fmla="*/ 70 w 661"/>
+              <a:gd name="T15" fmla="*/ 362 h 506"/>
+              <a:gd name="T16" fmla="*/ 108 w 661"/>
+              <a:gd name="T17" fmla="*/ 362 h 506"/>
+              <a:gd name="T18" fmla="*/ 108 w 661"/>
+              <a:gd name="T19" fmla="*/ 324 h 506"/>
+              <a:gd name="T20" fmla="*/ 108 w 661"/>
+              <a:gd name="T21" fmla="*/ 397 h 506"/>
+              <a:gd name="T22" fmla="*/ 70 w 661"/>
+              <a:gd name="T23" fmla="*/ 397 h 506"/>
+              <a:gd name="T24" fmla="*/ 70 w 661"/>
+              <a:gd name="T25" fmla="*/ 433 h 506"/>
+              <a:gd name="T26" fmla="*/ 108 w 661"/>
+              <a:gd name="T27" fmla="*/ 433 h 506"/>
+              <a:gd name="T28" fmla="*/ 108 w 661"/>
+              <a:gd name="T29" fmla="*/ 397 h 506"/>
+              <a:gd name="T30" fmla="*/ 250 w 661"/>
+              <a:gd name="T31" fmla="*/ 397 h 506"/>
+              <a:gd name="T32" fmla="*/ 215 w 661"/>
+              <a:gd name="T33" fmla="*/ 397 h 506"/>
+              <a:gd name="T34" fmla="*/ 215 w 661"/>
+              <a:gd name="T35" fmla="*/ 433 h 506"/>
+              <a:gd name="T36" fmla="*/ 250 w 661"/>
+              <a:gd name="T37" fmla="*/ 433 h 506"/>
+              <a:gd name="T38" fmla="*/ 250 w 661"/>
+              <a:gd name="T39" fmla="*/ 397 h 506"/>
+              <a:gd name="T40" fmla="*/ 179 w 661"/>
+              <a:gd name="T41" fmla="*/ 324 h 506"/>
+              <a:gd name="T42" fmla="*/ 144 w 661"/>
+              <a:gd name="T43" fmla="*/ 324 h 506"/>
+              <a:gd name="T44" fmla="*/ 144 w 661"/>
+              <a:gd name="T45" fmla="*/ 362 h 506"/>
+              <a:gd name="T46" fmla="*/ 179 w 661"/>
+              <a:gd name="T47" fmla="*/ 362 h 506"/>
+              <a:gd name="T48" fmla="*/ 179 w 661"/>
+              <a:gd name="T49" fmla="*/ 324 h 506"/>
+              <a:gd name="T50" fmla="*/ 576 w 661"/>
+              <a:gd name="T51" fmla="*/ 352 h 506"/>
+              <a:gd name="T52" fmla="*/ 432 w 661"/>
+              <a:gd name="T53" fmla="*/ 352 h 506"/>
+              <a:gd name="T54" fmla="*/ 432 w 661"/>
+              <a:gd name="T55" fmla="*/ 407 h 506"/>
+              <a:gd name="T56" fmla="*/ 576 w 661"/>
+              <a:gd name="T57" fmla="*/ 407 h 506"/>
+              <a:gd name="T58" fmla="*/ 576 w 661"/>
+              <a:gd name="T59" fmla="*/ 352 h 506"/>
+              <a:gd name="T60" fmla="*/ 661 w 661"/>
+              <a:gd name="T61" fmla="*/ 253 h 506"/>
+              <a:gd name="T62" fmla="*/ 661 w 661"/>
+              <a:gd name="T63" fmla="*/ 253 h 506"/>
+              <a:gd name="T64" fmla="*/ 543 w 661"/>
+              <a:gd name="T65" fmla="*/ 0 h 506"/>
+              <a:gd name="T66" fmla="*/ 115 w 661"/>
+              <a:gd name="T67" fmla="*/ 0 h 506"/>
+              <a:gd name="T68" fmla="*/ 0 w 661"/>
+              <a:gd name="T69" fmla="*/ 253 h 506"/>
+              <a:gd name="T70" fmla="*/ 0 w 661"/>
+              <a:gd name="T71" fmla="*/ 253 h 506"/>
+              <a:gd name="T72" fmla="*/ 0 w 661"/>
+              <a:gd name="T73" fmla="*/ 506 h 506"/>
+              <a:gd name="T74" fmla="*/ 661 w 661"/>
+              <a:gd name="T75" fmla="*/ 506 h 506"/>
+              <a:gd name="T76" fmla="*/ 661 w 661"/>
+              <a:gd name="T77" fmla="*/ 506 h 506"/>
+              <a:gd name="T78" fmla="*/ 661 w 661"/>
+              <a:gd name="T79" fmla="*/ 506 h 506"/>
+              <a:gd name="T80" fmla="*/ 661 w 661"/>
+              <a:gd name="T81" fmla="*/ 253 h 506"/>
+              <a:gd name="T82" fmla="*/ 661 w 661"/>
+              <a:gd name="T83" fmla="*/ 253 h 506"/>
+              <a:gd name="T84" fmla="*/ 626 w 661"/>
+              <a:gd name="T85" fmla="*/ 468 h 506"/>
+              <a:gd name="T86" fmla="*/ 35 w 661"/>
+              <a:gd name="T87" fmla="*/ 468 h 506"/>
+              <a:gd name="T88" fmla="*/ 35 w 661"/>
+              <a:gd name="T89" fmla="*/ 288 h 506"/>
+              <a:gd name="T90" fmla="*/ 626 w 661"/>
+              <a:gd name="T91" fmla="*/ 288 h 506"/>
+              <a:gd name="T92" fmla="*/ 626 w 661"/>
+              <a:gd name="T93" fmla="*/ 468 h 506"/>
+              <a:gd name="T94" fmla="*/ 323 w 661"/>
+              <a:gd name="T95" fmla="*/ 324 h 506"/>
+              <a:gd name="T96" fmla="*/ 288 w 661"/>
+              <a:gd name="T97" fmla="*/ 324 h 506"/>
+              <a:gd name="T98" fmla="*/ 288 w 661"/>
+              <a:gd name="T99" fmla="*/ 362 h 506"/>
+              <a:gd name="T100" fmla="*/ 323 w 661"/>
+              <a:gd name="T101" fmla="*/ 362 h 506"/>
+              <a:gd name="T102" fmla="*/ 323 w 661"/>
+              <a:gd name="T103" fmla="*/ 324 h 506"/>
+              <a:gd name="T104" fmla="*/ 323 w 661"/>
+              <a:gd name="T105" fmla="*/ 397 h 506"/>
+              <a:gd name="T106" fmla="*/ 288 w 661"/>
+              <a:gd name="T107" fmla="*/ 397 h 506"/>
+              <a:gd name="T108" fmla="*/ 288 w 661"/>
+              <a:gd name="T109" fmla="*/ 433 h 506"/>
+              <a:gd name="T110" fmla="*/ 323 w 661"/>
+              <a:gd name="T111" fmla="*/ 433 h 506"/>
+              <a:gd name="T112" fmla="*/ 323 w 661"/>
+              <a:gd name="T113" fmla="*/ 397 h 506"/>
+              <a:gd name="T114" fmla="*/ 250 w 661"/>
+              <a:gd name="T115" fmla="*/ 324 h 506"/>
+              <a:gd name="T116" fmla="*/ 215 w 661"/>
+              <a:gd name="T117" fmla="*/ 324 h 506"/>
+              <a:gd name="T118" fmla="*/ 215 w 661"/>
+              <a:gd name="T119" fmla="*/ 362 h 506"/>
+              <a:gd name="T120" fmla="*/ 250 w 661"/>
+              <a:gd name="T121" fmla="*/ 362 h 506"/>
+              <a:gd name="T122" fmla="*/ 250 w 661"/>
+              <a:gd name="T123" fmla="*/ 324 h 506"/>
+            </a:gdLst>
+            <a:ahLst/>
+            <a:cxnLst>
+              <a:cxn ang="0">
+                <a:pos x="T0" y="T1"/>
+              </a:cxn>
+              <a:cxn ang="0">
+                <a:pos x="T2" y="T3"/>
+              </a:cxn>
+              <a:cxn ang="0">
+                <a:pos x="T4" y="T5"/>
+              </a:cxn>
+              <a:cxn ang="0">
+                <a:pos x="T6" y="T7"/>
+              </a:cxn>
+              <a:cxn ang="0">
+                <a:pos x="T8" y="T9"/>
+              </a:cxn>
+              <a:cxn ang="0">
+                <a:pos x="T10" y="T11"/>
+              </a:cxn>
+              <a:cxn ang="0">
+                <a:pos x="T12" y="T13"/>
+              </a:cxn>
+              <a:cxn ang="0">
+                <a:pos x="T14" y="T15"/>
+              </a:cxn>
+              <a:cxn ang="0">
+                <a:pos x="T16" y="T17"/>
+              </a:cxn>
+              <a:cxn ang="0">
+                <a:pos x="T18" y="T19"/>
+              </a:cxn>
+              <a:cxn ang="0">
+                <a:pos x="T20" y="T21"/>
+              </a:cxn>
+              <a:cxn ang="0">
+                <a:pos x="T22" y="T23"/>
+              </a:cxn>
+              <a:cxn ang="0">
+                <a:pos x="T24" y="T25"/>
+              </a:cxn>
+              <a:cxn ang="0">
+                <a:pos x="T26" y="T27"/>
+              </a:cxn>
+              <a:cxn ang="0">
+                <a:pos x="T28" y="T29"/>
+              </a:cxn>
+              <a:cxn ang="0">
+                <a:pos x="T30" y="T31"/>
+              </a:cxn>
+              <a:cxn ang="0">
+                <a:pos x="T32" y="T33"/>
+              </a:cxn>
+              <a:cxn ang="0">
+                <a:pos x="T34" y="T35"/>
+              </a:cxn>
+              <a:cxn ang="0">
+                <a:pos x="T36" y="T37"/>
+              </a:cxn>
+              <a:cxn ang="0">
+                <a:pos x="T38" y="T39"/>
+              </a:cxn>
+              <a:cxn ang="0">
+                <a:pos x="T40" y="T41"/>
+              </a:cxn>
+              <a:cxn ang="0">
+                <a:pos x="T42" y="T43"/>
+              </a:cxn>
+              <a:cxn ang="0">
+                <a:pos x="T44" y="T45"/>
+              </a:cxn>
+              <a:cxn ang="0">
+                <a:pos x="T46" y="T47"/>
+              </a:cxn>
+              <a:cxn ang="0">
+                <a:pos x="T48" y="T49"/>
+              </a:cxn>
+              <a:cxn ang="0">
+                <a:pos x="T50" y="T51"/>
+              </a:cxn>
+              <a:cxn ang="0">
+                <a:pos x="T52" y="T53"/>
+              </a:cxn>
+              <a:cxn ang="0">
+                <a:pos x="T54" y="T55"/>
+              </a:cxn>
+              <a:cxn ang="0">
+                <a:pos x="T56" y="T57"/>
+              </a:cxn>
+              <a:cxn ang="0">
+                <a:pos x="T58" y="T59"/>
+              </a:cxn>
+              <a:cxn ang="0">
+                <a:pos x="T60" y="T61"/>
+              </a:cxn>
+              <a:cxn ang="0">
+                <a:pos x="T62" y="T63"/>
+              </a:cxn>
+              <a:cxn ang="0">
+                <a:pos x="T64" y="T65"/>
+              </a:cxn>
+              <a:cxn ang="0">
+                <a:pos x="T66" y="T67"/>
+              </a:cxn>
+              <a:cxn ang="0">
+                <a:pos x="T68" y="T69"/>
+              </a:cxn>
+              <a:cxn ang="0">
+                <a:pos x="T70" y="T71"/>
+              </a:cxn>
+              <a:cxn ang="0">
+                <a:pos x="T72" y="T73"/>
+              </a:cxn>
+              <a:cxn ang="0">
+                <a:pos x="T74" y="T75"/>
+              </a:cxn>
+              <a:cxn ang="0">
+                <a:pos x="T76" y="T77"/>
+              </a:cxn>
+              <a:cxn ang="0">
+                <a:pos x="T78" y="T79"/>
+              </a:cxn>
+              <a:cxn ang="0">
+                <a:pos x="T80" y="T81"/>
+              </a:cxn>
+              <a:cxn ang="0">
+                <a:pos x="T82" y="T83"/>
+              </a:cxn>
+              <a:cxn ang="0">
+                <a:pos x="T84" y="T85"/>
+              </a:cxn>
+              <a:cxn ang="0">
+                <a:pos x="T86" y="T87"/>
+              </a:cxn>
+              <a:cxn ang="0">
+                <a:pos x="T88" y="T89"/>
+              </a:cxn>
+              <a:cxn ang="0">
+                <a:pos x="T90" y="T91"/>
+              </a:cxn>
+              <a:cxn ang="0">
+                <a:pos x="T92" y="T93"/>
+              </a:cxn>
+              <a:cxn ang="0">
+                <a:pos x="T94" y="T95"/>
+              </a:cxn>
+              <a:cxn ang="0">
+                <a:pos x="T96" y="T97"/>
+              </a:cxn>
+              <a:cxn ang="0">
+                <a:pos x="T98" y="T99"/>
+              </a:cxn>
+              <a:cxn ang="0">
+                <a:pos x="T100" y="T101"/>
+              </a:cxn>
+              <a:cxn ang="0">
+                <a:pos x="T102" y="T103"/>
+              </a:cxn>
+              <a:cxn ang="0">
+                <a:pos x="T104" y="T105"/>
+              </a:cxn>
+              <a:cxn ang="0">
+                <a:pos x="T106" y="T107"/>
+              </a:cxn>
+              <a:cxn ang="0">
+                <a:pos x="T108" y="T109"/>
+              </a:cxn>
+              <a:cxn ang="0">
+                <a:pos x="T110" y="T111"/>
+              </a:cxn>
+              <a:cxn ang="0">
+                <a:pos x="T112" y="T113"/>
+              </a:cxn>
+              <a:cxn ang="0">
+                <a:pos x="T114" y="T115"/>
+              </a:cxn>
+              <a:cxn ang="0">
+                <a:pos x="T116" y="T117"/>
+              </a:cxn>
+              <a:cxn ang="0">
+                <a:pos x="T118" y="T119"/>
+              </a:cxn>
+              <a:cxn ang="0">
+                <a:pos x="T120" y="T121"/>
+              </a:cxn>
+              <a:cxn ang="0">
+                <a:pos x="T122" y="T123"/>
+              </a:cxn>
+            </a:cxnLst>
+            <a:rect l="0" t="0" r="r" b="b"/>
+            <a:pathLst>
+              <a:path w="661" h="506">
+                <a:moveTo>
+                  <a:pt x="179" y="397"/>
+                </a:moveTo>
+                <a:lnTo>
+                  <a:pt x="144" y="397"/>
+                </a:lnTo>
+                <a:lnTo>
+                  <a:pt x="144" y="433"/>
+                </a:lnTo>
+                <a:lnTo>
+                  <a:pt x="179" y="433"/>
+                </a:lnTo>
+                <a:lnTo>
+                  <a:pt x="179" y="397"/>
+                </a:lnTo>
+                <a:close/>
+                <a:moveTo>
+                  <a:pt x="108" y="324"/>
+                </a:moveTo>
+                <a:lnTo>
+                  <a:pt x="70" y="324"/>
+                </a:lnTo>
+                <a:lnTo>
+                  <a:pt x="70" y="362"/>
+                </a:lnTo>
+                <a:lnTo>
+                  <a:pt x="108" y="362"/>
+                </a:lnTo>
+                <a:lnTo>
+                  <a:pt x="108" y="324"/>
+                </a:lnTo>
+                <a:close/>
+                <a:moveTo>
+                  <a:pt x="108" y="397"/>
+                </a:moveTo>
+                <a:lnTo>
+                  <a:pt x="70" y="397"/>
+                </a:lnTo>
+                <a:lnTo>
+                  <a:pt x="70" y="433"/>
+                </a:lnTo>
+                <a:lnTo>
+                  <a:pt x="108" y="433"/>
+                </a:lnTo>
+                <a:lnTo>
+                  <a:pt x="108" y="397"/>
+                </a:lnTo>
+                <a:close/>
+                <a:moveTo>
+                  <a:pt x="250" y="397"/>
+                </a:moveTo>
+                <a:lnTo>
+                  <a:pt x="215" y="397"/>
+                </a:lnTo>
+                <a:lnTo>
+                  <a:pt x="215" y="433"/>
+                </a:lnTo>
+                <a:lnTo>
+                  <a:pt x="250" y="433"/>
+                </a:lnTo>
+                <a:lnTo>
+                  <a:pt x="250" y="397"/>
+                </a:lnTo>
+                <a:close/>
+                <a:moveTo>
+                  <a:pt x="179" y="324"/>
+                </a:moveTo>
+                <a:lnTo>
+                  <a:pt x="144" y="324"/>
+                </a:lnTo>
+                <a:lnTo>
+                  <a:pt x="144" y="362"/>
+                </a:lnTo>
+                <a:lnTo>
+                  <a:pt x="179" y="362"/>
+                </a:lnTo>
+                <a:lnTo>
+                  <a:pt x="179" y="324"/>
+                </a:lnTo>
+                <a:close/>
+                <a:moveTo>
+                  <a:pt x="576" y="352"/>
+                </a:moveTo>
+                <a:lnTo>
+                  <a:pt x="432" y="352"/>
+                </a:lnTo>
+                <a:lnTo>
+                  <a:pt x="432" y="407"/>
+                </a:lnTo>
+                <a:lnTo>
+                  <a:pt x="576" y="407"/>
+                </a:lnTo>
+                <a:lnTo>
+                  <a:pt x="576" y="352"/>
+                </a:lnTo>
+                <a:close/>
+                <a:moveTo>
+                  <a:pt x="661" y="253"/>
+                </a:moveTo>
+                <a:lnTo>
+                  <a:pt x="661" y="253"/>
+                </a:lnTo>
+                <a:lnTo>
+                  <a:pt x="543" y="0"/>
+                </a:lnTo>
+                <a:lnTo>
+                  <a:pt x="115" y="0"/>
+                </a:lnTo>
+                <a:lnTo>
+                  <a:pt x="0" y="253"/>
+                </a:lnTo>
+                <a:lnTo>
+                  <a:pt x="0" y="253"/>
+                </a:lnTo>
+                <a:lnTo>
+                  <a:pt x="0" y="506"/>
+                </a:lnTo>
+                <a:lnTo>
+                  <a:pt x="661" y="506"/>
+                </a:lnTo>
+                <a:lnTo>
+                  <a:pt x="661" y="506"/>
+                </a:lnTo>
+                <a:lnTo>
+                  <a:pt x="661" y="506"/>
+                </a:lnTo>
+                <a:lnTo>
+                  <a:pt x="661" y="253"/>
+                </a:lnTo>
+                <a:lnTo>
+                  <a:pt x="661" y="253"/>
+                </a:lnTo>
+                <a:close/>
+                <a:moveTo>
+                  <a:pt x="626" y="468"/>
+                </a:moveTo>
+                <a:lnTo>
+                  <a:pt x="35" y="468"/>
+                </a:lnTo>
+                <a:lnTo>
+                  <a:pt x="35" y="288"/>
+                </a:lnTo>
+                <a:lnTo>
+                  <a:pt x="626" y="288"/>
+                </a:lnTo>
+                <a:lnTo>
+                  <a:pt x="626" y="468"/>
+                </a:lnTo>
+                <a:close/>
+                <a:moveTo>
+                  <a:pt x="323" y="324"/>
+                </a:moveTo>
+                <a:lnTo>
+                  <a:pt x="288" y="324"/>
+                </a:lnTo>
+                <a:lnTo>
+                  <a:pt x="288" y="362"/>
+                </a:lnTo>
+                <a:lnTo>
+                  <a:pt x="323" y="362"/>
+                </a:lnTo>
+                <a:lnTo>
+                  <a:pt x="323" y="324"/>
+                </a:lnTo>
+                <a:close/>
+                <a:moveTo>
+                  <a:pt x="323" y="397"/>
+                </a:moveTo>
+                <a:lnTo>
+                  <a:pt x="288" y="397"/>
+                </a:lnTo>
+                <a:lnTo>
+                  <a:pt x="288" y="433"/>
+                </a:lnTo>
+                <a:lnTo>
+                  <a:pt x="323" y="433"/>
+                </a:lnTo>
+                <a:lnTo>
+                  <a:pt x="323" y="397"/>
+                </a:lnTo>
+                <a:close/>
+                <a:moveTo>
+                  <a:pt x="250" y="324"/>
+                </a:moveTo>
+                <a:lnTo>
+                  <a:pt x="215" y="324"/>
+                </a:lnTo>
+                <a:lnTo>
+                  <a:pt x="215" y="362"/>
+                </a:lnTo>
+                <a:lnTo>
+                  <a:pt x="250" y="362"/>
+                </a:lnTo>
+                <a:lnTo>
+                  <a:pt x="250" y="324"/>
+                </a:lnTo>
+                <a:close/>
+              </a:path>
+            </a:pathLst>
+          </a:custGeom>
+          <a:solidFill>
+            <a:srgbClr val="3D6BB6"/>
+          </a:solidFill>
+          <a:ln>
+            <a:noFill/>
+          </a:ln>
+          <a:extLst/>
+        </p:spPr>
+        <p:txBody>
+          <a:bodyPr vert="horz" wrap="square" lIns="91440" tIns="45720" rIns="91440" bIns="45720" numCol="1" anchor="t" anchorCtr="0" compatLnSpc="1">
+            <a:prstTxWarp prst="textNoShape">
+              <a:avLst/>
+            </a:prstTxWarp>
+          </a:bodyPr>
+          <a:lstStyle/>
+          <a:p>
+            <a:pPr algn="ctr">
+              <a:defRPr/>
+            </a:pPr>
+            <a:endParaRPr lang="zh-CN" altLang="en-US" sz="1000" b="1" kern="0">
+              <a:solidFill>
+                <a:srgbClr val="000000"/>
+              </a:solidFill>
+              <a:ea typeface="等线" panose="02010600030101010101" pitchFamily="2" charset="-122"/>
+              <a:cs typeface="Arial" panose="020B0604020202020204" pitchFamily="34" charset="0"/>
+            </a:endParaRPr>
+          </a:p>
+        </p:txBody>
+      </p:sp>
+      <p:pic>
+        <p:nvPicPr>
+          <p:cNvPr id="7" name="图片 6">
+            <a:extLst>
+              <a:ext uri="{FF2B5EF4-FFF2-40B4-BE49-F238E27FC236}">
+                <a16:creationId xmlns:a16="http://schemas.microsoft.com/office/drawing/2014/main" id="{C7F20C3A-4B75-433D-9D75-E5A8DE11D751}"/>
+              </a:ext>
+            </a:extLst>
+          </p:cNvPr>
+          <p:cNvPicPr>
+            <a:picLocks noChangeAspect="1"/>
+          </p:cNvPicPr>
+          <p:nvPr/>
+        </p:nvPicPr>
+        <p:blipFill>
+          <a:blip r:embed="rId2">
+            <a:duotone>
+              <a:schemeClr val="accent2">
+                <a:shade val="45000"/>
+                <a:satMod val="135000"/>
+              </a:schemeClr>
+              <a:prstClr val="white"/>
+            </a:duotone>
+          </a:blip>
+          <a:stretch>
+            <a:fillRect/>
+          </a:stretch>
+        </p:blipFill>
+        <p:spPr>
+          <a:xfrm>
+            <a:off x="2730587" y="1488295"/>
+            <a:ext cx="756745" cy="756745"/>
+          </a:xfrm>
+          <a:prstGeom prst="rect">
+            <a:avLst/>
+          </a:prstGeom>
+          <a:ln>
+            <a:solidFill>
+              <a:srgbClr val="086FF9"/>
+            </a:solidFill>
+          </a:ln>
+        </p:spPr>
+      </p:pic>
+      <p:pic>
+        <p:nvPicPr>
+          <p:cNvPr id="8" name="图片 7">
+            <a:extLst>
+              <a:ext uri="{FF2B5EF4-FFF2-40B4-BE49-F238E27FC236}">
+                <a16:creationId xmlns:a16="http://schemas.microsoft.com/office/drawing/2014/main" id="{1F314DDE-F14A-4907-B23F-159A42944F00}"/>
+              </a:ext>
+            </a:extLst>
+          </p:cNvPr>
+          <p:cNvPicPr>
+            <a:picLocks noChangeAspect="1"/>
+          </p:cNvPicPr>
+          <p:nvPr/>
+        </p:nvPicPr>
+        <p:blipFill>
+          <a:blip r:embed="rId2">
+            <a:duotone>
+              <a:schemeClr val="accent2">
+                <a:shade val="45000"/>
+                <a:satMod val="135000"/>
+              </a:schemeClr>
+              <a:prstClr val="white"/>
+            </a:duotone>
+          </a:blip>
+          <a:stretch>
+            <a:fillRect/>
+          </a:stretch>
+        </p:blipFill>
+        <p:spPr>
+          <a:xfrm>
+            <a:off x="2730587" y="2580816"/>
+            <a:ext cx="756745" cy="756745"/>
+          </a:xfrm>
+          <a:prstGeom prst="rect">
+            <a:avLst/>
+          </a:prstGeom>
+          <a:ln>
+            <a:solidFill>
+              <a:srgbClr val="086FF9"/>
+            </a:solidFill>
+          </a:ln>
+        </p:spPr>
+      </p:pic>
+      <p:pic>
+        <p:nvPicPr>
+          <p:cNvPr id="9" name="图片 8">
+            <a:extLst>
+              <a:ext uri="{FF2B5EF4-FFF2-40B4-BE49-F238E27FC236}">
+                <a16:creationId xmlns:a16="http://schemas.microsoft.com/office/drawing/2014/main" id="{73CF3597-1FF6-4141-9FBA-1D8D65960B3E}"/>
+              </a:ext>
+            </a:extLst>
+          </p:cNvPr>
+          <p:cNvPicPr>
+            <a:picLocks noChangeAspect="1"/>
+          </p:cNvPicPr>
+          <p:nvPr/>
+        </p:nvPicPr>
+        <p:blipFill>
+          <a:blip r:embed="rId2">
+            <a:duotone>
+              <a:schemeClr val="accent2">
+                <a:shade val="45000"/>
+                <a:satMod val="135000"/>
+              </a:schemeClr>
+              <a:prstClr val="white"/>
+            </a:duotone>
+          </a:blip>
+          <a:stretch>
+            <a:fillRect/>
+          </a:stretch>
+        </p:blipFill>
+        <p:spPr>
+          <a:xfrm>
+            <a:off x="2730587" y="3673337"/>
+            <a:ext cx="756745" cy="756745"/>
+          </a:xfrm>
+          <a:prstGeom prst="rect">
+            <a:avLst/>
+          </a:prstGeom>
+          <a:ln>
+            <a:solidFill>
+              <a:srgbClr val="086FF9"/>
+            </a:solidFill>
+          </a:ln>
+        </p:spPr>
+      </p:pic>
+      <p:pic>
+        <p:nvPicPr>
+          <p:cNvPr id="11" name="图片 10">
+            <a:extLst>
+              <a:ext uri="{FF2B5EF4-FFF2-40B4-BE49-F238E27FC236}">
+                <a16:creationId xmlns:a16="http://schemas.microsoft.com/office/drawing/2014/main" id="{BE9F5F56-3659-4C0C-B927-E7A4DE6A095A}"/>
+              </a:ext>
+            </a:extLst>
+          </p:cNvPr>
+          <p:cNvPicPr>
+            <a:picLocks noChangeAspect="1"/>
+          </p:cNvPicPr>
+          <p:nvPr/>
+        </p:nvPicPr>
+        <p:blipFill>
+          <a:blip r:embed="rId3">
+            <a:duotone>
+              <a:schemeClr val="accent2">
+                <a:shade val="45000"/>
+                <a:satMod val="135000"/>
+              </a:schemeClr>
+              <a:prstClr val="white"/>
+            </a:duotone>
+          </a:blip>
+          <a:stretch>
+            <a:fillRect/>
+          </a:stretch>
+        </p:blipFill>
+        <p:spPr>
+          <a:xfrm>
+            <a:off x="5519426" y="4521522"/>
+            <a:ext cx="988555" cy="988555"/>
+          </a:xfrm>
+          <a:prstGeom prst="rect">
+            <a:avLst/>
+          </a:prstGeom>
+        </p:spPr>
+      </p:pic>
+      <p:grpSp>
+        <p:nvGrpSpPr>
+          <p:cNvPr id="12" name="组 176">
+            <a:extLst>
+              <a:ext uri="{FF2B5EF4-FFF2-40B4-BE49-F238E27FC236}">
+                <a16:creationId xmlns:a16="http://schemas.microsoft.com/office/drawing/2014/main" id="{BEC174A6-AFBA-44D0-82C7-F4AF012D3467}"/>
+              </a:ext>
+            </a:extLst>
+          </p:cNvPr>
+          <p:cNvGrpSpPr/>
+          <p:nvPr/>
+        </p:nvGrpSpPr>
+        <p:grpSpPr>
+          <a:xfrm>
+            <a:off x="8206818" y="2657960"/>
+            <a:ext cx="1034831" cy="909988"/>
+            <a:chOff x="5416563" y="3362707"/>
+            <a:chExt cx="459880" cy="404400"/>
+          </a:xfrm>
+        </p:grpSpPr>
+        <p:sp>
+          <p:nvSpPr>
+            <p:cNvPr id="13" name="Rectangle 27">
+              <a:extLst>
+                <a:ext uri="{FF2B5EF4-FFF2-40B4-BE49-F238E27FC236}">
+                  <a16:creationId xmlns:a16="http://schemas.microsoft.com/office/drawing/2014/main" id="{29ECFF4F-0840-4CD5-AAAC-3E909D7231B8}"/>
+                </a:ext>
+              </a:extLst>
+            </p:cNvPr>
+            <p:cNvSpPr>
+              <a:spLocks noChangeArrowheads="1"/>
+            </p:cNvSpPr>
+            <p:nvPr/>
+          </p:nvSpPr>
+          <p:spPr bwMode="auto">
+            <a:xfrm>
+              <a:off x="5518689" y="3685041"/>
+              <a:ext cx="186643" cy="82066"/>
+            </a:xfrm>
+            <a:prstGeom prst="rect">
+              <a:avLst/>
+            </a:prstGeom>
+            <a:noFill/>
+            <a:ln>
+              <a:noFill/>
+            </a:ln>
+            <a:extLst>
+              <a:ext uri="{909E8E84-426E-40DD-AFC4-6F175D3DCCD1}">
+                <a14:hiddenFill xmlns:a14="http://schemas.microsoft.com/office/drawing/2010/main">
+                  <a:solidFill>
+                    <a:srgbClr val="FFFFFF"/>
+                  </a:solidFill>
+                </a14:hiddenFill>
+              </a:ext>
+              <a:ext uri="{91240B29-F687-4F45-9708-019B960494DF}">
+                <a14:hiddenLine xmlns:a14="http://schemas.microsoft.com/office/drawing/2010/main" w="9525">
+                  <a:solidFill>
+                    <a:srgbClr val="000000"/>
+                  </a:solidFill>
+                  <a:miter lim="800000"/>
+                  <a:headEnd/>
+                  <a:tailEnd/>
+                </a14:hiddenLine>
+              </a:ext>
+            </a:extLst>
+          </p:spPr>
+          <p:txBody>
+            <a:bodyPr vert="horz" wrap="none" lIns="0" tIns="0" rIns="0" bIns="0" numCol="1" anchor="t" anchorCtr="0" compatLnSpc="1">
+              <a:prstTxWarp prst="textNoShape">
+                <a:avLst/>
+              </a:prstTxWarp>
+              <a:spAutoFit/>
+            </a:bodyPr>
+            <a:lstStyle>
+              <a:lvl1pPr eaLnBrk="0" fontAlgn="base" hangingPunct="0">
+                <a:spcBef>
+                  <a:spcPct val="0"/>
+                </a:spcBef>
+                <a:spcAft>
+                  <a:spcPct val="0"/>
+                </a:spcAft>
+                <a:defRPr>
+                  <a:solidFill>
+                    <a:schemeClr val="tx1"/>
+                  </a:solidFill>
+                  <a:latin typeface="Arial" panose="020B0604020202020204" pitchFamily="34" charset="0"/>
+                </a:defRPr>
+              </a:lvl1pPr>
+              <a:lvl2pPr eaLnBrk="0" fontAlgn="base" hangingPunct="0">
+                <a:spcBef>
+                  <a:spcPct val="0"/>
+                </a:spcBef>
+                <a:spcAft>
+                  <a:spcPct val="0"/>
+                </a:spcAft>
+                <a:defRPr>
+                  <a:solidFill>
+                    <a:schemeClr val="tx1"/>
+                  </a:solidFill>
+                  <a:latin typeface="Arial" panose="020B0604020202020204" pitchFamily="34" charset="0"/>
+                </a:defRPr>
+              </a:lvl2pPr>
+              <a:lvl3pPr eaLnBrk="0" fontAlgn="base" hangingPunct="0">
+                <a:spcBef>
+                  <a:spcPct val="0"/>
+                </a:spcBef>
+                <a:spcAft>
+                  <a:spcPct val="0"/>
+                </a:spcAft>
+                <a:defRPr>
+                  <a:solidFill>
+                    <a:schemeClr val="tx1"/>
+                  </a:solidFill>
+                  <a:latin typeface="Arial" panose="020B0604020202020204" pitchFamily="34" charset="0"/>
+                </a:defRPr>
+              </a:lvl3pPr>
+              <a:lvl4pPr eaLnBrk="0" fontAlgn="base" hangingPunct="0">
+                <a:spcBef>
+                  <a:spcPct val="0"/>
+                </a:spcBef>
+                <a:spcAft>
+                  <a:spcPct val="0"/>
+                </a:spcAft>
+                <a:defRPr>
+                  <a:solidFill>
+                    <a:schemeClr val="tx1"/>
+                  </a:solidFill>
+                  <a:latin typeface="Arial" panose="020B0604020202020204" pitchFamily="34" charset="0"/>
+                </a:defRPr>
+              </a:lvl4pPr>
+              <a:lvl5pPr eaLnBrk="0" fontAlgn="base" hangingPunct="0">
+                <a:spcBef>
+                  <a:spcPct val="0"/>
+                </a:spcBef>
+                <a:spcAft>
+                  <a:spcPct val="0"/>
+                </a:spcAft>
+                <a:defRPr>
+                  <a:solidFill>
+                    <a:schemeClr val="tx1"/>
+                  </a:solidFill>
+                  <a:latin typeface="Arial" panose="020B0604020202020204" pitchFamily="34" charset="0"/>
+                </a:defRPr>
+              </a:lvl5pPr>
+              <a:lvl6pPr eaLnBrk="0" fontAlgn="base" hangingPunct="0">
+                <a:spcBef>
+                  <a:spcPct val="0"/>
+                </a:spcBef>
+                <a:spcAft>
+                  <a:spcPct val="0"/>
+                </a:spcAft>
+                <a:defRPr>
+                  <a:solidFill>
+                    <a:schemeClr val="tx1"/>
+                  </a:solidFill>
+                  <a:latin typeface="Arial" panose="020B0604020202020204" pitchFamily="34" charset="0"/>
+                </a:defRPr>
+              </a:lvl6pPr>
+              <a:lvl7pPr eaLnBrk="0" fontAlgn="base" hangingPunct="0">
+                <a:spcBef>
+                  <a:spcPct val="0"/>
+                </a:spcBef>
+                <a:spcAft>
+                  <a:spcPct val="0"/>
+                </a:spcAft>
+                <a:defRPr>
+                  <a:solidFill>
+                    <a:schemeClr val="tx1"/>
+                  </a:solidFill>
+                  <a:latin typeface="Arial" panose="020B0604020202020204" pitchFamily="34" charset="0"/>
+                </a:defRPr>
+              </a:lvl7pPr>
+              <a:lvl8pPr eaLnBrk="0" fontAlgn="base" hangingPunct="0">
+                <a:spcBef>
+                  <a:spcPct val="0"/>
+                </a:spcBef>
+                <a:spcAft>
+                  <a:spcPct val="0"/>
+                </a:spcAft>
+                <a:defRPr>
+                  <a:solidFill>
+                    <a:schemeClr val="tx1"/>
+                  </a:solidFill>
+                  <a:latin typeface="Arial" panose="020B0604020202020204" pitchFamily="34" charset="0"/>
+                </a:defRPr>
+              </a:lvl8pPr>
+              <a:lvl9pPr eaLnBrk="0" fontAlgn="base" hangingPunct="0">
+                <a:spcBef>
+                  <a:spcPct val="0"/>
+                </a:spcBef>
+                <a:spcAft>
+                  <a:spcPct val="0"/>
+                </a:spcAft>
+                <a:defRPr>
+                  <a:solidFill>
+                    <a:schemeClr val="tx1"/>
+                  </a:solidFill>
+                  <a:latin typeface="Arial" panose="020B0604020202020204" pitchFamily="34" charset="0"/>
+                </a:defRPr>
+              </a:lvl9pPr>
+            </a:lstStyle>
+            <a:p>
+              <a:pPr algn="ctr">
+                <a:defRPr/>
+              </a:pPr>
+              <a:r>
+                <a:rPr lang="en-US" altLang="zh-CN" sz="1200" b="1" kern="0" dirty="0" err="1">
+                  <a:solidFill>
+                    <a:srgbClr val="000000"/>
+                  </a:solidFill>
+                  <a:ea typeface="等线" panose="02010600030101010101" pitchFamily="2" charset="-122"/>
+                  <a:cs typeface="Arial" panose="020B0604020202020204" pitchFamily="34" charset="0"/>
+                </a:rPr>
+                <a:t>EnOS</a:t>
+              </a:r>
+              <a:endParaRPr lang="zh-CN" altLang="en-US" sz="1200" b="1" kern="0" dirty="0">
+                <a:solidFill>
+                  <a:srgbClr val="000000"/>
+                </a:solidFill>
+                <a:ea typeface="等线" panose="02010600030101010101" pitchFamily="2" charset="-122"/>
+                <a:cs typeface="Arial" panose="020B0604020202020204" pitchFamily="34" charset="0"/>
+              </a:endParaRPr>
+            </a:p>
+          </p:txBody>
+        </p:sp>
+        <p:sp>
+          <p:nvSpPr>
+            <p:cNvPr id="14" name="Freeform 64">
+              <a:extLst>
+                <a:ext uri="{FF2B5EF4-FFF2-40B4-BE49-F238E27FC236}">
+                  <a16:creationId xmlns:a16="http://schemas.microsoft.com/office/drawing/2014/main" id="{23AFF034-486B-4E85-97C8-377EF9780D6A}"/>
+                </a:ext>
+              </a:extLst>
+            </p:cNvPr>
+            <p:cNvSpPr>
+              <a:spLocks/>
+            </p:cNvSpPr>
+            <p:nvPr/>
+          </p:nvSpPr>
+          <p:spPr bwMode="auto">
+            <a:xfrm>
+              <a:off x="5416563" y="3362707"/>
+              <a:ext cx="459880" cy="322334"/>
+            </a:xfrm>
+            <a:custGeom>
+              <a:avLst/>
+              <a:gdLst>
+                <a:gd name="T0" fmla="*/ 137 w 280"/>
+                <a:gd name="T1" fmla="*/ 98 h 196"/>
+                <a:gd name="T2" fmla="*/ 65 w 280"/>
+                <a:gd name="T3" fmla="*/ 48 h 196"/>
+                <a:gd name="T4" fmla="*/ 0 w 280"/>
+                <a:gd name="T5" fmla="*/ 122 h 196"/>
+                <a:gd name="T6" fmla="*/ 64 w 280"/>
+                <a:gd name="T7" fmla="*/ 196 h 196"/>
+                <a:gd name="T8" fmla="*/ 64 w 280"/>
+                <a:gd name="T9" fmla="*/ 196 h 196"/>
+                <a:gd name="T10" fmla="*/ 215 w 280"/>
+                <a:gd name="T11" fmla="*/ 196 h 196"/>
+                <a:gd name="T12" fmla="*/ 224 w 280"/>
+                <a:gd name="T13" fmla="*/ 196 h 196"/>
+                <a:gd name="T14" fmla="*/ 280 w 280"/>
+                <a:gd name="T15" fmla="*/ 129 h 196"/>
+                <a:gd name="T16" fmla="*/ 235 w 280"/>
+                <a:gd name="T17" fmla="*/ 65 h 196"/>
+                <a:gd name="T18" fmla="*/ 147 w 280"/>
+                <a:gd name="T19" fmla="*/ 0 h 196"/>
+                <a:gd name="T20" fmla="*/ 73 w 280"/>
+                <a:gd name="T21" fmla="*/ 36 h 196"/>
+                <a:gd name="T22" fmla="*/ 137 w 280"/>
+                <a:gd name="T23" fmla="*/ 98 h 196"/>
+                <a:gd name="T24" fmla="*/ 137 w 280"/>
+                <a:gd name="T25" fmla="*/ 98 h 196"/>
+              </a:gdLst>
+              <a:ahLst/>
+              <a:cxnLst>
+                <a:cxn ang="0">
+                  <a:pos x="T0" y="T1"/>
+                </a:cxn>
+                <a:cxn ang="0">
+                  <a:pos x="T2" y="T3"/>
+                </a:cxn>
+                <a:cxn ang="0">
+                  <a:pos x="T4" y="T5"/>
+                </a:cxn>
+                <a:cxn ang="0">
+                  <a:pos x="T6" y="T7"/>
+                </a:cxn>
+                <a:cxn ang="0">
+                  <a:pos x="T8" y="T9"/>
+                </a:cxn>
+                <a:cxn ang="0">
+                  <a:pos x="T10" y="T11"/>
+                </a:cxn>
+                <a:cxn ang="0">
+                  <a:pos x="T12" y="T13"/>
+                </a:cxn>
+                <a:cxn ang="0">
+                  <a:pos x="T14" y="T15"/>
+                </a:cxn>
+                <a:cxn ang="0">
+                  <a:pos x="T16" y="T17"/>
+                </a:cxn>
+                <a:cxn ang="0">
+                  <a:pos x="T18" y="T19"/>
+                </a:cxn>
+                <a:cxn ang="0">
+                  <a:pos x="T20" y="T21"/>
+                </a:cxn>
+                <a:cxn ang="0">
+                  <a:pos x="T22" y="T23"/>
+                </a:cxn>
+                <a:cxn ang="0">
+                  <a:pos x="T24" y="T25"/>
+                </a:cxn>
+              </a:cxnLst>
+              <a:rect l="0" t="0" r="r" b="b"/>
+              <a:pathLst>
+                <a:path w="280" h="196">
+                  <a:moveTo>
+                    <a:pt x="137" y="98"/>
+                  </a:moveTo>
+                  <a:cubicBezTo>
+                    <a:pt x="137" y="98"/>
+                    <a:pt x="127" y="64"/>
+                    <a:pt x="65" y="48"/>
+                  </a:cubicBezTo>
+                  <a:cubicBezTo>
+                    <a:pt x="28" y="53"/>
+                    <a:pt x="0" y="84"/>
+                    <a:pt x="0" y="122"/>
+                  </a:cubicBezTo>
+                  <a:cubicBezTo>
+                    <a:pt x="0" y="159"/>
+                    <a:pt x="28" y="191"/>
+                    <a:pt x="64" y="196"/>
+                  </a:cubicBezTo>
+                  <a:cubicBezTo>
+                    <a:pt x="64" y="196"/>
+                    <a:pt x="64" y="196"/>
+                    <a:pt x="64" y="196"/>
+                  </a:cubicBezTo>
+                  <a:cubicBezTo>
+                    <a:pt x="215" y="196"/>
+                    <a:pt x="215" y="196"/>
+                    <a:pt x="215" y="196"/>
+                  </a:cubicBezTo>
+                  <a:cubicBezTo>
+                    <a:pt x="224" y="196"/>
+                    <a:pt x="224" y="196"/>
+                    <a:pt x="224" y="196"/>
+                  </a:cubicBezTo>
+                  <a:cubicBezTo>
+                    <a:pt x="256" y="190"/>
+                    <a:pt x="280" y="162"/>
+                    <a:pt x="280" y="129"/>
+                  </a:cubicBezTo>
+                  <a:cubicBezTo>
+                    <a:pt x="280" y="100"/>
+                    <a:pt x="262" y="75"/>
+                    <a:pt x="235" y="65"/>
+                  </a:cubicBezTo>
+                  <a:cubicBezTo>
+                    <a:pt x="223" y="26"/>
+                    <a:pt x="188" y="0"/>
+                    <a:pt x="147" y="0"/>
+                  </a:cubicBezTo>
+                  <a:cubicBezTo>
+                    <a:pt x="118" y="0"/>
+                    <a:pt x="91" y="13"/>
+                    <a:pt x="73" y="36"/>
+                  </a:cubicBezTo>
+                  <a:cubicBezTo>
+                    <a:pt x="104" y="40"/>
+                    <a:pt x="133" y="56"/>
+                    <a:pt x="137" y="98"/>
+                  </a:cubicBezTo>
+                  <a:cubicBezTo>
+                    <a:pt x="137" y="98"/>
+                    <a:pt x="137" y="98"/>
+                    <a:pt x="137" y="98"/>
+                  </a:cubicBezTo>
+                  <a:close/>
+                </a:path>
+              </a:pathLst>
+            </a:custGeom>
+            <a:solidFill>
+              <a:srgbClr val="3D6BB6"/>
+            </a:solidFill>
+            <a:ln>
+              <a:noFill/>
+            </a:ln>
+            <a:extLst/>
+          </p:spPr>
+          <p:txBody>
+            <a:bodyPr vert="horz" wrap="square" lIns="91440" tIns="45720" rIns="91440" bIns="45720" numCol="1" anchor="t" anchorCtr="0" compatLnSpc="1">
+              <a:prstTxWarp prst="textNoShape">
+                <a:avLst/>
+              </a:prstTxWarp>
+            </a:bodyPr>
+            <a:lstStyle/>
+            <a:p>
+              <a:pPr algn="ctr">
+                <a:defRPr/>
+              </a:pPr>
+              <a:endParaRPr lang="zh-CN" altLang="en-US" sz="1000" b="1" kern="0">
+                <a:solidFill>
+                  <a:srgbClr val="000000"/>
+                </a:solidFill>
+                <a:ea typeface="等线" panose="02010600030101010101" pitchFamily="2" charset="-122"/>
+                <a:cs typeface="Arial" panose="020B0604020202020204" pitchFamily="34" charset="0"/>
+              </a:endParaRPr>
+            </a:p>
+          </p:txBody>
+        </p:sp>
+      </p:grpSp>
+      <p:sp>
+        <p:nvSpPr>
+          <p:cNvPr id="15" name="Rectangle 28">
+            <a:extLst>
+              <a:ext uri="{FF2B5EF4-FFF2-40B4-BE49-F238E27FC236}">
+                <a16:creationId xmlns:a16="http://schemas.microsoft.com/office/drawing/2014/main" id="{DBE50084-3348-4F2D-8DA1-0EBDC0F58020}"/>
+              </a:ext>
+            </a:extLst>
+          </p:cNvPr>
+          <p:cNvSpPr>
+            <a:spLocks noChangeArrowheads="1"/>
+          </p:cNvSpPr>
+          <p:nvPr/>
+        </p:nvSpPr>
+        <p:spPr bwMode="auto">
+          <a:xfrm>
+            <a:off x="5811470" y="3429001"/>
+            <a:ext cx="376706" cy="184666"/>
+          </a:xfrm>
+          <a:prstGeom prst="rect">
+            <a:avLst/>
+          </a:prstGeom>
+          <a:noFill/>
+          <a:ln>
+            <a:noFill/>
+          </a:ln>
+          <a:extLst>
+            <a:ext uri="{909E8E84-426E-40DD-AFC4-6F175D3DCCD1}">
+              <a14:hiddenFill xmlns:a14="http://schemas.microsoft.com/office/drawing/2010/main">
+                <a:solidFill>
+                  <a:srgbClr val="FFFFFF"/>
+                </a:solidFill>
+              </a14:hiddenFill>
+            </a:ext>
+            <a:ext uri="{91240B29-F687-4F45-9708-019B960494DF}">
+              <a14:hiddenLine xmlns:a14="http://schemas.microsoft.com/office/drawing/2010/main" w="9525">
+                <a:solidFill>
+                  <a:srgbClr val="000000"/>
+                </a:solidFill>
+                <a:miter lim="800000"/>
+                <a:headEnd/>
+                <a:tailEnd/>
+              </a14:hiddenLine>
+            </a:ext>
+          </a:extLst>
+        </p:spPr>
+        <p:txBody>
+          <a:bodyPr vert="horz" wrap="none" lIns="0" tIns="0" rIns="0" bIns="0" numCol="1" anchor="t" anchorCtr="0" compatLnSpc="1">
+            <a:prstTxWarp prst="textNoShape">
+              <a:avLst/>
+            </a:prstTxWarp>
+            <a:spAutoFit/>
+          </a:bodyPr>
+          <a:lstStyle>
+            <a:lvl1pPr eaLnBrk="0" fontAlgn="base" hangingPunct="0">
+              <a:spcBef>
+                <a:spcPct val="0"/>
+              </a:spcBef>
+              <a:spcAft>
+                <a:spcPct val="0"/>
+              </a:spcAft>
+              <a:defRPr>
+                <a:solidFill>
+                  <a:schemeClr val="tx1"/>
+                </a:solidFill>
+                <a:latin typeface="Arial" panose="020B0604020202020204" pitchFamily="34" charset="0"/>
+              </a:defRPr>
+            </a:lvl1pPr>
+            <a:lvl2pPr eaLnBrk="0" fontAlgn="base" hangingPunct="0">
+              <a:spcBef>
+                <a:spcPct val="0"/>
+              </a:spcBef>
+              <a:spcAft>
+                <a:spcPct val="0"/>
+              </a:spcAft>
+              <a:defRPr>
+                <a:solidFill>
+                  <a:schemeClr val="tx1"/>
+                </a:solidFill>
+                <a:latin typeface="Arial" panose="020B0604020202020204" pitchFamily="34" charset="0"/>
+              </a:defRPr>
+            </a:lvl2pPr>
+            <a:lvl3pPr eaLnBrk="0" fontAlgn="base" hangingPunct="0">
+              <a:spcBef>
+                <a:spcPct val="0"/>
+              </a:spcBef>
+              <a:spcAft>
+                <a:spcPct val="0"/>
+              </a:spcAft>
+              <a:defRPr>
+                <a:solidFill>
+                  <a:schemeClr val="tx1"/>
+                </a:solidFill>
+                <a:latin typeface="Arial" panose="020B0604020202020204" pitchFamily="34" charset="0"/>
+              </a:defRPr>
+            </a:lvl3pPr>
+            <a:lvl4pPr eaLnBrk="0" fontAlgn="base" hangingPunct="0">
+              <a:spcBef>
+                <a:spcPct val="0"/>
+              </a:spcBef>
+              <a:spcAft>
+                <a:spcPct val="0"/>
+              </a:spcAft>
+              <a:defRPr>
+                <a:solidFill>
+                  <a:schemeClr val="tx1"/>
+                </a:solidFill>
+                <a:latin typeface="Arial" panose="020B0604020202020204" pitchFamily="34" charset="0"/>
+              </a:defRPr>
+            </a:lvl4pPr>
+            <a:lvl5pPr eaLnBrk="0" fontAlgn="base" hangingPunct="0">
+              <a:spcBef>
+                <a:spcPct val="0"/>
+              </a:spcBef>
+              <a:spcAft>
+                <a:spcPct val="0"/>
+              </a:spcAft>
+              <a:defRPr>
+                <a:solidFill>
+                  <a:schemeClr val="tx1"/>
+                </a:solidFill>
+                <a:latin typeface="Arial" panose="020B0604020202020204" pitchFamily="34" charset="0"/>
+              </a:defRPr>
+            </a:lvl5pPr>
+            <a:lvl6pPr eaLnBrk="0" fontAlgn="base" hangingPunct="0">
+              <a:spcBef>
+                <a:spcPct val="0"/>
+              </a:spcBef>
+              <a:spcAft>
+                <a:spcPct val="0"/>
+              </a:spcAft>
+              <a:defRPr>
+                <a:solidFill>
+                  <a:schemeClr val="tx1"/>
+                </a:solidFill>
+                <a:latin typeface="Arial" panose="020B0604020202020204" pitchFamily="34" charset="0"/>
+              </a:defRPr>
+            </a:lvl6pPr>
+            <a:lvl7pPr eaLnBrk="0" fontAlgn="base" hangingPunct="0">
+              <a:spcBef>
+                <a:spcPct val="0"/>
+              </a:spcBef>
+              <a:spcAft>
+                <a:spcPct val="0"/>
+              </a:spcAft>
+              <a:defRPr>
+                <a:solidFill>
+                  <a:schemeClr val="tx1"/>
+                </a:solidFill>
+                <a:latin typeface="Arial" panose="020B0604020202020204" pitchFamily="34" charset="0"/>
+              </a:defRPr>
+            </a:lvl7pPr>
+            <a:lvl8pPr eaLnBrk="0" fontAlgn="base" hangingPunct="0">
+              <a:spcBef>
+                <a:spcPct val="0"/>
+              </a:spcBef>
+              <a:spcAft>
+                <a:spcPct val="0"/>
+              </a:spcAft>
+              <a:defRPr>
+                <a:solidFill>
+                  <a:schemeClr val="tx1"/>
+                </a:solidFill>
+                <a:latin typeface="Arial" panose="020B0604020202020204" pitchFamily="34" charset="0"/>
+              </a:defRPr>
+            </a:lvl8pPr>
+            <a:lvl9pPr eaLnBrk="0" fontAlgn="base" hangingPunct="0">
+              <a:spcBef>
+                <a:spcPct val="0"/>
+              </a:spcBef>
+              <a:spcAft>
+                <a:spcPct val="0"/>
+              </a:spcAft>
+              <a:defRPr>
+                <a:solidFill>
+                  <a:schemeClr val="tx1"/>
+                </a:solidFill>
+                <a:latin typeface="Arial" panose="020B0604020202020204" pitchFamily="34" charset="0"/>
+              </a:defRPr>
+            </a:lvl9pPr>
+          </a:lstStyle>
+          <a:p>
+            <a:pPr algn="ctr">
+              <a:defRPr/>
+            </a:pPr>
+            <a:r>
+              <a:rPr lang="zh-CN" altLang="zh-CN" sz="1200" b="1" kern="0" dirty="0">
+                <a:solidFill>
+                  <a:srgbClr val="000000"/>
+                </a:solidFill>
+                <a:ea typeface="等线" panose="02010600030101010101" pitchFamily="2" charset="-122"/>
+                <a:cs typeface="Arial" panose="020B0604020202020204" pitchFamily="34" charset="0"/>
+              </a:rPr>
+              <a:t>Edge</a:t>
+            </a:r>
+          </a:p>
+        </p:txBody>
+      </p:sp>
+      <p:sp>
+        <p:nvSpPr>
+          <p:cNvPr id="16" name="矩形 15">
+            <a:extLst>
+              <a:ext uri="{FF2B5EF4-FFF2-40B4-BE49-F238E27FC236}">
+                <a16:creationId xmlns:a16="http://schemas.microsoft.com/office/drawing/2014/main" id="{FC38C850-7FEB-4973-9FE6-1C640FF22BD6}"/>
+              </a:ext>
+            </a:extLst>
+          </p:cNvPr>
+          <p:cNvSpPr/>
+          <p:nvPr/>
+        </p:nvSpPr>
+        <p:spPr>
+          <a:xfrm>
+            <a:off x="2130552" y="1261872"/>
+            <a:ext cx="1984248" cy="3493008"/>
+          </a:xfrm>
+          <a:prstGeom prst="rect">
+            <a:avLst/>
+          </a:prstGeom>
+          <a:noFill/>
+          <a:ln w="25400">
+            <a:prstDash val="sysDash"/>
+          </a:ln>
+        </p:spPr>
+        <p:style>
+          <a:lnRef idx="2">
+            <a:schemeClr val="accent1">
+              <a:shade val="50000"/>
+            </a:schemeClr>
+          </a:lnRef>
+          <a:fillRef idx="1">
+            <a:schemeClr val="accent1"/>
+          </a:fillRef>
+          <a:effectRef idx="0">
+            <a:schemeClr val="accent1"/>
+          </a:effectRef>
+          <a:fontRef idx="minor">
+            <a:schemeClr val="lt1"/>
+          </a:fontRef>
+        </p:style>
+        <p:txBody>
+          <a:bodyPr rtlCol="0" anchor="ctr"/>
+          <a:lstStyle/>
+          <a:p>
+            <a:pPr algn="ctr"/>
+            <a:endParaRPr lang="zh-CN" altLang="en-US" dirty="0"/>
+          </a:p>
+        </p:txBody>
+      </p:sp>
+      <p:sp>
+        <p:nvSpPr>
+          <p:cNvPr id="17" name="文本框 16">
+            <a:extLst>
+              <a:ext uri="{FF2B5EF4-FFF2-40B4-BE49-F238E27FC236}">
+                <a16:creationId xmlns:a16="http://schemas.microsoft.com/office/drawing/2014/main" id="{F8F30A28-94ED-4CF3-BFF5-3253A1C5C789}"/>
+              </a:ext>
+            </a:extLst>
+          </p:cNvPr>
+          <p:cNvSpPr txBox="1"/>
+          <p:nvPr/>
+        </p:nvSpPr>
+        <p:spPr>
+          <a:xfrm>
+            <a:off x="2847093" y="4416077"/>
+            <a:ext cx="1490472" cy="276999"/>
+          </a:xfrm>
+          <a:prstGeom prst="rect">
+            <a:avLst/>
+          </a:prstGeom>
+          <a:noFill/>
+        </p:spPr>
+        <p:txBody>
+          <a:bodyPr wrap="square" rtlCol="0">
+            <a:spAutoFit/>
+          </a:bodyPr>
+          <a:lstStyle/>
+          <a:p>
+            <a:r>
+              <a:rPr lang="zh-CN" altLang="en-US" sz="1200" b="1" dirty="0">
+                <a:latin typeface="Arial" panose="020B0604020202020204" pitchFamily="34" charset="0"/>
+                <a:cs typeface="Arial" panose="020B0604020202020204" pitchFamily="34" charset="0"/>
+              </a:rPr>
+              <a:t>电表</a:t>
+            </a:r>
+          </a:p>
+        </p:txBody>
+      </p:sp>
+      <p:sp>
+        <p:nvSpPr>
+          <p:cNvPr id="18" name="Rectangle 28">
+            <a:extLst>
+              <a:ext uri="{FF2B5EF4-FFF2-40B4-BE49-F238E27FC236}">
+                <a16:creationId xmlns:a16="http://schemas.microsoft.com/office/drawing/2014/main" id="{CDEA3867-4D4F-4599-A2A0-E377BB852CCB}"/>
+              </a:ext>
+            </a:extLst>
+          </p:cNvPr>
+          <p:cNvSpPr>
+            <a:spLocks noChangeArrowheads="1"/>
+          </p:cNvSpPr>
+          <p:nvPr/>
+        </p:nvSpPr>
+        <p:spPr bwMode="auto">
+          <a:xfrm>
+            <a:off x="5615102" y="5417744"/>
+            <a:ext cx="769442" cy="184666"/>
+          </a:xfrm>
+          <a:prstGeom prst="rect">
+            <a:avLst/>
+          </a:prstGeom>
+          <a:noFill/>
+          <a:ln>
+            <a:noFill/>
+          </a:ln>
+          <a:extLst>
+            <a:ext uri="{909E8E84-426E-40DD-AFC4-6F175D3DCCD1}">
+              <a14:hiddenFill xmlns:a14="http://schemas.microsoft.com/office/drawing/2010/main">
+                <a:solidFill>
+                  <a:srgbClr val="FFFFFF"/>
+                </a:solidFill>
+              </a14:hiddenFill>
+            </a:ext>
+            <a:ext uri="{91240B29-F687-4F45-9708-019B960494DF}">
+              <a14:hiddenLine xmlns:a14="http://schemas.microsoft.com/office/drawing/2010/main" w="9525">
+                <a:solidFill>
+                  <a:srgbClr val="000000"/>
+                </a:solidFill>
+                <a:miter lim="800000"/>
+                <a:headEnd/>
+                <a:tailEnd/>
+              </a14:hiddenLine>
+            </a:ext>
+          </a:extLst>
+        </p:spPr>
+        <p:txBody>
+          <a:bodyPr vert="horz" wrap="none" lIns="0" tIns="0" rIns="0" bIns="0" numCol="1" anchor="t" anchorCtr="0" compatLnSpc="1">
+            <a:prstTxWarp prst="textNoShape">
+              <a:avLst/>
+            </a:prstTxWarp>
+            <a:spAutoFit/>
+          </a:bodyPr>
+          <a:lstStyle>
+            <a:lvl1pPr eaLnBrk="0" fontAlgn="base" hangingPunct="0">
+              <a:spcBef>
+                <a:spcPct val="0"/>
+              </a:spcBef>
+              <a:spcAft>
+                <a:spcPct val="0"/>
+              </a:spcAft>
+              <a:defRPr>
+                <a:solidFill>
+                  <a:schemeClr val="tx1"/>
+                </a:solidFill>
+                <a:latin typeface="Arial" panose="020B0604020202020204" pitchFamily="34" charset="0"/>
+              </a:defRPr>
+            </a:lvl1pPr>
+            <a:lvl2pPr eaLnBrk="0" fontAlgn="base" hangingPunct="0">
+              <a:spcBef>
+                <a:spcPct val="0"/>
+              </a:spcBef>
+              <a:spcAft>
+                <a:spcPct val="0"/>
+              </a:spcAft>
+              <a:defRPr>
+                <a:solidFill>
+                  <a:schemeClr val="tx1"/>
+                </a:solidFill>
+                <a:latin typeface="Arial" panose="020B0604020202020204" pitchFamily="34" charset="0"/>
+              </a:defRPr>
+            </a:lvl2pPr>
+            <a:lvl3pPr eaLnBrk="0" fontAlgn="base" hangingPunct="0">
+              <a:spcBef>
+                <a:spcPct val="0"/>
+              </a:spcBef>
+              <a:spcAft>
+                <a:spcPct val="0"/>
+              </a:spcAft>
+              <a:defRPr>
+                <a:solidFill>
+                  <a:schemeClr val="tx1"/>
+                </a:solidFill>
+                <a:latin typeface="Arial" panose="020B0604020202020204" pitchFamily="34" charset="0"/>
+              </a:defRPr>
+            </a:lvl3pPr>
+            <a:lvl4pPr eaLnBrk="0" fontAlgn="base" hangingPunct="0">
+              <a:spcBef>
+                <a:spcPct val="0"/>
+              </a:spcBef>
+              <a:spcAft>
+                <a:spcPct val="0"/>
+              </a:spcAft>
+              <a:defRPr>
+                <a:solidFill>
+                  <a:schemeClr val="tx1"/>
+                </a:solidFill>
+                <a:latin typeface="Arial" panose="020B0604020202020204" pitchFamily="34" charset="0"/>
+              </a:defRPr>
+            </a:lvl4pPr>
+            <a:lvl5pPr eaLnBrk="0" fontAlgn="base" hangingPunct="0">
+              <a:spcBef>
+                <a:spcPct val="0"/>
+              </a:spcBef>
+              <a:spcAft>
+                <a:spcPct val="0"/>
+              </a:spcAft>
+              <a:defRPr>
+                <a:solidFill>
+                  <a:schemeClr val="tx1"/>
+                </a:solidFill>
+                <a:latin typeface="Arial" panose="020B0604020202020204" pitchFamily="34" charset="0"/>
+              </a:defRPr>
+            </a:lvl5pPr>
+            <a:lvl6pPr eaLnBrk="0" fontAlgn="base" hangingPunct="0">
+              <a:spcBef>
+                <a:spcPct val="0"/>
+              </a:spcBef>
+              <a:spcAft>
+                <a:spcPct val="0"/>
+              </a:spcAft>
+              <a:defRPr>
+                <a:solidFill>
+                  <a:schemeClr val="tx1"/>
+                </a:solidFill>
+                <a:latin typeface="Arial" panose="020B0604020202020204" pitchFamily="34" charset="0"/>
+              </a:defRPr>
+            </a:lvl6pPr>
+            <a:lvl7pPr eaLnBrk="0" fontAlgn="base" hangingPunct="0">
+              <a:spcBef>
+                <a:spcPct val="0"/>
+              </a:spcBef>
+              <a:spcAft>
+                <a:spcPct val="0"/>
+              </a:spcAft>
+              <a:defRPr>
+                <a:solidFill>
+                  <a:schemeClr val="tx1"/>
+                </a:solidFill>
+                <a:latin typeface="Arial" panose="020B0604020202020204" pitchFamily="34" charset="0"/>
+              </a:defRPr>
+            </a:lvl7pPr>
+            <a:lvl8pPr eaLnBrk="0" fontAlgn="base" hangingPunct="0">
+              <a:spcBef>
+                <a:spcPct val="0"/>
+              </a:spcBef>
+              <a:spcAft>
+                <a:spcPct val="0"/>
+              </a:spcAft>
+              <a:defRPr>
+                <a:solidFill>
+                  <a:schemeClr val="tx1"/>
+                </a:solidFill>
+                <a:latin typeface="Arial" panose="020B0604020202020204" pitchFamily="34" charset="0"/>
+              </a:defRPr>
+            </a:lvl8pPr>
+            <a:lvl9pPr eaLnBrk="0" fontAlgn="base" hangingPunct="0">
+              <a:spcBef>
+                <a:spcPct val="0"/>
+              </a:spcBef>
+              <a:spcAft>
+                <a:spcPct val="0"/>
+              </a:spcAft>
+              <a:defRPr>
+                <a:solidFill>
+                  <a:schemeClr val="tx1"/>
+                </a:solidFill>
+                <a:latin typeface="Arial" panose="020B0604020202020204" pitchFamily="34" charset="0"/>
+              </a:defRPr>
+            </a:lvl9pPr>
+          </a:lstStyle>
+          <a:p>
+            <a:pPr algn="ctr">
+              <a:defRPr/>
+            </a:pPr>
+            <a:r>
+              <a:rPr lang="zh-CN" altLang="en-US" sz="1200" b="1" kern="0" dirty="0">
+                <a:solidFill>
+                  <a:srgbClr val="000000"/>
+                </a:solidFill>
+                <a:ea typeface="等线" panose="02010600030101010101" pitchFamily="2" charset="-122"/>
+                <a:cs typeface="Arial" panose="020B0604020202020204" pitchFamily="34" charset="0"/>
+              </a:rPr>
+              <a:t>笔记本电脑</a:t>
+            </a:r>
+            <a:endParaRPr lang="zh-CN" altLang="zh-CN" sz="1200" b="1" kern="0" dirty="0">
+              <a:solidFill>
+                <a:srgbClr val="000000"/>
+              </a:solidFill>
+              <a:ea typeface="等线" panose="02010600030101010101" pitchFamily="2" charset="-122"/>
+              <a:cs typeface="Arial" panose="020B0604020202020204" pitchFamily="34" charset="0"/>
+            </a:endParaRPr>
+          </a:p>
+        </p:txBody>
+      </p:sp>
+      <p:cxnSp>
+        <p:nvCxnSpPr>
+          <p:cNvPr id="20" name="连接符: 肘形 19">
+            <a:extLst>
+              <a:ext uri="{FF2B5EF4-FFF2-40B4-BE49-F238E27FC236}">
+                <a16:creationId xmlns:a16="http://schemas.microsoft.com/office/drawing/2014/main" id="{0265F482-2FCC-46EC-81B0-BFD3604527F6}"/>
+              </a:ext>
+            </a:extLst>
+          </p:cNvPr>
+          <p:cNvCxnSpPr>
+            <a:stCxn id="11" idx="1"/>
+            <a:endCxn id="16" idx="2"/>
+          </p:cNvCxnSpPr>
+          <p:nvPr/>
+        </p:nvCxnSpPr>
+        <p:spPr>
+          <a:xfrm rot="10800000">
+            <a:off x="3122676" y="4754880"/>
+            <a:ext cx="2396750" cy="260920"/>
+          </a:xfrm>
+          <a:prstGeom prst="bentConnector2">
+            <a:avLst/>
+          </a:prstGeom>
+          <a:ln w="25400">
+            <a:solidFill>
+              <a:srgbClr val="3D6BB6"/>
+            </a:solidFill>
+            <a:tailEnd type="triangle"/>
+          </a:ln>
+        </p:spPr>
+        <p:style>
+          <a:lnRef idx="1">
+            <a:schemeClr val="accent1"/>
+          </a:lnRef>
+          <a:fillRef idx="0">
+            <a:schemeClr val="accent1"/>
+          </a:fillRef>
+          <a:effectRef idx="0">
+            <a:schemeClr val="accent1"/>
+          </a:effectRef>
+          <a:fontRef idx="minor">
+            <a:schemeClr val="tx1"/>
+          </a:fontRef>
+        </p:style>
+      </p:cxnSp>
+      <p:sp>
+        <p:nvSpPr>
+          <p:cNvPr id="21" name="Rectangle 28">
+            <a:extLst>
+              <a:ext uri="{FF2B5EF4-FFF2-40B4-BE49-F238E27FC236}">
+                <a16:creationId xmlns:a16="http://schemas.microsoft.com/office/drawing/2014/main" id="{E32A4498-2BDF-4E7D-BB44-78F6EBA7A928}"/>
+              </a:ext>
+            </a:extLst>
+          </p:cNvPr>
+          <p:cNvSpPr>
+            <a:spLocks noChangeArrowheads="1"/>
+          </p:cNvSpPr>
+          <p:nvPr/>
+        </p:nvSpPr>
+        <p:spPr bwMode="auto">
+          <a:xfrm>
+            <a:off x="3293658" y="5047225"/>
+            <a:ext cx="1740862" cy="169277"/>
+          </a:xfrm>
+          <a:prstGeom prst="rect">
+            <a:avLst/>
+          </a:prstGeom>
+          <a:noFill/>
+          <a:ln>
+            <a:noFill/>
+          </a:ln>
+          <a:extLst>
+            <a:ext uri="{909E8E84-426E-40DD-AFC4-6F175D3DCCD1}">
+              <a14:hiddenFill xmlns:a14="http://schemas.microsoft.com/office/drawing/2010/main">
+                <a:solidFill>
+                  <a:srgbClr val="FFFFFF"/>
+                </a:solidFill>
+              </a14:hiddenFill>
+            </a:ext>
+            <a:ext uri="{91240B29-F687-4F45-9708-019B960494DF}">
+              <a14:hiddenLine xmlns:a14="http://schemas.microsoft.com/office/drawing/2010/main" w="9525">
+                <a:solidFill>
+                  <a:srgbClr val="000000"/>
+                </a:solidFill>
+                <a:miter lim="800000"/>
+                <a:headEnd/>
+                <a:tailEnd/>
+              </a14:hiddenLine>
+            </a:ext>
+          </a:extLst>
+        </p:spPr>
+        <p:txBody>
+          <a:bodyPr vert="horz" wrap="none" lIns="0" tIns="0" rIns="0" bIns="0" numCol="1" anchor="t" anchorCtr="0" compatLnSpc="1">
+            <a:prstTxWarp prst="textNoShape">
+              <a:avLst/>
+            </a:prstTxWarp>
+            <a:spAutoFit/>
+          </a:bodyPr>
+          <a:lstStyle>
+            <a:lvl1pPr eaLnBrk="0" fontAlgn="base" hangingPunct="0">
+              <a:spcBef>
+                <a:spcPct val="0"/>
+              </a:spcBef>
+              <a:spcAft>
+                <a:spcPct val="0"/>
+              </a:spcAft>
+              <a:defRPr>
+                <a:solidFill>
+                  <a:schemeClr val="tx1"/>
+                </a:solidFill>
+                <a:latin typeface="Arial" panose="020B0604020202020204" pitchFamily="34" charset="0"/>
+              </a:defRPr>
+            </a:lvl1pPr>
+            <a:lvl2pPr eaLnBrk="0" fontAlgn="base" hangingPunct="0">
+              <a:spcBef>
+                <a:spcPct val="0"/>
+              </a:spcBef>
+              <a:spcAft>
+                <a:spcPct val="0"/>
+              </a:spcAft>
+              <a:defRPr>
+                <a:solidFill>
+                  <a:schemeClr val="tx1"/>
+                </a:solidFill>
+                <a:latin typeface="Arial" panose="020B0604020202020204" pitchFamily="34" charset="0"/>
+              </a:defRPr>
+            </a:lvl2pPr>
+            <a:lvl3pPr eaLnBrk="0" fontAlgn="base" hangingPunct="0">
+              <a:spcBef>
+                <a:spcPct val="0"/>
+              </a:spcBef>
+              <a:spcAft>
+                <a:spcPct val="0"/>
+              </a:spcAft>
+              <a:defRPr>
+                <a:solidFill>
+                  <a:schemeClr val="tx1"/>
+                </a:solidFill>
+                <a:latin typeface="Arial" panose="020B0604020202020204" pitchFamily="34" charset="0"/>
+              </a:defRPr>
+            </a:lvl3pPr>
+            <a:lvl4pPr eaLnBrk="0" fontAlgn="base" hangingPunct="0">
+              <a:spcBef>
+                <a:spcPct val="0"/>
+              </a:spcBef>
+              <a:spcAft>
+                <a:spcPct val="0"/>
+              </a:spcAft>
+              <a:defRPr>
+                <a:solidFill>
+                  <a:schemeClr val="tx1"/>
+                </a:solidFill>
+                <a:latin typeface="Arial" panose="020B0604020202020204" pitchFamily="34" charset="0"/>
+              </a:defRPr>
+            </a:lvl4pPr>
+            <a:lvl5pPr eaLnBrk="0" fontAlgn="base" hangingPunct="0">
+              <a:spcBef>
+                <a:spcPct val="0"/>
+              </a:spcBef>
+              <a:spcAft>
+                <a:spcPct val="0"/>
+              </a:spcAft>
+              <a:defRPr>
+                <a:solidFill>
+                  <a:schemeClr val="tx1"/>
+                </a:solidFill>
+                <a:latin typeface="Arial" panose="020B0604020202020204" pitchFamily="34" charset="0"/>
+              </a:defRPr>
+            </a:lvl5pPr>
+            <a:lvl6pPr eaLnBrk="0" fontAlgn="base" hangingPunct="0">
+              <a:spcBef>
+                <a:spcPct val="0"/>
+              </a:spcBef>
+              <a:spcAft>
+                <a:spcPct val="0"/>
+              </a:spcAft>
+              <a:defRPr>
+                <a:solidFill>
+                  <a:schemeClr val="tx1"/>
+                </a:solidFill>
+                <a:latin typeface="Arial" panose="020B0604020202020204" pitchFamily="34" charset="0"/>
+              </a:defRPr>
+            </a:lvl6pPr>
+            <a:lvl7pPr eaLnBrk="0" fontAlgn="base" hangingPunct="0">
+              <a:spcBef>
+                <a:spcPct val="0"/>
+              </a:spcBef>
+              <a:spcAft>
+                <a:spcPct val="0"/>
+              </a:spcAft>
+              <a:defRPr>
+                <a:solidFill>
+                  <a:schemeClr val="tx1"/>
+                </a:solidFill>
+                <a:latin typeface="Arial" panose="020B0604020202020204" pitchFamily="34" charset="0"/>
+              </a:defRPr>
+            </a:lvl7pPr>
+            <a:lvl8pPr eaLnBrk="0" fontAlgn="base" hangingPunct="0">
+              <a:spcBef>
+                <a:spcPct val="0"/>
+              </a:spcBef>
+              <a:spcAft>
+                <a:spcPct val="0"/>
+              </a:spcAft>
+              <a:defRPr>
+                <a:solidFill>
+                  <a:schemeClr val="tx1"/>
+                </a:solidFill>
+                <a:latin typeface="Arial" panose="020B0604020202020204" pitchFamily="34" charset="0"/>
+              </a:defRPr>
+            </a:lvl8pPr>
+            <a:lvl9pPr eaLnBrk="0" fontAlgn="base" hangingPunct="0">
+              <a:spcBef>
+                <a:spcPct val="0"/>
+              </a:spcBef>
+              <a:spcAft>
+                <a:spcPct val="0"/>
+              </a:spcAft>
+              <a:defRPr>
+                <a:solidFill>
+                  <a:schemeClr val="tx1"/>
+                </a:solidFill>
+                <a:latin typeface="Arial" panose="020B0604020202020204" pitchFamily="34" charset="0"/>
+              </a:defRPr>
+            </a:lvl9pPr>
+          </a:lstStyle>
+          <a:p>
+            <a:pPr algn="ctr">
+              <a:defRPr/>
+            </a:pPr>
+            <a:r>
+              <a:rPr lang="zh-CN" altLang="en-US" sz="1100" kern="0" dirty="0">
+                <a:solidFill>
+                  <a:srgbClr val="000000"/>
+                </a:solidFill>
+                <a:ea typeface="等线" panose="02010600030101010101" pitchFamily="2" charset="-122"/>
+                <a:cs typeface="Arial" panose="020B0604020202020204" pitchFamily="34" charset="0"/>
+              </a:rPr>
+              <a:t>使用</a:t>
+            </a:r>
+            <a:r>
+              <a:rPr lang="en-US" altLang="zh-CN" sz="1100" kern="0" dirty="0">
+                <a:solidFill>
+                  <a:srgbClr val="000000"/>
+                </a:solidFill>
+                <a:ea typeface="等线" panose="02010600030101010101" pitchFamily="2" charset="-122"/>
+                <a:cs typeface="Arial" panose="020B0604020202020204" pitchFamily="34" charset="0"/>
+              </a:rPr>
+              <a:t>IEC104</a:t>
+            </a:r>
+            <a:r>
+              <a:rPr lang="zh-CN" altLang="en-US" sz="1100" kern="0" dirty="0">
+                <a:solidFill>
+                  <a:srgbClr val="000000"/>
+                </a:solidFill>
+                <a:ea typeface="等线" panose="02010600030101010101" pitchFamily="2" charset="-122"/>
+                <a:cs typeface="Arial" panose="020B0604020202020204" pitchFamily="34" charset="0"/>
+              </a:rPr>
+              <a:t>模拟器模拟电表</a:t>
+            </a:r>
+            <a:endParaRPr lang="zh-CN" altLang="zh-CN" sz="1100" kern="0" dirty="0">
+              <a:solidFill>
+                <a:srgbClr val="000000"/>
+              </a:solidFill>
+              <a:ea typeface="等线" panose="02010600030101010101" pitchFamily="2" charset="-122"/>
+              <a:cs typeface="Arial" panose="020B0604020202020204" pitchFamily="34" charset="0"/>
+            </a:endParaRPr>
+          </a:p>
+        </p:txBody>
+      </p:sp>
+      <p:cxnSp>
+        <p:nvCxnSpPr>
+          <p:cNvPr id="23" name="连接符: 肘形 22">
+            <a:extLst>
+              <a:ext uri="{FF2B5EF4-FFF2-40B4-BE49-F238E27FC236}">
+                <a16:creationId xmlns:a16="http://schemas.microsoft.com/office/drawing/2014/main" id="{949BB1FF-62EA-43AF-B80B-62B9F26CC548}"/>
+              </a:ext>
+            </a:extLst>
+          </p:cNvPr>
+          <p:cNvCxnSpPr>
+            <a:stCxn id="11" idx="3"/>
+            <a:endCxn id="13" idx="2"/>
+          </p:cNvCxnSpPr>
+          <p:nvPr/>
+        </p:nvCxnSpPr>
+        <p:spPr>
+          <a:xfrm flipV="1">
+            <a:off x="6507981" y="3567948"/>
+            <a:ext cx="2138637" cy="1447852"/>
+          </a:xfrm>
+          <a:prstGeom prst="bentConnector2">
+            <a:avLst/>
+          </a:prstGeom>
+          <a:ln w="25400">
+            <a:solidFill>
+              <a:srgbClr val="3D6BB6"/>
+            </a:solidFill>
+            <a:tailEnd type="triangle"/>
+          </a:ln>
+        </p:spPr>
+        <p:style>
+          <a:lnRef idx="1">
+            <a:schemeClr val="accent1"/>
+          </a:lnRef>
+          <a:fillRef idx="0">
+            <a:schemeClr val="accent1"/>
+          </a:fillRef>
+          <a:effectRef idx="0">
+            <a:schemeClr val="accent1"/>
+          </a:effectRef>
+          <a:fontRef idx="minor">
+            <a:schemeClr val="tx1"/>
+          </a:fontRef>
+        </p:style>
+      </p:cxnSp>
+      <p:sp>
+        <p:nvSpPr>
+          <p:cNvPr id="24" name="Rectangle 28">
+            <a:extLst>
+              <a:ext uri="{FF2B5EF4-FFF2-40B4-BE49-F238E27FC236}">
+                <a16:creationId xmlns:a16="http://schemas.microsoft.com/office/drawing/2014/main" id="{70529D7C-96AD-43E8-8102-BE97079F0FA1}"/>
+              </a:ext>
+            </a:extLst>
+          </p:cNvPr>
+          <p:cNvSpPr>
+            <a:spLocks noChangeArrowheads="1"/>
+          </p:cNvSpPr>
+          <p:nvPr/>
+        </p:nvSpPr>
+        <p:spPr bwMode="auto">
+          <a:xfrm>
+            <a:off x="6768767" y="5047225"/>
+            <a:ext cx="1835439" cy="169277"/>
+          </a:xfrm>
+          <a:prstGeom prst="rect">
+            <a:avLst/>
+          </a:prstGeom>
+          <a:noFill/>
+          <a:ln>
+            <a:noFill/>
+          </a:ln>
+          <a:extLst>
+            <a:ext uri="{909E8E84-426E-40DD-AFC4-6F175D3DCCD1}">
+              <a14:hiddenFill xmlns:a14="http://schemas.microsoft.com/office/drawing/2010/main">
+                <a:solidFill>
+                  <a:srgbClr val="FFFFFF"/>
+                </a:solidFill>
+              </a14:hiddenFill>
+            </a:ext>
+            <a:ext uri="{91240B29-F687-4F45-9708-019B960494DF}">
+              <a14:hiddenLine xmlns:a14="http://schemas.microsoft.com/office/drawing/2010/main" w="9525">
+                <a:solidFill>
+                  <a:srgbClr val="000000"/>
+                </a:solidFill>
+                <a:miter lim="800000"/>
+                <a:headEnd/>
+                <a:tailEnd/>
+              </a14:hiddenLine>
+            </a:ext>
+          </a:extLst>
+        </p:spPr>
+        <p:txBody>
+          <a:bodyPr vert="horz" wrap="none" lIns="0" tIns="0" rIns="0" bIns="0" numCol="1" anchor="t" anchorCtr="0" compatLnSpc="1">
+            <a:prstTxWarp prst="textNoShape">
+              <a:avLst/>
+            </a:prstTxWarp>
+            <a:spAutoFit/>
+          </a:bodyPr>
+          <a:lstStyle>
+            <a:lvl1pPr eaLnBrk="0" fontAlgn="base" hangingPunct="0">
+              <a:spcBef>
+                <a:spcPct val="0"/>
+              </a:spcBef>
+              <a:spcAft>
+                <a:spcPct val="0"/>
+              </a:spcAft>
+              <a:defRPr>
+                <a:solidFill>
+                  <a:schemeClr val="tx1"/>
+                </a:solidFill>
+                <a:latin typeface="Arial" panose="020B0604020202020204" pitchFamily="34" charset="0"/>
+              </a:defRPr>
+            </a:lvl1pPr>
+            <a:lvl2pPr eaLnBrk="0" fontAlgn="base" hangingPunct="0">
+              <a:spcBef>
+                <a:spcPct val="0"/>
+              </a:spcBef>
+              <a:spcAft>
+                <a:spcPct val="0"/>
+              </a:spcAft>
+              <a:defRPr>
+                <a:solidFill>
+                  <a:schemeClr val="tx1"/>
+                </a:solidFill>
+                <a:latin typeface="Arial" panose="020B0604020202020204" pitchFamily="34" charset="0"/>
+              </a:defRPr>
+            </a:lvl2pPr>
+            <a:lvl3pPr eaLnBrk="0" fontAlgn="base" hangingPunct="0">
+              <a:spcBef>
+                <a:spcPct val="0"/>
+              </a:spcBef>
+              <a:spcAft>
+                <a:spcPct val="0"/>
+              </a:spcAft>
+              <a:defRPr>
+                <a:solidFill>
+                  <a:schemeClr val="tx1"/>
+                </a:solidFill>
+                <a:latin typeface="Arial" panose="020B0604020202020204" pitchFamily="34" charset="0"/>
+              </a:defRPr>
+            </a:lvl3pPr>
+            <a:lvl4pPr eaLnBrk="0" fontAlgn="base" hangingPunct="0">
+              <a:spcBef>
+                <a:spcPct val="0"/>
+              </a:spcBef>
+              <a:spcAft>
+                <a:spcPct val="0"/>
+              </a:spcAft>
+              <a:defRPr>
+                <a:solidFill>
+                  <a:schemeClr val="tx1"/>
+                </a:solidFill>
+                <a:latin typeface="Arial" panose="020B0604020202020204" pitchFamily="34" charset="0"/>
+              </a:defRPr>
+            </a:lvl4pPr>
+            <a:lvl5pPr eaLnBrk="0" fontAlgn="base" hangingPunct="0">
+              <a:spcBef>
+                <a:spcPct val="0"/>
+              </a:spcBef>
+              <a:spcAft>
+                <a:spcPct val="0"/>
+              </a:spcAft>
+              <a:defRPr>
+                <a:solidFill>
+                  <a:schemeClr val="tx1"/>
+                </a:solidFill>
+                <a:latin typeface="Arial" panose="020B0604020202020204" pitchFamily="34" charset="0"/>
+              </a:defRPr>
+            </a:lvl5pPr>
+            <a:lvl6pPr eaLnBrk="0" fontAlgn="base" hangingPunct="0">
+              <a:spcBef>
+                <a:spcPct val="0"/>
+              </a:spcBef>
+              <a:spcAft>
+                <a:spcPct val="0"/>
+              </a:spcAft>
+              <a:defRPr>
+                <a:solidFill>
+                  <a:schemeClr val="tx1"/>
+                </a:solidFill>
+                <a:latin typeface="Arial" panose="020B0604020202020204" pitchFamily="34" charset="0"/>
+              </a:defRPr>
+            </a:lvl6pPr>
+            <a:lvl7pPr eaLnBrk="0" fontAlgn="base" hangingPunct="0">
+              <a:spcBef>
+                <a:spcPct val="0"/>
+              </a:spcBef>
+              <a:spcAft>
+                <a:spcPct val="0"/>
+              </a:spcAft>
+              <a:defRPr>
+                <a:solidFill>
+                  <a:schemeClr val="tx1"/>
+                </a:solidFill>
+                <a:latin typeface="Arial" panose="020B0604020202020204" pitchFamily="34" charset="0"/>
+              </a:defRPr>
+            </a:lvl7pPr>
+            <a:lvl8pPr eaLnBrk="0" fontAlgn="base" hangingPunct="0">
+              <a:spcBef>
+                <a:spcPct val="0"/>
+              </a:spcBef>
+              <a:spcAft>
+                <a:spcPct val="0"/>
+              </a:spcAft>
+              <a:defRPr>
+                <a:solidFill>
+                  <a:schemeClr val="tx1"/>
+                </a:solidFill>
+                <a:latin typeface="Arial" panose="020B0604020202020204" pitchFamily="34" charset="0"/>
+              </a:defRPr>
+            </a:lvl8pPr>
+            <a:lvl9pPr eaLnBrk="0" fontAlgn="base" hangingPunct="0">
+              <a:spcBef>
+                <a:spcPct val="0"/>
+              </a:spcBef>
+              <a:spcAft>
+                <a:spcPct val="0"/>
+              </a:spcAft>
+              <a:defRPr>
+                <a:solidFill>
+                  <a:schemeClr val="tx1"/>
+                </a:solidFill>
+                <a:latin typeface="Arial" panose="020B0604020202020204" pitchFamily="34" charset="0"/>
+              </a:defRPr>
+            </a:lvl9pPr>
+          </a:lstStyle>
+          <a:p>
+            <a:pPr algn="ctr">
+              <a:defRPr/>
+            </a:pPr>
+            <a:r>
+              <a:rPr lang="zh-CN" altLang="en-US" sz="1100" kern="0" dirty="0">
+                <a:solidFill>
+                  <a:srgbClr val="000000"/>
+                </a:solidFill>
+                <a:ea typeface="等线" panose="02010600030101010101" pitchFamily="2" charset="-122"/>
+                <a:cs typeface="Arial" panose="020B0604020202020204" pitchFamily="34" charset="0"/>
+              </a:rPr>
+              <a:t>登录</a:t>
+            </a:r>
+            <a:r>
+              <a:rPr lang="en-US" altLang="zh-CN" sz="1100" kern="0" dirty="0" err="1" smtClean="0">
+                <a:solidFill>
+                  <a:srgbClr val="000000"/>
+                </a:solidFill>
+                <a:ea typeface="等线" panose="02010600030101010101" pitchFamily="2" charset="-122"/>
+                <a:cs typeface="Arial" panose="020B0604020202020204" pitchFamily="34" charset="0"/>
+              </a:rPr>
+              <a:t>EnOS</a:t>
+            </a:r>
+            <a:r>
+              <a:rPr lang="zh-CN" altLang="en-US" sz="1100" kern="0" dirty="0">
+                <a:solidFill>
+                  <a:srgbClr val="000000"/>
+                </a:solidFill>
+                <a:ea typeface="等线" panose="02010600030101010101" pitchFamily="2" charset="-122"/>
+                <a:cs typeface="Arial" panose="020B0604020202020204" pitchFamily="34" charset="0"/>
+              </a:rPr>
+              <a:t>以配置</a:t>
+            </a:r>
+            <a:r>
+              <a:rPr lang="en-US" altLang="zh-CN" sz="1100" kern="0" dirty="0">
+                <a:solidFill>
+                  <a:srgbClr val="000000"/>
+                </a:solidFill>
+                <a:ea typeface="等线" panose="02010600030101010101" pitchFamily="2" charset="-122"/>
+                <a:cs typeface="Arial" panose="020B0604020202020204" pitchFamily="34" charset="0"/>
+              </a:rPr>
+              <a:t>Edge</a:t>
+            </a:r>
+            <a:r>
+              <a:rPr lang="zh-CN" altLang="en-US" sz="1100" kern="0" dirty="0" smtClean="0">
+                <a:solidFill>
+                  <a:srgbClr val="000000"/>
+                </a:solidFill>
+                <a:ea typeface="等线" panose="02010600030101010101" pitchFamily="2" charset="-122"/>
+                <a:cs typeface="Arial" panose="020B0604020202020204" pitchFamily="34" charset="0"/>
+              </a:rPr>
+              <a:t>和电表</a:t>
+            </a:r>
+            <a:endParaRPr lang="zh-CN" altLang="zh-CN" sz="1100" kern="0" dirty="0">
+              <a:solidFill>
+                <a:srgbClr val="000000"/>
+              </a:solidFill>
+              <a:ea typeface="等线" panose="02010600030101010101" pitchFamily="2" charset="-122"/>
+              <a:cs typeface="Arial" panose="020B0604020202020204" pitchFamily="34" charset="0"/>
+            </a:endParaRPr>
+          </a:p>
+        </p:txBody>
+      </p:sp>
+      <p:cxnSp>
+        <p:nvCxnSpPr>
+          <p:cNvPr id="26" name="直接箭头连接符 25">
+            <a:extLst>
+              <a:ext uri="{FF2B5EF4-FFF2-40B4-BE49-F238E27FC236}">
+                <a16:creationId xmlns:a16="http://schemas.microsoft.com/office/drawing/2014/main" id="{491C8741-4B29-4027-9CE1-42526CDF85B4}"/>
+              </a:ext>
+            </a:extLst>
+          </p:cNvPr>
+          <p:cNvCxnSpPr>
+            <a:cxnSpLocks/>
+            <a:stCxn id="5" idx="30"/>
+          </p:cNvCxnSpPr>
+          <p:nvPr/>
+        </p:nvCxnSpPr>
+        <p:spPr>
+          <a:xfrm>
+            <a:off x="6507981" y="3004908"/>
+            <a:ext cx="1682078" cy="8984"/>
+          </a:xfrm>
+          <a:prstGeom prst="straightConnector1">
+            <a:avLst/>
+          </a:prstGeom>
+          <a:ln w="25400">
+            <a:solidFill>
+              <a:srgbClr val="3D6BB6"/>
+            </a:solidFill>
+            <a:tailEnd type="triangle"/>
+          </a:ln>
+        </p:spPr>
+        <p:style>
+          <a:lnRef idx="1">
+            <a:schemeClr val="accent1"/>
+          </a:lnRef>
+          <a:fillRef idx="0">
+            <a:schemeClr val="accent1"/>
+          </a:fillRef>
+          <a:effectRef idx="0">
+            <a:schemeClr val="accent1"/>
+          </a:effectRef>
+          <a:fontRef idx="minor">
+            <a:schemeClr val="tx1"/>
+          </a:fontRef>
+        </p:style>
+      </p:cxnSp>
+      <p:sp>
+        <p:nvSpPr>
+          <p:cNvPr id="28" name="Rectangle 28">
+            <a:extLst>
+              <a:ext uri="{FF2B5EF4-FFF2-40B4-BE49-F238E27FC236}">
+                <a16:creationId xmlns:a16="http://schemas.microsoft.com/office/drawing/2014/main" id="{E689108C-A540-45BC-B41A-1EF9B5AF65CE}"/>
+              </a:ext>
+            </a:extLst>
+          </p:cNvPr>
+          <p:cNvSpPr>
+            <a:spLocks noChangeArrowheads="1"/>
+          </p:cNvSpPr>
+          <p:nvPr/>
+        </p:nvSpPr>
+        <p:spPr bwMode="auto">
+          <a:xfrm>
+            <a:off x="7042921" y="2825395"/>
+            <a:ext cx="705321" cy="169277"/>
+          </a:xfrm>
+          <a:prstGeom prst="rect">
+            <a:avLst/>
+          </a:prstGeom>
+          <a:noFill/>
+          <a:ln>
+            <a:noFill/>
+          </a:ln>
+          <a:extLst>
+            <a:ext uri="{909E8E84-426E-40DD-AFC4-6F175D3DCCD1}">
+              <a14:hiddenFill xmlns:a14="http://schemas.microsoft.com/office/drawing/2010/main">
+                <a:solidFill>
+                  <a:srgbClr val="FFFFFF"/>
+                </a:solidFill>
+              </a14:hiddenFill>
+            </a:ext>
+            <a:ext uri="{91240B29-F687-4F45-9708-019B960494DF}">
+              <a14:hiddenLine xmlns:a14="http://schemas.microsoft.com/office/drawing/2010/main" w="9525">
+                <a:solidFill>
+                  <a:srgbClr val="000000"/>
+                </a:solidFill>
+                <a:miter lim="800000"/>
+                <a:headEnd/>
+                <a:tailEnd/>
+              </a14:hiddenLine>
+            </a:ext>
+          </a:extLst>
+        </p:spPr>
+        <p:txBody>
+          <a:bodyPr vert="horz" wrap="none" lIns="0" tIns="0" rIns="0" bIns="0" numCol="1" anchor="t" anchorCtr="0" compatLnSpc="1">
+            <a:prstTxWarp prst="textNoShape">
+              <a:avLst/>
+            </a:prstTxWarp>
+            <a:spAutoFit/>
+          </a:bodyPr>
+          <a:lstStyle>
+            <a:lvl1pPr eaLnBrk="0" fontAlgn="base" hangingPunct="0">
+              <a:spcBef>
+                <a:spcPct val="0"/>
+              </a:spcBef>
+              <a:spcAft>
+                <a:spcPct val="0"/>
+              </a:spcAft>
+              <a:defRPr>
+                <a:solidFill>
+                  <a:schemeClr val="tx1"/>
+                </a:solidFill>
+                <a:latin typeface="Arial" panose="020B0604020202020204" pitchFamily="34" charset="0"/>
+              </a:defRPr>
+            </a:lvl1pPr>
+            <a:lvl2pPr eaLnBrk="0" fontAlgn="base" hangingPunct="0">
+              <a:spcBef>
+                <a:spcPct val="0"/>
+              </a:spcBef>
+              <a:spcAft>
+                <a:spcPct val="0"/>
+              </a:spcAft>
+              <a:defRPr>
+                <a:solidFill>
+                  <a:schemeClr val="tx1"/>
+                </a:solidFill>
+                <a:latin typeface="Arial" panose="020B0604020202020204" pitchFamily="34" charset="0"/>
+              </a:defRPr>
+            </a:lvl2pPr>
+            <a:lvl3pPr eaLnBrk="0" fontAlgn="base" hangingPunct="0">
+              <a:spcBef>
+                <a:spcPct val="0"/>
+              </a:spcBef>
+              <a:spcAft>
+                <a:spcPct val="0"/>
+              </a:spcAft>
+              <a:defRPr>
+                <a:solidFill>
+                  <a:schemeClr val="tx1"/>
+                </a:solidFill>
+                <a:latin typeface="Arial" panose="020B0604020202020204" pitchFamily="34" charset="0"/>
+              </a:defRPr>
+            </a:lvl3pPr>
+            <a:lvl4pPr eaLnBrk="0" fontAlgn="base" hangingPunct="0">
+              <a:spcBef>
+                <a:spcPct val="0"/>
+              </a:spcBef>
+              <a:spcAft>
+                <a:spcPct val="0"/>
+              </a:spcAft>
+              <a:defRPr>
+                <a:solidFill>
+                  <a:schemeClr val="tx1"/>
+                </a:solidFill>
+                <a:latin typeface="Arial" panose="020B0604020202020204" pitchFamily="34" charset="0"/>
+              </a:defRPr>
+            </a:lvl4pPr>
+            <a:lvl5pPr eaLnBrk="0" fontAlgn="base" hangingPunct="0">
+              <a:spcBef>
+                <a:spcPct val="0"/>
+              </a:spcBef>
+              <a:spcAft>
+                <a:spcPct val="0"/>
+              </a:spcAft>
+              <a:defRPr>
+                <a:solidFill>
+                  <a:schemeClr val="tx1"/>
+                </a:solidFill>
+                <a:latin typeface="Arial" panose="020B0604020202020204" pitchFamily="34" charset="0"/>
+              </a:defRPr>
+            </a:lvl5pPr>
+            <a:lvl6pPr eaLnBrk="0" fontAlgn="base" hangingPunct="0">
+              <a:spcBef>
+                <a:spcPct val="0"/>
+              </a:spcBef>
+              <a:spcAft>
+                <a:spcPct val="0"/>
+              </a:spcAft>
+              <a:defRPr>
+                <a:solidFill>
+                  <a:schemeClr val="tx1"/>
+                </a:solidFill>
+                <a:latin typeface="Arial" panose="020B0604020202020204" pitchFamily="34" charset="0"/>
+              </a:defRPr>
+            </a:lvl6pPr>
+            <a:lvl7pPr eaLnBrk="0" fontAlgn="base" hangingPunct="0">
+              <a:spcBef>
+                <a:spcPct val="0"/>
+              </a:spcBef>
+              <a:spcAft>
+                <a:spcPct val="0"/>
+              </a:spcAft>
+              <a:defRPr>
+                <a:solidFill>
+                  <a:schemeClr val="tx1"/>
+                </a:solidFill>
+                <a:latin typeface="Arial" panose="020B0604020202020204" pitchFamily="34" charset="0"/>
+              </a:defRPr>
+            </a:lvl7pPr>
+            <a:lvl8pPr eaLnBrk="0" fontAlgn="base" hangingPunct="0">
+              <a:spcBef>
+                <a:spcPct val="0"/>
+              </a:spcBef>
+              <a:spcAft>
+                <a:spcPct val="0"/>
+              </a:spcAft>
+              <a:defRPr>
+                <a:solidFill>
+                  <a:schemeClr val="tx1"/>
+                </a:solidFill>
+                <a:latin typeface="Arial" panose="020B0604020202020204" pitchFamily="34" charset="0"/>
+              </a:defRPr>
+            </a:lvl8pPr>
+            <a:lvl9pPr eaLnBrk="0" fontAlgn="base" hangingPunct="0">
+              <a:spcBef>
+                <a:spcPct val="0"/>
+              </a:spcBef>
+              <a:spcAft>
+                <a:spcPct val="0"/>
+              </a:spcAft>
+              <a:defRPr>
+                <a:solidFill>
+                  <a:schemeClr val="tx1"/>
+                </a:solidFill>
+                <a:latin typeface="Arial" panose="020B0604020202020204" pitchFamily="34" charset="0"/>
+              </a:defRPr>
+            </a:lvl9pPr>
+          </a:lstStyle>
+          <a:p>
+            <a:pPr algn="ctr">
+              <a:defRPr/>
+            </a:pPr>
+            <a:r>
+              <a:rPr lang="zh-CN" altLang="en-US" sz="1100" kern="0" dirty="0">
+                <a:solidFill>
+                  <a:srgbClr val="000000"/>
+                </a:solidFill>
+                <a:ea typeface="等线" panose="02010600030101010101" pitchFamily="2" charset="-122"/>
+                <a:cs typeface="Arial" panose="020B0604020202020204" pitchFamily="34" charset="0"/>
+              </a:rPr>
+              <a:t>发送数据至</a:t>
+            </a:r>
+            <a:endParaRPr lang="zh-CN" altLang="zh-CN" sz="1100" kern="0" dirty="0">
+              <a:solidFill>
+                <a:srgbClr val="000000"/>
+              </a:solidFill>
+              <a:ea typeface="等线" panose="02010600030101010101" pitchFamily="2" charset="-122"/>
+              <a:cs typeface="Arial" panose="020B0604020202020204" pitchFamily="34" charset="0"/>
+            </a:endParaRPr>
+          </a:p>
+        </p:txBody>
+      </p:sp>
+      <p:cxnSp>
+        <p:nvCxnSpPr>
+          <p:cNvPr id="30" name="直接箭头连接符 29">
+            <a:extLst>
+              <a:ext uri="{FF2B5EF4-FFF2-40B4-BE49-F238E27FC236}">
+                <a16:creationId xmlns:a16="http://schemas.microsoft.com/office/drawing/2014/main" id="{A99C372E-0EAC-4901-94E8-9EF769CA8637}"/>
+              </a:ext>
+            </a:extLst>
+          </p:cNvPr>
+          <p:cNvCxnSpPr>
+            <a:cxnSpLocks/>
+            <a:stCxn id="16" idx="3"/>
+            <a:endCxn id="5" idx="34"/>
+          </p:cNvCxnSpPr>
+          <p:nvPr/>
+        </p:nvCxnSpPr>
+        <p:spPr>
+          <a:xfrm flipV="1">
+            <a:off x="4114800" y="3004908"/>
+            <a:ext cx="1404626" cy="3468"/>
+          </a:xfrm>
+          <a:prstGeom prst="straightConnector1">
+            <a:avLst/>
+          </a:prstGeom>
+          <a:ln w="25400">
+            <a:solidFill>
+              <a:srgbClr val="3D6BB6"/>
+            </a:solidFill>
+            <a:headEnd type="triangle"/>
+            <a:tailEnd type="none"/>
+          </a:ln>
+        </p:spPr>
+        <p:style>
+          <a:lnRef idx="1">
+            <a:schemeClr val="accent1"/>
+          </a:lnRef>
+          <a:fillRef idx="0">
+            <a:schemeClr val="accent1"/>
+          </a:fillRef>
+          <a:effectRef idx="0">
+            <a:schemeClr val="accent1"/>
+          </a:effectRef>
+          <a:fontRef idx="minor">
+            <a:schemeClr val="tx1"/>
+          </a:fontRef>
+        </p:style>
+      </p:cxnSp>
+      <p:sp>
+        <p:nvSpPr>
+          <p:cNvPr id="33" name="Rectangle 28">
+            <a:extLst>
+              <a:ext uri="{FF2B5EF4-FFF2-40B4-BE49-F238E27FC236}">
+                <a16:creationId xmlns:a16="http://schemas.microsoft.com/office/drawing/2014/main" id="{3C7C4414-2590-4956-B21A-315AD3D0B1A1}"/>
+              </a:ext>
+            </a:extLst>
+          </p:cNvPr>
+          <p:cNvSpPr>
+            <a:spLocks noChangeArrowheads="1"/>
+          </p:cNvSpPr>
+          <p:nvPr/>
+        </p:nvSpPr>
+        <p:spPr bwMode="auto">
+          <a:xfrm>
+            <a:off x="4381602" y="2829481"/>
+            <a:ext cx="846386" cy="169277"/>
+          </a:xfrm>
+          <a:prstGeom prst="rect">
+            <a:avLst/>
+          </a:prstGeom>
+          <a:noFill/>
+          <a:ln>
+            <a:noFill/>
+          </a:ln>
+          <a:extLst>
+            <a:ext uri="{909E8E84-426E-40DD-AFC4-6F175D3DCCD1}">
+              <a14:hiddenFill xmlns:a14="http://schemas.microsoft.com/office/drawing/2010/main">
+                <a:solidFill>
+                  <a:srgbClr val="FFFFFF"/>
+                </a:solidFill>
+              </a14:hiddenFill>
+            </a:ext>
+            <a:ext uri="{91240B29-F687-4F45-9708-019B960494DF}">
+              <a14:hiddenLine xmlns:a14="http://schemas.microsoft.com/office/drawing/2010/main" w="9525">
+                <a:solidFill>
+                  <a:srgbClr val="000000"/>
+                </a:solidFill>
+                <a:miter lim="800000"/>
+                <a:headEnd/>
+                <a:tailEnd/>
+              </a14:hiddenLine>
+            </a:ext>
+          </a:extLst>
+        </p:spPr>
+        <p:txBody>
+          <a:bodyPr vert="horz" wrap="none" lIns="0" tIns="0" rIns="0" bIns="0" numCol="1" anchor="t" anchorCtr="0" compatLnSpc="1">
+            <a:prstTxWarp prst="textNoShape">
+              <a:avLst/>
+            </a:prstTxWarp>
+            <a:spAutoFit/>
+          </a:bodyPr>
+          <a:lstStyle>
+            <a:lvl1pPr eaLnBrk="0" fontAlgn="base" hangingPunct="0">
+              <a:spcBef>
+                <a:spcPct val="0"/>
+              </a:spcBef>
+              <a:spcAft>
+                <a:spcPct val="0"/>
+              </a:spcAft>
+              <a:defRPr>
+                <a:solidFill>
+                  <a:schemeClr val="tx1"/>
+                </a:solidFill>
+                <a:latin typeface="Arial" panose="020B0604020202020204" pitchFamily="34" charset="0"/>
+              </a:defRPr>
+            </a:lvl1pPr>
+            <a:lvl2pPr eaLnBrk="0" fontAlgn="base" hangingPunct="0">
+              <a:spcBef>
+                <a:spcPct val="0"/>
+              </a:spcBef>
+              <a:spcAft>
+                <a:spcPct val="0"/>
+              </a:spcAft>
+              <a:defRPr>
+                <a:solidFill>
+                  <a:schemeClr val="tx1"/>
+                </a:solidFill>
+                <a:latin typeface="Arial" panose="020B0604020202020204" pitchFamily="34" charset="0"/>
+              </a:defRPr>
+            </a:lvl2pPr>
+            <a:lvl3pPr eaLnBrk="0" fontAlgn="base" hangingPunct="0">
+              <a:spcBef>
+                <a:spcPct val="0"/>
+              </a:spcBef>
+              <a:spcAft>
+                <a:spcPct val="0"/>
+              </a:spcAft>
+              <a:defRPr>
+                <a:solidFill>
+                  <a:schemeClr val="tx1"/>
+                </a:solidFill>
+                <a:latin typeface="Arial" panose="020B0604020202020204" pitchFamily="34" charset="0"/>
+              </a:defRPr>
+            </a:lvl3pPr>
+            <a:lvl4pPr eaLnBrk="0" fontAlgn="base" hangingPunct="0">
+              <a:spcBef>
+                <a:spcPct val="0"/>
+              </a:spcBef>
+              <a:spcAft>
+                <a:spcPct val="0"/>
+              </a:spcAft>
+              <a:defRPr>
+                <a:solidFill>
+                  <a:schemeClr val="tx1"/>
+                </a:solidFill>
+                <a:latin typeface="Arial" panose="020B0604020202020204" pitchFamily="34" charset="0"/>
+              </a:defRPr>
+            </a:lvl4pPr>
+            <a:lvl5pPr eaLnBrk="0" fontAlgn="base" hangingPunct="0">
+              <a:spcBef>
+                <a:spcPct val="0"/>
+              </a:spcBef>
+              <a:spcAft>
+                <a:spcPct val="0"/>
+              </a:spcAft>
+              <a:defRPr>
+                <a:solidFill>
+                  <a:schemeClr val="tx1"/>
+                </a:solidFill>
+                <a:latin typeface="Arial" panose="020B0604020202020204" pitchFamily="34" charset="0"/>
+              </a:defRPr>
+            </a:lvl5pPr>
+            <a:lvl6pPr eaLnBrk="0" fontAlgn="base" hangingPunct="0">
+              <a:spcBef>
+                <a:spcPct val="0"/>
+              </a:spcBef>
+              <a:spcAft>
+                <a:spcPct val="0"/>
+              </a:spcAft>
+              <a:defRPr>
+                <a:solidFill>
+                  <a:schemeClr val="tx1"/>
+                </a:solidFill>
+                <a:latin typeface="Arial" panose="020B0604020202020204" pitchFamily="34" charset="0"/>
+              </a:defRPr>
+            </a:lvl6pPr>
+            <a:lvl7pPr eaLnBrk="0" fontAlgn="base" hangingPunct="0">
+              <a:spcBef>
+                <a:spcPct val="0"/>
+              </a:spcBef>
+              <a:spcAft>
+                <a:spcPct val="0"/>
+              </a:spcAft>
+              <a:defRPr>
+                <a:solidFill>
+                  <a:schemeClr val="tx1"/>
+                </a:solidFill>
+                <a:latin typeface="Arial" panose="020B0604020202020204" pitchFamily="34" charset="0"/>
+              </a:defRPr>
+            </a:lvl7pPr>
+            <a:lvl8pPr eaLnBrk="0" fontAlgn="base" hangingPunct="0">
+              <a:spcBef>
+                <a:spcPct val="0"/>
+              </a:spcBef>
+              <a:spcAft>
+                <a:spcPct val="0"/>
+              </a:spcAft>
+              <a:defRPr>
+                <a:solidFill>
+                  <a:schemeClr val="tx1"/>
+                </a:solidFill>
+                <a:latin typeface="Arial" panose="020B0604020202020204" pitchFamily="34" charset="0"/>
+              </a:defRPr>
+            </a:lvl8pPr>
+            <a:lvl9pPr eaLnBrk="0" fontAlgn="base" hangingPunct="0">
+              <a:spcBef>
+                <a:spcPct val="0"/>
+              </a:spcBef>
+              <a:spcAft>
+                <a:spcPct val="0"/>
+              </a:spcAft>
+              <a:defRPr>
+                <a:solidFill>
+                  <a:schemeClr val="tx1"/>
+                </a:solidFill>
+                <a:latin typeface="Arial" panose="020B0604020202020204" pitchFamily="34" charset="0"/>
+              </a:defRPr>
+            </a:lvl9pPr>
+          </a:lstStyle>
+          <a:p>
+            <a:pPr algn="ctr">
+              <a:defRPr/>
+            </a:pPr>
+            <a:r>
+              <a:rPr lang="zh-CN" altLang="en-US" sz="1100" kern="0" dirty="0">
+                <a:solidFill>
+                  <a:srgbClr val="000000"/>
+                </a:solidFill>
+                <a:ea typeface="等线" panose="02010600030101010101" pitchFamily="2" charset="-122"/>
+                <a:cs typeface="Arial" panose="020B0604020202020204" pitchFamily="34" charset="0"/>
+              </a:rPr>
+              <a:t>收集测点数据</a:t>
+            </a:r>
+            <a:endParaRPr lang="zh-CN" altLang="zh-CN" sz="1100" kern="0" dirty="0">
+              <a:solidFill>
+                <a:srgbClr val="000000"/>
+              </a:solidFill>
+              <a:ea typeface="等线" panose="02010600030101010101" pitchFamily="2" charset="-122"/>
+              <a:cs typeface="Arial" panose="020B0604020202020204" pitchFamily="34" charset="0"/>
+            </a:endParaRPr>
+          </a:p>
+        </p:txBody>
+      </p:sp>
+      <p:sp>
+        <p:nvSpPr>
+          <p:cNvPr id="34" name="TextBox 10">
+            <a:extLst>
+              <a:ext uri="{FF2B5EF4-FFF2-40B4-BE49-F238E27FC236}">
+                <a16:creationId xmlns:a16="http://schemas.microsoft.com/office/drawing/2014/main" id="{EE815C26-65C8-4797-9835-409DE97E8739}"/>
+              </a:ext>
+            </a:extLst>
+          </p:cNvPr>
+          <p:cNvSpPr txBox="1"/>
+          <p:nvPr/>
+        </p:nvSpPr>
+        <p:spPr>
+          <a:xfrm>
+            <a:off x="621357" y="281560"/>
+            <a:ext cx="1915861" cy="307777"/>
+          </a:xfrm>
+          <a:prstGeom prst="rect">
+            <a:avLst/>
+          </a:prstGeom>
+          <a:noFill/>
+        </p:spPr>
+        <p:txBody>
+          <a:bodyPr wrap="square" rtlCol="0">
+            <a:spAutoFit/>
+          </a:bodyPr>
+          <a:lstStyle/>
+          <a:p>
+            <a:pPr>
+              <a:defRPr/>
+            </a:pPr>
+            <a:r>
+              <a:rPr lang="en-US" sz="1400" dirty="0">
+                <a:solidFill>
+                  <a:srgbClr val="182135"/>
+                </a:solidFill>
+                <a:ea typeface="Arial" charset="0"/>
+                <a:cs typeface="Arial" charset="0"/>
+              </a:rPr>
+              <a:t>tutorial_blueprint.png</a:t>
+            </a:r>
+          </a:p>
+        </p:txBody>
+      </p:sp>
+    </p:spTree>
+    <p:extLst>
+      <p:ext uri="{BB962C8B-B14F-4D97-AF65-F5344CB8AC3E}">
+        <p14:creationId xmlns:p14="http://schemas.microsoft.com/office/powerpoint/2010/main" val="3168806085"/>
+      </p:ext>
+    </p:extLst>
+  </p:cSld>
+  <p:clrMapOvr>
+    <a:masterClrMapping/>
+  </p:clrMapOvr>
+</p:sld>
+</file>
+
 <file path=ppt/theme/theme1.xml><?xml version="1.0" encoding="utf-8"?>
 <a:theme xmlns:a="http://schemas.openxmlformats.org/drawingml/2006/main" name="1_自定义设计方案">
   <a:themeElements>
